--- a/Presentations/Project_Final.pptx
+++ b/Presentations/Project_Final.pptx
@@ -330,7 +330,7 @@
       <p15:sldGuideLst xmlns:p15="http://schemas.microsoft.com/office/powerpoint/2012/main"/>
     </p:ext>
     <p:ext uri="GoogleSlidesCustomDataVersion2">
-      <go:slidesCustomData xmlns:go="http://customooxmlschemas.google.com/" xmlns:ahyp="http://schemas.microsoft.com/office/drawing/2018/hyperlinkcolor" xmlns:p15="http://schemas.microsoft.com/office/powerpoint/2012/main" xmlns:p14="http://schemas.microsoft.com/office/powerpoint/2010/main" xmlns:com="http://schemas.openxmlformats.org/drawingml/2006/compatibility" xmlns:pvml="urn:schemas-microsoft-com:office:powerpoint" xmlns:v="urn:schemas-microsoft-com:vml" xmlns:o="urn:schemas-microsoft-com:office:office" xmlns:dgm="http://schemas.openxmlformats.org/drawingml/2006/diagram" xmlns:c="http://schemas.openxmlformats.org/drawingml/2006/chart" xmlns:mv="urn:schemas-microsoft-com:mac:vml" xmlns:mc="http://schemas.openxmlformats.org/markup-compatibility/2006" xmlns="" r:id="rId44" roundtripDataSignature="AMtx7mg5uORYicMT0MeaOpO/20tnanoKVQ=="/>
+      <go:slidesCustomData xmlns="" xmlns:mc="http://schemas.openxmlformats.org/markup-compatibility/2006" xmlns:mv="urn:schemas-microsoft-com:mac:vml" xmlns:c="http://schemas.openxmlformats.org/drawingml/2006/chart" xmlns:dgm="http://schemas.openxmlformats.org/drawingml/2006/diagram" xmlns:o="urn:schemas-microsoft-com:office:office" xmlns:v="urn:schemas-microsoft-com:vml" xmlns:pvml="urn:schemas-microsoft-com:office:powerpoint" xmlns:com="http://schemas.openxmlformats.org/drawingml/2006/compatibility" xmlns:p14="http://schemas.microsoft.com/office/powerpoint/2010/main" xmlns:p15="http://schemas.microsoft.com/office/powerpoint/2012/main" xmlns:ahyp="http://schemas.microsoft.com/office/drawing/2018/hyperlinkcolor" xmlns:go="http://customooxmlschemas.google.com/" r:id="rId44" roundtripDataSignature="AMtx7mg5uORYicMT0MeaOpO/20tnanoKVQ=="/>
     </p:ext>
   </p:extLst>
 </p:presentation>
@@ -18963,6 +18963,36 @@
           </a:p>
         </p:txBody>
       </p:sp>
+      <p:pic>
+        <p:nvPicPr>
+          <p:cNvPr id="3" name="Resim 2">
+            <a:extLst>
+              <a:ext uri="{FF2B5EF4-FFF2-40B4-BE49-F238E27FC236}">
+                <a16:creationId xmlns:a16="http://schemas.microsoft.com/office/drawing/2014/main" id="{FDB7D488-A409-AEFF-A7E1-78EACB949528}"/>
+              </a:ext>
+            </a:extLst>
+          </p:cNvPr>
+          <p:cNvPicPr>
+            <a:picLocks noChangeAspect="1"/>
+          </p:cNvPicPr>
+          <p:nvPr/>
+        </p:nvPicPr>
+        <p:blipFill>
+          <a:blip r:embed="rId3"/>
+          <a:stretch>
+            <a:fillRect/>
+          </a:stretch>
+        </p:blipFill>
+        <p:spPr>
+          <a:xfrm>
+            <a:off x="485422" y="907525"/>
+            <a:ext cx="10840786" cy="5400000"/>
+          </a:xfrm>
+          <a:prstGeom prst="rect">
+            <a:avLst/>
+          </a:prstGeom>
+        </p:spPr>
+      </p:pic>
     </p:spTree>
     <p:extLst>
       <p:ext uri="{BB962C8B-B14F-4D97-AF65-F5344CB8AC3E}">
@@ -19226,32 +19256,34 @@
           </a:bodyPr>
           <a:lstStyle/>
           <a:p>
-            <a:pPr marL="941832" marR="0" lvl="1" indent="-342900" algn="just" rtl="0">
+            <a:pPr marL="228600" lvl="0" indent="-228600" algn="l" rtl="0">
               <a:lnSpc>
                 <a:spcPct val="110000"/>
               </a:lnSpc>
               <a:spcBef>
-                <a:spcPts val="600"/>
-              </a:spcBef>
-              <a:spcAft>
-                <a:spcPts val="0"/>
-              </a:spcAft>
-              <a:buClr>
-                <a:schemeClr val="accent1"/>
-              </a:buClr>
-              <a:buSzPct val="119999"/>
-              <a:buFont typeface="Arial" panose="020B0604020202020204" pitchFamily="34" charset="0"/>
+                <a:spcPts val="0"/>
+              </a:spcBef>
+              <a:spcAft>
+                <a:spcPts val="0"/>
+              </a:spcAft>
+              <a:buSzPts val="3360"/>
               <a:buChar char="•"/>
             </a:pPr>
-            <a:endParaRPr lang="tr-TR" sz="2400" dirty="0">
-              <a:solidFill>
-                <a:schemeClr val="dk1"/>
-              </a:solidFill>
+            <a:r>
+              <a:rPr lang="en-US" sz="2400" dirty="0">
+                <a:latin typeface="+mj-lt"/>
+                <a:ea typeface="Calibri"/>
+                <a:cs typeface="Calibri"/>
+                <a:sym typeface="Calibri"/>
+              </a:rPr>
+              <a:t>Limitations in Varying Environments</a:t>
+            </a:r>
+            <a:endParaRPr lang="en-US" sz="2400" dirty="0">
               <a:latin typeface="+mj-lt"/>
             </a:endParaRPr>
           </a:p>
           <a:p>
-            <a:pPr marL="941832" marR="0" lvl="1" indent="-342900" algn="just" rtl="0">
+            <a:pPr marL="685800" lvl="1" indent="-228600" algn="just" rtl="0">
               <a:lnSpc>
                 <a:spcPct val="110000"/>
               </a:lnSpc>
@@ -19261,46 +19293,125 @@
               <a:spcAft>
                 <a:spcPts val="0"/>
               </a:spcAft>
-              <a:buClr>
-                <a:schemeClr val="accent1"/>
-              </a:buClr>
-              <a:buSzPct val="119999"/>
-              <a:buFont typeface="Arial" panose="020B0604020202020204" pitchFamily="34" charset="0"/>
+              <a:buSzPts val="2880"/>
               <a:buChar char="•"/>
             </a:pPr>
-            <a:endParaRPr lang="tr-TR" sz="2400" dirty="0">
-              <a:solidFill>
-                <a:schemeClr val="dk1"/>
-              </a:solidFill>
+            <a:r>
+              <a:rPr lang="en-US" sz="2400" dirty="0">
+                <a:latin typeface="+mj-lt"/>
+                <a:ea typeface="Calibri"/>
+                <a:cs typeface="Calibri"/>
+                <a:sym typeface="Calibri"/>
+              </a:rPr>
+              <a:t>PID controllers struggle with unknown dynamics such as wind and voltage sag.</a:t>
+            </a:r>
+            <a:endParaRPr lang="en-US" sz="2400" dirty="0">
               <a:latin typeface="+mj-lt"/>
             </a:endParaRPr>
           </a:p>
           <a:p>
-            <a:pPr marL="941832" marR="0" lvl="1" indent="-342900" algn="just" rtl="0">
+            <a:pPr marL="228600" lvl="0" indent="-228600" algn="l" rtl="0">
               <a:lnSpc>
                 <a:spcPct val="110000"/>
               </a:lnSpc>
               <a:spcBef>
+                <a:spcPts val="1000"/>
+              </a:spcBef>
+              <a:spcAft>
+                <a:spcPts val="0"/>
+              </a:spcAft>
+              <a:buSzPts val="3360"/>
+              <a:buChar char="•"/>
+            </a:pPr>
+            <a:r>
+              <a:rPr lang="en-US" sz="2400" dirty="0">
+                <a:latin typeface="+mj-lt"/>
+                <a:ea typeface="Calibri"/>
+                <a:cs typeface="Calibri"/>
+                <a:sym typeface="Calibri"/>
+              </a:rPr>
+              <a:t>Adaptability Requirement</a:t>
+            </a:r>
+            <a:endParaRPr lang="en-US" sz="2400" dirty="0">
+              <a:latin typeface="+mj-lt"/>
+            </a:endParaRPr>
+          </a:p>
+          <a:p>
+            <a:pPr marL="685800" lvl="1" indent="-228600" algn="just" rtl="0">
+              <a:lnSpc>
+                <a:spcPct val="110000"/>
+              </a:lnSpc>
+              <a:spcBef>
                 <a:spcPts val="600"/>
               </a:spcBef>
               <a:spcAft>
                 <a:spcPts val="0"/>
               </a:spcAft>
-              <a:buClr>
-                <a:schemeClr val="accent1"/>
-              </a:buClr>
-              <a:buSzPct val="119999"/>
-              <a:buFont typeface="Arial" panose="020B0604020202020204" pitchFamily="34" charset="0"/>
+              <a:buSzPts val="2880"/>
               <a:buChar char="•"/>
             </a:pPr>
-            <a:endParaRPr sz="2400" b="0" i="0" u="none" strike="noStrike" cap="none" dirty="0">
-              <a:solidFill>
-                <a:schemeClr val="dk1"/>
-              </a:solidFill>
+            <a:r>
+              <a:rPr lang="en-US" sz="2400" dirty="0">
+                <a:latin typeface="+mj-lt"/>
+                <a:ea typeface="Calibri"/>
+                <a:cs typeface="Calibri"/>
+                <a:sym typeface="Calibri"/>
+              </a:rPr>
+              <a:t>Next-gen systems need to adapt to mutable dynamics and varying environments.</a:t>
+            </a:r>
+          </a:p>
+          <a:p>
+            <a:pPr marL="228600" lvl="0" indent="-228600" algn="l" rtl="0">
+              <a:lnSpc>
+                <a:spcPct val="110000"/>
+              </a:lnSpc>
+              <a:spcBef>
+                <a:spcPts val="1000"/>
+              </a:spcBef>
+              <a:spcAft>
+                <a:spcPts val="0"/>
+              </a:spcAft>
+              <a:buSzPts val="3360"/>
+              <a:buChar char="•"/>
+            </a:pPr>
+            <a:r>
+              <a:rPr lang="en-US" sz="2400" dirty="0">
+                <a:latin typeface="+mj-lt"/>
+                <a:ea typeface="Calibri"/>
+                <a:cs typeface="Calibri"/>
+                <a:sym typeface="Calibri"/>
+              </a:rPr>
+              <a:t>Performance in Stable Environments</a:t>
+            </a:r>
+            <a:endParaRPr lang="en-US" sz="2400" dirty="0">
               <a:latin typeface="+mj-lt"/>
-              <a:ea typeface="Arial"/>
-              <a:cs typeface="Arial"/>
-              <a:sym typeface="Arial"/>
+            </a:endParaRPr>
+          </a:p>
+          <a:p>
+            <a:pPr marL="685800" lvl="1" indent="-228600" algn="just" rtl="0">
+              <a:lnSpc>
+                <a:spcPct val="110000"/>
+              </a:lnSpc>
+              <a:spcBef>
+                <a:spcPts val="600"/>
+              </a:spcBef>
+              <a:spcAft>
+                <a:spcPts val="0"/>
+              </a:spcAft>
+              <a:buSzPts val="2880"/>
+              <a:buChar char="•"/>
+            </a:pPr>
+            <a:r>
+              <a:rPr lang="en-US" sz="2400" dirty="0">
+                <a:latin typeface="+mj-lt"/>
+                <a:ea typeface="Calibri"/>
+                <a:cs typeface="Calibri"/>
+                <a:sym typeface="Calibri"/>
+              </a:rPr>
+              <a:t>PID controllers perform close to ideally in stable conditions.</a:t>
+            </a:r>
+            <a:endParaRPr lang="en-US" sz="2400" dirty="0">
+              <a:latin typeface="+mj-lt"/>
             </a:endParaRPr>
           </a:p>
         </p:txBody>
@@ -19597,6 +19708,15 @@
               <a:buFont typeface="Arial" panose="020B0604020202020204" pitchFamily="34" charset="0"/>
               <a:buChar char="•"/>
             </a:pPr>
+            <a:r>
+              <a:rPr lang="tr-TR" sz="2400" dirty="0" err="1">
+                <a:solidFill>
+                  <a:schemeClr val="dk1"/>
+                </a:solidFill>
+                <a:latin typeface="+mj-lt"/>
+              </a:rPr>
+              <a:t>Advantages</a:t>
+            </a:r>
             <a:endParaRPr lang="tr-TR" sz="2400" dirty="0">
               <a:solidFill>
                 <a:schemeClr val="dk1"/>
@@ -19605,7 +19725,7 @@
             </a:endParaRPr>
           </a:p>
           <a:p>
-            <a:pPr marL="941832" marR="0" lvl="1" indent="-342900" algn="just" rtl="0">
+            <a:pPr marL="598932" marR="0" lvl="1" algn="just" rtl="0">
               <a:lnSpc>
                 <a:spcPct val="110000"/>
               </a:lnSpc>
@@ -19619,9 +19739,16 @@
                 <a:schemeClr val="accent1"/>
               </a:buClr>
               <a:buSzPct val="119999"/>
-              <a:buFont typeface="Arial" panose="020B0604020202020204" pitchFamily="34" charset="0"/>
-              <a:buChar char="•"/>
-            </a:pPr>
+            </a:pPr>
+            <a:r>
+              <a:rPr lang="en-US" sz="2400" dirty="0">
+                <a:solidFill>
+                  <a:schemeClr val="dk1"/>
+                </a:solidFill>
+                <a:latin typeface="+mj-lt"/>
+              </a:rPr>
+              <a:t>Self-Learning: RL agents learn control strategies through trial and error in a simulated environment, reducing manual tuning.</a:t>
+            </a:r>
             <a:endParaRPr lang="tr-TR" sz="2400" dirty="0">
               <a:solidFill>
                 <a:schemeClr val="dk1"/>
@@ -19630,7 +19757,7 @@
             </a:endParaRPr>
           </a:p>
           <a:p>
-            <a:pPr marL="941832" marR="0" lvl="1" indent="-342900" algn="just" rtl="0">
+            <a:pPr marL="598932" marR="0" lvl="1" algn="just" rtl="0">
               <a:lnSpc>
                 <a:spcPct val="110000"/>
               </a:lnSpc>
@@ -19644,17 +19771,67 @@
                 <a:schemeClr val="accent1"/>
               </a:buClr>
               <a:buSzPct val="119999"/>
-              <a:buFont typeface="Arial" panose="020B0604020202020204" pitchFamily="34" charset="0"/>
-              <a:buChar char="•"/>
-            </a:pPr>
-            <a:endParaRPr sz="2400" b="0" i="0" u="none" strike="noStrike" cap="none" dirty="0">
+            </a:pPr>
+            <a:endParaRPr lang="tr-TR" sz="2400" dirty="0">
               <a:solidFill>
                 <a:schemeClr val="dk1"/>
               </a:solidFill>
               <a:latin typeface="+mj-lt"/>
-              <a:ea typeface="Arial"/>
-              <a:cs typeface="Arial"/>
-              <a:sym typeface="Arial"/>
+            </a:endParaRPr>
+          </a:p>
+          <a:p>
+            <a:pPr marL="598932" marR="0" lvl="1" algn="just" rtl="0">
+              <a:lnSpc>
+                <a:spcPct val="110000"/>
+              </a:lnSpc>
+              <a:spcBef>
+                <a:spcPts val="600"/>
+              </a:spcBef>
+              <a:spcAft>
+                <a:spcPts val="0"/>
+              </a:spcAft>
+              <a:buClr>
+                <a:schemeClr val="accent1"/>
+              </a:buClr>
+              <a:buSzPct val="119999"/>
+            </a:pPr>
+            <a:r>
+              <a:rPr lang="en-US" sz="2400" dirty="0">
+                <a:solidFill>
+                  <a:schemeClr val="dk1"/>
+                </a:solidFill>
+                <a:latin typeface="+mj-lt"/>
+              </a:rPr>
+              <a:t>Adaptability: RL agents can adapt to changing environments and new tasks by continuously learning from experience.</a:t>
+            </a:r>
+            <a:endParaRPr lang="tr-TR" sz="2400" dirty="0">
+              <a:solidFill>
+                <a:schemeClr val="dk1"/>
+              </a:solidFill>
+              <a:latin typeface="+mj-lt"/>
+            </a:endParaRPr>
+          </a:p>
+          <a:p>
+            <a:pPr marL="598932" marR="0" lvl="1" algn="just" rtl="0">
+              <a:lnSpc>
+                <a:spcPct val="110000"/>
+              </a:lnSpc>
+              <a:spcBef>
+                <a:spcPts val="600"/>
+              </a:spcBef>
+              <a:spcAft>
+                <a:spcPts val="0"/>
+              </a:spcAft>
+              <a:buClr>
+                <a:schemeClr val="accent1"/>
+              </a:buClr>
+              <a:buSzPct val="119999"/>
+            </a:pPr>
+            <a:endParaRPr lang="tr-TR" sz="2400" dirty="0">
+              <a:solidFill>
+                <a:schemeClr val="dk1"/>
+              </a:solidFill>
+              <a:latin typeface="+mj-lt"/>
             </a:endParaRPr>
           </a:p>
         </p:txBody>
@@ -19899,110 +20076,6 @@
       </p:sp>
       <p:sp>
         <p:nvSpPr>
-          <p:cNvPr id="344" name="Google Shape;344;p26"/>
-          <p:cNvSpPr txBox="1"/>
-          <p:nvPr/>
-        </p:nvSpPr>
-        <p:spPr>
-          <a:xfrm>
-            <a:off x="1073247" y="1201213"/>
-            <a:ext cx="10045505" cy="5083277"/>
-          </a:xfrm>
-          <a:prstGeom prst="rect">
-            <a:avLst/>
-          </a:prstGeom>
-          <a:noFill/>
-          <a:ln>
-            <a:noFill/>
-          </a:ln>
-        </p:spPr>
-        <p:txBody>
-          <a:bodyPr spcFirstLastPara="1" wrap="square" lIns="91425" tIns="45700" rIns="91425" bIns="45700" anchor="t" anchorCtr="0">
-            <a:normAutofit/>
-          </a:bodyPr>
-          <a:lstStyle/>
-          <a:p>
-            <a:pPr marL="941832" marR="0" lvl="1" indent="-342900" algn="just" rtl="0">
-              <a:lnSpc>
-                <a:spcPct val="110000"/>
-              </a:lnSpc>
-              <a:spcBef>
-                <a:spcPts val="600"/>
-              </a:spcBef>
-              <a:spcAft>
-                <a:spcPts val="0"/>
-              </a:spcAft>
-              <a:buClr>
-                <a:schemeClr val="accent1"/>
-              </a:buClr>
-              <a:buSzPct val="119999"/>
-              <a:buFont typeface="Arial" panose="020B0604020202020204" pitchFamily="34" charset="0"/>
-              <a:buChar char="•"/>
-            </a:pPr>
-            <a:endParaRPr lang="tr-TR" sz="2400" dirty="0">
-              <a:solidFill>
-                <a:schemeClr val="dk1"/>
-              </a:solidFill>
-              <a:latin typeface="+mj-lt"/>
-            </a:endParaRPr>
-          </a:p>
-          <a:p>
-            <a:pPr marL="941832" marR="0" lvl="1" indent="-342900" algn="just" rtl="0">
-              <a:lnSpc>
-                <a:spcPct val="110000"/>
-              </a:lnSpc>
-              <a:spcBef>
-                <a:spcPts val="600"/>
-              </a:spcBef>
-              <a:spcAft>
-                <a:spcPts val="0"/>
-              </a:spcAft>
-              <a:buClr>
-                <a:schemeClr val="accent1"/>
-              </a:buClr>
-              <a:buSzPct val="119999"/>
-              <a:buFont typeface="Arial" panose="020B0604020202020204" pitchFamily="34" charset="0"/>
-              <a:buChar char="•"/>
-            </a:pPr>
-            <a:endParaRPr lang="tr-TR" sz="2400" dirty="0">
-              <a:solidFill>
-                <a:schemeClr val="dk1"/>
-              </a:solidFill>
-              <a:latin typeface="+mj-lt"/>
-            </a:endParaRPr>
-          </a:p>
-          <a:p>
-            <a:pPr marL="941832" marR="0" lvl="1" indent="-342900" algn="just" rtl="0">
-              <a:lnSpc>
-                <a:spcPct val="110000"/>
-              </a:lnSpc>
-              <a:spcBef>
-                <a:spcPts val="600"/>
-              </a:spcBef>
-              <a:spcAft>
-                <a:spcPts val="0"/>
-              </a:spcAft>
-              <a:buClr>
-                <a:schemeClr val="accent1"/>
-              </a:buClr>
-              <a:buSzPct val="119999"/>
-              <a:buFont typeface="Arial" panose="020B0604020202020204" pitchFamily="34" charset="0"/>
-              <a:buChar char="•"/>
-            </a:pPr>
-            <a:endParaRPr sz="2400" b="0" i="0" u="none" strike="noStrike" cap="none" dirty="0">
-              <a:solidFill>
-                <a:schemeClr val="dk1"/>
-              </a:solidFill>
-              <a:latin typeface="+mj-lt"/>
-              <a:ea typeface="Arial"/>
-              <a:cs typeface="Arial"/>
-              <a:sym typeface="Arial"/>
-            </a:endParaRPr>
-          </a:p>
-        </p:txBody>
-      </p:sp>
-      <p:sp>
-        <p:nvSpPr>
           <p:cNvPr id="2" name="Metin kutusu 1">
             <a:extLst>
               <a:ext uri="{FF2B5EF4-FFF2-40B4-BE49-F238E27FC236}">
@@ -20015,8 +20088,8 @@
         </p:nvSpPr>
         <p:spPr>
           <a:xfrm>
-            <a:off x="-2" y="917246"/>
-            <a:ext cx="6829779" cy="400110"/>
+            <a:off x="-3" y="917246"/>
+            <a:ext cx="9234313" cy="523220"/>
           </a:xfrm>
           <a:prstGeom prst="rect">
             <a:avLst/>
@@ -20030,52 +20103,489 @@
           <a:lstStyle/>
           <a:p>
             <a:r>
-              <a:rPr lang="tr-TR" sz="2000" dirty="0"/>
+              <a:rPr lang="tr-TR" sz="2800" dirty="0"/>
               <a:t>1- </a:t>
             </a:r>
             <a:r>
-              <a:rPr lang="tr-TR" sz="2000" dirty="0" err="1"/>
+              <a:rPr lang="tr-TR" sz="2800" dirty="0" err="1"/>
               <a:t>Deep</a:t>
             </a:r>
             <a:r>
-              <a:rPr lang="tr-TR" sz="2000" dirty="0"/>
+              <a:rPr lang="tr-TR" sz="2800" dirty="0"/>
               <a:t> </a:t>
             </a:r>
             <a:r>
-              <a:rPr lang="tr-TR" sz="2000" dirty="0" err="1"/>
+              <a:rPr lang="tr-TR" sz="2800" dirty="0" err="1"/>
               <a:t>Deterministic</a:t>
             </a:r>
             <a:r>
-              <a:rPr lang="tr-TR" sz="2000" dirty="0"/>
+              <a:rPr lang="tr-TR" sz="2800" dirty="0"/>
               <a:t> </a:t>
             </a:r>
             <a:r>
-              <a:rPr lang="tr-TR" sz="2000" dirty="0" err="1"/>
+              <a:rPr lang="tr-TR" sz="2800" dirty="0" err="1"/>
               <a:t>Policy</a:t>
             </a:r>
             <a:r>
-              <a:rPr lang="tr-TR" sz="2000" dirty="0"/>
+              <a:rPr lang="tr-TR" sz="2800" dirty="0"/>
               <a:t> </a:t>
             </a:r>
             <a:r>
-              <a:rPr lang="tr-TR" sz="2000" dirty="0" err="1"/>
+              <a:rPr lang="tr-TR" sz="2800" dirty="0" err="1"/>
               <a:t>Gradient</a:t>
             </a:r>
             <a:r>
-              <a:rPr lang="tr-TR" sz="2000" dirty="0"/>
+              <a:rPr lang="tr-TR" sz="2800" dirty="0"/>
               <a:t> </a:t>
             </a:r>
             <a:r>
-              <a:rPr lang="tr-TR" sz="2000" dirty="0" err="1"/>
+              <a:rPr lang="tr-TR" sz="2800" dirty="0" err="1"/>
               <a:t>Algorithm</a:t>
             </a:r>
             <a:r>
-              <a:rPr lang="tr-TR" sz="2000" dirty="0"/>
+              <a:rPr lang="tr-TR" sz="2800" dirty="0"/>
               <a:t> (DDPG)</a:t>
             </a:r>
           </a:p>
         </p:txBody>
       </p:sp>
+      <p:sp>
+        <p:nvSpPr>
+          <p:cNvPr id="4" name="Google Shape;155;p8">
+            <a:extLst>
+              <a:ext uri="{FF2B5EF4-FFF2-40B4-BE49-F238E27FC236}">
+                <a16:creationId xmlns:a16="http://schemas.microsoft.com/office/drawing/2014/main" id="{9E19A522-8897-AF72-4512-CA59D59E36C2}"/>
+              </a:ext>
+            </a:extLst>
+          </p:cNvPr>
+          <p:cNvSpPr txBox="1">
+            <a:spLocks/>
+          </p:cNvSpPr>
+          <p:nvPr/>
+        </p:nvSpPr>
+        <p:spPr>
+          <a:xfrm>
+            <a:off x="834195" y="1519229"/>
+            <a:ext cx="6815376" cy="4437524"/>
+          </a:xfrm>
+          <a:prstGeom prst="rect">
+            <a:avLst/>
+          </a:prstGeom>
+          <a:noFill/>
+          <a:ln>
+            <a:noFill/>
+          </a:ln>
+        </p:spPr>
+        <p:txBody>
+          <a:bodyPr spcFirstLastPara="1" wrap="square" lIns="91425" tIns="45700" rIns="91425" bIns="45700" anchor="t" anchorCtr="0">
+            <a:normAutofit/>
+          </a:bodyPr>
+          <a:lstStyle>
+            <a:defPPr marR="0" lvl="0" algn="l" rtl="0">
+              <a:lnSpc>
+                <a:spcPct val="100000"/>
+              </a:lnSpc>
+              <a:spcBef>
+                <a:spcPts val="0"/>
+              </a:spcBef>
+              <a:spcAft>
+                <a:spcPts val="0"/>
+              </a:spcAft>
+            </a:defPPr>
+            <a:lvl1pPr marR="0" lvl="0" algn="l" rtl="0">
+              <a:lnSpc>
+                <a:spcPct val="100000"/>
+              </a:lnSpc>
+              <a:spcBef>
+                <a:spcPts val="0"/>
+              </a:spcBef>
+              <a:spcAft>
+                <a:spcPts val="0"/>
+              </a:spcAft>
+              <a:buClr>
+                <a:srgbClr val="000000"/>
+              </a:buClr>
+              <a:buFont typeface="Arial"/>
+              <a:defRPr sz="1400" b="0" i="0" u="none" strike="noStrike" cap="none">
+                <a:solidFill>
+                  <a:srgbClr val="000000"/>
+                </a:solidFill>
+                <a:latin typeface="Arial"/>
+                <a:ea typeface="Arial"/>
+                <a:cs typeface="Arial"/>
+                <a:sym typeface="Arial"/>
+              </a:defRPr>
+            </a:lvl1pPr>
+            <a:lvl2pPr marR="0" lvl="1" algn="l" rtl="0">
+              <a:lnSpc>
+                <a:spcPct val="100000"/>
+              </a:lnSpc>
+              <a:spcBef>
+                <a:spcPts val="0"/>
+              </a:spcBef>
+              <a:spcAft>
+                <a:spcPts val="0"/>
+              </a:spcAft>
+              <a:buClr>
+                <a:srgbClr val="000000"/>
+              </a:buClr>
+              <a:buFont typeface="Arial"/>
+              <a:defRPr sz="1400" b="0" i="0" u="none" strike="noStrike" cap="none">
+                <a:solidFill>
+                  <a:srgbClr val="000000"/>
+                </a:solidFill>
+                <a:latin typeface="Arial"/>
+                <a:ea typeface="Arial"/>
+                <a:cs typeface="Arial"/>
+                <a:sym typeface="Arial"/>
+              </a:defRPr>
+            </a:lvl2pPr>
+            <a:lvl3pPr marR="0" lvl="2" algn="l" rtl="0">
+              <a:lnSpc>
+                <a:spcPct val="100000"/>
+              </a:lnSpc>
+              <a:spcBef>
+                <a:spcPts val="0"/>
+              </a:spcBef>
+              <a:spcAft>
+                <a:spcPts val="0"/>
+              </a:spcAft>
+              <a:buClr>
+                <a:srgbClr val="000000"/>
+              </a:buClr>
+              <a:buFont typeface="Arial"/>
+              <a:defRPr sz="1400" b="0" i="0" u="none" strike="noStrike" cap="none">
+                <a:solidFill>
+                  <a:srgbClr val="000000"/>
+                </a:solidFill>
+                <a:latin typeface="Arial"/>
+                <a:ea typeface="Arial"/>
+                <a:cs typeface="Arial"/>
+                <a:sym typeface="Arial"/>
+              </a:defRPr>
+            </a:lvl3pPr>
+            <a:lvl4pPr marR="0" lvl="3" algn="l" rtl="0">
+              <a:lnSpc>
+                <a:spcPct val="100000"/>
+              </a:lnSpc>
+              <a:spcBef>
+                <a:spcPts val="0"/>
+              </a:spcBef>
+              <a:spcAft>
+                <a:spcPts val="0"/>
+              </a:spcAft>
+              <a:buClr>
+                <a:srgbClr val="000000"/>
+              </a:buClr>
+              <a:buFont typeface="Arial"/>
+              <a:defRPr sz="1400" b="0" i="0" u="none" strike="noStrike" cap="none">
+                <a:solidFill>
+                  <a:srgbClr val="000000"/>
+                </a:solidFill>
+                <a:latin typeface="Arial"/>
+                <a:ea typeface="Arial"/>
+                <a:cs typeface="Arial"/>
+                <a:sym typeface="Arial"/>
+              </a:defRPr>
+            </a:lvl4pPr>
+            <a:lvl5pPr marR="0" lvl="4" algn="l" rtl="0">
+              <a:lnSpc>
+                <a:spcPct val="100000"/>
+              </a:lnSpc>
+              <a:spcBef>
+                <a:spcPts val="0"/>
+              </a:spcBef>
+              <a:spcAft>
+                <a:spcPts val="0"/>
+              </a:spcAft>
+              <a:buClr>
+                <a:srgbClr val="000000"/>
+              </a:buClr>
+              <a:buFont typeface="Arial"/>
+              <a:defRPr sz="1400" b="0" i="0" u="none" strike="noStrike" cap="none">
+                <a:solidFill>
+                  <a:srgbClr val="000000"/>
+                </a:solidFill>
+                <a:latin typeface="Arial"/>
+                <a:ea typeface="Arial"/>
+                <a:cs typeface="Arial"/>
+                <a:sym typeface="Arial"/>
+              </a:defRPr>
+            </a:lvl5pPr>
+            <a:lvl6pPr marR="0" lvl="5" algn="l" rtl="0">
+              <a:lnSpc>
+                <a:spcPct val="100000"/>
+              </a:lnSpc>
+              <a:spcBef>
+                <a:spcPts val="0"/>
+              </a:spcBef>
+              <a:spcAft>
+                <a:spcPts val="0"/>
+              </a:spcAft>
+              <a:buClr>
+                <a:srgbClr val="000000"/>
+              </a:buClr>
+              <a:buFont typeface="Arial"/>
+              <a:defRPr sz="1400" b="0" i="0" u="none" strike="noStrike" cap="none">
+                <a:solidFill>
+                  <a:srgbClr val="000000"/>
+                </a:solidFill>
+                <a:latin typeface="Arial"/>
+                <a:ea typeface="Arial"/>
+                <a:cs typeface="Arial"/>
+                <a:sym typeface="Arial"/>
+              </a:defRPr>
+            </a:lvl6pPr>
+            <a:lvl7pPr marR="0" lvl="6" algn="l" rtl="0">
+              <a:lnSpc>
+                <a:spcPct val="100000"/>
+              </a:lnSpc>
+              <a:spcBef>
+                <a:spcPts val="0"/>
+              </a:spcBef>
+              <a:spcAft>
+                <a:spcPts val="0"/>
+              </a:spcAft>
+              <a:buClr>
+                <a:srgbClr val="000000"/>
+              </a:buClr>
+              <a:buFont typeface="Arial"/>
+              <a:defRPr sz="1400" b="0" i="0" u="none" strike="noStrike" cap="none">
+                <a:solidFill>
+                  <a:srgbClr val="000000"/>
+                </a:solidFill>
+                <a:latin typeface="Arial"/>
+                <a:ea typeface="Arial"/>
+                <a:cs typeface="Arial"/>
+                <a:sym typeface="Arial"/>
+              </a:defRPr>
+            </a:lvl7pPr>
+            <a:lvl8pPr marR="0" lvl="7" algn="l" rtl="0">
+              <a:lnSpc>
+                <a:spcPct val="100000"/>
+              </a:lnSpc>
+              <a:spcBef>
+                <a:spcPts val="0"/>
+              </a:spcBef>
+              <a:spcAft>
+                <a:spcPts val="0"/>
+              </a:spcAft>
+              <a:buClr>
+                <a:srgbClr val="000000"/>
+              </a:buClr>
+              <a:buFont typeface="Arial"/>
+              <a:defRPr sz="1400" b="0" i="0" u="none" strike="noStrike" cap="none">
+                <a:solidFill>
+                  <a:srgbClr val="000000"/>
+                </a:solidFill>
+                <a:latin typeface="Arial"/>
+                <a:ea typeface="Arial"/>
+                <a:cs typeface="Arial"/>
+                <a:sym typeface="Arial"/>
+              </a:defRPr>
+            </a:lvl8pPr>
+            <a:lvl9pPr marR="0" lvl="8" algn="l" rtl="0">
+              <a:lnSpc>
+                <a:spcPct val="100000"/>
+              </a:lnSpc>
+              <a:spcBef>
+                <a:spcPts val="0"/>
+              </a:spcBef>
+              <a:spcAft>
+                <a:spcPts val="0"/>
+              </a:spcAft>
+              <a:buClr>
+                <a:srgbClr val="000000"/>
+              </a:buClr>
+              <a:buFont typeface="Arial"/>
+              <a:defRPr sz="1400" b="0" i="0" u="none" strike="noStrike" cap="none">
+                <a:solidFill>
+                  <a:srgbClr val="000000"/>
+                </a:solidFill>
+                <a:latin typeface="Arial"/>
+                <a:ea typeface="Arial"/>
+                <a:cs typeface="Arial"/>
+                <a:sym typeface="Arial"/>
+              </a:defRPr>
+            </a:lvl9pPr>
+          </a:lstStyle>
+          <a:p>
+            <a:pPr marL="285750" indent="-285750">
+              <a:lnSpc>
+                <a:spcPct val="110000"/>
+              </a:lnSpc>
+              <a:buSzPts val="3360"/>
+              <a:buFont typeface="Arial"/>
+              <a:buChar char="•"/>
+            </a:pPr>
+            <a:r>
+              <a:rPr lang="en-US" sz="2400" dirty="0">
+                <a:solidFill>
+                  <a:srgbClr val="212121"/>
+                </a:solidFill>
+                <a:highlight>
+                  <a:srgbClr val="FFFFFF"/>
+                </a:highlight>
+                <a:latin typeface="+mn-lt"/>
+                <a:ea typeface="Calibri"/>
+                <a:cs typeface="Calibri"/>
+                <a:sym typeface="Calibri"/>
+              </a:rPr>
+              <a:t>Model-free, online, off-policy reinforcement learning method</a:t>
+            </a:r>
+          </a:p>
+          <a:p>
+            <a:pPr marL="285750" indent="-285750">
+              <a:lnSpc>
+                <a:spcPct val="110000"/>
+              </a:lnSpc>
+              <a:spcBef>
+                <a:spcPts val="1000"/>
+              </a:spcBef>
+              <a:buSzPts val="3360"/>
+              <a:buFont typeface="Arial"/>
+              <a:buChar char="•"/>
+            </a:pPr>
+            <a:r>
+              <a:rPr lang="en-US" sz="2400" dirty="0">
+                <a:solidFill>
+                  <a:srgbClr val="212121"/>
+                </a:solidFill>
+                <a:highlight>
+                  <a:srgbClr val="FFFFFF"/>
+                </a:highlight>
+                <a:latin typeface="+mn-lt"/>
+                <a:ea typeface="Calibri"/>
+                <a:cs typeface="Calibri"/>
+                <a:sym typeface="Calibri"/>
+              </a:rPr>
+              <a:t>DDPG agent is an actor-critic reinforcement learning agent</a:t>
+            </a:r>
+          </a:p>
+          <a:p>
+            <a:pPr marL="285750" indent="-285750">
+              <a:lnSpc>
+                <a:spcPct val="110000"/>
+              </a:lnSpc>
+              <a:spcBef>
+                <a:spcPts val="1000"/>
+              </a:spcBef>
+              <a:buSzPts val="3360"/>
+              <a:buFont typeface="Arial"/>
+              <a:buChar char="•"/>
+            </a:pPr>
+            <a:r>
+              <a:rPr lang="en-US" sz="2400" b="1" dirty="0">
+                <a:solidFill>
+                  <a:srgbClr val="212121"/>
+                </a:solidFill>
+                <a:highlight>
+                  <a:srgbClr val="FFFFFF"/>
+                </a:highlight>
+                <a:latin typeface="+mn-lt"/>
+                <a:ea typeface="Calibri"/>
+                <a:cs typeface="Calibri"/>
+                <a:sym typeface="Calibri"/>
+              </a:rPr>
+              <a:t>Actor: </a:t>
+            </a:r>
+            <a:r>
+              <a:rPr lang="en-US" sz="2400" dirty="0">
+                <a:solidFill>
+                  <a:srgbClr val="212121"/>
+                </a:solidFill>
+                <a:highlight>
+                  <a:srgbClr val="FFFFFF"/>
+                </a:highlight>
+                <a:latin typeface="+mn-lt"/>
+                <a:ea typeface="Calibri"/>
+                <a:cs typeface="Calibri"/>
+                <a:sym typeface="Calibri"/>
+              </a:rPr>
+              <a:t>takes state and returns corresponding actions </a:t>
+            </a:r>
+            <a:endParaRPr lang="en-US" sz="2400" dirty="0">
+              <a:latin typeface="+mn-lt"/>
+            </a:endParaRPr>
+          </a:p>
+          <a:p>
+            <a:pPr marL="285750" indent="-285750">
+              <a:lnSpc>
+                <a:spcPct val="110000"/>
+              </a:lnSpc>
+              <a:spcBef>
+                <a:spcPts val="1000"/>
+              </a:spcBef>
+              <a:buSzPts val="3360"/>
+              <a:buFont typeface="Arial"/>
+              <a:buChar char="•"/>
+            </a:pPr>
+            <a:r>
+              <a:rPr lang="en-US" sz="2400" b="1" dirty="0">
+                <a:solidFill>
+                  <a:srgbClr val="212121"/>
+                </a:solidFill>
+                <a:highlight>
+                  <a:srgbClr val="FFFFFF"/>
+                </a:highlight>
+                <a:latin typeface="+mn-lt"/>
+                <a:ea typeface="Calibri"/>
+                <a:cs typeface="Calibri"/>
+                <a:sym typeface="Calibri"/>
+              </a:rPr>
+              <a:t>Critic: </a:t>
+            </a:r>
+            <a:r>
+              <a:rPr lang="en-US" sz="2400" dirty="0">
+                <a:solidFill>
+                  <a:srgbClr val="212121"/>
+                </a:solidFill>
+                <a:highlight>
+                  <a:srgbClr val="FFFFFF"/>
+                </a:highlight>
+                <a:latin typeface="+mn-lt"/>
+                <a:ea typeface="Calibri"/>
+                <a:cs typeface="Calibri"/>
+                <a:sym typeface="Calibri"/>
+              </a:rPr>
+              <a:t>takes observation and action as input and return corresponding expectation of the long term reward</a:t>
+            </a:r>
+          </a:p>
+        </p:txBody>
+      </p:sp>
+      <p:pic>
+        <p:nvPicPr>
+          <p:cNvPr id="5" name="Google Shape;159;p8">
+            <a:extLst>
+              <a:ext uri="{FF2B5EF4-FFF2-40B4-BE49-F238E27FC236}">
+                <a16:creationId xmlns:a16="http://schemas.microsoft.com/office/drawing/2014/main" id="{8B9AAA07-96E6-6C68-C946-D03F902DF547}"/>
+              </a:ext>
+            </a:extLst>
+          </p:cNvPr>
+          <p:cNvPicPr preferRelativeResize="0"/>
+          <p:nvPr/>
+        </p:nvPicPr>
+        <p:blipFill rotWithShape="1">
+          <a:blip r:embed="rId3">
+            <a:alphaModFix/>
+          </a:blip>
+          <a:srcRect/>
+          <a:stretch/>
+        </p:blipFill>
+        <p:spPr>
+          <a:xfrm>
+            <a:off x="7732231" y="1856235"/>
+            <a:ext cx="3977985" cy="3292125"/>
+          </a:xfrm>
+          <a:prstGeom prst="rect">
+            <a:avLst/>
+          </a:prstGeom>
+          <a:noFill/>
+          <a:ln>
+            <a:noFill/>
+          </a:ln>
+        </p:spPr>
+      </p:pic>
     </p:spTree>
     <p:extLst>
       <p:ext uri="{BB962C8B-B14F-4D97-AF65-F5344CB8AC3E}">
@@ -20312,110 +20822,6 @@
       </p:sp>
       <p:sp>
         <p:nvSpPr>
-          <p:cNvPr id="344" name="Google Shape;344;p26"/>
-          <p:cNvSpPr txBox="1"/>
-          <p:nvPr/>
-        </p:nvSpPr>
-        <p:spPr>
-          <a:xfrm>
-            <a:off x="1073247" y="1201213"/>
-            <a:ext cx="10045505" cy="5083277"/>
-          </a:xfrm>
-          <a:prstGeom prst="rect">
-            <a:avLst/>
-          </a:prstGeom>
-          <a:noFill/>
-          <a:ln>
-            <a:noFill/>
-          </a:ln>
-        </p:spPr>
-        <p:txBody>
-          <a:bodyPr spcFirstLastPara="1" wrap="square" lIns="91425" tIns="45700" rIns="91425" bIns="45700" anchor="t" anchorCtr="0">
-            <a:normAutofit/>
-          </a:bodyPr>
-          <a:lstStyle/>
-          <a:p>
-            <a:pPr marL="941832" marR="0" lvl="1" indent="-342900" algn="just" rtl="0">
-              <a:lnSpc>
-                <a:spcPct val="110000"/>
-              </a:lnSpc>
-              <a:spcBef>
-                <a:spcPts val="600"/>
-              </a:spcBef>
-              <a:spcAft>
-                <a:spcPts val="0"/>
-              </a:spcAft>
-              <a:buClr>
-                <a:schemeClr val="accent1"/>
-              </a:buClr>
-              <a:buSzPct val="119999"/>
-              <a:buFont typeface="Arial" panose="020B0604020202020204" pitchFamily="34" charset="0"/>
-              <a:buChar char="•"/>
-            </a:pPr>
-            <a:endParaRPr lang="tr-TR" sz="2400" dirty="0">
-              <a:solidFill>
-                <a:schemeClr val="dk1"/>
-              </a:solidFill>
-              <a:latin typeface="+mj-lt"/>
-            </a:endParaRPr>
-          </a:p>
-          <a:p>
-            <a:pPr marL="941832" marR="0" lvl="1" indent="-342900" algn="just" rtl="0">
-              <a:lnSpc>
-                <a:spcPct val="110000"/>
-              </a:lnSpc>
-              <a:spcBef>
-                <a:spcPts val="600"/>
-              </a:spcBef>
-              <a:spcAft>
-                <a:spcPts val="0"/>
-              </a:spcAft>
-              <a:buClr>
-                <a:schemeClr val="accent1"/>
-              </a:buClr>
-              <a:buSzPct val="119999"/>
-              <a:buFont typeface="Arial" panose="020B0604020202020204" pitchFamily="34" charset="0"/>
-              <a:buChar char="•"/>
-            </a:pPr>
-            <a:endParaRPr lang="tr-TR" sz="2400" dirty="0">
-              <a:solidFill>
-                <a:schemeClr val="dk1"/>
-              </a:solidFill>
-              <a:latin typeface="+mj-lt"/>
-            </a:endParaRPr>
-          </a:p>
-          <a:p>
-            <a:pPr marL="941832" marR="0" lvl="1" indent="-342900" algn="just" rtl="0">
-              <a:lnSpc>
-                <a:spcPct val="110000"/>
-              </a:lnSpc>
-              <a:spcBef>
-                <a:spcPts val="600"/>
-              </a:spcBef>
-              <a:spcAft>
-                <a:spcPts val="0"/>
-              </a:spcAft>
-              <a:buClr>
-                <a:schemeClr val="accent1"/>
-              </a:buClr>
-              <a:buSzPct val="119999"/>
-              <a:buFont typeface="Arial" panose="020B0604020202020204" pitchFamily="34" charset="0"/>
-              <a:buChar char="•"/>
-            </a:pPr>
-            <a:endParaRPr sz="2400" b="0" i="0" u="none" strike="noStrike" cap="none" dirty="0">
-              <a:solidFill>
-                <a:schemeClr val="dk1"/>
-              </a:solidFill>
-              <a:latin typeface="+mj-lt"/>
-              <a:ea typeface="Arial"/>
-              <a:cs typeface="Arial"/>
-              <a:sym typeface="Arial"/>
-            </a:endParaRPr>
-          </a:p>
-        </p:txBody>
-      </p:sp>
-      <p:sp>
-        <p:nvSpPr>
           <p:cNvPr id="2" name="Metin kutusu 1">
             <a:extLst>
               <a:ext uri="{FF2B5EF4-FFF2-40B4-BE49-F238E27FC236}">
@@ -20429,7 +20835,7 @@
         <p:spPr>
           <a:xfrm>
             <a:off x="-2" y="917246"/>
-            <a:ext cx="6829779" cy="400110"/>
+            <a:ext cx="6829779" cy="523220"/>
           </a:xfrm>
           <a:prstGeom prst="rect">
             <a:avLst/>
@@ -20443,36 +20849,544 @@
           <a:lstStyle/>
           <a:p>
             <a:r>
-              <a:rPr lang="tr-TR" sz="2000" dirty="0"/>
+              <a:rPr lang="tr-TR" sz="2800" dirty="0"/>
               <a:t>2- </a:t>
             </a:r>
             <a:r>
-              <a:rPr lang="tr-TR" sz="2000" dirty="0" err="1"/>
+              <a:rPr lang="tr-TR" sz="2800" dirty="0" err="1"/>
               <a:t>Proximal</a:t>
             </a:r>
             <a:r>
-              <a:rPr lang="tr-TR" sz="2000" dirty="0"/>
+              <a:rPr lang="tr-TR" sz="2800" dirty="0"/>
               <a:t> </a:t>
             </a:r>
             <a:r>
-              <a:rPr lang="tr-TR" sz="2000" dirty="0" err="1"/>
+              <a:rPr lang="tr-TR" sz="2800" dirty="0" err="1"/>
               <a:t>Policy</a:t>
             </a:r>
             <a:r>
-              <a:rPr lang="tr-TR" sz="2000" dirty="0"/>
+              <a:rPr lang="tr-TR" sz="2800" dirty="0"/>
               <a:t> </a:t>
             </a:r>
             <a:r>
-              <a:rPr lang="tr-TR" sz="2000" dirty="0" err="1"/>
+              <a:rPr lang="tr-TR" sz="2800" dirty="0" err="1"/>
               <a:t>Optimization</a:t>
             </a:r>
             <a:r>
-              <a:rPr lang="tr-TR" sz="2000" dirty="0"/>
+              <a:rPr lang="tr-TR" sz="2800" dirty="0"/>
               <a:t> (PPO)</a:t>
             </a:r>
           </a:p>
         </p:txBody>
       </p:sp>
+      <p:sp>
+        <p:nvSpPr>
+          <p:cNvPr id="5" name="Google Shape;166;p9">
+            <a:extLst>
+              <a:ext uri="{FF2B5EF4-FFF2-40B4-BE49-F238E27FC236}">
+                <a16:creationId xmlns:a16="http://schemas.microsoft.com/office/drawing/2014/main" id="{11DEF098-ABCE-7E18-A465-F63D8C8DA27F}"/>
+              </a:ext>
+            </a:extLst>
+          </p:cNvPr>
+          <p:cNvSpPr txBox="1">
+            <a:spLocks/>
+          </p:cNvSpPr>
+          <p:nvPr/>
+        </p:nvSpPr>
+        <p:spPr>
+          <a:xfrm>
+            <a:off x="777750" y="1519229"/>
+            <a:ext cx="6815376" cy="4437524"/>
+          </a:xfrm>
+          <a:prstGeom prst="rect">
+            <a:avLst/>
+          </a:prstGeom>
+          <a:noFill/>
+          <a:ln>
+            <a:noFill/>
+          </a:ln>
+        </p:spPr>
+        <p:txBody>
+          <a:bodyPr spcFirstLastPara="1" wrap="square" lIns="91425" tIns="45700" rIns="91425" bIns="45700" anchor="t" anchorCtr="0">
+            <a:normAutofit/>
+          </a:bodyPr>
+          <a:lstStyle>
+            <a:defPPr marR="0" lvl="0" algn="l" rtl="0">
+              <a:lnSpc>
+                <a:spcPct val="100000"/>
+              </a:lnSpc>
+              <a:spcBef>
+                <a:spcPts val="0"/>
+              </a:spcBef>
+              <a:spcAft>
+                <a:spcPts val="0"/>
+              </a:spcAft>
+            </a:defPPr>
+            <a:lvl1pPr marR="0" lvl="0" algn="l" rtl="0">
+              <a:lnSpc>
+                <a:spcPct val="100000"/>
+              </a:lnSpc>
+              <a:spcBef>
+                <a:spcPts val="0"/>
+              </a:spcBef>
+              <a:spcAft>
+                <a:spcPts val="0"/>
+              </a:spcAft>
+              <a:buClr>
+                <a:srgbClr val="000000"/>
+              </a:buClr>
+              <a:buFont typeface="Arial"/>
+              <a:defRPr sz="1400" b="0" i="0" u="none" strike="noStrike" cap="none">
+                <a:solidFill>
+                  <a:srgbClr val="000000"/>
+                </a:solidFill>
+                <a:latin typeface="Arial"/>
+                <a:ea typeface="Arial"/>
+                <a:cs typeface="Arial"/>
+                <a:sym typeface="Arial"/>
+              </a:defRPr>
+            </a:lvl1pPr>
+            <a:lvl2pPr marR="0" lvl="1" algn="l" rtl="0">
+              <a:lnSpc>
+                <a:spcPct val="100000"/>
+              </a:lnSpc>
+              <a:spcBef>
+                <a:spcPts val="0"/>
+              </a:spcBef>
+              <a:spcAft>
+                <a:spcPts val="0"/>
+              </a:spcAft>
+              <a:buClr>
+                <a:srgbClr val="000000"/>
+              </a:buClr>
+              <a:buFont typeface="Arial"/>
+              <a:defRPr sz="1400" b="0" i="0" u="none" strike="noStrike" cap="none">
+                <a:solidFill>
+                  <a:srgbClr val="000000"/>
+                </a:solidFill>
+                <a:latin typeface="Arial"/>
+                <a:ea typeface="Arial"/>
+                <a:cs typeface="Arial"/>
+                <a:sym typeface="Arial"/>
+              </a:defRPr>
+            </a:lvl2pPr>
+            <a:lvl3pPr marR="0" lvl="2" algn="l" rtl="0">
+              <a:lnSpc>
+                <a:spcPct val="100000"/>
+              </a:lnSpc>
+              <a:spcBef>
+                <a:spcPts val="0"/>
+              </a:spcBef>
+              <a:spcAft>
+                <a:spcPts val="0"/>
+              </a:spcAft>
+              <a:buClr>
+                <a:srgbClr val="000000"/>
+              </a:buClr>
+              <a:buFont typeface="Arial"/>
+              <a:defRPr sz="1400" b="0" i="0" u="none" strike="noStrike" cap="none">
+                <a:solidFill>
+                  <a:srgbClr val="000000"/>
+                </a:solidFill>
+                <a:latin typeface="Arial"/>
+                <a:ea typeface="Arial"/>
+                <a:cs typeface="Arial"/>
+                <a:sym typeface="Arial"/>
+              </a:defRPr>
+            </a:lvl3pPr>
+            <a:lvl4pPr marR="0" lvl="3" algn="l" rtl="0">
+              <a:lnSpc>
+                <a:spcPct val="100000"/>
+              </a:lnSpc>
+              <a:spcBef>
+                <a:spcPts val="0"/>
+              </a:spcBef>
+              <a:spcAft>
+                <a:spcPts val="0"/>
+              </a:spcAft>
+              <a:buClr>
+                <a:srgbClr val="000000"/>
+              </a:buClr>
+              <a:buFont typeface="Arial"/>
+              <a:defRPr sz="1400" b="0" i="0" u="none" strike="noStrike" cap="none">
+                <a:solidFill>
+                  <a:srgbClr val="000000"/>
+                </a:solidFill>
+                <a:latin typeface="Arial"/>
+                <a:ea typeface="Arial"/>
+                <a:cs typeface="Arial"/>
+                <a:sym typeface="Arial"/>
+              </a:defRPr>
+            </a:lvl4pPr>
+            <a:lvl5pPr marR="0" lvl="4" algn="l" rtl="0">
+              <a:lnSpc>
+                <a:spcPct val="100000"/>
+              </a:lnSpc>
+              <a:spcBef>
+                <a:spcPts val="0"/>
+              </a:spcBef>
+              <a:spcAft>
+                <a:spcPts val="0"/>
+              </a:spcAft>
+              <a:buClr>
+                <a:srgbClr val="000000"/>
+              </a:buClr>
+              <a:buFont typeface="Arial"/>
+              <a:defRPr sz="1400" b="0" i="0" u="none" strike="noStrike" cap="none">
+                <a:solidFill>
+                  <a:srgbClr val="000000"/>
+                </a:solidFill>
+                <a:latin typeface="Arial"/>
+                <a:ea typeface="Arial"/>
+                <a:cs typeface="Arial"/>
+                <a:sym typeface="Arial"/>
+              </a:defRPr>
+            </a:lvl5pPr>
+            <a:lvl6pPr marR="0" lvl="5" algn="l" rtl="0">
+              <a:lnSpc>
+                <a:spcPct val="100000"/>
+              </a:lnSpc>
+              <a:spcBef>
+                <a:spcPts val="0"/>
+              </a:spcBef>
+              <a:spcAft>
+                <a:spcPts val="0"/>
+              </a:spcAft>
+              <a:buClr>
+                <a:srgbClr val="000000"/>
+              </a:buClr>
+              <a:buFont typeface="Arial"/>
+              <a:defRPr sz="1400" b="0" i="0" u="none" strike="noStrike" cap="none">
+                <a:solidFill>
+                  <a:srgbClr val="000000"/>
+                </a:solidFill>
+                <a:latin typeface="Arial"/>
+                <a:ea typeface="Arial"/>
+                <a:cs typeface="Arial"/>
+                <a:sym typeface="Arial"/>
+              </a:defRPr>
+            </a:lvl6pPr>
+            <a:lvl7pPr marR="0" lvl="6" algn="l" rtl="0">
+              <a:lnSpc>
+                <a:spcPct val="100000"/>
+              </a:lnSpc>
+              <a:spcBef>
+                <a:spcPts val="0"/>
+              </a:spcBef>
+              <a:spcAft>
+                <a:spcPts val="0"/>
+              </a:spcAft>
+              <a:buClr>
+                <a:srgbClr val="000000"/>
+              </a:buClr>
+              <a:buFont typeface="Arial"/>
+              <a:defRPr sz="1400" b="0" i="0" u="none" strike="noStrike" cap="none">
+                <a:solidFill>
+                  <a:srgbClr val="000000"/>
+                </a:solidFill>
+                <a:latin typeface="Arial"/>
+                <a:ea typeface="Arial"/>
+                <a:cs typeface="Arial"/>
+                <a:sym typeface="Arial"/>
+              </a:defRPr>
+            </a:lvl7pPr>
+            <a:lvl8pPr marR="0" lvl="7" algn="l" rtl="0">
+              <a:lnSpc>
+                <a:spcPct val="100000"/>
+              </a:lnSpc>
+              <a:spcBef>
+                <a:spcPts val="0"/>
+              </a:spcBef>
+              <a:spcAft>
+                <a:spcPts val="0"/>
+              </a:spcAft>
+              <a:buClr>
+                <a:srgbClr val="000000"/>
+              </a:buClr>
+              <a:buFont typeface="Arial"/>
+              <a:defRPr sz="1400" b="0" i="0" u="none" strike="noStrike" cap="none">
+                <a:solidFill>
+                  <a:srgbClr val="000000"/>
+                </a:solidFill>
+                <a:latin typeface="Arial"/>
+                <a:ea typeface="Arial"/>
+                <a:cs typeface="Arial"/>
+                <a:sym typeface="Arial"/>
+              </a:defRPr>
+            </a:lvl8pPr>
+            <a:lvl9pPr marR="0" lvl="8" algn="l" rtl="0">
+              <a:lnSpc>
+                <a:spcPct val="100000"/>
+              </a:lnSpc>
+              <a:spcBef>
+                <a:spcPts val="0"/>
+              </a:spcBef>
+              <a:spcAft>
+                <a:spcPts val="0"/>
+              </a:spcAft>
+              <a:buClr>
+                <a:srgbClr val="000000"/>
+              </a:buClr>
+              <a:buFont typeface="Arial"/>
+              <a:defRPr sz="1400" b="0" i="0" u="none" strike="noStrike" cap="none">
+                <a:solidFill>
+                  <a:srgbClr val="000000"/>
+                </a:solidFill>
+                <a:latin typeface="Arial"/>
+                <a:ea typeface="Arial"/>
+                <a:cs typeface="Arial"/>
+                <a:sym typeface="Arial"/>
+              </a:defRPr>
+            </a:lvl9pPr>
+          </a:lstStyle>
+          <a:p>
+            <a:pPr marL="285750" indent="-285750">
+              <a:lnSpc>
+                <a:spcPct val="110000"/>
+              </a:lnSpc>
+              <a:buSzPts val="3360"/>
+              <a:buFont typeface="Arial"/>
+              <a:buChar char="•"/>
+            </a:pPr>
+            <a:r>
+              <a:rPr lang="en-US" sz="2400" dirty="0">
+                <a:solidFill>
+                  <a:srgbClr val="212121"/>
+                </a:solidFill>
+                <a:highlight>
+                  <a:srgbClr val="FFFFFF"/>
+                </a:highlight>
+                <a:latin typeface="+mn-lt"/>
+                <a:ea typeface="Roboto"/>
+                <a:cs typeface="Roboto"/>
+                <a:sym typeface="Roboto"/>
+              </a:rPr>
+              <a:t>Model-free, online, on-policy, policy gradient reinforcement learning algorithm</a:t>
+            </a:r>
+          </a:p>
+          <a:p>
+            <a:pPr marL="285750" indent="-285750">
+              <a:lnSpc>
+                <a:spcPct val="110000"/>
+              </a:lnSpc>
+              <a:spcBef>
+                <a:spcPts val="1000"/>
+              </a:spcBef>
+              <a:buSzPts val="3360"/>
+              <a:buFont typeface="Arial"/>
+              <a:buChar char="•"/>
+            </a:pPr>
+            <a:r>
+              <a:rPr lang="en-US" sz="2400" dirty="0">
+                <a:solidFill>
+                  <a:srgbClr val="212121"/>
+                </a:solidFill>
+                <a:highlight>
+                  <a:srgbClr val="FFFFFF"/>
+                </a:highlight>
+                <a:latin typeface="+mn-lt"/>
+                <a:ea typeface="Roboto"/>
+                <a:cs typeface="Roboto"/>
+                <a:sym typeface="Roboto"/>
+              </a:rPr>
+              <a:t>Working process is</a:t>
+            </a:r>
+            <a:endParaRPr lang="en-US" sz="2400" dirty="0">
+              <a:latin typeface="+mn-lt"/>
+            </a:endParaRPr>
+          </a:p>
+          <a:p>
+            <a:pPr marL="742950" lvl="1" indent="-285750" algn="just">
+              <a:lnSpc>
+                <a:spcPct val="110000"/>
+              </a:lnSpc>
+              <a:spcBef>
+                <a:spcPts val="600"/>
+              </a:spcBef>
+              <a:buSzPts val="2880"/>
+              <a:buFont typeface="Noto Sans Symbols"/>
+              <a:buChar char="⮚"/>
+            </a:pPr>
+            <a:r>
+              <a:rPr lang="en-US" sz="2400" dirty="0">
+                <a:solidFill>
+                  <a:srgbClr val="212121"/>
+                </a:solidFill>
+                <a:highlight>
+                  <a:srgbClr val="FFFFFF"/>
+                </a:highlight>
+                <a:latin typeface="+mn-lt"/>
+                <a:ea typeface="Roboto"/>
+                <a:cs typeface="Roboto"/>
+                <a:sym typeface="Roboto"/>
+              </a:rPr>
+              <a:t>Decide step size </a:t>
+            </a:r>
+            <a:r>
+              <a:rPr lang="en-US" sz="2400" i="1" dirty="0">
+                <a:solidFill>
+                  <a:srgbClr val="242424"/>
+                </a:solidFill>
+                <a:highlight>
+                  <a:srgbClr val="FFFFFF"/>
+                </a:highlight>
+                <a:latin typeface="+mn-lt"/>
+              </a:rPr>
+              <a:t>α</a:t>
+            </a:r>
+            <a:endParaRPr lang="en-US" sz="2400" i="1" dirty="0">
+              <a:solidFill>
+                <a:srgbClr val="212121"/>
+              </a:solidFill>
+              <a:highlight>
+                <a:srgbClr val="FFFFFF"/>
+              </a:highlight>
+              <a:latin typeface="+mn-lt"/>
+              <a:ea typeface="Roboto"/>
+              <a:cs typeface="Roboto"/>
+              <a:sym typeface="Roboto"/>
+            </a:endParaRPr>
+          </a:p>
+          <a:p>
+            <a:pPr marL="742950" lvl="1" indent="-285750" algn="just">
+              <a:lnSpc>
+                <a:spcPct val="110000"/>
+              </a:lnSpc>
+              <a:spcBef>
+                <a:spcPts val="600"/>
+              </a:spcBef>
+              <a:buSzPts val="2880"/>
+              <a:buFont typeface="Noto Sans Symbols"/>
+              <a:buChar char="⮚"/>
+            </a:pPr>
+            <a:r>
+              <a:rPr lang="en-US" sz="2400" i="1" dirty="0">
+                <a:solidFill>
+                  <a:srgbClr val="212121"/>
+                </a:solidFill>
+                <a:highlight>
+                  <a:srgbClr val="FFFFFF"/>
+                </a:highlight>
+                <a:latin typeface="+mn-lt"/>
+                <a:ea typeface="Roboto"/>
+                <a:cs typeface="Roboto"/>
+                <a:sym typeface="Roboto"/>
+              </a:rPr>
+              <a:t>Construct a circle with radius </a:t>
+            </a:r>
+            <a:r>
+              <a:rPr lang="en-US" sz="2400" i="1" dirty="0">
+                <a:solidFill>
+                  <a:srgbClr val="242424"/>
+                </a:solidFill>
+                <a:highlight>
+                  <a:srgbClr val="FFFFFF"/>
+                </a:highlight>
+                <a:latin typeface="+mn-lt"/>
+              </a:rPr>
+              <a:t>α (trust region)</a:t>
+            </a:r>
+            <a:endParaRPr lang="en-US" sz="2400" dirty="0">
+              <a:latin typeface="+mn-lt"/>
+            </a:endParaRPr>
+          </a:p>
+          <a:p>
+            <a:pPr marL="742950" lvl="1" indent="-285750" algn="just">
+              <a:lnSpc>
+                <a:spcPct val="110000"/>
+              </a:lnSpc>
+              <a:spcBef>
+                <a:spcPts val="600"/>
+              </a:spcBef>
+              <a:buSzPts val="2880"/>
+              <a:buFont typeface="Noto Sans Symbols"/>
+              <a:buChar char="⮚"/>
+            </a:pPr>
+            <a:r>
+              <a:rPr lang="en-US" sz="2400" i="1" dirty="0">
+                <a:solidFill>
+                  <a:srgbClr val="242424"/>
+                </a:solidFill>
+                <a:highlight>
+                  <a:srgbClr val="FFFFFF"/>
+                </a:highlight>
+                <a:latin typeface="+mn-lt"/>
+              </a:rPr>
+              <a:t>Once having the best point, determine the direction</a:t>
+            </a:r>
+          </a:p>
+          <a:p>
+            <a:pPr marL="742950" lvl="1" indent="-285750" algn="just">
+              <a:lnSpc>
+                <a:spcPct val="110000"/>
+              </a:lnSpc>
+              <a:spcBef>
+                <a:spcPts val="600"/>
+              </a:spcBef>
+              <a:buSzPts val="2880"/>
+              <a:buFont typeface="Noto Sans Symbols"/>
+              <a:buChar char="⮚"/>
+            </a:pPr>
+            <a:r>
+              <a:rPr lang="en-US" sz="2400" i="1" dirty="0">
+                <a:solidFill>
+                  <a:srgbClr val="242424"/>
+                </a:solidFill>
+                <a:highlight>
+                  <a:srgbClr val="FFFFFF"/>
+                </a:highlight>
+                <a:latin typeface="+mn-lt"/>
+              </a:rPr>
+              <a:t>Repeat until the optimal point is reached</a:t>
+            </a:r>
+            <a:endParaRPr lang="en-US" sz="2400" i="1" dirty="0">
+              <a:solidFill>
+                <a:srgbClr val="212121"/>
+              </a:solidFill>
+              <a:highlight>
+                <a:srgbClr val="FFFFFF"/>
+              </a:highlight>
+              <a:latin typeface="+mn-lt"/>
+              <a:ea typeface="Roboto"/>
+              <a:cs typeface="Roboto"/>
+              <a:sym typeface="Roboto"/>
+            </a:endParaRPr>
+          </a:p>
+        </p:txBody>
+      </p:sp>
+      <p:pic>
+        <p:nvPicPr>
+          <p:cNvPr id="6" name="Google Shape;170;p9">
+            <a:extLst>
+              <a:ext uri="{FF2B5EF4-FFF2-40B4-BE49-F238E27FC236}">
+                <a16:creationId xmlns:a16="http://schemas.microsoft.com/office/drawing/2014/main" id="{43524E10-4A74-0EE5-6052-5A7E14D56C7B}"/>
+              </a:ext>
+            </a:extLst>
+          </p:cNvPr>
+          <p:cNvPicPr preferRelativeResize="0"/>
+          <p:nvPr/>
+        </p:nvPicPr>
+        <p:blipFill rotWithShape="1">
+          <a:blip r:embed="rId3">
+            <a:alphaModFix/>
+          </a:blip>
+          <a:srcRect/>
+          <a:stretch/>
+        </p:blipFill>
+        <p:spPr>
+          <a:xfrm>
+            <a:off x="7861280" y="1787102"/>
+            <a:ext cx="4016088" cy="3901778"/>
+          </a:xfrm>
+          <a:prstGeom prst="rect">
+            <a:avLst/>
+          </a:prstGeom>
+          <a:noFill/>
+          <a:ln>
+            <a:noFill/>
+          </a:ln>
+        </p:spPr>
+      </p:pic>
     </p:spTree>
     <p:extLst>
       <p:ext uri="{BB962C8B-B14F-4D97-AF65-F5344CB8AC3E}">

--- a/Presentations/Project_Final.pptx
+++ b/Presentations/Project_Final.pptx
@@ -5,36 +5,39 @@
     <p:sldMasterId id="2147483648" r:id="rId1"/>
   </p:sldMasterIdLst>
   <p:notesMasterIdLst>
-    <p:notesMasterId r:id="rId25"/>
+    <p:notesMasterId r:id="rId24"/>
   </p:notesMasterIdLst>
   <p:sldIdLst>
     <p:sldId id="256" r:id="rId2"/>
-    <p:sldId id="305" r:id="rId3"/>
-    <p:sldId id="306" r:id="rId4"/>
-    <p:sldId id="307" r:id="rId5"/>
-    <p:sldId id="308" r:id="rId6"/>
-    <p:sldId id="313" r:id="rId7"/>
-    <p:sldId id="314" r:id="rId8"/>
-    <p:sldId id="309" r:id="rId9"/>
-    <p:sldId id="310" r:id="rId10"/>
-    <p:sldId id="311" r:id="rId11"/>
-    <p:sldId id="312" r:id="rId12"/>
+    <p:sldId id="259" r:id="rId3"/>
+    <p:sldId id="307" r:id="rId4"/>
+    <p:sldId id="308" r:id="rId5"/>
+    <p:sldId id="313" r:id="rId6"/>
+    <p:sldId id="314" r:id="rId7"/>
+    <p:sldId id="309" r:id="rId8"/>
+    <p:sldId id="310" r:id="rId9"/>
+    <p:sldId id="311" r:id="rId10"/>
+    <p:sldId id="312" r:id="rId11"/>
+    <p:sldId id="306" r:id="rId12"/>
     <p:sldId id="315" r:id="rId13"/>
     <p:sldId id="316" r:id="rId14"/>
-    <p:sldId id="317" r:id="rId15"/>
-    <p:sldId id="301" r:id="rId16"/>
-    <p:sldId id="302" r:id="rId17"/>
-    <p:sldId id="303" r:id="rId18"/>
-    <p:sldId id="304" r:id="rId19"/>
-    <p:sldId id="321" r:id="rId20"/>
-    <p:sldId id="318" r:id="rId21"/>
-    <p:sldId id="319" r:id="rId22"/>
-    <p:sldId id="320" r:id="rId23"/>
-    <p:sldId id="322" r:id="rId24"/>
+    <p:sldId id="295" r:id="rId15"/>
+    <p:sldId id="303" r:id="rId16"/>
+    <p:sldId id="304" r:id="rId17"/>
+    <p:sldId id="301" r:id="rId18"/>
+    <p:sldId id="302" r:id="rId19"/>
+    <p:sldId id="318" r:id="rId20"/>
+    <p:sldId id="319" r:id="rId21"/>
+    <p:sldId id="320" r:id="rId22"/>
+    <p:sldId id="322" r:id="rId23"/>
   </p:sldIdLst>
   <p:sldSz cx="12192000" cy="6858000"/>
   <p:notesSz cx="6858000" cy="9144000"/>
   <p:embeddedFontLst>
+    <p:embeddedFont>
+      <p:font typeface="Cambria Math" panose="02040503050406030204" pitchFamily="18" charset="0"/>
+      <p:regular r:id="rId25"/>
+    </p:embeddedFont>
     <p:embeddedFont>
       <p:font typeface="Noto Sans Symbols" panose="020B0604020202020204" charset="0"/>
       <p:regular r:id="rId26"/>
@@ -276,12 +279,11 @@
         <p14:section name="Default Section" id="{957A09AD-BDB1-412F-8C08-A78853C61C4E}">
           <p14:sldIdLst>
             <p14:sldId id="256"/>
-            <p14:sldId id="305"/>
           </p14:sldIdLst>
         </p14:section>
         <p14:section name="Introduction" id="{B167EC93-9CC8-4C10-A0CD-650C21815008}">
           <p14:sldIdLst>
-            <p14:sldId id="306"/>
+            <p14:sldId id="259"/>
             <p14:sldId id="307"/>
             <p14:sldId id="308"/>
           </p14:sldIdLst>
@@ -302,22 +304,22 @@
         </p14:section>
         <p14:section name="Project Overview" id="{C4E2A496-96C7-46E2-BB3B-3FDCCBF78035}">
           <p14:sldIdLst>
+            <p14:sldId id="306"/>
             <p14:sldId id="315"/>
             <p14:sldId id="316"/>
-            <p14:sldId id="317"/>
+            <p14:sldId id="295"/>
           </p14:sldIdLst>
         </p14:section>
         <p14:section name="Results" id="{C514DBA8-2612-46A3-AFBD-08C455E732E6}">
           <p14:sldIdLst>
+            <p14:sldId id="303"/>
+            <p14:sldId id="304"/>
             <p14:sldId id="301"/>
             <p14:sldId id="302"/>
-            <p14:sldId id="303"/>
-            <p14:sldId id="304"/>
           </p14:sldIdLst>
         </p14:section>
         <p14:section name="Conclusions" id="{8DFAE975-7BC6-452D-A748-078E79C2D86A}">
           <p14:sldIdLst>
-            <p14:sldId id="321"/>
             <p14:sldId id="318"/>
             <p14:sldId id="319"/>
             <p14:sldId id="320"/>
@@ -1792,7 +1794,7 @@
     </p:spTree>
     <p:extLst>
       <p:ext uri="{BB962C8B-B14F-4D97-AF65-F5344CB8AC3E}">
-        <p14:creationId xmlns:p14="http://schemas.microsoft.com/office/powerpoint/2010/main" val="1234239379"/>
+        <p14:creationId xmlns:p14="http://schemas.microsoft.com/office/powerpoint/2010/main" val="3734022589"/>
       </p:ext>
     </p:extLst>
   </p:cSld>
@@ -1961,7 +1963,7 @@
     </p:spTree>
     <p:extLst>
       <p:ext uri="{BB962C8B-B14F-4D97-AF65-F5344CB8AC3E}">
-        <p14:creationId xmlns:p14="http://schemas.microsoft.com/office/powerpoint/2010/main" val="3734022589"/>
+        <p14:creationId xmlns:p14="http://schemas.microsoft.com/office/powerpoint/2010/main" val="1382394766"/>
       </p:ext>
     </p:extLst>
   </p:cSld>
@@ -2415,6 +2417,127 @@
               </a:spcAft>
               <a:buNone/>
             </a:pPr>
+            <a:r>
+              <a:rPr lang="en-US" noProof="0" dirty="0"/>
+              <a:t>This is the agent and its environment block</a:t>
+            </a:r>
+            <a:r>
+              <a:rPr lang="tr-TR" noProof="0" dirty="0"/>
+              <a:t> </a:t>
+            </a:r>
+            <a:r>
+              <a:rPr lang="tr-TR" noProof="0" dirty="0" err="1"/>
+              <a:t>for</a:t>
+            </a:r>
+            <a:r>
+              <a:rPr lang="tr-TR" noProof="0" dirty="0"/>
+              <a:t> </a:t>
+            </a:r>
+            <a:r>
+              <a:rPr lang="tr-TR" noProof="0" dirty="0" err="1"/>
+              <a:t>roll</a:t>
+            </a:r>
+            <a:r>
+              <a:rPr lang="tr-TR" noProof="0" dirty="0"/>
+              <a:t> </a:t>
+            </a:r>
+            <a:r>
+              <a:rPr lang="tr-TR" noProof="0" dirty="0" err="1"/>
+              <a:t>and</a:t>
+            </a:r>
+            <a:r>
+              <a:rPr lang="tr-TR" noProof="0" dirty="0"/>
+              <a:t> </a:t>
+            </a:r>
+            <a:r>
+              <a:rPr lang="tr-TR" noProof="0" dirty="0" err="1"/>
+              <a:t>pitch</a:t>
+            </a:r>
+            <a:r>
+              <a:rPr lang="tr-TR" noProof="0" dirty="0"/>
+              <a:t> </a:t>
+            </a:r>
+            <a:r>
+              <a:rPr lang="tr-TR" noProof="0" dirty="0" err="1"/>
+              <a:t>attitude</a:t>
+            </a:r>
+            <a:r>
+              <a:rPr lang="tr-TR" noProof="0" dirty="0"/>
+              <a:t> </a:t>
+            </a:r>
+            <a:r>
+              <a:rPr lang="tr-TR" noProof="0" dirty="0" err="1"/>
+              <a:t>control</a:t>
+            </a:r>
+            <a:r>
+              <a:rPr lang="en-US" noProof="0" dirty="0"/>
+              <a:t>. </a:t>
+            </a:r>
+          </a:p>
+          <a:p>
+            <a:pPr marL="0" lvl="0" indent="0" algn="l" rtl="0">
+              <a:spcBef>
+                <a:spcPts val="0"/>
+              </a:spcBef>
+              <a:spcAft>
+                <a:spcPts val="0"/>
+              </a:spcAft>
+              <a:buNone/>
+            </a:pPr>
+            <a:endParaRPr lang="en-US" noProof="0" dirty="0"/>
+          </a:p>
+          <a:p>
+            <a:pPr marL="0" lvl="0" indent="0" algn="l" rtl="0">
+              <a:spcBef>
+                <a:spcPts val="0"/>
+              </a:spcBef>
+              <a:spcAft>
+                <a:spcPts val="0"/>
+              </a:spcAft>
+              <a:buNone/>
+            </a:pPr>
+            <a:r>
+              <a:rPr lang="en-US" noProof="0" dirty="0"/>
+              <a:t>Input parameters are observation, reward Function and flag.  the output is the action.</a:t>
+            </a:r>
+          </a:p>
+          <a:p>
+            <a:pPr marL="0" lvl="0" indent="0" algn="l" rtl="0">
+              <a:spcBef>
+                <a:spcPts val="0"/>
+              </a:spcBef>
+              <a:spcAft>
+                <a:spcPts val="0"/>
+              </a:spcAft>
+              <a:buNone/>
+            </a:pPr>
+            <a:r>
+              <a:rPr lang="en-US" noProof="0" dirty="0"/>
+              <a:t> </a:t>
+            </a:r>
+          </a:p>
+          <a:p>
+            <a:pPr marL="0" lvl="0" indent="0" algn="l" rtl="0">
+              <a:spcBef>
+                <a:spcPts val="0"/>
+              </a:spcBef>
+              <a:spcAft>
+                <a:spcPts val="0"/>
+              </a:spcAft>
+              <a:buNone/>
+            </a:pPr>
+            <a:endParaRPr lang="en-US" noProof="0" dirty="0"/>
+          </a:p>
+          <a:p>
+            <a:pPr marL="0" lvl="0" indent="0" algn="l" rtl="0">
+              <a:spcBef>
+                <a:spcPts val="0"/>
+              </a:spcBef>
+              <a:spcAft>
+                <a:spcPts val="0"/>
+              </a:spcAft>
+              <a:buNone/>
+            </a:pPr>
             <a:endParaRPr lang="en-US" noProof="0" dirty="0"/>
           </a:p>
         </p:txBody>
@@ -2468,7 +2591,7 @@
     </p:spTree>
     <p:extLst>
       <p:ext uri="{BB962C8B-B14F-4D97-AF65-F5344CB8AC3E}">
-        <p14:creationId xmlns:p14="http://schemas.microsoft.com/office/powerpoint/2010/main" val="4034677887"/>
+        <p14:creationId xmlns:p14="http://schemas.microsoft.com/office/powerpoint/2010/main" val="1680456656"/>
       </p:ext>
     </p:extLst>
   </p:cSld>
@@ -2637,7 +2760,7 @@
     </p:spTree>
     <p:extLst>
       <p:ext uri="{BB962C8B-B14F-4D97-AF65-F5344CB8AC3E}">
-        <p14:creationId xmlns:p14="http://schemas.microsoft.com/office/powerpoint/2010/main" val="2334986900"/>
+        <p14:creationId xmlns:p14="http://schemas.microsoft.com/office/powerpoint/2010/main" val="3042220525"/>
       </p:ext>
     </p:extLst>
   </p:cSld>
@@ -2806,7 +2929,7 @@
     </p:spTree>
     <p:extLst>
       <p:ext uri="{BB962C8B-B14F-4D97-AF65-F5344CB8AC3E}">
-        <p14:creationId xmlns:p14="http://schemas.microsoft.com/office/powerpoint/2010/main" val="3653681234"/>
+        <p14:creationId xmlns:p14="http://schemas.microsoft.com/office/powerpoint/2010/main" val="784193817"/>
       </p:ext>
     </p:extLst>
   </p:cSld>
@@ -2975,7 +3098,7 @@
     </p:spTree>
     <p:extLst>
       <p:ext uri="{BB962C8B-B14F-4D97-AF65-F5344CB8AC3E}">
-        <p14:creationId xmlns:p14="http://schemas.microsoft.com/office/powerpoint/2010/main" val="3042220525"/>
+        <p14:creationId xmlns:p14="http://schemas.microsoft.com/office/powerpoint/2010/main" val="2334986900"/>
       </p:ext>
     </p:extLst>
   </p:cSld>
@@ -3144,7 +3267,7 @@
     </p:spTree>
     <p:extLst>
       <p:ext uri="{BB962C8B-B14F-4D97-AF65-F5344CB8AC3E}">
-        <p14:creationId xmlns:p14="http://schemas.microsoft.com/office/powerpoint/2010/main" val="784193817"/>
+        <p14:creationId xmlns:p14="http://schemas.microsoft.com/office/powerpoint/2010/main" val="3653681234"/>
       </p:ext>
     </p:extLst>
   </p:cSld>
@@ -3313,7 +3436,7 @@
     </p:spTree>
     <p:extLst>
       <p:ext uri="{BB962C8B-B14F-4D97-AF65-F5344CB8AC3E}">
-        <p14:creationId xmlns:p14="http://schemas.microsoft.com/office/powerpoint/2010/main" val="2748620303"/>
+        <p14:creationId xmlns:p14="http://schemas.microsoft.com/office/powerpoint/2010/main" val="1471848104"/>
       </p:ext>
     </p:extLst>
   </p:cSld>
@@ -3328,7 +3451,7 @@
   <p:cSld>
     <p:spTree>
       <p:nvGrpSpPr>
-        <p:cNvPr id="1" name="Shape 335"/>
+        <p:cNvPr id="1" name="Shape 110"/>
         <p:cNvGrpSpPr/>
         <p:nvPr/>
       </p:nvGrpSpPr>
@@ -3342,7 +3465,7 @@
       </p:grpSpPr>
       <p:sp>
         <p:nvSpPr>
-          <p:cNvPr id="336" name="Google Shape;336;p26:notes"/>
+          <p:cNvPr id="111" name="Google Shape;111;p4:notes"/>
           <p:cNvSpPr>
             <a:spLocks noGrp="1" noRot="1" noChangeAspect="1"/>
           </p:cNvSpPr>
@@ -3393,7 +3516,7 @@
       </p:sp>
       <p:sp>
         <p:nvSpPr>
-          <p:cNvPr id="337" name="Google Shape;337;p26:notes"/>
+          <p:cNvPr id="112" name="Google Shape;112;p4:notes"/>
           <p:cNvSpPr txBox="1">
             <a:spLocks noGrp="1"/>
           </p:cNvSpPr>
@@ -3420,6 +3543,36 @@
           </a:bodyPr>
           <a:lstStyle/>
           <a:p>
+            <a:pPr marL="0" marR="0" lvl="0" indent="0" algn="l" defTabSz="914400" rtl="0" eaLnBrk="1" fontAlgn="auto" latinLnBrk="0" hangingPunct="1">
+              <a:lnSpc>
+                <a:spcPct val="100000"/>
+              </a:lnSpc>
+              <a:spcBef>
+                <a:spcPts val="0"/>
+              </a:spcBef>
+              <a:spcAft>
+                <a:spcPts val="0"/>
+              </a:spcAft>
+              <a:buClr>
+                <a:srgbClr val="000000"/>
+              </a:buClr>
+              <a:buSzPts val="1400"/>
+              <a:buFont typeface="Arial"/>
+              <a:buNone/>
+              <a:tabLst/>
+              <a:defRPr/>
+            </a:pPr>
+            <a:r>
+              <a:rPr lang="en-US" sz="1200" dirty="0">
+                <a:latin typeface="+mj-lt"/>
+                <a:ea typeface="Calibri"/>
+                <a:cs typeface="Calibri"/>
+                <a:sym typeface="Calibri"/>
+              </a:rPr>
+              <a:t>In this project we focused on attitude control which controls the orientation with roll, pitch, yaw angles.</a:t>
+            </a:r>
+          </a:p>
+          <a:p>
             <a:pPr marL="0" lvl="0" indent="0" algn="l" rtl="0">
               <a:spcBef>
                 <a:spcPts val="0"/>
@@ -3429,91 +3582,13 @@
               </a:spcAft>
               <a:buNone/>
             </a:pPr>
-            <a:r>
-              <a:rPr lang="en-US" noProof="0" dirty="0"/>
-              <a:t>Our Project is the controlling of quadcopter angles with RL agent instead of PID controller.</a:t>
-            </a:r>
-          </a:p>
-          <a:p>
-            <a:pPr marL="0" lvl="0" indent="0" algn="l" rtl="0">
-              <a:spcBef>
-                <a:spcPts val="0"/>
-              </a:spcBef>
-              <a:spcAft>
-                <a:spcPts val="0"/>
-              </a:spcAft>
-              <a:buNone/>
-            </a:pPr>
-            <a:r>
-              <a:rPr lang="en-US" noProof="0" dirty="0"/>
-              <a:t>Because PID system is not stable for unknown environment.</a:t>
-            </a:r>
-          </a:p>
-          <a:p>
-            <a:pPr marL="0" lvl="0" indent="0" algn="l" rtl="0">
-              <a:spcBef>
-                <a:spcPts val="0"/>
-              </a:spcBef>
-              <a:spcAft>
-                <a:spcPts val="0"/>
-              </a:spcAft>
-              <a:buNone/>
-            </a:pPr>
-            <a:r>
-              <a:rPr lang="en-US" noProof="0" dirty="0"/>
-              <a:t>We planned to use the DDPG and PPO agents for xy controller and z controller.</a:t>
-            </a:r>
-          </a:p>
-          <a:p>
-            <a:pPr marL="0" lvl="0" indent="0" algn="l" rtl="0">
-              <a:spcBef>
-                <a:spcPts val="0"/>
-              </a:spcBef>
-              <a:spcAft>
-                <a:spcPts val="0"/>
-              </a:spcAft>
-              <a:buNone/>
-            </a:pPr>
-            <a:r>
-              <a:rPr lang="en-US" noProof="0" dirty="0"/>
-              <a:t>Why we chose these two agents ? </a:t>
-            </a:r>
-          </a:p>
-          <a:p>
-            <a:pPr marL="0" lvl="0" indent="0" algn="l" rtl="0">
-              <a:spcBef>
-                <a:spcPts val="0"/>
-              </a:spcBef>
-              <a:spcAft>
-                <a:spcPts val="0"/>
-              </a:spcAft>
-              <a:buNone/>
-            </a:pPr>
-            <a:r>
-              <a:rPr lang="en-US" noProof="0" dirty="0"/>
-              <a:t>Before the Project proposal presentation we searched related literatures and noticed these two agent performance is better than other agents. Therefore we focused these.</a:t>
-            </a:r>
-          </a:p>
-          <a:p>
-            <a:pPr marL="0" lvl="0" indent="0" algn="l" rtl="0">
-              <a:spcBef>
-                <a:spcPts val="0"/>
-              </a:spcBef>
-              <a:spcAft>
-                <a:spcPts val="0"/>
-              </a:spcAft>
-              <a:buNone/>
-            </a:pPr>
-            <a:r>
-              <a:rPr lang="en-US" noProof="0" dirty="0"/>
-              <a:t>We are planning to new reward function that is unlike the literature ones to find an better performance, if possible.</a:t>
-            </a:r>
+            <a:endParaRPr dirty="0"/>
           </a:p>
         </p:txBody>
       </p:sp>
       <p:sp>
         <p:nvSpPr>
-          <p:cNvPr id="338" name="Google Shape;338;p26:notes"/>
+          <p:cNvPr id="113" name="Google Shape;113;p4:notes"/>
           <p:cNvSpPr txBox="1">
             <a:spLocks noGrp="1"/>
           </p:cNvSpPr>
@@ -3558,11 +3633,6 @@
         </p:txBody>
       </p:sp>
     </p:spTree>
-    <p:extLst>
-      <p:ext uri="{BB962C8B-B14F-4D97-AF65-F5344CB8AC3E}">
-        <p14:creationId xmlns:p14="http://schemas.microsoft.com/office/powerpoint/2010/main" val="3342387357"/>
-      </p:ext>
-    </p:extLst>
   </p:cSld>
   <p:clrMapOvr>
     <a:masterClrMapping/>
@@ -3729,7 +3799,7 @@
     </p:spTree>
     <p:extLst>
       <p:ext uri="{BB962C8B-B14F-4D97-AF65-F5344CB8AC3E}">
-        <p14:creationId xmlns:p14="http://schemas.microsoft.com/office/powerpoint/2010/main" val="1471848104"/>
+        <p14:creationId xmlns:p14="http://schemas.microsoft.com/office/powerpoint/2010/main" val="2793942282"/>
       </p:ext>
     </p:extLst>
   </p:cSld>
@@ -3898,7 +3968,7 @@
     </p:spTree>
     <p:extLst>
       <p:ext uri="{BB962C8B-B14F-4D97-AF65-F5344CB8AC3E}">
-        <p14:creationId xmlns:p14="http://schemas.microsoft.com/office/powerpoint/2010/main" val="2793942282"/>
+        <p14:creationId xmlns:p14="http://schemas.microsoft.com/office/powerpoint/2010/main" val="2896052647"/>
       </p:ext>
     </p:extLst>
   </p:cSld>
@@ -4059,175 +4129,6 @@
             <a:fld id="{00000000-1234-1234-1234-123412341234}" type="slidenum">
               <a:rPr lang="en-US"/>
               <a:t>22</a:t>
-            </a:fld>
-            <a:endParaRPr/>
-          </a:p>
-        </p:txBody>
-      </p:sp>
-    </p:spTree>
-    <p:extLst>
-      <p:ext uri="{BB962C8B-B14F-4D97-AF65-F5344CB8AC3E}">
-        <p14:creationId xmlns:p14="http://schemas.microsoft.com/office/powerpoint/2010/main" val="2896052647"/>
-      </p:ext>
-    </p:extLst>
-  </p:cSld>
-  <p:clrMapOvr>
-    <a:masterClrMapping/>
-  </p:clrMapOvr>
-</p:notes>
-</file>
-
-<file path=ppt/notesSlides/notesSlide23.xml><?xml version="1.0" encoding="utf-8"?>
-<p:notes xmlns:a="http://schemas.openxmlformats.org/drawingml/2006/main" xmlns:r="http://schemas.openxmlformats.org/officeDocument/2006/relationships" xmlns:p="http://schemas.openxmlformats.org/presentationml/2006/main" showMasterSp="0" showMasterPhAnim="0">
-  <p:cSld>
-    <p:spTree>
-      <p:nvGrpSpPr>
-        <p:cNvPr id="1" name="Shape 335"/>
-        <p:cNvGrpSpPr/>
-        <p:nvPr/>
-      </p:nvGrpSpPr>
-      <p:grpSpPr>
-        <a:xfrm>
-          <a:off x="0" y="0"/>
-          <a:ext cx="0" cy="0"/>
-          <a:chOff x="0" y="0"/>
-          <a:chExt cx="0" cy="0"/>
-        </a:xfrm>
-      </p:grpSpPr>
-      <p:sp>
-        <p:nvSpPr>
-          <p:cNvPr id="336" name="Google Shape;336;p26:notes"/>
-          <p:cNvSpPr>
-            <a:spLocks noGrp="1" noRot="1" noChangeAspect="1"/>
-          </p:cNvSpPr>
-          <p:nvPr>
-            <p:ph type="sldImg" idx="2"/>
-          </p:nvPr>
-        </p:nvSpPr>
-        <p:spPr>
-          <a:xfrm>
-            <a:off x="685800" y="1143000"/>
-            <a:ext cx="5486400" cy="3086100"/>
-          </a:xfrm>
-          <a:custGeom>
-            <a:avLst/>
-            <a:gdLst/>
-            <a:ahLst/>
-            <a:cxnLst/>
-            <a:rect l="l" t="t" r="r" b="b"/>
-            <a:pathLst>
-              <a:path w="120000" h="120000" extrusionOk="0">
-                <a:moveTo>
-                  <a:pt x="0" y="0"/>
-                </a:moveTo>
-                <a:lnTo>
-                  <a:pt x="120000" y="0"/>
-                </a:lnTo>
-                <a:lnTo>
-                  <a:pt x="120000" y="120000"/>
-                </a:lnTo>
-                <a:lnTo>
-                  <a:pt x="0" y="120000"/>
-                </a:lnTo>
-                <a:close/>
-              </a:path>
-            </a:pathLst>
-          </a:custGeom>
-          <a:noFill/>
-          <a:ln w="12700" cap="flat" cmpd="sng">
-            <a:solidFill>
-              <a:srgbClr val="000000"/>
-            </a:solidFill>
-            <a:prstDash val="solid"/>
-            <a:round/>
-            <a:headEnd type="none" w="sm" len="sm"/>
-            <a:tailEnd type="none" w="sm" len="sm"/>
-          </a:ln>
-        </p:spPr>
-      </p:sp>
-      <p:sp>
-        <p:nvSpPr>
-          <p:cNvPr id="337" name="Google Shape;337;p26:notes"/>
-          <p:cNvSpPr txBox="1">
-            <a:spLocks noGrp="1"/>
-          </p:cNvSpPr>
-          <p:nvPr>
-            <p:ph type="body" idx="1"/>
-          </p:nvPr>
-        </p:nvSpPr>
-        <p:spPr>
-          <a:xfrm>
-            <a:off x="685800" y="4400550"/>
-            <a:ext cx="5486400" cy="3600450"/>
-          </a:xfrm>
-          <a:prstGeom prst="rect">
-            <a:avLst/>
-          </a:prstGeom>
-          <a:noFill/>
-          <a:ln>
-            <a:noFill/>
-          </a:ln>
-        </p:spPr>
-        <p:txBody>
-          <a:bodyPr spcFirstLastPara="1" wrap="square" lIns="91425" tIns="45700" rIns="91425" bIns="45700" anchor="t" anchorCtr="0">
-            <a:noAutofit/>
-          </a:bodyPr>
-          <a:lstStyle/>
-          <a:p>
-            <a:pPr marL="0" lvl="0" indent="0" algn="l" rtl="0">
-              <a:spcBef>
-                <a:spcPts val="0"/>
-              </a:spcBef>
-              <a:spcAft>
-                <a:spcPts val="0"/>
-              </a:spcAft>
-              <a:buNone/>
-            </a:pPr>
-            <a:endParaRPr lang="en-US" noProof="0" dirty="0"/>
-          </a:p>
-        </p:txBody>
-      </p:sp>
-      <p:sp>
-        <p:nvSpPr>
-          <p:cNvPr id="338" name="Google Shape;338;p26:notes"/>
-          <p:cNvSpPr txBox="1">
-            <a:spLocks noGrp="1"/>
-          </p:cNvSpPr>
-          <p:nvPr>
-            <p:ph type="sldNum" idx="12"/>
-          </p:nvPr>
-        </p:nvSpPr>
-        <p:spPr>
-          <a:xfrm>
-            <a:off x="3884613" y="8685213"/>
-            <a:ext cx="2971800" cy="458787"/>
-          </a:xfrm>
-          <a:prstGeom prst="rect">
-            <a:avLst/>
-          </a:prstGeom>
-          <a:noFill/>
-          <a:ln>
-            <a:noFill/>
-          </a:ln>
-        </p:spPr>
-        <p:txBody>
-          <a:bodyPr spcFirstLastPara="1" wrap="square" lIns="91425" tIns="45700" rIns="91425" bIns="45700" anchor="b" anchorCtr="0">
-            <a:noAutofit/>
-          </a:bodyPr>
-          <a:lstStyle/>
-          <a:p>
-            <a:pPr marL="0" lvl="0" indent="0" algn="r" rtl="0">
-              <a:spcBef>
-                <a:spcPts val="0"/>
-              </a:spcBef>
-              <a:spcAft>
-                <a:spcPts val="0"/>
-              </a:spcAft>
-              <a:buNone/>
-            </a:pPr>
-            <a:fld id="{00000000-1234-1234-1234-123412341234}" type="slidenum">
-              <a:rPr lang="en-US"/>
-              <a:t>23</a:t>
             </a:fld>
             <a:endParaRPr/>
           </a:p>
@@ -4405,7 +4306,7 @@
     </p:spTree>
     <p:extLst>
       <p:ext uri="{BB962C8B-B14F-4D97-AF65-F5344CB8AC3E}">
-        <p14:creationId xmlns:p14="http://schemas.microsoft.com/office/powerpoint/2010/main" val="1622038466"/>
+        <p14:creationId xmlns:p14="http://schemas.microsoft.com/office/powerpoint/2010/main" val="1465728403"/>
       </p:ext>
     </p:extLst>
   </p:cSld>
@@ -4574,7 +4475,7 @@
     </p:spTree>
     <p:extLst>
       <p:ext uri="{BB962C8B-B14F-4D97-AF65-F5344CB8AC3E}">
-        <p14:creationId xmlns:p14="http://schemas.microsoft.com/office/powerpoint/2010/main" val="1465728403"/>
+        <p14:creationId xmlns:p14="http://schemas.microsoft.com/office/powerpoint/2010/main" val="1779349845"/>
       </p:ext>
     </p:extLst>
   </p:cSld>
@@ -4743,7 +4644,7 @@
     </p:spTree>
     <p:extLst>
       <p:ext uri="{BB962C8B-B14F-4D97-AF65-F5344CB8AC3E}">
-        <p14:creationId xmlns:p14="http://schemas.microsoft.com/office/powerpoint/2010/main" val="1779349845"/>
+        <p14:creationId xmlns:p14="http://schemas.microsoft.com/office/powerpoint/2010/main" val="2827467581"/>
       </p:ext>
     </p:extLst>
   </p:cSld>
@@ -4912,7 +4813,7 @@
     </p:spTree>
     <p:extLst>
       <p:ext uri="{BB962C8B-B14F-4D97-AF65-F5344CB8AC3E}">
-        <p14:creationId xmlns:p14="http://schemas.microsoft.com/office/powerpoint/2010/main" val="2827467581"/>
+        <p14:creationId xmlns:p14="http://schemas.microsoft.com/office/powerpoint/2010/main" val="4125153467"/>
       </p:ext>
     </p:extLst>
   </p:cSld>
@@ -5081,7 +4982,7 @@
     </p:spTree>
     <p:extLst>
       <p:ext uri="{BB962C8B-B14F-4D97-AF65-F5344CB8AC3E}">
-        <p14:creationId xmlns:p14="http://schemas.microsoft.com/office/powerpoint/2010/main" val="4125153467"/>
+        <p14:creationId xmlns:p14="http://schemas.microsoft.com/office/powerpoint/2010/main" val="416880256"/>
       </p:ext>
     </p:extLst>
   </p:cSld>
@@ -5250,7 +5151,7 @@
     </p:spTree>
     <p:extLst>
       <p:ext uri="{BB962C8B-B14F-4D97-AF65-F5344CB8AC3E}">
-        <p14:creationId xmlns:p14="http://schemas.microsoft.com/office/powerpoint/2010/main" val="416880256"/>
+        <p14:creationId xmlns:p14="http://schemas.microsoft.com/office/powerpoint/2010/main" val="4019728927"/>
       </p:ext>
     </p:extLst>
   </p:cSld>
@@ -5419,7 +5320,7 @@
     </p:spTree>
     <p:extLst>
       <p:ext uri="{BB962C8B-B14F-4D97-AF65-F5344CB8AC3E}">
-        <p14:creationId xmlns:p14="http://schemas.microsoft.com/office/powerpoint/2010/main" val="4019728927"/>
+        <p14:creationId xmlns:p14="http://schemas.microsoft.com/office/powerpoint/2010/main" val="1234239379"/>
       </p:ext>
     </p:extLst>
   </p:cSld>
@@ -10983,6 +10884,731 @@
         </p:txBody>
       </p:sp>
     </p:spTree>
+  </p:cSld>
+  <p:clrMapOvr>
+    <a:masterClrMapping/>
+  </p:clrMapOvr>
+</p:sldLayout>
+</file>
+
+<file path=ppt/slideLayouts/slideLayout8.xml><?xml version="1.0" encoding="utf-8"?>
+<p:sldLayout xmlns:a="http://schemas.openxmlformats.org/drawingml/2006/main" xmlns:r="http://schemas.openxmlformats.org/officeDocument/2006/relationships" xmlns:p="http://schemas.openxmlformats.org/presentationml/2006/main" matchingName="Title and Content" type="obj">
+  <p:cSld name="Title and Content">
+    <p:spTree>
+      <p:nvGrpSpPr>
+        <p:cNvPr id="1" name="Shape 23"/>
+        <p:cNvGrpSpPr/>
+        <p:nvPr/>
+      </p:nvGrpSpPr>
+      <p:grpSpPr>
+        <a:xfrm>
+          <a:off x="0" y="0"/>
+          <a:ext cx="0" cy="0"/>
+          <a:chOff x="0" y="0"/>
+          <a:chExt cx="0" cy="0"/>
+        </a:xfrm>
+      </p:grpSpPr>
+      <p:sp>
+        <p:nvSpPr>
+          <p:cNvPr id="24" name="Google Shape;24;p32"/>
+          <p:cNvSpPr txBox="1">
+            <a:spLocks noGrp="1"/>
+          </p:cNvSpPr>
+          <p:nvPr>
+            <p:ph type="title"/>
+          </p:nvPr>
+        </p:nvSpPr>
+        <p:spPr>
+          <a:xfrm>
+            <a:off x="0" y="0"/>
+            <a:ext cx="12192000" cy="907525"/>
+          </a:xfrm>
+          <a:prstGeom prst="rect">
+            <a:avLst/>
+          </a:prstGeom>
+          <a:solidFill>
+            <a:schemeClr val="accent1"/>
+          </a:solidFill>
+          <a:ln>
+            <a:noFill/>
+          </a:ln>
+        </p:spPr>
+        <p:txBody>
+          <a:bodyPr spcFirstLastPara="1" wrap="square" lIns="91425" tIns="274300" rIns="91425" bIns="45700" anchor="ctr" anchorCtr="0">
+            <a:normAutofit/>
+          </a:bodyPr>
+          <a:lstStyle>
+            <a:lvl1pPr lvl="0" algn="l">
+              <a:lnSpc>
+                <a:spcPct val="90000"/>
+              </a:lnSpc>
+              <a:spcBef>
+                <a:spcPts val="0"/>
+              </a:spcBef>
+              <a:spcAft>
+                <a:spcPts val="0"/>
+              </a:spcAft>
+              <a:buClr>
+                <a:schemeClr val="lt1"/>
+              </a:buClr>
+              <a:buSzPts val="1800"/>
+              <a:buNone/>
+              <a:defRPr/>
+            </a:lvl1pPr>
+            <a:lvl2pPr lvl="1">
+              <a:spcBef>
+                <a:spcPts val="0"/>
+              </a:spcBef>
+              <a:spcAft>
+                <a:spcPts val="0"/>
+              </a:spcAft>
+              <a:buSzPts val="1400"/>
+              <a:buNone/>
+              <a:defRPr/>
+            </a:lvl2pPr>
+            <a:lvl3pPr lvl="2">
+              <a:spcBef>
+                <a:spcPts val="0"/>
+              </a:spcBef>
+              <a:spcAft>
+                <a:spcPts val="0"/>
+              </a:spcAft>
+              <a:buSzPts val="1400"/>
+              <a:buNone/>
+              <a:defRPr/>
+            </a:lvl3pPr>
+            <a:lvl4pPr lvl="3">
+              <a:spcBef>
+                <a:spcPts val="0"/>
+              </a:spcBef>
+              <a:spcAft>
+                <a:spcPts val="0"/>
+              </a:spcAft>
+              <a:buSzPts val="1400"/>
+              <a:buNone/>
+              <a:defRPr/>
+            </a:lvl4pPr>
+            <a:lvl5pPr lvl="4">
+              <a:spcBef>
+                <a:spcPts val="0"/>
+              </a:spcBef>
+              <a:spcAft>
+                <a:spcPts val="0"/>
+              </a:spcAft>
+              <a:buSzPts val="1400"/>
+              <a:buNone/>
+              <a:defRPr/>
+            </a:lvl5pPr>
+            <a:lvl6pPr lvl="5">
+              <a:spcBef>
+                <a:spcPts val="0"/>
+              </a:spcBef>
+              <a:spcAft>
+                <a:spcPts val="0"/>
+              </a:spcAft>
+              <a:buSzPts val="1400"/>
+              <a:buNone/>
+              <a:defRPr/>
+            </a:lvl6pPr>
+            <a:lvl7pPr lvl="6">
+              <a:spcBef>
+                <a:spcPts val="0"/>
+              </a:spcBef>
+              <a:spcAft>
+                <a:spcPts val="0"/>
+              </a:spcAft>
+              <a:buSzPts val="1400"/>
+              <a:buNone/>
+              <a:defRPr/>
+            </a:lvl7pPr>
+            <a:lvl8pPr lvl="7">
+              <a:spcBef>
+                <a:spcPts val="0"/>
+              </a:spcBef>
+              <a:spcAft>
+                <a:spcPts val="0"/>
+              </a:spcAft>
+              <a:buSzPts val="1400"/>
+              <a:buNone/>
+              <a:defRPr/>
+            </a:lvl8pPr>
+            <a:lvl9pPr lvl="8">
+              <a:spcBef>
+                <a:spcPts val="0"/>
+              </a:spcBef>
+              <a:spcAft>
+                <a:spcPts val="0"/>
+              </a:spcAft>
+              <a:buSzPts val="1400"/>
+              <a:buNone/>
+              <a:defRPr/>
+            </a:lvl9pPr>
+          </a:lstStyle>
+          <a:p>
+            <a:endParaRPr/>
+          </a:p>
+        </p:txBody>
+      </p:sp>
+      <p:sp>
+        <p:nvSpPr>
+          <p:cNvPr id="25" name="Google Shape;25;p32"/>
+          <p:cNvSpPr txBox="1">
+            <a:spLocks noGrp="1"/>
+          </p:cNvSpPr>
+          <p:nvPr>
+            <p:ph type="body" idx="1"/>
+          </p:nvPr>
+        </p:nvSpPr>
+        <p:spPr>
+          <a:xfrm>
+            <a:off x="1308294" y="1519311"/>
+            <a:ext cx="10045505" cy="2863846"/>
+          </a:xfrm>
+          <a:prstGeom prst="rect">
+            <a:avLst/>
+          </a:prstGeom>
+          <a:noFill/>
+          <a:ln>
+            <a:noFill/>
+          </a:ln>
+        </p:spPr>
+        <p:txBody>
+          <a:bodyPr spcFirstLastPara="1" wrap="square" lIns="91425" tIns="45700" rIns="91425" bIns="45700" anchor="t" anchorCtr="0">
+            <a:normAutofit/>
+          </a:bodyPr>
+          <a:lstStyle>
+            <a:lvl1pPr marL="457200" lvl="0" indent="-365760" algn="l">
+              <a:lnSpc>
+                <a:spcPct val="110000"/>
+              </a:lnSpc>
+              <a:spcBef>
+                <a:spcPts val="1000"/>
+              </a:spcBef>
+              <a:spcAft>
+                <a:spcPts val="0"/>
+              </a:spcAft>
+              <a:buSzPts val="2160"/>
+              <a:buChar char="•"/>
+              <a:defRPr/>
+            </a:lvl1pPr>
+            <a:lvl2pPr marL="914400" lvl="1" indent="-365760" algn="just">
+              <a:lnSpc>
+                <a:spcPct val="110000"/>
+              </a:lnSpc>
+              <a:spcBef>
+                <a:spcPts val="600"/>
+              </a:spcBef>
+              <a:spcAft>
+                <a:spcPts val="0"/>
+              </a:spcAft>
+              <a:buSzPts val="2160"/>
+              <a:buChar char="•"/>
+              <a:defRPr/>
+            </a:lvl2pPr>
+            <a:lvl3pPr marL="1371600" lvl="2" indent="-365760" algn="l">
+              <a:lnSpc>
+                <a:spcPct val="110000"/>
+              </a:lnSpc>
+              <a:spcBef>
+                <a:spcPts val="500"/>
+              </a:spcBef>
+              <a:spcAft>
+                <a:spcPts val="0"/>
+              </a:spcAft>
+              <a:buSzPts val="2160"/>
+              <a:buChar char="•"/>
+              <a:defRPr/>
+            </a:lvl3pPr>
+            <a:lvl4pPr marL="1828800" lvl="3" indent="-365760" algn="l">
+              <a:lnSpc>
+                <a:spcPct val="110000"/>
+              </a:lnSpc>
+              <a:spcBef>
+                <a:spcPts val="500"/>
+              </a:spcBef>
+              <a:spcAft>
+                <a:spcPts val="0"/>
+              </a:spcAft>
+              <a:buSzPts val="2160"/>
+              <a:buChar char="•"/>
+              <a:defRPr/>
+            </a:lvl4pPr>
+            <a:lvl5pPr marL="2286000" lvl="4" indent="-365760" algn="l">
+              <a:lnSpc>
+                <a:spcPct val="110000"/>
+              </a:lnSpc>
+              <a:spcBef>
+                <a:spcPts val="500"/>
+              </a:spcBef>
+              <a:spcAft>
+                <a:spcPts val="0"/>
+              </a:spcAft>
+              <a:buSzPts val="2160"/>
+              <a:buChar char="•"/>
+              <a:defRPr/>
+            </a:lvl5pPr>
+            <a:lvl6pPr marL="2743200" lvl="5" indent="-342900" algn="l">
+              <a:lnSpc>
+                <a:spcPct val="90000"/>
+              </a:lnSpc>
+              <a:spcBef>
+                <a:spcPts val="500"/>
+              </a:spcBef>
+              <a:spcAft>
+                <a:spcPts val="0"/>
+              </a:spcAft>
+              <a:buClr>
+                <a:schemeClr val="dk1"/>
+              </a:buClr>
+              <a:buSzPts val="1800"/>
+              <a:buChar char="•"/>
+              <a:defRPr/>
+            </a:lvl6pPr>
+            <a:lvl7pPr marL="3200400" lvl="6" indent="-342900" algn="l">
+              <a:lnSpc>
+                <a:spcPct val="90000"/>
+              </a:lnSpc>
+              <a:spcBef>
+                <a:spcPts val="500"/>
+              </a:spcBef>
+              <a:spcAft>
+                <a:spcPts val="0"/>
+              </a:spcAft>
+              <a:buClr>
+                <a:schemeClr val="dk1"/>
+              </a:buClr>
+              <a:buSzPts val="1800"/>
+              <a:buChar char="•"/>
+              <a:defRPr/>
+            </a:lvl7pPr>
+            <a:lvl8pPr marL="3657600" lvl="7" indent="-342900" algn="l">
+              <a:lnSpc>
+                <a:spcPct val="90000"/>
+              </a:lnSpc>
+              <a:spcBef>
+                <a:spcPts val="500"/>
+              </a:spcBef>
+              <a:spcAft>
+                <a:spcPts val="0"/>
+              </a:spcAft>
+              <a:buClr>
+                <a:schemeClr val="dk1"/>
+              </a:buClr>
+              <a:buSzPts val="1800"/>
+              <a:buChar char="•"/>
+              <a:defRPr/>
+            </a:lvl8pPr>
+            <a:lvl9pPr marL="4114800" lvl="8" indent="-342900" algn="l">
+              <a:lnSpc>
+                <a:spcPct val="90000"/>
+              </a:lnSpc>
+              <a:spcBef>
+                <a:spcPts val="500"/>
+              </a:spcBef>
+              <a:spcAft>
+                <a:spcPts val="0"/>
+              </a:spcAft>
+              <a:buClr>
+                <a:schemeClr val="dk1"/>
+              </a:buClr>
+              <a:buSzPts val="1800"/>
+              <a:buChar char="•"/>
+              <a:defRPr/>
+            </a:lvl9pPr>
+          </a:lstStyle>
+          <a:p>
+            <a:endParaRPr/>
+          </a:p>
+        </p:txBody>
+      </p:sp>
+      <p:sp>
+        <p:nvSpPr>
+          <p:cNvPr id="26" name="Google Shape;26;p32"/>
+          <p:cNvSpPr txBox="1">
+            <a:spLocks noGrp="1"/>
+          </p:cNvSpPr>
+          <p:nvPr>
+            <p:ph type="dt" idx="10"/>
+          </p:nvPr>
+        </p:nvSpPr>
+        <p:spPr>
+          <a:xfrm>
+            <a:off x="6096000" y="6568457"/>
+            <a:ext cx="2743200" cy="289543"/>
+          </a:xfrm>
+          <a:prstGeom prst="rect">
+            <a:avLst/>
+          </a:prstGeom>
+          <a:solidFill>
+            <a:schemeClr val="accent1"/>
+          </a:solidFill>
+          <a:ln>
+            <a:noFill/>
+          </a:ln>
+        </p:spPr>
+        <p:txBody>
+          <a:bodyPr spcFirstLastPara="1" wrap="square" lIns="91425" tIns="45700" rIns="91425" bIns="45700" anchor="ctr" anchorCtr="0">
+            <a:noAutofit/>
+          </a:bodyPr>
+          <a:lstStyle>
+            <a:lvl1pPr lvl="0" algn="l">
+              <a:spcBef>
+                <a:spcPts val="0"/>
+              </a:spcBef>
+              <a:spcAft>
+                <a:spcPts val="0"/>
+              </a:spcAft>
+              <a:buSzPts val="1400"/>
+              <a:buNone/>
+              <a:defRPr/>
+            </a:lvl1pPr>
+            <a:lvl2pPr lvl="1" algn="l">
+              <a:spcBef>
+                <a:spcPts val="0"/>
+              </a:spcBef>
+              <a:spcAft>
+                <a:spcPts val="0"/>
+              </a:spcAft>
+              <a:buSzPts val="1400"/>
+              <a:buNone/>
+              <a:defRPr/>
+            </a:lvl2pPr>
+            <a:lvl3pPr lvl="2" algn="l">
+              <a:spcBef>
+                <a:spcPts val="0"/>
+              </a:spcBef>
+              <a:spcAft>
+                <a:spcPts val="0"/>
+              </a:spcAft>
+              <a:buSzPts val="1400"/>
+              <a:buNone/>
+              <a:defRPr/>
+            </a:lvl3pPr>
+            <a:lvl4pPr lvl="3" algn="l">
+              <a:spcBef>
+                <a:spcPts val="0"/>
+              </a:spcBef>
+              <a:spcAft>
+                <a:spcPts val="0"/>
+              </a:spcAft>
+              <a:buSzPts val="1400"/>
+              <a:buNone/>
+              <a:defRPr/>
+            </a:lvl4pPr>
+            <a:lvl5pPr lvl="4" algn="l">
+              <a:spcBef>
+                <a:spcPts val="0"/>
+              </a:spcBef>
+              <a:spcAft>
+                <a:spcPts val="0"/>
+              </a:spcAft>
+              <a:buSzPts val="1400"/>
+              <a:buNone/>
+              <a:defRPr/>
+            </a:lvl5pPr>
+            <a:lvl6pPr lvl="5" algn="l">
+              <a:spcBef>
+                <a:spcPts val="0"/>
+              </a:spcBef>
+              <a:spcAft>
+                <a:spcPts val="0"/>
+              </a:spcAft>
+              <a:buSzPts val="1400"/>
+              <a:buNone/>
+              <a:defRPr/>
+            </a:lvl6pPr>
+            <a:lvl7pPr lvl="6" algn="l">
+              <a:spcBef>
+                <a:spcPts val="0"/>
+              </a:spcBef>
+              <a:spcAft>
+                <a:spcPts val="0"/>
+              </a:spcAft>
+              <a:buSzPts val="1400"/>
+              <a:buNone/>
+              <a:defRPr/>
+            </a:lvl7pPr>
+            <a:lvl8pPr lvl="7" algn="l">
+              <a:spcBef>
+                <a:spcPts val="0"/>
+              </a:spcBef>
+              <a:spcAft>
+                <a:spcPts val="0"/>
+              </a:spcAft>
+              <a:buSzPts val="1400"/>
+              <a:buNone/>
+              <a:defRPr/>
+            </a:lvl8pPr>
+            <a:lvl9pPr lvl="8" algn="l">
+              <a:spcBef>
+                <a:spcPts val="0"/>
+              </a:spcBef>
+              <a:spcAft>
+                <a:spcPts val="0"/>
+              </a:spcAft>
+              <a:buSzPts val="1400"/>
+              <a:buNone/>
+              <a:defRPr/>
+            </a:lvl9pPr>
+          </a:lstStyle>
+          <a:p>
+            <a:endParaRPr/>
+          </a:p>
+        </p:txBody>
+      </p:sp>
+      <p:sp>
+        <p:nvSpPr>
+          <p:cNvPr id="27" name="Google Shape;27;p32"/>
+          <p:cNvSpPr txBox="1">
+            <a:spLocks noGrp="1"/>
+          </p:cNvSpPr>
+          <p:nvPr>
+            <p:ph type="ftr" idx="11"/>
+          </p:nvPr>
+        </p:nvSpPr>
+        <p:spPr>
+          <a:xfrm>
+            <a:off x="0" y="6568457"/>
+            <a:ext cx="6096000" cy="289543"/>
+          </a:xfrm>
+          <a:prstGeom prst="rect">
+            <a:avLst/>
+          </a:prstGeom>
+          <a:solidFill>
+            <a:schemeClr val="dk1"/>
+          </a:solidFill>
+          <a:ln>
+            <a:noFill/>
+          </a:ln>
+        </p:spPr>
+        <p:txBody>
+          <a:bodyPr spcFirstLastPara="1" wrap="square" lIns="91425" tIns="45700" rIns="91425" bIns="45700" anchor="ctr" anchorCtr="0">
+            <a:noAutofit/>
+          </a:bodyPr>
+          <a:lstStyle>
+            <a:lvl1pPr lvl="0" algn="r">
+              <a:spcBef>
+                <a:spcPts val="0"/>
+              </a:spcBef>
+              <a:spcAft>
+                <a:spcPts val="0"/>
+              </a:spcAft>
+              <a:buSzPts val="1400"/>
+              <a:buNone/>
+              <a:defRPr/>
+            </a:lvl1pPr>
+            <a:lvl2pPr lvl="1" algn="l">
+              <a:spcBef>
+                <a:spcPts val="0"/>
+              </a:spcBef>
+              <a:spcAft>
+                <a:spcPts val="0"/>
+              </a:spcAft>
+              <a:buSzPts val="1400"/>
+              <a:buNone/>
+              <a:defRPr/>
+            </a:lvl2pPr>
+            <a:lvl3pPr lvl="2" algn="l">
+              <a:spcBef>
+                <a:spcPts val="0"/>
+              </a:spcBef>
+              <a:spcAft>
+                <a:spcPts val="0"/>
+              </a:spcAft>
+              <a:buSzPts val="1400"/>
+              <a:buNone/>
+              <a:defRPr/>
+            </a:lvl3pPr>
+            <a:lvl4pPr lvl="3" algn="l">
+              <a:spcBef>
+                <a:spcPts val="0"/>
+              </a:spcBef>
+              <a:spcAft>
+                <a:spcPts val="0"/>
+              </a:spcAft>
+              <a:buSzPts val="1400"/>
+              <a:buNone/>
+              <a:defRPr/>
+            </a:lvl4pPr>
+            <a:lvl5pPr lvl="4" algn="l">
+              <a:spcBef>
+                <a:spcPts val="0"/>
+              </a:spcBef>
+              <a:spcAft>
+                <a:spcPts val="0"/>
+              </a:spcAft>
+              <a:buSzPts val="1400"/>
+              <a:buNone/>
+              <a:defRPr/>
+            </a:lvl5pPr>
+            <a:lvl6pPr lvl="5" algn="l">
+              <a:spcBef>
+                <a:spcPts val="0"/>
+              </a:spcBef>
+              <a:spcAft>
+                <a:spcPts val="0"/>
+              </a:spcAft>
+              <a:buSzPts val="1400"/>
+              <a:buNone/>
+              <a:defRPr/>
+            </a:lvl6pPr>
+            <a:lvl7pPr lvl="6" algn="l">
+              <a:spcBef>
+                <a:spcPts val="0"/>
+              </a:spcBef>
+              <a:spcAft>
+                <a:spcPts val="0"/>
+              </a:spcAft>
+              <a:buSzPts val="1400"/>
+              <a:buNone/>
+              <a:defRPr/>
+            </a:lvl7pPr>
+            <a:lvl8pPr lvl="7" algn="l">
+              <a:spcBef>
+                <a:spcPts val="0"/>
+              </a:spcBef>
+              <a:spcAft>
+                <a:spcPts val="0"/>
+              </a:spcAft>
+              <a:buSzPts val="1400"/>
+              <a:buNone/>
+              <a:defRPr/>
+            </a:lvl8pPr>
+            <a:lvl9pPr lvl="8" algn="l">
+              <a:spcBef>
+                <a:spcPts val="0"/>
+              </a:spcBef>
+              <a:spcAft>
+                <a:spcPts val="0"/>
+              </a:spcAft>
+              <a:buSzPts val="1400"/>
+              <a:buNone/>
+              <a:defRPr/>
+            </a:lvl9pPr>
+          </a:lstStyle>
+          <a:p>
+            <a:endParaRPr/>
+          </a:p>
+        </p:txBody>
+      </p:sp>
+      <p:sp>
+        <p:nvSpPr>
+          <p:cNvPr id="28" name="Google Shape;28;p32"/>
+          <p:cNvSpPr txBox="1">
+            <a:spLocks noGrp="1"/>
+          </p:cNvSpPr>
+          <p:nvPr>
+            <p:ph type="sldNum" idx="12"/>
+          </p:nvPr>
+        </p:nvSpPr>
+        <p:spPr>
+          <a:xfrm>
+            <a:off x="8839200" y="6568457"/>
+            <a:ext cx="3352800" cy="289543"/>
+          </a:xfrm>
+          <a:prstGeom prst="rect">
+            <a:avLst/>
+          </a:prstGeom>
+          <a:solidFill>
+            <a:schemeClr val="accent1"/>
+          </a:solidFill>
+          <a:ln>
+            <a:noFill/>
+          </a:ln>
+        </p:spPr>
+        <p:txBody>
+          <a:bodyPr spcFirstLastPara="1" wrap="square" lIns="91425" tIns="45700" rIns="91425" bIns="45700" anchor="ctr" anchorCtr="0">
+            <a:noAutofit/>
+          </a:bodyPr>
+          <a:lstStyle>
+            <a:lvl1pPr marL="0" lvl="0" indent="0" algn="r">
+              <a:spcBef>
+                <a:spcPts val="0"/>
+              </a:spcBef>
+              <a:buNone/>
+              <a:defRPr/>
+            </a:lvl1pPr>
+            <a:lvl2pPr marL="0" lvl="1" indent="0" algn="r">
+              <a:spcBef>
+                <a:spcPts val="0"/>
+              </a:spcBef>
+              <a:buNone/>
+              <a:defRPr/>
+            </a:lvl2pPr>
+            <a:lvl3pPr marL="0" lvl="2" indent="0" algn="r">
+              <a:spcBef>
+                <a:spcPts val="0"/>
+              </a:spcBef>
+              <a:buNone/>
+              <a:defRPr/>
+            </a:lvl3pPr>
+            <a:lvl4pPr marL="0" lvl="3" indent="0" algn="r">
+              <a:spcBef>
+                <a:spcPts val="0"/>
+              </a:spcBef>
+              <a:buNone/>
+              <a:defRPr/>
+            </a:lvl4pPr>
+            <a:lvl5pPr marL="0" lvl="4" indent="0" algn="r">
+              <a:spcBef>
+                <a:spcPts val="0"/>
+              </a:spcBef>
+              <a:buNone/>
+              <a:defRPr/>
+            </a:lvl5pPr>
+            <a:lvl6pPr marL="0" lvl="5" indent="0" algn="r">
+              <a:spcBef>
+                <a:spcPts val="0"/>
+              </a:spcBef>
+              <a:buNone/>
+              <a:defRPr/>
+            </a:lvl6pPr>
+            <a:lvl7pPr marL="0" lvl="6" indent="0" algn="r">
+              <a:spcBef>
+                <a:spcPts val="0"/>
+              </a:spcBef>
+              <a:buNone/>
+              <a:defRPr/>
+            </a:lvl7pPr>
+            <a:lvl8pPr marL="0" lvl="7" indent="0" algn="r">
+              <a:spcBef>
+                <a:spcPts val="0"/>
+              </a:spcBef>
+              <a:buNone/>
+              <a:defRPr/>
+            </a:lvl8pPr>
+            <a:lvl9pPr marL="0" lvl="8" indent="0" algn="r">
+              <a:spcBef>
+                <a:spcPts val="0"/>
+              </a:spcBef>
+              <a:buNone/>
+              <a:defRPr/>
+            </a:lvl9pPr>
+          </a:lstStyle>
+          <a:p>
+            <a:pPr marL="0" lvl="0" indent="0" algn="r" rtl="0">
+              <a:spcBef>
+                <a:spcPts val="0"/>
+              </a:spcBef>
+              <a:spcAft>
+                <a:spcPts val="0"/>
+              </a:spcAft>
+              <a:buNone/>
+            </a:pPr>
+            <a:fld id="{00000000-1234-1234-1234-123412341234}" type="slidenum">
+              <a:rPr lang="en-US"/>
+              <a:t>‹#›</a:t>
+            </a:fld>
+            <a:endParaRPr/>
+          </a:p>
+        </p:txBody>
+      </p:sp>
+    </p:spTree>
+    <p:extLst>
+      <p:ext uri="{BB962C8B-B14F-4D97-AF65-F5344CB8AC3E}">
+        <p14:creationId xmlns:p14="http://schemas.microsoft.com/office/powerpoint/2010/main" val="3687839466"/>
+      </p:ext>
+    </p:extLst>
   </p:cSld>
   <p:clrMapOvr>
     <a:masterClrMapping/>
@@ -12046,7 +12672,7 @@
           <p:nvPr/>
         </p:nvPicPr>
         <p:blipFill rotWithShape="1">
-          <a:blip r:embed="rId9">
+          <a:blip r:embed="rId10">
             <a:alphaModFix/>
           </a:blip>
           <a:srcRect/>
@@ -12077,6 +12703,7 @@
     <p:sldLayoutId id="2147483657" r:id="rId5"/>
     <p:sldLayoutId id="2147483658" r:id="rId6"/>
     <p:sldLayoutId id="2147483659" r:id="rId7"/>
+    <p:sldLayoutId id="2147483660" r:id="rId8"/>
   </p:sldLayoutIdLst>
   <p:hf hdr="0"/>
   <p:txStyles>
@@ -13199,7 +13826,7 @@
             </a:r>
             <a:r>
               <a:rPr lang="tr-TR" dirty="0" err="1"/>
-              <a:t>Overview</a:t>
+              <a:t>Results</a:t>
             </a:r>
             <a:endParaRPr lang="en-US" dirty="0"/>
           </a:p>
@@ -13457,10 +14084,109 @@
           </a:p>
         </p:txBody>
       </p:sp>
+      <p:pic>
+        <p:nvPicPr>
+          <p:cNvPr id="2" name="Google Shape;271;p19">
+            <a:extLst>
+              <a:ext uri="{FF2B5EF4-FFF2-40B4-BE49-F238E27FC236}">
+                <a16:creationId xmlns:a16="http://schemas.microsoft.com/office/drawing/2014/main" id="{07B54602-87A2-2B8F-1FD1-5D70487B5B31}"/>
+              </a:ext>
+            </a:extLst>
+          </p:cNvPr>
+          <p:cNvPicPr preferRelativeResize="0"/>
+          <p:nvPr/>
+        </p:nvPicPr>
+        <p:blipFill rotWithShape="1">
+          <a:blip r:embed="rId3">
+            <a:alphaModFix/>
+          </a:blip>
+          <a:srcRect/>
+          <a:stretch/>
+        </p:blipFill>
+        <p:spPr>
+          <a:xfrm>
+            <a:off x="1149914" y="920328"/>
+            <a:ext cx="3142787" cy="5400000"/>
+          </a:xfrm>
+          <a:prstGeom prst="rect">
+            <a:avLst/>
+          </a:prstGeom>
+          <a:noFill/>
+          <a:ln>
+            <a:noFill/>
+          </a:ln>
+        </p:spPr>
+      </p:pic>
+      <p:pic>
+        <p:nvPicPr>
+          <p:cNvPr id="3" name="Google Shape;272;p19">
+            <a:extLst>
+              <a:ext uri="{FF2B5EF4-FFF2-40B4-BE49-F238E27FC236}">
+                <a16:creationId xmlns:a16="http://schemas.microsoft.com/office/drawing/2014/main" id="{FEFB1485-4AD1-940D-1431-ECF21E566939}"/>
+              </a:ext>
+            </a:extLst>
+          </p:cNvPr>
+          <p:cNvPicPr preferRelativeResize="0"/>
+          <p:nvPr/>
+        </p:nvPicPr>
+        <p:blipFill rotWithShape="1">
+          <a:blip r:embed="rId4">
+            <a:alphaModFix/>
+          </a:blip>
+          <a:srcRect/>
+          <a:stretch/>
+        </p:blipFill>
+        <p:spPr>
+          <a:xfrm>
+            <a:off x="4541253" y="920328"/>
+            <a:ext cx="3109494" cy="5400000"/>
+          </a:xfrm>
+          <a:prstGeom prst="rect">
+            <a:avLst/>
+          </a:prstGeom>
+          <a:noFill/>
+          <a:ln>
+            <a:noFill/>
+          </a:ln>
+        </p:spPr>
+      </p:pic>
+      <p:pic>
+        <p:nvPicPr>
+          <p:cNvPr id="4" name="Google Shape;273;p19">
+            <a:extLst>
+              <a:ext uri="{FF2B5EF4-FFF2-40B4-BE49-F238E27FC236}">
+                <a16:creationId xmlns:a16="http://schemas.microsoft.com/office/drawing/2014/main" id="{E9E4FCC7-6DC2-6EB8-F1EA-5208CF78B794}"/>
+              </a:ext>
+            </a:extLst>
+          </p:cNvPr>
+          <p:cNvPicPr preferRelativeResize="0"/>
+          <p:nvPr/>
+        </p:nvPicPr>
+        <p:blipFill rotWithShape="1">
+          <a:blip r:embed="rId5">
+            <a:alphaModFix/>
+          </a:blip>
+          <a:srcRect/>
+          <a:stretch/>
+        </p:blipFill>
+        <p:spPr>
+          <a:xfrm>
+            <a:off x="7899299" y="920328"/>
+            <a:ext cx="3083824" cy="5400000"/>
+          </a:xfrm>
+          <a:prstGeom prst="rect">
+            <a:avLst/>
+          </a:prstGeom>
+          <a:noFill/>
+          <a:ln>
+            <a:noFill/>
+          </a:ln>
+        </p:spPr>
+      </p:pic>
     </p:spTree>
     <p:extLst>
       <p:ext uri="{BB962C8B-B14F-4D97-AF65-F5344CB8AC3E}">
-        <p14:creationId xmlns:p14="http://schemas.microsoft.com/office/powerpoint/2010/main" val="1469934724"/>
+        <p14:creationId xmlns:p14="http://schemas.microsoft.com/office/powerpoint/2010/main" val="1021957969"/>
       </p:ext>
     </p:extLst>
   </p:cSld>
@@ -13536,12 +14262,12 @@
               <a:buNone/>
             </a:pPr>
             <a:r>
+              <a:rPr lang="tr-TR" dirty="0" err="1"/>
+              <a:t>Quadcopter</a:t>
+            </a:r>
+            <a:r>
               <a:rPr lang="tr-TR" dirty="0"/>
-              <a:t>Literature-2 </a:t>
-            </a:r>
-            <a:r>
-              <a:rPr lang="tr-TR" dirty="0" err="1"/>
-              <a:t>Results</a:t>
+              <a:t> Model</a:t>
             </a:r>
             <a:endParaRPr lang="en-US" dirty="0"/>
           </a:p>
@@ -13799,10 +14525,40 @@
           </a:p>
         </p:txBody>
       </p:sp>
+      <p:pic>
+        <p:nvPicPr>
+          <p:cNvPr id="3" name="Resim 2">
+            <a:extLst>
+              <a:ext uri="{FF2B5EF4-FFF2-40B4-BE49-F238E27FC236}">
+                <a16:creationId xmlns:a16="http://schemas.microsoft.com/office/drawing/2014/main" id="{FDB7D488-A409-AEFF-A7E1-78EACB949528}"/>
+              </a:ext>
+            </a:extLst>
+          </p:cNvPr>
+          <p:cNvPicPr>
+            <a:picLocks noChangeAspect="1"/>
+          </p:cNvPicPr>
+          <p:nvPr/>
+        </p:nvPicPr>
+        <p:blipFill>
+          <a:blip r:embed="rId3"/>
+          <a:stretch>
+            <a:fillRect/>
+          </a:stretch>
+        </p:blipFill>
+        <p:spPr>
+          <a:xfrm>
+            <a:off x="485422" y="907525"/>
+            <a:ext cx="10840786" cy="5400000"/>
+          </a:xfrm>
+          <a:prstGeom prst="rect">
+            <a:avLst/>
+          </a:prstGeom>
+        </p:spPr>
+      </p:pic>
     </p:spTree>
     <p:extLst>
       <p:ext uri="{BB962C8B-B14F-4D97-AF65-F5344CB8AC3E}">
-        <p14:creationId xmlns:p14="http://schemas.microsoft.com/office/powerpoint/2010/main" val="1021957969"/>
+        <p14:creationId xmlns:p14="http://schemas.microsoft.com/office/powerpoint/2010/main" val="3449647577"/>
       </p:ext>
     </p:extLst>
   </p:cSld>
@@ -14141,6 +14897,36 @@
           </a:p>
         </p:txBody>
       </p:sp>
+      <p:pic>
+        <p:nvPicPr>
+          <p:cNvPr id="2" name="Picture 2">
+            <a:extLst>
+              <a:ext uri="{FF2B5EF4-FFF2-40B4-BE49-F238E27FC236}">
+                <a16:creationId xmlns:a16="http://schemas.microsoft.com/office/drawing/2014/main" id="{8E3A5149-28B9-C97D-6DAD-0D1FD34F8F5E}"/>
+              </a:ext>
+            </a:extLst>
+          </p:cNvPr>
+          <p:cNvPicPr>
+            <a:picLocks noChangeAspect="1"/>
+          </p:cNvPicPr>
+          <p:nvPr/>
+        </p:nvPicPr>
+        <p:blipFill>
+          <a:blip r:embed="rId3"/>
+          <a:stretch>
+            <a:fillRect/>
+          </a:stretch>
+        </p:blipFill>
+        <p:spPr>
+          <a:xfrm>
+            <a:off x="1353477" y="907525"/>
+            <a:ext cx="9485046" cy="5368675"/>
+          </a:xfrm>
+          <a:prstGeom prst="rect">
+            <a:avLst/>
+          </a:prstGeom>
+        </p:spPr>
+      </p:pic>
     </p:spTree>
     <p:extLst>
       <p:ext uri="{BB962C8B-B14F-4D97-AF65-F5344CB8AC3E}">
@@ -14387,110 +15173,36 @@
           </a:p>
         </p:txBody>
       </p:sp>
-      <p:sp>
-        <p:nvSpPr>
-          <p:cNvPr id="344" name="Google Shape;344;p26"/>
-          <p:cNvSpPr txBox="1"/>
+      <p:pic>
+        <p:nvPicPr>
+          <p:cNvPr id="2" name="Picture 3">
+            <a:extLst>
+              <a:ext uri="{FF2B5EF4-FFF2-40B4-BE49-F238E27FC236}">
+                <a16:creationId xmlns:a16="http://schemas.microsoft.com/office/drawing/2014/main" id="{D6BF1E6B-736C-ABA3-1E32-262C14887933}"/>
+              </a:ext>
+            </a:extLst>
+          </p:cNvPr>
+          <p:cNvPicPr>
+            <a:picLocks noChangeAspect="1"/>
+          </p:cNvPicPr>
           <p:nvPr/>
-        </p:nvSpPr>
+        </p:nvPicPr>
+        <p:blipFill>
+          <a:blip r:embed="rId3"/>
+          <a:stretch>
+            <a:fillRect/>
+          </a:stretch>
+        </p:blipFill>
         <p:spPr>
           <a:xfrm>
-            <a:off x="1073247" y="1201213"/>
-            <a:ext cx="10045505" cy="5083277"/>
+            <a:off x="0" y="1373536"/>
+            <a:ext cx="12192000" cy="4110928"/>
           </a:xfrm>
           <a:prstGeom prst="rect">
             <a:avLst/>
           </a:prstGeom>
-          <a:noFill/>
-          <a:ln>
-            <a:noFill/>
-          </a:ln>
         </p:spPr>
-        <p:txBody>
-          <a:bodyPr spcFirstLastPara="1" wrap="square" lIns="91425" tIns="45700" rIns="91425" bIns="45700" anchor="t" anchorCtr="0">
-            <a:normAutofit/>
-          </a:bodyPr>
-          <a:lstStyle/>
-          <a:p>
-            <a:pPr marL="941832" marR="0" lvl="1" indent="-342900" algn="just" rtl="0">
-              <a:lnSpc>
-                <a:spcPct val="110000"/>
-              </a:lnSpc>
-              <a:spcBef>
-                <a:spcPts val="600"/>
-              </a:spcBef>
-              <a:spcAft>
-                <a:spcPts val="0"/>
-              </a:spcAft>
-              <a:buClr>
-                <a:schemeClr val="accent1"/>
-              </a:buClr>
-              <a:buSzPct val="119999"/>
-              <a:buFont typeface="Arial" panose="020B0604020202020204" pitchFamily="34" charset="0"/>
-              <a:buChar char="•"/>
-            </a:pPr>
-            <a:endParaRPr lang="tr-TR" sz="2400" dirty="0">
-              <a:solidFill>
-                <a:schemeClr val="dk1"/>
-              </a:solidFill>
-              <a:latin typeface="+mj-lt"/>
-            </a:endParaRPr>
-          </a:p>
-          <a:p>
-            <a:pPr marL="941832" marR="0" lvl="1" indent="-342900" algn="just" rtl="0">
-              <a:lnSpc>
-                <a:spcPct val="110000"/>
-              </a:lnSpc>
-              <a:spcBef>
-                <a:spcPts val="600"/>
-              </a:spcBef>
-              <a:spcAft>
-                <a:spcPts val="0"/>
-              </a:spcAft>
-              <a:buClr>
-                <a:schemeClr val="accent1"/>
-              </a:buClr>
-              <a:buSzPct val="119999"/>
-              <a:buFont typeface="Arial" panose="020B0604020202020204" pitchFamily="34" charset="0"/>
-              <a:buChar char="•"/>
-            </a:pPr>
-            <a:endParaRPr lang="tr-TR" sz="2400" dirty="0">
-              <a:solidFill>
-                <a:schemeClr val="dk1"/>
-              </a:solidFill>
-              <a:latin typeface="+mj-lt"/>
-            </a:endParaRPr>
-          </a:p>
-          <a:p>
-            <a:pPr marL="941832" marR="0" lvl="1" indent="-342900" algn="just" rtl="0">
-              <a:lnSpc>
-                <a:spcPct val="110000"/>
-              </a:lnSpc>
-              <a:spcBef>
-                <a:spcPts val="600"/>
-              </a:spcBef>
-              <a:spcAft>
-                <a:spcPts val="0"/>
-              </a:spcAft>
-              <a:buClr>
-                <a:schemeClr val="accent1"/>
-              </a:buClr>
-              <a:buSzPct val="119999"/>
-              <a:buFont typeface="Arial" panose="020B0604020202020204" pitchFamily="34" charset="0"/>
-              <a:buChar char="•"/>
-            </a:pPr>
-            <a:endParaRPr sz="2400" b="0" i="0" u="none" strike="noStrike" cap="none" dirty="0">
-              <a:solidFill>
-                <a:schemeClr val="dk1"/>
-              </a:solidFill>
-              <a:latin typeface="+mj-lt"/>
-              <a:ea typeface="Arial"/>
-              <a:cs typeface="Arial"/>
-              <a:sym typeface="Arial"/>
-            </a:endParaRPr>
-          </a:p>
-        </p:txBody>
-      </p:sp>
+      </p:pic>
     </p:spTree>
     <p:extLst>
       <p:ext uri="{BB962C8B-B14F-4D97-AF65-F5344CB8AC3E}">
@@ -14521,6 +15233,36 @@
           <a:chExt cx="0" cy="0"/>
         </a:xfrm>
       </p:grpSpPr>
+      <p:pic>
+        <p:nvPicPr>
+          <p:cNvPr id="6" name="Picture 5">
+            <a:extLst>
+              <a:ext uri="{FF2B5EF4-FFF2-40B4-BE49-F238E27FC236}">
+                <a16:creationId xmlns:a16="http://schemas.microsoft.com/office/drawing/2014/main" id="{78B4128F-028D-487B-B12F-6F32DEA3CBD9}"/>
+              </a:ext>
+            </a:extLst>
+          </p:cNvPr>
+          <p:cNvPicPr>
+            <a:picLocks noChangeAspect="1"/>
+          </p:cNvPicPr>
+          <p:nvPr/>
+        </p:nvPicPr>
+        <p:blipFill>
+          <a:blip r:embed="rId3"/>
+          <a:stretch>
+            <a:fillRect/>
+          </a:stretch>
+        </p:blipFill>
+        <p:spPr>
+          <a:xfrm>
+            <a:off x="23750" y="1720593"/>
+            <a:ext cx="12058183" cy="2838084"/>
+          </a:xfrm>
+          <a:prstGeom prst="rect">
+            <a:avLst/>
+          </a:prstGeom>
+        </p:spPr>
+      </p:pic>
       <p:sp>
         <p:nvSpPr>
           <p:cNvPr id="340" name="Google Shape;340;p26"/>
@@ -14570,14 +15312,14 @@
               <a:buNone/>
             </a:pPr>
             <a:r>
-              <a:rPr lang="tr-TR" dirty="0" err="1"/>
+              <a:rPr lang="en-US" dirty="0"/>
               <a:t>Roll</a:t>
             </a:r>
             <a:r>
               <a:rPr lang="tr-TR" dirty="0"/>
-              <a:t>-Pitch RL Agent</a:t>
-            </a:r>
-            <a:endParaRPr lang="en-US" dirty="0"/>
+              <a:t> &amp; Pitch RL Agent</a:t>
+            </a:r>
+            <a:endParaRPr dirty="0"/>
           </a:p>
         </p:txBody>
       </p:sp>
@@ -14622,8 +15364,16 @@
               <a:buNone/>
             </a:pPr>
             <a:r>
-              <a:rPr lang="tr-TR"/>
-              <a:t>Jun 7, 2024</a:t>
+              <a:rPr lang="tr-TR" dirty="0" err="1"/>
+              <a:t>Jun</a:t>
+            </a:r>
+            <a:r>
+              <a:rPr lang="tr-TR" dirty="0"/>
+              <a:t> 7</a:t>
+            </a:r>
+            <a:r>
+              <a:rPr lang="en-US" dirty="0"/>
+              <a:t>, 2024</a:t>
             </a:r>
             <a:endParaRPr dirty="0"/>
           </a:p>
@@ -14671,7 +15421,15 @@
             </a:pPr>
             <a:r>
               <a:rPr lang="en-US" dirty="0"/>
-              <a:t>CMP-620 Reinforcement Learning – Project Pro</a:t>
+              <a:t>CMP-620 Reinforcement Learning – Project</a:t>
+            </a:r>
+            <a:r>
+              <a:rPr lang="tr-TR" dirty="0"/>
+              <a:t> </a:t>
+            </a:r>
+            <a:r>
+              <a:rPr lang="en-US" dirty="0"/>
+              <a:t>Pro</a:t>
             </a:r>
             <a:r>
               <a:rPr lang="tr-TR" dirty="0" err="1"/>
@@ -14731,118 +15489,1449 @@
       </p:sp>
       <p:sp>
         <p:nvSpPr>
-          <p:cNvPr id="344" name="Google Shape;344;p26"/>
+          <p:cNvPr id="2" name="TextBox 1">
+            <a:extLst>
+              <a:ext uri="{FF2B5EF4-FFF2-40B4-BE49-F238E27FC236}">
+                <a16:creationId xmlns:a16="http://schemas.microsoft.com/office/drawing/2014/main" id="{802E848C-F4BB-4D86-B30E-0F5ADC8BDEC8}"/>
+              </a:ext>
+            </a:extLst>
+          </p:cNvPr>
           <p:cNvSpPr txBox="1"/>
           <p:nvPr/>
         </p:nvSpPr>
         <p:spPr>
           <a:xfrm>
-            <a:off x="1073247" y="1201213"/>
-            <a:ext cx="10045505" cy="5083277"/>
+            <a:off x="655780" y="4454859"/>
+            <a:ext cx="2927929" cy="1815882"/>
           </a:xfrm>
           <a:prstGeom prst="rect">
             <a:avLst/>
           </a:prstGeom>
           <a:noFill/>
-          <a:ln>
-            <a:noFill/>
-          </a:ln>
         </p:spPr>
         <p:txBody>
-          <a:bodyPr spcFirstLastPara="1" wrap="square" lIns="91425" tIns="45700" rIns="91425" bIns="45700" anchor="t" anchorCtr="0">
-            <a:normAutofit/>
+          <a:bodyPr wrap="square" rtlCol="0">
+            <a:spAutoFit/>
           </a:bodyPr>
           <a:lstStyle/>
           <a:p>
-            <a:pPr marL="941832" marR="0" lvl="1" indent="-342900" algn="just" rtl="0">
-              <a:lnSpc>
-                <a:spcPct val="110000"/>
-              </a:lnSpc>
-              <a:spcBef>
-                <a:spcPts val="600"/>
-              </a:spcBef>
-              <a:spcAft>
-                <a:spcPts val="0"/>
-              </a:spcAft>
-              <a:buClr>
-                <a:schemeClr val="accent1"/>
-              </a:buClr>
-              <a:buSzPct val="119999"/>
+            <a:r>
+              <a:rPr lang="en-US" sz="1600" b="1" dirty="0"/>
+              <a:t>Observation States</a:t>
+            </a:r>
+          </a:p>
+          <a:p>
+            <a:pPr marL="285750" indent="-285750">
               <a:buFont typeface="Arial" panose="020B0604020202020204" pitchFamily="34" charset="0"/>
               <a:buChar char="•"/>
             </a:pPr>
-            <a:endParaRPr lang="tr-TR" sz="2400" dirty="0">
-              <a:solidFill>
-                <a:schemeClr val="dk1"/>
-              </a:solidFill>
-              <a:latin typeface="+mj-lt"/>
-            </a:endParaRPr>
-          </a:p>
-          <a:p>
-            <a:pPr marL="941832" marR="0" lvl="1" indent="-342900" algn="just" rtl="0">
-              <a:lnSpc>
-                <a:spcPct val="110000"/>
-              </a:lnSpc>
-              <a:spcBef>
-                <a:spcPts val="600"/>
-              </a:spcBef>
-              <a:spcAft>
-                <a:spcPts val="0"/>
-              </a:spcAft>
-              <a:buClr>
-                <a:schemeClr val="accent1"/>
-              </a:buClr>
-              <a:buSzPct val="119999"/>
+            <a:r>
+              <a:rPr lang="en-US" sz="1600" dirty="0"/>
+              <a:t>Roll angle reference</a:t>
+            </a:r>
+          </a:p>
+          <a:p>
+            <a:pPr marL="285750" indent="-285750">
               <a:buFont typeface="Arial" panose="020B0604020202020204" pitchFamily="34" charset="0"/>
               <a:buChar char="•"/>
             </a:pPr>
-            <a:endParaRPr lang="tr-TR" sz="2400" dirty="0">
-              <a:solidFill>
-                <a:schemeClr val="dk1"/>
-              </a:solidFill>
-              <a:latin typeface="+mj-lt"/>
-            </a:endParaRPr>
-          </a:p>
-          <a:p>
-            <a:pPr marL="941832" marR="0" lvl="1" indent="-342900" algn="just" rtl="0">
-              <a:lnSpc>
-                <a:spcPct val="110000"/>
-              </a:lnSpc>
-              <a:spcBef>
-                <a:spcPts val="600"/>
-              </a:spcBef>
-              <a:spcAft>
-                <a:spcPts val="0"/>
-              </a:spcAft>
-              <a:buClr>
-                <a:schemeClr val="accent1"/>
-              </a:buClr>
-              <a:buSzPct val="119999"/>
+            <a:r>
+              <a:rPr lang="en-US" sz="1600" dirty="0"/>
+              <a:t>Pitch angle reference</a:t>
+            </a:r>
+          </a:p>
+          <a:p>
+            <a:pPr marL="285750" indent="-285750">
               <a:buFont typeface="Arial" panose="020B0604020202020204" pitchFamily="34" charset="0"/>
               <a:buChar char="•"/>
             </a:pPr>
-            <a:endParaRPr sz="2400" b="0" i="0" u="none" strike="noStrike" cap="none" dirty="0">
-              <a:solidFill>
-                <a:schemeClr val="dk1"/>
-              </a:solidFill>
-              <a:latin typeface="+mj-lt"/>
-              <a:ea typeface="Arial"/>
-              <a:cs typeface="Arial"/>
-              <a:sym typeface="Arial"/>
-            </a:endParaRPr>
+            <a:r>
+              <a:rPr lang="en-US" sz="1600" dirty="0"/>
+              <a:t>Estimated Roll angle</a:t>
+            </a:r>
+          </a:p>
+          <a:p>
+            <a:pPr marL="285750" indent="-285750">
+              <a:buFont typeface="Arial" panose="020B0604020202020204" pitchFamily="34" charset="0"/>
+              <a:buChar char="•"/>
+            </a:pPr>
+            <a:r>
+              <a:rPr lang="en-US" sz="1600" dirty="0"/>
+              <a:t>Estimated Pitch angle</a:t>
+            </a:r>
+          </a:p>
+          <a:p>
+            <a:pPr marL="285750" indent="-285750">
+              <a:buFont typeface="Arial" panose="020B0604020202020204" pitchFamily="34" charset="0"/>
+              <a:buChar char="•"/>
+            </a:pPr>
+            <a:r>
+              <a:rPr lang="en-US" sz="1600" dirty="0"/>
+              <a:t>Estimated Roll body rate</a:t>
+            </a:r>
+          </a:p>
+          <a:p>
+            <a:pPr marL="285750" indent="-285750">
+              <a:buFont typeface="Arial" panose="020B0604020202020204" pitchFamily="34" charset="0"/>
+              <a:buChar char="•"/>
+            </a:pPr>
+            <a:r>
+              <a:rPr lang="en-US" sz="1600" dirty="0"/>
+              <a:t>Estimated Pitch body rate</a:t>
+            </a:r>
           </a:p>
         </p:txBody>
       </p:sp>
+      <p:cxnSp>
+        <p:nvCxnSpPr>
+          <p:cNvPr id="5" name="Straight Arrow Connector 4">
+            <a:extLst>
+              <a:ext uri="{FF2B5EF4-FFF2-40B4-BE49-F238E27FC236}">
+                <a16:creationId xmlns:a16="http://schemas.microsoft.com/office/drawing/2014/main" id="{AA926BE6-6CC1-424B-9BBA-64D6FD0624D6}"/>
+              </a:ext>
+            </a:extLst>
+          </p:cNvPr>
+          <p:cNvCxnSpPr>
+            <a:cxnSpLocks/>
+          </p:cNvCxnSpPr>
+          <p:nvPr/>
+        </p:nvCxnSpPr>
+        <p:spPr>
+          <a:xfrm flipH="1">
+            <a:off x="960582" y="3260436"/>
+            <a:ext cx="1062183" cy="1194423"/>
+          </a:xfrm>
+          <a:prstGeom prst="straightConnector1">
+            <a:avLst/>
+          </a:prstGeom>
+          <a:ln w="28575">
+            <a:tailEnd type="triangle"/>
+          </a:ln>
+        </p:spPr>
+        <p:style>
+          <a:lnRef idx="1">
+            <a:schemeClr val="accent1"/>
+          </a:lnRef>
+          <a:fillRef idx="0">
+            <a:schemeClr val="accent1"/>
+          </a:fillRef>
+          <a:effectRef idx="0">
+            <a:schemeClr val="accent1"/>
+          </a:effectRef>
+          <a:fontRef idx="minor">
+            <a:schemeClr val="tx1"/>
+          </a:fontRef>
+        </p:style>
+      </p:cxnSp>
+      <p:sp>
+        <p:nvSpPr>
+          <p:cNvPr id="15" name="TextBox 14">
+            <a:extLst>
+              <a:ext uri="{FF2B5EF4-FFF2-40B4-BE49-F238E27FC236}">
+                <a16:creationId xmlns:a16="http://schemas.microsoft.com/office/drawing/2014/main" id="{DE859ACC-61E3-48F2-B85B-8D3DFE668C84}"/>
+              </a:ext>
+            </a:extLst>
+          </p:cNvPr>
+          <p:cNvSpPr txBox="1"/>
+          <p:nvPr/>
+        </p:nvSpPr>
+        <p:spPr>
+          <a:xfrm>
+            <a:off x="8437415" y="4442966"/>
+            <a:ext cx="1944257" cy="830997"/>
+          </a:xfrm>
+          <a:prstGeom prst="rect">
+            <a:avLst/>
+          </a:prstGeom>
+          <a:noFill/>
+        </p:spPr>
+        <p:txBody>
+          <a:bodyPr wrap="square" rtlCol="0">
+            <a:spAutoFit/>
+          </a:bodyPr>
+          <a:lstStyle/>
+          <a:p>
+            <a:r>
+              <a:rPr lang="tr-TR" sz="1600" b="1" dirty="0"/>
+              <a:t>Action</a:t>
+            </a:r>
+            <a:r>
+              <a:rPr lang="en-US" sz="1600" b="1" dirty="0"/>
+              <a:t> States</a:t>
+            </a:r>
+          </a:p>
+          <a:p>
+            <a:pPr marL="285750" indent="-285750">
+              <a:buFont typeface="Arial" panose="020B0604020202020204" pitchFamily="34" charset="0"/>
+              <a:buChar char="•"/>
+            </a:pPr>
+            <a:r>
+              <a:rPr lang="tr-TR" sz="1600" dirty="0"/>
+              <a:t>Tau Pitch</a:t>
+            </a:r>
+            <a:endParaRPr lang="en-US" sz="1600" dirty="0"/>
+          </a:p>
+          <a:p>
+            <a:pPr marL="285750" indent="-285750">
+              <a:buFont typeface="Arial" panose="020B0604020202020204" pitchFamily="34" charset="0"/>
+              <a:buChar char="•"/>
+            </a:pPr>
+            <a:r>
+              <a:rPr lang="tr-TR" sz="1600" dirty="0"/>
+              <a:t>Tau Roll</a:t>
+            </a:r>
+            <a:endParaRPr lang="en-US" sz="1600" dirty="0"/>
+          </a:p>
+        </p:txBody>
+      </p:sp>
+      <p:cxnSp>
+        <p:nvCxnSpPr>
+          <p:cNvPr id="16" name="Straight Arrow Connector 15">
+            <a:extLst>
+              <a:ext uri="{FF2B5EF4-FFF2-40B4-BE49-F238E27FC236}">
+                <a16:creationId xmlns:a16="http://schemas.microsoft.com/office/drawing/2014/main" id="{7E1EFE73-253F-479E-898F-9A64453A3931}"/>
+              </a:ext>
+            </a:extLst>
+          </p:cNvPr>
+          <p:cNvCxnSpPr>
+            <a:cxnSpLocks/>
+          </p:cNvCxnSpPr>
+          <p:nvPr/>
+        </p:nvCxnSpPr>
+        <p:spPr>
+          <a:xfrm>
+            <a:off x="8659094" y="3664055"/>
+            <a:ext cx="411015" cy="797383"/>
+          </a:xfrm>
+          <a:prstGeom prst="straightConnector1">
+            <a:avLst/>
+          </a:prstGeom>
+          <a:ln w="28575">
+            <a:tailEnd type="triangle"/>
+          </a:ln>
+        </p:spPr>
+        <p:style>
+          <a:lnRef idx="1">
+            <a:schemeClr val="accent1"/>
+          </a:lnRef>
+          <a:fillRef idx="0">
+            <a:schemeClr val="accent1"/>
+          </a:fillRef>
+          <a:effectRef idx="0">
+            <a:schemeClr val="accent1"/>
+          </a:effectRef>
+          <a:fontRef idx="minor">
+            <a:schemeClr val="tx1"/>
+          </a:fontRef>
+        </p:style>
+      </p:cxnSp>
+      <mc:AlternateContent xmlns:mc="http://schemas.openxmlformats.org/markup-compatibility/2006" xmlns:a14="http://schemas.microsoft.com/office/drawing/2010/main">
+        <mc:Choice Requires="a14">
+          <p:sp>
+            <p:nvSpPr>
+              <p:cNvPr id="19" name="TextBox 18">
+                <a:extLst>
+                  <a:ext uri="{FF2B5EF4-FFF2-40B4-BE49-F238E27FC236}">
+                    <a16:creationId xmlns:a16="http://schemas.microsoft.com/office/drawing/2014/main" id="{245823EB-B7FF-4C21-A4EF-F798DD6647E0}"/>
+                  </a:ext>
+                </a:extLst>
+              </p:cNvPr>
+              <p:cNvSpPr txBox="1"/>
+              <p:nvPr/>
+            </p:nvSpPr>
+            <p:spPr>
+              <a:xfrm>
+                <a:off x="4157830" y="5518069"/>
+                <a:ext cx="4507345" cy="404663"/>
+              </a:xfrm>
+              <a:prstGeom prst="rect">
+                <a:avLst/>
+              </a:prstGeom>
+              <a:noFill/>
+            </p:spPr>
+            <p:txBody>
+              <a:bodyPr wrap="square">
+                <a:spAutoFit/>
+              </a:bodyPr>
+              <a:lstStyle/>
+              <a:p>
+                <a:pPr marL="457200" lvl="1" algn="ctr">
+                  <a:lnSpc>
+                    <a:spcPct val="110000"/>
+                  </a:lnSpc>
+                  <a:spcBef>
+                    <a:spcPts val="600"/>
+                  </a:spcBef>
+                  <a:buClr>
+                    <a:schemeClr val="accent1"/>
+                  </a:buClr>
+                  <a:buSzPct val="119999"/>
+                </a:pPr>
+                <a14:m>
+                  <m:oMath xmlns:m="http://schemas.openxmlformats.org/officeDocument/2006/math">
+                    <m:sSub>
+                      <m:sSubPr>
+                        <m:ctrlPr>
+                          <a:rPr lang="ar-AE" sz="2000" i="1" smtClean="0">
+                            <a:latin typeface="Cambria Math" panose="02040503050406030204" pitchFamily="18" charset="0"/>
+                          </a:rPr>
+                        </m:ctrlPr>
+                      </m:sSubPr>
+                      <m:e>
+                        <m:r>
+                          <m:rPr>
+                            <m:nor/>
+                          </m:rPr>
+                          <a:rPr lang="en-US" sz="2000" i="1" smtClean="0">
+                            <a:latin typeface="+mj-lt"/>
+                          </a:rPr>
+                          <m:t>r</m:t>
+                        </m:r>
+                      </m:e>
+                      <m:sub>
+                        <m:r>
+                          <a:rPr lang="ar-AE" sz="2000" b="0" i="1" dirty="0" smtClean="0">
+                            <a:latin typeface="Cambria Math" panose="02040503050406030204" pitchFamily="18" charset="0"/>
+                          </a:rPr>
+                          <m:t>𝑡</m:t>
+                        </m:r>
+                      </m:sub>
+                    </m:sSub>
+                  </m:oMath>
+                </a14:m>
+                <a:r>
+                  <a:rPr lang="tr-TR" sz="2000" i="1" u="none" strike="noStrike" baseline="0" dirty="0">
+                    <a:latin typeface="+mj-lt"/>
+                  </a:rPr>
+                  <a:t>= -</a:t>
+                </a:r>
+                <a:r>
+                  <a:rPr lang="en-US" sz="2000" i="1" u="none" strike="noStrike" baseline="0" dirty="0">
+                    <a:latin typeface="+mj-lt"/>
+                  </a:rPr>
+                  <a:t>clip(sum(|</a:t>
+                </a:r>
+                <a14:m>
+                  <m:oMath xmlns:m="http://schemas.openxmlformats.org/officeDocument/2006/math">
+                    <m:sSub>
+                      <m:sSubPr>
+                        <m:ctrlPr>
+                          <a:rPr lang="ar-AE" sz="2000" i="1">
+                            <a:latin typeface="Cambria Math" panose="02040503050406030204" pitchFamily="18" charset="0"/>
+                          </a:rPr>
+                        </m:ctrlPr>
+                      </m:sSubPr>
+                      <m:e>
+                        <m:r>
+                          <m:rPr>
+                            <m:nor/>
+                          </m:rPr>
+                          <a:rPr lang="tr-TR" sz="2000" i="1" smtClean="0">
+                            <a:latin typeface="+mj-lt"/>
+                          </a:rPr>
+                          <m:t>e</m:t>
+                        </m:r>
+                      </m:e>
+                      <m:sub>
+                        <m:r>
+                          <a:rPr lang="ar-AE" sz="2000" b="0" i="1" dirty="0">
+                            <a:latin typeface="Cambria Math" panose="02040503050406030204" pitchFamily="18" charset="0"/>
+                          </a:rPr>
+                          <m:t>𝑡</m:t>
+                        </m:r>
+                      </m:sub>
+                    </m:sSub>
+                  </m:oMath>
+                </a14:m>
+                <a:r>
+                  <a:rPr lang="tr-TR" sz="2000" i="1" u="none" strike="noStrike" cap="none" dirty="0">
+                    <a:solidFill>
+                      <a:schemeClr val="dk1"/>
+                    </a:solidFill>
+                    <a:latin typeface="+mj-lt"/>
+                    <a:sym typeface="Arial"/>
+                  </a:rPr>
+                  <a:t>|/3</a:t>
+                </a:r>
+                <a:r>
+                  <a:rPr lang="ar-AE" sz="2000" dirty="0">
+                    <a:latin typeface="+mj-lt"/>
+                  </a:rPr>
+                  <a:t> </a:t>
+                </a:r>
+                <a14:m>
+                  <m:oMath xmlns:m="http://schemas.openxmlformats.org/officeDocument/2006/math">
+                    <m:sSub>
+                      <m:sSubPr>
+                        <m:ctrlPr>
+                          <a:rPr lang="ar-AE" sz="2000" i="1">
+                            <a:latin typeface="Cambria Math" panose="02040503050406030204" pitchFamily="18" charset="0"/>
+                          </a:rPr>
+                        </m:ctrlPr>
+                      </m:sSubPr>
+                      <m:e>
+                        <m:r>
+                          <m:rPr>
+                            <m:nor/>
+                          </m:rPr>
+                          <a:rPr lang="el-GR" sz="2000" i="1" dirty="0">
+                            <a:latin typeface="+mj-lt"/>
+                          </a:rPr>
+                          <m:t>Ω</m:t>
+                        </m:r>
+                      </m:e>
+                      <m:sub>
+                        <m:r>
+                          <a:rPr lang="ar-AE" sz="2000" b="0" i="1">
+                            <a:latin typeface="Cambria Math" panose="02040503050406030204" pitchFamily="18" charset="0"/>
+                          </a:rPr>
+                          <m:t>𝑚𝑎𝑥</m:t>
+                        </m:r>
+                      </m:sub>
+                    </m:sSub>
+                  </m:oMath>
+                </a14:m>
+                <a:r>
+                  <a:rPr lang="tr-TR" sz="2000" i="1" u="none" strike="noStrike" cap="none" dirty="0">
+                    <a:solidFill>
+                      <a:schemeClr val="dk1"/>
+                    </a:solidFill>
+                    <a:latin typeface="+mj-lt"/>
+                    <a:sym typeface="Arial"/>
+                  </a:rPr>
+                  <a:t>,0,1)</a:t>
+                </a:r>
+                <a:endParaRPr lang="ar-AE" sz="2000" i="1" u="none" strike="noStrike" cap="none" dirty="0">
+                  <a:solidFill>
+                    <a:schemeClr val="dk1"/>
+                  </a:solidFill>
+                  <a:latin typeface="+mj-lt"/>
+                  <a:sym typeface="Arial"/>
+                </a:endParaRPr>
+              </a:p>
+            </p:txBody>
+          </p:sp>
+        </mc:Choice>
+        <mc:Fallback xmlns="">
+          <p:sp>
+            <p:nvSpPr>
+              <p:cNvPr id="19" name="TextBox 18">
+                <a:extLst>
+                  <a:ext uri="{FF2B5EF4-FFF2-40B4-BE49-F238E27FC236}">
+                    <a16:creationId xmlns:a16="http://schemas.microsoft.com/office/drawing/2014/main" id="{245823EB-B7FF-4C21-A4EF-F798DD6647E0}"/>
+                  </a:ext>
+                </a:extLst>
+              </p:cNvPr>
+              <p:cNvSpPr txBox="1">
+                <a:spLocks noRot="1" noChangeAspect="1" noMove="1" noResize="1" noEditPoints="1" noAdjustHandles="1" noChangeArrowheads="1" noChangeShapeType="1" noTextEdit="1"/>
+              </p:cNvSpPr>
+              <p:nvPr/>
+            </p:nvSpPr>
+            <p:spPr>
+              <a:xfrm>
+                <a:off x="4157830" y="5518069"/>
+                <a:ext cx="4507345" cy="404663"/>
+              </a:xfrm>
+              <a:prstGeom prst="rect">
+                <a:avLst/>
+              </a:prstGeom>
+              <a:blipFill>
+                <a:blip r:embed="rId4"/>
+                <a:stretch>
+                  <a:fillRect t="-5970" b="-25373"/>
+                </a:stretch>
+              </a:blipFill>
+            </p:spPr>
+            <p:txBody>
+              <a:bodyPr/>
+              <a:lstStyle/>
+              <a:p>
+                <a:r>
+                  <a:rPr lang="en-US">
+                    <a:noFill/>
+                  </a:rPr>
+                  <a:t> </a:t>
+                </a:r>
+              </a:p>
+            </p:txBody>
+          </p:sp>
+        </mc:Fallback>
+      </mc:AlternateContent>
+      <p:cxnSp>
+        <p:nvCxnSpPr>
+          <p:cNvPr id="20" name="Straight Arrow Connector 19">
+            <a:extLst>
+              <a:ext uri="{FF2B5EF4-FFF2-40B4-BE49-F238E27FC236}">
+                <a16:creationId xmlns:a16="http://schemas.microsoft.com/office/drawing/2014/main" id="{7F5CB95E-DC55-443B-8C36-988130A40D48}"/>
+              </a:ext>
+            </a:extLst>
+          </p:cNvPr>
+          <p:cNvCxnSpPr>
+            <a:cxnSpLocks/>
+            <a:endCxn id="19" idx="0"/>
+          </p:cNvCxnSpPr>
+          <p:nvPr/>
+        </p:nvCxnSpPr>
+        <p:spPr>
+          <a:xfrm>
+            <a:off x="4309533" y="3742267"/>
+            <a:ext cx="2101970" cy="1775802"/>
+          </a:xfrm>
+          <a:prstGeom prst="straightConnector1">
+            <a:avLst/>
+          </a:prstGeom>
+          <a:ln w="28575">
+            <a:tailEnd type="triangle"/>
+          </a:ln>
+        </p:spPr>
+        <p:style>
+          <a:lnRef idx="1">
+            <a:schemeClr val="accent1"/>
+          </a:lnRef>
+          <a:fillRef idx="0">
+            <a:schemeClr val="accent1"/>
+          </a:fillRef>
+          <a:effectRef idx="0">
+            <a:schemeClr val="accent1"/>
+          </a:effectRef>
+          <a:fontRef idx="minor">
+            <a:schemeClr val="tx1"/>
+          </a:fontRef>
+        </p:style>
+      </p:cxnSp>
+      <mc:AlternateContent xmlns:mc="http://schemas.openxmlformats.org/markup-compatibility/2006" xmlns:a14="http://schemas.microsoft.com/office/drawing/2010/main">
+        <mc:Choice Requires="a14">
+          <p:sp>
+            <p:nvSpPr>
+              <p:cNvPr id="13" name="TextBox 12">
+                <a:extLst>
+                  <a:ext uri="{FF2B5EF4-FFF2-40B4-BE49-F238E27FC236}">
+                    <a16:creationId xmlns:a16="http://schemas.microsoft.com/office/drawing/2014/main" id="{F6CF73B8-DAD4-4C67-A5BA-0C11C3B86D07}"/>
+                  </a:ext>
+                </a:extLst>
+              </p:cNvPr>
+              <p:cNvSpPr txBox="1"/>
+              <p:nvPr/>
+            </p:nvSpPr>
+            <p:spPr>
+              <a:xfrm>
+                <a:off x="10201755" y="2671384"/>
+                <a:ext cx="1771650" cy="369268"/>
+              </a:xfrm>
+              <a:prstGeom prst="rect">
+                <a:avLst/>
+              </a:prstGeom>
+              <a:noFill/>
+            </p:spPr>
+            <p:txBody>
+              <a:bodyPr wrap="square">
+                <a:spAutoFit/>
+              </a:bodyPr>
+              <a:lstStyle/>
+              <a:p>
+                <a:pPr/>
+                <a14:m>
+                  <m:oMathPara xmlns:m="http://schemas.openxmlformats.org/officeDocument/2006/math">
+                    <m:oMathParaPr>
+                      <m:jc m:val="centerGroup"/>
+                    </m:oMathParaPr>
+                    <m:oMath xmlns:m="http://schemas.openxmlformats.org/officeDocument/2006/math">
+                      <m:sSub>
+                        <m:sSubPr>
+                          <m:ctrlPr>
+                            <a:rPr lang="en-US" sz="1600" i="1" smtClean="0">
+                              <a:latin typeface="Cambria Math" panose="02040503050406030204" pitchFamily="18" charset="0"/>
+                            </a:rPr>
+                          </m:ctrlPr>
+                        </m:sSubPr>
+                        <m:e>
+                          <m:r>
+                            <a:rPr lang="en-US" sz="1600" i="1">
+                              <a:latin typeface="Cambria Math" panose="02040503050406030204" pitchFamily="18" charset="0"/>
+                            </a:rPr>
+                            <m:t>𝜏</m:t>
+                          </m:r>
+                        </m:e>
+                        <m:sub>
+                          <m:r>
+                            <a:rPr lang="en-US" sz="1600" i="1">
+                              <a:latin typeface="Cambria Math" panose="02040503050406030204" pitchFamily="18" charset="0"/>
+                            </a:rPr>
+                            <m:t>𝜙</m:t>
+                          </m:r>
+                        </m:sub>
+                      </m:sSub>
+                      <m:r>
+                        <a:rPr lang="en-US" sz="1600">
+                          <a:latin typeface="Cambria Math" panose="02040503050406030204" pitchFamily="18" charset="0"/>
+                        </a:rPr>
+                        <m:t>=</m:t>
+                      </m:r>
+                      <m:r>
+                        <a:rPr lang="en-US" sz="1600" i="1">
+                          <a:latin typeface="Cambria Math" panose="02040503050406030204" pitchFamily="18" charset="0"/>
+                        </a:rPr>
+                        <m:t>𝑏𝑙</m:t>
+                      </m:r>
+                      <m:d>
+                        <m:dPr>
+                          <m:ctrlPr>
+                            <a:rPr lang="en-US" sz="1600" i="1">
+                              <a:latin typeface="Cambria Math" panose="02040503050406030204" pitchFamily="18" charset="0"/>
+                            </a:rPr>
+                          </m:ctrlPr>
+                        </m:dPr>
+                        <m:e>
+                          <m:sSubSup>
+                            <m:sSubSupPr>
+                              <m:ctrlPr>
+                                <a:rPr lang="en-US" sz="1600" i="1">
+                                  <a:latin typeface="Cambria Math" panose="02040503050406030204" pitchFamily="18" charset="0"/>
+                                </a:rPr>
+                              </m:ctrlPr>
+                            </m:sSubSupPr>
+                            <m:e>
+                              <m:r>
+                                <m:rPr>
+                                  <m:sty m:val="p"/>
+                                </m:rPr>
+                                <a:rPr lang="en-US" sz="1600">
+                                  <a:latin typeface="Cambria Math" panose="02040503050406030204" pitchFamily="18" charset="0"/>
+                                </a:rPr>
+                                <m:t>Ω</m:t>
+                              </m:r>
+                            </m:e>
+                            <m:sub>
+                              <m:r>
+                                <a:rPr lang="en-US" sz="1600">
+                                  <a:latin typeface="Cambria Math" panose="02040503050406030204" pitchFamily="18" charset="0"/>
+                                </a:rPr>
+                                <m:t>3</m:t>
+                              </m:r>
+                            </m:sub>
+                            <m:sup>
+                              <m:r>
+                                <a:rPr lang="en-US" sz="1600">
+                                  <a:latin typeface="Cambria Math" panose="02040503050406030204" pitchFamily="18" charset="0"/>
+                                </a:rPr>
+                                <m:t>2</m:t>
+                              </m:r>
+                            </m:sup>
+                          </m:sSubSup>
+                          <m:r>
+                            <a:rPr lang="en-US" sz="1600">
+                              <a:latin typeface="Cambria Math" panose="02040503050406030204" pitchFamily="18" charset="0"/>
+                            </a:rPr>
+                            <m:t>−</m:t>
+                          </m:r>
+                          <m:sSubSup>
+                            <m:sSubSupPr>
+                              <m:ctrlPr>
+                                <a:rPr lang="en-US" sz="1600" i="1">
+                                  <a:latin typeface="Cambria Math" panose="02040503050406030204" pitchFamily="18" charset="0"/>
+                                </a:rPr>
+                              </m:ctrlPr>
+                            </m:sSubSupPr>
+                            <m:e>
+                              <m:r>
+                                <m:rPr>
+                                  <m:sty m:val="p"/>
+                                </m:rPr>
+                                <a:rPr lang="en-US" sz="1600">
+                                  <a:latin typeface="Cambria Math" panose="02040503050406030204" pitchFamily="18" charset="0"/>
+                                </a:rPr>
+                                <m:t>Ω</m:t>
+                              </m:r>
+                            </m:e>
+                            <m:sub>
+                              <m:r>
+                                <a:rPr lang="en-US" sz="1600">
+                                  <a:latin typeface="Cambria Math" panose="02040503050406030204" pitchFamily="18" charset="0"/>
+                                </a:rPr>
+                                <m:t>1</m:t>
+                              </m:r>
+                            </m:sub>
+                            <m:sup>
+                              <m:r>
+                                <a:rPr lang="en-US" sz="1600">
+                                  <a:latin typeface="Cambria Math" panose="02040503050406030204" pitchFamily="18" charset="0"/>
+                                </a:rPr>
+                                <m:t>2</m:t>
+                              </m:r>
+                            </m:sup>
+                          </m:sSubSup>
+                        </m:e>
+                      </m:d>
+                      <m:r>
+                        <a:rPr lang="en-US" sz="1600">
+                          <a:latin typeface="Cambria Math" panose="02040503050406030204" pitchFamily="18" charset="0"/>
+                        </a:rPr>
+                        <m:t> </m:t>
+                      </m:r>
+                    </m:oMath>
+                  </m:oMathPara>
+                </a14:m>
+                <a:endParaRPr lang="en-US" sz="1600" dirty="0"/>
+              </a:p>
+            </p:txBody>
+          </p:sp>
+        </mc:Choice>
+        <mc:Fallback xmlns="">
+          <p:sp>
+            <p:nvSpPr>
+              <p:cNvPr id="13" name="TextBox 12">
+                <a:extLst>
+                  <a:ext uri="{FF2B5EF4-FFF2-40B4-BE49-F238E27FC236}">
+                    <a16:creationId xmlns:a16="http://schemas.microsoft.com/office/drawing/2014/main" id="{F6CF73B8-DAD4-4C67-A5BA-0C11C3B86D07}"/>
+                  </a:ext>
+                </a:extLst>
+              </p:cNvPr>
+              <p:cNvSpPr txBox="1">
+                <a:spLocks noRot="1" noChangeAspect="1" noMove="1" noResize="1" noEditPoints="1" noAdjustHandles="1" noChangeArrowheads="1" noChangeShapeType="1" noTextEdit="1"/>
+              </p:cNvSpPr>
+              <p:nvPr/>
+            </p:nvSpPr>
+            <p:spPr>
+              <a:xfrm>
+                <a:off x="10201755" y="2671384"/>
+                <a:ext cx="1771650" cy="369268"/>
+              </a:xfrm>
+              <a:prstGeom prst="rect">
+                <a:avLst/>
+              </a:prstGeom>
+              <a:blipFill>
+                <a:blip r:embed="rId5"/>
+                <a:stretch>
+                  <a:fillRect b="-4918"/>
+                </a:stretch>
+              </a:blipFill>
+            </p:spPr>
+            <p:txBody>
+              <a:bodyPr/>
+              <a:lstStyle/>
+              <a:p>
+                <a:r>
+                  <a:rPr lang="en-US">
+                    <a:noFill/>
+                  </a:rPr>
+                  <a:t> </a:t>
+                </a:r>
+              </a:p>
+            </p:txBody>
+          </p:sp>
+        </mc:Fallback>
+      </mc:AlternateContent>
+      <mc:AlternateContent xmlns:mc="http://schemas.openxmlformats.org/markup-compatibility/2006" xmlns:a14="http://schemas.microsoft.com/office/drawing/2010/main">
+        <mc:Choice Requires="a14">
+          <p:sp>
+            <p:nvSpPr>
+              <p:cNvPr id="14" name="TextBox 13">
+                <a:extLst>
+                  <a:ext uri="{FF2B5EF4-FFF2-40B4-BE49-F238E27FC236}">
+                    <a16:creationId xmlns:a16="http://schemas.microsoft.com/office/drawing/2014/main" id="{C88342D4-CDDA-49C2-8FFE-D820E4DE5B0A}"/>
+                  </a:ext>
+                </a:extLst>
+              </p:cNvPr>
+              <p:cNvSpPr txBox="1"/>
+              <p:nvPr/>
+            </p:nvSpPr>
+            <p:spPr>
+              <a:xfrm>
+                <a:off x="10195405" y="4230238"/>
+                <a:ext cx="1778000" cy="369268"/>
+              </a:xfrm>
+              <a:prstGeom prst="rect">
+                <a:avLst/>
+              </a:prstGeom>
+              <a:noFill/>
+            </p:spPr>
+            <p:txBody>
+              <a:bodyPr wrap="square">
+                <a:spAutoFit/>
+              </a:bodyPr>
+              <a:lstStyle/>
+              <a:p>
+                <a:pPr/>
+                <a14:m>
+                  <m:oMathPara xmlns:m="http://schemas.openxmlformats.org/officeDocument/2006/math">
+                    <m:oMathParaPr>
+                      <m:jc m:val="centerGroup"/>
+                    </m:oMathParaPr>
+                    <m:oMath xmlns:m="http://schemas.openxmlformats.org/officeDocument/2006/math">
+                      <m:sSub>
+                        <m:sSubPr>
+                          <m:ctrlPr>
+                            <a:rPr lang="en-US" sz="1600" i="1" smtClean="0">
+                              <a:latin typeface="Cambria Math" panose="02040503050406030204" pitchFamily="18" charset="0"/>
+                            </a:rPr>
+                          </m:ctrlPr>
+                        </m:sSubPr>
+                        <m:e>
+                          <m:r>
+                            <a:rPr lang="en-US" sz="1600" i="1">
+                              <a:latin typeface="Cambria Math" panose="02040503050406030204" pitchFamily="18" charset="0"/>
+                            </a:rPr>
+                            <m:t>𝜏</m:t>
+                          </m:r>
+                        </m:e>
+                        <m:sub>
+                          <m:r>
+                            <a:rPr lang="en-US" sz="1600" i="1">
+                              <a:latin typeface="Cambria Math" panose="02040503050406030204" pitchFamily="18" charset="0"/>
+                            </a:rPr>
+                            <m:t>𝜑</m:t>
+                          </m:r>
+                        </m:sub>
+                      </m:sSub>
+                      <m:r>
+                        <a:rPr lang="en-US" sz="1600">
+                          <a:latin typeface="Cambria Math" panose="02040503050406030204" pitchFamily="18" charset="0"/>
+                        </a:rPr>
+                        <m:t>=</m:t>
+                      </m:r>
+                      <m:r>
+                        <a:rPr lang="en-US" sz="1600" i="1">
+                          <a:latin typeface="Cambria Math" panose="02040503050406030204" pitchFamily="18" charset="0"/>
+                        </a:rPr>
+                        <m:t>𝑏𝑙</m:t>
+                      </m:r>
+                      <m:d>
+                        <m:dPr>
+                          <m:ctrlPr>
+                            <a:rPr lang="en-US" sz="1600" i="1">
+                              <a:latin typeface="Cambria Math" panose="02040503050406030204" pitchFamily="18" charset="0"/>
+                            </a:rPr>
+                          </m:ctrlPr>
+                        </m:dPr>
+                        <m:e>
+                          <m:sSubSup>
+                            <m:sSubSupPr>
+                              <m:ctrlPr>
+                                <a:rPr lang="en-US" sz="1600" i="1">
+                                  <a:latin typeface="Cambria Math" panose="02040503050406030204" pitchFamily="18" charset="0"/>
+                                </a:rPr>
+                              </m:ctrlPr>
+                            </m:sSubSupPr>
+                            <m:e>
+                              <m:r>
+                                <m:rPr>
+                                  <m:sty m:val="p"/>
+                                </m:rPr>
+                                <a:rPr lang="en-US" sz="1600">
+                                  <a:latin typeface="Cambria Math" panose="02040503050406030204" pitchFamily="18" charset="0"/>
+                                </a:rPr>
+                                <m:t>Ω</m:t>
+                              </m:r>
+                            </m:e>
+                            <m:sub>
+                              <m:r>
+                                <a:rPr lang="en-US" sz="1600">
+                                  <a:latin typeface="Cambria Math" panose="02040503050406030204" pitchFamily="18" charset="0"/>
+                                </a:rPr>
+                                <m:t>4</m:t>
+                              </m:r>
+                            </m:sub>
+                            <m:sup>
+                              <m:r>
+                                <a:rPr lang="en-US" sz="1600">
+                                  <a:latin typeface="Cambria Math" panose="02040503050406030204" pitchFamily="18" charset="0"/>
+                                </a:rPr>
+                                <m:t>2</m:t>
+                              </m:r>
+                            </m:sup>
+                          </m:sSubSup>
+                          <m:r>
+                            <a:rPr lang="en-US" sz="1600">
+                              <a:latin typeface="Cambria Math" panose="02040503050406030204" pitchFamily="18" charset="0"/>
+                            </a:rPr>
+                            <m:t>−</m:t>
+                          </m:r>
+                          <m:sSubSup>
+                            <m:sSubSupPr>
+                              <m:ctrlPr>
+                                <a:rPr lang="en-US" sz="1600" i="1">
+                                  <a:latin typeface="Cambria Math" panose="02040503050406030204" pitchFamily="18" charset="0"/>
+                                </a:rPr>
+                              </m:ctrlPr>
+                            </m:sSubSupPr>
+                            <m:e>
+                              <m:r>
+                                <m:rPr>
+                                  <m:sty m:val="p"/>
+                                </m:rPr>
+                                <a:rPr lang="en-US" sz="1600">
+                                  <a:latin typeface="Cambria Math" panose="02040503050406030204" pitchFamily="18" charset="0"/>
+                                </a:rPr>
+                                <m:t>Ω</m:t>
+                              </m:r>
+                            </m:e>
+                            <m:sub>
+                              <m:r>
+                                <a:rPr lang="en-US" sz="1600">
+                                  <a:latin typeface="Cambria Math" panose="02040503050406030204" pitchFamily="18" charset="0"/>
+                                </a:rPr>
+                                <m:t>2</m:t>
+                              </m:r>
+                            </m:sub>
+                            <m:sup>
+                              <m:r>
+                                <a:rPr lang="en-US" sz="1600">
+                                  <a:latin typeface="Cambria Math" panose="02040503050406030204" pitchFamily="18" charset="0"/>
+                                </a:rPr>
+                                <m:t>2</m:t>
+                              </m:r>
+                            </m:sup>
+                          </m:sSubSup>
+                        </m:e>
+                      </m:d>
+                    </m:oMath>
+                  </m:oMathPara>
+                </a14:m>
+                <a:endParaRPr lang="en-US" sz="1600" dirty="0"/>
+              </a:p>
+            </p:txBody>
+          </p:sp>
+        </mc:Choice>
+        <mc:Fallback xmlns="">
+          <p:sp>
+            <p:nvSpPr>
+              <p:cNvPr id="14" name="TextBox 13">
+                <a:extLst>
+                  <a:ext uri="{FF2B5EF4-FFF2-40B4-BE49-F238E27FC236}">
+                    <a16:creationId xmlns:a16="http://schemas.microsoft.com/office/drawing/2014/main" id="{C88342D4-CDDA-49C2-8FFE-D820E4DE5B0A}"/>
+                  </a:ext>
+                </a:extLst>
+              </p:cNvPr>
+              <p:cNvSpPr txBox="1">
+                <a:spLocks noRot="1" noChangeAspect="1" noMove="1" noResize="1" noEditPoints="1" noAdjustHandles="1" noChangeArrowheads="1" noChangeShapeType="1" noTextEdit="1"/>
+              </p:cNvSpPr>
+              <p:nvPr/>
+            </p:nvSpPr>
+            <p:spPr>
+              <a:xfrm>
+                <a:off x="10195405" y="4230238"/>
+                <a:ext cx="1778000" cy="369268"/>
+              </a:xfrm>
+              <a:prstGeom prst="rect">
+                <a:avLst/>
+              </a:prstGeom>
+              <a:blipFill>
+                <a:blip r:embed="rId6"/>
+                <a:stretch>
+                  <a:fillRect/>
+                </a:stretch>
+              </a:blipFill>
+            </p:spPr>
+            <p:txBody>
+              <a:bodyPr/>
+              <a:lstStyle/>
+              <a:p>
+                <a:r>
+                  <a:rPr lang="en-US">
+                    <a:noFill/>
+                  </a:rPr>
+                  <a:t> </a:t>
+                </a:r>
+              </a:p>
+            </p:txBody>
+          </p:sp>
+        </mc:Fallback>
+      </mc:AlternateContent>
     </p:spTree>
     <p:extLst>
       <p:ext uri="{BB962C8B-B14F-4D97-AF65-F5344CB8AC3E}">
-        <p14:creationId xmlns:p14="http://schemas.microsoft.com/office/powerpoint/2010/main" val="4160813300"/>
+        <p14:creationId xmlns:p14="http://schemas.microsoft.com/office/powerpoint/2010/main" val="981527073"/>
       </p:ext>
     </p:extLst>
   </p:cSld>
   <p:clrMapOvr>
     <a:masterClrMapping/>
   </p:clrMapOvr>
+  <p:timing>
+    <p:tnLst>
+      <p:par>
+        <p:cTn id="1" dur="indefinite" restart="never" nodeType="tmRoot">
+          <p:childTnLst>
+            <p:seq concurrent="1" nextAc="seek">
+              <p:cTn id="2" dur="indefinite" nodeType="mainSeq">
+                <p:childTnLst>
+                  <p:par>
+                    <p:cTn id="3" fill="hold">
+                      <p:stCondLst>
+                        <p:cond delay="indefinite"/>
+                        <p:cond evt="onBegin" delay="0">
+                          <p:tn val="2"/>
+                        </p:cond>
+                      </p:stCondLst>
+                      <p:childTnLst>
+                        <p:par>
+                          <p:cTn id="4" fill="hold">
+                            <p:stCondLst>
+                              <p:cond delay="0"/>
+                            </p:stCondLst>
+                            <p:childTnLst>
+                              <p:par>
+                                <p:cTn id="5" presetID="10" presetClass="entr" presetSubtype="0" fill="hold" nodeType="withEffect">
+                                  <p:stCondLst>
+                                    <p:cond delay="0"/>
+                                  </p:stCondLst>
+                                  <p:childTnLst>
+                                    <p:set>
+                                      <p:cBhvr>
+                                        <p:cTn id="6" dur="1" fill="hold">
+                                          <p:stCondLst>
+                                            <p:cond delay="0"/>
+                                          </p:stCondLst>
+                                        </p:cTn>
+                                        <p:tgtEl>
+                                          <p:spTgt spid="6"/>
+                                        </p:tgtEl>
+                                        <p:attrNameLst>
+                                          <p:attrName>style.visibility</p:attrName>
+                                        </p:attrNameLst>
+                                      </p:cBhvr>
+                                      <p:to>
+                                        <p:strVal val="visible"/>
+                                      </p:to>
+                                    </p:set>
+                                    <p:animEffect transition="in" filter="fade">
+                                      <p:cBhvr>
+                                        <p:cTn id="7" dur="500"/>
+                                        <p:tgtEl>
+                                          <p:spTgt spid="6"/>
+                                        </p:tgtEl>
+                                      </p:cBhvr>
+                                    </p:animEffect>
+                                  </p:childTnLst>
+                                </p:cTn>
+                              </p:par>
+                            </p:childTnLst>
+                          </p:cTn>
+                        </p:par>
+                      </p:childTnLst>
+                    </p:cTn>
+                  </p:par>
+                  <p:par>
+                    <p:cTn id="8" fill="hold">
+                      <p:stCondLst>
+                        <p:cond delay="indefinite"/>
+                      </p:stCondLst>
+                      <p:childTnLst>
+                        <p:par>
+                          <p:cTn id="9" fill="hold">
+                            <p:stCondLst>
+                              <p:cond delay="0"/>
+                            </p:stCondLst>
+                            <p:childTnLst>
+                              <p:par>
+                                <p:cTn id="10" presetID="10" presetClass="entr" presetSubtype="0" fill="hold" nodeType="clickEffect">
+                                  <p:stCondLst>
+                                    <p:cond delay="0"/>
+                                  </p:stCondLst>
+                                  <p:childTnLst>
+                                    <p:set>
+                                      <p:cBhvr>
+                                        <p:cTn id="11" dur="1" fill="hold">
+                                          <p:stCondLst>
+                                            <p:cond delay="0"/>
+                                          </p:stCondLst>
+                                        </p:cTn>
+                                        <p:tgtEl>
+                                          <p:spTgt spid="5"/>
+                                        </p:tgtEl>
+                                        <p:attrNameLst>
+                                          <p:attrName>style.visibility</p:attrName>
+                                        </p:attrNameLst>
+                                      </p:cBhvr>
+                                      <p:to>
+                                        <p:strVal val="visible"/>
+                                      </p:to>
+                                    </p:set>
+                                    <p:animEffect transition="in" filter="fade">
+                                      <p:cBhvr>
+                                        <p:cTn id="12" dur="1000"/>
+                                        <p:tgtEl>
+                                          <p:spTgt spid="5"/>
+                                        </p:tgtEl>
+                                      </p:cBhvr>
+                                    </p:animEffect>
+                                  </p:childTnLst>
+                                </p:cTn>
+                              </p:par>
+                              <p:par>
+                                <p:cTn id="13" presetID="53" presetClass="entr" presetSubtype="16" fill="hold" grpId="0" nodeType="withEffect">
+                                  <p:stCondLst>
+                                    <p:cond delay="0"/>
+                                  </p:stCondLst>
+                                  <p:childTnLst>
+                                    <p:set>
+                                      <p:cBhvr>
+                                        <p:cTn id="14" dur="1" fill="hold">
+                                          <p:stCondLst>
+                                            <p:cond delay="0"/>
+                                          </p:stCondLst>
+                                        </p:cTn>
+                                        <p:tgtEl>
+                                          <p:spTgt spid="2"/>
+                                        </p:tgtEl>
+                                        <p:attrNameLst>
+                                          <p:attrName>style.visibility</p:attrName>
+                                        </p:attrNameLst>
+                                      </p:cBhvr>
+                                      <p:to>
+                                        <p:strVal val="visible"/>
+                                      </p:to>
+                                    </p:set>
+                                    <p:anim calcmode="lin" valueType="num">
+                                      <p:cBhvr>
+                                        <p:cTn id="15" dur="500" fill="hold"/>
+                                        <p:tgtEl>
+                                          <p:spTgt spid="2"/>
+                                        </p:tgtEl>
+                                        <p:attrNameLst>
+                                          <p:attrName>ppt_w</p:attrName>
+                                        </p:attrNameLst>
+                                      </p:cBhvr>
+                                      <p:tavLst>
+                                        <p:tav tm="0">
+                                          <p:val>
+                                            <p:fltVal val="0"/>
+                                          </p:val>
+                                        </p:tav>
+                                        <p:tav tm="100000">
+                                          <p:val>
+                                            <p:strVal val="#ppt_w"/>
+                                          </p:val>
+                                        </p:tav>
+                                      </p:tavLst>
+                                    </p:anim>
+                                    <p:anim calcmode="lin" valueType="num">
+                                      <p:cBhvr>
+                                        <p:cTn id="16" dur="500" fill="hold"/>
+                                        <p:tgtEl>
+                                          <p:spTgt spid="2"/>
+                                        </p:tgtEl>
+                                        <p:attrNameLst>
+                                          <p:attrName>ppt_h</p:attrName>
+                                        </p:attrNameLst>
+                                      </p:cBhvr>
+                                      <p:tavLst>
+                                        <p:tav tm="0">
+                                          <p:val>
+                                            <p:fltVal val="0"/>
+                                          </p:val>
+                                        </p:tav>
+                                        <p:tav tm="100000">
+                                          <p:val>
+                                            <p:strVal val="#ppt_h"/>
+                                          </p:val>
+                                        </p:tav>
+                                      </p:tavLst>
+                                    </p:anim>
+                                    <p:animEffect transition="in" filter="fade">
+                                      <p:cBhvr>
+                                        <p:cTn id="17" dur="500"/>
+                                        <p:tgtEl>
+                                          <p:spTgt spid="2"/>
+                                        </p:tgtEl>
+                                      </p:cBhvr>
+                                    </p:animEffect>
+                                  </p:childTnLst>
+                                </p:cTn>
+                              </p:par>
+                            </p:childTnLst>
+                          </p:cTn>
+                        </p:par>
+                      </p:childTnLst>
+                    </p:cTn>
+                  </p:par>
+                  <p:par>
+                    <p:cTn id="18" fill="hold">
+                      <p:stCondLst>
+                        <p:cond delay="indefinite"/>
+                      </p:stCondLst>
+                      <p:childTnLst>
+                        <p:par>
+                          <p:cTn id="19" fill="hold">
+                            <p:stCondLst>
+                              <p:cond delay="0"/>
+                            </p:stCondLst>
+                            <p:childTnLst>
+                              <p:par>
+                                <p:cTn id="20" presetID="10" presetClass="entr" presetSubtype="0" fill="hold" nodeType="clickEffect">
+                                  <p:stCondLst>
+                                    <p:cond delay="0"/>
+                                  </p:stCondLst>
+                                  <p:childTnLst>
+                                    <p:set>
+                                      <p:cBhvr>
+                                        <p:cTn id="21" dur="1" fill="hold">
+                                          <p:stCondLst>
+                                            <p:cond delay="0"/>
+                                          </p:stCondLst>
+                                        </p:cTn>
+                                        <p:tgtEl>
+                                          <p:spTgt spid="16"/>
+                                        </p:tgtEl>
+                                        <p:attrNameLst>
+                                          <p:attrName>style.visibility</p:attrName>
+                                        </p:attrNameLst>
+                                      </p:cBhvr>
+                                      <p:to>
+                                        <p:strVal val="visible"/>
+                                      </p:to>
+                                    </p:set>
+                                    <p:animEffect transition="in" filter="fade">
+                                      <p:cBhvr>
+                                        <p:cTn id="22" dur="1000"/>
+                                        <p:tgtEl>
+                                          <p:spTgt spid="16"/>
+                                        </p:tgtEl>
+                                      </p:cBhvr>
+                                    </p:animEffect>
+                                  </p:childTnLst>
+                                </p:cTn>
+                              </p:par>
+                              <p:par>
+                                <p:cTn id="23" presetID="53" presetClass="entr" presetSubtype="16" fill="hold" grpId="0" nodeType="withEffect">
+                                  <p:stCondLst>
+                                    <p:cond delay="0"/>
+                                  </p:stCondLst>
+                                  <p:childTnLst>
+                                    <p:set>
+                                      <p:cBhvr>
+                                        <p:cTn id="24" dur="1" fill="hold">
+                                          <p:stCondLst>
+                                            <p:cond delay="0"/>
+                                          </p:stCondLst>
+                                        </p:cTn>
+                                        <p:tgtEl>
+                                          <p:spTgt spid="15"/>
+                                        </p:tgtEl>
+                                        <p:attrNameLst>
+                                          <p:attrName>style.visibility</p:attrName>
+                                        </p:attrNameLst>
+                                      </p:cBhvr>
+                                      <p:to>
+                                        <p:strVal val="visible"/>
+                                      </p:to>
+                                    </p:set>
+                                    <p:anim calcmode="lin" valueType="num">
+                                      <p:cBhvr>
+                                        <p:cTn id="25" dur="500" fill="hold"/>
+                                        <p:tgtEl>
+                                          <p:spTgt spid="15"/>
+                                        </p:tgtEl>
+                                        <p:attrNameLst>
+                                          <p:attrName>ppt_w</p:attrName>
+                                        </p:attrNameLst>
+                                      </p:cBhvr>
+                                      <p:tavLst>
+                                        <p:tav tm="0">
+                                          <p:val>
+                                            <p:fltVal val="0"/>
+                                          </p:val>
+                                        </p:tav>
+                                        <p:tav tm="100000">
+                                          <p:val>
+                                            <p:strVal val="#ppt_w"/>
+                                          </p:val>
+                                        </p:tav>
+                                      </p:tavLst>
+                                    </p:anim>
+                                    <p:anim calcmode="lin" valueType="num">
+                                      <p:cBhvr>
+                                        <p:cTn id="26" dur="500" fill="hold"/>
+                                        <p:tgtEl>
+                                          <p:spTgt spid="15"/>
+                                        </p:tgtEl>
+                                        <p:attrNameLst>
+                                          <p:attrName>ppt_h</p:attrName>
+                                        </p:attrNameLst>
+                                      </p:cBhvr>
+                                      <p:tavLst>
+                                        <p:tav tm="0">
+                                          <p:val>
+                                            <p:fltVal val="0"/>
+                                          </p:val>
+                                        </p:tav>
+                                        <p:tav tm="100000">
+                                          <p:val>
+                                            <p:strVal val="#ppt_h"/>
+                                          </p:val>
+                                        </p:tav>
+                                      </p:tavLst>
+                                    </p:anim>
+                                    <p:animEffect transition="in" filter="fade">
+                                      <p:cBhvr>
+                                        <p:cTn id="27" dur="500"/>
+                                        <p:tgtEl>
+                                          <p:spTgt spid="15"/>
+                                        </p:tgtEl>
+                                      </p:cBhvr>
+                                    </p:animEffect>
+                                  </p:childTnLst>
+                                </p:cTn>
+                              </p:par>
+                            </p:childTnLst>
+                          </p:cTn>
+                        </p:par>
+                      </p:childTnLst>
+                    </p:cTn>
+                  </p:par>
+                  <p:par>
+                    <p:cTn id="28" fill="hold">
+                      <p:stCondLst>
+                        <p:cond delay="indefinite"/>
+                      </p:stCondLst>
+                      <p:childTnLst>
+                        <p:par>
+                          <p:cTn id="29" fill="hold">
+                            <p:stCondLst>
+                              <p:cond delay="0"/>
+                            </p:stCondLst>
+                            <p:childTnLst>
+                              <p:par>
+                                <p:cTn id="30" presetID="10" presetClass="entr" presetSubtype="0" fill="hold" nodeType="clickEffect">
+                                  <p:stCondLst>
+                                    <p:cond delay="0"/>
+                                  </p:stCondLst>
+                                  <p:childTnLst>
+                                    <p:set>
+                                      <p:cBhvr>
+                                        <p:cTn id="31" dur="1" fill="hold">
+                                          <p:stCondLst>
+                                            <p:cond delay="0"/>
+                                          </p:stCondLst>
+                                        </p:cTn>
+                                        <p:tgtEl>
+                                          <p:spTgt spid="20"/>
+                                        </p:tgtEl>
+                                        <p:attrNameLst>
+                                          <p:attrName>style.visibility</p:attrName>
+                                        </p:attrNameLst>
+                                      </p:cBhvr>
+                                      <p:to>
+                                        <p:strVal val="visible"/>
+                                      </p:to>
+                                    </p:set>
+                                    <p:animEffect transition="in" filter="fade">
+                                      <p:cBhvr>
+                                        <p:cTn id="32" dur="1000"/>
+                                        <p:tgtEl>
+                                          <p:spTgt spid="20"/>
+                                        </p:tgtEl>
+                                      </p:cBhvr>
+                                    </p:animEffect>
+                                  </p:childTnLst>
+                                </p:cTn>
+                              </p:par>
+                              <p:par>
+                                <p:cTn id="33" presetID="2" presetClass="entr" presetSubtype="4" fill="hold" grpId="0" nodeType="withEffect">
+                                  <p:stCondLst>
+                                    <p:cond delay="0"/>
+                                  </p:stCondLst>
+                                  <p:childTnLst>
+                                    <p:set>
+                                      <p:cBhvr>
+                                        <p:cTn id="34" dur="1" fill="hold">
+                                          <p:stCondLst>
+                                            <p:cond delay="0"/>
+                                          </p:stCondLst>
+                                        </p:cTn>
+                                        <p:tgtEl>
+                                          <p:spTgt spid="19"/>
+                                        </p:tgtEl>
+                                        <p:attrNameLst>
+                                          <p:attrName>style.visibility</p:attrName>
+                                        </p:attrNameLst>
+                                      </p:cBhvr>
+                                      <p:to>
+                                        <p:strVal val="visible"/>
+                                      </p:to>
+                                    </p:set>
+                                    <p:anim calcmode="lin" valueType="num">
+                                      <p:cBhvr additive="base">
+                                        <p:cTn id="35" dur="1000" fill="hold"/>
+                                        <p:tgtEl>
+                                          <p:spTgt spid="19"/>
+                                        </p:tgtEl>
+                                        <p:attrNameLst>
+                                          <p:attrName>ppt_x</p:attrName>
+                                        </p:attrNameLst>
+                                      </p:cBhvr>
+                                      <p:tavLst>
+                                        <p:tav tm="0">
+                                          <p:val>
+                                            <p:strVal val="#ppt_x"/>
+                                          </p:val>
+                                        </p:tav>
+                                        <p:tav tm="100000">
+                                          <p:val>
+                                            <p:strVal val="#ppt_x"/>
+                                          </p:val>
+                                        </p:tav>
+                                      </p:tavLst>
+                                    </p:anim>
+                                    <p:anim calcmode="lin" valueType="num">
+                                      <p:cBhvr additive="base">
+                                        <p:cTn id="36" dur="1000" fill="hold"/>
+                                        <p:tgtEl>
+                                          <p:spTgt spid="19"/>
+                                        </p:tgtEl>
+                                        <p:attrNameLst>
+                                          <p:attrName>ppt_y</p:attrName>
+                                        </p:attrNameLst>
+                                      </p:cBhvr>
+                                      <p:tavLst>
+                                        <p:tav tm="0">
+                                          <p:val>
+                                            <p:strVal val="1+#ppt_h/2"/>
+                                          </p:val>
+                                        </p:tav>
+                                        <p:tav tm="100000">
+                                          <p:val>
+                                            <p:strVal val="#ppt_y"/>
+                                          </p:val>
+                                        </p:tav>
+                                      </p:tavLst>
+                                    </p:anim>
+                                  </p:childTnLst>
+                                </p:cTn>
+                              </p:par>
+                            </p:childTnLst>
+                          </p:cTn>
+                        </p:par>
+                      </p:childTnLst>
+                    </p:cTn>
+                  </p:par>
+                </p:childTnLst>
+              </p:cTn>
+              <p:prevCondLst>
+                <p:cond evt="onPrev" delay="0">
+                  <p:tgtEl>
+                    <p:sldTgt/>
+                  </p:tgtEl>
+                </p:cond>
+              </p:prevCondLst>
+              <p:nextCondLst>
+                <p:cond evt="onNext" delay="0">
+                  <p:tgtEl>
+                    <p:sldTgt/>
+                  </p:tgtEl>
+                </p:cond>
+              </p:nextCondLst>
+            </p:seq>
+          </p:childTnLst>
+        </p:cTn>
+      </p:par>
+    </p:tnLst>
+    <p:bldLst>
+      <p:bldP spid="2" grpId="0"/>
+      <p:bldP spid="15" grpId="0"/>
+      <p:bldP spid="19" grpId="0"/>
+    </p:bldLst>
+  </p:timing>
 </p:sld>
 </file>
 
@@ -14912,16 +17001,8 @@
               <a:buNone/>
             </a:pPr>
             <a:r>
-              <a:rPr lang="tr-TR" dirty="0" err="1"/>
-              <a:t>Trainig</a:t>
-            </a:r>
-            <a:r>
               <a:rPr lang="tr-TR" dirty="0"/>
               <a:t> </a:t>
-            </a:r>
-            <a:r>
-              <a:rPr lang="tr-TR" dirty="0" err="1"/>
-              <a:t>Results</a:t>
             </a:r>
             <a:endParaRPr lang="en-US" dirty="0"/>
           </a:p>
@@ -15083,8 +17164,8 @@
         </p:nvSpPr>
         <p:spPr>
           <a:xfrm>
-            <a:off x="1073247" y="1201213"/>
-            <a:ext cx="10045505" cy="5083277"/>
+            <a:off x="7574844" y="1201213"/>
+            <a:ext cx="3543908" cy="5083277"/>
           </a:xfrm>
           <a:prstGeom prst="rect">
             <a:avLst/>
@@ -15179,10 +17260,135 @@
           </a:p>
         </p:txBody>
       </p:sp>
+      <p:pic>
+        <p:nvPicPr>
+          <p:cNvPr id="3" name="Resim 2">
+            <a:extLst>
+              <a:ext uri="{FF2B5EF4-FFF2-40B4-BE49-F238E27FC236}">
+                <a16:creationId xmlns:a16="http://schemas.microsoft.com/office/drawing/2014/main" id="{2DE7A386-661F-3834-9412-658CCB4C0941}"/>
+              </a:ext>
+            </a:extLst>
+          </p:cNvPr>
+          <p:cNvPicPr>
+            <a:picLocks noChangeAspect="1"/>
+          </p:cNvPicPr>
+          <p:nvPr/>
+        </p:nvPicPr>
+        <p:blipFill>
+          <a:blip r:embed="rId3"/>
+          <a:stretch>
+            <a:fillRect/>
+          </a:stretch>
+        </p:blipFill>
+        <p:spPr>
+          <a:xfrm>
+            <a:off x="1073247" y="1191492"/>
+            <a:ext cx="5260990" cy="4320000"/>
+          </a:xfrm>
+          <a:prstGeom prst="rect">
+            <a:avLst/>
+          </a:prstGeom>
+        </p:spPr>
+      </p:pic>
+      <p:sp>
+        <p:nvSpPr>
+          <p:cNvPr id="5" name="Metin kutusu 4">
+            <a:extLst>
+              <a:ext uri="{FF2B5EF4-FFF2-40B4-BE49-F238E27FC236}">
+                <a16:creationId xmlns:a16="http://schemas.microsoft.com/office/drawing/2014/main" id="{C4415C3F-B328-5557-4C79-4DD8E5E9980C}"/>
+              </a:ext>
+            </a:extLst>
+          </p:cNvPr>
+          <p:cNvSpPr txBox="1"/>
+          <p:nvPr/>
+        </p:nvSpPr>
+        <p:spPr>
+          <a:xfrm>
+            <a:off x="1653823" y="5543570"/>
+            <a:ext cx="6107288" cy="523220"/>
+          </a:xfrm>
+          <a:prstGeom prst="rect">
+            <a:avLst/>
+          </a:prstGeom>
+          <a:noFill/>
+        </p:spPr>
+        <p:txBody>
+          <a:bodyPr wrap="square">
+            <a:spAutoFit/>
+          </a:bodyPr>
+          <a:lstStyle/>
+          <a:p>
+            <a:r>
+              <a:rPr lang="tr-TR" b="0" i="0" dirty="0">
+                <a:effectLst/>
+                <a:highlight>
+                  <a:srgbClr val="FFFFFF"/>
+                </a:highlight>
+                <a:latin typeface="Arial" panose="020B0604020202020204" pitchFamily="34" charset="0"/>
+              </a:rPr>
+              <a:t>r1(t) = e−(0.5|</a:t>
+            </a:r>
+            <a:r>
+              <a:rPr lang="el-GR" b="0" i="0" dirty="0">
+                <a:effectLst/>
+                <a:highlight>
+                  <a:srgbClr val="FFFFFF"/>
+                </a:highlight>
+                <a:latin typeface="Arial" panose="020B0604020202020204" pitchFamily="34" charset="0"/>
+              </a:rPr>
+              <a:t>θ</a:t>
+            </a:r>
+            <a:r>
+              <a:rPr lang="tr-TR" b="0" i="0" dirty="0">
+                <a:effectLst/>
+                <a:highlight>
+                  <a:srgbClr val="FFFFFF"/>
+                </a:highlight>
+                <a:latin typeface="Arial" panose="020B0604020202020204" pitchFamily="34" charset="0"/>
+              </a:rPr>
+              <a:t>r −</a:t>
+            </a:r>
+            <a:r>
+              <a:rPr lang="el-GR" b="0" i="0" dirty="0">
+                <a:effectLst/>
+                <a:highlight>
+                  <a:srgbClr val="FFFFFF"/>
+                </a:highlight>
+                <a:latin typeface="Arial" panose="020B0604020202020204" pitchFamily="34" charset="0"/>
+              </a:rPr>
+              <a:t>θ|+0.5|φ</a:t>
+            </a:r>
+            <a:r>
+              <a:rPr lang="tr-TR" b="0" i="0" dirty="0">
+                <a:effectLst/>
+                <a:highlight>
+                  <a:srgbClr val="FFFFFF"/>
+                </a:highlight>
+                <a:latin typeface="Arial" panose="020B0604020202020204" pitchFamily="34" charset="0"/>
+              </a:rPr>
+              <a:t>r −</a:t>
+            </a:r>
+            <a:r>
+              <a:rPr lang="el-GR" b="0" i="0" dirty="0">
+                <a:effectLst/>
+                <a:highlight>
+                  <a:srgbClr val="FFFFFF"/>
+                </a:highlight>
+                <a:latin typeface="Arial" panose="020B0604020202020204" pitchFamily="34" charset="0"/>
+              </a:rPr>
+              <a:t>φ|)</a:t>
+            </a:r>
+            <a:br>
+              <a:rPr lang="el-GR" dirty="0"/>
+            </a:br>
+            <a:endParaRPr lang="tr-TR" dirty="0"/>
+          </a:p>
+        </p:txBody>
+      </p:sp>
     </p:spTree>
     <p:extLst>
       <p:ext uri="{BB962C8B-B14F-4D97-AF65-F5344CB8AC3E}">
-        <p14:creationId xmlns:p14="http://schemas.microsoft.com/office/powerpoint/2010/main" val="3002438985"/>
+        <p14:creationId xmlns:p14="http://schemas.microsoft.com/office/powerpoint/2010/main" val="4109656752"/>
       </p:ext>
     </p:extLst>
   </p:cSld>
@@ -15421,8 +17627,8 @@
         </p:nvSpPr>
         <p:spPr>
           <a:xfrm>
-            <a:off x="1073247" y="1201213"/>
-            <a:ext cx="10045505" cy="5083277"/>
+            <a:off x="7574844" y="1201213"/>
+            <a:ext cx="3543908" cy="5083277"/>
           </a:xfrm>
           <a:prstGeom prst="rect">
             <a:avLst/>
@@ -15517,10 +17723,172 @@
           </a:p>
         </p:txBody>
       </p:sp>
+      <p:pic>
+        <p:nvPicPr>
+          <p:cNvPr id="3" name="Resim 2">
+            <a:extLst>
+              <a:ext uri="{FF2B5EF4-FFF2-40B4-BE49-F238E27FC236}">
+                <a16:creationId xmlns:a16="http://schemas.microsoft.com/office/drawing/2014/main" id="{570EE4FB-385E-AF73-20C7-2976DA197054}"/>
+              </a:ext>
+            </a:extLst>
+          </p:cNvPr>
+          <p:cNvPicPr>
+            <a:picLocks noChangeAspect="1"/>
+          </p:cNvPicPr>
+          <p:nvPr/>
+        </p:nvPicPr>
+        <p:blipFill>
+          <a:blip r:embed="rId3"/>
+          <a:stretch>
+            <a:fillRect/>
+          </a:stretch>
+        </p:blipFill>
+        <p:spPr>
+          <a:xfrm>
+            <a:off x="1073247" y="1191492"/>
+            <a:ext cx="5400000" cy="4320000"/>
+          </a:xfrm>
+          <a:prstGeom prst="rect">
+            <a:avLst/>
+          </a:prstGeom>
+        </p:spPr>
+      </p:pic>
+      <p:sp>
+        <p:nvSpPr>
+          <p:cNvPr id="5" name="Metin kutusu 4">
+            <a:extLst>
+              <a:ext uri="{FF2B5EF4-FFF2-40B4-BE49-F238E27FC236}">
+                <a16:creationId xmlns:a16="http://schemas.microsoft.com/office/drawing/2014/main" id="{6028255E-F5ED-AE21-95B5-0E6AE0F2D42F}"/>
+              </a:ext>
+            </a:extLst>
+          </p:cNvPr>
+          <p:cNvSpPr txBox="1"/>
+          <p:nvPr/>
+        </p:nvSpPr>
+        <p:spPr>
+          <a:xfrm>
+            <a:off x="1710268" y="5511492"/>
+            <a:ext cx="6107288" cy="307777"/>
+          </a:xfrm>
+          <a:prstGeom prst="rect">
+            <a:avLst/>
+          </a:prstGeom>
+          <a:noFill/>
+        </p:spPr>
+        <p:txBody>
+          <a:bodyPr wrap="square">
+            <a:spAutoFit/>
+          </a:bodyPr>
+          <a:lstStyle/>
+          <a:p>
+            <a:r>
+              <a:rPr lang="tr-TR" b="0" i="0" dirty="0">
+                <a:effectLst/>
+                <a:highlight>
+                  <a:srgbClr val="FFFFFF"/>
+                </a:highlight>
+                <a:latin typeface="Arial" panose="020B0604020202020204" pitchFamily="34" charset="0"/>
+              </a:rPr>
+              <a:t>r2(t) = −(0.3(</a:t>
+            </a:r>
+            <a:r>
+              <a:rPr lang="el-GR" b="0" i="0" dirty="0">
+                <a:effectLst/>
+                <a:highlight>
+                  <a:srgbClr val="FFFFFF"/>
+                </a:highlight>
+                <a:latin typeface="Arial" panose="020B0604020202020204" pitchFamily="34" charset="0"/>
+              </a:rPr>
+              <a:t>θ</a:t>
+            </a:r>
+            <a:r>
+              <a:rPr lang="tr-TR" b="0" i="0" dirty="0">
+                <a:effectLst/>
+                <a:highlight>
+                  <a:srgbClr val="FFFFFF"/>
+                </a:highlight>
+                <a:latin typeface="Arial" panose="020B0604020202020204" pitchFamily="34" charset="0"/>
+              </a:rPr>
+              <a:t>r − </a:t>
+            </a:r>
+            <a:r>
+              <a:rPr lang="el-GR" b="0" i="0" dirty="0">
+                <a:effectLst/>
+                <a:highlight>
+                  <a:srgbClr val="FFFFFF"/>
+                </a:highlight>
+                <a:latin typeface="Arial" panose="020B0604020202020204" pitchFamily="34" charset="0"/>
+              </a:rPr>
+              <a:t>θ)2 + 0.3(φ</a:t>
+            </a:r>
+            <a:r>
+              <a:rPr lang="tr-TR" b="0" i="0" dirty="0">
+                <a:effectLst/>
+                <a:highlight>
+                  <a:srgbClr val="FFFFFF"/>
+                </a:highlight>
+                <a:latin typeface="Arial" panose="020B0604020202020204" pitchFamily="34" charset="0"/>
+              </a:rPr>
+              <a:t>r − </a:t>
+            </a:r>
+            <a:r>
+              <a:rPr lang="el-GR" b="0" i="0" dirty="0">
+                <a:effectLst/>
+                <a:highlight>
+                  <a:srgbClr val="FFFFFF"/>
+                </a:highlight>
+                <a:latin typeface="Arial" panose="020B0604020202020204" pitchFamily="34" charset="0"/>
+              </a:rPr>
+              <a:t>φ)2</a:t>
+            </a:r>
+            <a:r>
+              <a:rPr lang="tr-TR" b="0" i="0" dirty="0">
+                <a:effectLst/>
+                <a:highlight>
+                  <a:srgbClr val="FFFFFF"/>
+                </a:highlight>
+                <a:latin typeface="Arial" panose="020B0604020202020204" pitchFamily="34" charset="0"/>
+              </a:rPr>
+              <a:t> </a:t>
+            </a:r>
+            <a:r>
+              <a:rPr lang="el-GR" b="0" i="0" dirty="0">
+                <a:effectLst/>
+                <a:highlight>
+                  <a:srgbClr val="FFFFFF"/>
+                </a:highlight>
+                <a:latin typeface="Arial" panose="020B0604020202020204" pitchFamily="34" charset="0"/>
+              </a:rPr>
+              <a:t>+ 0.15(|</a:t>
+            </a:r>
+            <a:r>
+              <a:rPr lang="tr-TR" b="0" i="0" dirty="0">
+                <a:effectLst/>
+                <a:highlight>
+                  <a:srgbClr val="FFFFFF"/>
+                </a:highlight>
+                <a:latin typeface="Arial" panose="020B0604020202020204" pitchFamily="34" charset="0"/>
+              </a:rPr>
+              <a:t>p|+|q|) + 0.1(</a:t>
+            </a:r>
+            <a:r>
+              <a:rPr lang="el-GR" b="0" i="0" dirty="0">
+                <a:effectLst/>
+                <a:highlight>
+                  <a:srgbClr val="FFFFFF"/>
+                </a:highlight>
+                <a:latin typeface="Arial" panose="020B0604020202020204" pitchFamily="34" charset="0"/>
+              </a:rPr>
+              <a:t>τθ 2 + τφ2))</a:t>
+            </a:r>
+            <a:endParaRPr lang="tr-TR" dirty="0"/>
+          </a:p>
+        </p:txBody>
+      </p:sp>
     </p:spTree>
     <p:extLst>
       <p:ext uri="{BB962C8B-B14F-4D97-AF65-F5344CB8AC3E}">
-        <p14:creationId xmlns:p14="http://schemas.microsoft.com/office/powerpoint/2010/main" val="2712448291"/>
+        <p14:creationId xmlns:p14="http://schemas.microsoft.com/office/powerpoint/2010/main" val="2110601411"/>
       </p:ext>
     </p:extLst>
   </p:cSld>
@@ -15596,8 +17964,16 @@
               <a:buNone/>
             </a:pPr>
             <a:r>
+              <a:rPr lang="tr-TR" dirty="0" err="1"/>
+              <a:t>Trainig</a:t>
+            </a:r>
+            <a:r>
               <a:rPr lang="tr-TR" dirty="0"/>
               <a:t> </a:t>
+            </a:r>
+            <a:r>
+              <a:rPr lang="tr-TR" dirty="0" err="1"/>
+              <a:t>Results</a:t>
             </a:r>
             <a:endParaRPr lang="en-US" dirty="0"/>
           </a:p>
@@ -15759,8 +18135,8 @@
         </p:nvSpPr>
         <p:spPr>
           <a:xfrm>
-            <a:off x="1073247" y="1201213"/>
-            <a:ext cx="10045505" cy="5083277"/>
+            <a:off x="6784623" y="1201213"/>
+            <a:ext cx="4334130" cy="5083277"/>
           </a:xfrm>
           <a:prstGeom prst="rect">
             <a:avLst/>
@@ -15801,7 +18177,7 @@
             </a:endParaRPr>
           </a:p>
           <a:p>
-            <a:pPr marL="941832" marR="0" lvl="1" indent="-342900" algn="just" rtl="0">
+            <a:pPr marL="598932" marR="0" lvl="1" algn="just" rtl="0">
               <a:lnSpc>
                 <a:spcPct val="110000"/>
               </a:lnSpc>
@@ -15815,8 +18191,6 @@
                 <a:schemeClr val="accent1"/>
               </a:buClr>
               <a:buSzPct val="119999"/>
-              <a:buFont typeface="Arial" panose="020B0604020202020204" pitchFamily="34" charset="0"/>
-              <a:buChar char="•"/>
             </a:pPr>
             <a:endParaRPr lang="tr-TR" sz="2400" dirty="0">
               <a:solidFill>
@@ -15826,7 +18200,7 @@
             </a:endParaRPr>
           </a:p>
           <a:p>
-            <a:pPr marL="941832" marR="0" lvl="1" indent="-342900" algn="just" rtl="0">
+            <a:pPr marL="598932" marR="0" lvl="1" algn="just" rtl="0">
               <a:lnSpc>
                 <a:spcPct val="110000"/>
               </a:lnSpc>
@@ -15840,10 +18214,8 @@
                 <a:schemeClr val="accent1"/>
               </a:buClr>
               <a:buSzPct val="119999"/>
-              <a:buFont typeface="Arial" panose="020B0604020202020204" pitchFamily="34" charset="0"/>
-              <a:buChar char="•"/>
             </a:pPr>
-            <a:endParaRPr sz="2400" b="0" i="0" u="none" strike="noStrike" cap="none" dirty="0">
+            <a:endParaRPr lang="tr-TR" sz="2400" b="0" i="0" u="none" strike="noStrike" cap="none" dirty="0">
               <a:solidFill>
                 <a:schemeClr val="dk1"/>
               </a:solidFill>
@@ -15855,10 +18227,132 @@
           </a:p>
         </p:txBody>
       </p:sp>
+      <p:pic>
+        <p:nvPicPr>
+          <p:cNvPr id="3" name="Resim 2">
+            <a:extLst>
+              <a:ext uri="{FF2B5EF4-FFF2-40B4-BE49-F238E27FC236}">
+                <a16:creationId xmlns:a16="http://schemas.microsoft.com/office/drawing/2014/main" id="{BC4950CF-C334-EE8B-105C-8A7A89932F08}"/>
+              </a:ext>
+            </a:extLst>
+          </p:cNvPr>
+          <p:cNvPicPr>
+            <a:picLocks noChangeAspect="1"/>
+          </p:cNvPicPr>
+          <p:nvPr/>
+        </p:nvPicPr>
+        <p:blipFill>
+          <a:blip r:embed="rId3"/>
+          <a:stretch>
+            <a:fillRect/>
+          </a:stretch>
+        </p:blipFill>
+        <p:spPr>
+          <a:xfrm>
+            <a:off x="1073247" y="1191492"/>
+            <a:ext cx="5154059" cy="4320000"/>
+          </a:xfrm>
+          <a:prstGeom prst="rect">
+            <a:avLst/>
+          </a:prstGeom>
+        </p:spPr>
+      </p:pic>
+      <p:sp>
+        <p:nvSpPr>
+          <p:cNvPr id="7" name="Metin kutusu 6">
+            <a:extLst>
+              <a:ext uri="{FF2B5EF4-FFF2-40B4-BE49-F238E27FC236}">
+                <a16:creationId xmlns:a16="http://schemas.microsoft.com/office/drawing/2014/main" id="{52AEA9C8-F598-37B5-43F3-9A88203C9132}"/>
+              </a:ext>
+            </a:extLst>
+          </p:cNvPr>
+          <p:cNvSpPr txBox="1"/>
+          <p:nvPr/>
+        </p:nvSpPr>
+        <p:spPr>
+          <a:xfrm>
+            <a:off x="1436511" y="5578309"/>
+            <a:ext cx="6214532" cy="307777"/>
+          </a:xfrm>
+          <a:prstGeom prst="rect">
+            <a:avLst/>
+          </a:prstGeom>
+          <a:noFill/>
+        </p:spPr>
+        <p:txBody>
+          <a:bodyPr wrap="square">
+            <a:spAutoFit/>
+          </a:bodyPr>
+          <a:lstStyle/>
+          <a:p>
+            <a:r>
+              <a:rPr lang="tr-TR" b="0" i="0" dirty="0">
+                <a:effectLst/>
+                <a:highlight>
+                  <a:srgbClr val="FFFFFF"/>
+                </a:highlight>
+                <a:latin typeface="Arial" panose="020B0604020202020204" pitchFamily="34" charset="0"/>
+              </a:rPr>
+              <a:t>r3(t) = −((</a:t>
+            </a:r>
+            <a:r>
+              <a:rPr lang="el-GR" b="0" i="0" dirty="0">
+                <a:effectLst/>
+                <a:highlight>
+                  <a:srgbClr val="FFFFFF"/>
+                </a:highlight>
+                <a:latin typeface="Arial" panose="020B0604020202020204" pitchFamily="34" charset="0"/>
+              </a:rPr>
+              <a:t>θ</a:t>
+            </a:r>
+            <a:r>
+              <a:rPr lang="tr-TR" b="0" i="0" dirty="0">
+                <a:effectLst/>
+                <a:highlight>
+                  <a:srgbClr val="FFFFFF"/>
+                </a:highlight>
+                <a:latin typeface="Arial" panose="020B0604020202020204" pitchFamily="34" charset="0"/>
+              </a:rPr>
+              <a:t>r − </a:t>
+            </a:r>
+            <a:r>
+              <a:rPr lang="el-GR" b="0" i="0" dirty="0">
+                <a:effectLst/>
+                <a:highlight>
+                  <a:srgbClr val="FFFFFF"/>
+                </a:highlight>
+                <a:latin typeface="Arial" panose="020B0604020202020204" pitchFamily="34" charset="0"/>
+              </a:rPr>
+              <a:t>θ)2 + (φ</a:t>
+            </a:r>
+            <a:r>
+              <a:rPr lang="tr-TR" b="0" i="0" dirty="0">
+                <a:effectLst/>
+                <a:highlight>
+                  <a:srgbClr val="FFFFFF"/>
+                </a:highlight>
+                <a:latin typeface="Arial" panose="020B0604020202020204" pitchFamily="34" charset="0"/>
+              </a:rPr>
+              <a:t>r − </a:t>
+            </a:r>
+            <a:r>
+              <a:rPr lang="el-GR" b="0" i="0" dirty="0">
+                <a:effectLst/>
+                <a:highlight>
+                  <a:srgbClr val="FFFFFF"/>
+                </a:highlight>
+                <a:latin typeface="Arial" panose="020B0604020202020204" pitchFamily="34" charset="0"/>
+              </a:rPr>
+              <a:t>φ)2)</a:t>
+            </a:r>
+            <a:endParaRPr lang="tr-TR" dirty="0"/>
+          </a:p>
+        </p:txBody>
+      </p:sp>
     </p:spTree>
     <p:extLst>
       <p:ext uri="{BB962C8B-B14F-4D97-AF65-F5344CB8AC3E}">
-        <p14:creationId xmlns:p14="http://schemas.microsoft.com/office/powerpoint/2010/main" val="4109656752"/>
+        <p14:creationId xmlns:p14="http://schemas.microsoft.com/office/powerpoint/2010/main" val="3002438985"/>
       </p:ext>
     </p:extLst>
   </p:cSld>
@@ -16097,8 +18591,8 @@
         </p:nvSpPr>
         <p:spPr>
           <a:xfrm>
-            <a:off x="1073247" y="1201213"/>
-            <a:ext cx="10045505" cy="5083277"/>
+            <a:off x="7765952" y="1191492"/>
+            <a:ext cx="3352800" cy="5083277"/>
           </a:xfrm>
           <a:prstGeom prst="rect">
             <a:avLst/>
@@ -16193,10 +18687,135 @@
           </a:p>
         </p:txBody>
       </p:sp>
+      <p:pic>
+        <p:nvPicPr>
+          <p:cNvPr id="3" name="Resim 2">
+            <a:extLst>
+              <a:ext uri="{FF2B5EF4-FFF2-40B4-BE49-F238E27FC236}">
+                <a16:creationId xmlns:a16="http://schemas.microsoft.com/office/drawing/2014/main" id="{14D9BD72-BB16-D926-6426-03C74A18C9B6}"/>
+              </a:ext>
+            </a:extLst>
+          </p:cNvPr>
+          <p:cNvPicPr>
+            <a:picLocks noChangeAspect="1"/>
+          </p:cNvPicPr>
+          <p:nvPr/>
+        </p:nvPicPr>
+        <p:blipFill>
+          <a:blip r:embed="rId3"/>
+          <a:stretch>
+            <a:fillRect/>
+          </a:stretch>
+        </p:blipFill>
+        <p:spPr>
+          <a:xfrm>
+            <a:off x="1073247" y="1191492"/>
+            <a:ext cx="5389307" cy="4320000"/>
+          </a:xfrm>
+          <a:prstGeom prst="rect">
+            <a:avLst/>
+          </a:prstGeom>
+        </p:spPr>
+      </p:pic>
+      <p:sp>
+        <p:nvSpPr>
+          <p:cNvPr id="5" name="Metin kutusu 4">
+            <a:extLst>
+              <a:ext uri="{FF2B5EF4-FFF2-40B4-BE49-F238E27FC236}">
+                <a16:creationId xmlns:a16="http://schemas.microsoft.com/office/drawing/2014/main" id="{D77E5A44-21AF-C861-5E00-39F72FEF9D5D}"/>
+              </a:ext>
+            </a:extLst>
+          </p:cNvPr>
+          <p:cNvSpPr txBox="1"/>
+          <p:nvPr/>
+        </p:nvSpPr>
+        <p:spPr>
+          <a:xfrm>
+            <a:off x="1658664" y="5666508"/>
+            <a:ext cx="6107288" cy="523220"/>
+          </a:xfrm>
+          <a:prstGeom prst="rect">
+            <a:avLst/>
+          </a:prstGeom>
+          <a:noFill/>
+        </p:spPr>
+        <p:txBody>
+          <a:bodyPr wrap="square">
+            <a:spAutoFit/>
+          </a:bodyPr>
+          <a:lstStyle/>
+          <a:p>
+            <a:r>
+              <a:rPr lang="tr-TR" b="0" i="0" dirty="0">
+                <a:effectLst/>
+                <a:highlight>
+                  <a:srgbClr val="FFFFFF"/>
+                </a:highlight>
+                <a:latin typeface="Arial" panose="020B0604020202020204" pitchFamily="34" charset="0"/>
+              </a:rPr>
+              <a:t>r4(t) = −(0.5(</a:t>
+            </a:r>
+            <a:r>
+              <a:rPr lang="el-GR" b="0" i="0" dirty="0">
+                <a:effectLst/>
+                <a:highlight>
+                  <a:srgbClr val="FFFFFF"/>
+                </a:highlight>
+                <a:latin typeface="Arial" panose="020B0604020202020204" pitchFamily="34" charset="0"/>
+              </a:rPr>
+              <a:t>θ</a:t>
+            </a:r>
+            <a:r>
+              <a:rPr lang="tr-TR" b="0" i="0" dirty="0">
+                <a:effectLst/>
+                <a:highlight>
+                  <a:srgbClr val="FFFFFF"/>
+                </a:highlight>
+                <a:latin typeface="Arial" panose="020B0604020202020204" pitchFamily="34" charset="0"/>
+              </a:rPr>
+              <a:t>r − </a:t>
+            </a:r>
+            <a:r>
+              <a:rPr lang="el-GR" b="0" i="0" dirty="0">
+                <a:effectLst/>
+                <a:highlight>
+                  <a:srgbClr val="FFFFFF"/>
+                </a:highlight>
+                <a:latin typeface="Arial" panose="020B0604020202020204" pitchFamily="34" charset="0"/>
+              </a:rPr>
+              <a:t>θ) + 0.5(φ</a:t>
+            </a:r>
+            <a:r>
+              <a:rPr lang="tr-TR" b="0" i="0" dirty="0">
+                <a:effectLst/>
+                <a:highlight>
+                  <a:srgbClr val="FFFFFF"/>
+                </a:highlight>
+                <a:latin typeface="Arial" panose="020B0604020202020204" pitchFamily="34" charset="0"/>
+              </a:rPr>
+              <a:t>r − </a:t>
+            </a:r>
+            <a:r>
+              <a:rPr lang="el-GR" b="0" i="0" dirty="0">
+                <a:effectLst/>
+                <a:highlight>
+                  <a:srgbClr val="FFFFFF"/>
+                </a:highlight>
+                <a:latin typeface="Arial" panose="020B0604020202020204" pitchFamily="34" charset="0"/>
+              </a:rPr>
+              <a:t>φ))</a:t>
+            </a:r>
+            <a:br>
+              <a:rPr lang="el-GR" dirty="0"/>
+            </a:br>
+            <a:endParaRPr lang="tr-TR" dirty="0"/>
+          </a:p>
+        </p:txBody>
+      </p:sp>
     </p:spTree>
     <p:extLst>
       <p:ext uri="{BB962C8B-B14F-4D97-AF65-F5344CB8AC3E}">
-        <p14:creationId xmlns:p14="http://schemas.microsoft.com/office/powerpoint/2010/main" val="2110601411"/>
+        <p14:creationId xmlns:p14="http://schemas.microsoft.com/office/powerpoint/2010/main" val="2712448291"/>
       </p:ext>
     </p:extLst>
   </p:cSld>
@@ -16273,7 +18892,11 @@
             </a:pPr>
             <a:r>
               <a:rPr lang="tr-TR" dirty="0"/>
-              <a:t> </a:t>
+              <a:t> Analysis of </a:t>
+            </a:r>
+            <a:r>
+              <a:rPr lang="tr-TR" dirty="0" err="1"/>
+              <a:t>Results</a:t>
             </a:r>
             <a:endParaRPr lang="en-US" dirty="0"/>
           </a:p>
@@ -16534,7 +19157,7 @@
     </p:spTree>
     <p:extLst>
       <p:ext uri="{BB962C8B-B14F-4D97-AF65-F5344CB8AC3E}">
-        <p14:creationId xmlns:p14="http://schemas.microsoft.com/office/powerpoint/2010/main" val="3242287418"/>
+        <p14:creationId xmlns:p14="http://schemas.microsoft.com/office/powerpoint/2010/main" val="722340717"/>
       </p:ext>
     </p:extLst>
   </p:cSld>
@@ -16549,7 +19172,7 @@
   <p:cSld>
     <p:spTree>
       <p:nvGrpSpPr>
-        <p:cNvPr id="1" name="Shape 339"/>
+        <p:cNvPr id="1" name="Shape 114"/>
         <p:cNvGrpSpPr/>
         <p:nvPr/>
       </p:nvGrpSpPr>
@@ -16563,7 +19186,7 @@
       </p:grpSpPr>
       <p:sp>
         <p:nvSpPr>
-          <p:cNvPr id="340" name="Google Shape;340;p26"/>
+          <p:cNvPr id="115" name="Google Shape;115;p4"/>
           <p:cNvSpPr txBox="1">
             <a:spLocks noGrp="1"/>
           </p:cNvSpPr>
@@ -16606,19 +19229,240 @@
                 <a:schemeClr val="lt1"/>
               </a:buClr>
               <a:buSzPct val="100000"/>
-              <a:buFont typeface="Arial"/>
+              <a:buFont typeface="Calibri"/>
               <a:buNone/>
             </a:pPr>
             <a:r>
-              <a:rPr lang="en-US" dirty="0"/>
-              <a:t>Introduction</a:t>
-            </a:r>
+              <a:rPr lang="en-US" dirty="0" err="1">
+                <a:latin typeface="Calibri"/>
+                <a:ea typeface="Calibri"/>
+                <a:cs typeface="Calibri"/>
+                <a:sym typeface="Calibri"/>
+              </a:rPr>
+              <a:t>Introductio</a:t>
+            </a:r>
+            <a:r>
+              <a:rPr lang="tr-TR" dirty="0">
+                <a:latin typeface="Calibri"/>
+                <a:ea typeface="Calibri"/>
+                <a:cs typeface="Calibri"/>
+                <a:sym typeface="Calibri"/>
+              </a:rPr>
+              <a:t>n</a:t>
+            </a:r>
+            <a:endParaRPr lang="en-US" dirty="0"/>
           </a:p>
         </p:txBody>
       </p:sp>
       <p:sp>
         <p:nvSpPr>
-          <p:cNvPr id="341" name="Google Shape;341;p26"/>
+          <p:cNvPr id="116" name="Google Shape;116;p4"/>
+          <p:cNvSpPr txBox="1">
+            <a:spLocks noGrp="1"/>
+          </p:cNvSpPr>
+          <p:nvPr>
+            <p:ph type="body" idx="1"/>
+          </p:nvPr>
+        </p:nvSpPr>
+        <p:spPr>
+          <a:xfrm>
+            <a:off x="1308295" y="1519310"/>
+            <a:ext cx="6870505" cy="4530507"/>
+          </a:xfrm>
+          <a:prstGeom prst="rect">
+            <a:avLst/>
+          </a:prstGeom>
+          <a:noFill/>
+          <a:ln>
+            <a:noFill/>
+          </a:ln>
+        </p:spPr>
+        <p:txBody>
+          <a:bodyPr spcFirstLastPara="1" wrap="square" lIns="91425" tIns="45700" rIns="91425" bIns="45700" anchor="t" anchorCtr="0">
+            <a:normAutofit/>
+          </a:bodyPr>
+          <a:lstStyle/>
+          <a:p>
+            <a:pPr marL="228600" marR="0" lvl="0" indent="-228600" algn="l" rtl="0">
+              <a:lnSpc>
+                <a:spcPct val="110000"/>
+              </a:lnSpc>
+              <a:spcBef>
+                <a:spcPts val="0"/>
+              </a:spcBef>
+              <a:spcAft>
+                <a:spcPts val="0"/>
+              </a:spcAft>
+              <a:buSzPct val="119999"/>
+              <a:buChar char="•"/>
+            </a:pPr>
+            <a:r>
+              <a:rPr lang="en-US" sz="2400" dirty="0">
+                <a:latin typeface="+mj-lt"/>
+                <a:ea typeface="Calibri"/>
+                <a:cs typeface="Calibri"/>
+                <a:sym typeface="Calibri"/>
+              </a:rPr>
+              <a:t>Flight control systems generally composed of</a:t>
+            </a:r>
+            <a:r>
+              <a:rPr lang="tr-TR" sz="2400" dirty="0">
+                <a:latin typeface="+mj-lt"/>
+                <a:ea typeface="Calibri"/>
+                <a:cs typeface="Calibri"/>
+                <a:sym typeface="Calibri"/>
+              </a:rPr>
+              <a:t>;</a:t>
+            </a:r>
+          </a:p>
+          <a:p>
+            <a:pPr marL="685800" lvl="1" indent="-228600" algn="l">
+              <a:spcBef>
+                <a:spcPts val="0"/>
+              </a:spcBef>
+              <a:buSzPct val="119999"/>
+            </a:pPr>
+            <a:r>
+              <a:rPr lang="en-US" sz="2000" dirty="0">
+                <a:latin typeface="+mj-lt"/>
+                <a:ea typeface="Calibri"/>
+                <a:cs typeface="Calibri"/>
+                <a:sym typeface="Calibri"/>
+              </a:rPr>
+              <a:t>Position</a:t>
+            </a:r>
+            <a:r>
+              <a:rPr lang="tr-TR" sz="2000" dirty="0">
+                <a:latin typeface="+mj-lt"/>
+                <a:ea typeface="Calibri"/>
+                <a:cs typeface="Calibri"/>
+                <a:sym typeface="Calibri"/>
+              </a:rPr>
+              <a:t> &amp; </a:t>
+            </a:r>
+            <a:r>
+              <a:rPr lang="en-US" sz="2000" dirty="0">
+                <a:latin typeface="+mj-lt"/>
+                <a:ea typeface="Calibri"/>
+                <a:cs typeface="Calibri"/>
+                <a:sym typeface="Calibri"/>
+              </a:rPr>
+              <a:t>altitude control</a:t>
+            </a:r>
+            <a:endParaRPr lang="tr-TR" sz="2000" dirty="0">
+              <a:latin typeface="+mj-lt"/>
+              <a:ea typeface="Calibri"/>
+              <a:cs typeface="Calibri"/>
+              <a:sym typeface="Calibri"/>
+            </a:endParaRPr>
+          </a:p>
+          <a:p>
+            <a:pPr marL="685800" lvl="1" indent="-228600" algn="l">
+              <a:spcBef>
+                <a:spcPts val="0"/>
+              </a:spcBef>
+              <a:buSzPct val="119999"/>
+            </a:pPr>
+            <a:r>
+              <a:rPr lang="en-US" sz="2000" dirty="0">
+                <a:latin typeface="+mj-lt"/>
+                <a:ea typeface="Calibri"/>
+                <a:cs typeface="Calibri"/>
+                <a:sym typeface="Calibri"/>
+              </a:rPr>
+              <a:t>Speed control</a:t>
+            </a:r>
+          </a:p>
+          <a:p>
+            <a:pPr marL="685800" lvl="1" indent="-228600" algn="l">
+              <a:spcBef>
+                <a:spcPts val="0"/>
+              </a:spcBef>
+              <a:buSzPct val="119999"/>
+            </a:pPr>
+            <a:r>
+              <a:rPr lang="en-US" sz="2000" dirty="0">
+                <a:latin typeface="+mj-lt"/>
+                <a:ea typeface="Calibri"/>
+                <a:cs typeface="Calibri"/>
+                <a:sym typeface="Calibri"/>
+              </a:rPr>
+              <a:t>Navigation control</a:t>
+            </a:r>
+          </a:p>
+          <a:p>
+            <a:pPr marL="685800" lvl="1" indent="-228600" algn="l">
+              <a:spcBef>
+                <a:spcPts val="0"/>
+              </a:spcBef>
+              <a:buSzPct val="119999"/>
+            </a:pPr>
+            <a:r>
+              <a:rPr lang="en-US" sz="2000" b="1" dirty="0">
+                <a:latin typeface="+mj-lt"/>
+                <a:ea typeface="Calibri"/>
+                <a:cs typeface="Calibri"/>
+                <a:sym typeface="Calibri"/>
+              </a:rPr>
+              <a:t>Attitude control</a:t>
+            </a:r>
+          </a:p>
+          <a:p>
+            <a:pPr marL="228600" marR="0" lvl="0" indent="-228600" algn="l" rtl="0">
+              <a:lnSpc>
+                <a:spcPct val="110000"/>
+              </a:lnSpc>
+              <a:spcBef>
+                <a:spcPts val="1000"/>
+              </a:spcBef>
+              <a:spcAft>
+                <a:spcPts val="0"/>
+              </a:spcAft>
+              <a:buSzPct val="119999"/>
+              <a:buChar char="•"/>
+            </a:pPr>
+            <a:r>
+              <a:rPr lang="en-US" sz="2400" dirty="0">
+                <a:latin typeface="+mj-lt"/>
+                <a:ea typeface="Calibri"/>
+                <a:cs typeface="Calibri"/>
+                <a:sym typeface="Calibri"/>
+              </a:rPr>
+              <a:t>PID (Proportional-Integral-Derivative) controllers are used due to their simplicity, stability and real time response capabilities.</a:t>
+            </a:r>
+            <a:endParaRPr lang="en-US" sz="2400" dirty="0">
+              <a:latin typeface="+mj-lt"/>
+            </a:endParaRPr>
+          </a:p>
+          <a:p>
+            <a:pPr marL="228600" marR="0" lvl="0" indent="-228600" algn="l" rtl="0">
+              <a:lnSpc>
+                <a:spcPct val="110000"/>
+              </a:lnSpc>
+              <a:spcBef>
+                <a:spcPts val="1000"/>
+              </a:spcBef>
+              <a:spcAft>
+                <a:spcPts val="0"/>
+              </a:spcAft>
+              <a:buSzPct val="119999"/>
+              <a:buChar char="•"/>
+            </a:pPr>
+            <a:r>
+              <a:rPr lang="en-US" sz="2400" dirty="0">
+                <a:latin typeface="+mj-lt"/>
+                <a:ea typeface="Calibri"/>
+                <a:cs typeface="Calibri"/>
+                <a:sym typeface="Calibri"/>
+              </a:rPr>
+              <a:t>While PID systems adequate for lots of operations, it has some challenges.</a:t>
+            </a:r>
+          </a:p>
+        </p:txBody>
+      </p:sp>
+      <p:sp>
+        <p:nvSpPr>
+          <p:cNvPr id="117" name="Google Shape;117;p4"/>
           <p:cNvSpPr txBox="1">
             <a:spLocks noGrp="1"/>
           </p:cNvSpPr>
@@ -16657,16 +19501,23 @@
               <a:buNone/>
             </a:pPr>
             <a:r>
-              <a:rPr lang="tr-TR"/>
-              <a:t>Jun 7, 2024</a:t>
-            </a:r>
-            <a:endParaRPr dirty="0"/>
+              <a:rPr lang="tr-TR" dirty="0" err="1"/>
+              <a:t>Jun</a:t>
+            </a:r>
+            <a:r>
+              <a:rPr lang="tr-TR" dirty="0"/>
+              <a:t> 7</a:t>
+            </a:r>
+            <a:r>
+              <a:rPr lang="en-US" dirty="0"/>
+              <a:t>, 2024</a:t>
+            </a:r>
           </a:p>
         </p:txBody>
       </p:sp>
       <p:sp>
         <p:nvSpPr>
-          <p:cNvPr id="342" name="Google Shape;342;p26"/>
+          <p:cNvPr id="118" name="Google Shape;118;p4"/>
           <p:cNvSpPr txBox="1">
             <a:spLocks noGrp="1"/>
           </p:cNvSpPr>
@@ -16705,20 +19556,15 @@
               <a:buNone/>
             </a:pPr>
             <a:r>
-              <a:rPr lang="en-US" dirty="0"/>
-              <a:t>CMP-620 Reinforcement Learning – Project Pro</a:t>
-            </a:r>
-            <a:r>
-              <a:rPr lang="tr-TR" dirty="0" err="1"/>
-              <a:t>gress</a:t>
-            </a:r>
-            <a:endParaRPr dirty="0"/>
+              <a:rPr lang="en-US"/>
+              <a:t>CMP-620 Reinforcement Learning – Project Proposal</a:t>
+            </a:r>
           </a:p>
         </p:txBody>
       </p:sp>
       <p:sp>
         <p:nvSpPr>
-          <p:cNvPr id="343" name="Google Shape;343;p26"/>
+          <p:cNvPr id="119" name="Google Shape;119;p4"/>
           <p:cNvSpPr txBox="1">
             <a:spLocks noGrp="1"/>
           </p:cNvSpPr>
@@ -16757,512 +19603,44 @@
               <a:buNone/>
             </a:pPr>
             <a:fld id="{00000000-1234-1234-1234-123412341234}" type="slidenum">
-              <a:rPr lang="en-US"/>
+              <a:rPr lang="en-US" smtClean="0"/>
               <a:t>2</a:t>
             </a:fld>
-            <a:endParaRPr/>
+            <a:endParaRPr lang="en-US"/>
           </a:p>
         </p:txBody>
       </p:sp>
-      <p:sp>
-        <p:nvSpPr>
-          <p:cNvPr id="344" name="Google Shape;344;p26"/>
-          <p:cNvSpPr txBox="1"/>
+      <p:pic>
+        <p:nvPicPr>
+          <p:cNvPr id="9" name="Resim 8">
+            <a:extLst>
+              <a:ext uri="{FF2B5EF4-FFF2-40B4-BE49-F238E27FC236}">
+                <a16:creationId xmlns:a16="http://schemas.microsoft.com/office/drawing/2014/main" id="{E32A6264-779A-1079-DC4E-75A7A398B45D}"/>
+              </a:ext>
+            </a:extLst>
+          </p:cNvPr>
+          <p:cNvPicPr>
+            <a:picLocks noChangeAspect="1"/>
+          </p:cNvPicPr>
           <p:nvPr/>
-        </p:nvSpPr>
+        </p:nvPicPr>
+        <p:blipFill>
+          <a:blip r:embed="rId3"/>
+          <a:stretch>
+            <a:fillRect/>
+          </a:stretch>
+        </p:blipFill>
         <p:spPr>
           <a:xfrm>
-            <a:off x="1073247" y="1201213"/>
-            <a:ext cx="10045505" cy="5083277"/>
+            <a:off x="8178800" y="1577179"/>
+            <a:ext cx="3551228" cy="3703641"/>
           </a:xfrm>
           <a:prstGeom prst="rect">
             <a:avLst/>
           </a:prstGeom>
-          <a:noFill/>
-          <a:ln>
-            <a:noFill/>
-          </a:ln>
         </p:spPr>
-        <p:txBody>
-          <a:bodyPr spcFirstLastPara="1" wrap="square" lIns="91425" tIns="45700" rIns="91425" bIns="45700" anchor="t" anchorCtr="0">
-            <a:normAutofit/>
-          </a:bodyPr>
-          <a:lstStyle/>
-          <a:p>
-            <a:pPr marL="941832" marR="0" lvl="1" indent="-342900" algn="just" rtl="0">
-              <a:lnSpc>
-                <a:spcPct val="110000"/>
-              </a:lnSpc>
-              <a:spcBef>
-                <a:spcPts val="600"/>
-              </a:spcBef>
-              <a:spcAft>
-                <a:spcPts val="0"/>
-              </a:spcAft>
-              <a:buClr>
-                <a:schemeClr val="accent1"/>
-              </a:buClr>
-              <a:buSzPct val="119999"/>
-              <a:buFont typeface="Arial" panose="020B0604020202020204" pitchFamily="34" charset="0"/>
-              <a:buChar char="•"/>
-            </a:pPr>
-            <a:endParaRPr lang="tr-TR" sz="2400" dirty="0">
-              <a:solidFill>
-                <a:schemeClr val="dk1"/>
-              </a:solidFill>
-              <a:latin typeface="+mj-lt"/>
-            </a:endParaRPr>
-          </a:p>
-          <a:p>
-            <a:pPr marL="941832" marR="0" lvl="1" indent="-342900" algn="just" rtl="0">
-              <a:lnSpc>
-                <a:spcPct val="110000"/>
-              </a:lnSpc>
-              <a:spcBef>
-                <a:spcPts val="600"/>
-              </a:spcBef>
-              <a:spcAft>
-                <a:spcPts val="0"/>
-              </a:spcAft>
-              <a:buClr>
-                <a:schemeClr val="accent1"/>
-              </a:buClr>
-              <a:buSzPct val="119999"/>
-              <a:buFont typeface="Arial" panose="020B0604020202020204" pitchFamily="34" charset="0"/>
-              <a:buChar char="•"/>
-            </a:pPr>
-            <a:r>
-              <a:rPr lang="tr-TR" sz="2400" dirty="0" err="1">
-                <a:solidFill>
-                  <a:schemeClr val="dk1"/>
-                </a:solidFill>
-                <a:latin typeface="+mj-lt"/>
-              </a:rPr>
-              <a:t>Quadcopter</a:t>
-            </a:r>
-            <a:r>
-              <a:rPr lang="tr-TR" sz="2400" dirty="0">
-                <a:solidFill>
-                  <a:schemeClr val="dk1"/>
-                </a:solidFill>
-                <a:latin typeface="+mj-lt"/>
-              </a:rPr>
-              <a:t> </a:t>
-            </a:r>
-            <a:r>
-              <a:rPr lang="tr-TR" sz="2400" dirty="0" err="1">
-                <a:solidFill>
-                  <a:schemeClr val="dk1"/>
-                </a:solidFill>
-                <a:latin typeface="+mj-lt"/>
-              </a:rPr>
-              <a:t>Overview</a:t>
-            </a:r>
-            <a:endParaRPr lang="tr-TR" sz="2400" dirty="0">
-              <a:solidFill>
-                <a:schemeClr val="dk1"/>
-              </a:solidFill>
-              <a:latin typeface="+mj-lt"/>
-            </a:endParaRPr>
-          </a:p>
-          <a:p>
-            <a:pPr marL="941832" marR="0" lvl="1" indent="-342900" algn="just" rtl="0">
-              <a:lnSpc>
-                <a:spcPct val="110000"/>
-              </a:lnSpc>
-              <a:spcBef>
-                <a:spcPts val="600"/>
-              </a:spcBef>
-              <a:spcAft>
-                <a:spcPts val="0"/>
-              </a:spcAft>
-              <a:buClr>
-                <a:schemeClr val="accent1"/>
-              </a:buClr>
-              <a:buSzPct val="119999"/>
-              <a:buFont typeface="Arial" panose="020B0604020202020204" pitchFamily="34" charset="0"/>
-              <a:buChar char="•"/>
-            </a:pPr>
-            <a:r>
-              <a:rPr lang="tr-TR" sz="2400" dirty="0">
-                <a:solidFill>
-                  <a:schemeClr val="dk1"/>
-                </a:solidFill>
-                <a:latin typeface="+mj-lt"/>
-              </a:rPr>
-              <a:t>PID </a:t>
-            </a:r>
-            <a:r>
-              <a:rPr lang="tr-TR" sz="2400" dirty="0" err="1">
-                <a:solidFill>
-                  <a:schemeClr val="dk1"/>
-                </a:solidFill>
-                <a:latin typeface="+mj-lt"/>
-              </a:rPr>
-              <a:t>Algorithms</a:t>
-            </a:r>
-            <a:endParaRPr lang="tr-TR" sz="2400" dirty="0">
-              <a:solidFill>
-                <a:schemeClr val="dk1"/>
-              </a:solidFill>
-              <a:latin typeface="+mj-lt"/>
-            </a:endParaRPr>
-          </a:p>
-          <a:p>
-            <a:pPr marL="941832" marR="0" lvl="1" indent="-342900" algn="just" rtl="0">
-              <a:lnSpc>
-                <a:spcPct val="110000"/>
-              </a:lnSpc>
-              <a:spcBef>
-                <a:spcPts val="600"/>
-              </a:spcBef>
-              <a:spcAft>
-                <a:spcPts val="0"/>
-              </a:spcAft>
-              <a:buClr>
-                <a:schemeClr val="accent1"/>
-              </a:buClr>
-              <a:buSzPct val="119999"/>
-              <a:buFont typeface="Arial" panose="020B0604020202020204" pitchFamily="34" charset="0"/>
-              <a:buChar char="•"/>
-            </a:pPr>
-            <a:r>
-              <a:rPr lang="tr-TR" sz="2400" dirty="0" err="1">
-                <a:solidFill>
-                  <a:schemeClr val="dk1"/>
-                </a:solidFill>
-                <a:latin typeface="+mj-lt"/>
-              </a:rPr>
-              <a:t>Why</a:t>
-            </a:r>
-            <a:r>
-              <a:rPr lang="tr-TR" sz="2400" dirty="0">
-                <a:solidFill>
-                  <a:schemeClr val="dk1"/>
-                </a:solidFill>
-                <a:latin typeface="+mj-lt"/>
-              </a:rPr>
-              <a:t> RL </a:t>
-            </a:r>
-            <a:r>
-              <a:rPr lang="tr-TR" sz="2400" dirty="0" err="1">
-                <a:solidFill>
-                  <a:schemeClr val="dk1"/>
-                </a:solidFill>
-                <a:latin typeface="+mj-lt"/>
-              </a:rPr>
-              <a:t>Algorithms</a:t>
-            </a:r>
-            <a:r>
-              <a:rPr lang="tr-TR" sz="2400" dirty="0">
-                <a:solidFill>
-                  <a:schemeClr val="dk1"/>
-                </a:solidFill>
-                <a:latin typeface="+mj-lt"/>
-              </a:rPr>
-              <a:t> </a:t>
-            </a:r>
-            <a:r>
-              <a:rPr lang="tr-TR" sz="2400" dirty="0" err="1">
-                <a:solidFill>
-                  <a:schemeClr val="dk1"/>
-                </a:solidFill>
-                <a:latin typeface="+mj-lt"/>
-              </a:rPr>
-              <a:t>Used</a:t>
-            </a:r>
-            <a:endParaRPr lang="tr-TR" sz="2400" dirty="0">
-              <a:solidFill>
-                <a:schemeClr val="dk1"/>
-              </a:solidFill>
-              <a:latin typeface="+mj-lt"/>
-            </a:endParaRPr>
-          </a:p>
-          <a:p>
-            <a:pPr marL="941832" lvl="1" indent="-342900" algn="just">
-              <a:lnSpc>
-                <a:spcPct val="110000"/>
-              </a:lnSpc>
-              <a:spcBef>
-                <a:spcPts val="600"/>
-              </a:spcBef>
-              <a:buClr>
-                <a:schemeClr val="accent1"/>
-              </a:buClr>
-              <a:buSzPct val="119999"/>
-              <a:buFont typeface="Arial" panose="020B0604020202020204" pitchFamily="34" charset="0"/>
-              <a:buChar char="•"/>
-            </a:pPr>
-            <a:r>
-              <a:rPr lang="tr-TR" sz="2400" dirty="0">
-                <a:solidFill>
-                  <a:schemeClr val="dk1"/>
-                </a:solidFill>
-                <a:latin typeface="+mj-lt"/>
-              </a:rPr>
-              <a:t>Training </a:t>
-            </a:r>
-            <a:r>
-              <a:rPr lang="tr-TR" sz="2400" dirty="0" err="1">
-                <a:solidFill>
-                  <a:schemeClr val="dk1"/>
-                </a:solidFill>
-                <a:latin typeface="+mj-lt"/>
-              </a:rPr>
-              <a:t>Algorithms</a:t>
-            </a:r>
-            <a:endParaRPr lang="tr-TR" sz="2400" dirty="0">
-              <a:solidFill>
-                <a:schemeClr val="dk1"/>
-              </a:solidFill>
-              <a:latin typeface="+mj-lt"/>
-            </a:endParaRPr>
-          </a:p>
-          <a:p>
-            <a:pPr marL="941832" marR="0" lvl="1" indent="-342900" algn="just" rtl="0">
-              <a:lnSpc>
-                <a:spcPct val="110000"/>
-              </a:lnSpc>
-              <a:spcBef>
-                <a:spcPts val="600"/>
-              </a:spcBef>
-              <a:spcAft>
-                <a:spcPts val="0"/>
-              </a:spcAft>
-              <a:buClr>
-                <a:schemeClr val="accent1"/>
-              </a:buClr>
-              <a:buSzPct val="119999"/>
-              <a:buFont typeface="Arial" panose="020B0604020202020204" pitchFamily="34" charset="0"/>
-              <a:buChar char="•"/>
-            </a:pPr>
-            <a:r>
-              <a:rPr lang="tr-TR" sz="2400" dirty="0" err="1">
-                <a:solidFill>
-                  <a:schemeClr val="dk1"/>
-                </a:solidFill>
-                <a:latin typeface="+mj-lt"/>
-              </a:rPr>
-              <a:t>Overview</a:t>
-            </a:r>
-            <a:r>
-              <a:rPr lang="tr-TR" sz="2400" dirty="0">
-                <a:solidFill>
-                  <a:schemeClr val="dk1"/>
-                </a:solidFill>
-                <a:latin typeface="+mj-lt"/>
-              </a:rPr>
-              <a:t> of </a:t>
-            </a:r>
-            <a:r>
-              <a:rPr lang="tr-TR" sz="2400" dirty="0" err="1">
-                <a:solidFill>
-                  <a:schemeClr val="dk1"/>
-                </a:solidFill>
-                <a:latin typeface="+mj-lt"/>
-              </a:rPr>
-              <a:t>Related</a:t>
-            </a:r>
-            <a:r>
-              <a:rPr lang="tr-TR" sz="2400" dirty="0">
-                <a:solidFill>
-                  <a:schemeClr val="dk1"/>
-                </a:solidFill>
-                <a:latin typeface="+mj-lt"/>
-              </a:rPr>
-              <a:t> Works</a:t>
-            </a:r>
-          </a:p>
-          <a:p>
-            <a:pPr marL="941832" marR="0" lvl="1" indent="-342900" algn="just" rtl="0">
-              <a:lnSpc>
-                <a:spcPct val="110000"/>
-              </a:lnSpc>
-              <a:spcBef>
-                <a:spcPts val="600"/>
-              </a:spcBef>
-              <a:spcAft>
-                <a:spcPts val="0"/>
-              </a:spcAft>
-              <a:buClr>
-                <a:schemeClr val="accent1"/>
-              </a:buClr>
-              <a:buSzPct val="119999"/>
-              <a:buFont typeface="Arial" panose="020B0604020202020204" pitchFamily="34" charset="0"/>
-              <a:buChar char="•"/>
-            </a:pPr>
-            <a:r>
-              <a:rPr lang="tr-TR" sz="2400" dirty="0">
-                <a:solidFill>
-                  <a:schemeClr val="dk1"/>
-                </a:solidFill>
-                <a:latin typeface="+mj-lt"/>
-              </a:rPr>
-              <a:t>Project </a:t>
-            </a:r>
-            <a:r>
-              <a:rPr lang="tr-TR" sz="2400" dirty="0" err="1">
-                <a:solidFill>
-                  <a:schemeClr val="dk1"/>
-                </a:solidFill>
-                <a:latin typeface="+mj-lt"/>
-              </a:rPr>
-              <a:t>Overview</a:t>
-            </a:r>
-            <a:endParaRPr lang="tr-TR" sz="2400" dirty="0">
-              <a:solidFill>
-                <a:schemeClr val="dk1"/>
-              </a:solidFill>
-              <a:latin typeface="+mj-lt"/>
-            </a:endParaRPr>
-          </a:p>
-          <a:p>
-            <a:pPr marL="941832" marR="0" lvl="1" indent="-342900" algn="just" rtl="0">
-              <a:lnSpc>
-                <a:spcPct val="110000"/>
-              </a:lnSpc>
-              <a:spcBef>
-                <a:spcPts val="600"/>
-              </a:spcBef>
-              <a:spcAft>
-                <a:spcPts val="0"/>
-              </a:spcAft>
-              <a:buClr>
-                <a:schemeClr val="accent1"/>
-              </a:buClr>
-              <a:buSzPct val="119999"/>
-              <a:buFont typeface="Arial" panose="020B0604020202020204" pitchFamily="34" charset="0"/>
-              <a:buChar char="•"/>
-            </a:pPr>
-            <a:r>
-              <a:rPr lang="tr-TR" sz="2400" dirty="0">
-                <a:solidFill>
-                  <a:schemeClr val="dk1"/>
-                </a:solidFill>
-                <a:latin typeface="+mj-lt"/>
-              </a:rPr>
-              <a:t>Training </a:t>
-            </a:r>
-            <a:r>
-              <a:rPr lang="tr-TR" sz="2400" dirty="0" err="1">
-                <a:solidFill>
-                  <a:schemeClr val="dk1"/>
-                </a:solidFill>
-                <a:latin typeface="+mj-lt"/>
-              </a:rPr>
-              <a:t>Results</a:t>
-            </a:r>
-            <a:r>
-              <a:rPr lang="tr-TR" sz="2400" dirty="0">
-                <a:solidFill>
-                  <a:schemeClr val="dk1"/>
-                </a:solidFill>
-                <a:latin typeface="+mj-lt"/>
-              </a:rPr>
-              <a:t> &amp; </a:t>
-            </a:r>
-            <a:r>
-              <a:rPr lang="tr-TR" sz="2400" dirty="0" err="1">
-                <a:solidFill>
-                  <a:schemeClr val="dk1"/>
-                </a:solidFill>
-                <a:latin typeface="+mj-lt"/>
-              </a:rPr>
-              <a:t>Analyzes</a:t>
-            </a:r>
-            <a:endParaRPr lang="tr-TR" sz="2400" dirty="0">
-              <a:solidFill>
-                <a:schemeClr val="dk1"/>
-              </a:solidFill>
-              <a:latin typeface="+mj-lt"/>
-            </a:endParaRPr>
-          </a:p>
-          <a:p>
-            <a:pPr marL="941832" marR="0" lvl="1" indent="-342900" algn="just" rtl="0">
-              <a:lnSpc>
-                <a:spcPct val="110000"/>
-              </a:lnSpc>
-              <a:spcBef>
-                <a:spcPts val="600"/>
-              </a:spcBef>
-              <a:spcAft>
-                <a:spcPts val="0"/>
-              </a:spcAft>
-              <a:buClr>
-                <a:schemeClr val="accent1"/>
-              </a:buClr>
-              <a:buSzPct val="119999"/>
-              <a:buFont typeface="Arial" panose="020B0604020202020204" pitchFamily="34" charset="0"/>
-              <a:buChar char="•"/>
-            </a:pPr>
-            <a:endParaRPr lang="tr-TR" sz="2400" dirty="0">
-              <a:solidFill>
-                <a:schemeClr val="dk1"/>
-              </a:solidFill>
-              <a:latin typeface="+mj-lt"/>
-            </a:endParaRPr>
-          </a:p>
-          <a:p>
-            <a:pPr marL="941832" marR="0" lvl="1" indent="-342900" algn="just" rtl="0">
-              <a:lnSpc>
-                <a:spcPct val="110000"/>
-              </a:lnSpc>
-              <a:spcBef>
-                <a:spcPts val="600"/>
-              </a:spcBef>
-              <a:spcAft>
-                <a:spcPts val="0"/>
-              </a:spcAft>
-              <a:buClr>
-                <a:schemeClr val="accent1"/>
-              </a:buClr>
-              <a:buSzPct val="119999"/>
-              <a:buFont typeface="Arial" panose="020B0604020202020204" pitchFamily="34" charset="0"/>
-              <a:buChar char="•"/>
-            </a:pPr>
-            <a:endParaRPr lang="tr-TR" sz="2400" dirty="0">
-              <a:solidFill>
-                <a:schemeClr val="dk1"/>
-              </a:solidFill>
-              <a:latin typeface="+mj-lt"/>
-            </a:endParaRPr>
-          </a:p>
-          <a:p>
-            <a:pPr marL="941832" marR="0" lvl="1" indent="-342900" algn="just" rtl="0">
-              <a:lnSpc>
-                <a:spcPct val="110000"/>
-              </a:lnSpc>
-              <a:spcBef>
-                <a:spcPts val="600"/>
-              </a:spcBef>
-              <a:spcAft>
-                <a:spcPts val="0"/>
-              </a:spcAft>
-              <a:buClr>
-                <a:schemeClr val="accent1"/>
-              </a:buClr>
-              <a:buSzPct val="119999"/>
-              <a:buFont typeface="Arial" panose="020B0604020202020204" pitchFamily="34" charset="0"/>
-              <a:buChar char="•"/>
-            </a:pPr>
-            <a:endParaRPr sz="2400" b="0" i="0" u="none" strike="noStrike" cap="none" dirty="0">
-              <a:solidFill>
-                <a:schemeClr val="dk1"/>
-              </a:solidFill>
-              <a:latin typeface="+mj-lt"/>
-              <a:ea typeface="Arial"/>
-              <a:cs typeface="Arial"/>
-              <a:sym typeface="Arial"/>
-            </a:endParaRPr>
-          </a:p>
-        </p:txBody>
-      </p:sp>
+      </p:pic>
     </p:spTree>
-    <p:extLst>
-      <p:ext uri="{BB962C8B-B14F-4D97-AF65-F5344CB8AC3E}">
-        <p14:creationId xmlns:p14="http://schemas.microsoft.com/office/powerpoint/2010/main" val="4205474664"/>
-      </p:ext>
-    </p:extLst>
   </p:cSld>
   <p:clrMapOvr>
     <a:masterClrMapping/>
@@ -17337,11 +19715,11 @@
             </a:pPr>
             <a:r>
               <a:rPr lang="tr-TR" dirty="0"/>
-              <a:t> Analysis of </a:t>
+              <a:t> </a:t>
             </a:r>
             <a:r>
               <a:rPr lang="tr-TR" dirty="0" err="1"/>
-              <a:t>Results</a:t>
+              <a:t>Conclusions</a:t>
             </a:r>
             <a:endParaRPr lang="en-US" dirty="0"/>
           </a:p>
@@ -17537,56 +19915,6 @@
               <a:buFont typeface="Arial" panose="020B0604020202020204" pitchFamily="34" charset="0"/>
               <a:buChar char="•"/>
             </a:pPr>
-            <a:endParaRPr lang="tr-TR" sz="2400" dirty="0">
-              <a:solidFill>
-                <a:schemeClr val="dk1"/>
-              </a:solidFill>
-              <a:latin typeface="+mj-lt"/>
-            </a:endParaRPr>
-          </a:p>
-          <a:p>
-            <a:pPr marL="941832" marR="0" lvl="1" indent="-342900" algn="just" rtl="0">
-              <a:lnSpc>
-                <a:spcPct val="110000"/>
-              </a:lnSpc>
-              <a:spcBef>
-                <a:spcPts val="600"/>
-              </a:spcBef>
-              <a:spcAft>
-                <a:spcPts val="0"/>
-              </a:spcAft>
-              <a:buClr>
-                <a:schemeClr val="accent1"/>
-              </a:buClr>
-              <a:buSzPct val="119999"/>
-              <a:buFont typeface="Arial" panose="020B0604020202020204" pitchFamily="34" charset="0"/>
-              <a:buChar char="•"/>
-            </a:pPr>
-            <a:endParaRPr lang="tr-TR" sz="2400" dirty="0">
-              <a:solidFill>
-                <a:schemeClr val="dk1"/>
-              </a:solidFill>
-              <a:latin typeface="+mj-lt"/>
-            </a:endParaRPr>
-          </a:p>
-          <a:p>
-            <a:pPr marL="941832" marR="0" lvl="1" indent="-342900" algn="just" rtl="0">
-              <a:lnSpc>
-                <a:spcPct val="110000"/>
-              </a:lnSpc>
-              <a:spcBef>
-                <a:spcPts val="600"/>
-              </a:spcBef>
-              <a:spcAft>
-                <a:spcPts val="0"/>
-              </a:spcAft>
-              <a:buClr>
-                <a:schemeClr val="accent1"/>
-              </a:buClr>
-              <a:buSzPct val="119999"/>
-              <a:buFont typeface="Arial" panose="020B0604020202020204" pitchFamily="34" charset="0"/>
-              <a:buChar char="•"/>
-            </a:pPr>
             <a:endParaRPr sz="2400" b="0" i="0" u="none" strike="noStrike" cap="none" dirty="0">
               <a:solidFill>
                 <a:schemeClr val="dk1"/>
@@ -17602,7 +19930,7 @@
     </p:spTree>
     <p:extLst>
       <p:ext uri="{BB962C8B-B14F-4D97-AF65-F5344CB8AC3E}">
-        <p14:creationId xmlns:p14="http://schemas.microsoft.com/office/powerpoint/2010/main" val="722340717"/>
+        <p14:creationId xmlns:p14="http://schemas.microsoft.com/office/powerpoint/2010/main" val="1859997741"/>
       </p:ext>
     </p:extLst>
   </p:cSld>
@@ -17683,7 +20011,7 @@
             </a:r>
             <a:r>
               <a:rPr lang="tr-TR" dirty="0" err="1"/>
-              <a:t>Conclusions</a:t>
+              <a:t>References</a:t>
             </a:r>
             <a:endParaRPr lang="en-US" dirty="0"/>
           </a:p>
@@ -17862,89 +20190,850 @@
           </a:bodyPr>
           <a:lstStyle/>
           <a:p>
-            <a:pPr marL="941832" marR="0" lvl="1" indent="-342900" algn="just" rtl="0">
-              <a:lnSpc>
-                <a:spcPct val="110000"/>
-              </a:lnSpc>
-              <a:spcBef>
-                <a:spcPts val="600"/>
-              </a:spcBef>
-              <a:spcAft>
-                <a:spcPts val="0"/>
-              </a:spcAft>
-              <a:buClr>
-                <a:schemeClr val="accent1"/>
-              </a:buClr>
-              <a:buSzPct val="119999"/>
-              <a:buFont typeface="Arial" panose="020B0604020202020204" pitchFamily="34" charset="0"/>
-              <a:buChar char="•"/>
-            </a:pPr>
-            <a:endParaRPr lang="tr-TR" sz="2400" dirty="0">
+            <a:pPr algn="l"/>
+            <a:r>
+              <a:rPr lang="tr-TR" dirty="0"/>
+              <a:t>[1] N. </a:t>
+            </a:r>
+            <a:r>
+              <a:rPr lang="tr-TR" dirty="0" err="1"/>
+              <a:t>Bernini</a:t>
+            </a:r>
+            <a:r>
+              <a:rPr lang="tr-TR" dirty="0"/>
+              <a:t>, M. </a:t>
+            </a:r>
+            <a:r>
+              <a:rPr lang="tr-TR" dirty="0" err="1"/>
+              <a:t>Bessa</a:t>
+            </a:r>
+            <a:r>
+              <a:rPr lang="tr-TR" dirty="0"/>
+              <a:t>, R. </a:t>
+            </a:r>
+            <a:r>
+              <a:rPr lang="tr-TR" dirty="0" err="1"/>
+              <a:t>Delmas</a:t>
+            </a:r>
+            <a:r>
+              <a:rPr lang="tr-TR" dirty="0"/>
+              <a:t>, A. Gold, E. </a:t>
+            </a:r>
+            <a:r>
+              <a:rPr lang="tr-TR" dirty="0" err="1"/>
+              <a:t>Goubault</a:t>
+            </a:r>
+            <a:r>
+              <a:rPr lang="tr-TR" dirty="0"/>
+              <a:t>, R. </a:t>
+            </a:r>
+            <a:r>
+              <a:rPr lang="tr-TR" dirty="0" err="1"/>
+              <a:t>Pennec</a:t>
+            </a:r>
+            <a:r>
+              <a:rPr lang="tr-TR" dirty="0"/>
+              <a:t>,</a:t>
+            </a:r>
+            <a:br>
+              <a:rPr lang="tr-TR" dirty="0"/>
+            </a:br>
+            <a:r>
+              <a:rPr lang="tr-TR" dirty="0"/>
+              <a:t>S. </a:t>
+            </a:r>
+            <a:r>
+              <a:rPr lang="tr-TR" dirty="0" err="1"/>
+              <a:t>Putot</a:t>
+            </a:r>
+            <a:r>
+              <a:rPr lang="tr-TR" dirty="0"/>
+              <a:t>, </a:t>
+            </a:r>
+            <a:r>
+              <a:rPr lang="tr-TR" dirty="0" err="1"/>
+              <a:t>and</a:t>
+            </a:r>
+            <a:r>
+              <a:rPr lang="tr-TR" dirty="0"/>
+              <a:t> F. </a:t>
+            </a:r>
+            <a:r>
+              <a:rPr lang="tr-TR" dirty="0" err="1"/>
+              <a:t>Sillion</a:t>
+            </a:r>
+            <a:r>
+              <a:rPr lang="tr-TR" dirty="0"/>
+              <a:t>, “</a:t>
+            </a:r>
+            <a:r>
+              <a:rPr lang="tr-TR" dirty="0" err="1"/>
+              <a:t>Reinforcement</a:t>
+            </a:r>
+            <a:r>
+              <a:rPr lang="tr-TR" dirty="0"/>
+              <a:t> </a:t>
+            </a:r>
+            <a:r>
+              <a:rPr lang="tr-TR" dirty="0" err="1"/>
+              <a:t>learning</a:t>
+            </a:r>
+            <a:r>
+              <a:rPr lang="tr-TR" dirty="0"/>
+              <a:t> </a:t>
+            </a:r>
+            <a:r>
+              <a:rPr lang="tr-TR" dirty="0" err="1"/>
+              <a:t>with</a:t>
+            </a:r>
+            <a:r>
+              <a:rPr lang="tr-TR" dirty="0"/>
+              <a:t> formal </a:t>
+            </a:r>
+            <a:r>
+              <a:rPr lang="tr-TR" dirty="0" err="1"/>
+              <a:t>performance</a:t>
+            </a:r>
+            <a:br>
+              <a:rPr lang="tr-TR" dirty="0"/>
+            </a:br>
+            <a:r>
+              <a:rPr lang="tr-TR" dirty="0" err="1"/>
+              <a:t>metrics</a:t>
+            </a:r>
+            <a:r>
+              <a:rPr lang="tr-TR" dirty="0"/>
+              <a:t> </a:t>
+            </a:r>
+            <a:r>
+              <a:rPr lang="tr-TR" dirty="0" err="1"/>
+              <a:t>for</a:t>
+            </a:r>
+            <a:r>
+              <a:rPr lang="tr-TR" dirty="0"/>
+              <a:t> </a:t>
+            </a:r>
+            <a:r>
+              <a:rPr lang="tr-TR" dirty="0" err="1"/>
+              <a:t>quadcopter</a:t>
+            </a:r>
+            <a:r>
+              <a:rPr lang="tr-TR" dirty="0"/>
+              <a:t> </a:t>
+            </a:r>
+            <a:r>
+              <a:rPr lang="tr-TR" dirty="0" err="1"/>
+              <a:t>attitude</a:t>
+            </a:r>
+            <a:r>
+              <a:rPr lang="tr-TR" dirty="0"/>
+              <a:t> </a:t>
+            </a:r>
+            <a:r>
+              <a:rPr lang="tr-TR" dirty="0" err="1"/>
+              <a:t>control</a:t>
+            </a:r>
+            <a:r>
+              <a:rPr lang="tr-TR" dirty="0"/>
+              <a:t> </a:t>
+            </a:r>
+            <a:r>
+              <a:rPr lang="tr-TR" dirty="0" err="1"/>
+              <a:t>under</a:t>
+            </a:r>
+            <a:r>
+              <a:rPr lang="tr-TR" dirty="0"/>
+              <a:t> </a:t>
+            </a:r>
+            <a:r>
+              <a:rPr lang="tr-TR" dirty="0" err="1"/>
+              <a:t>non</a:t>
+            </a:r>
+            <a:r>
+              <a:rPr lang="tr-TR" dirty="0"/>
+              <a:t>-nominal </a:t>
+            </a:r>
+            <a:r>
+              <a:rPr lang="tr-TR" dirty="0" err="1"/>
+              <a:t>contexts,Engineering</a:t>
+            </a:r>
+            <a:r>
+              <a:rPr lang="tr-TR" dirty="0"/>
+              <a:t> Applications of </a:t>
+            </a:r>
+            <a:r>
+              <a:rPr lang="tr-TR" dirty="0" err="1"/>
+              <a:t>Artificial</a:t>
+            </a:r>
+            <a:r>
+              <a:rPr lang="tr-TR" dirty="0"/>
+              <a:t> </a:t>
+            </a:r>
+            <a:r>
+              <a:rPr lang="tr-TR" dirty="0" err="1"/>
+              <a:t>Intelligence</a:t>
+            </a:r>
+            <a:r>
+              <a:rPr lang="tr-TR" dirty="0"/>
+              <a:t>, </a:t>
+            </a:r>
+            <a:r>
+              <a:rPr lang="tr-TR" dirty="0" err="1"/>
+              <a:t>vol</a:t>
+            </a:r>
+            <a:r>
+              <a:rPr lang="tr-TR" dirty="0"/>
+              <a:t>. 127, p. 107090,</a:t>
+            </a:r>
+            <a:br>
+              <a:rPr lang="tr-TR" dirty="0"/>
+            </a:br>
+            <a:r>
+              <a:rPr lang="tr-TR" dirty="0"/>
+              <a:t>2024.</a:t>
+            </a:r>
+            <a:br>
+              <a:rPr lang="tr-TR" dirty="0"/>
+            </a:br>
+            <a:r>
+              <a:rPr lang="tr-TR" dirty="0"/>
+              <a:t>[2] E. </a:t>
+            </a:r>
+            <a:r>
+              <a:rPr lang="tr-TR" dirty="0" err="1"/>
+              <a:t>Bøhn</a:t>
+            </a:r>
+            <a:r>
+              <a:rPr lang="tr-TR" dirty="0"/>
+              <a:t>, E. M. </a:t>
+            </a:r>
+            <a:r>
+              <a:rPr lang="tr-TR" dirty="0" err="1"/>
+              <a:t>Coates</a:t>
+            </a:r>
+            <a:r>
+              <a:rPr lang="tr-TR" dirty="0"/>
+              <a:t>, S. </a:t>
+            </a:r>
+            <a:r>
+              <a:rPr lang="tr-TR" dirty="0" err="1"/>
+              <a:t>Moe</a:t>
+            </a:r>
+            <a:r>
+              <a:rPr lang="tr-TR" dirty="0"/>
+              <a:t>, </a:t>
+            </a:r>
+            <a:r>
+              <a:rPr lang="tr-TR" dirty="0" err="1"/>
+              <a:t>and</a:t>
+            </a:r>
+            <a:r>
+              <a:rPr lang="tr-TR" dirty="0"/>
+              <a:t> T. A. Johansen, “</a:t>
+            </a:r>
+            <a:r>
+              <a:rPr lang="tr-TR" dirty="0" err="1"/>
+              <a:t>Deep</a:t>
+            </a:r>
+            <a:r>
+              <a:rPr lang="tr-TR" dirty="0"/>
+              <a:t> </a:t>
+            </a:r>
+            <a:r>
+              <a:rPr lang="tr-TR" dirty="0" err="1"/>
+              <a:t>reinforcement</a:t>
+            </a:r>
+            <a:br>
+              <a:rPr lang="tr-TR" dirty="0"/>
+            </a:br>
+            <a:r>
+              <a:rPr lang="tr-TR" dirty="0" err="1"/>
+              <a:t>learning</a:t>
+            </a:r>
+            <a:r>
+              <a:rPr lang="tr-TR" dirty="0"/>
+              <a:t> </a:t>
+            </a:r>
+            <a:r>
+              <a:rPr lang="tr-TR" dirty="0" err="1"/>
+              <a:t>attitude</a:t>
+            </a:r>
+            <a:r>
+              <a:rPr lang="tr-TR" dirty="0"/>
+              <a:t> </a:t>
+            </a:r>
+            <a:r>
+              <a:rPr lang="tr-TR" dirty="0" err="1"/>
+              <a:t>control</a:t>
+            </a:r>
+            <a:r>
+              <a:rPr lang="tr-TR" dirty="0"/>
+              <a:t> of </a:t>
+            </a:r>
+            <a:r>
+              <a:rPr lang="tr-TR" dirty="0" err="1"/>
+              <a:t>fixed-wing</a:t>
+            </a:r>
+            <a:r>
+              <a:rPr lang="tr-TR" dirty="0"/>
+              <a:t> </a:t>
+            </a:r>
+            <a:r>
+              <a:rPr lang="tr-TR" dirty="0" err="1"/>
+              <a:t>uavs</a:t>
+            </a:r>
+            <a:r>
+              <a:rPr lang="tr-TR" dirty="0"/>
+              <a:t> </a:t>
+            </a:r>
+            <a:r>
+              <a:rPr lang="tr-TR" dirty="0" err="1"/>
+              <a:t>using</a:t>
+            </a:r>
+            <a:r>
+              <a:rPr lang="tr-TR" dirty="0"/>
+              <a:t> </a:t>
+            </a:r>
+            <a:r>
+              <a:rPr lang="tr-TR" dirty="0" err="1"/>
+              <a:t>proximal</a:t>
+            </a:r>
+            <a:r>
+              <a:rPr lang="tr-TR" dirty="0"/>
+              <a:t> </a:t>
+            </a:r>
+            <a:r>
+              <a:rPr lang="tr-TR" dirty="0" err="1"/>
+              <a:t>policy</a:t>
+            </a:r>
+            <a:r>
+              <a:rPr lang="tr-TR" dirty="0"/>
+              <a:t> </a:t>
+            </a:r>
+            <a:r>
+              <a:rPr lang="tr-TR" dirty="0" err="1"/>
+              <a:t>opti</a:t>
+            </a:r>
+            <a:r>
+              <a:rPr lang="tr-TR" dirty="0"/>
+              <a:t>-</a:t>
+            </a:r>
+            <a:br>
+              <a:rPr lang="tr-TR" dirty="0"/>
+            </a:br>
+            <a:r>
+              <a:rPr lang="tr-TR" dirty="0" err="1"/>
+              <a:t>mization</a:t>
+            </a:r>
+            <a:r>
+              <a:rPr lang="tr-TR" dirty="0"/>
+              <a:t>,” in 2019 </a:t>
+            </a:r>
+            <a:r>
+              <a:rPr lang="tr-TR" dirty="0" err="1"/>
+              <a:t>international</a:t>
+            </a:r>
+            <a:r>
+              <a:rPr lang="tr-TR" dirty="0"/>
+              <a:t> </a:t>
+            </a:r>
+            <a:r>
+              <a:rPr lang="tr-TR" dirty="0" err="1"/>
+              <a:t>conference</a:t>
+            </a:r>
+            <a:r>
+              <a:rPr lang="tr-TR" dirty="0"/>
+              <a:t> on </a:t>
+            </a:r>
+            <a:r>
+              <a:rPr lang="tr-TR" dirty="0" err="1"/>
+              <a:t>unmanned</a:t>
+            </a:r>
+            <a:r>
+              <a:rPr lang="tr-TR" dirty="0"/>
+              <a:t> </a:t>
+            </a:r>
+            <a:r>
+              <a:rPr lang="tr-TR" dirty="0" err="1"/>
+              <a:t>aircraft</a:t>
+            </a:r>
+            <a:r>
+              <a:rPr lang="tr-TR" dirty="0"/>
+              <a:t> </a:t>
+            </a:r>
+            <a:r>
+              <a:rPr lang="tr-TR" dirty="0" err="1"/>
+              <a:t>systems</a:t>
+            </a:r>
+            <a:br>
+              <a:rPr lang="tr-TR" dirty="0"/>
+            </a:br>
+            <a:r>
+              <a:rPr lang="tr-TR" dirty="0"/>
+              <a:t>(ICUAS). IEEE, 2019, </a:t>
+            </a:r>
+            <a:r>
+              <a:rPr lang="tr-TR" dirty="0" err="1"/>
+              <a:t>pp</a:t>
+            </a:r>
+            <a:r>
+              <a:rPr lang="tr-TR" dirty="0"/>
+              <a:t>. 523–533.</a:t>
+            </a:r>
+            <a:br>
+              <a:rPr lang="tr-TR" dirty="0"/>
+            </a:br>
+            <a:r>
+              <a:rPr lang="tr-TR" dirty="0"/>
+              <a:t>[3] U. H. </a:t>
+            </a:r>
+            <a:r>
+              <a:rPr lang="tr-TR" dirty="0" err="1"/>
+              <a:t>Ghouri</a:t>
+            </a:r>
+            <a:r>
+              <a:rPr lang="tr-TR" dirty="0"/>
+              <a:t>, M. U. </a:t>
+            </a:r>
+            <a:r>
+              <a:rPr lang="tr-TR" dirty="0" err="1"/>
+              <a:t>Zafar</a:t>
+            </a:r>
+            <a:r>
+              <a:rPr lang="tr-TR" dirty="0"/>
+              <a:t>, S. Bari, H. </a:t>
+            </a:r>
+            <a:r>
+              <a:rPr lang="tr-TR" dirty="0" err="1"/>
+              <a:t>Khan</a:t>
+            </a:r>
+            <a:r>
+              <a:rPr lang="tr-TR" dirty="0"/>
+              <a:t>, </a:t>
+            </a:r>
+            <a:r>
+              <a:rPr lang="tr-TR" dirty="0" err="1"/>
+              <a:t>and</a:t>
+            </a:r>
+            <a:r>
+              <a:rPr lang="tr-TR" dirty="0"/>
+              <a:t> M. U. </a:t>
+            </a:r>
+            <a:r>
+              <a:rPr lang="tr-TR" dirty="0" err="1"/>
+              <a:t>Khan</a:t>
+            </a:r>
+            <a:r>
+              <a:rPr lang="tr-TR" dirty="0"/>
+              <a:t>, “</a:t>
+            </a:r>
+            <a:r>
+              <a:rPr lang="tr-TR" dirty="0" err="1"/>
+              <a:t>Attitude</a:t>
+            </a:r>
+            <a:br>
+              <a:rPr lang="tr-TR" dirty="0"/>
+            </a:br>
+            <a:r>
+              <a:rPr lang="tr-TR" dirty="0" err="1"/>
+              <a:t>control</a:t>
+            </a:r>
+            <a:r>
+              <a:rPr lang="tr-TR" dirty="0"/>
+              <a:t> of </a:t>
+            </a:r>
+            <a:r>
+              <a:rPr lang="tr-TR" dirty="0" err="1"/>
+              <a:t>quad-copter</a:t>
+            </a:r>
+            <a:r>
+              <a:rPr lang="tr-TR" dirty="0"/>
+              <a:t> </a:t>
+            </a:r>
+            <a:r>
+              <a:rPr lang="tr-TR" dirty="0" err="1"/>
+              <a:t>using</a:t>
+            </a:r>
+            <a:r>
+              <a:rPr lang="tr-TR" dirty="0"/>
+              <a:t> </a:t>
+            </a:r>
+            <a:r>
+              <a:rPr lang="tr-TR" dirty="0" err="1"/>
+              <a:t>deterministic</a:t>
+            </a:r>
+            <a:r>
+              <a:rPr lang="tr-TR" dirty="0"/>
+              <a:t> </a:t>
+            </a:r>
+            <a:r>
+              <a:rPr lang="tr-TR" dirty="0" err="1"/>
+              <a:t>policy</a:t>
+            </a:r>
+            <a:r>
+              <a:rPr lang="tr-TR" dirty="0"/>
+              <a:t> </a:t>
+            </a:r>
+            <a:r>
+              <a:rPr lang="tr-TR" dirty="0" err="1"/>
+              <a:t>gradient</a:t>
+            </a:r>
+            <a:r>
+              <a:rPr lang="tr-TR" dirty="0"/>
+              <a:t> </a:t>
+            </a:r>
+            <a:r>
+              <a:rPr lang="tr-TR" dirty="0" err="1"/>
+              <a:t>algorithms</a:t>
+            </a:r>
+            <a:br>
+              <a:rPr lang="tr-TR" dirty="0"/>
+            </a:br>
+            <a:r>
+              <a:rPr lang="tr-TR" dirty="0"/>
+              <a:t>(</a:t>
+            </a:r>
+            <a:r>
+              <a:rPr lang="tr-TR" dirty="0" err="1"/>
+              <a:t>dpga</a:t>
+            </a:r>
+            <a:r>
+              <a:rPr lang="tr-TR" dirty="0"/>
+              <a:t>),” in 2019 2nd International Conference on </a:t>
+            </a:r>
+            <a:r>
+              <a:rPr lang="tr-TR" dirty="0" err="1"/>
+              <a:t>Communication</a:t>
+            </a:r>
+            <a:r>
+              <a:rPr lang="tr-TR" dirty="0"/>
+              <a:t>, Com-</a:t>
+            </a:r>
+            <a:br>
+              <a:rPr lang="tr-TR" dirty="0"/>
+            </a:br>
+            <a:r>
+              <a:rPr lang="tr-TR" dirty="0" err="1"/>
+              <a:t>puting</a:t>
+            </a:r>
+            <a:r>
+              <a:rPr lang="tr-TR" dirty="0"/>
+              <a:t> </a:t>
+            </a:r>
+            <a:r>
+              <a:rPr lang="tr-TR" dirty="0" err="1"/>
+              <a:t>and</a:t>
+            </a:r>
+            <a:r>
+              <a:rPr lang="tr-TR" dirty="0"/>
+              <a:t> </a:t>
+            </a:r>
+            <a:r>
+              <a:rPr lang="tr-TR" dirty="0" err="1"/>
+              <a:t>Digital</a:t>
+            </a:r>
+            <a:r>
+              <a:rPr lang="tr-TR" dirty="0"/>
+              <a:t> </a:t>
+            </a:r>
+            <a:r>
+              <a:rPr lang="tr-TR" dirty="0" err="1"/>
+              <a:t>systems</a:t>
+            </a:r>
+            <a:r>
+              <a:rPr lang="tr-TR" dirty="0"/>
+              <a:t> (C-CODE). IEEE, 2019, </a:t>
+            </a:r>
+            <a:r>
+              <a:rPr lang="tr-TR" dirty="0" err="1"/>
+              <a:t>pp</a:t>
+            </a:r>
+            <a:r>
+              <a:rPr lang="tr-TR" dirty="0"/>
+              <a:t>. 149–153.</a:t>
+            </a:r>
+            <a:br>
+              <a:rPr lang="tr-TR" dirty="0"/>
+            </a:br>
+            <a:r>
+              <a:rPr lang="tr-TR" dirty="0"/>
+              <a:t>[4] W. </a:t>
+            </a:r>
+            <a:r>
+              <a:rPr lang="tr-TR" dirty="0" err="1"/>
+              <a:t>Koch</a:t>
+            </a:r>
+            <a:r>
+              <a:rPr lang="tr-TR" dirty="0"/>
+              <a:t>, R. </a:t>
+            </a:r>
+            <a:r>
+              <a:rPr lang="tr-TR" dirty="0" err="1"/>
+              <a:t>Mancuso</a:t>
+            </a:r>
+            <a:r>
+              <a:rPr lang="tr-TR" dirty="0"/>
+              <a:t>, R. West, </a:t>
+            </a:r>
+            <a:r>
+              <a:rPr lang="tr-TR" dirty="0" err="1"/>
+              <a:t>and</a:t>
+            </a:r>
+            <a:r>
+              <a:rPr lang="tr-TR" dirty="0"/>
+              <a:t> A. </a:t>
+            </a:r>
+            <a:r>
+              <a:rPr lang="tr-TR" dirty="0" err="1"/>
+              <a:t>Bestavros</a:t>
+            </a:r>
+            <a:r>
+              <a:rPr lang="tr-TR" dirty="0"/>
+              <a:t>, “</a:t>
+            </a:r>
+            <a:r>
+              <a:rPr lang="tr-TR" dirty="0" err="1"/>
+              <a:t>Reinforcement</a:t>
+            </a:r>
+            <a:br>
+              <a:rPr lang="tr-TR" dirty="0"/>
+            </a:br>
+            <a:r>
+              <a:rPr lang="tr-TR" dirty="0" err="1"/>
+              <a:t>learning</a:t>
+            </a:r>
+            <a:r>
+              <a:rPr lang="tr-TR" dirty="0"/>
+              <a:t> </a:t>
+            </a:r>
+            <a:r>
+              <a:rPr lang="tr-TR" dirty="0" err="1"/>
+              <a:t>for</a:t>
+            </a:r>
+            <a:r>
+              <a:rPr lang="tr-TR" dirty="0"/>
+              <a:t> </a:t>
+            </a:r>
+            <a:r>
+              <a:rPr lang="tr-TR" dirty="0" err="1"/>
+              <a:t>uav</a:t>
+            </a:r>
+            <a:r>
+              <a:rPr lang="tr-TR" dirty="0"/>
+              <a:t> </a:t>
+            </a:r>
+            <a:r>
+              <a:rPr lang="tr-TR" dirty="0" err="1"/>
+              <a:t>attitude</a:t>
+            </a:r>
+            <a:r>
+              <a:rPr lang="tr-TR" dirty="0"/>
+              <a:t> </a:t>
+            </a:r>
+            <a:r>
+              <a:rPr lang="tr-TR" dirty="0" err="1"/>
+              <a:t>control</a:t>
+            </a:r>
+            <a:r>
+              <a:rPr lang="tr-TR" dirty="0"/>
+              <a:t>,” ACM </a:t>
+            </a:r>
+            <a:r>
+              <a:rPr lang="tr-TR" dirty="0" err="1"/>
+              <a:t>Transactions</a:t>
+            </a:r>
+            <a:r>
+              <a:rPr lang="tr-TR" dirty="0"/>
+              <a:t> on </a:t>
+            </a:r>
+            <a:r>
+              <a:rPr lang="tr-TR" dirty="0" err="1"/>
+              <a:t>Cyber-Physical</a:t>
+            </a:r>
+            <a:br>
+              <a:rPr lang="tr-TR" dirty="0"/>
+            </a:br>
+            <a:r>
+              <a:rPr lang="tr-TR" dirty="0" err="1"/>
+              <a:t>Systems</a:t>
+            </a:r>
+            <a:r>
+              <a:rPr lang="tr-TR" dirty="0"/>
+              <a:t>, </a:t>
+            </a:r>
+            <a:r>
+              <a:rPr lang="tr-TR" dirty="0" err="1"/>
+              <a:t>vol</a:t>
+            </a:r>
+            <a:r>
+              <a:rPr lang="tr-TR" dirty="0"/>
+              <a:t>. 3, </a:t>
+            </a:r>
+            <a:r>
+              <a:rPr lang="tr-TR" dirty="0" err="1"/>
+              <a:t>no</a:t>
+            </a:r>
+            <a:r>
+              <a:rPr lang="tr-TR" dirty="0"/>
+              <a:t>. 2, </a:t>
+            </a:r>
+            <a:r>
+              <a:rPr lang="tr-TR" dirty="0" err="1"/>
+              <a:t>pp</a:t>
+            </a:r>
+            <a:r>
+              <a:rPr lang="tr-TR" dirty="0"/>
+              <a:t>. 1–21, 2019.</a:t>
+            </a:r>
+            <a:br>
+              <a:rPr lang="tr-TR" dirty="0"/>
+            </a:br>
+            <a:r>
+              <a:rPr lang="tr-TR" dirty="0"/>
+              <a:t>[5] Y. </a:t>
+            </a:r>
+            <a:r>
+              <a:rPr lang="tr-TR" dirty="0" err="1"/>
+              <a:t>Zhen</a:t>
+            </a:r>
+            <a:r>
+              <a:rPr lang="tr-TR" dirty="0"/>
+              <a:t>, M. </a:t>
+            </a:r>
+            <a:r>
+              <a:rPr lang="tr-TR" dirty="0" err="1"/>
+              <a:t>Hao</a:t>
+            </a:r>
+            <a:r>
+              <a:rPr lang="tr-TR" dirty="0"/>
+              <a:t>, </a:t>
+            </a:r>
+            <a:r>
+              <a:rPr lang="tr-TR" dirty="0" err="1"/>
+              <a:t>and</a:t>
+            </a:r>
+            <a:r>
+              <a:rPr lang="tr-TR" dirty="0"/>
+              <a:t> W. Sun, “</a:t>
+            </a:r>
+            <a:r>
+              <a:rPr lang="tr-TR" dirty="0" err="1"/>
+              <a:t>Deep</a:t>
+            </a:r>
+            <a:r>
+              <a:rPr lang="tr-TR" dirty="0"/>
+              <a:t> </a:t>
+            </a:r>
+            <a:r>
+              <a:rPr lang="tr-TR" dirty="0" err="1"/>
+              <a:t>reinforcement</a:t>
+            </a:r>
+            <a:r>
+              <a:rPr lang="tr-TR" dirty="0"/>
+              <a:t> </a:t>
+            </a:r>
+            <a:r>
+              <a:rPr lang="tr-TR" dirty="0" err="1"/>
+              <a:t>learning</a:t>
+            </a:r>
+            <a:r>
+              <a:rPr lang="tr-TR" dirty="0"/>
+              <a:t> </a:t>
+            </a:r>
+            <a:r>
+              <a:rPr lang="tr-TR" dirty="0" err="1"/>
+              <a:t>attitude</a:t>
+            </a:r>
+            <a:br>
+              <a:rPr lang="tr-TR" dirty="0"/>
+            </a:br>
+            <a:r>
+              <a:rPr lang="tr-TR" dirty="0" err="1"/>
+              <a:t>control</a:t>
+            </a:r>
+            <a:r>
+              <a:rPr lang="tr-TR" dirty="0"/>
+              <a:t> of </a:t>
+            </a:r>
+            <a:r>
+              <a:rPr lang="tr-TR" dirty="0" err="1"/>
+              <a:t>fixed-wing</a:t>
+            </a:r>
+            <a:r>
+              <a:rPr lang="tr-TR" dirty="0"/>
+              <a:t> </a:t>
+            </a:r>
+            <a:r>
+              <a:rPr lang="tr-TR" dirty="0" err="1"/>
+              <a:t>uavs</a:t>
+            </a:r>
+            <a:r>
+              <a:rPr lang="tr-TR" dirty="0"/>
+              <a:t>,” in 2020 3rd International Conference on</a:t>
+            </a:r>
+            <a:br>
+              <a:rPr lang="tr-TR" dirty="0"/>
+            </a:br>
+            <a:r>
+              <a:rPr lang="tr-TR" dirty="0" err="1"/>
+              <a:t>Unmanned</a:t>
+            </a:r>
+            <a:r>
+              <a:rPr lang="tr-TR" dirty="0"/>
+              <a:t> </a:t>
+            </a:r>
+            <a:r>
+              <a:rPr lang="tr-TR" dirty="0" err="1"/>
+              <a:t>Systems</a:t>
+            </a:r>
+            <a:r>
+              <a:rPr lang="tr-TR" dirty="0"/>
+              <a:t> (ICUS). IEEE, 2020, </a:t>
+            </a:r>
+            <a:r>
+              <a:rPr lang="tr-TR" dirty="0" err="1"/>
+              <a:t>pp</a:t>
+            </a:r>
+            <a:r>
+              <a:rPr lang="tr-TR" dirty="0"/>
+              <a:t>. 239–244.</a:t>
+            </a:r>
+          </a:p>
+          <a:p>
+            <a:br>
+              <a:rPr lang="tr-TR" b="0" i="0" dirty="0">
+                <a:solidFill>
+                  <a:srgbClr val="495365"/>
+                </a:solidFill>
+                <a:effectLst/>
+                <a:latin typeface="+mn-lt"/>
+              </a:rPr>
+            </a:br>
+            <a:endParaRPr lang="tr-TR" b="0" i="0" dirty="0">
               <a:solidFill>
-                <a:schemeClr val="dk1"/>
+                <a:srgbClr val="495365"/>
               </a:solidFill>
-              <a:latin typeface="+mj-lt"/>
+              <a:effectLst/>
+              <a:latin typeface="+mn-lt"/>
             </a:endParaRPr>
           </a:p>
           <a:p>
-            <a:pPr marL="941832" marR="0" lvl="1" indent="-342900" algn="just" rtl="0">
-              <a:lnSpc>
-                <a:spcPct val="110000"/>
-              </a:lnSpc>
-              <a:spcBef>
-                <a:spcPts val="600"/>
-              </a:spcBef>
-              <a:spcAft>
-                <a:spcPts val="0"/>
-              </a:spcAft>
-              <a:buClr>
-                <a:schemeClr val="accent1"/>
-              </a:buClr>
-              <a:buSzPct val="119999"/>
-              <a:buFont typeface="Arial" panose="020B0604020202020204" pitchFamily="34" charset="0"/>
-              <a:buChar char="•"/>
-            </a:pPr>
-            <a:endParaRPr lang="tr-TR" sz="2400" dirty="0">
-              <a:solidFill>
-                <a:schemeClr val="dk1"/>
-              </a:solidFill>
-              <a:latin typeface="+mj-lt"/>
-            </a:endParaRPr>
-          </a:p>
-          <a:p>
-            <a:pPr marL="941832" marR="0" lvl="1" indent="-342900" algn="just" rtl="0">
-              <a:lnSpc>
-                <a:spcPct val="110000"/>
-              </a:lnSpc>
-              <a:spcBef>
-                <a:spcPts val="600"/>
-              </a:spcBef>
-              <a:spcAft>
-                <a:spcPts val="0"/>
-              </a:spcAft>
-              <a:buClr>
-                <a:schemeClr val="accent1"/>
-              </a:buClr>
-              <a:buSzPct val="119999"/>
-              <a:buFont typeface="Arial" panose="020B0604020202020204" pitchFamily="34" charset="0"/>
-              <a:buChar char="•"/>
-            </a:pPr>
-            <a:endParaRPr sz="2400" b="0" i="0" u="none" strike="noStrike" cap="none" dirty="0">
-              <a:solidFill>
-                <a:schemeClr val="dk1"/>
-              </a:solidFill>
-              <a:latin typeface="+mj-lt"/>
-              <a:ea typeface="Arial"/>
-              <a:cs typeface="Arial"/>
-              <a:sym typeface="Arial"/>
-            </a:endParaRPr>
+            <a:r>
+              <a:rPr lang="tr-TR" dirty="0"/>
+              <a:t>[6] </a:t>
+            </a:r>
+            <a:r>
+              <a:rPr lang="en-US" dirty="0"/>
+              <a:t>Reinforcement Learning Toolbox Documentation (mathworks.com)</a:t>
+            </a:r>
+            <a:endParaRPr dirty="0"/>
           </a:p>
         </p:txBody>
       </p:sp>
     </p:spTree>
     <p:extLst>
       <p:ext uri="{BB962C8B-B14F-4D97-AF65-F5344CB8AC3E}">
-        <p14:creationId xmlns:p14="http://schemas.microsoft.com/office/powerpoint/2010/main" val="1859997741"/>
+        <p14:creationId xmlns:p14="http://schemas.microsoft.com/office/powerpoint/2010/main" val="3734623483"/>
       </p:ext>
     </p:extLst>
   </p:cSld>
@@ -18023,10 +21112,6 @@
               <a:rPr lang="tr-TR" dirty="0"/>
               <a:t> </a:t>
             </a:r>
-            <a:r>
-              <a:rPr lang="tr-TR" dirty="0" err="1"/>
-              <a:t>References</a:t>
-            </a:r>
             <a:endParaRPr lang="en-US" dirty="0"/>
           </a:p>
         </p:txBody>
@@ -18174,344 +21259,6 @@
             <a:fld id="{00000000-1234-1234-1234-123412341234}" type="slidenum">
               <a:rPr lang="en-US"/>
               <a:t>22</a:t>
-            </a:fld>
-            <a:endParaRPr/>
-          </a:p>
-        </p:txBody>
-      </p:sp>
-      <p:sp>
-        <p:nvSpPr>
-          <p:cNvPr id="344" name="Google Shape;344;p26"/>
-          <p:cNvSpPr txBox="1"/>
-          <p:nvPr/>
-        </p:nvSpPr>
-        <p:spPr>
-          <a:xfrm>
-            <a:off x="1073247" y="1201213"/>
-            <a:ext cx="10045505" cy="5083277"/>
-          </a:xfrm>
-          <a:prstGeom prst="rect">
-            <a:avLst/>
-          </a:prstGeom>
-          <a:noFill/>
-          <a:ln>
-            <a:noFill/>
-          </a:ln>
-        </p:spPr>
-        <p:txBody>
-          <a:bodyPr spcFirstLastPara="1" wrap="square" lIns="91425" tIns="45700" rIns="91425" bIns="45700" anchor="t" anchorCtr="0">
-            <a:normAutofit/>
-          </a:bodyPr>
-          <a:lstStyle/>
-          <a:p>
-            <a:pPr marL="941832" marR="0" lvl="1" indent="-342900" algn="just" rtl="0">
-              <a:lnSpc>
-                <a:spcPct val="110000"/>
-              </a:lnSpc>
-              <a:spcBef>
-                <a:spcPts val="600"/>
-              </a:spcBef>
-              <a:spcAft>
-                <a:spcPts val="0"/>
-              </a:spcAft>
-              <a:buClr>
-                <a:schemeClr val="accent1"/>
-              </a:buClr>
-              <a:buSzPct val="119999"/>
-              <a:buFont typeface="Arial" panose="020B0604020202020204" pitchFamily="34" charset="0"/>
-              <a:buChar char="•"/>
-            </a:pPr>
-            <a:endParaRPr lang="tr-TR" sz="2400" dirty="0">
-              <a:solidFill>
-                <a:schemeClr val="dk1"/>
-              </a:solidFill>
-              <a:latin typeface="+mj-lt"/>
-            </a:endParaRPr>
-          </a:p>
-          <a:p>
-            <a:pPr marL="941832" marR="0" lvl="1" indent="-342900" algn="just" rtl="0">
-              <a:lnSpc>
-                <a:spcPct val="110000"/>
-              </a:lnSpc>
-              <a:spcBef>
-                <a:spcPts val="600"/>
-              </a:spcBef>
-              <a:spcAft>
-                <a:spcPts val="0"/>
-              </a:spcAft>
-              <a:buClr>
-                <a:schemeClr val="accent1"/>
-              </a:buClr>
-              <a:buSzPct val="119999"/>
-              <a:buFont typeface="Arial" panose="020B0604020202020204" pitchFamily="34" charset="0"/>
-              <a:buChar char="•"/>
-            </a:pPr>
-            <a:endParaRPr lang="tr-TR" sz="2400" dirty="0">
-              <a:solidFill>
-                <a:schemeClr val="dk1"/>
-              </a:solidFill>
-              <a:latin typeface="+mj-lt"/>
-            </a:endParaRPr>
-          </a:p>
-          <a:p>
-            <a:pPr marL="941832" marR="0" lvl="1" indent="-342900" algn="just" rtl="0">
-              <a:lnSpc>
-                <a:spcPct val="110000"/>
-              </a:lnSpc>
-              <a:spcBef>
-                <a:spcPts val="600"/>
-              </a:spcBef>
-              <a:spcAft>
-                <a:spcPts val="0"/>
-              </a:spcAft>
-              <a:buClr>
-                <a:schemeClr val="accent1"/>
-              </a:buClr>
-              <a:buSzPct val="119999"/>
-              <a:buFont typeface="Arial" panose="020B0604020202020204" pitchFamily="34" charset="0"/>
-              <a:buChar char="•"/>
-            </a:pPr>
-            <a:endParaRPr sz="2400" b="0" i="0" u="none" strike="noStrike" cap="none" dirty="0">
-              <a:solidFill>
-                <a:schemeClr val="dk1"/>
-              </a:solidFill>
-              <a:latin typeface="+mj-lt"/>
-              <a:ea typeface="Arial"/>
-              <a:cs typeface="Arial"/>
-              <a:sym typeface="Arial"/>
-            </a:endParaRPr>
-          </a:p>
-        </p:txBody>
-      </p:sp>
-    </p:spTree>
-    <p:extLst>
-      <p:ext uri="{BB962C8B-B14F-4D97-AF65-F5344CB8AC3E}">
-        <p14:creationId xmlns:p14="http://schemas.microsoft.com/office/powerpoint/2010/main" val="3734623483"/>
-      </p:ext>
-    </p:extLst>
-  </p:cSld>
-  <p:clrMapOvr>
-    <a:masterClrMapping/>
-  </p:clrMapOvr>
-</p:sld>
-</file>
-
-<file path=ppt/slides/slide23.xml><?xml version="1.0" encoding="utf-8"?>
-<p:sld xmlns:a="http://schemas.openxmlformats.org/drawingml/2006/main" xmlns:r="http://schemas.openxmlformats.org/officeDocument/2006/relationships" xmlns:p="http://schemas.openxmlformats.org/presentationml/2006/main">
-  <p:cSld>
-    <p:spTree>
-      <p:nvGrpSpPr>
-        <p:cNvPr id="1" name="Shape 339"/>
-        <p:cNvGrpSpPr/>
-        <p:nvPr/>
-      </p:nvGrpSpPr>
-      <p:grpSpPr>
-        <a:xfrm>
-          <a:off x="0" y="0"/>
-          <a:ext cx="0" cy="0"/>
-          <a:chOff x="0" y="0"/>
-          <a:chExt cx="0" cy="0"/>
-        </a:xfrm>
-      </p:grpSpPr>
-      <p:sp>
-        <p:nvSpPr>
-          <p:cNvPr id="340" name="Google Shape;340;p26"/>
-          <p:cNvSpPr txBox="1">
-            <a:spLocks noGrp="1"/>
-          </p:cNvSpPr>
-          <p:nvPr>
-            <p:ph type="title"/>
-          </p:nvPr>
-        </p:nvSpPr>
-        <p:spPr>
-          <a:xfrm>
-            <a:off x="0" y="0"/>
-            <a:ext cx="12192000" cy="907525"/>
-          </a:xfrm>
-          <a:prstGeom prst="rect">
-            <a:avLst/>
-          </a:prstGeom>
-          <a:solidFill>
-            <a:schemeClr val="accent1"/>
-          </a:solidFill>
-          <a:ln>
-            <a:noFill/>
-          </a:ln>
-        </p:spPr>
-        <p:txBody>
-          <a:bodyPr spcFirstLastPara="1" wrap="square" lIns="91425" tIns="274300" rIns="91425" bIns="45700" anchor="ctr" anchorCtr="0">
-            <a:normAutofit fontScale="90000"/>
-          </a:bodyPr>
-          <a:lstStyle/>
-          <a:p>
-            <a:pPr marL="0" lvl="0" indent="0" algn="l" rtl="0">
-              <a:lnSpc>
-                <a:spcPct val="90000"/>
-              </a:lnSpc>
-              <a:spcBef>
-                <a:spcPts val="0"/>
-              </a:spcBef>
-              <a:spcAft>
-                <a:spcPts val="0"/>
-              </a:spcAft>
-              <a:buClr>
-                <a:schemeClr val="lt1"/>
-              </a:buClr>
-              <a:buSzPct val="100000"/>
-              <a:buFont typeface="Arial"/>
-              <a:buNone/>
-            </a:pPr>
-            <a:r>
-              <a:rPr lang="tr-TR" dirty="0"/>
-              <a:t> </a:t>
-            </a:r>
-            <a:endParaRPr lang="en-US" dirty="0"/>
-          </a:p>
-        </p:txBody>
-      </p:sp>
-      <p:sp>
-        <p:nvSpPr>
-          <p:cNvPr id="341" name="Google Shape;341;p26"/>
-          <p:cNvSpPr txBox="1">
-            <a:spLocks noGrp="1"/>
-          </p:cNvSpPr>
-          <p:nvPr>
-            <p:ph type="dt" idx="10"/>
-          </p:nvPr>
-        </p:nvSpPr>
-        <p:spPr>
-          <a:xfrm>
-            <a:off x="6096000" y="6568457"/>
-            <a:ext cx="2743200" cy="289543"/>
-          </a:xfrm>
-          <a:prstGeom prst="rect">
-            <a:avLst/>
-          </a:prstGeom>
-          <a:solidFill>
-            <a:schemeClr val="accent1"/>
-          </a:solidFill>
-          <a:ln>
-            <a:noFill/>
-          </a:ln>
-        </p:spPr>
-        <p:txBody>
-          <a:bodyPr spcFirstLastPara="1" wrap="square" lIns="91425" tIns="45700" rIns="91425" bIns="45700" anchor="ctr" anchorCtr="0">
-            <a:noAutofit/>
-          </a:bodyPr>
-          <a:lstStyle/>
-          <a:p>
-            <a:pPr marL="0" lvl="0" indent="0" algn="l" rtl="0">
-              <a:spcBef>
-                <a:spcPts val="0"/>
-              </a:spcBef>
-              <a:spcAft>
-                <a:spcPts val="0"/>
-              </a:spcAft>
-              <a:buNone/>
-            </a:pPr>
-            <a:r>
-              <a:rPr lang="tr-TR"/>
-              <a:t>Jun 7, 2024</a:t>
-            </a:r>
-            <a:endParaRPr dirty="0"/>
-          </a:p>
-        </p:txBody>
-      </p:sp>
-      <p:sp>
-        <p:nvSpPr>
-          <p:cNvPr id="342" name="Google Shape;342;p26"/>
-          <p:cNvSpPr txBox="1">
-            <a:spLocks noGrp="1"/>
-          </p:cNvSpPr>
-          <p:nvPr>
-            <p:ph type="ftr" idx="11"/>
-          </p:nvPr>
-        </p:nvSpPr>
-        <p:spPr>
-          <a:xfrm>
-            <a:off x="0" y="6568457"/>
-            <a:ext cx="6096000" cy="289543"/>
-          </a:xfrm>
-          <a:prstGeom prst="rect">
-            <a:avLst/>
-          </a:prstGeom>
-          <a:solidFill>
-            <a:schemeClr val="dk1"/>
-          </a:solidFill>
-          <a:ln>
-            <a:noFill/>
-          </a:ln>
-        </p:spPr>
-        <p:txBody>
-          <a:bodyPr spcFirstLastPara="1" wrap="square" lIns="91425" tIns="45700" rIns="91425" bIns="45700" anchor="ctr" anchorCtr="0">
-            <a:noAutofit/>
-          </a:bodyPr>
-          <a:lstStyle/>
-          <a:p>
-            <a:pPr marL="0" lvl="0" indent="0" algn="r" rtl="0">
-              <a:spcBef>
-                <a:spcPts val="0"/>
-              </a:spcBef>
-              <a:spcAft>
-                <a:spcPts val="0"/>
-              </a:spcAft>
-              <a:buNone/>
-            </a:pPr>
-            <a:r>
-              <a:rPr lang="en-US" dirty="0"/>
-              <a:t>CMP-620 Reinforcement Learning – Project Pro</a:t>
-            </a:r>
-            <a:r>
-              <a:rPr lang="tr-TR" dirty="0" err="1"/>
-              <a:t>gress</a:t>
-            </a:r>
-            <a:endParaRPr dirty="0"/>
-          </a:p>
-        </p:txBody>
-      </p:sp>
-      <p:sp>
-        <p:nvSpPr>
-          <p:cNvPr id="343" name="Google Shape;343;p26"/>
-          <p:cNvSpPr txBox="1">
-            <a:spLocks noGrp="1"/>
-          </p:cNvSpPr>
-          <p:nvPr>
-            <p:ph type="sldNum" idx="12"/>
-          </p:nvPr>
-        </p:nvSpPr>
-        <p:spPr>
-          <a:xfrm>
-            <a:off x="8839200" y="6568457"/>
-            <a:ext cx="3352800" cy="289543"/>
-          </a:xfrm>
-          <a:prstGeom prst="rect">
-            <a:avLst/>
-          </a:prstGeom>
-          <a:solidFill>
-            <a:schemeClr val="accent1"/>
-          </a:solidFill>
-          <a:ln>
-            <a:noFill/>
-          </a:ln>
-        </p:spPr>
-        <p:txBody>
-          <a:bodyPr spcFirstLastPara="1" wrap="square" lIns="91425" tIns="45700" rIns="91425" bIns="45700" anchor="ctr" anchorCtr="0">
-            <a:noAutofit/>
-          </a:bodyPr>
-          <a:lstStyle/>
-          <a:p>
-            <a:pPr marL="0" lvl="0" indent="0" algn="r" rtl="0">
-              <a:spcBef>
-                <a:spcPts val="0"/>
-              </a:spcBef>
-              <a:spcAft>
-                <a:spcPts val="0"/>
-              </a:spcAft>
-              <a:buNone/>
-            </a:pPr>
-            <a:fld id="{00000000-1234-1234-1234-123412341234}" type="slidenum">
-              <a:rPr lang="en-US"/>
-              <a:t>23</a:t>
             </a:fld>
             <a:endParaRPr/>
           </a:p>
@@ -18696,16 +21443,12 @@
               <a:buNone/>
             </a:pPr>
             <a:r>
+              <a:rPr lang="tr-TR" dirty="0"/>
+              <a:t>PID </a:t>
+            </a:r>
+            <a:r>
               <a:rPr lang="tr-TR" dirty="0" err="1"/>
-              <a:t>Quadcopter</a:t>
-            </a:r>
-            <a:r>
-              <a:rPr lang="tr-TR" dirty="0"/>
-              <a:t> </a:t>
-            </a:r>
-            <a:r>
-              <a:rPr lang="tr-TR" dirty="0" err="1"/>
-              <a:t>Overview</a:t>
+              <a:t>Algorithms</a:t>
             </a:r>
             <a:endParaRPr lang="en-US" dirty="0"/>
           </a:p>
@@ -18884,32 +21627,34 @@
           </a:bodyPr>
           <a:lstStyle/>
           <a:p>
-            <a:pPr marL="941832" marR="0" lvl="1" indent="-342900" algn="just" rtl="0">
+            <a:pPr marL="228600" lvl="0" indent="-228600" algn="l" rtl="0">
               <a:lnSpc>
                 <a:spcPct val="110000"/>
               </a:lnSpc>
               <a:spcBef>
-                <a:spcPts val="600"/>
-              </a:spcBef>
-              <a:spcAft>
-                <a:spcPts val="0"/>
-              </a:spcAft>
-              <a:buClr>
-                <a:schemeClr val="accent1"/>
-              </a:buClr>
-              <a:buSzPct val="119999"/>
-              <a:buFont typeface="Arial" panose="020B0604020202020204" pitchFamily="34" charset="0"/>
+                <a:spcPts val="0"/>
+              </a:spcBef>
+              <a:spcAft>
+                <a:spcPts val="0"/>
+              </a:spcAft>
+              <a:buSzPts val="3360"/>
               <a:buChar char="•"/>
             </a:pPr>
-            <a:endParaRPr lang="tr-TR" sz="2400" dirty="0">
-              <a:solidFill>
-                <a:schemeClr val="dk1"/>
-              </a:solidFill>
+            <a:r>
+              <a:rPr lang="en-US" sz="2400" dirty="0">
+                <a:latin typeface="+mj-lt"/>
+                <a:ea typeface="Calibri"/>
+                <a:cs typeface="Calibri"/>
+                <a:sym typeface="Calibri"/>
+              </a:rPr>
+              <a:t>Limitations in Varying Environments</a:t>
+            </a:r>
+            <a:endParaRPr lang="en-US" sz="2400" dirty="0">
               <a:latin typeface="+mj-lt"/>
             </a:endParaRPr>
           </a:p>
           <a:p>
-            <a:pPr marL="941832" marR="0" lvl="1" indent="-342900" algn="just" rtl="0">
+            <a:pPr marL="685800" lvl="1" indent="-228600" algn="just" rtl="0">
               <a:lnSpc>
                 <a:spcPct val="110000"/>
               </a:lnSpc>
@@ -18919,84 +21664,133 @@
               <a:spcAft>
                 <a:spcPts val="0"/>
               </a:spcAft>
-              <a:buClr>
-                <a:schemeClr val="accent1"/>
-              </a:buClr>
-              <a:buSzPct val="119999"/>
-              <a:buFont typeface="Arial" panose="020B0604020202020204" pitchFamily="34" charset="0"/>
+              <a:buSzPts val="2880"/>
               <a:buChar char="•"/>
             </a:pPr>
-            <a:endParaRPr lang="tr-TR" sz="2400" dirty="0">
-              <a:solidFill>
-                <a:schemeClr val="dk1"/>
-              </a:solidFill>
+            <a:r>
+              <a:rPr lang="en-US" sz="2400" dirty="0">
+                <a:latin typeface="+mj-lt"/>
+                <a:ea typeface="Calibri"/>
+                <a:cs typeface="Calibri"/>
+                <a:sym typeface="Calibri"/>
+              </a:rPr>
+              <a:t>PID controllers struggle with unknown dynamics such as wind and voltage sag.</a:t>
+            </a:r>
+            <a:endParaRPr lang="en-US" sz="2400" dirty="0">
               <a:latin typeface="+mj-lt"/>
             </a:endParaRPr>
           </a:p>
           <a:p>
-            <a:pPr marL="941832" marR="0" lvl="1" indent="-342900" algn="just" rtl="0">
+            <a:pPr marL="228600" lvl="0" indent="-228600" algn="l" rtl="0">
               <a:lnSpc>
                 <a:spcPct val="110000"/>
               </a:lnSpc>
               <a:spcBef>
-                <a:spcPts val="600"/>
-              </a:spcBef>
-              <a:spcAft>
-                <a:spcPts val="0"/>
-              </a:spcAft>
-              <a:buClr>
-                <a:schemeClr val="accent1"/>
-              </a:buClr>
-              <a:buSzPct val="119999"/>
-              <a:buFont typeface="Arial" panose="020B0604020202020204" pitchFamily="34" charset="0"/>
+                <a:spcPts val="1000"/>
+              </a:spcBef>
+              <a:spcAft>
+                <a:spcPts val="0"/>
+              </a:spcAft>
+              <a:buSzPts val="3360"/>
               <a:buChar char="•"/>
             </a:pPr>
-            <a:endParaRPr sz="2400" b="0" i="0" u="none" strike="noStrike" cap="none" dirty="0">
-              <a:solidFill>
-                <a:schemeClr val="dk1"/>
-              </a:solidFill>
+            <a:r>
+              <a:rPr lang="en-US" sz="2400" dirty="0">
+                <a:latin typeface="+mj-lt"/>
+                <a:ea typeface="Calibri"/>
+                <a:cs typeface="Calibri"/>
+                <a:sym typeface="Calibri"/>
+              </a:rPr>
+              <a:t>Adaptability Requirement</a:t>
+            </a:r>
+            <a:endParaRPr lang="en-US" sz="2400" dirty="0">
               <a:latin typeface="+mj-lt"/>
-              <a:ea typeface="Arial"/>
-              <a:cs typeface="Arial"/>
-              <a:sym typeface="Arial"/>
+            </a:endParaRPr>
+          </a:p>
+          <a:p>
+            <a:pPr marL="685800" lvl="1" indent="-228600" algn="just" rtl="0">
+              <a:lnSpc>
+                <a:spcPct val="110000"/>
+              </a:lnSpc>
+              <a:spcBef>
+                <a:spcPts val="600"/>
+              </a:spcBef>
+              <a:spcAft>
+                <a:spcPts val="0"/>
+              </a:spcAft>
+              <a:buSzPts val="2880"/>
+              <a:buChar char="•"/>
+            </a:pPr>
+            <a:r>
+              <a:rPr lang="en-US" sz="2400" dirty="0">
+                <a:latin typeface="+mj-lt"/>
+                <a:ea typeface="Calibri"/>
+                <a:cs typeface="Calibri"/>
+                <a:sym typeface="Calibri"/>
+              </a:rPr>
+              <a:t>Next-gen systems need to adapt to mutable dynamics and varying environments.</a:t>
+            </a:r>
+          </a:p>
+          <a:p>
+            <a:pPr marL="228600" lvl="0" indent="-228600" algn="l" rtl="0">
+              <a:lnSpc>
+                <a:spcPct val="110000"/>
+              </a:lnSpc>
+              <a:spcBef>
+                <a:spcPts val="1000"/>
+              </a:spcBef>
+              <a:spcAft>
+                <a:spcPts val="0"/>
+              </a:spcAft>
+              <a:buSzPts val="3360"/>
+              <a:buChar char="•"/>
+            </a:pPr>
+            <a:r>
+              <a:rPr lang="en-US" sz="2400" dirty="0">
+                <a:latin typeface="+mj-lt"/>
+                <a:ea typeface="Calibri"/>
+                <a:cs typeface="Calibri"/>
+                <a:sym typeface="Calibri"/>
+              </a:rPr>
+              <a:t>Performance in Stable Environments</a:t>
+            </a:r>
+            <a:endParaRPr lang="en-US" sz="2400" dirty="0">
+              <a:latin typeface="+mj-lt"/>
+            </a:endParaRPr>
+          </a:p>
+          <a:p>
+            <a:pPr marL="685800" lvl="1" indent="-228600" algn="just" rtl="0">
+              <a:lnSpc>
+                <a:spcPct val="110000"/>
+              </a:lnSpc>
+              <a:spcBef>
+                <a:spcPts val="600"/>
+              </a:spcBef>
+              <a:spcAft>
+                <a:spcPts val="0"/>
+              </a:spcAft>
+              <a:buSzPts val="2880"/>
+              <a:buChar char="•"/>
+            </a:pPr>
+            <a:r>
+              <a:rPr lang="en-US" sz="2400" dirty="0">
+                <a:latin typeface="+mj-lt"/>
+                <a:ea typeface="Calibri"/>
+                <a:cs typeface="Calibri"/>
+                <a:sym typeface="Calibri"/>
+              </a:rPr>
+              <a:t>PID controllers perform close to ideally in stable conditions.</a:t>
+            </a:r>
+            <a:endParaRPr lang="en-US" sz="2400" dirty="0">
+              <a:latin typeface="+mj-lt"/>
             </a:endParaRPr>
           </a:p>
         </p:txBody>
       </p:sp>
-      <p:pic>
-        <p:nvPicPr>
-          <p:cNvPr id="3" name="Resim 2">
-            <a:extLst>
-              <a:ext uri="{FF2B5EF4-FFF2-40B4-BE49-F238E27FC236}">
-                <a16:creationId xmlns:a16="http://schemas.microsoft.com/office/drawing/2014/main" id="{FDB7D488-A409-AEFF-A7E1-78EACB949528}"/>
-              </a:ext>
-            </a:extLst>
-          </p:cNvPr>
-          <p:cNvPicPr>
-            <a:picLocks noChangeAspect="1"/>
-          </p:cNvPicPr>
-          <p:nvPr/>
-        </p:nvPicPr>
-        <p:blipFill>
-          <a:blip r:embed="rId3"/>
-          <a:stretch>
-            <a:fillRect/>
-          </a:stretch>
-        </p:blipFill>
-        <p:spPr>
-          <a:xfrm>
-            <a:off x="485422" y="907525"/>
-            <a:ext cx="10840786" cy="5400000"/>
-          </a:xfrm>
-          <a:prstGeom prst="rect">
-            <a:avLst/>
-          </a:prstGeom>
-        </p:spPr>
-      </p:pic>
     </p:spTree>
     <p:extLst>
       <p:ext uri="{BB962C8B-B14F-4D97-AF65-F5344CB8AC3E}">
-        <p14:creationId xmlns:p14="http://schemas.microsoft.com/office/powerpoint/2010/main" val="1749683487"/>
+        <p14:creationId xmlns:p14="http://schemas.microsoft.com/office/powerpoint/2010/main" val="2233709521"/>
       </p:ext>
     </p:extLst>
   </p:cSld>
@@ -19072,12 +21866,24 @@
               <a:buNone/>
             </a:pPr>
             <a:r>
+              <a:rPr lang="tr-TR" dirty="0" err="1"/>
+              <a:t>Why</a:t>
+            </a:r>
+            <a:r>
               <a:rPr lang="tr-TR" dirty="0"/>
-              <a:t>PID </a:t>
+              <a:t> RL </a:t>
             </a:r>
             <a:r>
               <a:rPr lang="tr-TR" dirty="0" err="1"/>
               <a:t>Algorithms</a:t>
+            </a:r>
+            <a:r>
+              <a:rPr lang="tr-TR" dirty="0"/>
+              <a:t> </a:t>
+            </a:r>
+            <a:r>
+              <a:rPr lang="tr-TR" dirty="0" err="1"/>
+              <a:t>Used</a:t>
             </a:r>
             <a:endParaRPr lang="en-US" dirty="0"/>
           </a:p>
@@ -19256,34 +22062,41 @@
           </a:bodyPr>
           <a:lstStyle/>
           <a:p>
-            <a:pPr marL="228600" lvl="0" indent="-228600" algn="l" rtl="0">
+            <a:pPr marL="941832" marR="0" lvl="1" indent="-342900" algn="just" rtl="0">
               <a:lnSpc>
                 <a:spcPct val="110000"/>
               </a:lnSpc>
               <a:spcBef>
-                <a:spcPts val="0"/>
-              </a:spcBef>
-              <a:spcAft>
-                <a:spcPts val="0"/>
-              </a:spcAft>
-              <a:buSzPts val="3360"/>
+                <a:spcPts val="600"/>
+              </a:spcBef>
+              <a:spcAft>
+                <a:spcPts val="0"/>
+              </a:spcAft>
+              <a:buClr>
+                <a:schemeClr val="accent1"/>
+              </a:buClr>
+              <a:buSzPct val="119999"/>
+              <a:buFont typeface="Arial" panose="020B0604020202020204" pitchFamily="34" charset="0"/>
               <a:buChar char="•"/>
             </a:pPr>
             <a:r>
-              <a:rPr lang="en-US" sz="2400" dirty="0">
+              <a:rPr lang="tr-TR" sz="2400" dirty="0" err="1">
+                <a:solidFill>
+                  <a:schemeClr val="dk1"/>
+                </a:solidFill>
                 <a:latin typeface="+mj-lt"/>
-                <a:ea typeface="Calibri"/>
-                <a:cs typeface="Calibri"/>
-                <a:sym typeface="Calibri"/>
               </a:rPr>
-              <a:t>Limitations in Varying Environments</a:t>
-            </a:r>
-            <a:endParaRPr lang="en-US" sz="2400" dirty="0">
+              <a:t>Advantages</a:t>
+            </a:r>
+            <a:endParaRPr lang="tr-TR" sz="2400" dirty="0">
+              <a:solidFill>
+                <a:schemeClr val="dk1"/>
+              </a:solidFill>
               <a:latin typeface="+mj-lt"/>
             </a:endParaRPr>
           </a:p>
           <a:p>
-            <a:pPr marL="685800" lvl="1" indent="-228600" algn="just" rtl="0">
+            <a:pPr marL="598932" marR="0" lvl="1" algn="just" rtl="0">
               <a:lnSpc>
                 <a:spcPct val="110000"/>
               </a:lnSpc>
@@ -19293,51 +22106,52 @@
               <a:spcAft>
                 <a:spcPts val="0"/>
               </a:spcAft>
-              <a:buSzPts val="2880"/>
-              <a:buChar char="•"/>
+              <a:buClr>
+                <a:schemeClr val="accent1"/>
+              </a:buClr>
+              <a:buSzPct val="119999"/>
             </a:pPr>
             <a:r>
               <a:rPr lang="en-US" sz="2400" dirty="0">
+                <a:solidFill>
+                  <a:schemeClr val="dk1"/>
+                </a:solidFill>
                 <a:latin typeface="+mj-lt"/>
-                <a:ea typeface="Calibri"/>
-                <a:cs typeface="Calibri"/>
-                <a:sym typeface="Calibri"/>
               </a:rPr>
-              <a:t>PID controllers struggle with unknown dynamics such as wind and voltage sag.</a:t>
-            </a:r>
-            <a:endParaRPr lang="en-US" sz="2400" dirty="0">
+              <a:t>Self-Learning: RL agents learn control strategies through trial and error in a simulated environment, reducing manual tuning.</a:t>
+            </a:r>
+            <a:endParaRPr lang="tr-TR" sz="2400" dirty="0">
+              <a:solidFill>
+                <a:schemeClr val="dk1"/>
+              </a:solidFill>
               <a:latin typeface="+mj-lt"/>
             </a:endParaRPr>
           </a:p>
           <a:p>
-            <a:pPr marL="228600" lvl="0" indent="-228600" algn="l" rtl="0">
+            <a:pPr marL="598932" marR="0" lvl="1" algn="just" rtl="0">
               <a:lnSpc>
                 <a:spcPct val="110000"/>
               </a:lnSpc>
               <a:spcBef>
-                <a:spcPts val="1000"/>
-              </a:spcBef>
-              <a:spcAft>
-                <a:spcPts val="0"/>
-              </a:spcAft>
-              <a:buSzPts val="3360"/>
-              <a:buChar char="•"/>
+                <a:spcPts val="600"/>
+              </a:spcBef>
+              <a:spcAft>
+                <a:spcPts val="0"/>
+              </a:spcAft>
+              <a:buClr>
+                <a:schemeClr val="accent1"/>
+              </a:buClr>
+              <a:buSzPct val="119999"/>
             </a:pPr>
-            <a:r>
-              <a:rPr lang="en-US" sz="2400" dirty="0">
-                <a:latin typeface="+mj-lt"/>
-                <a:ea typeface="Calibri"/>
-                <a:cs typeface="Calibri"/>
-                <a:sym typeface="Calibri"/>
-              </a:rPr>
-              <a:t>Adaptability Requirement</a:t>
-            </a:r>
-            <a:endParaRPr lang="en-US" sz="2400" dirty="0">
+            <a:endParaRPr lang="tr-TR" sz="2400" dirty="0">
+              <a:solidFill>
+                <a:schemeClr val="dk1"/>
+              </a:solidFill>
               <a:latin typeface="+mj-lt"/>
             </a:endParaRPr>
           </a:p>
           <a:p>
-            <a:pPr marL="685800" lvl="1" indent="-228600" algn="just" rtl="0">
+            <a:pPr marL="598932" marR="0" lvl="1" algn="just" rtl="0">
               <a:lnSpc>
                 <a:spcPct val="110000"/>
               </a:lnSpc>
@@ -19347,48 +22161,29 @@
               <a:spcAft>
                 <a:spcPts val="0"/>
               </a:spcAft>
-              <a:buSzPts val="2880"/>
-              <a:buChar char="•"/>
+              <a:buClr>
+                <a:schemeClr val="accent1"/>
+              </a:buClr>
+              <a:buSzPct val="119999"/>
             </a:pPr>
             <a:r>
               <a:rPr lang="en-US" sz="2400" dirty="0">
+                <a:solidFill>
+                  <a:schemeClr val="dk1"/>
+                </a:solidFill>
                 <a:latin typeface="+mj-lt"/>
-                <a:ea typeface="Calibri"/>
-                <a:cs typeface="Calibri"/>
-                <a:sym typeface="Calibri"/>
               </a:rPr>
-              <a:t>Next-gen systems need to adapt to mutable dynamics and varying environments.</a:t>
-            </a:r>
-          </a:p>
-          <a:p>
-            <a:pPr marL="228600" lvl="0" indent="-228600" algn="l" rtl="0">
-              <a:lnSpc>
-                <a:spcPct val="110000"/>
-              </a:lnSpc>
-              <a:spcBef>
-                <a:spcPts val="1000"/>
-              </a:spcBef>
-              <a:spcAft>
-                <a:spcPts val="0"/>
-              </a:spcAft>
-              <a:buSzPts val="3360"/>
-              <a:buChar char="•"/>
-            </a:pPr>
-            <a:r>
-              <a:rPr lang="en-US" sz="2400" dirty="0">
-                <a:latin typeface="+mj-lt"/>
-                <a:ea typeface="Calibri"/>
-                <a:cs typeface="Calibri"/>
-                <a:sym typeface="Calibri"/>
-              </a:rPr>
-              <a:t>Performance in Stable Environments</a:t>
-            </a:r>
-            <a:endParaRPr lang="en-US" sz="2400" dirty="0">
+              <a:t>Adaptability: RL agents can adapt to changing environments and new tasks by continuously learning from experience.</a:t>
+            </a:r>
+            <a:endParaRPr lang="tr-TR" sz="2400" dirty="0">
+              <a:solidFill>
+                <a:schemeClr val="dk1"/>
+              </a:solidFill>
               <a:latin typeface="+mj-lt"/>
             </a:endParaRPr>
           </a:p>
           <a:p>
-            <a:pPr marL="685800" lvl="1" indent="-228600" algn="just" rtl="0">
+            <a:pPr marL="598932" marR="0" lvl="1" algn="just" rtl="0">
               <a:lnSpc>
                 <a:spcPct val="110000"/>
               </a:lnSpc>
@@ -19398,19 +22193,15 @@
               <a:spcAft>
                 <a:spcPts val="0"/>
               </a:spcAft>
-              <a:buSzPts val="2880"/>
-              <a:buChar char="•"/>
+              <a:buClr>
+                <a:schemeClr val="accent1"/>
+              </a:buClr>
+              <a:buSzPct val="119999"/>
             </a:pPr>
-            <a:r>
-              <a:rPr lang="en-US" sz="2400" dirty="0">
-                <a:latin typeface="+mj-lt"/>
-                <a:ea typeface="Calibri"/>
-                <a:cs typeface="Calibri"/>
-                <a:sym typeface="Calibri"/>
-              </a:rPr>
-              <a:t>PID controllers perform close to ideally in stable conditions.</a:t>
-            </a:r>
-            <a:endParaRPr lang="en-US" sz="2400" dirty="0">
+            <a:endParaRPr lang="tr-TR" sz="2400" dirty="0">
+              <a:solidFill>
+                <a:schemeClr val="dk1"/>
+              </a:solidFill>
               <a:latin typeface="+mj-lt"/>
             </a:endParaRPr>
           </a:p>
@@ -19419,7 +22210,7 @@
     </p:spTree>
     <p:extLst>
       <p:ext uri="{BB962C8B-B14F-4D97-AF65-F5344CB8AC3E}">
-        <p14:creationId xmlns:p14="http://schemas.microsoft.com/office/powerpoint/2010/main" val="2233709521"/>
+        <p14:creationId xmlns:p14="http://schemas.microsoft.com/office/powerpoint/2010/main" val="66003827"/>
       </p:ext>
     </p:extLst>
   </p:cSld>
@@ -19495,24 +22286,12 @@
               <a:buNone/>
             </a:pPr>
             <a:r>
-              <a:rPr lang="tr-TR" dirty="0" err="1"/>
-              <a:t>Why</a:t>
-            </a:r>
-            <a:r>
               <a:rPr lang="tr-TR" dirty="0"/>
-              <a:t> RL </a:t>
+              <a:t>Training </a:t>
             </a:r>
             <a:r>
               <a:rPr lang="tr-TR" dirty="0" err="1"/>
               <a:t>Algorithms</a:t>
-            </a:r>
-            <a:r>
-              <a:rPr lang="tr-TR" dirty="0"/>
-              <a:t> </a:t>
-            </a:r>
-            <a:r>
-              <a:rPr lang="tr-TR" dirty="0" err="1"/>
-              <a:t>Used</a:t>
             </a:r>
             <a:endParaRPr lang="en-US" dirty="0"/>
           </a:p>
@@ -19668,14 +22447,97 @@
       </p:sp>
       <p:sp>
         <p:nvSpPr>
-          <p:cNvPr id="344" name="Google Shape;344;p26"/>
+          <p:cNvPr id="2" name="Metin kutusu 1">
+            <a:extLst>
+              <a:ext uri="{FF2B5EF4-FFF2-40B4-BE49-F238E27FC236}">
+                <a16:creationId xmlns:a16="http://schemas.microsoft.com/office/drawing/2014/main" id="{BF9F02A6-1A11-07D5-70A1-2C012FDB3138}"/>
+              </a:ext>
+            </a:extLst>
+          </p:cNvPr>
           <p:cNvSpPr txBox="1"/>
           <p:nvPr/>
         </p:nvSpPr>
         <p:spPr>
           <a:xfrm>
-            <a:off x="1073247" y="1201213"/>
-            <a:ext cx="10045505" cy="5083277"/>
+            <a:off x="-3" y="917246"/>
+            <a:ext cx="9234313" cy="523220"/>
+          </a:xfrm>
+          <a:prstGeom prst="rect">
+            <a:avLst/>
+          </a:prstGeom>
+          <a:noFill/>
+        </p:spPr>
+        <p:txBody>
+          <a:bodyPr wrap="square" rtlCol="0">
+            <a:spAutoFit/>
+          </a:bodyPr>
+          <a:lstStyle/>
+          <a:p>
+            <a:r>
+              <a:rPr lang="tr-TR" sz="2800" dirty="0"/>
+              <a:t>1- </a:t>
+            </a:r>
+            <a:r>
+              <a:rPr lang="tr-TR" sz="2800" dirty="0" err="1"/>
+              <a:t>Deep</a:t>
+            </a:r>
+            <a:r>
+              <a:rPr lang="tr-TR" sz="2800" dirty="0"/>
+              <a:t> </a:t>
+            </a:r>
+            <a:r>
+              <a:rPr lang="tr-TR" sz="2800" dirty="0" err="1"/>
+              <a:t>Deterministic</a:t>
+            </a:r>
+            <a:r>
+              <a:rPr lang="tr-TR" sz="2800" dirty="0"/>
+              <a:t> </a:t>
+            </a:r>
+            <a:r>
+              <a:rPr lang="tr-TR" sz="2800" dirty="0" err="1"/>
+              <a:t>Policy</a:t>
+            </a:r>
+            <a:r>
+              <a:rPr lang="tr-TR" sz="2800" dirty="0"/>
+              <a:t> </a:t>
+            </a:r>
+            <a:r>
+              <a:rPr lang="tr-TR" sz="2800" dirty="0" err="1"/>
+              <a:t>Gradient</a:t>
+            </a:r>
+            <a:r>
+              <a:rPr lang="tr-TR" sz="2800" dirty="0"/>
+              <a:t> </a:t>
+            </a:r>
+            <a:r>
+              <a:rPr lang="tr-TR" sz="2800" dirty="0" err="1"/>
+              <a:t>Algorithm</a:t>
+            </a:r>
+            <a:r>
+              <a:rPr lang="tr-TR" sz="2800" dirty="0"/>
+              <a:t> (DDPG)</a:t>
+            </a:r>
+          </a:p>
+        </p:txBody>
+      </p:sp>
+      <p:sp>
+        <p:nvSpPr>
+          <p:cNvPr id="4" name="Google Shape;155;p8">
+            <a:extLst>
+              <a:ext uri="{FF2B5EF4-FFF2-40B4-BE49-F238E27FC236}">
+                <a16:creationId xmlns:a16="http://schemas.microsoft.com/office/drawing/2014/main" id="{9E19A522-8897-AF72-4512-CA59D59E36C2}"/>
+              </a:ext>
+            </a:extLst>
+          </p:cNvPr>
+          <p:cNvSpPr txBox="1">
+            <a:spLocks/>
+          </p:cNvSpPr>
+          <p:nvPr/>
+        </p:nvSpPr>
+        <p:spPr>
+          <a:xfrm>
+            <a:off x="834195" y="1519229"/>
+            <a:ext cx="6815376" cy="4437524"/>
           </a:xfrm>
           <a:prstGeom prst="rect">
             <a:avLst/>
@@ -19689,157 +22551,416 @@
           <a:bodyPr spcFirstLastPara="1" wrap="square" lIns="91425" tIns="45700" rIns="91425" bIns="45700" anchor="t" anchorCtr="0">
             <a:normAutofit/>
           </a:bodyPr>
-          <a:lstStyle/>
-          <a:p>
-            <a:pPr marL="941832" marR="0" lvl="1" indent="-342900" algn="just" rtl="0">
+          <a:lstStyle>
+            <a:defPPr marR="0" lvl="0" algn="l" rtl="0">
+              <a:lnSpc>
+                <a:spcPct val="100000"/>
+              </a:lnSpc>
+              <a:spcBef>
+                <a:spcPts val="0"/>
+              </a:spcBef>
+              <a:spcAft>
+                <a:spcPts val="0"/>
+              </a:spcAft>
+            </a:defPPr>
+            <a:lvl1pPr marR="0" lvl="0" algn="l" rtl="0">
+              <a:lnSpc>
+                <a:spcPct val="100000"/>
+              </a:lnSpc>
+              <a:spcBef>
+                <a:spcPts val="0"/>
+              </a:spcBef>
+              <a:spcAft>
+                <a:spcPts val="0"/>
+              </a:spcAft>
+              <a:buClr>
+                <a:srgbClr val="000000"/>
+              </a:buClr>
+              <a:buFont typeface="Arial"/>
+              <a:defRPr sz="1400" b="0" i="0" u="none" strike="noStrike" cap="none">
+                <a:solidFill>
+                  <a:srgbClr val="000000"/>
+                </a:solidFill>
+                <a:latin typeface="Arial"/>
+                <a:ea typeface="Arial"/>
+                <a:cs typeface="Arial"/>
+                <a:sym typeface="Arial"/>
+              </a:defRPr>
+            </a:lvl1pPr>
+            <a:lvl2pPr marR="0" lvl="1" algn="l" rtl="0">
+              <a:lnSpc>
+                <a:spcPct val="100000"/>
+              </a:lnSpc>
+              <a:spcBef>
+                <a:spcPts val="0"/>
+              </a:spcBef>
+              <a:spcAft>
+                <a:spcPts val="0"/>
+              </a:spcAft>
+              <a:buClr>
+                <a:srgbClr val="000000"/>
+              </a:buClr>
+              <a:buFont typeface="Arial"/>
+              <a:defRPr sz="1400" b="0" i="0" u="none" strike="noStrike" cap="none">
+                <a:solidFill>
+                  <a:srgbClr val="000000"/>
+                </a:solidFill>
+                <a:latin typeface="Arial"/>
+                <a:ea typeface="Arial"/>
+                <a:cs typeface="Arial"/>
+                <a:sym typeface="Arial"/>
+              </a:defRPr>
+            </a:lvl2pPr>
+            <a:lvl3pPr marR="0" lvl="2" algn="l" rtl="0">
+              <a:lnSpc>
+                <a:spcPct val="100000"/>
+              </a:lnSpc>
+              <a:spcBef>
+                <a:spcPts val="0"/>
+              </a:spcBef>
+              <a:spcAft>
+                <a:spcPts val="0"/>
+              </a:spcAft>
+              <a:buClr>
+                <a:srgbClr val="000000"/>
+              </a:buClr>
+              <a:buFont typeface="Arial"/>
+              <a:defRPr sz="1400" b="0" i="0" u="none" strike="noStrike" cap="none">
+                <a:solidFill>
+                  <a:srgbClr val="000000"/>
+                </a:solidFill>
+                <a:latin typeface="Arial"/>
+                <a:ea typeface="Arial"/>
+                <a:cs typeface="Arial"/>
+                <a:sym typeface="Arial"/>
+              </a:defRPr>
+            </a:lvl3pPr>
+            <a:lvl4pPr marR="0" lvl="3" algn="l" rtl="0">
+              <a:lnSpc>
+                <a:spcPct val="100000"/>
+              </a:lnSpc>
+              <a:spcBef>
+                <a:spcPts val="0"/>
+              </a:spcBef>
+              <a:spcAft>
+                <a:spcPts val="0"/>
+              </a:spcAft>
+              <a:buClr>
+                <a:srgbClr val="000000"/>
+              </a:buClr>
+              <a:buFont typeface="Arial"/>
+              <a:defRPr sz="1400" b="0" i="0" u="none" strike="noStrike" cap="none">
+                <a:solidFill>
+                  <a:srgbClr val="000000"/>
+                </a:solidFill>
+                <a:latin typeface="Arial"/>
+                <a:ea typeface="Arial"/>
+                <a:cs typeface="Arial"/>
+                <a:sym typeface="Arial"/>
+              </a:defRPr>
+            </a:lvl4pPr>
+            <a:lvl5pPr marR="0" lvl="4" algn="l" rtl="0">
+              <a:lnSpc>
+                <a:spcPct val="100000"/>
+              </a:lnSpc>
+              <a:spcBef>
+                <a:spcPts val="0"/>
+              </a:spcBef>
+              <a:spcAft>
+                <a:spcPts val="0"/>
+              </a:spcAft>
+              <a:buClr>
+                <a:srgbClr val="000000"/>
+              </a:buClr>
+              <a:buFont typeface="Arial"/>
+              <a:defRPr sz="1400" b="0" i="0" u="none" strike="noStrike" cap="none">
+                <a:solidFill>
+                  <a:srgbClr val="000000"/>
+                </a:solidFill>
+                <a:latin typeface="Arial"/>
+                <a:ea typeface="Arial"/>
+                <a:cs typeface="Arial"/>
+                <a:sym typeface="Arial"/>
+              </a:defRPr>
+            </a:lvl5pPr>
+            <a:lvl6pPr marR="0" lvl="5" algn="l" rtl="0">
+              <a:lnSpc>
+                <a:spcPct val="100000"/>
+              </a:lnSpc>
+              <a:spcBef>
+                <a:spcPts val="0"/>
+              </a:spcBef>
+              <a:spcAft>
+                <a:spcPts val="0"/>
+              </a:spcAft>
+              <a:buClr>
+                <a:srgbClr val="000000"/>
+              </a:buClr>
+              <a:buFont typeface="Arial"/>
+              <a:defRPr sz="1400" b="0" i="0" u="none" strike="noStrike" cap="none">
+                <a:solidFill>
+                  <a:srgbClr val="000000"/>
+                </a:solidFill>
+                <a:latin typeface="Arial"/>
+                <a:ea typeface="Arial"/>
+                <a:cs typeface="Arial"/>
+                <a:sym typeface="Arial"/>
+              </a:defRPr>
+            </a:lvl6pPr>
+            <a:lvl7pPr marR="0" lvl="6" algn="l" rtl="0">
+              <a:lnSpc>
+                <a:spcPct val="100000"/>
+              </a:lnSpc>
+              <a:spcBef>
+                <a:spcPts val="0"/>
+              </a:spcBef>
+              <a:spcAft>
+                <a:spcPts val="0"/>
+              </a:spcAft>
+              <a:buClr>
+                <a:srgbClr val="000000"/>
+              </a:buClr>
+              <a:buFont typeface="Arial"/>
+              <a:defRPr sz="1400" b="0" i="0" u="none" strike="noStrike" cap="none">
+                <a:solidFill>
+                  <a:srgbClr val="000000"/>
+                </a:solidFill>
+                <a:latin typeface="Arial"/>
+                <a:ea typeface="Arial"/>
+                <a:cs typeface="Arial"/>
+                <a:sym typeface="Arial"/>
+              </a:defRPr>
+            </a:lvl7pPr>
+            <a:lvl8pPr marR="0" lvl="7" algn="l" rtl="0">
+              <a:lnSpc>
+                <a:spcPct val="100000"/>
+              </a:lnSpc>
+              <a:spcBef>
+                <a:spcPts val="0"/>
+              </a:spcBef>
+              <a:spcAft>
+                <a:spcPts val="0"/>
+              </a:spcAft>
+              <a:buClr>
+                <a:srgbClr val="000000"/>
+              </a:buClr>
+              <a:buFont typeface="Arial"/>
+              <a:defRPr sz="1400" b="0" i="0" u="none" strike="noStrike" cap="none">
+                <a:solidFill>
+                  <a:srgbClr val="000000"/>
+                </a:solidFill>
+                <a:latin typeface="Arial"/>
+                <a:ea typeface="Arial"/>
+                <a:cs typeface="Arial"/>
+                <a:sym typeface="Arial"/>
+              </a:defRPr>
+            </a:lvl8pPr>
+            <a:lvl9pPr marR="0" lvl="8" algn="l" rtl="0">
+              <a:lnSpc>
+                <a:spcPct val="100000"/>
+              </a:lnSpc>
+              <a:spcBef>
+                <a:spcPts val="0"/>
+              </a:spcBef>
+              <a:spcAft>
+                <a:spcPts val="0"/>
+              </a:spcAft>
+              <a:buClr>
+                <a:srgbClr val="000000"/>
+              </a:buClr>
+              <a:buFont typeface="Arial"/>
+              <a:defRPr sz="1400" b="0" i="0" u="none" strike="noStrike" cap="none">
+                <a:solidFill>
+                  <a:srgbClr val="000000"/>
+                </a:solidFill>
+                <a:latin typeface="Arial"/>
+                <a:ea typeface="Arial"/>
+                <a:cs typeface="Arial"/>
+                <a:sym typeface="Arial"/>
+              </a:defRPr>
+            </a:lvl9pPr>
+          </a:lstStyle>
+          <a:p>
+            <a:pPr marL="285750" indent="-285750">
               <a:lnSpc>
                 <a:spcPct val="110000"/>
               </a:lnSpc>
-              <a:spcBef>
-                <a:spcPts val="600"/>
-              </a:spcBef>
-              <a:spcAft>
-                <a:spcPts val="0"/>
-              </a:spcAft>
-              <a:buClr>
-                <a:schemeClr val="accent1"/>
-              </a:buClr>
-              <a:buSzPct val="119999"/>
-              <a:buFont typeface="Arial" panose="020B0604020202020204" pitchFamily="34" charset="0"/>
+              <a:buSzPts val="3360"/>
+              <a:buFont typeface="Arial"/>
               <a:buChar char="•"/>
             </a:pPr>
             <a:r>
-              <a:rPr lang="tr-TR" sz="2400" dirty="0" err="1">
-                <a:solidFill>
-                  <a:schemeClr val="dk1"/>
-                </a:solidFill>
-                <a:latin typeface="+mj-lt"/>
-              </a:rPr>
-              <a:t>Advantages</a:t>
-            </a:r>
-            <a:endParaRPr lang="tr-TR" sz="2400" dirty="0">
-              <a:solidFill>
-                <a:schemeClr val="dk1"/>
-              </a:solidFill>
-              <a:latin typeface="+mj-lt"/>
-            </a:endParaRPr>
-          </a:p>
-          <a:p>
-            <a:pPr marL="598932" marR="0" lvl="1" algn="just" rtl="0">
-              <a:lnSpc>
-                <a:spcPct val="110000"/>
-              </a:lnSpc>
-              <a:spcBef>
-                <a:spcPts val="600"/>
-              </a:spcBef>
-              <a:spcAft>
-                <a:spcPts val="0"/>
-              </a:spcAft>
-              <a:buClr>
-                <a:schemeClr val="accent1"/>
-              </a:buClr>
-              <a:buSzPct val="119999"/>
-            </a:pPr>
-            <a:r>
               <a:rPr lang="en-US" sz="2400" dirty="0">
                 <a:solidFill>
-                  <a:schemeClr val="dk1"/>
+                  <a:srgbClr val="212121"/>
                 </a:solidFill>
-                <a:latin typeface="+mj-lt"/>
+                <a:highlight>
+                  <a:srgbClr val="FFFFFF"/>
+                </a:highlight>
+                <a:latin typeface="+mn-lt"/>
+                <a:ea typeface="Calibri"/>
+                <a:cs typeface="Calibri"/>
+                <a:sym typeface="Calibri"/>
               </a:rPr>
-              <a:t>Self-Learning: RL agents learn control strategies through trial and error in a simulated environment, reducing manual tuning.</a:t>
-            </a:r>
-            <a:endParaRPr lang="tr-TR" sz="2400" dirty="0">
-              <a:solidFill>
-                <a:schemeClr val="dk1"/>
-              </a:solidFill>
-              <a:latin typeface="+mj-lt"/>
-            </a:endParaRPr>
-          </a:p>
-          <a:p>
-            <a:pPr marL="598932" marR="0" lvl="1" algn="just" rtl="0">
+              <a:t>Model-free, online, off-policy reinforcement learning method</a:t>
+            </a:r>
+          </a:p>
+          <a:p>
+            <a:pPr marL="285750" indent="-285750">
               <a:lnSpc>
                 <a:spcPct val="110000"/>
               </a:lnSpc>
               <a:spcBef>
-                <a:spcPts val="600"/>
-              </a:spcBef>
-              <a:spcAft>
-                <a:spcPts val="0"/>
-              </a:spcAft>
-              <a:buClr>
-                <a:schemeClr val="accent1"/>
-              </a:buClr>
-              <a:buSzPct val="119999"/>
-            </a:pPr>
-            <a:endParaRPr lang="tr-TR" sz="2400" dirty="0">
-              <a:solidFill>
-                <a:schemeClr val="dk1"/>
-              </a:solidFill>
-              <a:latin typeface="+mj-lt"/>
-            </a:endParaRPr>
-          </a:p>
-          <a:p>
-            <a:pPr marL="598932" marR="0" lvl="1" algn="just" rtl="0">
-              <a:lnSpc>
-                <a:spcPct val="110000"/>
-              </a:lnSpc>
-              <a:spcBef>
-                <a:spcPts val="600"/>
-              </a:spcBef>
-              <a:spcAft>
-                <a:spcPts val="0"/>
-              </a:spcAft>
-              <a:buClr>
-                <a:schemeClr val="accent1"/>
-              </a:buClr>
-              <a:buSzPct val="119999"/>
+                <a:spcPts val="1000"/>
+              </a:spcBef>
+              <a:buSzPts val="3360"/>
+              <a:buFont typeface="Arial"/>
+              <a:buChar char="•"/>
             </a:pPr>
             <a:r>
               <a:rPr lang="en-US" sz="2400" dirty="0">
                 <a:solidFill>
-                  <a:schemeClr val="dk1"/>
+                  <a:srgbClr val="212121"/>
                 </a:solidFill>
-                <a:latin typeface="+mj-lt"/>
+                <a:highlight>
+                  <a:srgbClr val="FFFFFF"/>
+                </a:highlight>
+                <a:latin typeface="+mn-lt"/>
+                <a:ea typeface="Calibri"/>
+                <a:cs typeface="Calibri"/>
+                <a:sym typeface="Calibri"/>
               </a:rPr>
-              <a:t>Adaptability: RL agents can adapt to changing environments and new tasks by continuously learning from experience.</a:t>
-            </a:r>
-            <a:endParaRPr lang="tr-TR" sz="2400" dirty="0">
-              <a:solidFill>
-                <a:schemeClr val="dk1"/>
-              </a:solidFill>
-              <a:latin typeface="+mj-lt"/>
+              <a:t>DDPG agent is an actor-critic reinforcement learning agent</a:t>
+            </a:r>
+          </a:p>
+          <a:p>
+            <a:pPr marL="285750" indent="-285750">
+              <a:lnSpc>
+                <a:spcPct val="110000"/>
+              </a:lnSpc>
+              <a:spcBef>
+                <a:spcPts val="1000"/>
+              </a:spcBef>
+              <a:buSzPts val="3360"/>
+              <a:buFont typeface="Arial"/>
+              <a:buChar char="•"/>
+            </a:pPr>
+            <a:r>
+              <a:rPr lang="en-US" sz="2400" b="1" dirty="0">
+                <a:solidFill>
+                  <a:srgbClr val="212121"/>
+                </a:solidFill>
+                <a:highlight>
+                  <a:srgbClr val="FFFFFF"/>
+                </a:highlight>
+                <a:latin typeface="+mn-lt"/>
+                <a:ea typeface="Calibri"/>
+                <a:cs typeface="Calibri"/>
+                <a:sym typeface="Calibri"/>
+              </a:rPr>
+              <a:t>Actor: </a:t>
+            </a:r>
+            <a:r>
+              <a:rPr lang="en-US" sz="2400" dirty="0">
+                <a:solidFill>
+                  <a:srgbClr val="212121"/>
+                </a:solidFill>
+                <a:highlight>
+                  <a:srgbClr val="FFFFFF"/>
+                </a:highlight>
+                <a:latin typeface="+mn-lt"/>
+                <a:ea typeface="Calibri"/>
+                <a:cs typeface="Calibri"/>
+                <a:sym typeface="Calibri"/>
+              </a:rPr>
+              <a:t>takes state and returns corresponding actions </a:t>
+            </a:r>
+            <a:endParaRPr lang="en-US" sz="2400" dirty="0">
+              <a:latin typeface="+mn-lt"/>
             </a:endParaRPr>
           </a:p>
           <a:p>
-            <a:pPr marL="598932" marR="0" lvl="1" algn="just" rtl="0">
+            <a:pPr marL="285750" indent="-285750">
               <a:lnSpc>
                 <a:spcPct val="110000"/>
               </a:lnSpc>
               <a:spcBef>
-                <a:spcPts val="600"/>
-              </a:spcBef>
-              <a:spcAft>
-                <a:spcPts val="0"/>
-              </a:spcAft>
-              <a:buClr>
-                <a:schemeClr val="accent1"/>
-              </a:buClr>
-              <a:buSzPct val="119999"/>
+                <a:spcPts val="1000"/>
+              </a:spcBef>
+              <a:buSzPts val="3360"/>
+              <a:buFont typeface="Arial"/>
+              <a:buChar char="•"/>
             </a:pPr>
-            <a:endParaRPr lang="tr-TR" sz="2400" dirty="0">
-              <a:solidFill>
-                <a:schemeClr val="dk1"/>
-              </a:solidFill>
-              <a:latin typeface="+mj-lt"/>
-            </a:endParaRPr>
+            <a:r>
+              <a:rPr lang="en-US" sz="2400" b="1" dirty="0">
+                <a:solidFill>
+                  <a:srgbClr val="212121"/>
+                </a:solidFill>
+                <a:highlight>
+                  <a:srgbClr val="FFFFFF"/>
+                </a:highlight>
+                <a:latin typeface="+mn-lt"/>
+                <a:ea typeface="Calibri"/>
+                <a:cs typeface="Calibri"/>
+                <a:sym typeface="Calibri"/>
+              </a:rPr>
+              <a:t>Critic: </a:t>
+            </a:r>
+            <a:r>
+              <a:rPr lang="en-US" sz="2400" dirty="0">
+                <a:solidFill>
+                  <a:srgbClr val="212121"/>
+                </a:solidFill>
+                <a:highlight>
+                  <a:srgbClr val="FFFFFF"/>
+                </a:highlight>
+                <a:latin typeface="+mn-lt"/>
+                <a:ea typeface="Calibri"/>
+                <a:cs typeface="Calibri"/>
+                <a:sym typeface="Calibri"/>
+              </a:rPr>
+              <a:t>takes observation and action as input and return corresponding expectation of the long term reward</a:t>
+            </a:r>
           </a:p>
         </p:txBody>
       </p:sp>
+      <p:pic>
+        <p:nvPicPr>
+          <p:cNvPr id="5" name="Google Shape;159;p8">
+            <a:extLst>
+              <a:ext uri="{FF2B5EF4-FFF2-40B4-BE49-F238E27FC236}">
+                <a16:creationId xmlns:a16="http://schemas.microsoft.com/office/drawing/2014/main" id="{8B9AAA07-96E6-6C68-C946-D03F902DF547}"/>
+              </a:ext>
+            </a:extLst>
+          </p:cNvPr>
+          <p:cNvPicPr preferRelativeResize="0"/>
+          <p:nvPr/>
+        </p:nvPicPr>
+        <p:blipFill rotWithShape="1">
+          <a:blip r:embed="rId3">
+            <a:alphaModFix/>
+          </a:blip>
+          <a:srcRect/>
+          <a:stretch/>
+        </p:blipFill>
+        <p:spPr>
+          <a:xfrm>
+            <a:off x="7732231" y="1856235"/>
+            <a:ext cx="3977985" cy="3292125"/>
+          </a:xfrm>
+          <a:prstGeom prst="rect">
+            <a:avLst/>
+          </a:prstGeom>
+          <a:noFill/>
+          <a:ln>
+            <a:noFill/>
+          </a:ln>
+        </p:spPr>
+      </p:pic>
     </p:spTree>
     <p:extLst>
       <p:ext uri="{BB962C8B-B14F-4D97-AF65-F5344CB8AC3E}">
-        <p14:creationId xmlns:p14="http://schemas.microsoft.com/office/powerpoint/2010/main" val="66003827"/>
+        <p14:creationId xmlns:p14="http://schemas.microsoft.com/office/powerpoint/2010/main" val="2106586110"/>
       </p:ext>
     </p:extLst>
   </p:cSld>
@@ -19916,11 +23037,7 @@
             </a:pPr>
             <a:r>
               <a:rPr lang="tr-TR" dirty="0"/>
-              <a:t>Training </a:t>
-            </a:r>
-            <a:r>
-              <a:rPr lang="tr-TR" dirty="0" err="1"/>
-              <a:t>Algorithms</a:t>
+              <a:t> </a:t>
             </a:r>
             <a:endParaRPr lang="en-US" dirty="0"/>
           </a:p>
@@ -20079,7 +23196,7 @@
           <p:cNvPr id="2" name="Metin kutusu 1">
             <a:extLst>
               <a:ext uri="{FF2B5EF4-FFF2-40B4-BE49-F238E27FC236}">
-                <a16:creationId xmlns:a16="http://schemas.microsoft.com/office/drawing/2014/main" id="{BF9F02A6-1A11-07D5-70A1-2C012FDB3138}"/>
+                <a16:creationId xmlns:a16="http://schemas.microsoft.com/office/drawing/2014/main" id="{F650A61C-3B21-2FCB-9C85-76584AD05DD5}"/>
               </a:ext>
             </a:extLst>
           </p:cNvPr>
@@ -20088,8 +23205,8 @@
         </p:nvSpPr>
         <p:spPr>
           <a:xfrm>
-            <a:off x="-3" y="917246"/>
-            <a:ext cx="9234313" cy="523220"/>
+            <a:off x="-2" y="917246"/>
+            <a:ext cx="6829779" cy="523220"/>
           </a:xfrm>
           <a:prstGeom prst="rect">
             <a:avLst/>
@@ -20104,11 +23221,11 @@
           <a:p>
             <a:r>
               <a:rPr lang="tr-TR" sz="2800" dirty="0"/>
-              <a:t>1- </a:t>
+              <a:t>2- </a:t>
             </a:r>
             <a:r>
               <a:rPr lang="tr-TR" sz="2800" dirty="0" err="1"/>
-              <a:t>Deep</a:t>
+              <a:t>Proximal</a:t>
             </a:r>
             <a:r>
               <a:rPr lang="tr-TR" sz="2800" dirty="0"/>
@@ -20116,7 +23233,7 @@
             </a:r>
             <a:r>
               <a:rPr lang="tr-TR" sz="2800" dirty="0" err="1"/>
-              <a:t>Deterministic</a:t>
+              <a:t>Policy</a:t>
             </a:r>
             <a:r>
               <a:rPr lang="tr-TR" sz="2800" dirty="0"/>
@@ -20124,37 +23241,21 @@
             </a:r>
             <a:r>
               <a:rPr lang="tr-TR" sz="2800" dirty="0" err="1"/>
-              <a:t>Policy</a:t>
+              <a:t>Optimization</a:t>
             </a:r>
             <a:r>
               <a:rPr lang="tr-TR" sz="2800" dirty="0"/>
-              <a:t> </a:t>
-            </a:r>
-            <a:r>
-              <a:rPr lang="tr-TR" sz="2800" dirty="0" err="1"/>
-              <a:t>Gradient</a:t>
-            </a:r>
-            <a:r>
-              <a:rPr lang="tr-TR" sz="2800" dirty="0"/>
-              <a:t> </a:t>
-            </a:r>
-            <a:r>
-              <a:rPr lang="tr-TR" sz="2800" dirty="0" err="1"/>
-              <a:t>Algorithm</a:t>
-            </a:r>
-            <a:r>
-              <a:rPr lang="tr-TR" sz="2800" dirty="0"/>
-              <a:t> (DDPG)</a:t>
+              <a:t> (PPO)</a:t>
             </a:r>
           </a:p>
         </p:txBody>
       </p:sp>
       <p:sp>
         <p:nvSpPr>
-          <p:cNvPr id="4" name="Google Shape;155;p8">
+          <p:cNvPr id="5" name="Google Shape;166;p9">
             <a:extLst>
               <a:ext uri="{FF2B5EF4-FFF2-40B4-BE49-F238E27FC236}">
-                <a16:creationId xmlns:a16="http://schemas.microsoft.com/office/drawing/2014/main" id="{9E19A522-8897-AF72-4512-CA59D59E36C2}"/>
+                <a16:creationId xmlns:a16="http://schemas.microsoft.com/office/drawing/2014/main" id="{11DEF098-ABCE-7E18-A465-F63D8C8DA27F}"/>
               </a:ext>
             </a:extLst>
           </p:cNvPr>
@@ -20165,7 +23266,7 @@
         </p:nvSpPr>
         <p:spPr>
           <a:xfrm>
-            <a:off x="834195" y="1519229"/>
+            <a:off x="777750" y="1519229"/>
             <a:ext cx="6815376" cy="4437524"/>
           </a:xfrm>
           <a:prstGeom prst="rect">
@@ -20427,11 +23528,11 @@
                   <a:srgbClr val="FFFFFF"/>
                 </a:highlight>
                 <a:latin typeface="+mn-lt"/>
-                <a:ea typeface="Calibri"/>
-                <a:cs typeface="Calibri"/>
-                <a:sym typeface="Calibri"/>
+                <a:ea typeface="Roboto"/>
+                <a:cs typeface="Roboto"/>
+                <a:sym typeface="Roboto"/>
               </a:rPr>
-              <a:t>Model-free, online, off-policy reinforcement learning method</a:t>
+              <a:t>Model-free, online, on-policy, policy gradient reinforcement learning algorithm</a:t>
             </a:r>
           </a:p>
           <a:p>
@@ -20455,40 +23556,28 @@
                   <a:srgbClr val="FFFFFF"/>
                 </a:highlight>
                 <a:latin typeface="+mn-lt"/>
-                <a:ea typeface="Calibri"/>
-                <a:cs typeface="Calibri"/>
-                <a:sym typeface="Calibri"/>
+                <a:ea typeface="Roboto"/>
+                <a:cs typeface="Roboto"/>
+                <a:sym typeface="Roboto"/>
               </a:rPr>
-              <a:t>DDPG agent is an actor-critic reinforcement learning agent</a:t>
-            </a:r>
-          </a:p>
-          <a:p>
-            <a:pPr marL="285750" indent="-285750">
+              <a:t>Working process is</a:t>
+            </a:r>
+            <a:endParaRPr lang="en-US" sz="2400" dirty="0">
+              <a:latin typeface="+mn-lt"/>
+            </a:endParaRPr>
+          </a:p>
+          <a:p>
+            <a:pPr marL="742950" lvl="1" indent="-285750" algn="just">
               <a:lnSpc>
                 <a:spcPct val="110000"/>
               </a:lnSpc>
               <a:spcBef>
-                <a:spcPts val="1000"/>
-              </a:spcBef>
-              <a:buSzPts val="3360"/>
-              <a:buFont typeface="Arial"/>
-              <a:buChar char="•"/>
+                <a:spcPts val="600"/>
+              </a:spcBef>
+              <a:buSzPts val="2880"/>
+              <a:buFont typeface="Noto Sans Symbols"/>
+              <a:buChar char="⮚"/>
             </a:pPr>
-            <a:r>
-              <a:rPr lang="en-US" sz="2400" b="1" dirty="0">
-                <a:solidFill>
-                  <a:srgbClr val="212121"/>
-                </a:solidFill>
-                <a:highlight>
-                  <a:srgbClr val="FFFFFF"/>
-                </a:highlight>
-                <a:latin typeface="+mn-lt"/>
-                <a:ea typeface="Calibri"/>
-                <a:cs typeface="Calibri"/>
-                <a:sym typeface="Calibri"/>
-              </a:rPr>
-              <a:t>Actor: </a:t>
-            </a:r>
             <a:r>
               <a:rPr lang="en-US" sz="2400" dirty="0">
                 <a:solidFill>
@@ -20498,30 +23587,51 @@
                   <a:srgbClr val="FFFFFF"/>
                 </a:highlight>
                 <a:latin typeface="+mn-lt"/>
-                <a:ea typeface="Calibri"/>
-                <a:cs typeface="Calibri"/>
-                <a:sym typeface="Calibri"/>
+                <a:ea typeface="Roboto"/>
+                <a:cs typeface="Roboto"/>
+                <a:sym typeface="Roboto"/>
               </a:rPr>
-              <a:t>takes state and returns corresponding actions </a:t>
-            </a:r>
-            <a:endParaRPr lang="en-US" sz="2400" dirty="0">
+              <a:t>Decide step size </a:t>
+            </a:r>
+            <a:r>
+              <a:rPr lang="en-US" sz="2400" i="1" dirty="0">
+                <a:solidFill>
+                  <a:srgbClr val="242424"/>
+                </a:solidFill>
+                <a:highlight>
+                  <a:srgbClr val="FFFFFF"/>
+                </a:highlight>
+                <a:latin typeface="+mn-lt"/>
+              </a:rPr>
+              <a:t>α</a:t>
+            </a:r>
+            <a:endParaRPr lang="en-US" sz="2400" i="1" dirty="0">
+              <a:solidFill>
+                <a:srgbClr val="212121"/>
+              </a:solidFill>
+              <a:highlight>
+                <a:srgbClr val="FFFFFF"/>
+              </a:highlight>
               <a:latin typeface="+mn-lt"/>
+              <a:ea typeface="Roboto"/>
+              <a:cs typeface="Roboto"/>
+              <a:sym typeface="Roboto"/>
             </a:endParaRPr>
           </a:p>
           <a:p>
-            <a:pPr marL="285750" indent="-285750">
+            <a:pPr marL="742950" lvl="1" indent="-285750" algn="just">
               <a:lnSpc>
                 <a:spcPct val="110000"/>
               </a:lnSpc>
               <a:spcBef>
-                <a:spcPts val="1000"/>
-              </a:spcBef>
-              <a:buSzPts val="3360"/>
-              <a:buFont typeface="Arial"/>
-              <a:buChar char="•"/>
+                <a:spcPts val="600"/>
+              </a:spcBef>
+              <a:buSzPts val="2880"/>
+              <a:buFont typeface="Noto Sans Symbols"/>
+              <a:buChar char="⮚"/>
             </a:pPr>
             <a:r>
-              <a:rPr lang="en-US" sz="2400" b="1" dirty="0">
+              <a:rPr lang="en-US" sz="2400" i="1" dirty="0">
                 <a:solidFill>
                   <a:srgbClr val="212121"/>
                 </a:solidFill>
@@ -20529,36 +23639,98 @@
                   <a:srgbClr val="FFFFFF"/>
                 </a:highlight>
                 <a:latin typeface="+mn-lt"/>
-                <a:ea typeface="Calibri"/>
-                <a:cs typeface="Calibri"/>
-                <a:sym typeface="Calibri"/>
+                <a:ea typeface="Roboto"/>
+                <a:cs typeface="Roboto"/>
+                <a:sym typeface="Roboto"/>
               </a:rPr>
-              <a:t>Critic: </a:t>
-            </a:r>
-            <a:r>
-              <a:rPr lang="en-US" sz="2400" dirty="0">
+              <a:t>Construct a circle with radius </a:t>
+            </a:r>
+            <a:r>
+              <a:rPr lang="en-US" sz="2400" i="1" dirty="0">
                 <a:solidFill>
-                  <a:srgbClr val="212121"/>
+                  <a:srgbClr val="242424"/>
                 </a:solidFill>
                 <a:highlight>
                   <a:srgbClr val="FFFFFF"/>
                 </a:highlight>
                 <a:latin typeface="+mn-lt"/>
-                <a:ea typeface="Calibri"/>
-                <a:cs typeface="Calibri"/>
-                <a:sym typeface="Calibri"/>
               </a:rPr>
-              <a:t>takes observation and action as input and return corresponding expectation of the long term reward</a:t>
-            </a:r>
+              <a:t>α (trust region)</a:t>
+            </a:r>
+            <a:endParaRPr lang="en-US" sz="2400" dirty="0">
+              <a:latin typeface="+mn-lt"/>
+            </a:endParaRPr>
+          </a:p>
+          <a:p>
+            <a:pPr marL="742950" lvl="1" indent="-285750" algn="just">
+              <a:lnSpc>
+                <a:spcPct val="110000"/>
+              </a:lnSpc>
+              <a:spcBef>
+                <a:spcPts val="600"/>
+              </a:spcBef>
+              <a:buSzPts val="2880"/>
+              <a:buFont typeface="Noto Sans Symbols"/>
+              <a:buChar char="⮚"/>
+            </a:pPr>
+            <a:r>
+              <a:rPr lang="en-US" sz="2400" i="1" dirty="0">
+                <a:solidFill>
+                  <a:srgbClr val="242424"/>
+                </a:solidFill>
+                <a:highlight>
+                  <a:srgbClr val="FFFFFF"/>
+                </a:highlight>
+                <a:latin typeface="+mn-lt"/>
+              </a:rPr>
+              <a:t>Once having the best point, determine the direction</a:t>
+            </a:r>
+          </a:p>
+          <a:p>
+            <a:pPr marL="742950" lvl="1" indent="-285750" algn="just">
+              <a:lnSpc>
+                <a:spcPct val="110000"/>
+              </a:lnSpc>
+              <a:spcBef>
+                <a:spcPts val="600"/>
+              </a:spcBef>
+              <a:buSzPts val="2880"/>
+              <a:buFont typeface="Noto Sans Symbols"/>
+              <a:buChar char="⮚"/>
+            </a:pPr>
+            <a:r>
+              <a:rPr lang="en-US" sz="2400" i="1" dirty="0">
+                <a:solidFill>
+                  <a:srgbClr val="242424"/>
+                </a:solidFill>
+                <a:highlight>
+                  <a:srgbClr val="FFFFFF"/>
+                </a:highlight>
+                <a:latin typeface="+mn-lt"/>
+              </a:rPr>
+              <a:t>Repeat until the optimal point is reached</a:t>
+            </a:r>
+            <a:endParaRPr lang="en-US" sz="2400" i="1" dirty="0">
+              <a:solidFill>
+                <a:srgbClr val="212121"/>
+              </a:solidFill>
+              <a:highlight>
+                <a:srgbClr val="FFFFFF"/>
+              </a:highlight>
+              <a:latin typeface="+mn-lt"/>
+              <a:ea typeface="Roboto"/>
+              <a:cs typeface="Roboto"/>
+              <a:sym typeface="Roboto"/>
+            </a:endParaRPr>
           </a:p>
         </p:txBody>
       </p:sp>
       <p:pic>
         <p:nvPicPr>
-          <p:cNvPr id="5" name="Google Shape;159;p8">
+          <p:cNvPr id="6" name="Google Shape;170;p9">
             <a:extLst>
               <a:ext uri="{FF2B5EF4-FFF2-40B4-BE49-F238E27FC236}">
-                <a16:creationId xmlns:a16="http://schemas.microsoft.com/office/drawing/2014/main" id="{8B9AAA07-96E6-6C68-C946-D03F902DF547}"/>
+                <a16:creationId xmlns:a16="http://schemas.microsoft.com/office/drawing/2014/main" id="{43524E10-4A74-0EE5-6052-5A7E14D56C7B}"/>
               </a:ext>
             </a:extLst>
           </p:cNvPr>
@@ -20574,8 +23746,8 @@
         </p:blipFill>
         <p:spPr>
           <a:xfrm>
-            <a:off x="7732231" y="1856235"/>
-            <a:ext cx="3977985" cy="3292125"/>
+            <a:off x="7861280" y="1787102"/>
+            <a:ext cx="4016088" cy="3901778"/>
           </a:xfrm>
           <a:prstGeom prst="rect">
             <a:avLst/>
@@ -20589,7 +23761,7 @@
     </p:spTree>
     <p:extLst>
       <p:ext uri="{BB962C8B-B14F-4D97-AF65-F5344CB8AC3E}">
-        <p14:creationId xmlns:p14="http://schemas.microsoft.com/office/powerpoint/2010/main" val="2106586110"/>
+        <p14:creationId xmlns:p14="http://schemas.microsoft.com/office/powerpoint/2010/main" val="224389039"/>
       </p:ext>
     </p:extLst>
   </p:cSld>
@@ -20666,7 +23838,11 @@
             </a:pPr>
             <a:r>
               <a:rPr lang="tr-TR" dirty="0"/>
-              <a:t> </a:t>
+              <a:t>Literature-1 </a:t>
+            </a:r>
+            <a:r>
+              <a:rPr lang="tr-TR" dirty="0" err="1"/>
+              <a:t>Overview</a:t>
             </a:r>
             <a:endParaRPr lang="en-US" dirty="0"/>
           </a:p>
@@ -20822,81 +23998,14 @@
       </p:sp>
       <p:sp>
         <p:nvSpPr>
-          <p:cNvPr id="2" name="Metin kutusu 1">
-            <a:extLst>
-              <a:ext uri="{FF2B5EF4-FFF2-40B4-BE49-F238E27FC236}">
-                <a16:creationId xmlns:a16="http://schemas.microsoft.com/office/drawing/2014/main" id="{F650A61C-3B21-2FCB-9C85-76584AD05DD5}"/>
-              </a:ext>
-            </a:extLst>
-          </p:cNvPr>
+          <p:cNvPr id="344" name="Google Shape;344;p26"/>
           <p:cNvSpPr txBox="1"/>
           <p:nvPr/>
         </p:nvSpPr>
         <p:spPr>
           <a:xfrm>
-            <a:off x="-2" y="917246"/>
-            <a:ext cx="6829779" cy="523220"/>
-          </a:xfrm>
-          <a:prstGeom prst="rect">
-            <a:avLst/>
-          </a:prstGeom>
-          <a:noFill/>
-        </p:spPr>
-        <p:txBody>
-          <a:bodyPr wrap="square" rtlCol="0">
-            <a:spAutoFit/>
-          </a:bodyPr>
-          <a:lstStyle/>
-          <a:p>
-            <a:r>
-              <a:rPr lang="tr-TR" sz="2800" dirty="0"/>
-              <a:t>2- </a:t>
-            </a:r>
-            <a:r>
-              <a:rPr lang="tr-TR" sz="2800" dirty="0" err="1"/>
-              <a:t>Proximal</a:t>
-            </a:r>
-            <a:r>
-              <a:rPr lang="tr-TR" sz="2800" dirty="0"/>
-              <a:t> </a:t>
-            </a:r>
-            <a:r>
-              <a:rPr lang="tr-TR" sz="2800" dirty="0" err="1"/>
-              <a:t>Policy</a:t>
-            </a:r>
-            <a:r>
-              <a:rPr lang="tr-TR" sz="2800" dirty="0"/>
-              <a:t> </a:t>
-            </a:r>
-            <a:r>
-              <a:rPr lang="tr-TR" sz="2800" dirty="0" err="1"/>
-              <a:t>Optimization</a:t>
-            </a:r>
-            <a:r>
-              <a:rPr lang="tr-TR" sz="2800" dirty="0"/>
-              <a:t> (PPO)</a:t>
-            </a:r>
-          </a:p>
-        </p:txBody>
-      </p:sp>
-      <p:sp>
-        <p:nvSpPr>
-          <p:cNvPr id="5" name="Google Shape;166;p9">
-            <a:extLst>
-              <a:ext uri="{FF2B5EF4-FFF2-40B4-BE49-F238E27FC236}">
-                <a16:creationId xmlns:a16="http://schemas.microsoft.com/office/drawing/2014/main" id="{11DEF098-ABCE-7E18-A465-F63D8C8DA27F}"/>
-              </a:ext>
-            </a:extLst>
-          </p:cNvPr>
-          <p:cNvSpPr txBox="1">
-            <a:spLocks/>
-          </p:cNvSpPr>
-          <p:nvPr/>
-        </p:nvSpPr>
-        <p:spPr>
-          <a:xfrm>
-            <a:off x="777750" y="1519229"/>
-            <a:ext cx="6815376" cy="4437524"/>
+            <a:off x="1073247" y="1201213"/>
+            <a:ext cx="10045505" cy="5083277"/>
           </a:xfrm>
           <a:prstGeom prst="rect">
             <a:avLst/>
@@ -20910,473 +24019,200 @@
           <a:bodyPr spcFirstLastPara="1" wrap="square" lIns="91425" tIns="45700" rIns="91425" bIns="45700" anchor="t" anchorCtr="0">
             <a:normAutofit/>
           </a:bodyPr>
-          <a:lstStyle>
-            <a:defPPr marR="0" lvl="0" algn="l" rtl="0">
-              <a:lnSpc>
-                <a:spcPct val="100000"/>
-              </a:lnSpc>
-              <a:spcBef>
-                <a:spcPts val="0"/>
-              </a:spcBef>
-              <a:spcAft>
-                <a:spcPts val="0"/>
-              </a:spcAft>
-            </a:defPPr>
-            <a:lvl1pPr marR="0" lvl="0" algn="l" rtl="0">
-              <a:lnSpc>
-                <a:spcPct val="100000"/>
-              </a:lnSpc>
-              <a:spcBef>
-                <a:spcPts val="0"/>
-              </a:spcBef>
-              <a:spcAft>
-                <a:spcPts val="0"/>
-              </a:spcAft>
-              <a:buClr>
-                <a:srgbClr val="000000"/>
-              </a:buClr>
-              <a:buFont typeface="Arial"/>
-              <a:defRPr sz="1400" b="0" i="0" u="none" strike="noStrike" cap="none">
-                <a:solidFill>
-                  <a:srgbClr val="000000"/>
-                </a:solidFill>
-                <a:latin typeface="Arial"/>
-                <a:ea typeface="Arial"/>
-                <a:cs typeface="Arial"/>
-                <a:sym typeface="Arial"/>
-              </a:defRPr>
-            </a:lvl1pPr>
-            <a:lvl2pPr marR="0" lvl="1" algn="l" rtl="0">
-              <a:lnSpc>
-                <a:spcPct val="100000"/>
-              </a:lnSpc>
-              <a:spcBef>
-                <a:spcPts val="0"/>
-              </a:spcBef>
-              <a:spcAft>
-                <a:spcPts val="0"/>
-              </a:spcAft>
-              <a:buClr>
-                <a:srgbClr val="000000"/>
-              </a:buClr>
-              <a:buFont typeface="Arial"/>
-              <a:defRPr sz="1400" b="0" i="0" u="none" strike="noStrike" cap="none">
-                <a:solidFill>
-                  <a:srgbClr val="000000"/>
-                </a:solidFill>
-                <a:latin typeface="Arial"/>
-                <a:ea typeface="Arial"/>
-                <a:cs typeface="Arial"/>
-                <a:sym typeface="Arial"/>
-              </a:defRPr>
-            </a:lvl2pPr>
-            <a:lvl3pPr marR="0" lvl="2" algn="l" rtl="0">
-              <a:lnSpc>
-                <a:spcPct val="100000"/>
-              </a:lnSpc>
-              <a:spcBef>
-                <a:spcPts val="0"/>
-              </a:spcBef>
-              <a:spcAft>
-                <a:spcPts val="0"/>
-              </a:spcAft>
-              <a:buClr>
-                <a:srgbClr val="000000"/>
-              </a:buClr>
-              <a:buFont typeface="Arial"/>
-              <a:defRPr sz="1400" b="0" i="0" u="none" strike="noStrike" cap="none">
-                <a:solidFill>
-                  <a:srgbClr val="000000"/>
-                </a:solidFill>
-                <a:latin typeface="Arial"/>
-                <a:ea typeface="Arial"/>
-                <a:cs typeface="Arial"/>
-                <a:sym typeface="Arial"/>
-              </a:defRPr>
-            </a:lvl3pPr>
-            <a:lvl4pPr marR="0" lvl="3" algn="l" rtl="0">
-              <a:lnSpc>
-                <a:spcPct val="100000"/>
-              </a:lnSpc>
-              <a:spcBef>
-                <a:spcPts val="0"/>
-              </a:spcBef>
-              <a:spcAft>
-                <a:spcPts val="0"/>
-              </a:spcAft>
-              <a:buClr>
-                <a:srgbClr val="000000"/>
-              </a:buClr>
-              <a:buFont typeface="Arial"/>
-              <a:defRPr sz="1400" b="0" i="0" u="none" strike="noStrike" cap="none">
-                <a:solidFill>
-                  <a:srgbClr val="000000"/>
-                </a:solidFill>
-                <a:latin typeface="Arial"/>
-                <a:ea typeface="Arial"/>
-                <a:cs typeface="Arial"/>
-                <a:sym typeface="Arial"/>
-              </a:defRPr>
-            </a:lvl4pPr>
-            <a:lvl5pPr marR="0" lvl="4" algn="l" rtl="0">
-              <a:lnSpc>
-                <a:spcPct val="100000"/>
-              </a:lnSpc>
-              <a:spcBef>
-                <a:spcPts val="0"/>
-              </a:spcBef>
-              <a:spcAft>
-                <a:spcPts val="0"/>
-              </a:spcAft>
-              <a:buClr>
-                <a:srgbClr val="000000"/>
-              </a:buClr>
-              <a:buFont typeface="Arial"/>
-              <a:defRPr sz="1400" b="0" i="0" u="none" strike="noStrike" cap="none">
-                <a:solidFill>
-                  <a:srgbClr val="000000"/>
-                </a:solidFill>
-                <a:latin typeface="Arial"/>
-                <a:ea typeface="Arial"/>
-                <a:cs typeface="Arial"/>
-                <a:sym typeface="Arial"/>
-              </a:defRPr>
-            </a:lvl5pPr>
-            <a:lvl6pPr marR="0" lvl="5" algn="l" rtl="0">
-              <a:lnSpc>
-                <a:spcPct val="100000"/>
-              </a:lnSpc>
-              <a:spcBef>
-                <a:spcPts val="0"/>
-              </a:spcBef>
-              <a:spcAft>
-                <a:spcPts val="0"/>
-              </a:spcAft>
-              <a:buClr>
-                <a:srgbClr val="000000"/>
-              </a:buClr>
-              <a:buFont typeface="Arial"/>
-              <a:defRPr sz="1400" b="0" i="0" u="none" strike="noStrike" cap="none">
-                <a:solidFill>
-                  <a:srgbClr val="000000"/>
-                </a:solidFill>
-                <a:latin typeface="Arial"/>
-                <a:ea typeface="Arial"/>
-                <a:cs typeface="Arial"/>
-                <a:sym typeface="Arial"/>
-              </a:defRPr>
-            </a:lvl6pPr>
-            <a:lvl7pPr marR="0" lvl="6" algn="l" rtl="0">
-              <a:lnSpc>
-                <a:spcPct val="100000"/>
-              </a:lnSpc>
-              <a:spcBef>
-                <a:spcPts val="0"/>
-              </a:spcBef>
-              <a:spcAft>
-                <a:spcPts val="0"/>
-              </a:spcAft>
-              <a:buClr>
-                <a:srgbClr val="000000"/>
-              </a:buClr>
-              <a:buFont typeface="Arial"/>
-              <a:defRPr sz="1400" b="0" i="0" u="none" strike="noStrike" cap="none">
-                <a:solidFill>
-                  <a:srgbClr val="000000"/>
-                </a:solidFill>
-                <a:latin typeface="Arial"/>
-                <a:ea typeface="Arial"/>
-                <a:cs typeface="Arial"/>
-                <a:sym typeface="Arial"/>
-              </a:defRPr>
-            </a:lvl7pPr>
-            <a:lvl8pPr marR="0" lvl="7" algn="l" rtl="0">
-              <a:lnSpc>
-                <a:spcPct val="100000"/>
-              </a:lnSpc>
-              <a:spcBef>
-                <a:spcPts val="0"/>
-              </a:spcBef>
-              <a:spcAft>
-                <a:spcPts val="0"/>
-              </a:spcAft>
-              <a:buClr>
-                <a:srgbClr val="000000"/>
-              </a:buClr>
-              <a:buFont typeface="Arial"/>
-              <a:defRPr sz="1400" b="0" i="0" u="none" strike="noStrike" cap="none">
-                <a:solidFill>
-                  <a:srgbClr val="000000"/>
-                </a:solidFill>
-                <a:latin typeface="Arial"/>
-                <a:ea typeface="Arial"/>
-                <a:cs typeface="Arial"/>
-                <a:sym typeface="Arial"/>
-              </a:defRPr>
-            </a:lvl8pPr>
-            <a:lvl9pPr marR="0" lvl="8" algn="l" rtl="0">
-              <a:lnSpc>
-                <a:spcPct val="100000"/>
-              </a:lnSpc>
-              <a:spcBef>
-                <a:spcPts val="0"/>
-              </a:spcBef>
-              <a:spcAft>
-                <a:spcPts val="0"/>
-              </a:spcAft>
-              <a:buClr>
-                <a:srgbClr val="000000"/>
-              </a:buClr>
-              <a:buFont typeface="Arial"/>
-              <a:defRPr sz="1400" b="0" i="0" u="none" strike="noStrike" cap="none">
-                <a:solidFill>
-                  <a:srgbClr val="000000"/>
-                </a:solidFill>
-                <a:latin typeface="Arial"/>
-                <a:ea typeface="Arial"/>
-                <a:cs typeface="Arial"/>
-                <a:sym typeface="Arial"/>
-              </a:defRPr>
-            </a:lvl9pPr>
-          </a:lstStyle>
-          <a:p>
-            <a:pPr marL="285750" indent="-285750">
+          <a:lstStyle/>
+          <a:p>
+            <a:pPr marL="342900" lvl="0" indent="-342900" algn="l" rtl="0">
               <a:lnSpc>
                 <a:spcPct val="110000"/>
               </a:lnSpc>
+              <a:spcBef>
+                <a:spcPts val="0"/>
+              </a:spcBef>
+              <a:spcAft>
+                <a:spcPts val="0"/>
+              </a:spcAft>
               <a:buSzPts val="3360"/>
-              <a:buFont typeface="Arial"/>
+              <a:buFont typeface="Arial" panose="020B0604020202020204" pitchFamily="34" charset="0"/>
               <a:buChar char="•"/>
             </a:pPr>
             <a:r>
               <a:rPr lang="en-US" sz="2400" dirty="0">
-                <a:solidFill>
-                  <a:srgbClr val="212121"/>
-                </a:solidFill>
-                <a:highlight>
-                  <a:srgbClr val="FFFFFF"/>
-                </a:highlight>
                 <a:latin typeface="+mn-lt"/>
-                <a:ea typeface="Roboto"/>
-                <a:cs typeface="Roboto"/>
-                <a:sym typeface="Roboto"/>
+                <a:ea typeface="Calibri"/>
+                <a:cs typeface="Calibri"/>
+                <a:sym typeface="Calibri"/>
               </a:rPr>
-              <a:t>Model-free, online, on-policy, policy gradient reinforcement learning algorithm</a:t>
-            </a:r>
-          </a:p>
-          <a:p>
-            <a:pPr marL="285750" indent="-285750">
+              <a:t>Specific Focus</a:t>
+            </a:r>
+          </a:p>
+          <a:p>
+            <a:pPr marL="685800" lvl="1" indent="-228600" algn="just" rtl="0">
               <a:lnSpc>
                 <a:spcPct val="110000"/>
               </a:lnSpc>
               <a:spcBef>
-                <a:spcPts val="1000"/>
-              </a:spcBef>
-              <a:buSzPts val="3360"/>
-              <a:buFont typeface="Arial"/>
+                <a:spcPts val="600"/>
+              </a:spcBef>
+              <a:spcAft>
+                <a:spcPts val="0"/>
+              </a:spcAft>
+              <a:buSzPts val="2880"/>
               <a:buChar char="•"/>
             </a:pPr>
             <a:r>
               <a:rPr lang="en-US" sz="2400" dirty="0">
-                <a:solidFill>
-                  <a:srgbClr val="212121"/>
-                </a:solidFill>
-                <a:highlight>
-                  <a:srgbClr val="FFFFFF"/>
-                </a:highlight>
                 <a:latin typeface="+mn-lt"/>
-                <a:ea typeface="Roboto"/>
-                <a:cs typeface="Roboto"/>
-                <a:sym typeface="Roboto"/>
+                <a:ea typeface="Calibri"/>
+                <a:cs typeface="Calibri"/>
+                <a:sym typeface="Calibri"/>
               </a:rPr>
-              <a:t>Working process is</a:t>
+              <a:t>Deep dive into the accuracy and precision of attitude control using intelligent flight controllers trained with RL.</a:t>
+            </a:r>
+          </a:p>
+          <a:p>
+            <a:pPr marL="228600" lvl="0" indent="-228600" algn="l" rtl="0">
+              <a:lnSpc>
+                <a:spcPct val="110000"/>
+              </a:lnSpc>
+              <a:spcBef>
+                <a:spcPts val="1000"/>
+              </a:spcBef>
+              <a:spcAft>
+                <a:spcPts val="0"/>
+              </a:spcAft>
+              <a:buSzPts val="3360"/>
+              <a:buChar char="•"/>
+            </a:pPr>
+            <a:r>
+              <a:rPr lang="en-US" sz="2400" dirty="0">
+                <a:latin typeface="+mn-lt"/>
+                <a:ea typeface="Calibri"/>
+                <a:cs typeface="Calibri"/>
+                <a:sym typeface="Calibri"/>
+              </a:rPr>
+              <a:t>Training Environment</a:t>
             </a:r>
             <a:endParaRPr lang="en-US" sz="2400" dirty="0">
               <a:latin typeface="+mn-lt"/>
             </a:endParaRPr>
           </a:p>
           <a:p>
-            <a:pPr marL="742950" lvl="1" indent="-285750" algn="just">
+            <a:pPr marL="685800" lvl="1" indent="-228600" algn="just" rtl="0">
               <a:lnSpc>
                 <a:spcPct val="110000"/>
               </a:lnSpc>
               <a:spcBef>
                 <a:spcPts val="600"/>
               </a:spcBef>
+              <a:spcAft>
+                <a:spcPts val="0"/>
+              </a:spcAft>
               <a:buSzPts val="2880"/>
-              <a:buFont typeface="Noto Sans Symbols"/>
-              <a:buChar char="⮚"/>
+              <a:buChar char="•"/>
             </a:pPr>
             <a:r>
               <a:rPr lang="en-US" sz="2400" dirty="0">
-                <a:solidFill>
-                  <a:srgbClr val="212121"/>
-                </a:solidFill>
-                <a:highlight>
-                  <a:srgbClr val="FFFFFF"/>
-                </a:highlight>
                 <a:latin typeface="+mn-lt"/>
-                <a:ea typeface="Roboto"/>
-                <a:cs typeface="Roboto"/>
-                <a:sym typeface="Roboto"/>
+                <a:ea typeface="Calibri"/>
+                <a:cs typeface="Calibri"/>
+                <a:sym typeface="Calibri"/>
               </a:rPr>
-              <a:t>Decide step size </a:t>
-            </a:r>
-            <a:r>
-              <a:rPr lang="en-US" sz="2400" i="1" dirty="0">
-                <a:solidFill>
-                  <a:srgbClr val="242424"/>
-                </a:solidFill>
-                <a:highlight>
-                  <a:srgbClr val="FFFFFF"/>
-                </a:highlight>
+              <a:t>Introduction of </a:t>
+            </a:r>
+            <a:r>
+              <a:rPr lang="en-US" sz="2400" dirty="0" err="1">
                 <a:latin typeface="+mn-lt"/>
+                <a:ea typeface="Calibri"/>
+                <a:cs typeface="Calibri"/>
+                <a:sym typeface="Calibri"/>
               </a:rPr>
-              <a:t>α</a:t>
-            </a:r>
-            <a:endParaRPr lang="en-US" sz="2400" i="1" dirty="0">
-              <a:solidFill>
-                <a:srgbClr val="212121"/>
-              </a:solidFill>
-              <a:highlight>
-                <a:srgbClr val="FFFFFF"/>
-              </a:highlight>
-              <a:latin typeface="+mn-lt"/>
-              <a:ea typeface="Roboto"/>
-              <a:cs typeface="Roboto"/>
-              <a:sym typeface="Roboto"/>
-            </a:endParaRPr>
-          </a:p>
-          <a:p>
-            <a:pPr marL="742950" lvl="1" indent="-285750" algn="just">
-              <a:lnSpc>
-                <a:spcPct val="110000"/>
-              </a:lnSpc>
-              <a:spcBef>
-                <a:spcPts val="600"/>
-              </a:spcBef>
-              <a:buSzPts val="2880"/>
-              <a:buFont typeface="Noto Sans Symbols"/>
-              <a:buChar char="⮚"/>
-            </a:pPr>
-            <a:r>
-              <a:rPr lang="en-US" sz="2400" i="1" dirty="0">
-                <a:solidFill>
-                  <a:srgbClr val="212121"/>
-                </a:solidFill>
-                <a:highlight>
-                  <a:srgbClr val="FFFFFF"/>
-                </a:highlight>
+              <a:t>GymFC</a:t>
+            </a:r>
+            <a:r>
+              <a:rPr lang="en-US" sz="2400" dirty="0">
                 <a:latin typeface="+mn-lt"/>
-                <a:ea typeface="Roboto"/>
-                <a:cs typeface="Roboto"/>
-                <a:sym typeface="Roboto"/>
+                <a:ea typeface="Calibri"/>
+                <a:cs typeface="Calibri"/>
+                <a:sym typeface="Calibri"/>
               </a:rPr>
-              <a:t>Construct a circle with radius </a:t>
-            </a:r>
-            <a:r>
-              <a:rPr lang="en-US" sz="2400" i="1" dirty="0">
-                <a:solidFill>
-                  <a:srgbClr val="242424"/>
-                </a:solidFill>
-                <a:highlight>
-                  <a:srgbClr val="FFFFFF"/>
-                </a:highlight>
-                <a:latin typeface="+mn-lt"/>
-              </a:rPr>
-              <a:t>α (trust region)</a:t>
+              <a:t>, an OpenAI Environment, designed for training intelligent flight control systems.</a:t>
             </a:r>
             <a:endParaRPr lang="en-US" sz="2400" dirty="0">
               <a:latin typeface="+mn-lt"/>
             </a:endParaRPr>
           </a:p>
           <a:p>
-            <a:pPr marL="742950" lvl="1" indent="-285750" algn="just">
+            <a:pPr marL="228600" lvl="0" indent="-228600" algn="l" rtl="0">
               <a:lnSpc>
                 <a:spcPct val="110000"/>
               </a:lnSpc>
               <a:spcBef>
+                <a:spcPts val="1000"/>
+              </a:spcBef>
+              <a:spcAft>
+                <a:spcPts val="0"/>
+              </a:spcAft>
+              <a:buSzPts val="3360"/>
+              <a:buChar char="•"/>
+            </a:pPr>
+            <a:r>
+              <a:rPr lang="en-US" sz="2400" dirty="0">
+                <a:latin typeface="+mn-lt"/>
+                <a:ea typeface="Calibri"/>
+                <a:cs typeface="Calibri"/>
+                <a:sym typeface="Calibri"/>
+              </a:rPr>
+              <a:t>RL Application</a:t>
+            </a:r>
+            <a:endParaRPr lang="en-US" sz="2400" dirty="0">
+              <a:latin typeface="+mn-lt"/>
+            </a:endParaRPr>
+          </a:p>
+          <a:p>
+            <a:pPr marL="685800" lvl="1" indent="-228600" algn="just" rtl="0">
+              <a:lnSpc>
+                <a:spcPct val="110000"/>
+              </a:lnSpc>
+              <a:spcBef>
                 <a:spcPts val="600"/>
               </a:spcBef>
+              <a:spcAft>
+                <a:spcPts val="0"/>
+              </a:spcAft>
               <a:buSzPts val="2880"/>
-              <a:buFont typeface="Noto Sans Symbols"/>
-              <a:buChar char="⮚"/>
+              <a:buChar char="•"/>
             </a:pPr>
             <a:r>
-              <a:rPr lang="en-US" sz="2400" i="1" dirty="0">
-                <a:solidFill>
-                  <a:srgbClr val="242424"/>
-                </a:solidFill>
-                <a:highlight>
-                  <a:srgbClr val="FFFFFF"/>
-                </a:highlight>
+              <a:rPr lang="en-US" sz="2400" dirty="0">
                 <a:latin typeface="+mn-lt"/>
+                <a:ea typeface="Calibri"/>
+                <a:cs typeface="Calibri"/>
+                <a:sym typeface="Calibri"/>
               </a:rPr>
-              <a:t>Once having the best point, determine the direction</a:t>
-            </a:r>
-          </a:p>
-          <a:p>
-            <a:pPr marL="742950" lvl="1" indent="-285750" algn="just">
-              <a:lnSpc>
-                <a:spcPct val="110000"/>
-              </a:lnSpc>
-              <a:spcBef>
-                <a:spcPts val="600"/>
-              </a:spcBef>
-              <a:buSzPts val="2880"/>
-              <a:buFont typeface="Noto Sans Symbols"/>
-              <a:buChar char="⮚"/>
-            </a:pPr>
-            <a:r>
-              <a:rPr lang="en-US" sz="2400" i="1" dirty="0">
-                <a:solidFill>
-                  <a:srgbClr val="242424"/>
-                </a:solidFill>
-                <a:highlight>
-                  <a:srgbClr val="FFFFFF"/>
-                </a:highlight>
-                <a:latin typeface="+mn-lt"/>
-              </a:rPr>
-              <a:t>Repeat until the optimal point is reached</a:t>
-            </a:r>
-            <a:endParaRPr lang="en-US" sz="2400" i="1" dirty="0">
-              <a:solidFill>
-                <a:srgbClr val="212121"/>
-              </a:solidFill>
-              <a:highlight>
-                <a:srgbClr val="FFFFFF"/>
-              </a:highlight>
+              <a:t>Application of RL algorithms for attitude control and their potential transfer to physical hardware.</a:t>
+            </a:r>
+            <a:endParaRPr lang="en-US" sz="2400" dirty="0">
               <a:latin typeface="+mn-lt"/>
-              <a:ea typeface="Roboto"/>
-              <a:cs typeface="Roboto"/>
-              <a:sym typeface="Roboto"/>
             </a:endParaRPr>
           </a:p>
         </p:txBody>
       </p:sp>
-      <p:pic>
-        <p:nvPicPr>
-          <p:cNvPr id="6" name="Google Shape;170;p9">
+      <p:sp>
+        <p:nvSpPr>
+          <p:cNvPr id="2" name="Google Shape;220;p14">
             <a:extLst>
               <a:ext uri="{FF2B5EF4-FFF2-40B4-BE49-F238E27FC236}">
-                <a16:creationId xmlns:a16="http://schemas.microsoft.com/office/drawing/2014/main" id="{43524E10-4A74-0EE5-6052-5A7E14D56C7B}"/>
+                <a16:creationId xmlns:a16="http://schemas.microsoft.com/office/drawing/2014/main" id="{F8381E29-094D-62B2-B55E-8B02366270D5}"/>
               </a:ext>
             </a:extLst>
           </p:cNvPr>
-          <p:cNvPicPr preferRelativeResize="0"/>
+          <p:cNvSpPr txBox="1"/>
           <p:nvPr/>
-        </p:nvPicPr>
-        <p:blipFill rotWithShape="1">
-          <a:blip r:embed="rId3">
-            <a:alphaModFix/>
-          </a:blip>
-          <a:srcRect/>
-          <a:stretch/>
-        </p:blipFill>
+        </p:nvSpPr>
         <p:spPr>
           <a:xfrm>
-            <a:off x="7861280" y="1787102"/>
-            <a:ext cx="4016088" cy="3901778"/>
+            <a:off x="436921" y="5853797"/>
+            <a:ext cx="11391286" cy="646331"/>
           </a:xfrm>
           <a:prstGeom prst="rect">
             <a:avLst/>
@@ -21386,11 +24222,78 @@
             <a:noFill/>
           </a:ln>
         </p:spPr>
-      </p:pic>
+        <p:txBody>
+          <a:bodyPr spcFirstLastPara="1" wrap="square" lIns="91425" tIns="45700" rIns="91425" bIns="45700" anchor="t" anchorCtr="0">
+            <a:spAutoFit/>
+          </a:bodyPr>
+          <a:lstStyle/>
+          <a:p>
+            <a:pPr marL="0" marR="0" lvl="0" indent="0" algn="l" rtl="0">
+              <a:spcBef>
+                <a:spcPts val="0"/>
+              </a:spcBef>
+              <a:spcAft>
+                <a:spcPts val="0"/>
+              </a:spcAft>
+              <a:buClr>
+                <a:srgbClr val="222222"/>
+              </a:buClr>
+              <a:buSzPts val="1800"/>
+              <a:buFont typeface="Arial"/>
+              <a:buNone/>
+            </a:pPr>
+            <a:r>
+              <a:rPr lang="en-US" sz="1800" b="0" i="0" u="none" strike="noStrike" cap="none" dirty="0">
+                <a:solidFill>
+                  <a:srgbClr val="222222"/>
+                </a:solidFill>
+                <a:latin typeface="Arial"/>
+                <a:ea typeface="Arial"/>
+                <a:cs typeface="Arial"/>
+                <a:sym typeface="Arial"/>
+              </a:rPr>
+              <a:t>Koch, William, et al. "Reinforcement learning for UAV attitude control." </a:t>
+            </a:r>
+            <a:r>
+              <a:rPr lang="en-US" sz="1800" b="0" i="1" u="none" strike="noStrike" cap="none" dirty="0">
+                <a:solidFill>
+                  <a:srgbClr val="222222"/>
+                </a:solidFill>
+                <a:latin typeface="Arial"/>
+                <a:ea typeface="Arial"/>
+                <a:cs typeface="Arial"/>
+                <a:sym typeface="Arial"/>
+              </a:rPr>
+              <a:t>ACM Transactions on Cyber-Physical Systems</a:t>
+            </a:r>
+            <a:r>
+              <a:rPr lang="en-US" sz="1800" b="0" i="0" u="none" strike="noStrike" cap="none" dirty="0">
+                <a:solidFill>
+                  <a:srgbClr val="222222"/>
+                </a:solidFill>
+                <a:latin typeface="Arial"/>
+                <a:ea typeface="Arial"/>
+                <a:cs typeface="Arial"/>
+                <a:sym typeface="Arial"/>
+              </a:rPr>
+              <a:t> 3.2 (2019): 1-21.</a:t>
+            </a:r>
+            <a:endParaRPr sz="1800" b="0" i="0" u="none" strike="noStrike" cap="none" dirty="0">
+              <a:solidFill>
+                <a:srgbClr val="222222"/>
+              </a:solidFill>
+              <a:latin typeface="Arial"/>
+              <a:ea typeface="Arial"/>
+              <a:cs typeface="Arial"/>
+              <a:sym typeface="Arial"/>
+            </a:endParaRPr>
+          </a:p>
+        </p:txBody>
+      </p:sp>
     </p:spTree>
     <p:extLst>
       <p:ext uri="{BB962C8B-B14F-4D97-AF65-F5344CB8AC3E}">
-        <p14:creationId xmlns:p14="http://schemas.microsoft.com/office/powerpoint/2010/main" val="224389039"/>
+        <p14:creationId xmlns:p14="http://schemas.microsoft.com/office/powerpoint/2010/main" val="291212169"/>
       </p:ext>
     </p:extLst>
   </p:cSld>
@@ -21471,7 +24374,7 @@
             </a:r>
             <a:r>
               <a:rPr lang="tr-TR" dirty="0" err="1"/>
-              <a:t>Overview</a:t>
+              <a:t>Results</a:t>
             </a:r>
             <a:endParaRPr lang="en-US" dirty="0"/>
           </a:p>
@@ -21729,10 +24632,43 @@
           </a:p>
         </p:txBody>
       </p:sp>
+      <p:pic>
+        <p:nvPicPr>
+          <p:cNvPr id="2" name="Google Shape;240;p16">
+            <a:extLst>
+              <a:ext uri="{FF2B5EF4-FFF2-40B4-BE49-F238E27FC236}">
+                <a16:creationId xmlns:a16="http://schemas.microsoft.com/office/drawing/2014/main" id="{78C8A8E2-C991-6EFB-E31B-2A29FE52977A}"/>
+              </a:ext>
+            </a:extLst>
+          </p:cNvPr>
+          <p:cNvPicPr preferRelativeResize="0"/>
+          <p:nvPr/>
+        </p:nvPicPr>
+        <p:blipFill rotWithShape="1">
+          <a:blip r:embed="rId3">
+            <a:alphaModFix/>
+          </a:blip>
+          <a:srcRect/>
+          <a:stretch/>
+        </p:blipFill>
+        <p:spPr>
+          <a:xfrm>
+            <a:off x="1272687" y="1037537"/>
+            <a:ext cx="9646625" cy="5112711"/>
+          </a:xfrm>
+          <a:prstGeom prst="rect">
+            <a:avLst/>
+          </a:prstGeom>
+          <a:noFill/>
+          <a:ln>
+            <a:noFill/>
+          </a:ln>
+        </p:spPr>
+      </p:pic>
     </p:spTree>
     <p:extLst>
       <p:ext uri="{BB962C8B-B14F-4D97-AF65-F5344CB8AC3E}">
-        <p14:creationId xmlns:p14="http://schemas.microsoft.com/office/powerpoint/2010/main" val="291212169"/>
+        <p14:creationId xmlns:p14="http://schemas.microsoft.com/office/powerpoint/2010/main" val="4049533696"/>
       </p:ext>
     </p:extLst>
   </p:cSld>
@@ -21809,11 +24745,11 @@
             </a:pPr>
             <a:r>
               <a:rPr lang="tr-TR" dirty="0"/>
-              <a:t>Literature-1 </a:t>
+              <a:t>Literature-2 </a:t>
             </a:r>
             <a:r>
               <a:rPr lang="tr-TR" dirty="0" err="1"/>
-              <a:t>Results</a:t>
+              <a:t>Overview</a:t>
             </a:r>
             <a:endParaRPr lang="en-US" dirty="0"/>
           </a:p>
@@ -22071,10 +25007,439 @@
           </a:p>
         </p:txBody>
       </p:sp>
+      <p:sp>
+        <p:nvSpPr>
+          <p:cNvPr id="2" name="Google Shape;247;p17">
+            <a:extLst>
+              <a:ext uri="{FF2B5EF4-FFF2-40B4-BE49-F238E27FC236}">
+                <a16:creationId xmlns:a16="http://schemas.microsoft.com/office/drawing/2014/main" id="{FC7680D6-0DB2-1B25-79B6-EA4AD305D008}"/>
+              </a:ext>
+            </a:extLst>
+          </p:cNvPr>
+          <p:cNvSpPr txBox="1">
+            <a:spLocks/>
+          </p:cNvSpPr>
+          <p:nvPr/>
+        </p:nvSpPr>
+        <p:spPr>
+          <a:xfrm>
+            <a:off x="730044" y="1127535"/>
+            <a:ext cx="11176820" cy="4208554"/>
+          </a:xfrm>
+          <a:prstGeom prst="rect">
+            <a:avLst/>
+          </a:prstGeom>
+          <a:noFill/>
+          <a:ln>
+            <a:noFill/>
+          </a:ln>
+        </p:spPr>
+        <p:txBody>
+          <a:bodyPr spcFirstLastPara="1" wrap="square" lIns="91425" tIns="45700" rIns="91425" bIns="45700" anchor="t" anchorCtr="0">
+            <a:normAutofit/>
+          </a:bodyPr>
+          <a:lstStyle>
+            <a:defPPr marR="0" lvl="0" algn="l" rtl="0">
+              <a:lnSpc>
+                <a:spcPct val="100000"/>
+              </a:lnSpc>
+              <a:spcBef>
+                <a:spcPts val="0"/>
+              </a:spcBef>
+              <a:spcAft>
+                <a:spcPts val="0"/>
+              </a:spcAft>
+            </a:defPPr>
+            <a:lvl1pPr marR="0" lvl="0" algn="l" rtl="0">
+              <a:lnSpc>
+                <a:spcPct val="100000"/>
+              </a:lnSpc>
+              <a:spcBef>
+                <a:spcPts val="0"/>
+              </a:spcBef>
+              <a:spcAft>
+                <a:spcPts val="0"/>
+              </a:spcAft>
+              <a:buClr>
+                <a:srgbClr val="000000"/>
+              </a:buClr>
+              <a:buFont typeface="Arial"/>
+              <a:defRPr sz="1400" b="0" i="0" u="none" strike="noStrike" cap="none">
+                <a:solidFill>
+                  <a:srgbClr val="000000"/>
+                </a:solidFill>
+                <a:latin typeface="Arial"/>
+                <a:ea typeface="Arial"/>
+                <a:cs typeface="Arial"/>
+                <a:sym typeface="Arial"/>
+              </a:defRPr>
+            </a:lvl1pPr>
+            <a:lvl2pPr marR="0" lvl="1" algn="l" rtl="0">
+              <a:lnSpc>
+                <a:spcPct val="100000"/>
+              </a:lnSpc>
+              <a:spcBef>
+                <a:spcPts val="0"/>
+              </a:spcBef>
+              <a:spcAft>
+                <a:spcPts val="0"/>
+              </a:spcAft>
+              <a:buClr>
+                <a:srgbClr val="000000"/>
+              </a:buClr>
+              <a:buFont typeface="Arial"/>
+              <a:defRPr sz="1400" b="0" i="0" u="none" strike="noStrike" cap="none">
+                <a:solidFill>
+                  <a:srgbClr val="000000"/>
+                </a:solidFill>
+                <a:latin typeface="Arial"/>
+                <a:ea typeface="Arial"/>
+                <a:cs typeface="Arial"/>
+                <a:sym typeface="Arial"/>
+              </a:defRPr>
+            </a:lvl2pPr>
+            <a:lvl3pPr marR="0" lvl="2" algn="l" rtl="0">
+              <a:lnSpc>
+                <a:spcPct val="100000"/>
+              </a:lnSpc>
+              <a:spcBef>
+                <a:spcPts val="0"/>
+              </a:spcBef>
+              <a:spcAft>
+                <a:spcPts val="0"/>
+              </a:spcAft>
+              <a:buClr>
+                <a:srgbClr val="000000"/>
+              </a:buClr>
+              <a:buFont typeface="Arial"/>
+              <a:defRPr sz="1400" b="0" i="0" u="none" strike="noStrike" cap="none">
+                <a:solidFill>
+                  <a:srgbClr val="000000"/>
+                </a:solidFill>
+                <a:latin typeface="Arial"/>
+                <a:ea typeface="Arial"/>
+                <a:cs typeface="Arial"/>
+                <a:sym typeface="Arial"/>
+              </a:defRPr>
+            </a:lvl3pPr>
+            <a:lvl4pPr marR="0" lvl="3" algn="l" rtl="0">
+              <a:lnSpc>
+                <a:spcPct val="100000"/>
+              </a:lnSpc>
+              <a:spcBef>
+                <a:spcPts val="0"/>
+              </a:spcBef>
+              <a:spcAft>
+                <a:spcPts val="0"/>
+              </a:spcAft>
+              <a:buClr>
+                <a:srgbClr val="000000"/>
+              </a:buClr>
+              <a:buFont typeface="Arial"/>
+              <a:defRPr sz="1400" b="0" i="0" u="none" strike="noStrike" cap="none">
+                <a:solidFill>
+                  <a:srgbClr val="000000"/>
+                </a:solidFill>
+                <a:latin typeface="Arial"/>
+                <a:ea typeface="Arial"/>
+                <a:cs typeface="Arial"/>
+                <a:sym typeface="Arial"/>
+              </a:defRPr>
+            </a:lvl4pPr>
+            <a:lvl5pPr marR="0" lvl="4" algn="l" rtl="0">
+              <a:lnSpc>
+                <a:spcPct val="100000"/>
+              </a:lnSpc>
+              <a:spcBef>
+                <a:spcPts val="0"/>
+              </a:spcBef>
+              <a:spcAft>
+                <a:spcPts val="0"/>
+              </a:spcAft>
+              <a:buClr>
+                <a:srgbClr val="000000"/>
+              </a:buClr>
+              <a:buFont typeface="Arial"/>
+              <a:defRPr sz="1400" b="0" i="0" u="none" strike="noStrike" cap="none">
+                <a:solidFill>
+                  <a:srgbClr val="000000"/>
+                </a:solidFill>
+                <a:latin typeface="Arial"/>
+                <a:ea typeface="Arial"/>
+                <a:cs typeface="Arial"/>
+                <a:sym typeface="Arial"/>
+              </a:defRPr>
+            </a:lvl5pPr>
+            <a:lvl6pPr marR="0" lvl="5" algn="l" rtl="0">
+              <a:lnSpc>
+                <a:spcPct val="100000"/>
+              </a:lnSpc>
+              <a:spcBef>
+                <a:spcPts val="0"/>
+              </a:spcBef>
+              <a:spcAft>
+                <a:spcPts val="0"/>
+              </a:spcAft>
+              <a:buClr>
+                <a:srgbClr val="000000"/>
+              </a:buClr>
+              <a:buFont typeface="Arial"/>
+              <a:defRPr sz="1400" b="0" i="0" u="none" strike="noStrike" cap="none">
+                <a:solidFill>
+                  <a:srgbClr val="000000"/>
+                </a:solidFill>
+                <a:latin typeface="Arial"/>
+                <a:ea typeface="Arial"/>
+                <a:cs typeface="Arial"/>
+                <a:sym typeface="Arial"/>
+              </a:defRPr>
+            </a:lvl6pPr>
+            <a:lvl7pPr marR="0" lvl="6" algn="l" rtl="0">
+              <a:lnSpc>
+                <a:spcPct val="100000"/>
+              </a:lnSpc>
+              <a:spcBef>
+                <a:spcPts val="0"/>
+              </a:spcBef>
+              <a:spcAft>
+                <a:spcPts val="0"/>
+              </a:spcAft>
+              <a:buClr>
+                <a:srgbClr val="000000"/>
+              </a:buClr>
+              <a:buFont typeface="Arial"/>
+              <a:defRPr sz="1400" b="0" i="0" u="none" strike="noStrike" cap="none">
+                <a:solidFill>
+                  <a:srgbClr val="000000"/>
+                </a:solidFill>
+                <a:latin typeface="Arial"/>
+                <a:ea typeface="Arial"/>
+                <a:cs typeface="Arial"/>
+                <a:sym typeface="Arial"/>
+              </a:defRPr>
+            </a:lvl7pPr>
+            <a:lvl8pPr marR="0" lvl="7" algn="l" rtl="0">
+              <a:lnSpc>
+                <a:spcPct val="100000"/>
+              </a:lnSpc>
+              <a:spcBef>
+                <a:spcPts val="0"/>
+              </a:spcBef>
+              <a:spcAft>
+                <a:spcPts val="0"/>
+              </a:spcAft>
+              <a:buClr>
+                <a:srgbClr val="000000"/>
+              </a:buClr>
+              <a:buFont typeface="Arial"/>
+              <a:defRPr sz="1400" b="0" i="0" u="none" strike="noStrike" cap="none">
+                <a:solidFill>
+                  <a:srgbClr val="000000"/>
+                </a:solidFill>
+                <a:latin typeface="Arial"/>
+                <a:ea typeface="Arial"/>
+                <a:cs typeface="Arial"/>
+                <a:sym typeface="Arial"/>
+              </a:defRPr>
+            </a:lvl8pPr>
+            <a:lvl9pPr marR="0" lvl="8" algn="l" rtl="0">
+              <a:lnSpc>
+                <a:spcPct val="100000"/>
+              </a:lnSpc>
+              <a:spcBef>
+                <a:spcPts val="0"/>
+              </a:spcBef>
+              <a:spcAft>
+                <a:spcPts val="0"/>
+              </a:spcAft>
+              <a:buClr>
+                <a:srgbClr val="000000"/>
+              </a:buClr>
+              <a:buFont typeface="Arial"/>
+              <a:defRPr sz="1400" b="0" i="0" u="none" strike="noStrike" cap="none">
+                <a:solidFill>
+                  <a:srgbClr val="000000"/>
+                </a:solidFill>
+                <a:latin typeface="Arial"/>
+                <a:ea typeface="Arial"/>
+                <a:cs typeface="Arial"/>
+                <a:sym typeface="Arial"/>
+              </a:defRPr>
+            </a:lvl9pPr>
+          </a:lstStyle>
+          <a:p>
+            <a:pPr marL="228600" indent="-228600">
+              <a:lnSpc>
+                <a:spcPct val="110000"/>
+              </a:lnSpc>
+              <a:buSzPts val="3360"/>
+              <a:buFont typeface="Arial"/>
+              <a:buChar char="•"/>
+            </a:pPr>
+            <a:r>
+              <a:rPr lang="en-US" sz="2400" dirty="0">
+                <a:latin typeface="+mn-lt"/>
+                <a:ea typeface="Calibri"/>
+                <a:cs typeface="Calibri"/>
+                <a:sym typeface="Calibri"/>
+              </a:rPr>
+              <a:t>Specific Focus</a:t>
+            </a:r>
+          </a:p>
+          <a:p>
+            <a:pPr marL="685800" lvl="1" indent="-228600" algn="just">
+              <a:lnSpc>
+                <a:spcPct val="110000"/>
+              </a:lnSpc>
+              <a:spcBef>
+                <a:spcPts val="600"/>
+              </a:spcBef>
+              <a:buSzPts val="2880"/>
+              <a:buFont typeface="Arial"/>
+              <a:buChar char="•"/>
+            </a:pPr>
+            <a:r>
+              <a:rPr lang="en-US" sz="2400" dirty="0">
+                <a:latin typeface="+mn-lt"/>
+              </a:rPr>
+              <a:t>Controlling the quadcopter by using DDPG &amp; D4PG RL algorithms.</a:t>
+            </a:r>
+          </a:p>
+          <a:p>
+            <a:pPr marL="228600" indent="-228600">
+              <a:lnSpc>
+                <a:spcPct val="110000"/>
+              </a:lnSpc>
+              <a:spcBef>
+                <a:spcPts val="1000"/>
+              </a:spcBef>
+              <a:buSzPts val="3360"/>
+              <a:buFont typeface="Arial"/>
+              <a:buChar char="•"/>
+            </a:pPr>
+            <a:r>
+              <a:rPr lang="en-US" sz="2400" dirty="0">
+                <a:latin typeface="+mn-lt"/>
+                <a:ea typeface="Calibri"/>
+                <a:cs typeface="Calibri"/>
+                <a:sym typeface="Calibri"/>
+              </a:rPr>
+              <a:t>Training Environment</a:t>
+            </a:r>
+            <a:endParaRPr lang="en-US" sz="2400" dirty="0">
+              <a:latin typeface="+mn-lt"/>
+            </a:endParaRPr>
+          </a:p>
+          <a:p>
+            <a:pPr marL="685800" lvl="1" indent="-228600" algn="just">
+              <a:lnSpc>
+                <a:spcPct val="110000"/>
+              </a:lnSpc>
+              <a:spcBef>
+                <a:spcPts val="600"/>
+              </a:spcBef>
+              <a:buSzPts val="2880"/>
+              <a:buFont typeface="Arial"/>
+              <a:buChar char="•"/>
+            </a:pPr>
+            <a:r>
+              <a:rPr lang="en-US" sz="2400" dirty="0" err="1">
+                <a:latin typeface="+mn-lt"/>
+                <a:ea typeface="Calibri"/>
+                <a:cs typeface="Calibri"/>
+                <a:sym typeface="Calibri"/>
+              </a:rPr>
+              <a:t>GymFC</a:t>
+            </a:r>
+            <a:r>
+              <a:rPr lang="en-US" sz="2400" dirty="0">
+                <a:latin typeface="+mn-lt"/>
+                <a:ea typeface="Calibri"/>
+                <a:cs typeface="Calibri"/>
+                <a:sym typeface="Calibri"/>
+              </a:rPr>
+              <a:t> for training intelligent flight control of quadcopter.</a:t>
+            </a:r>
+          </a:p>
+          <a:p>
+            <a:pPr marL="228600" indent="-228600">
+              <a:lnSpc>
+                <a:spcPct val="110000"/>
+              </a:lnSpc>
+              <a:spcBef>
+                <a:spcPts val="1000"/>
+              </a:spcBef>
+              <a:buSzPts val="3360"/>
+              <a:buFont typeface="Arial"/>
+              <a:buChar char="•"/>
+            </a:pPr>
+            <a:r>
+              <a:rPr lang="en-US" sz="2400" dirty="0">
+                <a:latin typeface="+mn-lt"/>
+                <a:ea typeface="Calibri"/>
+                <a:cs typeface="Calibri"/>
+                <a:sym typeface="Calibri"/>
+              </a:rPr>
+              <a:t>RL Application</a:t>
+            </a:r>
+            <a:endParaRPr lang="en-US" sz="2400" dirty="0">
+              <a:latin typeface="+mn-lt"/>
+            </a:endParaRPr>
+          </a:p>
+          <a:p>
+            <a:pPr marL="685800" lvl="1" indent="-228600" algn="just">
+              <a:lnSpc>
+                <a:spcPct val="110000"/>
+              </a:lnSpc>
+              <a:spcBef>
+                <a:spcPts val="600"/>
+              </a:spcBef>
+              <a:buSzPts val="2880"/>
+              <a:buFont typeface="Arial"/>
+              <a:buChar char="•"/>
+            </a:pPr>
+            <a:r>
+              <a:rPr lang="en-US" sz="2400" dirty="0">
+                <a:latin typeface="+mn-lt"/>
+                <a:ea typeface="Calibri"/>
+                <a:cs typeface="Calibri"/>
+                <a:sym typeface="Calibri"/>
+              </a:rPr>
+              <a:t>Comparative analysis of the performance of DDPG &amp;D4PG </a:t>
+            </a:r>
+            <a:endParaRPr lang="tr-TR" sz="2400" dirty="0">
+              <a:latin typeface="+mn-lt"/>
+              <a:ea typeface="Calibri"/>
+              <a:cs typeface="Calibri"/>
+              <a:sym typeface="Calibri"/>
+            </a:endParaRPr>
+          </a:p>
+          <a:p>
+            <a:pPr marL="457200" lvl="1" algn="just">
+              <a:lnSpc>
+                <a:spcPct val="110000"/>
+              </a:lnSpc>
+              <a:spcBef>
+                <a:spcPts val="600"/>
+              </a:spcBef>
+              <a:buSzPts val="2880"/>
+            </a:pPr>
+            <a:r>
+              <a:rPr lang="en-US" sz="2400" dirty="0">
+                <a:latin typeface="+mn-lt"/>
+                <a:ea typeface="Calibri"/>
+                <a:cs typeface="Calibri"/>
+                <a:sym typeface="Calibri"/>
+              </a:rPr>
+              <a:t>algorithms in terms of reward generation, actor loss, and critic performance.</a:t>
+            </a:r>
+          </a:p>
+        </p:txBody>
+      </p:sp>
     </p:spTree>
     <p:extLst>
       <p:ext uri="{BB962C8B-B14F-4D97-AF65-F5344CB8AC3E}">
-        <p14:creationId xmlns:p14="http://schemas.microsoft.com/office/powerpoint/2010/main" val="4049533696"/>
+        <p14:creationId xmlns:p14="http://schemas.microsoft.com/office/powerpoint/2010/main" val="1469934724"/>
       </p:ext>
     </p:extLst>
   </p:cSld>

--- a/Presentations/Project_Final.pptx
+++ b/Presentations/Project_Final.pptx
@@ -18826,7 +18826,7 @@
 </file>
 
 <file path=ppt/slides/slide19.xml><?xml version="1.0" encoding="utf-8"?>
-<p:sld xmlns:a="http://schemas.openxmlformats.org/drawingml/2006/main" xmlns:r="http://schemas.openxmlformats.org/officeDocument/2006/relationships" xmlns:p="http://schemas.openxmlformats.org/presentationml/2006/main">
+<p:sld xmlns:a="http://schemas.openxmlformats.org/drawingml/2006/main" xmlns:r="http://schemas.openxmlformats.org/officeDocument/2006/relationships" xmlns:p="http://schemas.openxmlformats.org/presentationml/2006/main" show="0">
   <p:cSld>
     <p:spTree>
       <p:nvGrpSpPr>
@@ -19117,12 +19117,15 @@
               <a:buFont typeface="Arial" panose="020B0604020202020204" pitchFamily="34" charset="0"/>
               <a:buChar char="•"/>
             </a:pPr>
-            <a:endParaRPr lang="tr-TR" sz="2400" dirty="0">
-              <a:solidFill>
-                <a:schemeClr val="dk1"/>
-              </a:solidFill>
-              <a:latin typeface="+mj-lt"/>
-            </a:endParaRPr>
+            <a:r>
+              <a:rPr lang="tr-TR" sz="2400" dirty="0">
+                <a:solidFill>
+                  <a:schemeClr val="dk1"/>
+                </a:solidFill>
+                <a:latin typeface="+mj-lt"/>
+              </a:rPr>
+              <a:t> </a:t>
+            </a:r>
           </a:p>
           <a:p>
             <a:pPr marL="941832" marR="0" lvl="1" indent="-342900" algn="just" rtl="0">
@@ -19649,7 +19652,7 @@
 </file>
 
 <file path=ppt/slides/slide20.xml><?xml version="1.0" encoding="utf-8"?>
-<p:sld xmlns:a="http://schemas.openxmlformats.org/drawingml/2006/main" xmlns:r="http://schemas.openxmlformats.org/officeDocument/2006/relationships" xmlns:p="http://schemas.openxmlformats.org/presentationml/2006/main">
+<p:sld xmlns:a="http://schemas.openxmlformats.org/drawingml/2006/main" xmlns:r="http://schemas.openxmlformats.org/officeDocument/2006/relationships" xmlns:p="http://schemas.openxmlformats.org/presentationml/2006/main" show="0">
   <p:cSld>
     <p:spTree>
       <p:nvGrpSpPr>

--- a/Presentations/Project_Final.pptx
+++ b/Presentations/Project_Final.pptx
@@ -13,20 +13,20 @@
     <p:sldId id="307" r:id="rId4"/>
     <p:sldId id="308" r:id="rId5"/>
     <p:sldId id="313" r:id="rId6"/>
-    <p:sldId id="314" r:id="rId7"/>
-    <p:sldId id="309" r:id="rId8"/>
-    <p:sldId id="310" r:id="rId9"/>
-    <p:sldId id="311" r:id="rId10"/>
-    <p:sldId id="312" r:id="rId11"/>
-    <p:sldId id="306" r:id="rId12"/>
-    <p:sldId id="315" r:id="rId13"/>
-    <p:sldId id="316" r:id="rId14"/>
-    <p:sldId id="295" r:id="rId15"/>
-    <p:sldId id="303" r:id="rId16"/>
-    <p:sldId id="304" r:id="rId17"/>
-    <p:sldId id="301" r:id="rId18"/>
-    <p:sldId id="302" r:id="rId19"/>
-    <p:sldId id="318" r:id="rId20"/>
+    <p:sldId id="323" r:id="rId7"/>
+    <p:sldId id="314" r:id="rId8"/>
+    <p:sldId id="324" r:id="rId9"/>
+    <p:sldId id="309" r:id="rId10"/>
+    <p:sldId id="310" r:id="rId11"/>
+    <p:sldId id="311" r:id="rId12"/>
+    <p:sldId id="312" r:id="rId13"/>
+    <p:sldId id="315" r:id="rId14"/>
+    <p:sldId id="306" r:id="rId15"/>
+    <p:sldId id="295" r:id="rId16"/>
+    <p:sldId id="303" r:id="rId17"/>
+    <p:sldId id="304" r:id="rId18"/>
+    <p:sldId id="301" r:id="rId19"/>
+    <p:sldId id="302" r:id="rId20"/>
     <p:sldId id="319" r:id="rId21"/>
     <p:sldId id="320" r:id="rId22"/>
     <p:sldId id="322" r:id="rId23"/>
@@ -291,7 +291,9 @@
         <p14:section name="Training Algorithms" id="{B1893223-A602-4F5E-8D4A-117EEEA4548D}">
           <p14:sldIdLst>
             <p14:sldId id="313"/>
+            <p14:sldId id="323"/>
             <p14:sldId id="314"/>
+            <p14:sldId id="324"/>
           </p14:sldIdLst>
         </p14:section>
         <p14:section name="Related Work" id="{3ED16331-D574-4C65-AB94-463CC0241A82}">
@@ -304,9 +306,8 @@
         </p14:section>
         <p14:section name="Project Overview" id="{C4E2A496-96C7-46E2-BB3B-3FDCCBF78035}">
           <p14:sldIdLst>
+            <p14:sldId id="315"/>
             <p14:sldId id="306"/>
-            <p14:sldId id="315"/>
-            <p14:sldId id="316"/>
             <p14:sldId id="295"/>
           </p14:sldIdLst>
         </p14:section>
@@ -320,7 +321,6 @@
         </p14:section>
         <p14:section name="Conclusions" id="{8DFAE975-7BC6-452D-A748-078E79C2D86A}">
           <p14:sldIdLst>
-            <p14:sldId id="318"/>
             <p14:sldId id="319"/>
             <p14:sldId id="320"/>
             <p14:sldId id="322"/>
@@ -332,7 +332,7 @@
       <p15:sldGuideLst xmlns:p15="http://schemas.microsoft.com/office/powerpoint/2012/main"/>
     </p:ext>
     <p:ext uri="GoogleSlidesCustomDataVersion2">
-      <go:slidesCustomData xmlns="" xmlns:mc="http://schemas.openxmlformats.org/markup-compatibility/2006" xmlns:mv="urn:schemas-microsoft-com:mac:vml" xmlns:c="http://schemas.openxmlformats.org/drawingml/2006/chart" xmlns:dgm="http://schemas.openxmlformats.org/drawingml/2006/diagram" xmlns:o="urn:schemas-microsoft-com:office:office" xmlns:v="urn:schemas-microsoft-com:vml" xmlns:pvml="urn:schemas-microsoft-com:office:powerpoint" xmlns:com="http://schemas.openxmlformats.org/drawingml/2006/compatibility" xmlns:p14="http://schemas.microsoft.com/office/powerpoint/2010/main" xmlns:p15="http://schemas.microsoft.com/office/powerpoint/2012/main" xmlns:ahyp="http://schemas.microsoft.com/office/drawing/2018/hyperlinkcolor" xmlns:go="http://customooxmlschemas.google.com/" r:id="rId44" roundtripDataSignature="AMtx7mg5uORYicMT0MeaOpO/20tnanoKVQ=="/>
+      <go:slidesCustomData xmlns:go="http://customooxmlschemas.google.com/" xmlns:ahyp="http://schemas.microsoft.com/office/drawing/2018/hyperlinkcolor" xmlns:p15="http://schemas.microsoft.com/office/powerpoint/2012/main" xmlns:p14="http://schemas.microsoft.com/office/powerpoint/2010/main" xmlns:com="http://schemas.openxmlformats.org/drawingml/2006/compatibility" xmlns:pvml="urn:schemas-microsoft-com:office:powerpoint" xmlns:v="urn:schemas-microsoft-com:vml" xmlns:o="urn:schemas-microsoft-com:office:office" xmlns:dgm="http://schemas.openxmlformats.org/drawingml/2006/diagram" xmlns:c="http://schemas.openxmlformats.org/drawingml/2006/chart" xmlns:mv="urn:schemas-microsoft-com:mac:vml" xmlns:mc="http://schemas.openxmlformats.org/markup-compatibility/2006" xmlns="" r:id="rId44" roundtripDataSignature="AMtx7mg5uORYicMT0MeaOpO/20tnanoKVQ=="/>
     </p:ext>
   </p:extLst>
 </p:presentation>
@@ -1794,7 +1794,7 @@
     </p:spTree>
     <p:extLst>
       <p:ext uri="{BB962C8B-B14F-4D97-AF65-F5344CB8AC3E}">
-        <p14:creationId xmlns:p14="http://schemas.microsoft.com/office/powerpoint/2010/main" val="3734022589"/>
+        <p14:creationId xmlns:p14="http://schemas.microsoft.com/office/powerpoint/2010/main" val="4019728927"/>
       </p:ext>
     </p:extLst>
   </p:cSld>
@@ -1963,7 +1963,7 @@
     </p:spTree>
     <p:extLst>
       <p:ext uri="{BB962C8B-B14F-4D97-AF65-F5344CB8AC3E}">
-        <p14:creationId xmlns:p14="http://schemas.microsoft.com/office/powerpoint/2010/main" val="1382394766"/>
+        <p14:creationId xmlns:p14="http://schemas.microsoft.com/office/powerpoint/2010/main" val="1234239379"/>
       </p:ext>
     </p:extLst>
   </p:cSld>
@@ -2132,7 +2132,7 @@
     </p:spTree>
     <p:extLst>
       <p:ext uri="{BB962C8B-B14F-4D97-AF65-F5344CB8AC3E}">
-        <p14:creationId xmlns:p14="http://schemas.microsoft.com/office/powerpoint/2010/main" val="1335605751"/>
+        <p14:creationId xmlns:p14="http://schemas.microsoft.com/office/powerpoint/2010/main" val="3734022589"/>
       </p:ext>
     </p:extLst>
   </p:cSld>
@@ -2301,7 +2301,7 @@
     </p:spTree>
     <p:extLst>
       <p:ext uri="{BB962C8B-B14F-4D97-AF65-F5344CB8AC3E}">
-        <p14:creationId xmlns:p14="http://schemas.microsoft.com/office/powerpoint/2010/main" val="849685334"/>
+        <p14:creationId xmlns:p14="http://schemas.microsoft.com/office/powerpoint/2010/main" val="1335605751"/>
       </p:ext>
     </p:extLst>
   </p:cSld>
@@ -2417,127 +2417,6 @@
               </a:spcAft>
               <a:buNone/>
             </a:pPr>
-            <a:r>
-              <a:rPr lang="en-US" noProof="0" dirty="0"/>
-              <a:t>This is the agent and its environment block</a:t>
-            </a:r>
-            <a:r>
-              <a:rPr lang="tr-TR" noProof="0" dirty="0"/>
-              <a:t> </a:t>
-            </a:r>
-            <a:r>
-              <a:rPr lang="tr-TR" noProof="0" dirty="0" err="1"/>
-              <a:t>for</a:t>
-            </a:r>
-            <a:r>
-              <a:rPr lang="tr-TR" noProof="0" dirty="0"/>
-              <a:t> </a:t>
-            </a:r>
-            <a:r>
-              <a:rPr lang="tr-TR" noProof="0" dirty="0" err="1"/>
-              <a:t>roll</a:t>
-            </a:r>
-            <a:r>
-              <a:rPr lang="tr-TR" noProof="0" dirty="0"/>
-              <a:t> </a:t>
-            </a:r>
-            <a:r>
-              <a:rPr lang="tr-TR" noProof="0" dirty="0" err="1"/>
-              <a:t>and</a:t>
-            </a:r>
-            <a:r>
-              <a:rPr lang="tr-TR" noProof="0" dirty="0"/>
-              <a:t> </a:t>
-            </a:r>
-            <a:r>
-              <a:rPr lang="tr-TR" noProof="0" dirty="0" err="1"/>
-              <a:t>pitch</a:t>
-            </a:r>
-            <a:r>
-              <a:rPr lang="tr-TR" noProof="0" dirty="0"/>
-              <a:t> </a:t>
-            </a:r>
-            <a:r>
-              <a:rPr lang="tr-TR" noProof="0" dirty="0" err="1"/>
-              <a:t>attitude</a:t>
-            </a:r>
-            <a:r>
-              <a:rPr lang="tr-TR" noProof="0" dirty="0"/>
-              <a:t> </a:t>
-            </a:r>
-            <a:r>
-              <a:rPr lang="tr-TR" noProof="0" dirty="0" err="1"/>
-              <a:t>control</a:t>
-            </a:r>
-            <a:r>
-              <a:rPr lang="en-US" noProof="0" dirty="0"/>
-              <a:t>. </a:t>
-            </a:r>
-          </a:p>
-          <a:p>
-            <a:pPr marL="0" lvl="0" indent="0" algn="l" rtl="0">
-              <a:spcBef>
-                <a:spcPts val="0"/>
-              </a:spcBef>
-              <a:spcAft>
-                <a:spcPts val="0"/>
-              </a:spcAft>
-              <a:buNone/>
-            </a:pPr>
-            <a:endParaRPr lang="en-US" noProof="0" dirty="0"/>
-          </a:p>
-          <a:p>
-            <a:pPr marL="0" lvl="0" indent="0" algn="l" rtl="0">
-              <a:spcBef>
-                <a:spcPts val="0"/>
-              </a:spcBef>
-              <a:spcAft>
-                <a:spcPts val="0"/>
-              </a:spcAft>
-              <a:buNone/>
-            </a:pPr>
-            <a:r>
-              <a:rPr lang="en-US" noProof="0" dirty="0"/>
-              <a:t>Input parameters are observation, reward Function and flag.  the output is the action.</a:t>
-            </a:r>
-          </a:p>
-          <a:p>
-            <a:pPr marL="0" lvl="0" indent="0" algn="l" rtl="0">
-              <a:spcBef>
-                <a:spcPts val="0"/>
-              </a:spcBef>
-              <a:spcAft>
-                <a:spcPts val="0"/>
-              </a:spcAft>
-              <a:buNone/>
-            </a:pPr>
-            <a:r>
-              <a:rPr lang="en-US" noProof="0" dirty="0"/>
-              <a:t> </a:t>
-            </a:r>
-          </a:p>
-          <a:p>
-            <a:pPr marL="0" lvl="0" indent="0" algn="l" rtl="0">
-              <a:spcBef>
-                <a:spcPts val="0"/>
-              </a:spcBef>
-              <a:spcAft>
-                <a:spcPts val="0"/>
-              </a:spcAft>
-              <a:buNone/>
-            </a:pPr>
-            <a:endParaRPr lang="en-US" noProof="0" dirty="0"/>
-          </a:p>
-          <a:p>
-            <a:pPr marL="0" lvl="0" indent="0" algn="l" rtl="0">
-              <a:spcBef>
-                <a:spcPts val="0"/>
-              </a:spcBef>
-              <a:spcAft>
-                <a:spcPts val="0"/>
-              </a:spcAft>
-              <a:buNone/>
-            </a:pPr>
             <a:endParaRPr lang="en-US" noProof="0" dirty="0"/>
           </a:p>
         </p:txBody>
@@ -2591,7 +2470,7 @@
     </p:spTree>
     <p:extLst>
       <p:ext uri="{BB962C8B-B14F-4D97-AF65-F5344CB8AC3E}">
-        <p14:creationId xmlns:p14="http://schemas.microsoft.com/office/powerpoint/2010/main" val="1680456656"/>
+        <p14:creationId xmlns:p14="http://schemas.microsoft.com/office/powerpoint/2010/main" val="1382394766"/>
       </p:ext>
     </p:extLst>
   </p:cSld>
@@ -2707,6 +2586,158 @@
               </a:spcAft>
               <a:buNone/>
             </a:pPr>
+            <a:r>
+              <a:rPr lang="tr-TR" noProof="0" dirty="0" err="1"/>
+              <a:t>Reward</a:t>
+            </a:r>
+            <a:r>
+              <a:rPr lang="tr-TR" noProof="0" dirty="0"/>
+              <a:t> fonksiyonların formülleri düzenlenecek.</a:t>
+            </a:r>
+          </a:p>
+          <a:p>
+            <a:pPr marL="0" lvl="0" indent="0" algn="l" rtl="0">
+              <a:spcBef>
+                <a:spcPts val="0"/>
+              </a:spcBef>
+              <a:spcAft>
+                <a:spcPts val="0"/>
+              </a:spcAft>
+              <a:buNone/>
+            </a:pPr>
+            <a:endParaRPr lang="tr-TR" noProof="0" dirty="0"/>
+          </a:p>
+          <a:p>
+            <a:pPr marL="0" lvl="0" indent="0" algn="l" rtl="0">
+              <a:spcBef>
+                <a:spcPts val="0"/>
+              </a:spcBef>
+              <a:spcAft>
+                <a:spcPts val="0"/>
+              </a:spcAft>
+              <a:buNone/>
+            </a:pPr>
+            <a:r>
+              <a:rPr lang="en-US" noProof="0" dirty="0"/>
+              <a:t>This is the agent and its environment block</a:t>
+            </a:r>
+            <a:r>
+              <a:rPr lang="tr-TR" noProof="0" dirty="0"/>
+              <a:t> </a:t>
+            </a:r>
+            <a:r>
+              <a:rPr lang="tr-TR" noProof="0" dirty="0" err="1"/>
+              <a:t>for</a:t>
+            </a:r>
+            <a:r>
+              <a:rPr lang="tr-TR" noProof="0" dirty="0"/>
+              <a:t> </a:t>
+            </a:r>
+            <a:r>
+              <a:rPr lang="tr-TR" noProof="0" dirty="0" err="1"/>
+              <a:t>roll</a:t>
+            </a:r>
+            <a:r>
+              <a:rPr lang="tr-TR" noProof="0" dirty="0"/>
+              <a:t> </a:t>
+            </a:r>
+            <a:r>
+              <a:rPr lang="tr-TR" noProof="0" dirty="0" err="1"/>
+              <a:t>and</a:t>
+            </a:r>
+            <a:r>
+              <a:rPr lang="tr-TR" noProof="0" dirty="0"/>
+              <a:t> </a:t>
+            </a:r>
+            <a:r>
+              <a:rPr lang="tr-TR" noProof="0" dirty="0" err="1"/>
+              <a:t>pitch</a:t>
+            </a:r>
+            <a:r>
+              <a:rPr lang="tr-TR" noProof="0" dirty="0"/>
+              <a:t> </a:t>
+            </a:r>
+            <a:r>
+              <a:rPr lang="tr-TR" noProof="0" dirty="0" err="1"/>
+              <a:t>attitude</a:t>
+            </a:r>
+            <a:r>
+              <a:rPr lang="tr-TR" noProof="0" dirty="0"/>
+              <a:t> </a:t>
+            </a:r>
+            <a:r>
+              <a:rPr lang="tr-TR" noProof="0" dirty="0" err="1"/>
+              <a:t>control</a:t>
+            </a:r>
+            <a:r>
+              <a:rPr lang="en-US" noProof="0" dirty="0"/>
+              <a:t>. </a:t>
+            </a:r>
+          </a:p>
+          <a:p>
+            <a:pPr marL="0" lvl="0" indent="0" algn="l" rtl="0">
+              <a:spcBef>
+                <a:spcPts val="0"/>
+              </a:spcBef>
+              <a:spcAft>
+                <a:spcPts val="0"/>
+              </a:spcAft>
+              <a:buNone/>
+            </a:pPr>
+            <a:endParaRPr lang="en-US" noProof="0" dirty="0"/>
+          </a:p>
+          <a:p>
+            <a:pPr marL="0" lvl="0" indent="0" algn="l" rtl="0">
+              <a:spcBef>
+                <a:spcPts val="0"/>
+              </a:spcBef>
+              <a:spcAft>
+                <a:spcPts val="0"/>
+              </a:spcAft>
+              <a:buNone/>
+            </a:pPr>
+            <a:r>
+              <a:rPr lang="en-US" noProof="0" dirty="0"/>
+              <a:t>Input parameters are observation, reward Function and flag.  the output is the action.</a:t>
+            </a:r>
+          </a:p>
+          <a:p>
+            <a:pPr marL="0" lvl="0" indent="0" algn="l" rtl="0">
+              <a:spcBef>
+                <a:spcPts val="0"/>
+              </a:spcBef>
+              <a:spcAft>
+                <a:spcPts val="0"/>
+              </a:spcAft>
+              <a:buNone/>
+            </a:pPr>
+            <a:r>
+              <a:rPr lang="en-US" noProof="0" dirty="0"/>
+              <a:t> </a:t>
+            </a:r>
+          </a:p>
+          <a:p>
+            <a:pPr marL="0" lvl="0" indent="0" algn="l" rtl="0">
+              <a:spcBef>
+                <a:spcPts val="0"/>
+              </a:spcBef>
+              <a:spcAft>
+                <a:spcPts val="0"/>
+              </a:spcAft>
+              <a:buNone/>
+            </a:pPr>
+            <a:endParaRPr lang="en-US" noProof="0" dirty="0"/>
+          </a:p>
+          <a:p>
+            <a:pPr marL="0" lvl="0" indent="0" algn="l" rtl="0">
+              <a:spcBef>
+                <a:spcPts val="0"/>
+              </a:spcBef>
+              <a:spcAft>
+                <a:spcPts val="0"/>
+              </a:spcAft>
+              <a:buNone/>
+            </a:pPr>
             <a:endParaRPr lang="en-US" noProof="0" dirty="0"/>
           </a:p>
         </p:txBody>
@@ -2760,7 +2791,7 @@
     </p:spTree>
     <p:extLst>
       <p:ext uri="{BB962C8B-B14F-4D97-AF65-F5344CB8AC3E}">
-        <p14:creationId xmlns:p14="http://schemas.microsoft.com/office/powerpoint/2010/main" val="3042220525"/>
+        <p14:creationId xmlns:p14="http://schemas.microsoft.com/office/powerpoint/2010/main" val="1680456656"/>
       </p:ext>
     </p:extLst>
   </p:cSld>
@@ -2876,7 +2907,318 @@
               </a:spcAft>
               <a:buNone/>
             </a:pPr>
-            <a:endParaRPr lang="en-US" noProof="0" dirty="0"/>
+            <a:r>
+              <a:rPr lang="tr-TR" noProof="0" dirty="0"/>
+              <a:t>Normalde </a:t>
+            </a:r>
+            <a:r>
+              <a:rPr lang="tr-TR" noProof="0" dirty="0" err="1"/>
+              <a:t>rewardün</a:t>
+            </a:r>
+            <a:r>
+              <a:rPr lang="tr-TR" noProof="0" dirty="0"/>
+              <a:t> </a:t>
+            </a:r>
+            <a:r>
+              <a:rPr lang="tr-TR" noProof="0" dirty="0" err="1"/>
+              <a:t>maximize</a:t>
+            </a:r>
+            <a:r>
+              <a:rPr lang="tr-TR" noProof="0" dirty="0"/>
+              <a:t> etmesi beklenir. Osilasyon belirli </a:t>
+            </a:r>
+            <a:r>
+              <a:rPr lang="tr-TR" noProof="0" dirty="0" err="1"/>
+              <a:t>steplede</a:t>
+            </a:r>
+            <a:r>
+              <a:rPr lang="tr-TR" noProof="0" dirty="0"/>
+              <a:t> </a:t>
+            </a:r>
+            <a:r>
+              <a:rPr lang="tr-TR" noProof="0" dirty="0" err="1"/>
+              <a:t>reward</a:t>
+            </a:r>
+            <a:r>
+              <a:rPr lang="tr-TR" noProof="0" dirty="0"/>
+              <a:t> </a:t>
+            </a:r>
+          </a:p>
+          <a:p>
+            <a:pPr marL="0" lvl="0" indent="0" algn="l" rtl="0">
+              <a:spcBef>
+                <a:spcPts val="0"/>
+              </a:spcBef>
+              <a:spcAft>
+                <a:spcPts val="0"/>
+              </a:spcAft>
+              <a:buNone/>
+            </a:pPr>
+            <a:r>
+              <a:rPr lang="tr-TR" noProof="0" dirty="0" err="1"/>
+              <a:t>Average</a:t>
+            </a:r>
+            <a:r>
+              <a:rPr lang="tr-TR" noProof="0" dirty="0"/>
+              <a:t> </a:t>
+            </a:r>
+            <a:r>
+              <a:rPr lang="tr-TR" noProof="0" dirty="0" err="1"/>
+              <a:t>reward</a:t>
+            </a:r>
+            <a:r>
+              <a:rPr lang="tr-TR" noProof="0" dirty="0"/>
+              <a:t> 10 tanesinin ortalaması</a:t>
+            </a:r>
+          </a:p>
+          <a:p>
+            <a:pPr marL="0" lvl="0" indent="0" algn="l" rtl="0">
+              <a:spcBef>
+                <a:spcPts val="0"/>
+              </a:spcBef>
+              <a:spcAft>
+                <a:spcPts val="0"/>
+              </a:spcAft>
+              <a:buNone/>
+            </a:pPr>
+            <a:r>
+              <a:rPr lang="tr-TR" noProof="0" dirty="0" err="1"/>
+              <a:t>Reward</a:t>
+            </a:r>
+            <a:r>
+              <a:rPr lang="tr-TR" noProof="0" dirty="0"/>
+              <a:t> </a:t>
+            </a:r>
+            <a:r>
+              <a:rPr lang="tr-TR" noProof="0" dirty="0" err="1"/>
+              <a:t>function</a:t>
+            </a:r>
+            <a:r>
+              <a:rPr lang="tr-TR" noProof="0" dirty="0"/>
+              <a:t> : </a:t>
+            </a:r>
+          </a:p>
+          <a:p>
+            <a:pPr marL="0" lvl="0" indent="0" algn="l" rtl="0">
+              <a:spcBef>
+                <a:spcPts val="0"/>
+              </a:spcBef>
+              <a:spcAft>
+                <a:spcPts val="0"/>
+              </a:spcAft>
+              <a:buNone/>
+            </a:pPr>
+            <a:r>
+              <a:rPr lang="tr-TR" noProof="0" dirty="0"/>
+              <a:t>&lt;</a:t>
+            </a:r>
+            <a:r>
+              <a:rPr lang="tr-TR" noProof="0" dirty="0" err="1"/>
+              <a:t>roll</a:t>
+            </a:r>
+            <a:r>
+              <a:rPr lang="tr-TR" noProof="0" dirty="0"/>
+              <a:t> </a:t>
+            </a:r>
+            <a:r>
+              <a:rPr lang="tr-TR" noProof="0" dirty="0" err="1"/>
+              <a:t>error</a:t>
+            </a:r>
+            <a:r>
+              <a:rPr lang="tr-TR" noProof="0" dirty="0"/>
+              <a:t> ve </a:t>
+            </a:r>
+            <a:r>
+              <a:rPr lang="tr-TR" noProof="0" dirty="0" err="1"/>
+              <a:t>pitch</a:t>
+            </a:r>
+            <a:r>
+              <a:rPr lang="tr-TR" noProof="0" dirty="0"/>
+              <a:t> </a:t>
+            </a:r>
+            <a:r>
+              <a:rPr lang="tr-TR" noProof="0" dirty="0" err="1"/>
+              <a:t>error</a:t>
+            </a:r>
+            <a:r>
+              <a:rPr lang="tr-TR" noProof="0" dirty="0"/>
+              <a:t> 0.5 . Bunların </a:t>
+            </a:r>
+            <a:r>
+              <a:rPr lang="tr-TR" noProof="0" dirty="0" err="1"/>
+              <a:t>weight</a:t>
+            </a:r>
+            <a:r>
+              <a:rPr lang="tr-TR" noProof="0" dirty="0"/>
+              <a:t> değerleri 2side 0.5 </a:t>
+            </a:r>
+            <a:r>
+              <a:rPr lang="tr-TR" noProof="0" dirty="0" err="1"/>
+              <a:t>ikiside</a:t>
+            </a:r>
+            <a:r>
+              <a:rPr lang="tr-TR" noProof="0" dirty="0"/>
+              <a:t> aynı  oranda ödül + ceza. </a:t>
+            </a:r>
+          </a:p>
+          <a:p>
+            <a:pPr marL="0" lvl="0" indent="0" algn="l" rtl="0">
+              <a:spcBef>
+                <a:spcPts val="0"/>
+              </a:spcBef>
+              <a:spcAft>
+                <a:spcPts val="0"/>
+              </a:spcAft>
+              <a:buNone/>
+            </a:pPr>
+            <a:r>
+              <a:rPr lang="tr-TR" noProof="0" dirty="0"/>
+              <a:t>&gt;</a:t>
+            </a:r>
+          </a:p>
+          <a:p>
+            <a:pPr marL="0" lvl="0" indent="0" algn="l" rtl="0">
+              <a:spcBef>
+                <a:spcPts val="0"/>
+              </a:spcBef>
+              <a:spcAft>
+                <a:spcPts val="0"/>
+              </a:spcAft>
+              <a:buNone/>
+            </a:pPr>
+            <a:r>
+              <a:rPr lang="tr-TR" noProof="0" dirty="0"/>
+              <a:t>&lt;1 bölü e üzeri  denklem… Bu hata sıfıra gittikçe </a:t>
+            </a:r>
+            <a:r>
+              <a:rPr lang="tr-TR" noProof="0" dirty="0" err="1"/>
+              <a:t>reward</a:t>
+            </a:r>
+            <a:r>
+              <a:rPr lang="tr-TR" noProof="0" dirty="0"/>
+              <a:t> 1 e yaklaşacak demek. Hata sonsuza  giderse </a:t>
+            </a:r>
+            <a:r>
+              <a:rPr lang="tr-TR" noProof="0" dirty="0" err="1"/>
+              <a:t>reward</a:t>
+            </a:r>
+            <a:r>
+              <a:rPr lang="tr-TR" noProof="0" dirty="0"/>
+              <a:t> 0 olacak . </a:t>
+            </a:r>
+            <a:r>
+              <a:rPr lang="tr-TR" noProof="0" dirty="0" err="1"/>
+              <a:t>Exponential</a:t>
+            </a:r>
+            <a:r>
+              <a:rPr lang="tr-TR" noProof="0" dirty="0"/>
+              <a:t> terim </a:t>
+            </a:r>
+            <a:r>
+              <a:rPr lang="tr-TR" noProof="0" dirty="0" err="1"/>
+              <a:t>klullanrak</a:t>
+            </a:r>
+            <a:r>
+              <a:rPr lang="tr-TR" noProof="0" dirty="0"/>
+              <a:t> hataya 0 ve 1 arasına </a:t>
+            </a:r>
+            <a:r>
+              <a:rPr lang="tr-TR" noProof="0" dirty="0" err="1"/>
+              <a:t>sınırlandırk</a:t>
+            </a:r>
+            <a:r>
+              <a:rPr lang="tr-TR" noProof="0" dirty="0"/>
+              <a:t> [değer]</a:t>
+            </a:r>
+          </a:p>
+          <a:p>
+            <a:pPr marL="0" lvl="0" indent="0" algn="l" rtl="0">
+              <a:spcBef>
+                <a:spcPts val="0"/>
+              </a:spcBef>
+              <a:spcAft>
+                <a:spcPts val="0"/>
+              </a:spcAft>
+              <a:buNone/>
+            </a:pPr>
+            <a:r>
+              <a:rPr lang="tr-TR" noProof="0" dirty="0"/>
+              <a:t>Maksimum step 2000 yapıldı, bu bize ne sağladı&lt;</a:t>
+            </a:r>
+          </a:p>
+          <a:p>
+            <a:pPr marL="0" lvl="0" indent="0" algn="l" rtl="0">
+              <a:spcBef>
+                <a:spcPts val="0"/>
+              </a:spcBef>
+              <a:spcAft>
+                <a:spcPts val="0"/>
+              </a:spcAft>
+              <a:buNone/>
+            </a:pPr>
+            <a:r>
+              <a:rPr lang="tr-TR" noProof="0" dirty="0"/>
+              <a:t>Her bir step maksimum 1 olabilir, bu yüzden her bir </a:t>
+            </a:r>
+            <a:r>
+              <a:rPr lang="tr-TR" noProof="0" dirty="0" err="1"/>
+              <a:t>episode</a:t>
+            </a:r>
+            <a:r>
+              <a:rPr lang="tr-TR" noProof="0" dirty="0"/>
+              <a:t> maksimum 2000 </a:t>
+            </a:r>
+            <a:r>
+              <a:rPr lang="tr-TR" noProof="0" dirty="0" err="1"/>
+              <a:t>değerinni</a:t>
+            </a:r>
+            <a:r>
+              <a:rPr lang="tr-TR" noProof="0" dirty="0"/>
+              <a:t> alır&gt;</a:t>
+            </a:r>
+          </a:p>
+          <a:p>
+            <a:pPr marL="0" lvl="0" indent="0" algn="l" rtl="0">
+              <a:spcBef>
+                <a:spcPts val="0"/>
+              </a:spcBef>
+              <a:spcAft>
+                <a:spcPts val="0"/>
+              </a:spcAft>
+              <a:buNone/>
+            </a:pPr>
+            <a:r>
+              <a:rPr lang="tr-TR" noProof="0" dirty="0"/>
+              <a:t>Training </a:t>
+            </a:r>
+            <a:r>
+              <a:rPr lang="tr-TR" noProof="0" dirty="0" err="1"/>
+              <a:t>stopping</a:t>
+            </a:r>
+            <a:r>
+              <a:rPr lang="tr-TR" noProof="0" dirty="0"/>
+              <a:t> </a:t>
+            </a:r>
+            <a:r>
+              <a:rPr lang="tr-TR" noProof="0" dirty="0" err="1"/>
+              <a:t>criteria</a:t>
+            </a:r>
+            <a:r>
+              <a:rPr lang="tr-TR" noProof="0" dirty="0"/>
+              <a:t> 1500 olarak seçildi. {hiçbir zaman 900 ün üzerine geçemedik ve anlık osilasyonlar oldu }</a:t>
+            </a:r>
+          </a:p>
+          <a:p>
+            <a:pPr marL="0" lvl="0" indent="0" algn="l" rtl="0">
+              <a:spcBef>
+                <a:spcPts val="0"/>
+              </a:spcBef>
+              <a:spcAft>
+                <a:spcPts val="0"/>
+              </a:spcAft>
+              <a:buNone/>
+            </a:pPr>
+            <a:endParaRPr lang="tr-TR" noProof="0" dirty="0"/>
           </a:p>
         </p:txBody>
       </p:sp>
@@ -2929,7 +3271,7 @@
     </p:spTree>
     <p:extLst>
       <p:ext uri="{BB962C8B-B14F-4D97-AF65-F5344CB8AC3E}">
-        <p14:creationId xmlns:p14="http://schemas.microsoft.com/office/powerpoint/2010/main" val="784193817"/>
+        <p14:creationId xmlns:p14="http://schemas.microsoft.com/office/powerpoint/2010/main" val="3042220525"/>
       </p:ext>
     </p:extLst>
   </p:cSld>
@@ -3045,6 +3387,111 @@
               </a:spcAft>
               <a:buNone/>
             </a:pPr>
+            <a:r>
+              <a:rPr lang="tr-TR" noProof="0" dirty="0"/>
+              <a:t>Katsayı ve </a:t>
+            </a:r>
+            <a:r>
+              <a:rPr lang="tr-TR" noProof="0" dirty="0" err="1"/>
+              <a:t>üssel</a:t>
+            </a:r>
+            <a:r>
+              <a:rPr lang="tr-TR" noProof="0" dirty="0"/>
+              <a:t> ifadelerden dolayı değişen hata oranlarında </a:t>
+            </a:r>
+            <a:r>
+              <a:rPr lang="tr-TR" noProof="0" dirty="0" err="1"/>
+              <a:t>episoode</a:t>
+            </a:r>
+            <a:r>
+              <a:rPr lang="tr-TR" noProof="0" dirty="0"/>
+              <a:t> </a:t>
+            </a:r>
+            <a:r>
+              <a:rPr lang="tr-TR" noProof="0" dirty="0" err="1"/>
+              <a:t>reward</a:t>
+            </a:r>
+            <a:r>
+              <a:rPr lang="tr-TR" noProof="0" dirty="0"/>
+              <a:t> değerinde hızlı yükseliş ve alçalışlar oluşmakta.</a:t>
+            </a:r>
+          </a:p>
+          <a:p>
+            <a:pPr marL="0" lvl="0" indent="0" algn="l" rtl="0">
+              <a:spcBef>
+                <a:spcPts val="0"/>
+              </a:spcBef>
+              <a:spcAft>
+                <a:spcPts val="0"/>
+              </a:spcAft>
+              <a:buNone/>
+            </a:pPr>
+            <a:r>
+              <a:rPr lang="tr-TR" noProof="0" dirty="0"/>
+              <a:t>Başlangıçta    &lt;  &gt;</a:t>
+            </a:r>
+          </a:p>
+          <a:p>
+            <a:pPr marL="0" lvl="0" indent="0" algn="l" rtl="0">
+              <a:spcBef>
+                <a:spcPts val="0"/>
+              </a:spcBef>
+              <a:spcAft>
+                <a:spcPts val="0"/>
+              </a:spcAft>
+              <a:buNone/>
+            </a:pPr>
+            <a:r>
+              <a:rPr lang="tr-TR" noProof="0" dirty="0" err="1"/>
+              <a:t>Steady</a:t>
+            </a:r>
+            <a:r>
+              <a:rPr lang="tr-TR" noProof="0" dirty="0"/>
+              <a:t> </a:t>
+            </a:r>
+            <a:r>
+              <a:rPr lang="tr-TR" noProof="0" dirty="0" err="1"/>
+              <a:t>State</a:t>
+            </a:r>
+            <a:r>
+              <a:rPr lang="tr-TR" noProof="0" dirty="0"/>
+              <a:t> Yakınında &lt;&gt;</a:t>
+            </a:r>
+          </a:p>
+          <a:p>
+            <a:pPr marL="0" lvl="0" indent="0" algn="l" rtl="0">
+              <a:spcBef>
+                <a:spcPts val="0"/>
+              </a:spcBef>
+              <a:spcAft>
+                <a:spcPts val="0"/>
+              </a:spcAft>
+              <a:buNone/>
+            </a:pPr>
+            <a:endParaRPr lang="tr-TR" noProof="0" dirty="0"/>
+          </a:p>
+          <a:p>
+            <a:pPr marL="0" lvl="0" indent="0" algn="l" rtl="0">
+              <a:spcBef>
+                <a:spcPts val="0"/>
+              </a:spcBef>
+              <a:spcAft>
+                <a:spcPts val="0"/>
+              </a:spcAft>
+              <a:buNone/>
+            </a:pPr>
+            <a:r>
+              <a:rPr lang="tr-TR" noProof="0" dirty="0"/>
+              <a:t>Sistem kararlı değildi </a:t>
+            </a:r>
+            <a:r>
+              <a:rPr lang="tr-TR" noProof="0" dirty="0" err="1"/>
+              <a:t>roll</a:t>
+            </a:r>
+            <a:r>
+              <a:rPr lang="tr-TR" noProof="0" dirty="0"/>
+              <a:t> ekseni etrafında dönmekte.</a:t>
+            </a:r>
             <a:endParaRPr lang="en-US" noProof="0" dirty="0"/>
           </a:p>
         </p:txBody>
@@ -3098,7 +3545,7 @@
     </p:spTree>
     <p:extLst>
       <p:ext uri="{BB962C8B-B14F-4D97-AF65-F5344CB8AC3E}">
-        <p14:creationId xmlns:p14="http://schemas.microsoft.com/office/powerpoint/2010/main" val="2334986900"/>
+        <p14:creationId xmlns:p14="http://schemas.microsoft.com/office/powerpoint/2010/main" val="784193817"/>
       </p:ext>
     </p:extLst>
   </p:cSld>
@@ -3214,6 +3661,26 @@
               </a:spcAft>
               <a:buNone/>
             </a:pPr>
+            <a:r>
+              <a:rPr lang="tr-TR" noProof="0" dirty="0"/>
+              <a:t>Bu </a:t>
+            </a:r>
+            <a:r>
+              <a:rPr lang="tr-TR" noProof="0" dirty="0" err="1"/>
+              <a:t>rewar</a:t>
+            </a:r>
+            <a:r>
+              <a:rPr lang="tr-TR" noProof="0" dirty="0"/>
+              <a:t> </a:t>
+            </a:r>
+            <a:r>
+              <a:rPr lang="tr-TR" noProof="0" dirty="0" err="1"/>
+              <a:t>function</a:t>
+            </a:r>
+            <a:r>
+              <a:rPr lang="tr-TR" noProof="0" dirty="0"/>
+              <a:t> kullanarak değerlendirmeler </a:t>
+            </a:r>
             <a:endParaRPr lang="en-US" noProof="0" dirty="0"/>
           </a:p>
         </p:txBody>
@@ -3267,7 +3734,7 @@
     </p:spTree>
     <p:extLst>
       <p:ext uri="{BB962C8B-B14F-4D97-AF65-F5344CB8AC3E}">
-        <p14:creationId xmlns:p14="http://schemas.microsoft.com/office/powerpoint/2010/main" val="3653681234"/>
+        <p14:creationId xmlns:p14="http://schemas.microsoft.com/office/powerpoint/2010/main" val="2334986900"/>
       </p:ext>
     </p:extLst>
   </p:cSld>
@@ -3436,7 +3903,7 @@
     </p:spTree>
     <p:extLst>
       <p:ext uri="{BB962C8B-B14F-4D97-AF65-F5344CB8AC3E}">
-        <p14:creationId xmlns:p14="http://schemas.microsoft.com/office/powerpoint/2010/main" val="1471848104"/>
+        <p14:creationId xmlns:p14="http://schemas.microsoft.com/office/powerpoint/2010/main" val="3653681234"/>
       </p:ext>
     </p:extLst>
   </p:cSld>
@@ -3542,6 +4009,144 @@
             <a:noAutofit/>
           </a:bodyPr>
           <a:lstStyle/>
+          <a:p>
+            <a:pPr marL="0" marR="0" lvl="0" indent="0" algn="l" defTabSz="914400" rtl="0" eaLnBrk="1" fontAlgn="auto" latinLnBrk="0" hangingPunct="1">
+              <a:lnSpc>
+                <a:spcPct val="100000"/>
+              </a:lnSpc>
+              <a:spcBef>
+                <a:spcPts val="0"/>
+              </a:spcBef>
+              <a:spcAft>
+                <a:spcPts val="0"/>
+              </a:spcAft>
+              <a:buClr>
+                <a:srgbClr val="000000"/>
+              </a:buClr>
+              <a:buSzPts val="1400"/>
+              <a:buFont typeface="Arial"/>
+              <a:buNone/>
+              <a:tabLst/>
+              <a:defRPr/>
+            </a:pPr>
+            <a:r>
+              <a:rPr lang="tr-TR" sz="1200" dirty="0">
+                <a:latin typeface="+mj-lt"/>
+                <a:ea typeface="Calibri"/>
+                <a:cs typeface="Calibri"/>
+                <a:sym typeface="Calibri"/>
+              </a:rPr>
+              <a:t>Flight </a:t>
+            </a:r>
+            <a:r>
+              <a:rPr lang="tr-TR" sz="1200" dirty="0" err="1">
+                <a:latin typeface="+mj-lt"/>
+                <a:ea typeface="Calibri"/>
+                <a:cs typeface="Calibri"/>
+                <a:sym typeface="Calibri"/>
+              </a:rPr>
+              <a:t>control</a:t>
+            </a:r>
+            <a:r>
+              <a:rPr lang="tr-TR" sz="1200" dirty="0">
+                <a:latin typeface="+mj-lt"/>
+                <a:ea typeface="Calibri"/>
+                <a:cs typeface="Calibri"/>
+                <a:sym typeface="Calibri"/>
+              </a:rPr>
+              <a:t> </a:t>
+            </a:r>
+            <a:r>
+              <a:rPr lang="tr-TR" sz="1200" dirty="0" err="1">
+                <a:latin typeface="+mj-lt"/>
+                <a:ea typeface="Calibri"/>
+                <a:cs typeface="Calibri"/>
+                <a:sym typeface="Calibri"/>
+              </a:rPr>
+              <a:t>systems</a:t>
+            </a:r>
+            <a:r>
+              <a:rPr lang="tr-TR" sz="1200" dirty="0">
+                <a:latin typeface="+mj-lt"/>
+                <a:ea typeface="Calibri"/>
+                <a:cs typeface="Calibri"/>
+                <a:sym typeface="Calibri"/>
+              </a:rPr>
+              <a:t> </a:t>
+            </a:r>
+            <a:r>
+              <a:rPr lang="tr-TR" sz="1200" dirty="0" err="1">
+                <a:latin typeface="+mj-lt"/>
+                <a:ea typeface="Calibri"/>
+                <a:cs typeface="Calibri"/>
+                <a:sym typeface="Calibri"/>
+              </a:rPr>
+              <a:t>are</a:t>
+            </a:r>
+            <a:r>
+              <a:rPr lang="tr-TR" sz="1200" dirty="0">
+                <a:latin typeface="+mj-lt"/>
+                <a:ea typeface="Calibri"/>
+                <a:cs typeface="Calibri"/>
+                <a:sym typeface="Calibri"/>
+              </a:rPr>
+              <a:t> </a:t>
+            </a:r>
+          </a:p>
+          <a:p>
+            <a:pPr marL="0" marR="0" lvl="0" indent="0" algn="l" defTabSz="914400" rtl="0" eaLnBrk="1" fontAlgn="auto" latinLnBrk="0" hangingPunct="1">
+              <a:lnSpc>
+                <a:spcPct val="100000"/>
+              </a:lnSpc>
+              <a:spcBef>
+                <a:spcPts val="0"/>
+              </a:spcBef>
+              <a:spcAft>
+                <a:spcPts val="0"/>
+              </a:spcAft>
+              <a:buClr>
+                <a:srgbClr val="000000"/>
+              </a:buClr>
+              <a:buSzPts val="1400"/>
+              <a:buFont typeface="Arial"/>
+              <a:buNone/>
+              <a:tabLst/>
+              <a:defRPr/>
+            </a:pPr>
+            <a:endParaRPr lang="tr-TR" sz="1200" dirty="0">
+              <a:latin typeface="+mj-lt"/>
+              <a:ea typeface="Calibri"/>
+              <a:cs typeface="Calibri"/>
+              <a:sym typeface="Calibri"/>
+            </a:endParaRPr>
+          </a:p>
+          <a:p>
+            <a:pPr marL="0" marR="0" lvl="0" indent="0" algn="l" defTabSz="914400" rtl="0" eaLnBrk="1" fontAlgn="auto" latinLnBrk="0" hangingPunct="1">
+              <a:lnSpc>
+                <a:spcPct val="100000"/>
+              </a:lnSpc>
+              <a:spcBef>
+                <a:spcPts val="0"/>
+              </a:spcBef>
+              <a:spcAft>
+                <a:spcPts val="0"/>
+              </a:spcAft>
+              <a:buClr>
+                <a:srgbClr val="000000"/>
+              </a:buClr>
+              <a:buSzPts val="1400"/>
+              <a:buFont typeface="Arial"/>
+              <a:buNone/>
+              <a:tabLst/>
+              <a:defRPr/>
+            </a:pPr>
+            <a:endParaRPr lang="tr-TR" sz="1200" dirty="0">
+              <a:latin typeface="+mj-lt"/>
+              <a:ea typeface="Calibri"/>
+              <a:cs typeface="Calibri"/>
+              <a:sym typeface="Calibri"/>
+            </a:endParaRPr>
+          </a:p>
           <a:p>
             <a:pPr marL="0" marR="0" lvl="0" indent="0" algn="l" defTabSz="914400" rtl="0" eaLnBrk="1" fontAlgn="auto" latinLnBrk="0" hangingPunct="1">
               <a:lnSpc>
@@ -3737,6 +4342,300 @@
           </a:bodyPr>
           <a:lstStyle/>
           <a:p>
+            <a:pPr marL="941832" marR="0" lvl="1" indent="-342900" algn="just" rtl="0">
+              <a:lnSpc>
+                <a:spcPct val="110000"/>
+              </a:lnSpc>
+              <a:spcBef>
+                <a:spcPts val="600"/>
+              </a:spcBef>
+              <a:spcAft>
+                <a:spcPts val="0"/>
+              </a:spcAft>
+              <a:buClr>
+                <a:schemeClr val="accent1"/>
+              </a:buClr>
+              <a:buSzPct val="119999"/>
+              <a:buFont typeface="Arial" panose="020B0604020202020204" pitchFamily="34" charset="0"/>
+              <a:buChar char="•"/>
+            </a:pPr>
+            <a:r>
+              <a:rPr lang="tr-TR" sz="1200" b="0" i="0" u="none" strike="noStrike" cap="none" dirty="0">
+                <a:solidFill>
+                  <a:schemeClr val="dk1"/>
+                </a:solidFill>
+                <a:latin typeface="+mj-lt"/>
+                <a:ea typeface="Arial"/>
+                <a:cs typeface="Arial"/>
+                <a:sym typeface="Arial"/>
+              </a:rPr>
+              <a:t>Yapılabilirliği üzerine bir çalışma yürütüldü istenilen </a:t>
+            </a:r>
+            <a:r>
+              <a:rPr lang="tr-TR" sz="1200" b="0" i="0" u="none" strike="noStrike" cap="none" dirty="0" err="1">
+                <a:solidFill>
+                  <a:schemeClr val="dk1"/>
+                </a:solidFill>
+                <a:latin typeface="+mj-lt"/>
+                <a:ea typeface="Arial"/>
+                <a:cs typeface="Arial"/>
+                <a:sym typeface="Arial"/>
+              </a:rPr>
+              <a:t>performasnların</a:t>
+            </a:r>
+            <a:r>
+              <a:rPr lang="tr-TR" sz="1200" b="0" i="0" u="none" strike="noStrike" cap="none" dirty="0">
+                <a:solidFill>
+                  <a:schemeClr val="dk1"/>
+                </a:solidFill>
+                <a:latin typeface="+mj-lt"/>
+                <a:ea typeface="Arial"/>
+                <a:cs typeface="Arial"/>
+                <a:sym typeface="Arial"/>
+              </a:rPr>
+              <a:t> sergilenemediği görüldü. Training yapılamadığı fakat </a:t>
+            </a:r>
+            <a:r>
+              <a:rPr lang="tr-TR" sz="1200" b="0" i="0" u="none" strike="noStrike" cap="none" dirty="0" err="1">
+                <a:solidFill>
+                  <a:schemeClr val="dk1"/>
+                </a:solidFill>
+                <a:latin typeface="+mj-lt"/>
+                <a:ea typeface="Arial"/>
+                <a:cs typeface="Arial"/>
+                <a:sym typeface="Arial"/>
+              </a:rPr>
+              <a:t>drone</a:t>
+            </a:r>
+            <a:r>
+              <a:rPr lang="tr-TR" sz="1200" b="0" i="0" u="none" strike="noStrike" cap="none" dirty="0">
+                <a:solidFill>
+                  <a:schemeClr val="dk1"/>
+                </a:solidFill>
+                <a:latin typeface="+mj-lt"/>
+                <a:ea typeface="Arial"/>
+                <a:cs typeface="Arial"/>
+                <a:sym typeface="Arial"/>
+              </a:rPr>
+              <a:t> üzerinde </a:t>
+            </a:r>
+            <a:r>
+              <a:rPr lang="tr-TR" sz="1200" b="0" i="0" u="none" strike="noStrike" cap="none" dirty="0" err="1">
+                <a:solidFill>
+                  <a:schemeClr val="dk1"/>
+                </a:solidFill>
+                <a:latin typeface="+mj-lt"/>
+                <a:ea typeface="Arial"/>
+                <a:cs typeface="Arial"/>
+                <a:sym typeface="Arial"/>
+              </a:rPr>
+              <a:t>nonlinear</a:t>
+            </a:r>
+            <a:r>
+              <a:rPr lang="tr-TR" sz="1200" b="0" i="0" u="none" strike="noStrike" cap="none" dirty="0">
+                <a:solidFill>
+                  <a:schemeClr val="dk1"/>
+                </a:solidFill>
+                <a:latin typeface="+mj-lt"/>
+                <a:ea typeface="Arial"/>
+                <a:cs typeface="Arial"/>
+                <a:sym typeface="Arial"/>
+              </a:rPr>
+              <a:t> sistemde RL çalışması yoktu ve biz bunu denemiş olduk.</a:t>
+            </a:r>
+          </a:p>
+          <a:p>
+            <a:pPr marL="941832" marR="0" lvl="1" indent="-342900" algn="just" rtl="0">
+              <a:lnSpc>
+                <a:spcPct val="110000"/>
+              </a:lnSpc>
+              <a:spcBef>
+                <a:spcPts val="600"/>
+              </a:spcBef>
+              <a:spcAft>
+                <a:spcPts val="0"/>
+              </a:spcAft>
+              <a:buClr>
+                <a:schemeClr val="accent1"/>
+              </a:buClr>
+              <a:buSzPct val="119999"/>
+              <a:buFont typeface="Arial" panose="020B0604020202020204" pitchFamily="34" charset="0"/>
+              <a:buChar char="•"/>
+            </a:pPr>
+            <a:r>
+              <a:rPr lang="tr-TR" sz="1200" dirty="0">
+                <a:solidFill>
+                  <a:schemeClr val="dk1"/>
+                </a:solidFill>
+                <a:latin typeface="+mj-lt"/>
+              </a:rPr>
+              <a:t>Algoritma </a:t>
+            </a:r>
+            <a:r>
+              <a:rPr lang="tr-TR" sz="1200" dirty="0" err="1">
+                <a:solidFill>
+                  <a:schemeClr val="dk1"/>
+                </a:solidFill>
+                <a:latin typeface="+mj-lt"/>
+              </a:rPr>
+              <a:t>learning</a:t>
+            </a:r>
+            <a:r>
+              <a:rPr lang="tr-TR" sz="1200" dirty="0">
+                <a:solidFill>
+                  <a:schemeClr val="dk1"/>
+                </a:solidFill>
+                <a:latin typeface="+mj-lt"/>
+              </a:rPr>
+              <a:t> rate </a:t>
+            </a:r>
+            <a:r>
+              <a:rPr lang="tr-TR" sz="1200" dirty="0" err="1">
+                <a:solidFill>
+                  <a:schemeClr val="dk1"/>
+                </a:solidFill>
+                <a:latin typeface="+mj-lt"/>
+              </a:rPr>
+              <a:t>observation</a:t>
+            </a:r>
+            <a:r>
+              <a:rPr lang="tr-TR" sz="1200" dirty="0">
+                <a:solidFill>
+                  <a:schemeClr val="dk1"/>
+                </a:solidFill>
+                <a:latin typeface="+mj-lt"/>
+              </a:rPr>
+              <a:t> </a:t>
+            </a:r>
+            <a:r>
+              <a:rPr lang="tr-TR" sz="1200" dirty="0" err="1">
+                <a:solidFill>
+                  <a:schemeClr val="dk1"/>
+                </a:solidFill>
+                <a:latin typeface="+mj-lt"/>
+              </a:rPr>
+              <a:t>sattae</a:t>
+            </a:r>
+            <a:r>
+              <a:rPr lang="tr-TR" sz="1200" dirty="0">
+                <a:solidFill>
+                  <a:schemeClr val="dk1"/>
+                </a:solidFill>
+                <a:latin typeface="+mj-lt"/>
+              </a:rPr>
+              <a:t> </a:t>
+            </a:r>
+            <a:r>
+              <a:rPr lang="tr-TR" sz="1200" dirty="0" err="1">
+                <a:solidFill>
+                  <a:schemeClr val="dk1"/>
+                </a:solidFill>
+                <a:latin typeface="+mj-lt"/>
+              </a:rPr>
+              <a:t>training</a:t>
+            </a:r>
+            <a:r>
+              <a:rPr lang="tr-TR" sz="1200" dirty="0">
+                <a:solidFill>
+                  <a:schemeClr val="dk1"/>
+                </a:solidFill>
+                <a:latin typeface="+mj-lt"/>
+              </a:rPr>
+              <a:t> times:5 saat vb.</a:t>
+            </a:r>
+          </a:p>
+          <a:p>
+            <a:pPr marL="941832" marR="0" lvl="1" indent="-342900" algn="just" rtl="0">
+              <a:lnSpc>
+                <a:spcPct val="110000"/>
+              </a:lnSpc>
+              <a:spcBef>
+                <a:spcPts val="600"/>
+              </a:spcBef>
+              <a:spcAft>
+                <a:spcPts val="0"/>
+              </a:spcAft>
+              <a:buClr>
+                <a:schemeClr val="accent1"/>
+              </a:buClr>
+              <a:buSzPct val="119999"/>
+              <a:buFont typeface="Arial" panose="020B0604020202020204" pitchFamily="34" charset="0"/>
+              <a:buChar char="•"/>
+            </a:pPr>
+            <a:r>
+              <a:rPr lang="tr-TR" sz="1200" dirty="0">
+                <a:solidFill>
+                  <a:schemeClr val="dk1"/>
+                </a:solidFill>
+                <a:latin typeface="+mj-lt"/>
+              </a:rPr>
+              <a:t>Training </a:t>
+            </a:r>
+            <a:r>
+              <a:rPr lang="tr-TR" sz="1200" dirty="0" err="1">
+                <a:solidFill>
+                  <a:schemeClr val="dk1"/>
+                </a:solidFill>
+                <a:latin typeface="+mj-lt"/>
+              </a:rPr>
+              <a:t>episode</a:t>
+            </a:r>
+            <a:r>
+              <a:rPr lang="tr-TR" sz="1200" dirty="0">
+                <a:solidFill>
+                  <a:schemeClr val="dk1"/>
+                </a:solidFill>
+                <a:latin typeface="+mj-lt"/>
+              </a:rPr>
+              <a:t> </a:t>
+            </a:r>
+            <a:r>
+              <a:rPr lang="tr-TR" sz="1200" dirty="0" err="1">
+                <a:solidFill>
+                  <a:schemeClr val="dk1"/>
+                </a:solidFill>
+                <a:latin typeface="+mj-lt"/>
+              </a:rPr>
+              <a:t>related</a:t>
+            </a:r>
+            <a:r>
+              <a:rPr lang="tr-TR" sz="1200" dirty="0">
+                <a:solidFill>
+                  <a:schemeClr val="dk1"/>
+                </a:solidFill>
+                <a:latin typeface="+mj-lt"/>
+              </a:rPr>
+              <a:t> </a:t>
+            </a:r>
+            <a:r>
+              <a:rPr lang="tr-TR" sz="1200" dirty="0" err="1">
+                <a:solidFill>
+                  <a:schemeClr val="dk1"/>
+                </a:solidFill>
+                <a:latin typeface="+mj-lt"/>
+              </a:rPr>
+              <a:t>with</a:t>
+            </a:r>
+            <a:r>
+              <a:rPr lang="tr-TR" sz="1200" dirty="0">
+                <a:solidFill>
+                  <a:schemeClr val="dk1"/>
+                </a:solidFill>
+                <a:latin typeface="+mj-lt"/>
+              </a:rPr>
+              <a:t> zaman </a:t>
+            </a:r>
+            <a:endParaRPr lang="tr-TR" sz="1200" b="0" i="0" u="none" strike="noStrike" cap="none" dirty="0">
+              <a:solidFill>
+                <a:schemeClr val="dk1"/>
+              </a:solidFill>
+              <a:latin typeface="+mj-lt"/>
+              <a:ea typeface="Arial"/>
+              <a:cs typeface="Arial"/>
+              <a:sym typeface="Arial"/>
+            </a:endParaRPr>
+          </a:p>
+          <a:p>
             <a:pPr marL="0" lvl="0" indent="0" algn="l" rtl="0">
               <a:spcBef>
                 <a:spcPts val="0"/>
@@ -3746,6 +4645,10 @@
               </a:spcAft>
               <a:buNone/>
             </a:pPr>
+            <a:r>
+              <a:rPr lang="tr-TR" noProof="0" dirty="0"/>
+              <a:t>Oldukça uzun bir zam</a:t>
+            </a:r>
             <a:endParaRPr lang="en-US" noProof="0" dirty="0"/>
           </a:p>
         </p:txBody>
@@ -4760,6 +5663,25 @@
               </a:spcAft>
               <a:buNone/>
             </a:pPr>
+            <a:r>
+              <a:rPr lang="tr-TR" noProof="0" dirty="0" err="1"/>
+              <a:t>Reward</a:t>
+            </a:r>
+            <a:r>
+              <a:rPr lang="tr-TR" noProof="0" dirty="0"/>
+              <a:t> fonksiyon düzenlenecek</a:t>
+            </a:r>
+          </a:p>
+          <a:p>
+            <a:pPr marL="0" lvl="0" indent="0" algn="l" rtl="0">
+              <a:spcBef>
+                <a:spcPts val="0"/>
+              </a:spcBef>
+              <a:spcAft>
+                <a:spcPts val="0"/>
+              </a:spcAft>
+              <a:buNone/>
+            </a:pPr>
             <a:endParaRPr lang="en-US" noProof="0" dirty="0"/>
           </a:p>
         </p:txBody>
@@ -4813,7 +5735,7 @@
     </p:spTree>
     <p:extLst>
       <p:ext uri="{BB962C8B-B14F-4D97-AF65-F5344CB8AC3E}">
-        <p14:creationId xmlns:p14="http://schemas.microsoft.com/office/powerpoint/2010/main" val="4125153467"/>
+        <p14:creationId xmlns:p14="http://schemas.microsoft.com/office/powerpoint/2010/main" val="59702174"/>
       </p:ext>
     </p:extLst>
   </p:cSld>
@@ -4982,7 +5904,7 @@
     </p:spTree>
     <p:extLst>
       <p:ext uri="{BB962C8B-B14F-4D97-AF65-F5344CB8AC3E}">
-        <p14:creationId xmlns:p14="http://schemas.microsoft.com/office/powerpoint/2010/main" val="416880256"/>
+        <p14:creationId xmlns:p14="http://schemas.microsoft.com/office/powerpoint/2010/main" val="4125153467"/>
       </p:ext>
     </p:extLst>
   </p:cSld>
@@ -5098,6 +6020,26 @@
               </a:spcAft>
               <a:buNone/>
             </a:pPr>
+            <a:r>
+              <a:rPr lang="tr-TR" noProof="0" dirty="0"/>
+              <a:t>DDPG PPO </a:t>
+            </a:r>
+            <a:r>
+              <a:rPr lang="tr-TR" noProof="0" dirty="0" err="1"/>
+              <a:t>actor</a:t>
+            </a:r>
+            <a:r>
+              <a:rPr lang="tr-TR" noProof="0" dirty="0"/>
+              <a:t> </a:t>
+            </a:r>
+            <a:r>
+              <a:rPr lang="tr-TR" noProof="0" dirty="0" err="1"/>
+              <a:t>critic</a:t>
+            </a:r>
+            <a:r>
+              <a:rPr lang="tr-TR" noProof="0" dirty="0"/>
+              <a:t> figürleri alınacak</a:t>
+            </a:r>
             <a:endParaRPr lang="en-US" noProof="0" dirty="0"/>
           </a:p>
         </p:txBody>
@@ -5151,7 +6093,7 @@
     </p:spTree>
     <p:extLst>
       <p:ext uri="{BB962C8B-B14F-4D97-AF65-F5344CB8AC3E}">
-        <p14:creationId xmlns:p14="http://schemas.microsoft.com/office/powerpoint/2010/main" val="4019728927"/>
+        <p14:creationId xmlns:p14="http://schemas.microsoft.com/office/powerpoint/2010/main" val="607392378"/>
       </p:ext>
     </p:extLst>
   </p:cSld>
@@ -5320,7 +6262,7 @@
     </p:spTree>
     <p:extLst>
       <p:ext uri="{BB962C8B-B14F-4D97-AF65-F5344CB8AC3E}">
-        <p14:creationId xmlns:p14="http://schemas.microsoft.com/office/powerpoint/2010/main" val="1234239379"/>
+        <p14:creationId xmlns:p14="http://schemas.microsoft.com/office/powerpoint/2010/main" val="416880256"/>
       </p:ext>
     </p:extLst>
   </p:cSld>
@@ -13822,7 +14764,7 @@
             </a:pPr>
             <a:r>
               <a:rPr lang="tr-TR" dirty="0"/>
-              <a:t>Literature-2 </a:t>
+              <a:t>Literature-1 </a:t>
             </a:r>
             <a:r>
               <a:rPr lang="tr-TR" dirty="0" err="1"/>
@@ -13975,6 +14917,1152 @@
             <a:fld id="{00000000-1234-1234-1234-123412341234}" type="slidenum">
               <a:rPr lang="en-US"/>
               <a:t>10</a:t>
+            </a:fld>
+            <a:endParaRPr/>
+          </a:p>
+        </p:txBody>
+      </p:sp>
+      <p:sp>
+        <p:nvSpPr>
+          <p:cNvPr id="344" name="Google Shape;344;p26"/>
+          <p:cNvSpPr txBox="1"/>
+          <p:nvPr/>
+        </p:nvSpPr>
+        <p:spPr>
+          <a:xfrm>
+            <a:off x="1073247" y="1201213"/>
+            <a:ext cx="10045505" cy="5083277"/>
+          </a:xfrm>
+          <a:prstGeom prst="rect">
+            <a:avLst/>
+          </a:prstGeom>
+          <a:noFill/>
+          <a:ln>
+            <a:noFill/>
+          </a:ln>
+        </p:spPr>
+        <p:txBody>
+          <a:bodyPr spcFirstLastPara="1" wrap="square" lIns="91425" tIns="45700" rIns="91425" bIns="45700" anchor="t" anchorCtr="0">
+            <a:normAutofit/>
+          </a:bodyPr>
+          <a:lstStyle/>
+          <a:p>
+            <a:pPr marL="941832" marR="0" lvl="1" indent="-342900" algn="just" rtl="0">
+              <a:lnSpc>
+                <a:spcPct val="110000"/>
+              </a:lnSpc>
+              <a:spcBef>
+                <a:spcPts val="600"/>
+              </a:spcBef>
+              <a:spcAft>
+                <a:spcPts val="0"/>
+              </a:spcAft>
+              <a:buClr>
+                <a:schemeClr val="accent1"/>
+              </a:buClr>
+              <a:buSzPct val="119999"/>
+              <a:buFont typeface="Arial" panose="020B0604020202020204" pitchFamily="34" charset="0"/>
+              <a:buChar char="•"/>
+            </a:pPr>
+            <a:endParaRPr lang="tr-TR" sz="2400" dirty="0">
+              <a:solidFill>
+                <a:schemeClr val="dk1"/>
+              </a:solidFill>
+              <a:latin typeface="+mj-lt"/>
+            </a:endParaRPr>
+          </a:p>
+          <a:p>
+            <a:pPr marL="941832" marR="0" lvl="1" indent="-342900" algn="just" rtl="0">
+              <a:lnSpc>
+                <a:spcPct val="110000"/>
+              </a:lnSpc>
+              <a:spcBef>
+                <a:spcPts val="600"/>
+              </a:spcBef>
+              <a:spcAft>
+                <a:spcPts val="0"/>
+              </a:spcAft>
+              <a:buClr>
+                <a:schemeClr val="accent1"/>
+              </a:buClr>
+              <a:buSzPct val="119999"/>
+              <a:buFont typeface="Arial" panose="020B0604020202020204" pitchFamily="34" charset="0"/>
+              <a:buChar char="•"/>
+            </a:pPr>
+            <a:endParaRPr lang="tr-TR" sz="2400" dirty="0">
+              <a:solidFill>
+                <a:schemeClr val="dk1"/>
+              </a:solidFill>
+              <a:latin typeface="+mj-lt"/>
+            </a:endParaRPr>
+          </a:p>
+          <a:p>
+            <a:pPr marL="941832" marR="0" lvl="1" indent="-342900" algn="just" rtl="0">
+              <a:lnSpc>
+                <a:spcPct val="110000"/>
+              </a:lnSpc>
+              <a:spcBef>
+                <a:spcPts val="600"/>
+              </a:spcBef>
+              <a:spcAft>
+                <a:spcPts val="0"/>
+              </a:spcAft>
+              <a:buClr>
+                <a:schemeClr val="accent1"/>
+              </a:buClr>
+              <a:buSzPct val="119999"/>
+              <a:buFont typeface="Arial" panose="020B0604020202020204" pitchFamily="34" charset="0"/>
+              <a:buChar char="•"/>
+            </a:pPr>
+            <a:endParaRPr sz="2400" b="0" i="0" u="none" strike="noStrike" cap="none" dirty="0">
+              <a:solidFill>
+                <a:schemeClr val="dk1"/>
+              </a:solidFill>
+              <a:latin typeface="+mj-lt"/>
+              <a:ea typeface="Arial"/>
+              <a:cs typeface="Arial"/>
+              <a:sym typeface="Arial"/>
+            </a:endParaRPr>
+          </a:p>
+        </p:txBody>
+      </p:sp>
+      <p:pic>
+        <p:nvPicPr>
+          <p:cNvPr id="2" name="Google Shape;240;p16">
+            <a:extLst>
+              <a:ext uri="{FF2B5EF4-FFF2-40B4-BE49-F238E27FC236}">
+                <a16:creationId xmlns:a16="http://schemas.microsoft.com/office/drawing/2014/main" id="{78C8A8E2-C991-6EFB-E31B-2A29FE52977A}"/>
+              </a:ext>
+            </a:extLst>
+          </p:cNvPr>
+          <p:cNvPicPr preferRelativeResize="0"/>
+          <p:nvPr/>
+        </p:nvPicPr>
+        <p:blipFill rotWithShape="1">
+          <a:blip r:embed="rId3">
+            <a:alphaModFix/>
+          </a:blip>
+          <a:srcRect/>
+          <a:stretch/>
+        </p:blipFill>
+        <p:spPr>
+          <a:xfrm>
+            <a:off x="1272687" y="1037537"/>
+            <a:ext cx="9646625" cy="5112711"/>
+          </a:xfrm>
+          <a:prstGeom prst="rect">
+            <a:avLst/>
+          </a:prstGeom>
+          <a:noFill/>
+          <a:ln>
+            <a:noFill/>
+          </a:ln>
+        </p:spPr>
+      </p:pic>
+    </p:spTree>
+    <p:extLst>
+      <p:ext uri="{BB962C8B-B14F-4D97-AF65-F5344CB8AC3E}">
+        <p14:creationId xmlns:p14="http://schemas.microsoft.com/office/powerpoint/2010/main" val="4049533696"/>
+      </p:ext>
+    </p:extLst>
+  </p:cSld>
+  <p:clrMapOvr>
+    <a:masterClrMapping/>
+  </p:clrMapOvr>
+</p:sld>
+</file>
+
+<file path=ppt/slides/slide11.xml><?xml version="1.0" encoding="utf-8"?>
+<p:sld xmlns:a="http://schemas.openxmlformats.org/drawingml/2006/main" xmlns:r="http://schemas.openxmlformats.org/officeDocument/2006/relationships" xmlns:p="http://schemas.openxmlformats.org/presentationml/2006/main">
+  <p:cSld>
+    <p:spTree>
+      <p:nvGrpSpPr>
+        <p:cNvPr id="1" name="Shape 339"/>
+        <p:cNvGrpSpPr/>
+        <p:nvPr/>
+      </p:nvGrpSpPr>
+      <p:grpSpPr>
+        <a:xfrm>
+          <a:off x="0" y="0"/>
+          <a:ext cx="0" cy="0"/>
+          <a:chOff x="0" y="0"/>
+          <a:chExt cx="0" cy="0"/>
+        </a:xfrm>
+      </p:grpSpPr>
+      <p:sp>
+        <p:nvSpPr>
+          <p:cNvPr id="340" name="Google Shape;340;p26"/>
+          <p:cNvSpPr txBox="1">
+            <a:spLocks noGrp="1"/>
+          </p:cNvSpPr>
+          <p:nvPr>
+            <p:ph type="title"/>
+          </p:nvPr>
+        </p:nvSpPr>
+        <p:spPr>
+          <a:xfrm>
+            <a:off x="0" y="0"/>
+            <a:ext cx="12192000" cy="907525"/>
+          </a:xfrm>
+          <a:prstGeom prst="rect">
+            <a:avLst/>
+          </a:prstGeom>
+          <a:solidFill>
+            <a:schemeClr val="accent1"/>
+          </a:solidFill>
+          <a:ln>
+            <a:noFill/>
+          </a:ln>
+        </p:spPr>
+        <p:txBody>
+          <a:bodyPr spcFirstLastPara="1" wrap="square" lIns="91425" tIns="274300" rIns="91425" bIns="45700" anchor="ctr" anchorCtr="0">
+            <a:normAutofit fontScale="90000"/>
+          </a:bodyPr>
+          <a:lstStyle/>
+          <a:p>
+            <a:pPr marL="0" lvl="0" indent="0" algn="l" rtl="0">
+              <a:lnSpc>
+                <a:spcPct val="90000"/>
+              </a:lnSpc>
+              <a:spcBef>
+                <a:spcPts val="0"/>
+              </a:spcBef>
+              <a:spcAft>
+                <a:spcPts val="0"/>
+              </a:spcAft>
+              <a:buClr>
+                <a:schemeClr val="lt1"/>
+              </a:buClr>
+              <a:buSzPct val="100000"/>
+              <a:buFont typeface="Arial"/>
+              <a:buNone/>
+            </a:pPr>
+            <a:r>
+              <a:rPr lang="tr-TR" dirty="0"/>
+              <a:t>Literature-2 </a:t>
+            </a:r>
+            <a:r>
+              <a:rPr lang="tr-TR" dirty="0" err="1"/>
+              <a:t>Overview</a:t>
+            </a:r>
+            <a:endParaRPr lang="en-US" dirty="0"/>
+          </a:p>
+        </p:txBody>
+      </p:sp>
+      <p:sp>
+        <p:nvSpPr>
+          <p:cNvPr id="341" name="Google Shape;341;p26"/>
+          <p:cNvSpPr txBox="1">
+            <a:spLocks noGrp="1"/>
+          </p:cNvSpPr>
+          <p:nvPr>
+            <p:ph type="dt" idx="10"/>
+          </p:nvPr>
+        </p:nvSpPr>
+        <p:spPr>
+          <a:xfrm>
+            <a:off x="6096000" y="6568457"/>
+            <a:ext cx="2743200" cy="289543"/>
+          </a:xfrm>
+          <a:prstGeom prst="rect">
+            <a:avLst/>
+          </a:prstGeom>
+          <a:solidFill>
+            <a:schemeClr val="accent1"/>
+          </a:solidFill>
+          <a:ln>
+            <a:noFill/>
+          </a:ln>
+        </p:spPr>
+        <p:txBody>
+          <a:bodyPr spcFirstLastPara="1" wrap="square" lIns="91425" tIns="45700" rIns="91425" bIns="45700" anchor="ctr" anchorCtr="0">
+            <a:noAutofit/>
+          </a:bodyPr>
+          <a:lstStyle/>
+          <a:p>
+            <a:pPr marL="0" lvl="0" indent="0" algn="l" rtl="0">
+              <a:spcBef>
+                <a:spcPts val="0"/>
+              </a:spcBef>
+              <a:spcAft>
+                <a:spcPts val="0"/>
+              </a:spcAft>
+              <a:buNone/>
+            </a:pPr>
+            <a:r>
+              <a:rPr lang="tr-TR"/>
+              <a:t>Jun 7, 2024</a:t>
+            </a:r>
+            <a:endParaRPr dirty="0"/>
+          </a:p>
+        </p:txBody>
+      </p:sp>
+      <p:sp>
+        <p:nvSpPr>
+          <p:cNvPr id="342" name="Google Shape;342;p26"/>
+          <p:cNvSpPr txBox="1">
+            <a:spLocks noGrp="1"/>
+          </p:cNvSpPr>
+          <p:nvPr>
+            <p:ph type="ftr" idx="11"/>
+          </p:nvPr>
+        </p:nvSpPr>
+        <p:spPr>
+          <a:xfrm>
+            <a:off x="0" y="6568457"/>
+            <a:ext cx="6096000" cy="289543"/>
+          </a:xfrm>
+          <a:prstGeom prst="rect">
+            <a:avLst/>
+          </a:prstGeom>
+          <a:solidFill>
+            <a:schemeClr val="dk1"/>
+          </a:solidFill>
+          <a:ln>
+            <a:noFill/>
+          </a:ln>
+        </p:spPr>
+        <p:txBody>
+          <a:bodyPr spcFirstLastPara="1" wrap="square" lIns="91425" tIns="45700" rIns="91425" bIns="45700" anchor="ctr" anchorCtr="0">
+            <a:noAutofit/>
+          </a:bodyPr>
+          <a:lstStyle/>
+          <a:p>
+            <a:pPr marL="0" lvl="0" indent="0" algn="r" rtl="0">
+              <a:spcBef>
+                <a:spcPts val="0"/>
+              </a:spcBef>
+              <a:spcAft>
+                <a:spcPts val="0"/>
+              </a:spcAft>
+              <a:buNone/>
+            </a:pPr>
+            <a:r>
+              <a:rPr lang="en-US" dirty="0"/>
+              <a:t>CMP-620 Reinforcement Learning – Project Pro</a:t>
+            </a:r>
+            <a:r>
+              <a:rPr lang="tr-TR" dirty="0" err="1"/>
+              <a:t>gress</a:t>
+            </a:r>
+            <a:endParaRPr dirty="0"/>
+          </a:p>
+        </p:txBody>
+      </p:sp>
+      <p:sp>
+        <p:nvSpPr>
+          <p:cNvPr id="343" name="Google Shape;343;p26"/>
+          <p:cNvSpPr txBox="1">
+            <a:spLocks noGrp="1"/>
+          </p:cNvSpPr>
+          <p:nvPr>
+            <p:ph type="sldNum" idx="12"/>
+          </p:nvPr>
+        </p:nvSpPr>
+        <p:spPr>
+          <a:xfrm>
+            <a:off x="8839200" y="6568457"/>
+            <a:ext cx="3352800" cy="289543"/>
+          </a:xfrm>
+          <a:prstGeom prst="rect">
+            <a:avLst/>
+          </a:prstGeom>
+          <a:solidFill>
+            <a:schemeClr val="accent1"/>
+          </a:solidFill>
+          <a:ln>
+            <a:noFill/>
+          </a:ln>
+        </p:spPr>
+        <p:txBody>
+          <a:bodyPr spcFirstLastPara="1" wrap="square" lIns="91425" tIns="45700" rIns="91425" bIns="45700" anchor="ctr" anchorCtr="0">
+            <a:noAutofit/>
+          </a:bodyPr>
+          <a:lstStyle/>
+          <a:p>
+            <a:pPr marL="0" lvl="0" indent="0" algn="r" rtl="0">
+              <a:spcBef>
+                <a:spcPts val="0"/>
+              </a:spcBef>
+              <a:spcAft>
+                <a:spcPts val="0"/>
+              </a:spcAft>
+              <a:buNone/>
+            </a:pPr>
+            <a:fld id="{00000000-1234-1234-1234-123412341234}" type="slidenum">
+              <a:rPr lang="en-US"/>
+              <a:t>11</a:t>
+            </a:fld>
+            <a:endParaRPr/>
+          </a:p>
+        </p:txBody>
+      </p:sp>
+      <p:sp>
+        <p:nvSpPr>
+          <p:cNvPr id="344" name="Google Shape;344;p26"/>
+          <p:cNvSpPr txBox="1"/>
+          <p:nvPr/>
+        </p:nvSpPr>
+        <p:spPr>
+          <a:xfrm>
+            <a:off x="1073247" y="1201213"/>
+            <a:ext cx="10045505" cy="5083277"/>
+          </a:xfrm>
+          <a:prstGeom prst="rect">
+            <a:avLst/>
+          </a:prstGeom>
+          <a:noFill/>
+          <a:ln>
+            <a:noFill/>
+          </a:ln>
+        </p:spPr>
+        <p:txBody>
+          <a:bodyPr spcFirstLastPara="1" wrap="square" lIns="91425" tIns="45700" rIns="91425" bIns="45700" anchor="t" anchorCtr="0">
+            <a:normAutofit/>
+          </a:bodyPr>
+          <a:lstStyle/>
+          <a:p>
+            <a:pPr marL="941832" marR="0" lvl="1" indent="-342900" algn="just" rtl="0">
+              <a:lnSpc>
+                <a:spcPct val="110000"/>
+              </a:lnSpc>
+              <a:spcBef>
+                <a:spcPts val="600"/>
+              </a:spcBef>
+              <a:spcAft>
+                <a:spcPts val="0"/>
+              </a:spcAft>
+              <a:buClr>
+                <a:schemeClr val="accent1"/>
+              </a:buClr>
+              <a:buSzPct val="119999"/>
+              <a:buFont typeface="Arial" panose="020B0604020202020204" pitchFamily="34" charset="0"/>
+              <a:buChar char="•"/>
+            </a:pPr>
+            <a:endParaRPr lang="tr-TR" sz="2400" dirty="0">
+              <a:solidFill>
+                <a:schemeClr val="dk1"/>
+              </a:solidFill>
+              <a:latin typeface="+mj-lt"/>
+            </a:endParaRPr>
+          </a:p>
+          <a:p>
+            <a:pPr marL="941832" marR="0" lvl="1" indent="-342900" algn="just" rtl="0">
+              <a:lnSpc>
+                <a:spcPct val="110000"/>
+              </a:lnSpc>
+              <a:spcBef>
+                <a:spcPts val="600"/>
+              </a:spcBef>
+              <a:spcAft>
+                <a:spcPts val="0"/>
+              </a:spcAft>
+              <a:buClr>
+                <a:schemeClr val="accent1"/>
+              </a:buClr>
+              <a:buSzPct val="119999"/>
+              <a:buFont typeface="Arial" panose="020B0604020202020204" pitchFamily="34" charset="0"/>
+              <a:buChar char="•"/>
+            </a:pPr>
+            <a:endParaRPr lang="tr-TR" sz="2400" dirty="0">
+              <a:solidFill>
+                <a:schemeClr val="dk1"/>
+              </a:solidFill>
+              <a:latin typeface="+mj-lt"/>
+            </a:endParaRPr>
+          </a:p>
+          <a:p>
+            <a:pPr marL="941832" marR="0" lvl="1" indent="-342900" algn="just" rtl="0">
+              <a:lnSpc>
+                <a:spcPct val="110000"/>
+              </a:lnSpc>
+              <a:spcBef>
+                <a:spcPts val="600"/>
+              </a:spcBef>
+              <a:spcAft>
+                <a:spcPts val="0"/>
+              </a:spcAft>
+              <a:buClr>
+                <a:schemeClr val="accent1"/>
+              </a:buClr>
+              <a:buSzPct val="119999"/>
+              <a:buFont typeface="Arial" panose="020B0604020202020204" pitchFamily="34" charset="0"/>
+              <a:buChar char="•"/>
+            </a:pPr>
+            <a:endParaRPr sz="2400" b="0" i="0" u="none" strike="noStrike" cap="none" dirty="0">
+              <a:solidFill>
+                <a:schemeClr val="dk1"/>
+              </a:solidFill>
+              <a:latin typeface="+mj-lt"/>
+              <a:ea typeface="Arial"/>
+              <a:cs typeface="Arial"/>
+              <a:sym typeface="Arial"/>
+            </a:endParaRPr>
+          </a:p>
+        </p:txBody>
+      </p:sp>
+      <p:sp>
+        <p:nvSpPr>
+          <p:cNvPr id="2" name="Google Shape;247;p17">
+            <a:extLst>
+              <a:ext uri="{FF2B5EF4-FFF2-40B4-BE49-F238E27FC236}">
+                <a16:creationId xmlns:a16="http://schemas.microsoft.com/office/drawing/2014/main" id="{FC7680D6-0DB2-1B25-79B6-EA4AD305D008}"/>
+              </a:ext>
+            </a:extLst>
+          </p:cNvPr>
+          <p:cNvSpPr txBox="1">
+            <a:spLocks/>
+          </p:cNvSpPr>
+          <p:nvPr/>
+        </p:nvSpPr>
+        <p:spPr>
+          <a:xfrm>
+            <a:off x="730044" y="1127535"/>
+            <a:ext cx="11176820" cy="4208554"/>
+          </a:xfrm>
+          <a:prstGeom prst="rect">
+            <a:avLst/>
+          </a:prstGeom>
+          <a:noFill/>
+          <a:ln>
+            <a:noFill/>
+          </a:ln>
+        </p:spPr>
+        <p:txBody>
+          <a:bodyPr spcFirstLastPara="1" wrap="square" lIns="91425" tIns="45700" rIns="91425" bIns="45700" anchor="t" anchorCtr="0">
+            <a:normAutofit/>
+          </a:bodyPr>
+          <a:lstStyle>
+            <a:defPPr marR="0" lvl="0" algn="l" rtl="0">
+              <a:lnSpc>
+                <a:spcPct val="100000"/>
+              </a:lnSpc>
+              <a:spcBef>
+                <a:spcPts val="0"/>
+              </a:spcBef>
+              <a:spcAft>
+                <a:spcPts val="0"/>
+              </a:spcAft>
+            </a:defPPr>
+            <a:lvl1pPr marR="0" lvl="0" algn="l" rtl="0">
+              <a:lnSpc>
+                <a:spcPct val="100000"/>
+              </a:lnSpc>
+              <a:spcBef>
+                <a:spcPts val="0"/>
+              </a:spcBef>
+              <a:spcAft>
+                <a:spcPts val="0"/>
+              </a:spcAft>
+              <a:buClr>
+                <a:srgbClr val="000000"/>
+              </a:buClr>
+              <a:buFont typeface="Arial"/>
+              <a:defRPr sz="1400" b="0" i="0" u="none" strike="noStrike" cap="none">
+                <a:solidFill>
+                  <a:srgbClr val="000000"/>
+                </a:solidFill>
+                <a:latin typeface="Arial"/>
+                <a:ea typeface="Arial"/>
+                <a:cs typeface="Arial"/>
+                <a:sym typeface="Arial"/>
+              </a:defRPr>
+            </a:lvl1pPr>
+            <a:lvl2pPr marR="0" lvl="1" algn="l" rtl="0">
+              <a:lnSpc>
+                <a:spcPct val="100000"/>
+              </a:lnSpc>
+              <a:spcBef>
+                <a:spcPts val="0"/>
+              </a:spcBef>
+              <a:spcAft>
+                <a:spcPts val="0"/>
+              </a:spcAft>
+              <a:buClr>
+                <a:srgbClr val="000000"/>
+              </a:buClr>
+              <a:buFont typeface="Arial"/>
+              <a:defRPr sz="1400" b="0" i="0" u="none" strike="noStrike" cap="none">
+                <a:solidFill>
+                  <a:srgbClr val="000000"/>
+                </a:solidFill>
+                <a:latin typeface="Arial"/>
+                <a:ea typeface="Arial"/>
+                <a:cs typeface="Arial"/>
+                <a:sym typeface="Arial"/>
+              </a:defRPr>
+            </a:lvl2pPr>
+            <a:lvl3pPr marR="0" lvl="2" algn="l" rtl="0">
+              <a:lnSpc>
+                <a:spcPct val="100000"/>
+              </a:lnSpc>
+              <a:spcBef>
+                <a:spcPts val="0"/>
+              </a:spcBef>
+              <a:spcAft>
+                <a:spcPts val="0"/>
+              </a:spcAft>
+              <a:buClr>
+                <a:srgbClr val="000000"/>
+              </a:buClr>
+              <a:buFont typeface="Arial"/>
+              <a:defRPr sz="1400" b="0" i="0" u="none" strike="noStrike" cap="none">
+                <a:solidFill>
+                  <a:srgbClr val="000000"/>
+                </a:solidFill>
+                <a:latin typeface="Arial"/>
+                <a:ea typeface="Arial"/>
+                <a:cs typeface="Arial"/>
+                <a:sym typeface="Arial"/>
+              </a:defRPr>
+            </a:lvl3pPr>
+            <a:lvl4pPr marR="0" lvl="3" algn="l" rtl="0">
+              <a:lnSpc>
+                <a:spcPct val="100000"/>
+              </a:lnSpc>
+              <a:spcBef>
+                <a:spcPts val="0"/>
+              </a:spcBef>
+              <a:spcAft>
+                <a:spcPts val="0"/>
+              </a:spcAft>
+              <a:buClr>
+                <a:srgbClr val="000000"/>
+              </a:buClr>
+              <a:buFont typeface="Arial"/>
+              <a:defRPr sz="1400" b="0" i="0" u="none" strike="noStrike" cap="none">
+                <a:solidFill>
+                  <a:srgbClr val="000000"/>
+                </a:solidFill>
+                <a:latin typeface="Arial"/>
+                <a:ea typeface="Arial"/>
+                <a:cs typeface="Arial"/>
+                <a:sym typeface="Arial"/>
+              </a:defRPr>
+            </a:lvl4pPr>
+            <a:lvl5pPr marR="0" lvl="4" algn="l" rtl="0">
+              <a:lnSpc>
+                <a:spcPct val="100000"/>
+              </a:lnSpc>
+              <a:spcBef>
+                <a:spcPts val="0"/>
+              </a:spcBef>
+              <a:spcAft>
+                <a:spcPts val="0"/>
+              </a:spcAft>
+              <a:buClr>
+                <a:srgbClr val="000000"/>
+              </a:buClr>
+              <a:buFont typeface="Arial"/>
+              <a:defRPr sz="1400" b="0" i="0" u="none" strike="noStrike" cap="none">
+                <a:solidFill>
+                  <a:srgbClr val="000000"/>
+                </a:solidFill>
+                <a:latin typeface="Arial"/>
+                <a:ea typeface="Arial"/>
+                <a:cs typeface="Arial"/>
+                <a:sym typeface="Arial"/>
+              </a:defRPr>
+            </a:lvl5pPr>
+            <a:lvl6pPr marR="0" lvl="5" algn="l" rtl="0">
+              <a:lnSpc>
+                <a:spcPct val="100000"/>
+              </a:lnSpc>
+              <a:spcBef>
+                <a:spcPts val="0"/>
+              </a:spcBef>
+              <a:spcAft>
+                <a:spcPts val="0"/>
+              </a:spcAft>
+              <a:buClr>
+                <a:srgbClr val="000000"/>
+              </a:buClr>
+              <a:buFont typeface="Arial"/>
+              <a:defRPr sz="1400" b="0" i="0" u="none" strike="noStrike" cap="none">
+                <a:solidFill>
+                  <a:srgbClr val="000000"/>
+                </a:solidFill>
+                <a:latin typeface="Arial"/>
+                <a:ea typeface="Arial"/>
+                <a:cs typeface="Arial"/>
+                <a:sym typeface="Arial"/>
+              </a:defRPr>
+            </a:lvl6pPr>
+            <a:lvl7pPr marR="0" lvl="6" algn="l" rtl="0">
+              <a:lnSpc>
+                <a:spcPct val="100000"/>
+              </a:lnSpc>
+              <a:spcBef>
+                <a:spcPts val="0"/>
+              </a:spcBef>
+              <a:spcAft>
+                <a:spcPts val="0"/>
+              </a:spcAft>
+              <a:buClr>
+                <a:srgbClr val="000000"/>
+              </a:buClr>
+              <a:buFont typeface="Arial"/>
+              <a:defRPr sz="1400" b="0" i="0" u="none" strike="noStrike" cap="none">
+                <a:solidFill>
+                  <a:srgbClr val="000000"/>
+                </a:solidFill>
+                <a:latin typeface="Arial"/>
+                <a:ea typeface="Arial"/>
+                <a:cs typeface="Arial"/>
+                <a:sym typeface="Arial"/>
+              </a:defRPr>
+            </a:lvl7pPr>
+            <a:lvl8pPr marR="0" lvl="7" algn="l" rtl="0">
+              <a:lnSpc>
+                <a:spcPct val="100000"/>
+              </a:lnSpc>
+              <a:spcBef>
+                <a:spcPts val="0"/>
+              </a:spcBef>
+              <a:spcAft>
+                <a:spcPts val="0"/>
+              </a:spcAft>
+              <a:buClr>
+                <a:srgbClr val="000000"/>
+              </a:buClr>
+              <a:buFont typeface="Arial"/>
+              <a:defRPr sz="1400" b="0" i="0" u="none" strike="noStrike" cap="none">
+                <a:solidFill>
+                  <a:srgbClr val="000000"/>
+                </a:solidFill>
+                <a:latin typeface="Arial"/>
+                <a:ea typeface="Arial"/>
+                <a:cs typeface="Arial"/>
+                <a:sym typeface="Arial"/>
+              </a:defRPr>
+            </a:lvl8pPr>
+            <a:lvl9pPr marR="0" lvl="8" algn="l" rtl="0">
+              <a:lnSpc>
+                <a:spcPct val="100000"/>
+              </a:lnSpc>
+              <a:spcBef>
+                <a:spcPts val="0"/>
+              </a:spcBef>
+              <a:spcAft>
+                <a:spcPts val="0"/>
+              </a:spcAft>
+              <a:buClr>
+                <a:srgbClr val="000000"/>
+              </a:buClr>
+              <a:buFont typeface="Arial"/>
+              <a:defRPr sz="1400" b="0" i="0" u="none" strike="noStrike" cap="none">
+                <a:solidFill>
+                  <a:srgbClr val="000000"/>
+                </a:solidFill>
+                <a:latin typeface="Arial"/>
+                <a:ea typeface="Arial"/>
+                <a:cs typeface="Arial"/>
+                <a:sym typeface="Arial"/>
+              </a:defRPr>
+            </a:lvl9pPr>
+          </a:lstStyle>
+          <a:p>
+            <a:pPr marL="228600" indent="-228600">
+              <a:lnSpc>
+                <a:spcPct val="110000"/>
+              </a:lnSpc>
+              <a:buSzPts val="3360"/>
+              <a:buFont typeface="Arial"/>
+              <a:buChar char="•"/>
+            </a:pPr>
+            <a:r>
+              <a:rPr lang="en-US" sz="2400" dirty="0">
+                <a:latin typeface="+mn-lt"/>
+                <a:ea typeface="Calibri"/>
+                <a:cs typeface="Calibri"/>
+                <a:sym typeface="Calibri"/>
+              </a:rPr>
+              <a:t>Specific Focus</a:t>
+            </a:r>
+          </a:p>
+          <a:p>
+            <a:pPr marL="685800" lvl="1" indent="-228600" algn="just">
+              <a:lnSpc>
+                <a:spcPct val="110000"/>
+              </a:lnSpc>
+              <a:spcBef>
+                <a:spcPts val="600"/>
+              </a:spcBef>
+              <a:buSzPts val="2880"/>
+              <a:buFont typeface="Arial"/>
+              <a:buChar char="•"/>
+            </a:pPr>
+            <a:r>
+              <a:rPr lang="en-US" sz="2400" dirty="0">
+                <a:latin typeface="+mn-lt"/>
+              </a:rPr>
+              <a:t>Controlling the quadcopter by using DDPG &amp; D4PG RL algorithms.</a:t>
+            </a:r>
+          </a:p>
+          <a:p>
+            <a:pPr marL="228600" indent="-228600">
+              <a:lnSpc>
+                <a:spcPct val="110000"/>
+              </a:lnSpc>
+              <a:spcBef>
+                <a:spcPts val="1000"/>
+              </a:spcBef>
+              <a:buSzPts val="3360"/>
+              <a:buFont typeface="Arial"/>
+              <a:buChar char="•"/>
+            </a:pPr>
+            <a:r>
+              <a:rPr lang="en-US" sz="2400" dirty="0">
+                <a:latin typeface="+mn-lt"/>
+                <a:ea typeface="Calibri"/>
+                <a:cs typeface="Calibri"/>
+                <a:sym typeface="Calibri"/>
+              </a:rPr>
+              <a:t>Training Environment</a:t>
+            </a:r>
+            <a:endParaRPr lang="en-US" sz="2400" dirty="0">
+              <a:latin typeface="+mn-lt"/>
+            </a:endParaRPr>
+          </a:p>
+          <a:p>
+            <a:pPr marL="685800" lvl="1" indent="-228600" algn="just">
+              <a:lnSpc>
+                <a:spcPct val="110000"/>
+              </a:lnSpc>
+              <a:spcBef>
+                <a:spcPts val="600"/>
+              </a:spcBef>
+              <a:buSzPts val="2880"/>
+              <a:buFont typeface="Arial"/>
+              <a:buChar char="•"/>
+            </a:pPr>
+            <a:r>
+              <a:rPr lang="en-US" sz="2400" dirty="0" err="1">
+                <a:latin typeface="+mn-lt"/>
+                <a:ea typeface="Calibri"/>
+                <a:cs typeface="Calibri"/>
+                <a:sym typeface="Calibri"/>
+              </a:rPr>
+              <a:t>GymFC</a:t>
+            </a:r>
+            <a:r>
+              <a:rPr lang="en-US" sz="2400" dirty="0">
+                <a:latin typeface="+mn-lt"/>
+                <a:ea typeface="Calibri"/>
+                <a:cs typeface="Calibri"/>
+                <a:sym typeface="Calibri"/>
+              </a:rPr>
+              <a:t> for training intelligent flight control of quadcopter.</a:t>
+            </a:r>
+          </a:p>
+          <a:p>
+            <a:pPr marL="228600" indent="-228600">
+              <a:lnSpc>
+                <a:spcPct val="110000"/>
+              </a:lnSpc>
+              <a:spcBef>
+                <a:spcPts val="1000"/>
+              </a:spcBef>
+              <a:buSzPts val="3360"/>
+              <a:buFont typeface="Arial"/>
+              <a:buChar char="•"/>
+            </a:pPr>
+            <a:r>
+              <a:rPr lang="en-US" sz="2400" dirty="0">
+                <a:latin typeface="+mn-lt"/>
+                <a:ea typeface="Calibri"/>
+                <a:cs typeface="Calibri"/>
+                <a:sym typeface="Calibri"/>
+              </a:rPr>
+              <a:t>RL Application</a:t>
+            </a:r>
+            <a:endParaRPr lang="en-US" sz="2400" dirty="0">
+              <a:latin typeface="+mn-lt"/>
+            </a:endParaRPr>
+          </a:p>
+          <a:p>
+            <a:pPr marL="685800" lvl="1" indent="-228600" algn="just">
+              <a:lnSpc>
+                <a:spcPct val="110000"/>
+              </a:lnSpc>
+              <a:spcBef>
+                <a:spcPts val="600"/>
+              </a:spcBef>
+              <a:buSzPts val="2880"/>
+              <a:buFont typeface="Arial"/>
+              <a:buChar char="•"/>
+            </a:pPr>
+            <a:r>
+              <a:rPr lang="en-US" sz="2400" dirty="0">
+                <a:latin typeface="+mn-lt"/>
+                <a:ea typeface="Calibri"/>
+                <a:cs typeface="Calibri"/>
+                <a:sym typeface="Calibri"/>
+              </a:rPr>
+              <a:t>Comparative analysis of the performance of DDPG &amp;D4PG </a:t>
+            </a:r>
+            <a:endParaRPr lang="tr-TR" sz="2400" dirty="0">
+              <a:latin typeface="+mn-lt"/>
+              <a:ea typeface="Calibri"/>
+              <a:cs typeface="Calibri"/>
+              <a:sym typeface="Calibri"/>
+            </a:endParaRPr>
+          </a:p>
+          <a:p>
+            <a:pPr marL="457200" lvl="1" algn="just">
+              <a:lnSpc>
+                <a:spcPct val="110000"/>
+              </a:lnSpc>
+              <a:spcBef>
+                <a:spcPts val="600"/>
+              </a:spcBef>
+              <a:buSzPts val="2880"/>
+            </a:pPr>
+            <a:r>
+              <a:rPr lang="en-US" sz="2400" dirty="0">
+                <a:latin typeface="+mn-lt"/>
+                <a:ea typeface="Calibri"/>
+                <a:cs typeface="Calibri"/>
+                <a:sym typeface="Calibri"/>
+              </a:rPr>
+              <a:t>algorithms in terms of reward generation, actor loss, and critic performance.</a:t>
+            </a:r>
+          </a:p>
+        </p:txBody>
+      </p:sp>
+    </p:spTree>
+    <p:extLst>
+      <p:ext uri="{BB962C8B-B14F-4D97-AF65-F5344CB8AC3E}">
+        <p14:creationId xmlns:p14="http://schemas.microsoft.com/office/powerpoint/2010/main" val="1469934724"/>
+      </p:ext>
+    </p:extLst>
+  </p:cSld>
+  <p:clrMapOvr>
+    <a:masterClrMapping/>
+  </p:clrMapOvr>
+</p:sld>
+</file>
+
+<file path=ppt/slides/slide12.xml><?xml version="1.0" encoding="utf-8"?>
+<p:sld xmlns:a="http://schemas.openxmlformats.org/drawingml/2006/main" xmlns:r="http://schemas.openxmlformats.org/officeDocument/2006/relationships" xmlns:p="http://schemas.openxmlformats.org/presentationml/2006/main">
+  <p:cSld>
+    <p:spTree>
+      <p:nvGrpSpPr>
+        <p:cNvPr id="1" name="Shape 339"/>
+        <p:cNvGrpSpPr/>
+        <p:nvPr/>
+      </p:nvGrpSpPr>
+      <p:grpSpPr>
+        <a:xfrm>
+          <a:off x="0" y="0"/>
+          <a:ext cx="0" cy="0"/>
+          <a:chOff x="0" y="0"/>
+          <a:chExt cx="0" cy="0"/>
+        </a:xfrm>
+      </p:grpSpPr>
+      <p:sp>
+        <p:nvSpPr>
+          <p:cNvPr id="340" name="Google Shape;340;p26"/>
+          <p:cNvSpPr txBox="1">
+            <a:spLocks noGrp="1"/>
+          </p:cNvSpPr>
+          <p:nvPr>
+            <p:ph type="title"/>
+          </p:nvPr>
+        </p:nvSpPr>
+        <p:spPr>
+          <a:xfrm>
+            <a:off x="0" y="0"/>
+            <a:ext cx="12192000" cy="907525"/>
+          </a:xfrm>
+          <a:prstGeom prst="rect">
+            <a:avLst/>
+          </a:prstGeom>
+          <a:solidFill>
+            <a:schemeClr val="accent1"/>
+          </a:solidFill>
+          <a:ln>
+            <a:noFill/>
+          </a:ln>
+        </p:spPr>
+        <p:txBody>
+          <a:bodyPr spcFirstLastPara="1" wrap="square" lIns="91425" tIns="274300" rIns="91425" bIns="45700" anchor="ctr" anchorCtr="0">
+            <a:normAutofit fontScale="90000"/>
+          </a:bodyPr>
+          <a:lstStyle/>
+          <a:p>
+            <a:pPr marL="0" lvl="0" indent="0" algn="l" rtl="0">
+              <a:lnSpc>
+                <a:spcPct val="90000"/>
+              </a:lnSpc>
+              <a:spcBef>
+                <a:spcPts val="0"/>
+              </a:spcBef>
+              <a:spcAft>
+                <a:spcPts val="0"/>
+              </a:spcAft>
+              <a:buClr>
+                <a:schemeClr val="lt1"/>
+              </a:buClr>
+              <a:buSzPct val="100000"/>
+              <a:buFont typeface="Arial"/>
+              <a:buNone/>
+            </a:pPr>
+            <a:r>
+              <a:rPr lang="tr-TR" dirty="0"/>
+              <a:t>Literature-2 </a:t>
+            </a:r>
+            <a:r>
+              <a:rPr lang="tr-TR" dirty="0" err="1"/>
+              <a:t>Results</a:t>
+            </a:r>
+            <a:endParaRPr lang="en-US" dirty="0"/>
+          </a:p>
+        </p:txBody>
+      </p:sp>
+      <p:sp>
+        <p:nvSpPr>
+          <p:cNvPr id="341" name="Google Shape;341;p26"/>
+          <p:cNvSpPr txBox="1">
+            <a:spLocks noGrp="1"/>
+          </p:cNvSpPr>
+          <p:nvPr>
+            <p:ph type="dt" idx="10"/>
+          </p:nvPr>
+        </p:nvSpPr>
+        <p:spPr>
+          <a:xfrm>
+            <a:off x="6096000" y="6568457"/>
+            <a:ext cx="2743200" cy="289543"/>
+          </a:xfrm>
+          <a:prstGeom prst="rect">
+            <a:avLst/>
+          </a:prstGeom>
+          <a:solidFill>
+            <a:schemeClr val="accent1"/>
+          </a:solidFill>
+          <a:ln>
+            <a:noFill/>
+          </a:ln>
+        </p:spPr>
+        <p:txBody>
+          <a:bodyPr spcFirstLastPara="1" wrap="square" lIns="91425" tIns="45700" rIns="91425" bIns="45700" anchor="ctr" anchorCtr="0">
+            <a:noAutofit/>
+          </a:bodyPr>
+          <a:lstStyle/>
+          <a:p>
+            <a:pPr marL="0" lvl="0" indent="0" algn="l" rtl="0">
+              <a:spcBef>
+                <a:spcPts val="0"/>
+              </a:spcBef>
+              <a:spcAft>
+                <a:spcPts val="0"/>
+              </a:spcAft>
+              <a:buNone/>
+            </a:pPr>
+            <a:r>
+              <a:rPr lang="tr-TR"/>
+              <a:t>Jun 7, 2024</a:t>
+            </a:r>
+            <a:endParaRPr dirty="0"/>
+          </a:p>
+        </p:txBody>
+      </p:sp>
+      <p:sp>
+        <p:nvSpPr>
+          <p:cNvPr id="342" name="Google Shape;342;p26"/>
+          <p:cNvSpPr txBox="1">
+            <a:spLocks noGrp="1"/>
+          </p:cNvSpPr>
+          <p:nvPr>
+            <p:ph type="ftr" idx="11"/>
+          </p:nvPr>
+        </p:nvSpPr>
+        <p:spPr>
+          <a:xfrm>
+            <a:off x="0" y="6568457"/>
+            <a:ext cx="6096000" cy="289543"/>
+          </a:xfrm>
+          <a:prstGeom prst="rect">
+            <a:avLst/>
+          </a:prstGeom>
+          <a:solidFill>
+            <a:schemeClr val="dk1"/>
+          </a:solidFill>
+          <a:ln>
+            <a:noFill/>
+          </a:ln>
+        </p:spPr>
+        <p:txBody>
+          <a:bodyPr spcFirstLastPara="1" wrap="square" lIns="91425" tIns="45700" rIns="91425" bIns="45700" anchor="ctr" anchorCtr="0">
+            <a:noAutofit/>
+          </a:bodyPr>
+          <a:lstStyle/>
+          <a:p>
+            <a:pPr marL="0" lvl="0" indent="0" algn="r" rtl="0">
+              <a:spcBef>
+                <a:spcPts val="0"/>
+              </a:spcBef>
+              <a:spcAft>
+                <a:spcPts val="0"/>
+              </a:spcAft>
+              <a:buNone/>
+            </a:pPr>
+            <a:r>
+              <a:rPr lang="en-US" dirty="0"/>
+              <a:t>CMP-620 Reinforcement Learning – Project Pro</a:t>
+            </a:r>
+            <a:r>
+              <a:rPr lang="tr-TR" dirty="0" err="1"/>
+              <a:t>gress</a:t>
+            </a:r>
+            <a:endParaRPr dirty="0"/>
+          </a:p>
+        </p:txBody>
+      </p:sp>
+      <p:sp>
+        <p:nvSpPr>
+          <p:cNvPr id="343" name="Google Shape;343;p26"/>
+          <p:cNvSpPr txBox="1">
+            <a:spLocks noGrp="1"/>
+          </p:cNvSpPr>
+          <p:nvPr>
+            <p:ph type="sldNum" idx="12"/>
+          </p:nvPr>
+        </p:nvSpPr>
+        <p:spPr>
+          <a:xfrm>
+            <a:off x="8839200" y="6568457"/>
+            <a:ext cx="3352800" cy="289543"/>
+          </a:xfrm>
+          <a:prstGeom prst="rect">
+            <a:avLst/>
+          </a:prstGeom>
+          <a:solidFill>
+            <a:schemeClr val="accent1"/>
+          </a:solidFill>
+          <a:ln>
+            <a:noFill/>
+          </a:ln>
+        </p:spPr>
+        <p:txBody>
+          <a:bodyPr spcFirstLastPara="1" wrap="square" lIns="91425" tIns="45700" rIns="91425" bIns="45700" anchor="ctr" anchorCtr="0">
+            <a:noAutofit/>
+          </a:bodyPr>
+          <a:lstStyle/>
+          <a:p>
+            <a:pPr marL="0" lvl="0" indent="0" algn="r" rtl="0">
+              <a:spcBef>
+                <a:spcPts val="0"/>
+              </a:spcBef>
+              <a:spcAft>
+                <a:spcPts val="0"/>
+              </a:spcAft>
+              <a:buNone/>
+            </a:pPr>
+            <a:fld id="{00000000-1234-1234-1234-123412341234}" type="slidenum">
+              <a:rPr lang="en-US"/>
+              <a:t>12</a:t>
             </a:fld>
             <a:endParaRPr/>
           </a:p>
@@ -14196,750 +16284,6 @@
 </p:sld>
 </file>
 
-<file path=ppt/slides/slide11.xml><?xml version="1.0" encoding="utf-8"?>
-<p:sld xmlns:a="http://schemas.openxmlformats.org/drawingml/2006/main" xmlns:r="http://schemas.openxmlformats.org/officeDocument/2006/relationships" xmlns:p="http://schemas.openxmlformats.org/presentationml/2006/main">
-  <p:cSld>
-    <p:spTree>
-      <p:nvGrpSpPr>
-        <p:cNvPr id="1" name="Shape 339"/>
-        <p:cNvGrpSpPr/>
-        <p:nvPr/>
-      </p:nvGrpSpPr>
-      <p:grpSpPr>
-        <a:xfrm>
-          <a:off x="0" y="0"/>
-          <a:ext cx="0" cy="0"/>
-          <a:chOff x="0" y="0"/>
-          <a:chExt cx="0" cy="0"/>
-        </a:xfrm>
-      </p:grpSpPr>
-      <p:sp>
-        <p:nvSpPr>
-          <p:cNvPr id="340" name="Google Shape;340;p26"/>
-          <p:cNvSpPr txBox="1">
-            <a:spLocks noGrp="1"/>
-          </p:cNvSpPr>
-          <p:nvPr>
-            <p:ph type="title"/>
-          </p:nvPr>
-        </p:nvSpPr>
-        <p:spPr>
-          <a:xfrm>
-            <a:off x="0" y="0"/>
-            <a:ext cx="12192000" cy="907525"/>
-          </a:xfrm>
-          <a:prstGeom prst="rect">
-            <a:avLst/>
-          </a:prstGeom>
-          <a:solidFill>
-            <a:schemeClr val="accent1"/>
-          </a:solidFill>
-          <a:ln>
-            <a:noFill/>
-          </a:ln>
-        </p:spPr>
-        <p:txBody>
-          <a:bodyPr spcFirstLastPara="1" wrap="square" lIns="91425" tIns="274300" rIns="91425" bIns="45700" anchor="ctr" anchorCtr="0">
-            <a:normAutofit fontScale="90000"/>
-          </a:bodyPr>
-          <a:lstStyle/>
-          <a:p>
-            <a:pPr marL="0" lvl="0" indent="0" algn="l" rtl="0">
-              <a:lnSpc>
-                <a:spcPct val="90000"/>
-              </a:lnSpc>
-              <a:spcBef>
-                <a:spcPts val="0"/>
-              </a:spcBef>
-              <a:spcAft>
-                <a:spcPts val="0"/>
-              </a:spcAft>
-              <a:buClr>
-                <a:schemeClr val="lt1"/>
-              </a:buClr>
-              <a:buSzPct val="100000"/>
-              <a:buFont typeface="Arial"/>
-              <a:buNone/>
-            </a:pPr>
-            <a:r>
-              <a:rPr lang="tr-TR" dirty="0" err="1"/>
-              <a:t>Quadcopter</a:t>
-            </a:r>
-            <a:r>
-              <a:rPr lang="tr-TR" dirty="0"/>
-              <a:t> Model</a:t>
-            </a:r>
-            <a:endParaRPr lang="en-US" dirty="0"/>
-          </a:p>
-        </p:txBody>
-      </p:sp>
-      <p:sp>
-        <p:nvSpPr>
-          <p:cNvPr id="341" name="Google Shape;341;p26"/>
-          <p:cNvSpPr txBox="1">
-            <a:spLocks noGrp="1"/>
-          </p:cNvSpPr>
-          <p:nvPr>
-            <p:ph type="dt" idx="10"/>
-          </p:nvPr>
-        </p:nvSpPr>
-        <p:spPr>
-          <a:xfrm>
-            <a:off x="6096000" y="6568457"/>
-            <a:ext cx="2743200" cy="289543"/>
-          </a:xfrm>
-          <a:prstGeom prst="rect">
-            <a:avLst/>
-          </a:prstGeom>
-          <a:solidFill>
-            <a:schemeClr val="accent1"/>
-          </a:solidFill>
-          <a:ln>
-            <a:noFill/>
-          </a:ln>
-        </p:spPr>
-        <p:txBody>
-          <a:bodyPr spcFirstLastPara="1" wrap="square" lIns="91425" tIns="45700" rIns="91425" bIns="45700" anchor="ctr" anchorCtr="0">
-            <a:noAutofit/>
-          </a:bodyPr>
-          <a:lstStyle/>
-          <a:p>
-            <a:pPr marL="0" lvl="0" indent="0" algn="l" rtl="0">
-              <a:spcBef>
-                <a:spcPts val="0"/>
-              </a:spcBef>
-              <a:spcAft>
-                <a:spcPts val="0"/>
-              </a:spcAft>
-              <a:buNone/>
-            </a:pPr>
-            <a:r>
-              <a:rPr lang="tr-TR"/>
-              <a:t>Jun 7, 2024</a:t>
-            </a:r>
-            <a:endParaRPr dirty="0"/>
-          </a:p>
-        </p:txBody>
-      </p:sp>
-      <p:sp>
-        <p:nvSpPr>
-          <p:cNvPr id="342" name="Google Shape;342;p26"/>
-          <p:cNvSpPr txBox="1">
-            <a:spLocks noGrp="1"/>
-          </p:cNvSpPr>
-          <p:nvPr>
-            <p:ph type="ftr" idx="11"/>
-          </p:nvPr>
-        </p:nvSpPr>
-        <p:spPr>
-          <a:xfrm>
-            <a:off x="0" y="6568457"/>
-            <a:ext cx="6096000" cy="289543"/>
-          </a:xfrm>
-          <a:prstGeom prst="rect">
-            <a:avLst/>
-          </a:prstGeom>
-          <a:solidFill>
-            <a:schemeClr val="dk1"/>
-          </a:solidFill>
-          <a:ln>
-            <a:noFill/>
-          </a:ln>
-        </p:spPr>
-        <p:txBody>
-          <a:bodyPr spcFirstLastPara="1" wrap="square" lIns="91425" tIns="45700" rIns="91425" bIns="45700" anchor="ctr" anchorCtr="0">
-            <a:noAutofit/>
-          </a:bodyPr>
-          <a:lstStyle/>
-          <a:p>
-            <a:pPr marL="0" lvl="0" indent="0" algn="r" rtl="0">
-              <a:spcBef>
-                <a:spcPts val="0"/>
-              </a:spcBef>
-              <a:spcAft>
-                <a:spcPts val="0"/>
-              </a:spcAft>
-              <a:buNone/>
-            </a:pPr>
-            <a:r>
-              <a:rPr lang="en-US" dirty="0"/>
-              <a:t>CMP-620 Reinforcement Learning – Project Pro</a:t>
-            </a:r>
-            <a:r>
-              <a:rPr lang="tr-TR" dirty="0" err="1"/>
-              <a:t>gress</a:t>
-            </a:r>
-            <a:endParaRPr dirty="0"/>
-          </a:p>
-        </p:txBody>
-      </p:sp>
-      <p:sp>
-        <p:nvSpPr>
-          <p:cNvPr id="343" name="Google Shape;343;p26"/>
-          <p:cNvSpPr txBox="1">
-            <a:spLocks noGrp="1"/>
-          </p:cNvSpPr>
-          <p:nvPr>
-            <p:ph type="sldNum" idx="12"/>
-          </p:nvPr>
-        </p:nvSpPr>
-        <p:spPr>
-          <a:xfrm>
-            <a:off x="8839200" y="6568457"/>
-            <a:ext cx="3352800" cy="289543"/>
-          </a:xfrm>
-          <a:prstGeom prst="rect">
-            <a:avLst/>
-          </a:prstGeom>
-          <a:solidFill>
-            <a:schemeClr val="accent1"/>
-          </a:solidFill>
-          <a:ln>
-            <a:noFill/>
-          </a:ln>
-        </p:spPr>
-        <p:txBody>
-          <a:bodyPr spcFirstLastPara="1" wrap="square" lIns="91425" tIns="45700" rIns="91425" bIns="45700" anchor="ctr" anchorCtr="0">
-            <a:noAutofit/>
-          </a:bodyPr>
-          <a:lstStyle/>
-          <a:p>
-            <a:pPr marL="0" lvl="0" indent="0" algn="r" rtl="0">
-              <a:spcBef>
-                <a:spcPts val="0"/>
-              </a:spcBef>
-              <a:spcAft>
-                <a:spcPts val="0"/>
-              </a:spcAft>
-              <a:buNone/>
-            </a:pPr>
-            <a:fld id="{00000000-1234-1234-1234-123412341234}" type="slidenum">
-              <a:rPr lang="en-US"/>
-              <a:t>11</a:t>
-            </a:fld>
-            <a:endParaRPr/>
-          </a:p>
-        </p:txBody>
-      </p:sp>
-      <p:sp>
-        <p:nvSpPr>
-          <p:cNvPr id="344" name="Google Shape;344;p26"/>
-          <p:cNvSpPr txBox="1"/>
-          <p:nvPr/>
-        </p:nvSpPr>
-        <p:spPr>
-          <a:xfrm>
-            <a:off x="1073247" y="1201213"/>
-            <a:ext cx="10045505" cy="5083277"/>
-          </a:xfrm>
-          <a:prstGeom prst="rect">
-            <a:avLst/>
-          </a:prstGeom>
-          <a:noFill/>
-          <a:ln>
-            <a:noFill/>
-          </a:ln>
-        </p:spPr>
-        <p:txBody>
-          <a:bodyPr spcFirstLastPara="1" wrap="square" lIns="91425" tIns="45700" rIns="91425" bIns="45700" anchor="t" anchorCtr="0">
-            <a:normAutofit/>
-          </a:bodyPr>
-          <a:lstStyle/>
-          <a:p>
-            <a:pPr marL="941832" marR="0" lvl="1" indent="-342900" algn="just" rtl="0">
-              <a:lnSpc>
-                <a:spcPct val="110000"/>
-              </a:lnSpc>
-              <a:spcBef>
-                <a:spcPts val="600"/>
-              </a:spcBef>
-              <a:spcAft>
-                <a:spcPts val="0"/>
-              </a:spcAft>
-              <a:buClr>
-                <a:schemeClr val="accent1"/>
-              </a:buClr>
-              <a:buSzPct val="119999"/>
-              <a:buFont typeface="Arial" panose="020B0604020202020204" pitchFamily="34" charset="0"/>
-              <a:buChar char="•"/>
-            </a:pPr>
-            <a:endParaRPr lang="tr-TR" sz="2400" dirty="0">
-              <a:solidFill>
-                <a:schemeClr val="dk1"/>
-              </a:solidFill>
-              <a:latin typeface="+mj-lt"/>
-            </a:endParaRPr>
-          </a:p>
-          <a:p>
-            <a:pPr marL="941832" marR="0" lvl="1" indent="-342900" algn="just" rtl="0">
-              <a:lnSpc>
-                <a:spcPct val="110000"/>
-              </a:lnSpc>
-              <a:spcBef>
-                <a:spcPts val="600"/>
-              </a:spcBef>
-              <a:spcAft>
-                <a:spcPts val="0"/>
-              </a:spcAft>
-              <a:buClr>
-                <a:schemeClr val="accent1"/>
-              </a:buClr>
-              <a:buSzPct val="119999"/>
-              <a:buFont typeface="Arial" panose="020B0604020202020204" pitchFamily="34" charset="0"/>
-              <a:buChar char="•"/>
-            </a:pPr>
-            <a:endParaRPr lang="tr-TR" sz="2400" dirty="0">
-              <a:solidFill>
-                <a:schemeClr val="dk1"/>
-              </a:solidFill>
-              <a:latin typeface="+mj-lt"/>
-            </a:endParaRPr>
-          </a:p>
-          <a:p>
-            <a:pPr marL="941832" marR="0" lvl="1" indent="-342900" algn="just" rtl="0">
-              <a:lnSpc>
-                <a:spcPct val="110000"/>
-              </a:lnSpc>
-              <a:spcBef>
-                <a:spcPts val="600"/>
-              </a:spcBef>
-              <a:spcAft>
-                <a:spcPts val="0"/>
-              </a:spcAft>
-              <a:buClr>
-                <a:schemeClr val="accent1"/>
-              </a:buClr>
-              <a:buSzPct val="119999"/>
-              <a:buFont typeface="Arial" panose="020B0604020202020204" pitchFamily="34" charset="0"/>
-              <a:buChar char="•"/>
-            </a:pPr>
-            <a:endParaRPr sz="2400" b="0" i="0" u="none" strike="noStrike" cap="none" dirty="0">
-              <a:solidFill>
-                <a:schemeClr val="dk1"/>
-              </a:solidFill>
-              <a:latin typeface="+mj-lt"/>
-              <a:ea typeface="Arial"/>
-              <a:cs typeface="Arial"/>
-              <a:sym typeface="Arial"/>
-            </a:endParaRPr>
-          </a:p>
-        </p:txBody>
-      </p:sp>
-      <p:pic>
-        <p:nvPicPr>
-          <p:cNvPr id="3" name="Resim 2">
-            <a:extLst>
-              <a:ext uri="{FF2B5EF4-FFF2-40B4-BE49-F238E27FC236}">
-                <a16:creationId xmlns:a16="http://schemas.microsoft.com/office/drawing/2014/main" id="{FDB7D488-A409-AEFF-A7E1-78EACB949528}"/>
-              </a:ext>
-            </a:extLst>
-          </p:cNvPr>
-          <p:cNvPicPr>
-            <a:picLocks noChangeAspect="1"/>
-          </p:cNvPicPr>
-          <p:nvPr/>
-        </p:nvPicPr>
-        <p:blipFill>
-          <a:blip r:embed="rId3"/>
-          <a:stretch>
-            <a:fillRect/>
-          </a:stretch>
-        </p:blipFill>
-        <p:spPr>
-          <a:xfrm>
-            <a:off x="485422" y="907525"/>
-            <a:ext cx="10840786" cy="5400000"/>
-          </a:xfrm>
-          <a:prstGeom prst="rect">
-            <a:avLst/>
-          </a:prstGeom>
-        </p:spPr>
-      </p:pic>
-    </p:spTree>
-    <p:extLst>
-      <p:ext uri="{BB962C8B-B14F-4D97-AF65-F5344CB8AC3E}">
-        <p14:creationId xmlns:p14="http://schemas.microsoft.com/office/powerpoint/2010/main" val="3449647577"/>
-      </p:ext>
-    </p:extLst>
-  </p:cSld>
-  <p:clrMapOvr>
-    <a:masterClrMapping/>
-  </p:clrMapOvr>
-</p:sld>
-</file>
-
-<file path=ppt/slides/slide12.xml><?xml version="1.0" encoding="utf-8"?>
-<p:sld xmlns:a="http://schemas.openxmlformats.org/drawingml/2006/main" xmlns:r="http://schemas.openxmlformats.org/officeDocument/2006/relationships" xmlns:p="http://schemas.openxmlformats.org/presentationml/2006/main">
-  <p:cSld>
-    <p:spTree>
-      <p:nvGrpSpPr>
-        <p:cNvPr id="1" name="Shape 339"/>
-        <p:cNvGrpSpPr/>
-        <p:nvPr/>
-      </p:nvGrpSpPr>
-      <p:grpSpPr>
-        <a:xfrm>
-          <a:off x="0" y="0"/>
-          <a:ext cx="0" cy="0"/>
-          <a:chOff x="0" y="0"/>
-          <a:chExt cx="0" cy="0"/>
-        </a:xfrm>
-      </p:grpSpPr>
-      <p:sp>
-        <p:nvSpPr>
-          <p:cNvPr id="340" name="Google Shape;340;p26"/>
-          <p:cNvSpPr txBox="1">
-            <a:spLocks noGrp="1"/>
-          </p:cNvSpPr>
-          <p:nvPr>
-            <p:ph type="title"/>
-          </p:nvPr>
-        </p:nvSpPr>
-        <p:spPr>
-          <a:xfrm>
-            <a:off x="0" y="0"/>
-            <a:ext cx="12192000" cy="907525"/>
-          </a:xfrm>
-          <a:prstGeom prst="rect">
-            <a:avLst/>
-          </a:prstGeom>
-          <a:solidFill>
-            <a:schemeClr val="accent1"/>
-          </a:solidFill>
-          <a:ln>
-            <a:noFill/>
-          </a:ln>
-        </p:spPr>
-        <p:txBody>
-          <a:bodyPr spcFirstLastPara="1" wrap="square" lIns="91425" tIns="274300" rIns="91425" bIns="45700" anchor="ctr" anchorCtr="0">
-            <a:normAutofit fontScale="90000"/>
-          </a:bodyPr>
-          <a:lstStyle/>
-          <a:p>
-            <a:pPr marL="0" lvl="0" indent="0" algn="l" rtl="0">
-              <a:lnSpc>
-                <a:spcPct val="90000"/>
-              </a:lnSpc>
-              <a:spcBef>
-                <a:spcPts val="0"/>
-              </a:spcBef>
-              <a:spcAft>
-                <a:spcPts val="0"/>
-              </a:spcAft>
-              <a:buClr>
-                <a:schemeClr val="lt1"/>
-              </a:buClr>
-              <a:buSzPct val="100000"/>
-              <a:buFont typeface="Arial"/>
-              <a:buNone/>
-            </a:pPr>
-            <a:r>
-              <a:rPr lang="tr-TR" dirty="0" err="1"/>
-              <a:t>Simulink</a:t>
-            </a:r>
-            <a:r>
-              <a:rPr lang="tr-TR" dirty="0"/>
-              <a:t> Environment of Project</a:t>
-            </a:r>
-            <a:endParaRPr lang="en-US" dirty="0"/>
-          </a:p>
-        </p:txBody>
-      </p:sp>
-      <p:sp>
-        <p:nvSpPr>
-          <p:cNvPr id="341" name="Google Shape;341;p26"/>
-          <p:cNvSpPr txBox="1">
-            <a:spLocks noGrp="1"/>
-          </p:cNvSpPr>
-          <p:nvPr>
-            <p:ph type="dt" idx="10"/>
-          </p:nvPr>
-        </p:nvSpPr>
-        <p:spPr>
-          <a:xfrm>
-            <a:off x="6096000" y="6568457"/>
-            <a:ext cx="2743200" cy="289543"/>
-          </a:xfrm>
-          <a:prstGeom prst="rect">
-            <a:avLst/>
-          </a:prstGeom>
-          <a:solidFill>
-            <a:schemeClr val="accent1"/>
-          </a:solidFill>
-          <a:ln>
-            <a:noFill/>
-          </a:ln>
-        </p:spPr>
-        <p:txBody>
-          <a:bodyPr spcFirstLastPara="1" wrap="square" lIns="91425" tIns="45700" rIns="91425" bIns="45700" anchor="ctr" anchorCtr="0">
-            <a:noAutofit/>
-          </a:bodyPr>
-          <a:lstStyle/>
-          <a:p>
-            <a:pPr marL="0" lvl="0" indent="0" algn="l" rtl="0">
-              <a:spcBef>
-                <a:spcPts val="0"/>
-              </a:spcBef>
-              <a:spcAft>
-                <a:spcPts val="0"/>
-              </a:spcAft>
-              <a:buNone/>
-            </a:pPr>
-            <a:r>
-              <a:rPr lang="tr-TR"/>
-              <a:t>Jun 7, 2024</a:t>
-            </a:r>
-            <a:endParaRPr dirty="0"/>
-          </a:p>
-        </p:txBody>
-      </p:sp>
-      <p:sp>
-        <p:nvSpPr>
-          <p:cNvPr id="342" name="Google Shape;342;p26"/>
-          <p:cNvSpPr txBox="1">
-            <a:spLocks noGrp="1"/>
-          </p:cNvSpPr>
-          <p:nvPr>
-            <p:ph type="ftr" idx="11"/>
-          </p:nvPr>
-        </p:nvSpPr>
-        <p:spPr>
-          <a:xfrm>
-            <a:off x="0" y="6568457"/>
-            <a:ext cx="6096000" cy="289543"/>
-          </a:xfrm>
-          <a:prstGeom prst="rect">
-            <a:avLst/>
-          </a:prstGeom>
-          <a:solidFill>
-            <a:schemeClr val="dk1"/>
-          </a:solidFill>
-          <a:ln>
-            <a:noFill/>
-          </a:ln>
-        </p:spPr>
-        <p:txBody>
-          <a:bodyPr spcFirstLastPara="1" wrap="square" lIns="91425" tIns="45700" rIns="91425" bIns="45700" anchor="ctr" anchorCtr="0">
-            <a:noAutofit/>
-          </a:bodyPr>
-          <a:lstStyle/>
-          <a:p>
-            <a:pPr marL="0" lvl="0" indent="0" algn="r" rtl="0">
-              <a:spcBef>
-                <a:spcPts val="0"/>
-              </a:spcBef>
-              <a:spcAft>
-                <a:spcPts val="0"/>
-              </a:spcAft>
-              <a:buNone/>
-            </a:pPr>
-            <a:r>
-              <a:rPr lang="en-US" dirty="0"/>
-              <a:t>CMP-620 Reinforcement Learning – Project Pro</a:t>
-            </a:r>
-            <a:r>
-              <a:rPr lang="tr-TR" dirty="0" err="1"/>
-              <a:t>gress</a:t>
-            </a:r>
-            <a:endParaRPr dirty="0"/>
-          </a:p>
-        </p:txBody>
-      </p:sp>
-      <p:sp>
-        <p:nvSpPr>
-          <p:cNvPr id="343" name="Google Shape;343;p26"/>
-          <p:cNvSpPr txBox="1">
-            <a:spLocks noGrp="1"/>
-          </p:cNvSpPr>
-          <p:nvPr>
-            <p:ph type="sldNum" idx="12"/>
-          </p:nvPr>
-        </p:nvSpPr>
-        <p:spPr>
-          <a:xfrm>
-            <a:off x="8839200" y="6568457"/>
-            <a:ext cx="3352800" cy="289543"/>
-          </a:xfrm>
-          <a:prstGeom prst="rect">
-            <a:avLst/>
-          </a:prstGeom>
-          <a:solidFill>
-            <a:schemeClr val="accent1"/>
-          </a:solidFill>
-          <a:ln>
-            <a:noFill/>
-          </a:ln>
-        </p:spPr>
-        <p:txBody>
-          <a:bodyPr spcFirstLastPara="1" wrap="square" lIns="91425" tIns="45700" rIns="91425" bIns="45700" anchor="ctr" anchorCtr="0">
-            <a:noAutofit/>
-          </a:bodyPr>
-          <a:lstStyle/>
-          <a:p>
-            <a:pPr marL="0" lvl="0" indent="0" algn="r" rtl="0">
-              <a:spcBef>
-                <a:spcPts val="0"/>
-              </a:spcBef>
-              <a:spcAft>
-                <a:spcPts val="0"/>
-              </a:spcAft>
-              <a:buNone/>
-            </a:pPr>
-            <a:fld id="{00000000-1234-1234-1234-123412341234}" type="slidenum">
-              <a:rPr lang="en-US"/>
-              <a:t>12</a:t>
-            </a:fld>
-            <a:endParaRPr/>
-          </a:p>
-        </p:txBody>
-      </p:sp>
-      <p:sp>
-        <p:nvSpPr>
-          <p:cNvPr id="344" name="Google Shape;344;p26"/>
-          <p:cNvSpPr txBox="1"/>
-          <p:nvPr/>
-        </p:nvSpPr>
-        <p:spPr>
-          <a:xfrm>
-            <a:off x="1073247" y="1201213"/>
-            <a:ext cx="10045505" cy="5083277"/>
-          </a:xfrm>
-          <a:prstGeom prst="rect">
-            <a:avLst/>
-          </a:prstGeom>
-          <a:noFill/>
-          <a:ln>
-            <a:noFill/>
-          </a:ln>
-        </p:spPr>
-        <p:txBody>
-          <a:bodyPr spcFirstLastPara="1" wrap="square" lIns="91425" tIns="45700" rIns="91425" bIns="45700" anchor="t" anchorCtr="0">
-            <a:normAutofit/>
-          </a:bodyPr>
-          <a:lstStyle/>
-          <a:p>
-            <a:pPr marL="941832" marR="0" lvl="1" indent="-342900" algn="just" rtl="0">
-              <a:lnSpc>
-                <a:spcPct val="110000"/>
-              </a:lnSpc>
-              <a:spcBef>
-                <a:spcPts val="600"/>
-              </a:spcBef>
-              <a:spcAft>
-                <a:spcPts val="0"/>
-              </a:spcAft>
-              <a:buClr>
-                <a:schemeClr val="accent1"/>
-              </a:buClr>
-              <a:buSzPct val="119999"/>
-              <a:buFont typeface="Arial" panose="020B0604020202020204" pitchFamily="34" charset="0"/>
-              <a:buChar char="•"/>
-            </a:pPr>
-            <a:endParaRPr lang="tr-TR" sz="2400" dirty="0">
-              <a:solidFill>
-                <a:schemeClr val="dk1"/>
-              </a:solidFill>
-              <a:latin typeface="+mj-lt"/>
-            </a:endParaRPr>
-          </a:p>
-          <a:p>
-            <a:pPr marL="941832" marR="0" lvl="1" indent="-342900" algn="just" rtl="0">
-              <a:lnSpc>
-                <a:spcPct val="110000"/>
-              </a:lnSpc>
-              <a:spcBef>
-                <a:spcPts val="600"/>
-              </a:spcBef>
-              <a:spcAft>
-                <a:spcPts val="0"/>
-              </a:spcAft>
-              <a:buClr>
-                <a:schemeClr val="accent1"/>
-              </a:buClr>
-              <a:buSzPct val="119999"/>
-              <a:buFont typeface="Arial" panose="020B0604020202020204" pitchFamily="34" charset="0"/>
-              <a:buChar char="•"/>
-            </a:pPr>
-            <a:endParaRPr lang="tr-TR" sz="2400" dirty="0">
-              <a:solidFill>
-                <a:schemeClr val="dk1"/>
-              </a:solidFill>
-              <a:latin typeface="+mj-lt"/>
-            </a:endParaRPr>
-          </a:p>
-          <a:p>
-            <a:pPr marL="941832" marR="0" lvl="1" indent="-342900" algn="just" rtl="0">
-              <a:lnSpc>
-                <a:spcPct val="110000"/>
-              </a:lnSpc>
-              <a:spcBef>
-                <a:spcPts val="600"/>
-              </a:spcBef>
-              <a:spcAft>
-                <a:spcPts val="0"/>
-              </a:spcAft>
-              <a:buClr>
-                <a:schemeClr val="accent1"/>
-              </a:buClr>
-              <a:buSzPct val="119999"/>
-              <a:buFont typeface="Arial" panose="020B0604020202020204" pitchFamily="34" charset="0"/>
-              <a:buChar char="•"/>
-            </a:pPr>
-            <a:endParaRPr sz="2400" b="0" i="0" u="none" strike="noStrike" cap="none" dirty="0">
-              <a:solidFill>
-                <a:schemeClr val="dk1"/>
-              </a:solidFill>
-              <a:latin typeface="+mj-lt"/>
-              <a:ea typeface="Arial"/>
-              <a:cs typeface="Arial"/>
-              <a:sym typeface="Arial"/>
-            </a:endParaRPr>
-          </a:p>
-        </p:txBody>
-      </p:sp>
-      <p:pic>
-        <p:nvPicPr>
-          <p:cNvPr id="2" name="Picture 2">
-            <a:extLst>
-              <a:ext uri="{FF2B5EF4-FFF2-40B4-BE49-F238E27FC236}">
-                <a16:creationId xmlns:a16="http://schemas.microsoft.com/office/drawing/2014/main" id="{8E3A5149-28B9-C97D-6DAD-0D1FD34F8F5E}"/>
-              </a:ext>
-            </a:extLst>
-          </p:cNvPr>
-          <p:cNvPicPr>
-            <a:picLocks noChangeAspect="1"/>
-          </p:cNvPicPr>
-          <p:nvPr/>
-        </p:nvPicPr>
-        <p:blipFill>
-          <a:blip r:embed="rId3"/>
-          <a:stretch>
-            <a:fillRect/>
-          </a:stretch>
-        </p:blipFill>
-        <p:spPr>
-          <a:xfrm>
-            <a:off x="1353477" y="907525"/>
-            <a:ext cx="9485046" cy="5368675"/>
-          </a:xfrm>
-          <a:prstGeom prst="rect">
-            <a:avLst/>
-          </a:prstGeom>
-        </p:spPr>
-      </p:pic>
-    </p:spTree>
-    <p:extLst>
-      <p:ext uri="{BB962C8B-B14F-4D97-AF65-F5344CB8AC3E}">
-        <p14:creationId xmlns:p14="http://schemas.microsoft.com/office/powerpoint/2010/main" val="1263392843"/>
-      </p:ext>
-    </p:extLst>
-  </p:cSld>
-  <p:clrMapOvr>
-    <a:masterClrMapping/>
-  </p:clrMapOvr>
-</p:sld>
-</file>
-
 <file path=ppt/slides/slide13.xml><?xml version="1.0" encoding="utf-8"?>
 <p:sld xmlns:a="http://schemas.openxmlformats.org/drawingml/2006/main" xmlns:r="http://schemas.openxmlformats.org/officeDocument/2006/relationships" xmlns:p="http://schemas.openxmlformats.org/presentationml/2006/main">
   <p:cSld>
@@ -15006,20 +16350,12 @@
               <a:buNone/>
             </a:pPr>
             <a:r>
+              <a:rPr lang="tr-TR" dirty="0" err="1"/>
+              <a:t>Simulink</a:t>
+            </a:r>
+            <a:r>
               <a:rPr lang="tr-TR" dirty="0"/>
-              <a:t>Flight Control </a:t>
-            </a:r>
-            <a:r>
-              <a:rPr lang="tr-TR" dirty="0" err="1"/>
-              <a:t>System</a:t>
-            </a:r>
-            <a:r>
-              <a:rPr lang="tr-TR" dirty="0"/>
-              <a:t> </a:t>
-            </a:r>
-            <a:r>
-              <a:rPr lang="tr-TR" dirty="0" err="1"/>
-              <a:t>Block</a:t>
+              <a:t> Environment of Project</a:t>
             </a:r>
             <a:endParaRPr lang="en-US" dirty="0"/>
           </a:p>
@@ -15173,12 +16509,116 @@
           </a:p>
         </p:txBody>
       </p:sp>
+      <p:sp>
+        <p:nvSpPr>
+          <p:cNvPr id="344" name="Google Shape;344;p26"/>
+          <p:cNvSpPr txBox="1"/>
+          <p:nvPr/>
+        </p:nvSpPr>
+        <p:spPr>
+          <a:xfrm>
+            <a:off x="1073247" y="1201213"/>
+            <a:ext cx="10045505" cy="5083277"/>
+          </a:xfrm>
+          <a:prstGeom prst="rect">
+            <a:avLst/>
+          </a:prstGeom>
+          <a:noFill/>
+          <a:ln>
+            <a:noFill/>
+          </a:ln>
+        </p:spPr>
+        <p:txBody>
+          <a:bodyPr spcFirstLastPara="1" wrap="square" lIns="91425" tIns="45700" rIns="91425" bIns="45700" anchor="t" anchorCtr="0">
+            <a:normAutofit/>
+          </a:bodyPr>
+          <a:lstStyle/>
+          <a:p>
+            <a:pPr marL="941832" marR="0" lvl="1" indent="-342900" algn="just" rtl="0">
+              <a:lnSpc>
+                <a:spcPct val="110000"/>
+              </a:lnSpc>
+              <a:spcBef>
+                <a:spcPts val="600"/>
+              </a:spcBef>
+              <a:spcAft>
+                <a:spcPts val="0"/>
+              </a:spcAft>
+              <a:buClr>
+                <a:schemeClr val="accent1"/>
+              </a:buClr>
+              <a:buSzPct val="119999"/>
+              <a:buFont typeface="Arial" panose="020B0604020202020204" pitchFamily="34" charset="0"/>
+              <a:buChar char="•"/>
+            </a:pPr>
+            <a:endParaRPr lang="tr-TR" sz="2400" dirty="0">
+              <a:solidFill>
+                <a:schemeClr val="dk1"/>
+              </a:solidFill>
+              <a:latin typeface="+mj-lt"/>
+            </a:endParaRPr>
+          </a:p>
+          <a:p>
+            <a:pPr marL="941832" marR="0" lvl="1" indent="-342900" algn="just" rtl="0">
+              <a:lnSpc>
+                <a:spcPct val="110000"/>
+              </a:lnSpc>
+              <a:spcBef>
+                <a:spcPts val="600"/>
+              </a:spcBef>
+              <a:spcAft>
+                <a:spcPts val="0"/>
+              </a:spcAft>
+              <a:buClr>
+                <a:schemeClr val="accent1"/>
+              </a:buClr>
+              <a:buSzPct val="119999"/>
+              <a:buFont typeface="Arial" panose="020B0604020202020204" pitchFamily="34" charset="0"/>
+              <a:buChar char="•"/>
+            </a:pPr>
+            <a:endParaRPr lang="tr-TR" sz="2400" dirty="0">
+              <a:solidFill>
+                <a:schemeClr val="dk1"/>
+              </a:solidFill>
+              <a:latin typeface="+mj-lt"/>
+            </a:endParaRPr>
+          </a:p>
+          <a:p>
+            <a:pPr marL="941832" marR="0" lvl="1" indent="-342900" algn="just" rtl="0">
+              <a:lnSpc>
+                <a:spcPct val="110000"/>
+              </a:lnSpc>
+              <a:spcBef>
+                <a:spcPts val="600"/>
+              </a:spcBef>
+              <a:spcAft>
+                <a:spcPts val="0"/>
+              </a:spcAft>
+              <a:buClr>
+                <a:schemeClr val="accent1"/>
+              </a:buClr>
+              <a:buSzPct val="119999"/>
+              <a:buFont typeface="Arial" panose="020B0604020202020204" pitchFamily="34" charset="0"/>
+              <a:buChar char="•"/>
+            </a:pPr>
+            <a:endParaRPr sz="2400" b="0" i="0" u="none" strike="noStrike" cap="none" dirty="0">
+              <a:solidFill>
+                <a:schemeClr val="dk1"/>
+              </a:solidFill>
+              <a:latin typeface="+mj-lt"/>
+              <a:ea typeface="Arial"/>
+              <a:cs typeface="Arial"/>
+              <a:sym typeface="Arial"/>
+            </a:endParaRPr>
+          </a:p>
+        </p:txBody>
+      </p:sp>
       <p:pic>
         <p:nvPicPr>
-          <p:cNvPr id="2" name="Picture 3">
+          <p:cNvPr id="2" name="Picture 2">
             <a:extLst>
               <a:ext uri="{FF2B5EF4-FFF2-40B4-BE49-F238E27FC236}">
-                <a16:creationId xmlns:a16="http://schemas.microsoft.com/office/drawing/2014/main" id="{D6BF1E6B-736C-ABA3-1E32-262C14887933}"/>
+                <a16:creationId xmlns:a16="http://schemas.microsoft.com/office/drawing/2014/main" id="{8E3A5149-28B9-C97D-6DAD-0D1FD34F8F5E}"/>
               </a:ext>
             </a:extLst>
           </p:cNvPr>
@@ -15195,8 +16635,8 @@
         </p:blipFill>
         <p:spPr>
           <a:xfrm>
-            <a:off x="0" y="1373536"/>
-            <a:ext cx="12192000" cy="4110928"/>
+            <a:off x="1353477" y="907525"/>
+            <a:ext cx="9485046" cy="5368675"/>
           </a:xfrm>
           <a:prstGeom prst="rect">
             <a:avLst/>
@@ -15206,7 +16646,7 @@
     </p:spTree>
     <p:extLst>
       <p:ext uri="{BB962C8B-B14F-4D97-AF65-F5344CB8AC3E}">
-        <p14:creationId xmlns:p14="http://schemas.microsoft.com/office/powerpoint/2010/main" val="1714052515"/>
+        <p14:creationId xmlns:p14="http://schemas.microsoft.com/office/powerpoint/2010/main" val="1263392843"/>
       </p:ext>
     </p:extLst>
   </p:cSld>
@@ -15217,6 +16657,378 @@
 </file>
 
 <file path=ppt/slides/slide14.xml><?xml version="1.0" encoding="utf-8"?>
+<p:sld xmlns:a="http://schemas.openxmlformats.org/drawingml/2006/main" xmlns:r="http://schemas.openxmlformats.org/officeDocument/2006/relationships" xmlns:p="http://schemas.openxmlformats.org/presentationml/2006/main">
+  <p:cSld>
+    <p:spTree>
+      <p:nvGrpSpPr>
+        <p:cNvPr id="1" name="Shape 339"/>
+        <p:cNvGrpSpPr/>
+        <p:nvPr/>
+      </p:nvGrpSpPr>
+      <p:grpSpPr>
+        <a:xfrm>
+          <a:off x="0" y="0"/>
+          <a:ext cx="0" cy="0"/>
+          <a:chOff x="0" y="0"/>
+          <a:chExt cx="0" cy="0"/>
+        </a:xfrm>
+      </p:grpSpPr>
+      <p:sp>
+        <p:nvSpPr>
+          <p:cNvPr id="340" name="Google Shape;340;p26"/>
+          <p:cNvSpPr txBox="1">
+            <a:spLocks noGrp="1"/>
+          </p:cNvSpPr>
+          <p:nvPr>
+            <p:ph type="title"/>
+          </p:nvPr>
+        </p:nvSpPr>
+        <p:spPr>
+          <a:xfrm>
+            <a:off x="0" y="0"/>
+            <a:ext cx="12192000" cy="907525"/>
+          </a:xfrm>
+          <a:prstGeom prst="rect">
+            <a:avLst/>
+          </a:prstGeom>
+          <a:solidFill>
+            <a:schemeClr val="accent1"/>
+          </a:solidFill>
+          <a:ln>
+            <a:noFill/>
+          </a:ln>
+        </p:spPr>
+        <p:txBody>
+          <a:bodyPr spcFirstLastPara="1" wrap="square" lIns="91425" tIns="274300" rIns="91425" bIns="45700" anchor="ctr" anchorCtr="0">
+            <a:normAutofit fontScale="90000"/>
+          </a:bodyPr>
+          <a:lstStyle/>
+          <a:p>
+            <a:pPr marL="0" lvl="0" indent="0" algn="l" rtl="0">
+              <a:lnSpc>
+                <a:spcPct val="90000"/>
+              </a:lnSpc>
+              <a:spcBef>
+                <a:spcPts val="0"/>
+              </a:spcBef>
+              <a:spcAft>
+                <a:spcPts val="0"/>
+              </a:spcAft>
+              <a:buClr>
+                <a:schemeClr val="lt1"/>
+              </a:buClr>
+              <a:buSzPct val="100000"/>
+              <a:buFont typeface="Arial"/>
+              <a:buNone/>
+            </a:pPr>
+            <a:r>
+              <a:rPr lang="tr-TR" dirty="0"/>
+              <a:t>Flight Controller </a:t>
+            </a:r>
+            <a:r>
+              <a:rPr lang="tr-TR" dirty="0" err="1"/>
+              <a:t>Block</a:t>
+            </a:r>
+            <a:endParaRPr lang="en-US" dirty="0"/>
+          </a:p>
+        </p:txBody>
+      </p:sp>
+      <p:sp>
+        <p:nvSpPr>
+          <p:cNvPr id="341" name="Google Shape;341;p26"/>
+          <p:cNvSpPr txBox="1">
+            <a:spLocks noGrp="1"/>
+          </p:cNvSpPr>
+          <p:nvPr>
+            <p:ph type="dt" idx="10"/>
+          </p:nvPr>
+        </p:nvSpPr>
+        <p:spPr>
+          <a:xfrm>
+            <a:off x="6096000" y="6568457"/>
+            <a:ext cx="2743200" cy="289543"/>
+          </a:xfrm>
+          <a:prstGeom prst="rect">
+            <a:avLst/>
+          </a:prstGeom>
+          <a:solidFill>
+            <a:schemeClr val="accent1"/>
+          </a:solidFill>
+          <a:ln>
+            <a:noFill/>
+          </a:ln>
+        </p:spPr>
+        <p:txBody>
+          <a:bodyPr spcFirstLastPara="1" wrap="square" lIns="91425" tIns="45700" rIns="91425" bIns="45700" anchor="ctr" anchorCtr="0">
+            <a:noAutofit/>
+          </a:bodyPr>
+          <a:lstStyle/>
+          <a:p>
+            <a:pPr marL="0" lvl="0" indent="0" algn="l" rtl="0">
+              <a:spcBef>
+                <a:spcPts val="0"/>
+              </a:spcBef>
+              <a:spcAft>
+                <a:spcPts val="0"/>
+              </a:spcAft>
+              <a:buNone/>
+            </a:pPr>
+            <a:r>
+              <a:rPr lang="tr-TR"/>
+              <a:t>Jun 7, 2024</a:t>
+            </a:r>
+            <a:endParaRPr dirty="0"/>
+          </a:p>
+        </p:txBody>
+      </p:sp>
+      <p:sp>
+        <p:nvSpPr>
+          <p:cNvPr id="342" name="Google Shape;342;p26"/>
+          <p:cNvSpPr txBox="1">
+            <a:spLocks noGrp="1"/>
+          </p:cNvSpPr>
+          <p:nvPr>
+            <p:ph type="ftr" idx="11"/>
+          </p:nvPr>
+        </p:nvSpPr>
+        <p:spPr>
+          <a:xfrm>
+            <a:off x="0" y="6568457"/>
+            <a:ext cx="6096000" cy="289543"/>
+          </a:xfrm>
+          <a:prstGeom prst="rect">
+            <a:avLst/>
+          </a:prstGeom>
+          <a:solidFill>
+            <a:schemeClr val="dk1"/>
+          </a:solidFill>
+          <a:ln>
+            <a:noFill/>
+          </a:ln>
+        </p:spPr>
+        <p:txBody>
+          <a:bodyPr spcFirstLastPara="1" wrap="square" lIns="91425" tIns="45700" rIns="91425" bIns="45700" anchor="ctr" anchorCtr="0">
+            <a:noAutofit/>
+          </a:bodyPr>
+          <a:lstStyle/>
+          <a:p>
+            <a:pPr marL="0" lvl="0" indent="0" algn="r" rtl="0">
+              <a:spcBef>
+                <a:spcPts val="0"/>
+              </a:spcBef>
+              <a:spcAft>
+                <a:spcPts val="0"/>
+              </a:spcAft>
+              <a:buNone/>
+            </a:pPr>
+            <a:r>
+              <a:rPr lang="en-US" dirty="0"/>
+              <a:t>CMP-620 Reinforcement Learning – Project Pro</a:t>
+            </a:r>
+            <a:r>
+              <a:rPr lang="tr-TR" dirty="0" err="1"/>
+              <a:t>gress</a:t>
+            </a:r>
+            <a:endParaRPr dirty="0"/>
+          </a:p>
+        </p:txBody>
+      </p:sp>
+      <p:sp>
+        <p:nvSpPr>
+          <p:cNvPr id="343" name="Google Shape;343;p26"/>
+          <p:cNvSpPr txBox="1">
+            <a:spLocks noGrp="1"/>
+          </p:cNvSpPr>
+          <p:nvPr>
+            <p:ph type="sldNum" idx="12"/>
+          </p:nvPr>
+        </p:nvSpPr>
+        <p:spPr>
+          <a:xfrm>
+            <a:off x="8839200" y="6568457"/>
+            <a:ext cx="3352800" cy="289543"/>
+          </a:xfrm>
+          <a:prstGeom prst="rect">
+            <a:avLst/>
+          </a:prstGeom>
+          <a:solidFill>
+            <a:schemeClr val="accent1"/>
+          </a:solidFill>
+          <a:ln>
+            <a:noFill/>
+          </a:ln>
+        </p:spPr>
+        <p:txBody>
+          <a:bodyPr spcFirstLastPara="1" wrap="square" lIns="91425" tIns="45700" rIns="91425" bIns="45700" anchor="ctr" anchorCtr="0">
+            <a:noAutofit/>
+          </a:bodyPr>
+          <a:lstStyle/>
+          <a:p>
+            <a:pPr marL="0" lvl="0" indent="0" algn="r" rtl="0">
+              <a:spcBef>
+                <a:spcPts val="0"/>
+              </a:spcBef>
+              <a:spcAft>
+                <a:spcPts val="0"/>
+              </a:spcAft>
+              <a:buNone/>
+            </a:pPr>
+            <a:fld id="{00000000-1234-1234-1234-123412341234}" type="slidenum">
+              <a:rPr lang="en-US"/>
+              <a:t>14</a:t>
+            </a:fld>
+            <a:endParaRPr/>
+          </a:p>
+        </p:txBody>
+      </p:sp>
+      <p:sp>
+        <p:nvSpPr>
+          <p:cNvPr id="344" name="Google Shape;344;p26"/>
+          <p:cNvSpPr txBox="1"/>
+          <p:nvPr/>
+        </p:nvSpPr>
+        <p:spPr>
+          <a:xfrm>
+            <a:off x="1073247" y="1201213"/>
+            <a:ext cx="10045505" cy="5083277"/>
+          </a:xfrm>
+          <a:prstGeom prst="rect">
+            <a:avLst/>
+          </a:prstGeom>
+          <a:noFill/>
+          <a:ln>
+            <a:noFill/>
+          </a:ln>
+        </p:spPr>
+        <p:txBody>
+          <a:bodyPr spcFirstLastPara="1" wrap="square" lIns="91425" tIns="45700" rIns="91425" bIns="45700" anchor="t" anchorCtr="0">
+            <a:normAutofit/>
+          </a:bodyPr>
+          <a:lstStyle/>
+          <a:p>
+            <a:pPr marL="941832" marR="0" lvl="1" indent="-342900" algn="just" rtl="0">
+              <a:lnSpc>
+                <a:spcPct val="110000"/>
+              </a:lnSpc>
+              <a:spcBef>
+                <a:spcPts val="600"/>
+              </a:spcBef>
+              <a:spcAft>
+                <a:spcPts val="0"/>
+              </a:spcAft>
+              <a:buClr>
+                <a:schemeClr val="accent1"/>
+              </a:buClr>
+              <a:buSzPct val="119999"/>
+              <a:buFont typeface="Arial" panose="020B0604020202020204" pitchFamily="34" charset="0"/>
+              <a:buChar char="•"/>
+            </a:pPr>
+            <a:endParaRPr lang="tr-TR" sz="2400" dirty="0">
+              <a:solidFill>
+                <a:schemeClr val="dk1"/>
+              </a:solidFill>
+              <a:latin typeface="+mj-lt"/>
+            </a:endParaRPr>
+          </a:p>
+          <a:p>
+            <a:pPr marL="941832" marR="0" lvl="1" indent="-342900" algn="just" rtl="0">
+              <a:lnSpc>
+                <a:spcPct val="110000"/>
+              </a:lnSpc>
+              <a:spcBef>
+                <a:spcPts val="600"/>
+              </a:spcBef>
+              <a:spcAft>
+                <a:spcPts val="0"/>
+              </a:spcAft>
+              <a:buClr>
+                <a:schemeClr val="accent1"/>
+              </a:buClr>
+              <a:buSzPct val="119999"/>
+              <a:buFont typeface="Arial" panose="020B0604020202020204" pitchFamily="34" charset="0"/>
+              <a:buChar char="•"/>
+            </a:pPr>
+            <a:endParaRPr lang="tr-TR" sz="2400" dirty="0">
+              <a:solidFill>
+                <a:schemeClr val="dk1"/>
+              </a:solidFill>
+              <a:latin typeface="+mj-lt"/>
+            </a:endParaRPr>
+          </a:p>
+          <a:p>
+            <a:pPr marL="941832" marR="0" lvl="1" indent="-342900" algn="just" rtl="0">
+              <a:lnSpc>
+                <a:spcPct val="110000"/>
+              </a:lnSpc>
+              <a:spcBef>
+                <a:spcPts val="600"/>
+              </a:spcBef>
+              <a:spcAft>
+                <a:spcPts val="0"/>
+              </a:spcAft>
+              <a:buClr>
+                <a:schemeClr val="accent1"/>
+              </a:buClr>
+              <a:buSzPct val="119999"/>
+              <a:buFont typeface="Arial" panose="020B0604020202020204" pitchFamily="34" charset="0"/>
+              <a:buChar char="•"/>
+            </a:pPr>
+            <a:endParaRPr sz="2400" b="0" i="0" u="none" strike="noStrike" cap="none" dirty="0">
+              <a:solidFill>
+                <a:schemeClr val="dk1"/>
+              </a:solidFill>
+              <a:latin typeface="+mj-lt"/>
+              <a:ea typeface="Arial"/>
+              <a:cs typeface="Arial"/>
+              <a:sym typeface="Arial"/>
+            </a:endParaRPr>
+          </a:p>
+        </p:txBody>
+      </p:sp>
+      <p:pic>
+        <p:nvPicPr>
+          <p:cNvPr id="3" name="Resim 2">
+            <a:extLst>
+              <a:ext uri="{FF2B5EF4-FFF2-40B4-BE49-F238E27FC236}">
+                <a16:creationId xmlns:a16="http://schemas.microsoft.com/office/drawing/2014/main" id="{FDB7D488-A409-AEFF-A7E1-78EACB949528}"/>
+              </a:ext>
+            </a:extLst>
+          </p:cNvPr>
+          <p:cNvPicPr>
+            <a:picLocks noChangeAspect="1"/>
+          </p:cNvPicPr>
+          <p:nvPr/>
+        </p:nvPicPr>
+        <p:blipFill>
+          <a:blip r:embed="rId3"/>
+          <a:stretch>
+            <a:fillRect/>
+          </a:stretch>
+        </p:blipFill>
+        <p:spPr>
+          <a:xfrm>
+            <a:off x="485422" y="907525"/>
+            <a:ext cx="10840786" cy="5400000"/>
+          </a:xfrm>
+          <a:prstGeom prst="rect">
+            <a:avLst/>
+          </a:prstGeom>
+        </p:spPr>
+      </p:pic>
+    </p:spTree>
+    <p:extLst>
+      <p:ext uri="{BB962C8B-B14F-4D97-AF65-F5344CB8AC3E}">
+        <p14:creationId xmlns:p14="http://schemas.microsoft.com/office/powerpoint/2010/main" val="3449647577"/>
+      </p:ext>
+    </p:extLst>
+  </p:cSld>
+  <p:clrMapOvr>
+    <a:masterClrMapping/>
+  </p:clrMapOvr>
+</p:sld>
+</file>
+
+<file path=ppt/slides/slide15.xml><?xml version="1.0" encoding="utf-8"?>
 <p:sld xmlns:a="http://schemas.openxmlformats.org/drawingml/2006/main" xmlns:r="http://schemas.openxmlformats.org/officeDocument/2006/relationships" xmlns:p="http://schemas.openxmlformats.org/presentationml/2006/main">
   <p:cSld>
     <p:spTree>
@@ -15255,7 +17067,7 @@
         </p:blipFill>
         <p:spPr>
           <a:xfrm>
-            <a:off x="23750" y="1720593"/>
+            <a:off x="23750" y="1064818"/>
             <a:ext cx="12058183" cy="2838084"/>
           </a:xfrm>
           <a:prstGeom prst="rect">
@@ -15481,7 +17293,7 @@
             </a:pPr>
             <a:fld id="{00000000-1234-1234-1234-123412341234}" type="slidenum">
               <a:rPr lang="en-US"/>
-              <a:t>14</a:t>
+              <a:t>15</a:t>
             </a:fld>
             <a:endParaRPr/>
           </a:p>
@@ -15527,8 +17339,13 @@
             </a:pPr>
             <a:r>
               <a:rPr lang="en-US" sz="1600" dirty="0"/>
-              <a:t>Roll angle reference</a:t>
-            </a:r>
+              <a:t>Roll angle </a:t>
+            </a:r>
+            <a:r>
+              <a:rPr lang="tr-TR" sz="1600" dirty="0" err="1"/>
+              <a:t>error</a:t>
+            </a:r>
+            <a:endParaRPr lang="en-US" sz="1600" dirty="0"/>
           </a:p>
           <a:p>
             <a:pPr marL="285750" indent="-285750">
@@ -15537,8 +17354,13 @@
             </a:pPr>
             <a:r>
               <a:rPr lang="en-US" sz="1600" dirty="0"/>
-              <a:t>Pitch angle reference</a:t>
-            </a:r>
+              <a:t>Pitch angle </a:t>
+            </a:r>
+            <a:r>
+              <a:rPr lang="tr-TR" sz="1600" dirty="0" err="1"/>
+              <a:t>error</a:t>
+            </a:r>
+            <a:endParaRPr lang="en-US" sz="1600" dirty="0"/>
           </a:p>
           <a:p>
             <a:pPr marL="285750" indent="-285750">
@@ -15546,9 +17368,34 @@
               <a:buChar char="•"/>
             </a:pPr>
             <a:r>
-              <a:rPr lang="en-US" sz="1600" dirty="0"/>
-              <a:t>Estimated Roll angle</a:t>
-            </a:r>
+              <a:rPr lang="tr-TR" sz="1600" dirty="0" err="1"/>
+              <a:t>Integral</a:t>
+            </a:r>
+            <a:r>
+              <a:rPr lang="tr-TR" sz="1600" dirty="0"/>
+              <a:t> of </a:t>
+            </a:r>
+            <a:r>
+              <a:rPr lang="tr-TR" sz="1600" dirty="0" err="1"/>
+              <a:t>roll</a:t>
+            </a:r>
+            <a:r>
+              <a:rPr lang="tr-TR" sz="1600" dirty="0"/>
+              <a:t> </a:t>
+            </a:r>
+            <a:r>
+              <a:rPr lang="tr-TR" sz="1600" dirty="0" err="1"/>
+              <a:t>angle</a:t>
+            </a:r>
+            <a:r>
+              <a:rPr lang="tr-TR" sz="1600" dirty="0"/>
+              <a:t> </a:t>
+            </a:r>
+            <a:r>
+              <a:rPr lang="tr-TR" sz="1600" dirty="0" err="1"/>
+              <a:t>error</a:t>
+            </a:r>
+            <a:endParaRPr lang="en-US" sz="1600" dirty="0"/>
           </a:p>
           <a:p>
             <a:pPr marL="285750" indent="-285750">
@@ -15556,9 +17403,34 @@
               <a:buChar char="•"/>
             </a:pPr>
             <a:r>
-              <a:rPr lang="en-US" sz="1600" dirty="0"/>
-              <a:t>Estimated Pitch angle</a:t>
-            </a:r>
+              <a:rPr lang="tr-TR" sz="1600" dirty="0" err="1"/>
+              <a:t>Integral</a:t>
+            </a:r>
+            <a:r>
+              <a:rPr lang="tr-TR" sz="1600" dirty="0"/>
+              <a:t> of </a:t>
+            </a:r>
+            <a:r>
+              <a:rPr lang="tr-TR" sz="1600" dirty="0" err="1"/>
+              <a:t>pitch</a:t>
+            </a:r>
+            <a:r>
+              <a:rPr lang="tr-TR" sz="1600" dirty="0"/>
+              <a:t> </a:t>
+            </a:r>
+            <a:r>
+              <a:rPr lang="tr-TR" sz="1600" dirty="0" err="1"/>
+              <a:t>angle</a:t>
+            </a:r>
+            <a:r>
+              <a:rPr lang="tr-TR" sz="1600" dirty="0"/>
+              <a:t> </a:t>
+            </a:r>
+            <a:r>
+              <a:rPr lang="tr-TR" sz="1600" dirty="0" err="1"/>
+              <a:t>error</a:t>
+            </a:r>
+            <a:endParaRPr lang="en-US" sz="1600" dirty="0"/>
           </a:p>
           <a:p>
             <a:pPr marL="285750" indent="-285750">
@@ -15725,238 +17597,6 @@
           </a:fontRef>
         </p:style>
       </p:cxnSp>
-      <mc:AlternateContent xmlns:mc="http://schemas.openxmlformats.org/markup-compatibility/2006" xmlns:a14="http://schemas.microsoft.com/office/drawing/2010/main">
-        <mc:Choice Requires="a14">
-          <p:sp>
-            <p:nvSpPr>
-              <p:cNvPr id="19" name="TextBox 18">
-                <a:extLst>
-                  <a:ext uri="{FF2B5EF4-FFF2-40B4-BE49-F238E27FC236}">
-                    <a16:creationId xmlns:a16="http://schemas.microsoft.com/office/drawing/2014/main" id="{245823EB-B7FF-4C21-A4EF-F798DD6647E0}"/>
-                  </a:ext>
-                </a:extLst>
-              </p:cNvPr>
-              <p:cNvSpPr txBox="1"/>
-              <p:nvPr/>
-            </p:nvSpPr>
-            <p:spPr>
-              <a:xfrm>
-                <a:off x="4157830" y="5518069"/>
-                <a:ext cx="4507345" cy="404663"/>
-              </a:xfrm>
-              <a:prstGeom prst="rect">
-                <a:avLst/>
-              </a:prstGeom>
-              <a:noFill/>
-            </p:spPr>
-            <p:txBody>
-              <a:bodyPr wrap="square">
-                <a:spAutoFit/>
-              </a:bodyPr>
-              <a:lstStyle/>
-              <a:p>
-                <a:pPr marL="457200" lvl="1" algn="ctr">
-                  <a:lnSpc>
-                    <a:spcPct val="110000"/>
-                  </a:lnSpc>
-                  <a:spcBef>
-                    <a:spcPts val="600"/>
-                  </a:spcBef>
-                  <a:buClr>
-                    <a:schemeClr val="accent1"/>
-                  </a:buClr>
-                  <a:buSzPct val="119999"/>
-                </a:pPr>
-                <a14:m>
-                  <m:oMath xmlns:m="http://schemas.openxmlformats.org/officeDocument/2006/math">
-                    <m:sSub>
-                      <m:sSubPr>
-                        <m:ctrlPr>
-                          <a:rPr lang="ar-AE" sz="2000" i="1" smtClean="0">
-                            <a:latin typeface="Cambria Math" panose="02040503050406030204" pitchFamily="18" charset="0"/>
-                          </a:rPr>
-                        </m:ctrlPr>
-                      </m:sSubPr>
-                      <m:e>
-                        <m:r>
-                          <m:rPr>
-                            <m:nor/>
-                          </m:rPr>
-                          <a:rPr lang="en-US" sz="2000" i="1" smtClean="0">
-                            <a:latin typeface="+mj-lt"/>
-                          </a:rPr>
-                          <m:t>r</m:t>
-                        </m:r>
-                      </m:e>
-                      <m:sub>
-                        <m:r>
-                          <a:rPr lang="ar-AE" sz="2000" b="0" i="1" dirty="0" smtClean="0">
-                            <a:latin typeface="Cambria Math" panose="02040503050406030204" pitchFamily="18" charset="0"/>
-                          </a:rPr>
-                          <m:t>𝑡</m:t>
-                        </m:r>
-                      </m:sub>
-                    </m:sSub>
-                  </m:oMath>
-                </a14:m>
-                <a:r>
-                  <a:rPr lang="tr-TR" sz="2000" i="1" u="none" strike="noStrike" baseline="0" dirty="0">
-                    <a:latin typeface="+mj-lt"/>
-                  </a:rPr>
-                  <a:t>= -</a:t>
-                </a:r>
-                <a:r>
-                  <a:rPr lang="en-US" sz="2000" i="1" u="none" strike="noStrike" baseline="0" dirty="0">
-                    <a:latin typeface="+mj-lt"/>
-                  </a:rPr>
-                  <a:t>clip(sum(|</a:t>
-                </a:r>
-                <a14:m>
-                  <m:oMath xmlns:m="http://schemas.openxmlformats.org/officeDocument/2006/math">
-                    <m:sSub>
-                      <m:sSubPr>
-                        <m:ctrlPr>
-                          <a:rPr lang="ar-AE" sz="2000" i="1">
-                            <a:latin typeface="Cambria Math" panose="02040503050406030204" pitchFamily="18" charset="0"/>
-                          </a:rPr>
-                        </m:ctrlPr>
-                      </m:sSubPr>
-                      <m:e>
-                        <m:r>
-                          <m:rPr>
-                            <m:nor/>
-                          </m:rPr>
-                          <a:rPr lang="tr-TR" sz="2000" i="1" smtClean="0">
-                            <a:latin typeface="+mj-lt"/>
-                          </a:rPr>
-                          <m:t>e</m:t>
-                        </m:r>
-                      </m:e>
-                      <m:sub>
-                        <m:r>
-                          <a:rPr lang="ar-AE" sz="2000" b="0" i="1" dirty="0">
-                            <a:latin typeface="Cambria Math" panose="02040503050406030204" pitchFamily="18" charset="0"/>
-                          </a:rPr>
-                          <m:t>𝑡</m:t>
-                        </m:r>
-                      </m:sub>
-                    </m:sSub>
-                  </m:oMath>
-                </a14:m>
-                <a:r>
-                  <a:rPr lang="tr-TR" sz="2000" i="1" u="none" strike="noStrike" cap="none" dirty="0">
-                    <a:solidFill>
-                      <a:schemeClr val="dk1"/>
-                    </a:solidFill>
-                    <a:latin typeface="+mj-lt"/>
-                    <a:sym typeface="Arial"/>
-                  </a:rPr>
-                  <a:t>|/3</a:t>
-                </a:r>
-                <a:r>
-                  <a:rPr lang="ar-AE" sz="2000" dirty="0">
-                    <a:latin typeface="+mj-lt"/>
-                  </a:rPr>
-                  <a:t> </a:t>
-                </a:r>
-                <a14:m>
-                  <m:oMath xmlns:m="http://schemas.openxmlformats.org/officeDocument/2006/math">
-                    <m:sSub>
-                      <m:sSubPr>
-                        <m:ctrlPr>
-                          <a:rPr lang="ar-AE" sz="2000" i="1">
-                            <a:latin typeface="Cambria Math" panose="02040503050406030204" pitchFamily="18" charset="0"/>
-                          </a:rPr>
-                        </m:ctrlPr>
-                      </m:sSubPr>
-                      <m:e>
-                        <m:r>
-                          <m:rPr>
-                            <m:nor/>
-                          </m:rPr>
-                          <a:rPr lang="el-GR" sz="2000" i="1" dirty="0">
-                            <a:latin typeface="+mj-lt"/>
-                          </a:rPr>
-                          <m:t>Ω</m:t>
-                        </m:r>
-                      </m:e>
-                      <m:sub>
-                        <m:r>
-                          <a:rPr lang="ar-AE" sz="2000" b="0" i="1">
-                            <a:latin typeface="Cambria Math" panose="02040503050406030204" pitchFamily="18" charset="0"/>
-                          </a:rPr>
-                          <m:t>𝑚𝑎𝑥</m:t>
-                        </m:r>
-                      </m:sub>
-                    </m:sSub>
-                  </m:oMath>
-                </a14:m>
-                <a:r>
-                  <a:rPr lang="tr-TR" sz="2000" i="1" u="none" strike="noStrike" cap="none" dirty="0">
-                    <a:solidFill>
-                      <a:schemeClr val="dk1"/>
-                    </a:solidFill>
-                    <a:latin typeface="+mj-lt"/>
-                    <a:sym typeface="Arial"/>
-                  </a:rPr>
-                  <a:t>,0,1)</a:t>
-                </a:r>
-                <a:endParaRPr lang="ar-AE" sz="2000" i="1" u="none" strike="noStrike" cap="none" dirty="0">
-                  <a:solidFill>
-                    <a:schemeClr val="dk1"/>
-                  </a:solidFill>
-                  <a:latin typeface="+mj-lt"/>
-                  <a:sym typeface="Arial"/>
-                </a:endParaRPr>
-              </a:p>
-            </p:txBody>
-          </p:sp>
-        </mc:Choice>
-        <mc:Fallback xmlns="">
-          <p:sp>
-            <p:nvSpPr>
-              <p:cNvPr id="19" name="TextBox 18">
-                <a:extLst>
-                  <a:ext uri="{FF2B5EF4-FFF2-40B4-BE49-F238E27FC236}">
-                    <a16:creationId xmlns:a16="http://schemas.microsoft.com/office/drawing/2014/main" id="{245823EB-B7FF-4C21-A4EF-F798DD6647E0}"/>
-                  </a:ext>
-                </a:extLst>
-              </p:cNvPr>
-              <p:cNvSpPr txBox="1">
-                <a:spLocks noRot="1" noChangeAspect="1" noMove="1" noResize="1" noEditPoints="1" noAdjustHandles="1" noChangeArrowheads="1" noChangeShapeType="1" noTextEdit="1"/>
-              </p:cNvSpPr>
-              <p:nvPr/>
-            </p:nvSpPr>
-            <p:spPr>
-              <a:xfrm>
-                <a:off x="4157830" y="5518069"/>
-                <a:ext cx="4507345" cy="404663"/>
-              </a:xfrm>
-              <a:prstGeom prst="rect">
-                <a:avLst/>
-              </a:prstGeom>
-              <a:blipFill>
-                <a:blip r:embed="rId4"/>
-                <a:stretch>
-                  <a:fillRect t="-5970" b="-25373"/>
-                </a:stretch>
-              </a:blipFill>
-            </p:spPr>
-            <p:txBody>
-              <a:bodyPr/>
-              <a:lstStyle/>
-              <a:p>
-                <a:r>
-                  <a:rPr lang="en-US">
-                    <a:noFill/>
-                  </a:rPr>
-                  <a:t> </a:t>
-                </a:r>
-              </a:p>
-            </p:txBody>
-          </p:sp>
-        </mc:Fallback>
-      </mc:AlternateContent>
       <p:cxnSp>
         <p:nvCxnSpPr>
           <p:cNvPr id="20" name="Straight Arrow Connector 19">
@@ -15968,14 +17608,13 @@
           </p:cNvPr>
           <p:cNvCxnSpPr>
             <a:cxnSpLocks/>
-            <a:endCxn id="19" idx="0"/>
           </p:cNvCxnSpPr>
           <p:nvPr/>
         </p:nvCxnSpPr>
         <p:spPr>
           <a:xfrm>
-            <a:off x="4309533" y="3742267"/>
-            <a:ext cx="2101970" cy="1775802"/>
+            <a:off x="3911183" y="3659276"/>
+            <a:ext cx="1430516" cy="1199188"/>
           </a:xfrm>
           <a:prstGeom prst="straightConnector1">
             <a:avLst/>
@@ -16437,6 +18076,420 @@
           </p:sp>
         </mc:Fallback>
       </mc:AlternateContent>
+      <p:sp>
+        <p:nvSpPr>
+          <p:cNvPr id="3" name="Metin kutusu 2">
+            <a:extLst>
+              <a:ext uri="{FF2B5EF4-FFF2-40B4-BE49-F238E27FC236}">
+                <a16:creationId xmlns:a16="http://schemas.microsoft.com/office/drawing/2014/main" id="{BE94D2CB-DFEA-A35E-C08E-EA887671E450}"/>
+              </a:ext>
+            </a:extLst>
+          </p:cNvPr>
+          <p:cNvSpPr txBox="1"/>
+          <p:nvPr/>
+        </p:nvSpPr>
+        <p:spPr>
+          <a:xfrm>
+            <a:off x="4402098" y="5068609"/>
+            <a:ext cx="6107288" cy="523220"/>
+          </a:xfrm>
+          <a:prstGeom prst="rect">
+            <a:avLst/>
+          </a:prstGeom>
+          <a:noFill/>
+        </p:spPr>
+        <p:txBody>
+          <a:bodyPr wrap="square">
+            <a:spAutoFit/>
+          </a:bodyPr>
+          <a:lstStyle/>
+          <a:p>
+            <a:r>
+              <a:rPr lang="tr-TR" b="0" i="0" dirty="0">
+                <a:effectLst/>
+                <a:highlight>
+                  <a:srgbClr val="FFFFFF"/>
+                </a:highlight>
+                <a:latin typeface="Arial" panose="020B0604020202020204" pitchFamily="34" charset="0"/>
+              </a:rPr>
+              <a:t>r1(t) = e−(0.5|</a:t>
+            </a:r>
+            <a:r>
+              <a:rPr lang="el-GR" b="0" i="0" dirty="0">
+                <a:effectLst/>
+                <a:highlight>
+                  <a:srgbClr val="FFFFFF"/>
+                </a:highlight>
+                <a:latin typeface="Arial" panose="020B0604020202020204" pitchFamily="34" charset="0"/>
+              </a:rPr>
+              <a:t>θ</a:t>
+            </a:r>
+            <a:r>
+              <a:rPr lang="tr-TR" b="0" i="0" dirty="0">
+                <a:effectLst/>
+                <a:highlight>
+                  <a:srgbClr val="FFFFFF"/>
+                </a:highlight>
+                <a:latin typeface="Arial" panose="020B0604020202020204" pitchFamily="34" charset="0"/>
+              </a:rPr>
+              <a:t>r −</a:t>
+            </a:r>
+            <a:r>
+              <a:rPr lang="el-GR" b="0" i="0" dirty="0">
+                <a:effectLst/>
+                <a:highlight>
+                  <a:srgbClr val="FFFFFF"/>
+                </a:highlight>
+                <a:latin typeface="Arial" panose="020B0604020202020204" pitchFamily="34" charset="0"/>
+              </a:rPr>
+              <a:t>θ|+0.5|φ</a:t>
+            </a:r>
+            <a:r>
+              <a:rPr lang="tr-TR" b="0" i="0" dirty="0">
+                <a:effectLst/>
+                <a:highlight>
+                  <a:srgbClr val="FFFFFF"/>
+                </a:highlight>
+                <a:latin typeface="Arial" panose="020B0604020202020204" pitchFamily="34" charset="0"/>
+              </a:rPr>
+              <a:t>r −</a:t>
+            </a:r>
+            <a:r>
+              <a:rPr lang="el-GR" b="0" i="0" dirty="0">
+                <a:effectLst/>
+                <a:highlight>
+                  <a:srgbClr val="FFFFFF"/>
+                </a:highlight>
+                <a:latin typeface="Arial" panose="020B0604020202020204" pitchFamily="34" charset="0"/>
+              </a:rPr>
+              <a:t>φ|)</a:t>
+            </a:r>
+            <a:br>
+              <a:rPr lang="el-GR" dirty="0"/>
+            </a:br>
+            <a:endParaRPr lang="tr-TR" dirty="0"/>
+          </a:p>
+        </p:txBody>
+      </p:sp>
+      <p:sp>
+        <p:nvSpPr>
+          <p:cNvPr id="7" name="Metin kutusu 6">
+            <a:extLst>
+              <a:ext uri="{FF2B5EF4-FFF2-40B4-BE49-F238E27FC236}">
+                <a16:creationId xmlns:a16="http://schemas.microsoft.com/office/drawing/2014/main" id="{C66B8518-1F8F-0178-D1D9-8C1DA56E5740}"/>
+              </a:ext>
+            </a:extLst>
+          </p:cNvPr>
+          <p:cNvSpPr txBox="1"/>
+          <p:nvPr/>
+        </p:nvSpPr>
+        <p:spPr>
+          <a:xfrm>
+            <a:off x="4402098" y="5405683"/>
+            <a:ext cx="6107288" cy="307777"/>
+          </a:xfrm>
+          <a:prstGeom prst="rect">
+            <a:avLst/>
+          </a:prstGeom>
+          <a:noFill/>
+        </p:spPr>
+        <p:txBody>
+          <a:bodyPr wrap="square">
+            <a:spAutoFit/>
+          </a:bodyPr>
+          <a:lstStyle/>
+          <a:p>
+            <a:r>
+              <a:rPr lang="tr-TR" b="0" i="0" dirty="0">
+                <a:effectLst/>
+                <a:highlight>
+                  <a:srgbClr val="FFFFFF"/>
+                </a:highlight>
+                <a:latin typeface="Arial" panose="020B0604020202020204" pitchFamily="34" charset="0"/>
+              </a:rPr>
+              <a:t>r2(t) = −(0.3(</a:t>
+            </a:r>
+            <a:r>
+              <a:rPr lang="el-GR" b="0" i="0" dirty="0">
+                <a:effectLst/>
+                <a:highlight>
+                  <a:srgbClr val="FFFFFF"/>
+                </a:highlight>
+                <a:latin typeface="Arial" panose="020B0604020202020204" pitchFamily="34" charset="0"/>
+              </a:rPr>
+              <a:t>θ</a:t>
+            </a:r>
+            <a:r>
+              <a:rPr lang="tr-TR" b="0" i="0" dirty="0">
+                <a:effectLst/>
+                <a:highlight>
+                  <a:srgbClr val="FFFFFF"/>
+                </a:highlight>
+                <a:latin typeface="Arial" panose="020B0604020202020204" pitchFamily="34" charset="0"/>
+              </a:rPr>
+              <a:t>r − </a:t>
+            </a:r>
+            <a:r>
+              <a:rPr lang="el-GR" b="0" i="0" dirty="0">
+                <a:effectLst/>
+                <a:highlight>
+                  <a:srgbClr val="FFFFFF"/>
+                </a:highlight>
+                <a:latin typeface="Arial" panose="020B0604020202020204" pitchFamily="34" charset="0"/>
+              </a:rPr>
+              <a:t>θ)2 + 0.3(φ</a:t>
+            </a:r>
+            <a:r>
+              <a:rPr lang="tr-TR" b="0" i="0" dirty="0">
+                <a:effectLst/>
+                <a:highlight>
+                  <a:srgbClr val="FFFFFF"/>
+                </a:highlight>
+                <a:latin typeface="Arial" panose="020B0604020202020204" pitchFamily="34" charset="0"/>
+              </a:rPr>
+              <a:t>r − </a:t>
+            </a:r>
+            <a:r>
+              <a:rPr lang="el-GR" b="0" i="0" dirty="0">
+                <a:effectLst/>
+                <a:highlight>
+                  <a:srgbClr val="FFFFFF"/>
+                </a:highlight>
+                <a:latin typeface="Arial" panose="020B0604020202020204" pitchFamily="34" charset="0"/>
+              </a:rPr>
+              <a:t>φ)2</a:t>
+            </a:r>
+            <a:r>
+              <a:rPr lang="tr-TR" b="0" i="0" dirty="0">
+                <a:effectLst/>
+                <a:highlight>
+                  <a:srgbClr val="FFFFFF"/>
+                </a:highlight>
+                <a:latin typeface="Arial" panose="020B0604020202020204" pitchFamily="34" charset="0"/>
+              </a:rPr>
+              <a:t> </a:t>
+            </a:r>
+            <a:r>
+              <a:rPr lang="el-GR" b="0" i="0" dirty="0">
+                <a:effectLst/>
+                <a:highlight>
+                  <a:srgbClr val="FFFFFF"/>
+                </a:highlight>
+                <a:latin typeface="Arial" panose="020B0604020202020204" pitchFamily="34" charset="0"/>
+              </a:rPr>
+              <a:t>+ 0.15(|</a:t>
+            </a:r>
+            <a:r>
+              <a:rPr lang="tr-TR" b="0" i="0" dirty="0">
+                <a:effectLst/>
+                <a:highlight>
+                  <a:srgbClr val="FFFFFF"/>
+                </a:highlight>
+                <a:latin typeface="Arial" panose="020B0604020202020204" pitchFamily="34" charset="0"/>
+              </a:rPr>
+              <a:t>p|+|q|) + 0.1(</a:t>
+            </a:r>
+            <a:r>
+              <a:rPr lang="el-GR" b="0" i="0" dirty="0">
+                <a:effectLst/>
+                <a:highlight>
+                  <a:srgbClr val="FFFFFF"/>
+                </a:highlight>
+                <a:latin typeface="Arial" panose="020B0604020202020204" pitchFamily="34" charset="0"/>
+              </a:rPr>
+              <a:t>τθ 2 + τφ2))</a:t>
+            </a:r>
+            <a:endParaRPr lang="tr-TR" dirty="0"/>
+          </a:p>
+        </p:txBody>
+      </p:sp>
+      <p:sp>
+        <p:nvSpPr>
+          <p:cNvPr id="8" name="Metin kutusu 7">
+            <a:extLst>
+              <a:ext uri="{FF2B5EF4-FFF2-40B4-BE49-F238E27FC236}">
+                <a16:creationId xmlns:a16="http://schemas.microsoft.com/office/drawing/2014/main" id="{AEB31DD4-83AD-1440-C5C9-94FCAC8ECD55}"/>
+              </a:ext>
+            </a:extLst>
+          </p:cNvPr>
+          <p:cNvSpPr txBox="1"/>
+          <p:nvPr/>
+        </p:nvSpPr>
+        <p:spPr>
+          <a:xfrm>
+            <a:off x="4402098" y="5753155"/>
+            <a:ext cx="6214532" cy="307777"/>
+          </a:xfrm>
+          <a:prstGeom prst="rect">
+            <a:avLst/>
+          </a:prstGeom>
+          <a:noFill/>
+        </p:spPr>
+        <p:txBody>
+          <a:bodyPr wrap="square">
+            <a:spAutoFit/>
+          </a:bodyPr>
+          <a:lstStyle/>
+          <a:p>
+            <a:r>
+              <a:rPr lang="tr-TR" b="0" i="0" dirty="0">
+                <a:effectLst/>
+                <a:highlight>
+                  <a:srgbClr val="FFFFFF"/>
+                </a:highlight>
+                <a:latin typeface="Arial" panose="020B0604020202020204" pitchFamily="34" charset="0"/>
+              </a:rPr>
+              <a:t>r3(t) = −((</a:t>
+            </a:r>
+            <a:r>
+              <a:rPr lang="el-GR" b="0" i="0" dirty="0">
+                <a:effectLst/>
+                <a:highlight>
+                  <a:srgbClr val="FFFFFF"/>
+                </a:highlight>
+                <a:latin typeface="Arial" panose="020B0604020202020204" pitchFamily="34" charset="0"/>
+              </a:rPr>
+              <a:t>θ</a:t>
+            </a:r>
+            <a:r>
+              <a:rPr lang="tr-TR" b="0" i="0" dirty="0">
+                <a:effectLst/>
+                <a:highlight>
+                  <a:srgbClr val="FFFFFF"/>
+                </a:highlight>
+                <a:latin typeface="Arial" panose="020B0604020202020204" pitchFamily="34" charset="0"/>
+              </a:rPr>
+              <a:t>r − </a:t>
+            </a:r>
+            <a:r>
+              <a:rPr lang="el-GR" b="0" i="0" dirty="0">
+                <a:effectLst/>
+                <a:highlight>
+                  <a:srgbClr val="FFFFFF"/>
+                </a:highlight>
+                <a:latin typeface="Arial" panose="020B0604020202020204" pitchFamily="34" charset="0"/>
+              </a:rPr>
+              <a:t>θ)2 + (φ</a:t>
+            </a:r>
+            <a:r>
+              <a:rPr lang="tr-TR" b="0" i="0" dirty="0">
+                <a:effectLst/>
+                <a:highlight>
+                  <a:srgbClr val="FFFFFF"/>
+                </a:highlight>
+                <a:latin typeface="Arial" panose="020B0604020202020204" pitchFamily="34" charset="0"/>
+              </a:rPr>
+              <a:t>r − </a:t>
+            </a:r>
+            <a:r>
+              <a:rPr lang="el-GR" b="0" i="0" dirty="0">
+                <a:effectLst/>
+                <a:highlight>
+                  <a:srgbClr val="FFFFFF"/>
+                </a:highlight>
+                <a:latin typeface="Arial" panose="020B0604020202020204" pitchFamily="34" charset="0"/>
+              </a:rPr>
+              <a:t>φ)2)</a:t>
+            </a:r>
+            <a:endParaRPr lang="tr-TR" dirty="0"/>
+          </a:p>
+        </p:txBody>
+      </p:sp>
+      <p:sp>
+        <p:nvSpPr>
+          <p:cNvPr id="9" name="Metin kutusu 8">
+            <a:extLst>
+              <a:ext uri="{FF2B5EF4-FFF2-40B4-BE49-F238E27FC236}">
+                <a16:creationId xmlns:a16="http://schemas.microsoft.com/office/drawing/2014/main" id="{9F5D24AB-6E02-D796-6104-71B19A64B9D2}"/>
+              </a:ext>
+            </a:extLst>
+          </p:cNvPr>
+          <p:cNvSpPr txBox="1"/>
+          <p:nvPr/>
+        </p:nvSpPr>
+        <p:spPr>
+          <a:xfrm>
+            <a:off x="4413956" y="6097038"/>
+            <a:ext cx="6107288" cy="523220"/>
+          </a:xfrm>
+          <a:prstGeom prst="rect">
+            <a:avLst/>
+          </a:prstGeom>
+          <a:noFill/>
+        </p:spPr>
+        <p:txBody>
+          <a:bodyPr wrap="square">
+            <a:spAutoFit/>
+          </a:bodyPr>
+          <a:lstStyle/>
+          <a:p>
+            <a:r>
+              <a:rPr lang="tr-TR" b="0" i="0" dirty="0">
+                <a:effectLst/>
+                <a:highlight>
+                  <a:srgbClr val="FFFFFF"/>
+                </a:highlight>
+                <a:latin typeface="Arial" panose="020B0604020202020204" pitchFamily="34" charset="0"/>
+              </a:rPr>
+              <a:t>r4(t) = −(0.5(</a:t>
+            </a:r>
+            <a:r>
+              <a:rPr lang="el-GR" b="0" i="0" dirty="0">
+                <a:effectLst/>
+                <a:highlight>
+                  <a:srgbClr val="FFFFFF"/>
+                </a:highlight>
+                <a:latin typeface="Arial" panose="020B0604020202020204" pitchFamily="34" charset="0"/>
+              </a:rPr>
+              <a:t>θ</a:t>
+            </a:r>
+            <a:r>
+              <a:rPr lang="tr-TR" b="0" i="0" dirty="0">
+                <a:effectLst/>
+                <a:highlight>
+                  <a:srgbClr val="FFFFFF"/>
+                </a:highlight>
+                <a:latin typeface="Arial" panose="020B0604020202020204" pitchFamily="34" charset="0"/>
+              </a:rPr>
+              <a:t>r − </a:t>
+            </a:r>
+            <a:r>
+              <a:rPr lang="el-GR" b="0" i="0" dirty="0">
+                <a:effectLst/>
+                <a:highlight>
+                  <a:srgbClr val="FFFFFF"/>
+                </a:highlight>
+                <a:latin typeface="Arial" panose="020B0604020202020204" pitchFamily="34" charset="0"/>
+              </a:rPr>
+              <a:t>θ) + 0.5(φ</a:t>
+            </a:r>
+            <a:r>
+              <a:rPr lang="tr-TR" b="0" i="0" dirty="0">
+                <a:effectLst/>
+                <a:highlight>
+                  <a:srgbClr val="FFFFFF"/>
+                </a:highlight>
+                <a:latin typeface="Arial" panose="020B0604020202020204" pitchFamily="34" charset="0"/>
+              </a:rPr>
+              <a:t>r − </a:t>
+            </a:r>
+            <a:r>
+              <a:rPr lang="el-GR" b="0" i="0" dirty="0">
+                <a:effectLst/>
+                <a:highlight>
+                  <a:srgbClr val="FFFFFF"/>
+                </a:highlight>
+                <a:latin typeface="Arial" panose="020B0604020202020204" pitchFamily="34" charset="0"/>
+              </a:rPr>
+              <a:t>φ))</a:t>
+            </a:r>
+            <a:br>
+              <a:rPr lang="el-GR" dirty="0"/>
+            </a:br>
+            <a:endParaRPr lang="tr-TR" dirty="0"/>
+          </a:p>
+        </p:txBody>
+      </p:sp>
     </p:spTree>
     <p:extLst>
       <p:ext uri="{BB962C8B-B14F-4D97-AF65-F5344CB8AC3E}">
@@ -16826,79 +18879,6 @@
                                   </p:childTnLst>
                                 </p:cTn>
                               </p:par>
-                              <p:par>
-                                <p:cTn id="33" presetID="2" presetClass="entr" presetSubtype="4" fill="hold" grpId="0" nodeType="withEffect">
-                                  <p:stCondLst>
-                                    <p:cond delay="0"/>
-                                  </p:stCondLst>
-                                  <p:childTnLst>
-                                    <p:set>
-                                      <p:cBhvr>
-                                        <p:cTn id="34" dur="1" fill="hold">
-                                          <p:stCondLst>
-                                            <p:cond delay="0"/>
-                                          </p:stCondLst>
-                                        </p:cTn>
-                                        <p:tgtEl>
-                                          <p:spTgt spid="19"/>
-                                        </p:tgtEl>
-                                        <p:attrNameLst>
-                                          <p:attrName>style.visibility</p:attrName>
-                                        </p:attrNameLst>
-                                      </p:cBhvr>
-                                      <p:to>
-                                        <p:strVal val="visible"/>
-                                      </p:to>
-                                    </p:set>
-                                    <p:anim calcmode="lin" valueType="num">
-                                      <p:cBhvr additive="base">
-                                        <p:cTn id="35" dur="1000" fill="hold"/>
-                                        <p:tgtEl>
-                                          <p:spTgt spid="19"/>
-                                        </p:tgtEl>
-                                        <p:attrNameLst>
-                                          <p:attrName>ppt_x</p:attrName>
-                                        </p:attrNameLst>
-                                      </p:cBhvr>
-                                      <p:tavLst>
-                                        <p:tav tm="0">
-                                          <p:val>
-                                            <p:strVal val="#ppt_x"/>
-                                          </p:val>
-                                        </p:tav>
-                                        <p:tav tm="100000">
-                                          <p:val>
-                                            <p:strVal val="#ppt_x"/>
-                                          </p:val>
-                                        </p:tav>
-                                      </p:tavLst>
-                                    </p:anim>
-                                    <p:anim calcmode="lin" valueType="num">
-                                      <p:cBhvr additive="base">
-                                        <p:cTn id="36" dur="1000" fill="hold"/>
-                                        <p:tgtEl>
-                                          <p:spTgt spid="19"/>
-                                        </p:tgtEl>
-                                        <p:attrNameLst>
-                                          <p:attrName>ppt_y</p:attrName>
-                                        </p:attrNameLst>
-                                      </p:cBhvr>
-                                      <p:tavLst>
-                                        <p:tav tm="0">
-                                          <p:val>
-                                            <p:strVal val="1+#ppt_h/2"/>
-                                          </p:val>
-                                        </p:tav>
-                                        <p:tav tm="100000">
-                                          <p:val>
-                                            <p:strVal val="#ppt_y"/>
-                                          </p:val>
-                                        </p:tav>
-                                      </p:tavLst>
-                                    </p:anim>
-                                  </p:childTnLst>
-                                </p:cTn>
-                              </p:par>
                             </p:childTnLst>
                           </p:cTn>
                         </p:par>
@@ -16929,13 +18909,12 @@
     <p:bldLst>
       <p:bldP spid="2" grpId="0"/>
       <p:bldP spid="15" grpId="0"/>
-      <p:bldP spid="19" grpId="0"/>
     </p:bldLst>
   </p:timing>
 </p:sld>
 </file>
 
-<file path=ppt/slides/slide15.xml><?xml version="1.0" encoding="utf-8"?>
+<file path=ppt/slides/slide16.xml><?xml version="1.0" encoding="utf-8"?>
 <p:sld xmlns:a="http://schemas.openxmlformats.org/drawingml/2006/main" xmlns:r="http://schemas.openxmlformats.org/officeDocument/2006/relationships" xmlns:p="http://schemas.openxmlformats.org/presentationml/2006/main">
   <p:cSld>
     <p:spTree>
@@ -17150,7 +19129,7 @@
             </a:pPr>
             <a:fld id="{00000000-1234-1234-1234-123412341234}" type="slidenum">
               <a:rPr lang="en-US"/>
-              <a:t>15</a:t>
+              <a:t>16</a:t>
             </a:fld>
             <a:endParaRPr/>
           </a:p>
@@ -17164,8 +19143,8 @@
         </p:nvSpPr>
         <p:spPr>
           <a:xfrm>
-            <a:off x="7574844" y="1201213"/>
-            <a:ext cx="3543908" cy="5083277"/>
+            <a:off x="6698512" y="1201213"/>
+            <a:ext cx="4420240" cy="5083277"/>
           </a:xfrm>
           <a:prstGeom prst="rect">
             <a:avLst/>
@@ -17398,7 +19377,7 @@
 </p:sld>
 </file>
 
-<file path=ppt/slides/slide16.xml><?xml version="1.0" encoding="utf-8"?>
+<file path=ppt/slides/slide17.xml><?xml version="1.0" encoding="utf-8"?>
 <p:sld xmlns:a="http://schemas.openxmlformats.org/drawingml/2006/main" xmlns:r="http://schemas.openxmlformats.org/officeDocument/2006/relationships" xmlns:p="http://schemas.openxmlformats.org/presentationml/2006/main">
   <p:cSld>
     <p:spTree>
@@ -17613,7 +19592,7 @@
             </a:pPr>
             <a:fld id="{00000000-1234-1234-1234-123412341234}" type="slidenum">
               <a:rPr lang="en-US"/>
-              <a:t>16</a:t>
+              <a:t>17</a:t>
             </a:fld>
             <a:endParaRPr/>
           </a:p>
@@ -17898,7 +19877,7 @@
 </p:sld>
 </file>
 
-<file path=ppt/slides/slide17.xml><?xml version="1.0" encoding="utf-8"?>
+<file path=ppt/slides/slide18.xml><?xml version="1.0" encoding="utf-8"?>
 <p:sld xmlns:a="http://schemas.openxmlformats.org/drawingml/2006/main" xmlns:r="http://schemas.openxmlformats.org/officeDocument/2006/relationships" xmlns:p="http://schemas.openxmlformats.org/presentationml/2006/main">
   <p:cSld>
     <p:spTree>
@@ -18121,7 +20100,7 @@
             </a:pPr>
             <a:fld id="{00000000-1234-1234-1234-123412341234}" type="slidenum">
               <a:rPr lang="en-US"/>
-              <a:t>17</a:t>
+              <a:t>18</a:t>
             </a:fld>
             <a:endParaRPr/>
           </a:p>
@@ -18362,7 +20341,7 @@
 </p:sld>
 </file>
 
-<file path=ppt/slides/slide18.xml><?xml version="1.0" encoding="utf-8"?>
+<file path=ppt/slides/slide19.xml><?xml version="1.0" encoding="utf-8"?>
 <p:sld xmlns:a="http://schemas.openxmlformats.org/drawingml/2006/main" xmlns:r="http://schemas.openxmlformats.org/officeDocument/2006/relationships" xmlns:p="http://schemas.openxmlformats.org/presentationml/2006/main">
   <p:cSld>
     <p:spTree>
@@ -18577,7 +20556,7 @@
             </a:pPr>
             <a:fld id="{00000000-1234-1234-1234-123412341234}" type="slidenum">
               <a:rPr lang="en-US"/>
-              <a:t>18</a:t>
+              <a:t>19</a:t>
             </a:fld>
             <a:endParaRPr/>
           </a:p>
@@ -18825,351 +20804,6 @@
 </p:sld>
 </file>
 
-<file path=ppt/slides/slide19.xml><?xml version="1.0" encoding="utf-8"?>
-<p:sld xmlns:a="http://schemas.openxmlformats.org/drawingml/2006/main" xmlns:r="http://schemas.openxmlformats.org/officeDocument/2006/relationships" xmlns:p="http://schemas.openxmlformats.org/presentationml/2006/main" show="0">
-  <p:cSld>
-    <p:spTree>
-      <p:nvGrpSpPr>
-        <p:cNvPr id="1" name="Shape 339"/>
-        <p:cNvGrpSpPr/>
-        <p:nvPr/>
-      </p:nvGrpSpPr>
-      <p:grpSpPr>
-        <a:xfrm>
-          <a:off x="0" y="0"/>
-          <a:ext cx="0" cy="0"/>
-          <a:chOff x="0" y="0"/>
-          <a:chExt cx="0" cy="0"/>
-        </a:xfrm>
-      </p:grpSpPr>
-      <p:sp>
-        <p:nvSpPr>
-          <p:cNvPr id="340" name="Google Shape;340;p26"/>
-          <p:cNvSpPr txBox="1">
-            <a:spLocks noGrp="1"/>
-          </p:cNvSpPr>
-          <p:nvPr>
-            <p:ph type="title"/>
-          </p:nvPr>
-        </p:nvSpPr>
-        <p:spPr>
-          <a:xfrm>
-            <a:off x="0" y="0"/>
-            <a:ext cx="12192000" cy="907525"/>
-          </a:xfrm>
-          <a:prstGeom prst="rect">
-            <a:avLst/>
-          </a:prstGeom>
-          <a:solidFill>
-            <a:schemeClr val="accent1"/>
-          </a:solidFill>
-          <a:ln>
-            <a:noFill/>
-          </a:ln>
-        </p:spPr>
-        <p:txBody>
-          <a:bodyPr spcFirstLastPara="1" wrap="square" lIns="91425" tIns="274300" rIns="91425" bIns="45700" anchor="ctr" anchorCtr="0">
-            <a:normAutofit fontScale="90000"/>
-          </a:bodyPr>
-          <a:lstStyle/>
-          <a:p>
-            <a:pPr marL="0" lvl="0" indent="0" algn="l" rtl="0">
-              <a:lnSpc>
-                <a:spcPct val="90000"/>
-              </a:lnSpc>
-              <a:spcBef>
-                <a:spcPts val="0"/>
-              </a:spcBef>
-              <a:spcAft>
-                <a:spcPts val="0"/>
-              </a:spcAft>
-              <a:buClr>
-                <a:schemeClr val="lt1"/>
-              </a:buClr>
-              <a:buSzPct val="100000"/>
-              <a:buFont typeface="Arial"/>
-              <a:buNone/>
-            </a:pPr>
-            <a:r>
-              <a:rPr lang="tr-TR" dirty="0"/>
-              <a:t> Analysis of </a:t>
-            </a:r>
-            <a:r>
-              <a:rPr lang="tr-TR" dirty="0" err="1"/>
-              <a:t>Results</a:t>
-            </a:r>
-            <a:endParaRPr lang="en-US" dirty="0"/>
-          </a:p>
-        </p:txBody>
-      </p:sp>
-      <p:sp>
-        <p:nvSpPr>
-          <p:cNvPr id="341" name="Google Shape;341;p26"/>
-          <p:cNvSpPr txBox="1">
-            <a:spLocks noGrp="1"/>
-          </p:cNvSpPr>
-          <p:nvPr>
-            <p:ph type="dt" idx="10"/>
-          </p:nvPr>
-        </p:nvSpPr>
-        <p:spPr>
-          <a:xfrm>
-            <a:off x="6096000" y="6568457"/>
-            <a:ext cx="2743200" cy="289543"/>
-          </a:xfrm>
-          <a:prstGeom prst="rect">
-            <a:avLst/>
-          </a:prstGeom>
-          <a:solidFill>
-            <a:schemeClr val="accent1"/>
-          </a:solidFill>
-          <a:ln>
-            <a:noFill/>
-          </a:ln>
-        </p:spPr>
-        <p:txBody>
-          <a:bodyPr spcFirstLastPara="1" wrap="square" lIns="91425" tIns="45700" rIns="91425" bIns="45700" anchor="ctr" anchorCtr="0">
-            <a:noAutofit/>
-          </a:bodyPr>
-          <a:lstStyle/>
-          <a:p>
-            <a:pPr marL="0" lvl="0" indent="0" algn="l" rtl="0">
-              <a:spcBef>
-                <a:spcPts val="0"/>
-              </a:spcBef>
-              <a:spcAft>
-                <a:spcPts val="0"/>
-              </a:spcAft>
-              <a:buNone/>
-            </a:pPr>
-            <a:r>
-              <a:rPr lang="tr-TR"/>
-              <a:t>Jun 7, 2024</a:t>
-            </a:r>
-            <a:endParaRPr dirty="0"/>
-          </a:p>
-        </p:txBody>
-      </p:sp>
-      <p:sp>
-        <p:nvSpPr>
-          <p:cNvPr id="342" name="Google Shape;342;p26"/>
-          <p:cNvSpPr txBox="1">
-            <a:spLocks noGrp="1"/>
-          </p:cNvSpPr>
-          <p:nvPr>
-            <p:ph type="ftr" idx="11"/>
-          </p:nvPr>
-        </p:nvSpPr>
-        <p:spPr>
-          <a:xfrm>
-            <a:off x="0" y="6568457"/>
-            <a:ext cx="6096000" cy="289543"/>
-          </a:xfrm>
-          <a:prstGeom prst="rect">
-            <a:avLst/>
-          </a:prstGeom>
-          <a:solidFill>
-            <a:schemeClr val="dk1"/>
-          </a:solidFill>
-          <a:ln>
-            <a:noFill/>
-          </a:ln>
-        </p:spPr>
-        <p:txBody>
-          <a:bodyPr spcFirstLastPara="1" wrap="square" lIns="91425" tIns="45700" rIns="91425" bIns="45700" anchor="ctr" anchorCtr="0">
-            <a:noAutofit/>
-          </a:bodyPr>
-          <a:lstStyle/>
-          <a:p>
-            <a:pPr marL="0" lvl="0" indent="0" algn="r" rtl="0">
-              <a:spcBef>
-                <a:spcPts val="0"/>
-              </a:spcBef>
-              <a:spcAft>
-                <a:spcPts val="0"/>
-              </a:spcAft>
-              <a:buNone/>
-            </a:pPr>
-            <a:r>
-              <a:rPr lang="en-US" dirty="0"/>
-              <a:t>CMP-620 Reinforcement Learning – Project Pro</a:t>
-            </a:r>
-            <a:r>
-              <a:rPr lang="tr-TR" dirty="0" err="1"/>
-              <a:t>gress</a:t>
-            </a:r>
-            <a:endParaRPr dirty="0"/>
-          </a:p>
-        </p:txBody>
-      </p:sp>
-      <p:sp>
-        <p:nvSpPr>
-          <p:cNvPr id="343" name="Google Shape;343;p26"/>
-          <p:cNvSpPr txBox="1">
-            <a:spLocks noGrp="1"/>
-          </p:cNvSpPr>
-          <p:nvPr>
-            <p:ph type="sldNum" idx="12"/>
-          </p:nvPr>
-        </p:nvSpPr>
-        <p:spPr>
-          <a:xfrm>
-            <a:off x="8839200" y="6568457"/>
-            <a:ext cx="3352800" cy="289543"/>
-          </a:xfrm>
-          <a:prstGeom prst="rect">
-            <a:avLst/>
-          </a:prstGeom>
-          <a:solidFill>
-            <a:schemeClr val="accent1"/>
-          </a:solidFill>
-          <a:ln>
-            <a:noFill/>
-          </a:ln>
-        </p:spPr>
-        <p:txBody>
-          <a:bodyPr spcFirstLastPara="1" wrap="square" lIns="91425" tIns="45700" rIns="91425" bIns="45700" anchor="ctr" anchorCtr="0">
-            <a:noAutofit/>
-          </a:bodyPr>
-          <a:lstStyle/>
-          <a:p>
-            <a:pPr marL="0" lvl="0" indent="0" algn="r" rtl="0">
-              <a:spcBef>
-                <a:spcPts val="0"/>
-              </a:spcBef>
-              <a:spcAft>
-                <a:spcPts val="0"/>
-              </a:spcAft>
-              <a:buNone/>
-            </a:pPr>
-            <a:fld id="{00000000-1234-1234-1234-123412341234}" type="slidenum">
-              <a:rPr lang="en-US"/>
-              <a:t>19</a:t>
-            </a:fld>
-            <a:endParaRPr/>
-          </a:p>
-        </p:txBody>
-      </p:sp>
-      <p:sp>
-        <p:nvSpPr>
-          <p:cNvPr id="344" name="Google Shape;344;p26"/>
-          <p:cNvSpPr txBox="1"/>
-          <p:nvPr/>
-        </p:nvSpPr>
-        <p:spPr>
-          <a:xfrm>
-            <a:off x="1073247" y="1201213"/>
-            <a:ext cx="10045505" cy="5083277"/>
-          </a:xfrm>
-          <a:prstGeom prst="rect">
-            <a:avLst/>
-          </a:prstGeom>
-          <a:noFill/>
-          <a:ln>
-            <a:noFill/>
-          </a:ln>
-        </p:spPr>
-        <p:txBody>
-          <a:bodyPr spcFirstLastPara="1" wrap="square" lIns="91425" tIns="45700" rIns="91425" bIns="45700" anchor="t" anchorCtr="0">
-            <a:normAutofit/>
-          </a:bodyPr>
-          <a:lstStyle/>
-          <a:p>
-            <a:pPr marL="941832" marR="0" lvl="1" indent="-342900" algn="just" rtl="0">
-              <a:lnSpc>
-                <a:spcPct val="110000"/>
-              </a:lnSpc>
-              <a:spcBef>
-                <a:spcPts val="600"/>
-              </a:spcBef>
-              <a:spcAft>
-                <a:spcPts val="0"/>
-              </a:spcAft>
-              <a:buClr>
-                <a:schemeClr val="accent1"/>
-              </a:buClr>
-              <a:buSzPct val="119999"/>
-              <a:buFont typeface="Arial" panose="020B0604020202020204" pitchFamily="34" charset="0"/>
-              <a:buChar char="•"/>
-            </a:pPr>
-            <a:endParaRPr lang="tr-TR" sz="2400" dirty="0">
-              <a:solidFill>
-                <a:schemeClr val="dk1"/>
-              </a:solidFill>
-              <a:latin typeface="+mj-lt"/>
-            </a:endParaRPr>
-          </a:p>
-          <a:p>
-            <a:pPr marL="941832" marR="0" lvl="1" indent="-342900" algn="just" rtl="0">
-              <a:lnSpc>
-                <a:spcPct val="110000"/>
-              </a:lnSpc>
-              <a:spcBef>
-                <a:spcPts val="600"/>
-              </a:spcBef>
-              <a:spcAft>
-                <a:spcPts val="0"/>
-              </a:spcAft>
-              <a:buClr>
-                <a:schemeClr val="accent1"/>
-              </a:buClr>
-              <a:buSzPct val="119999"/>
-              <a:buFont typeface="Arial" panose="020B0604020202020204" pitchFamily="34" charset="0"/>
-              <a:buChar char="•"/>
-            </a:pPr>
-            <a:r>
-              <a:rPr lang="tr-TR" sz="2400" dirty="0">
-                <a:solidFill>
-                  <a:schemeClr val="dk1"/>
-                </a:solidFill>
-                <a:latin typeface="+mj-lt"/>
-              </a:rPr>
-              <a:t> </a:t>
-            </a:r>
-          </a:p>
-          <a:p>
-            <a:pPr marL="941832" marR="0" lvl="1" indent="-342900" algn="just" rtl="0">
-              <a:lnSpc>
-                <a:spcPct val="110000"/>
-              </a:lnSpc>
-              <a:spcBef>
-                <a:spcPts val="600"/>
-              </a:spcBef>
-              <a:spcAft>
-                <a:spcPts val="0"/>
-              </a:spcAft>
-              <a:buClr>
-                <a:schemeClr val="accent1"/>
-              </a:buClr>
-              <a:buSzPct val="119999"/>
-              <a:buFont typeface="Arial" panose="020B0604020202020204" pitchFamily="34" charset="0"/>
-              <a:buChar char="•"/>
-            </a:pPr>
-            <a:endParaRPr sz="2400" b="0" i="0" u="none" strike="noStrike" cap="none" dirty="0">
-              <a:solidFill>
-                <a:schemeClr val="dk1"/>
-              </a:solidFill>
-              <a:latin typeface="+mj-lt"/>
-              <a:ea typeface="Arial"/>
-              <a:cs typeface="Arial"/>
-              <a:sym typeface="Arial"/>
-            </a:endParaRPr>
-          </a:p>
-        </p:txBody>
-      </p:sp>
-    </p:spTree>
-    <p:extLst>
-      <p:ext uri="{BB962C8B-B14F-4D97-AF65-F5344CB8AC3E}">
-        <p14:creationId xmlns:p14="http://schemas.microsoft.com/office/powerpoint/2010/main" val="722340717"/>
-      </p:ext>
-    </p:extLst>
-  </p:cSld>
-  <p:clrMapOvr>
-    <a:masterClrMapping/>
-  </p:clrMapOvr>
-</p:sld>
-</file>
-
 <file path=ppt/slides/slide2.xml><?xml version="1.0" encoding="utf-8"?>
 <p:sld xmlns:a="http://schemas.openxmlformats.org/drawingml/2006/main" xmlns:r="http://schemas.openxmlformats.org/officeDocument/2006/relationships" xmlns:p="http://schemas.openxmlformats.org/presentationml/2006/main">
   <p:cSld>
@@ -19652,7 +21286,7 @@
 </file>
 
 <file path=ppt/slides/slide20.xml><?xml version="1.0" encoding="utf-8"?>
-<p:sld xmlns:a="http://schemas.openxmlformats.org/drawingml/2006/main" xmlns:r="http://schemas.openxmlformats.org/officeDocument/2006/relationships" xmlns:p="http://schemas.openxmlformats.org/presentationml/2006/main" show="0">
+<p:sld xmlns:a="http://schemas.openxmlformats.org/drawingml/2006/main" xmlns:r="http://schemas.openxmlformats.org/officeDocument/2006/relationships" xmlns:p="http://schemas.openxmlformats.org/presentationml/2006/main">
   <p:cSld>
     <p:spTree>
       <p:nvGrpSpPr>
@@ -19722,7 +21356,7 @@
             </a:r>
             <a:r>
               <a:rPr lang="tr-TR" dirty="0" err="1"/>
-              <a:t>Conclusions</a:t>
+              <a:t>Contributions</a:t>
             </a:r>
             <a:endParaRPr lang="en-US" dirty="0"/>
           </a:p>
@@ -19918,14 +21552,929 @@
               <a:buFont typeface="Arial" panose="020B0604020202020204" pitchFamily="34" charset="0"/>
               <a:buChar char="•"/>
             </a:pPr>
-            <a:endParaRPr sz="2400" b="0" i="0" u="none" strike="noStrike" cap="none" dirty="0">
+            <a:r>
+              <a:rPr lang="tr-TR" sz="2400" b="0" i="0" u="none" strike="noStrike" cap="none" dirty="0" err="1">
+                <a:solidFill>
+                  <a:schemeClr val="dk1"/>
+                </a:solidFill>
+                <a:latin typeface="+mj-lt"/>
+                <a:ea typeface="Arial"/>
+                <a:cs typeface="Arial"/>
+                <a:sym typeface="Arial"/>
+              </a:rPr>
+              <a:t>In</a:t>
+            </a:r>
+            <a:r>
+              <a:rPr lang="tr-TR" sz="2400" b="0" i="0" u="none" strike="noStrike" cap="none" dirty="0">
+                <a:solidFill>
+                  <a:schemeClr val="dk1"/>
+                </a:solidFill>
+                <a:latin typeface="+mj-lt"/>
+                <a:ea typeface="Arial"/>
+                <a:cs typeface="Arial"/>
+                <a:sym typeface="Arial"/>
+              </a:rPr>
+              <a:t> </a:t>
+            </a:r>
+            <a:r>
+              <a:rPr lang="tr-TR" sz="2400" b="0" i="0" u="none" strike="noStrike" cap="none" dirty="0" err="1">
+                <a:solidFill>
+                  <a:schemeClr val="dk1"/>
+                </a:solidFill>
+                <a:latin typeface="+mj-lt"/>
+                <a:ea typeface="Arial"/>
+                <a:cs typeface="Arial"/>
+                <a:sym typeface="Arial"/>
+              </a:rPr>
+              <a:t>this</a:t>
+            </a:r>
+            <a:r>
+              <a:rPr lang="tr-TR" sz="2400" b="0" i="0" u="none" strike="noStrike" cap="none" dirty="0">
+                <a:solidFill>
+                  <a:schemeClr val="dk1"/>
+                </a:solidFill>
+                <a:latin typeface="+mj-lt"/>
+                <a:ea typeface="Arial"/>
+                <a:cs typeface="Arial"/>
+                <a:sym typeface="Arial"/>
+              </a:rPr>
+              <a:t> </a:t>
+            </a:r>
+            <a:r>
+              <a:rPr lang="tr-TR" sz="2400" b="0" i="0" u="none" strike="noStrike" cap="none" dirty="0" err="1">
+                <a:solidFill>
+                  <a:schemeClr val="dk1"/>
+                </a:solidFill>
+                <a:latin typeface="+mj-lt"/>
+                <a:ea typeface="Arial"/>
+                <a:cs typeface="Arial"/>
+                <a:sym typeface="Arial"/>
+              </a:rPr>
+              <a:t>project</a:t>
+            </a:r>
+            <a:r>
+              <a:rPr lang="tr-TR" sz="2400" b="0" i="0" u="none" strike="noStrike" cap="none" dirty="0">
+                <a:solidFill>
+                  <a:schemeClr val="dk1"/>
+                </a:solidFill>
+                <a:latin typeface="+mj-lt"/>
+                <a:ea typeface="Arial"/>
+                <a:cs typeface="Arial"/>
+                <a:sym typeface="Arial"/>
+              </a:rPr>
+              <a:t> </a:t>
+            </a:r>
+            <a:r>
+              <a:rPr lang="tr-TR" sz="2400" b="0" i="0" u="none" strike="noStrike" cap="none" dirty="0" err="1">
+                <a:solidFill>
+                  <a:schemeClr val="dk1"/>
+                </a:solidFill>
+                <a:latin typeface="+mj-lt"/>
+                <a:ea typeface="Arial"/>
+                <a:cs typeface="Arial"/>
+                <a:sym typeface="Arial"/>
+              </a:rPr>
+              <a:t>we</a:t>
+            </a:r>
+            <a:r>
+              <a:rPr lang="tr-TR" sz="2400" b="0" i="0" u="none" strike="noStrike" cap="none" dirty="0">
+                <a:solidFill>
+                  <a:schemeClr val="dk1"/>
+                </a:solidFill>
+                <a:latin typeface="+mj-lt"/>
+                <a:ea typeface="Arial"/>
+                <a:cs typeface="Arial"/>
+                <a:sym typeface="Arial"/>
+              </a:rPr>
+              <a:t> </a:t>
+            </a:r>
+            <a:r>
+              <a:rPr lang="tr-TR" sz="2400" b="0" i="0" u="none" strike="noStrike" cap="none" dirty="0" err="1">
+                <a:solidFill>
+                  <a:schemeClr val="dk1"/>
+                </a:solidFill>
+                <a:latin typeface="+mj-lt"/>
+                <a:ea typeface="Arial"/>
+                <a:cs typeface="Arial"/>
+                <a:sym typeface="Arial"/>
+              </a:rPr>
+              <a:t>aimed</a:t>
+            </a:r>
+            <a:r>
+              <a:rPr lang="tr-TR" sz="2400" b="0" i="0" u="none" strike="noStrike" cap="none" dirty="0">
+                <a:solidFill>
+                  <a:schemeClr val="dk1"/>
+                </a:solidFill>
+                <a:latin typeface="+mj-lt"/>
+                <a:ea typeface="Arial"/>
+                <a:cs typeface="Arial"/>
+                <a:sym typeface="Arial"/>
+              </a:rPr>
+              <a:t> </a:t>
+            </a:r>
+            <a:r>
+              <a:rPr lang="tr-TR" sz="2400" b="0" i="0" u="none" strike="noStrike" cap="none" dirty="0" err="1">
+                <a:solidFill>
+                  <a:schemeClr val="dk1"/>
+                </a:solidFill>
+                <a:latin typeface="+mj-lt"/>
+                <a:ea typeface="Arial"/>
+                <a:cs typeface="Arial"/>
+                <a:sym typeface="Arial"/>
+              </a:rPr>
+              <a:t>to</a:t>
+            </a:r>
+            <a:r>
+              <a:rPr lang="tr-TR" sz="2400" b="0" i="0" u="none" strike="noStrike" cap="none" dirty="0">
+                <a:solidFill>
+                  <a:schemeClr val="dk1"/>
+                </a:solidFill>
+                <a:latin typeface="+mj-lt"/>
+                <a:ea typeface="Arial"/>
+                <a:cs typeface="Arial"/>
+                <a:sym typeface="Arial"/>
+              </a:rPr>
+              <a:t> </a:t>
+            </a:r>
+            <a:r>
+              <a:rPr lang="tr-TR" sz="2400" b="0" i="0" u="none" strike="noStrike" cap="none" dirty="0" err="1">
+                <a:solidFill>
+                  <a:schemeClr val="dk1"/>
+                </a:solidFill>
+                <a:latin typeface="+mj-lt"/>
+                <a:ea typeface="Arial"/>
+                <a:cs typeface="Arial"/>
+                <a:sym typeface="Arial"/>
+              </a:rPr>
+              <a:t>make</a:t>
+            </a:r>
+            <a:r>
+              <a:rPr lang="tr-TR" sz="2400" b="0" i="0" u="none" strike="noStrike" cap="none" dirty="0">
+                <a:solidFill>
+                  <a:schemeClr val="dk1"/>
+                </a:solidFill>
+                <a:latin typeface="+mj-lt"/>
+                <a:ea typeface="Arial"/>
+                <a:cs typeface="Arial"/>
+                <a:sym typeface="Arial"/>
+              </a:rPr>
+              <a:t> </a:t>
+            </a:r>
+            <a:r>
+              <a:rPr lang="tr-TR" sz="2400" b="0" i="0" u="none" strike="noStrike" cap="none" dirty="0" err="1">
+                <a:solidFill>
+                  <a:schemeClr val="dk1"/>
+                </a:solidFill>
+                <a:latin typeface="+mj-lt"/>
+                <a:ea typeface="Arial"/>
+                <a:cs typeface="Arial"/>
+                <a:sym typeface="Arial"/>
+              </a:rPr>
+              <a:t>yaw</a:t>
+            </a:r>
+            <a:r>
+              <a:rPr lang="tr-TR" sz="2400" b="0" i="0" u="none" strike="noStrike" cap="none" dirty="0">
+                <a:solidFill>
+                  <a:schemeClr val="dk1"/>
+                </a:solidFill>
+                <a:latin typeface="+mj-lt"/>
+                <a:ea typeface="Arial"/>
+                <a:cs typeface="Arial"/>
+                <a:sym typeface="Arial"/>
+              </a:rPr>
+              <a:t> </a:t>
+            </a:r>
+            <a:r>
+              <a:rPr lang="tr-TR" sz="2400" b="0" i="0" u="none" strike="noStrike" cap="none" dirty="0" err="1">
+                <a:solidFill>
+                  <a:schemeClr val="dk1"/>
+                </a:solidFill>
+                <a:latin typeface="+mj-lt"/>
+                <a:ea typeface="Arial"/>
+                <a:cs typeface="Arial"/>
+                <a:sym typeface="Arial"/>
+              </a:rPr>
+              <a:t>controller</a:t>
+            </a:r>
+            <a:r>
+              <a:rPr lang="tr-TR" sz="2400" b="0" i="0" u="none" strike="noStrike" cap="none" dirty="0">
+                <a:solidFill>
+                  <a:schemeClr val="dk1"/>
+                </a:solidFill>
+                <a:latin typeface="+mj-lt"/>
+                <a:ea typeface="Arial"/>
+                <a:cs typeface="Arial"/>
+                <a:sym typeface="Arial"/>
+              </a:rPr>
+              <a:t> </a:t>
+            </a:r>
+            <a:r>
+              <a:rPr lang="tr-TR" sz="2400" b="0" i="0" u="none" strike="noStrike" cap="none" dirty="0" err="1">
+                <a:solidFill>
+                  <a:schemeClr val="dk1"/>
+                </a:solidFill>
+                <a:latin typeface="+mj-lt"/>
+                <a:ea typeface="Arial"/>
+                <a:cs typeface="Arial"/>
+                <a:sym typeface="Arial"/>
+              </a:rPr>
+              <a:t>and</a:t>
+            </a:r>
+            <a:r>
+              <a:rPr lang="tr-TR" sz="2400" b="0" i="0" u="none" strike="noStrike" cap="none" dirty="0">
+                <a:solidFill>
+                  <a:schemeClr val="dk1"/>
+                </a:solidFill>
+                <a:latin typeface="+mj-lt"/>
+                <a:ea typeface="Arial"/>
+                <a:cs typeface="Arial"/>
+                <a:sym typeface="Arial"/>
+              </a:rPr>
+              <a:t> </a:t>
+            </a:r>
+            <a:r>
+              <a:rPr lang="tr-TR" sz="2400" b="0" i="0" u="none" strike="noStrike" cap="none" dirty="0" err="1">
+                <a:solidFill>
+                  <a:schemeClr val="dk1"/>
+                </a:solidFill>
+                <a:latin typeface="+mj-lt"/>
+                <a:ea typeface="Arial"/>
+                <a:cs typeface="Arial"/>
+                <a:sym typeface="Arial"/>
+              </a:rPr>
+              <a:t>roll-pitch</a:t>
+            </a:r>
+            <a:r>
+              <a:rPr lang="tr-TR" sz="2400" b="0" i="0" u="none" strike="noStrike" cap="none" dirty="0">
+                <a:solidFill>
+                  <a:schemeClr val="dk1"/>
+                </a:solidFill>
+                <a:latin typeface="+mj-lt"/>
+                <a:ea typeface="Arial"/>
+                <a:cs typeface="Arial"/>
+                <a:sym typeface="Arial"/>
+              </a:rPr>
+              <a:t> </a:t>
+            </a:r>
+            <a:r>
+              <a:rPr lang="tr-TR" sz="2400" b="0" i="0" u="none" strike="noStrike" cap="none" dirty="0" err="1">
+                <a:solidFill>
+                  <a:schemeClr val="dk1"/>
+                </a:solidFill>
+                <a:latin typeface="+mj-lt"/>
+                <a:ea typeface="Arial"/>
+                <a:cs typeface="Arial"/>
+                <a:sym typeface="Arial"/>
+              </a:rPr>
+              <a:t>controller</a:t>
+            </a:r>
+            <a:r>
+              <a:rPr lang="tr-TR" sz="2400" b="0" i="0" u="none" strike="noStrike" cap="none" dirty="0">
+                <a:solidFill>
+                  <a:schemeClr val="dk1"/>
+                </a:solidFill>
+                <a:latin typeface="+mj-lt"/>
+                <a:ea typeface="Arial"/>
+                <a:cs typeface="Arial"/>
+                <a:sym typeface="Arial"/>
+              </a:rPr>
+              <a:t> </a:t>
+            </a:r>
+            <a:r>
+              <a:rPr lang="tr-TR" sz="2400" b="0" i="0" u="none" strike="noStrike" cap="none" dirty="0" err="1">
+                <a:solidFill>
+                  <a:schemeClr val="dk1"/>
+                </a:solidFill>
+                <a:latin typeface="+mj-lt"/>
+                <a:ea typeface="Arial"/>
+                <a:cs typeface="Arial"/>
+                <a:sym typeface="Arial"/>
+              </a:rPr>
+              <a:t>with</a:t>
+            </a:r>
+            <a:r>
+              <a:rPr lang="tr-TR" sz="2400" b="0" i="0" u="none" strike="noStrike" cap="none" dirty="0">
+                <a:solidFill>
+                  <a:schemeClr val="dk1"/>
+                </a:solidFill>
+                <a:latin typeface="+mj-lt"/>
+                <a:ea typeface="Arial"/>
+                <a:cs typeface="Arial"/>
+                <a:sym typeface="Arial"/>
+              </a:rPr>
+              <a:t> RL </a:t>
+            </a:r>
+            <a:r>
+              <a:rPr lang="tr-TR" sz="2400" b="0" i="0" u="none" strike="noStrike" cap="none" dirty="0" err="1">
+                <a:solidFill>
+                  <a:schemeClr val="dk1"/>
+                </a:solidFill>
+                <a:latin typeface="+mj-lt"/>
+                <a:ea typeface="Arial"/>
+                <a:cs typeface="Arial"/>
+                <a:sym typeface="Arial"/>
+              </a:rPr>
+              <a:t>agent</a:t>
+            </a:r>
+            <a:r>
+              <a:rPr lang="tr-TR" sz="2400" b="0" i="0" u="none" strike="noStrike" cap="none" dirty="0">
+                <a:solidFill>
+                  <a:schemeClr val="dk1"/>
+                </a:solidFill>
+                <a:latin typeface="+mj-lt"/>
+                <a:ea typeface="Arial"/>
+                <a:cs typeface="Arial"/>
+                <a:sym typeface="Arial"/>
+              </a:rPr>
+              <a:t> </a:t>
+            </a:r>
+            <a:r>
+              <a:rPr lang="tr-TR" sz="2400" b="0" i="0" u="none" strike="noStrike" cap="none" dirty="0" err="1">
+                <a:solidFill>
+                  <a:schemeClr val="dk1"/>
+                </a:solidFill>
+                <a:latin typeface="+mj-lt"/>
+                <a:ea typeface="Arial"/>
+                <a:cs typeface="Arial"/>
+                <a:sym typeface="Arial"/>
+              </a:rPr>
+              <a:t>distinctly</a:t>
+            </a:r>
+            <a:r>
+              <a:rPr lang="tr-TR" sz="2400" dirty="0">
+                <a:solidFill>
+                  <a:schemeClr val="dk1"/>
+                </a:solidFill>
+                <a:latin typeface="+mj-lt"/>
+              </a:rPr>
+              <a:t>, </a:t>
+            </a:r>
+            <a:r>
+              <a:rPr lang="tr-TR" sz="2400" dirty="0" err="1">
+                <a:solidFill>
+                  <a:schemeClr val="dk1"/>
+                </a:solidFill>
+                <a:latin typeface="+mj-lt"/>
+              </a:rPr>
+              <a:t>and</a:t>
+            </a:r>
+            <a:r>
+              <a:rPr lang="tr-TR" sz="2400" dirty="0">
+                <a:solidFill>
+                  <a:schemeClr val="dk1"/>
+                </a:solidFill>
+                <a:latin typeface="+mj-lt"/>
+              </a:rPr>
+              <a:t> </a:t>
+            </a:r>
+            <a:r>
+              <a:rPr lang="tr-TR" sz="2400" dirty="0" err="1">
+                <a:solidFill>
+                  <a:schemeClr val="dk1"/>
+                </a:solidFill>
+                <a:latin typeface="+mj-lt"/>
+              </a:rPr>
+              <a:t>this</a:t>
+            </a:r>
+            <a:r>
+              <a:rPr lang="tr-TR" sz="2400" dirty="0">
+                <a:solidFill>
+                  <a:schemeClr val="dk1"/>
+                </a:solidFill>
+                <a:latin typeface="+mj-lt"/>
+              </a:rPr>
+              <a:t> </a:t>
+            </a:r>
+            <a:r>
+              <a:rPr lang="tr-TR" sz="2400" dirty="0" err="1">
+                <a:solidFill>
+                  <a:schemeClr val="dk1"/>
+                </a:solidFill>
+                <a:latin typeface="+mj-lt"/>
+              </a:rPr>
+              <a:t>study</a:t>
+            </a:r>
+            <a:r>
+              <a:rPr lang="tr-TR" sz="2400" dirty="0">
+                <a:solidFill>
+                  <a:schemeClr val="dk1"/>
+                </a:solidFill>
+                <a:latin typeface="+mj-lt"/>
+              </a:rPr>
+              <a:t> is not inside </a:t>
+            </a:r>
+            <a:r>
+              <a:rPr lang="tr-TR" sz="2400" dirty="0" err="1">
+                <a:solidFill>
+                  <a:schemeClr val="dk1"/>
+                </a:solidFill>
+                <a:latin typeface="+mj-lt"/>
+              </a:rPr>
+              <a:t>any</a:t>
+            </a:r>
+            <a:r>
+              <a:rPr lang="tr-TR" sz="2400" dirty="0">
+                <a:solidFill>
+                  <a:schemeClr val="dk1"/>
+                </a:solidFill>
+                <a:latin typeface="+mj-lt"/>
+              </a:rPr>
+              <a:t> literatüre </a:t>
+            </a:r>
+            <a:r>
+              <a:rPr lang="tr-TR" sz="2400" dirty="0" err="1">
+                <a:solidFill>
+                  <a:schemeClr val="dk1"/>
+                </a:solidFill>
+                <a:latin typeface="+mj-lt"/>
+              </a:rPr>
+              <a:t>that</a:t>
+            </a:r>
+            <a:r>
+              <a:rPr lang="tr-TR" sz="2400" dirty="0">
+                <a:solidFill>
+                  <a:schemeClr val="dk1"/>
+                </a:solidFill>
+                <a:latin typeface="+mj-lt"/>
+              </a:rPr>
+              <a:t> </a:t>
+            </a:r>
+            <a:r>
+              <a:rPr lang="tr-TR" sz="2400" dirty="0" err="1">
+                <a:solidFill>
+                  <a:schemeClr val="dk1"/>
+                </a:solidFill>
+                <a:latin typeface="+mj-lt"/>
+              </a:rPr>
+              <a:t>we</a:t>
+            </a:r>
+            <a:r>
+              <a:rPr lang="tr-TR" sz="2400" dirty="0">
+                <a:solidFill>
+                  <a:schemeClr val="dk1"/>
+                </a:solidFill>
+                <a:latin typeface="+mj-lt"/>
+              </a:rPr>
+              <a:t> </a:t>
+            </a:r>
+            <a:r>
+              <a:rPr lang="tr-TR" sz="2400" dirty="0" err="1">
+                <a:solidFill>
+                  <a:schemeClr val="dk1"/>
+                </a:solidFill>
+                <a:latin typeface="+mj-lt"/>
+              </a:rPr>
+              <a:t>have</a:t>
+            </a:r>
+            <a:r>
+              <a:rPr lang="tr-TR" sz="2400" dirty="0">
+                <a:solidFill>
+                  <a:schemeClr val="dk1"/>
+                </a:solidFill>
+                <a:latin typeface="+mj-lt"/>
+              </a:rPr>
+              <a:t> </a:t>
+            </a:r>
+            <a:r>
+              <a:rPr lang="tr-TR" sz="2400" dirty="0" err="1">
+                <a:solidFill>
+                  <a:schemeClr val="dk1"/>
+                </a:solidFill>
+                <a:latin typeface="+mj-lt"/>
+              </a:rPr>
+              <a:t>seen</a:t>
+            </a:r>
+            <a:r>
+              <a:rPr lang="tr-TR" sz="2400" dirty="0">
+                <a:solidFill>
+                  <a:schemeClr val="dk1"/>
+                </a:solidFill>
+                <a:latin typeface="+mj-lt"/>
+              </a:rPr>
+              <a:t>.</a:t>
+            </a:r>
+          </a:p>
+          <a:p>
+            <a:pPr marL="941832" marR="0" lvl="1" indent="-342900" algn="just" rtl="0">
+              <a:lnSpc>
+                <a:spcPct val="110000"/>
+              </a:lnSpc>
+              <a:spcBef>
+                <a:spcPts val="600"/>
+              </a:spcBef>
+              <a:spcAft>
+                <a:spcPts val="0"/>
+              </a:spcAft>
+              <a:buClr>
+                <a:schemeClr val="accent1"/>
+              </a:buClr>
+              <a:buSzPct val="119999"/>
+              <a:buFont typeface="Arial" panose="020B0604020202020204" pitchFamily="34" charset="0"/>
+              <a:buChar char="•"/>
+            </a:pPr>
+            <a:r>
+              <a:rPr lang="tr-TR" sz="2400" b="0" i="0" u="none" strike="noStrike" cap="none" dirty="0" err="1">
+                <a:solidFill>
+                  <a:schemeClr val="dk1"/>
+                </a:solidFill>
+                <a:latin typeface="+mj-lt"/>
+                <a:ea typeface="Arial"/>
+                <a:cs typeface="Arial"/>
+                <a:sym typeface="Arial"/>
+              </a:rPr>
+              <a:t>These</a:t>
+            </a:r>
+            <a:r>
+              <a:rPr lang="tr-TR" sz="2400" b="0" i="0" u="none" strike="noStrike" cap="none" dirty="0">
+                <a:solidFill>
+                  <a:schemeClr val="dk1"/>
+                </a:solidFill>
+                <a:latin typeface="+mj-lt"/>
+                <a:ea typeface="Arial"/>
+                <a:cs typeface="Arial"/>
+                <a:sym typeface="Arial"/>
+              </a:rPr>
+              <a:t> </a:t>
+            </a:r>
+            <a:r>
+              <a:rPr lang="tr-TR" sz="2400" b="0" i="0" u="none" strike="noStrike" cap="none" dirty="0" err="1">
+                <a:solidFill>
+                  <a:schemeClr val="dk1"/>
+                </a:solidFill>
+                <a:latin typeface="+mj-lt"/>
+                <a:ea typeface="Arial"/>
+                <a:cs typeface="Arial"/>
+                <a:sym typeface="Arial"/>
+              </a:rPr>
+              <a:t>training</a:t>
+            </a:r>
+            <a:r>
+              <a:rPr lang="tr-TR" sz="2400" b="0" i="0" u="none" strike="noStrike" cap="none" dirty="0">
+                <a:solidFill>
+                  <a:schemeClr val="dk1"/>
+                </a:solidFill>
+                <a:latin typeface="+mj-lt"/>
+                <a:ea typeface="Arial"/>
+                <a:cs typeface="Arial"/>
+                <a:sym typeface="Arial"/>
+              </a:rPr>
+              <a:t> </a:t>
+            </a:r>
+            <a:r>
+              <a:rPr lang="tr-TR" sz="2400" b="0" i="0" u="none" strike="noStrike" cap="none" dirty="0" err="1">
+                <a:solidFill>
+                  <a:schemeClr val="dk1"/>
+                </a:solidFill>
+                <a:latin typeface="+mj-lt"/>
+                <a:ea typeface="Arial"/>
+                <a:cs typeface="Arial"/>
+                <a:sym typeface="Arial"/>
+              </a:rPr>
+              <a:t>showed</a:t>
+            </a:r>
+            <a:r>
+              <a:rPr lang="tr-TR" sz="2400" b="0" i="0" u="none" strike="noStrike" cap="none" dirty="0">
+                <a:solidFill>
+                  <a:schemeClr val="dk1"/>
+                </a:solidFill>
+                <a:latin typeface="+mj-lt"/>
+                <a:ea typeface="Arial"/>
+                <a:cs typeface="Arial"/>
+                <a:sym typeface="Arial"/>
+              </a:rPr>
+              <a:t> </a:t>
+            </a:r>
+            <a:r>
+              <a:rPr lang="tr-TR" sz="2400" b="0" i="0" u="none" strike="noStrike" cap="none" dirty="0" err="1">
+                <a:solidFill>
+                  <a:schemeClr val="dk1"/>
+                </a:solidFill>
+                <a:latin typeface="+mj-lt"/>
+                <a:ea typeface="Arial"/>
+                <a:cs typeface="Arial"/>
+                <a:sym typeface="Arial"/>
+              </a:rPr>
+              <a:t>to</a:t>
+            </a:r>
+            <a:r>
+              <a:rPr lang="tr-TR" sz="2400" b="0" i="0" u="none" strike="noStrike" cap="none" dirty="0">
+                <a:solidFill>
+                  <a:schemeClr val="dk1"/>
+                </a:solidFill>
+                <a:latin typeface="+mj-lt"/>
+                <a:ea typeface="Arial"/>
+                <a:cs typeface="Arial"/>
+                <a:sym typeface="Arial"/>
+              </a:rPr>
+              <a:t> </a:t>
+            </a:r>
+            <a:r>
+              <a:rPr lang="tr-TR" sz="2400" b="0" i="0" u="none" strike="noStrike" cap="none" dirty="0" err="1">
+                <a:solidFill>
+                  <a:schemeClr val="dk1"/>
+                </a:solidFill>
+                <a:latin typeface="+mj-lt"/>
+                <a:ea typeface="Arial"/>
+                <a:cs typeface="Arial"/>
+                <a:sym typeface="Arial"/>
+              </a:rPr>
+              <a:t>possibilities</a:t>
+            </a:r>
+            <a:r>
+              <a:rPr lang="tr-TR" sz="2400" b="0" i="0" u="none" strike="noStrike" cap="none" dirty="0">
+                <a:solidFill>
+                  <a:schemeClr val="dk1"/>
+                </a:solidFill>
+                <a:latin typeface="+mj-lt"/>
+                <a:ea typeface="Arial"/>
+                <a:cs typeface="Arial"/>
+                <a:sym typeface="Arial"/>
+              </a:rPr>
+              <a:t> of </a:t>
+            </a:r>
+            <a:r>
+              <a:rPr lang="tr-TR" sz="2400" b="0" i="0" u="none" strike="noStrike" cap="none" dirty="0" err="1">
+                <a:solidFill>
+                  <a:schemeClr val="dk1"/>
+                </a:solidFill>
+                <a:latin typeface="+mj-lt"/>
+                <a:ea typeface="Arial"/>
+                <a:cs typeface="Arial"/>
+                <a:sym typeface="Arial"/>
+              </a:rPr>
+              <a:t>this</a:t>
+            </a:r>
+            <a:r>
+              <a:rPr lang="tr-TR" sz="2400" b="0" i="0" u="none" strike="noStrike" cap="none" dirty="0">
+                <a:solidFill>
+                  <a:schemeClr val="dk1"/>
+                </a:solidFill>
+                <a:latin typeface="+mj-lt"/>
+                <a:ea typeface="Arial"/>
+                <a:cs typeface="Arial"/>
+                <a:sym typeface="Arial"/>
+              </a:rPr>
+              <a:t> idea.</a:t>
+            </a:r>
+          </a:p>
+          <a:p>
+            <a:pPr marL="941832" marR="0" lvl="1" indent="-342900" algn="just" rtl="0">
+              <a:lnSpc>
+                <a:spcPct val="110000"/>
+              </a:lnSpc>
+              <a:spcBef>
+                <a:spcPts val="600"/>
+              </a:spcBef>
+              <a:spcAft>
+                <a:spcPts val="0"/>
+              </a:spcAft>
+              <a:buClr>
+                <a:schemeClr val="accent1"/>
+              </a:buClr>
+              <a:buSzPct val="119999"/>
+              <a:buFont typeface="Arial" panose="020B0604020202020204" pitchFamily="34" charset="0"/>
+              <a:buChar char="•"/>
+            </a:pPr>
+            <a:r>
+              <a:rPr lang="tr-TR" sz="2400" dirty="0" err="1">
+                <a:solidFill>
+                  <a:schemeClr val="dk1"/>
+                </a:solidFill>
+                <a:latin typeface="+mj-lt"/>
+              </a:rPr>
+              <a:t>Different</a:t>
+            </a:r>
+            <a:r>
+              <a:rPr lang="tr-TR" sz="2400" dirty="0">
+                <a:solidFill>
+                  <a:schemeClr val="dk1"/>
+                </a:solidFill>
+                <a:latin typeface="+mj-lt"/>
+              </a:rPr>
+              <a:t> </a:t>
+            </a:r>
+            <a:r>
+              <a:rPr lang="tr-TR" sz="2400" dirty="0" err="1">
+                <a:solidFill>
+                  <a:schemeClr val="dk1"/>
+                </a:solidFill>
+                <a:latin typeface="+mj-lt"/>
+              </a:rPr>
+              <a:t>algorithmic</a:t>
+            </a:r>
+            <a:r>
+              <a:rPr lang="tr-TR" sz="2400" dirty="0">
+                <a:solidFill>
+                  <a:schemeClr val="dk1"/>
+                </a:solidFill>
+                <a:latin typeface="+mj-lt"/>
+              </a:rPr>
+              <a:t> </a:t>
+            </a:r>
+            <a:r>
+              <a:rPr lang="tr-TR" sz="2400" dirty="0" err="1">
+                <a:solidFill>
+                  <a:schemeClr val="dk1"/>
+                </a:solidFill>
+                <a:latin typeface="+mj-lt"/>
+              </a:rPr>
+              <a:t>parameters</a:t>
+            </a:r>
+            <a:r>
+              <a:rPr lang="tr-TR" sz="2400" dirty="0">
+                <a:solidFill>
+                  <a:schemeClr val="dk1"/>
+                </a:solidFill>
+                <a:latin typeface="+mj-lt"/>
+              </a:rPr>
+              <a:t> </a:t>
+            </a:r>
+            <a:r>
+              <a:rPr lang="tr-TR" sz="2400" dirty="0" err="1">
+                <a:solidFill>
+                  <a:schemeClr val="dk1"/>
+                </a:solidFill>
+                <a:latin typeface="+mj-lt"/>
+              </a:rPr>
+              <a:t>and</a:t>
+            </a:r>
+            <a:r>
+              <a:rPr lang="tr-TR" sz="2400" dirty="0">
+                <a:solidFill>
+                  <a:schemeClr val="dk1"/>
+                </a:solidFill>
+                <a:latin typeface="+mj-lt"/>
+              </a:rPr>
+              <a:t> </a:t>
+            </a:r>
+            <a:r>
+              <a:rPr lang="tr-TR" sz="2400" dirty="0" err="1">
+                <a:solidFill>
+                  <a:schemeClr val="dk1"/>
+                </a:solidFill>
+                <a:latin typeface="+mj-lt"/>
+              </a:rPr>
+              <a:t>observation</a:t>
+            </a:r>
+            <a:r>
+              <a:rPr lang="tr-TR" sz="2400" dirty="0">
+                <a:solidFill>
+                  <a:schemeClr val="dk1"/>
+                </a:solidFill>
+                <a:latin typeface="+mj-lt"/>
+              </a:rPr>
+              <a:t> </a:t>
+            </a:r>
+            <a:r>
+              <a:rPr lang="tr-TR" sz="2400" dirty="0" err="1">
+                <a:solidFill>
+                  <a:schemeClr val="dk1"/>
+                </a:solidFill>
+                <a:latin typeface="+mj-lt"/>
+              </a:rPr>
+              <a:t>states</a:t>
+            </a:r>
+            <a:r>
+              <a:rPr lang="tr-TR" sz="2400" dirty="0">
+                <a:solidFill>
+                  <a:schemeClr val="dk1"/>
+                </a:solidFill>
+                <a:latin typeface="+mj-lt"/>
+              </a:rPr>
+              <a:t> </a:t>
+            </a:r>
+            <a:r>
+              <a:rPr lang="tr-TR" sz="2400" dirty="0" err="1">
+                <a:solidFill>
+                  <a:schemeClr val="dk1"/>
+                </a:solidFill>
+                <a:latin typeface="+mj-lt"/>
+              </a:rPr>
+              <a:t>lead</a:t>
+            </a:r>
+            <a:r>
+              <a:rPr lang="tr-TR" sz="2400" dirty="0">
+                <a:solidFill>
+                  <a:schemeClr val="dk1"/>
+                </a:solidFill>
+                <a:latin typeface="+mj-lt"/>
+              </a:rPr>
+              <a:t> </a:t>
+            </a:r>
+            <a:r>
+              <a:rPr lang="tr-TR" sz="2400" dirty="0" err="1">
+                <a:solidFill>
+                  <a:schemeClr val="dk1"/>
+                </a:solidFill>
+                <a:latin typeface="+mj-lt"/>
+              </a:rPr>
+              <a:t>to</a:t>
+            </a:r>
+            <a:r>
+              <a:rPr lang="tr-TR" sz="2400" dirty="0">
+                <a:solidFill>
+                  <a:schemeClr val="dk1"/>
+                </a:solidFill>
+                <a:latin typeface="+mj-lt"/>
+              </a:rPr>
+              <a:t> </a:t>
+            </a:r>
+            <a:r>
+              <a:rPr lang="tr-TR" sz="2400" dirty="0" err="1">
+                <a:solidFill>
+                  <a:schemeClr val="dk1"/>
+                </a:solidFill>
+                <a:latin typeface="+mj-lt"/>
+              </a:rPr>
+              <a:t>different</a:t>
+            </a:r>
+            <a:r>
+              <a:rPr lang="tr-TR" sz="2400" dirty="0">
+                <a:solidFill>
+                  <a:schemeClr val="dk1"/>
+                </a:solidFill>
+                <a:latin typeface="+mj-lt"/>
+              </a:rPr>
+              <a:t> </a:t>
+            </a:r>
+            <a:r>
+              <a:rPr lang="tr-TR" sz="2400" dirty="0" err="1">
+                <a:solidFill>
+                  <a:schemeClr val="dk1"/>
+                </a:solidFill>
+                <a:latin typeface="+mj-lt"/>
+              </a:rPr>
+              <a:t>outputs</a:t>
+            </a:r>
+            <a:r>
+              <a:rPr lang="tr-TR" sz="2400" dirty="0">
+                <a:solidFill>
+                  <a:schemeClr val="dk1"/>
+                </a:solidFill>
+                <a:latin typeface="+mj-lt"/>
+              </a:rPr>
+              <a:t>, </a:t>
+            </a:r>
+            <a:r>
+              <a:rPr lang="tr-TR" sz="2400" dirty="0" err="1">
+                <a:solidFill>
+                  <a:schemeClr val="dk1"/>
+                </a:solidFill>
+                <a:latin typeface="+mj-lt"/>
+              </a:rPr>
+              <a:t>seen</a:t>
+            </a:r>
+            <a:r>
+              <a:rPr lang="tr-TR" sz="2400" dirty="0">
+                <a:solidFill>
+                  <a:schemeClr val="dk1"/>
+                </a:solidFill>
+                <a:latin typeface="+mj-lt"/>
+              </a:rPr>
+              <a:t> at </a:t>
+            </a:r>
+            <a:r>
+              <a:rPr lang="tr-TR" sz="2400" dirty="0" err="1">
+                <a:solidFill>
+                  <a:schemeClr val="dk1"/>
+                </a:solidFill>
+                <a:latin typeface="+mj-lt"/>
+              </a:rPr>
+              <a:t>results</a:t>
+            </a:r>
+            <a:r>
+              <a:rPr lang="tr-TR" sz="2400" dirty="0">
+                <a:solidFill>
+                  <a:schemeClr val="dk1"/>
+                </a:solidFill>
+                <a:latin typeface="+mj-lt"/>
+              </a:rPr>
+              <a:t>.</a:t>
+            </a:r>
+          </a:p>
+          <a:p>
+            <a:pPr marL="941832" marR="0" lvl="1" indent="-342900" algn="just" rtl="0">
+              <a:lnSpc>
+                <a:spcPct val="110000"/>
+              </a:lnSpc>
+              <a:spcBef>
+                <a:spcPts val="600"/>
+              </a:spcBef>
+              <a:spcAft>
+                <a:spcPts val="0"/>
+              </a:spcAft>
+              <a:buClr>
+                <a:schemeClr val="accent1"/>
+              </a:buClr>
+              <a:buSzPct val="119999"/>
+              <a:buFont typeface="Arial" panose="020B0604020202020204" pitchFamily="34" charset="0"/>
+              <a:buChar char="•"/>
+            </a:pPr>
+            <a:endParaRPr lang="tr-TR" sz="2400" dirty="0">
               <a:solidFill>
                 <a:schemeClr val="dk1"/>
               </a:solidFill>
               <a:latin typeface="+mj-lt"/>
-              <a:ea typeface="Arial"/>
-              <a:cs typeface="Arial"/>
-              <a:sym typeface="Arial"/>
             </a:endParaRPr>
           </a:p>
         </p:txBody>
@@ -23194,577 +25743,100 @@
           </a:p>
         </p:txBody>
       </p:sp>
-      <p:sp>
-        <p:nvSpPr>
-          <p:cNvPr id="2" name="Metin kutusu 1">
+      <p:pic>
+        <p:nvPicPr>
+          <p:cNvPr id="4" name="Resim 3">
             <a:extLst>
               <a:ext uri="{FF2B5EF4-FFF2-40B4-BE49-F238E27FC236}">
-                <a16:creationId xmlns:a16="http://schemas.microsoft.com/office/drawing/2014/main" id="{F650A61C-3B21-2FCB-9C85-76584AD05DD5}"/>
+                <a16:creationId xmlns:a16="http://schemas.microsoft.com/office/drawing/2014/main" id="{E8A66425-5940-A4AC-CA23-EC663DCAFAD3}"/>
               </a:ext>
             </a:extLst>
           </p:cNvPr>
-          <p:cNvSpPr txBox="1"/>
+          <p:cNvPicPr>
+            <a:picLocks noChangeAspect="1"/>
+          </p:cNvPicPr>
           <p:nvPr/>
-        </p:nvSpPr>
+        </p:nvPicPr>
+        <p:blipFill>
+          <a:blip r:embed="rId3"/>
+          <a:stretch>
+            <a:fillRect/>
+          </a:stretch>
+        </p:blipFill>
         <p:spPr>
           <a:xfrm>
-            <a:off x="-2" y="917246"/>
-            <a:ext cx="6829779" cy="523220"/>
+            <a:off x="229318" y="1546169"/>
+            <a:ext cx="5637363" cy="3600000"/>
           </a:xfrm>
           <a:prstGeom prst="rect">
             <a:avLst/>
           </a:prstGeom>
-          <a:noFill/>
         </p:spPr>
-        <p:txBody>
-          <a:bodyPr wrap="square" rtlCol="0">
-            <a:spAutoFit/>
-          </a:bodyPr>
-          <a:lstStyle/>
-          <a:p>
-            <a:r>
-              <a:rPr lang="tr-TR" sz="2800" dirty="0"/>
-              <a:t>2- </a:t>
-            </a:r>
-            <a:r>
-              <a:rPr lang="tr-TR" sz="2800" dirty="0" err="1"/>
-              <a:t>Proximal</a:t>
-            </a:r>
-            <a:r>
-              <a:rPr lang="tr-TR" sz="2800" dirty="0"/>
-              <a:t> </a:t>
-            </a:r>
-            <a:r>
-              <a:rPr lang="tr-TR" sz="2800" dirty="0" err="1"/>
-              <a:t>Policy</a:t>
-            </a:r>
-            <a:r>
-              <a:rPr lang="tr-TR" sz="2800" dirty="0"/>
-              <a:t> </a:t>
-            </a:r>
-            <a:r>
-              <a:rPr lang="tr-TR" sz="2800" dirty="0" err="1"/>
-              <a:t>Optimization</a:t>
-            </a:r>
-            <a:r>
-              <a:rPr lang="tr-TR" sz="2800" dirty="0"/>
-              <a:t> (PPO)</a:t>
-            </a:r>
-          </a:p>
-        </p:txBody>
-      </p:sp>
-      <p:sp>
-        <p:nvSpPr>
-          <p:cNvPr id="5" name="Google Shape;166;p9">
+      </p:pic>
+      <p:pic>
+        <p:nvPicPr>
+          <p:cNvPr id="7" name="Resim 6">
             <a:extLst>
               <a:ext uri="{FF2B5EF4-FFF2-40B4-BE49-F238E27FC236}">
-                <a16:creationId xmlns:a16="http://schemas.microsoft.com/office/drawing/2014/main" id="{11DEF098-ABCE-7E18-A465-F63D8C8DA27F}"/>
+                <a16:creationId xmlns:a16="http://schemas.microsoft.com/office/drawing/2014/main" id="{3E825717-39F9-2C14-9149-7C4989AD5092}"/>
               </a:ext>
             </a:extLst>
           </p:cNvPr>
-          <p:cNvSpPr txBox="1">
-            <a:spLocks/>
-          </p:cNvSpPr>
+          <p:cNvPicPr>
+            <a:picLocks noChangeAspect="1"/>
+          </p:cNvPicPr>
           <p:nvPr/>
-        </p:nvSpPr>
+        </p:nvPicPr>
+        <p:blipFill>
+          <a:blip r:embed="rId4"/>
+          <a:stretch>
+            <a:fillRect/>
+          </a:stretch>
+        </p:blipFill>
         <p:spPr>
           <a:xfrm>
-            <a:off x="777750" y="1519229"/>
-            <a:ext cx="6815376" cy="4437524"/>
+            <a:off x="6619241" y="1089000"/>
+            <a:ext cx="4787058" cy="2340000"/>
           </a:xfrm>
           <a:prstGeom prst="rect">
             <a:avLst/>
           </a:prstGeom>
-          <a:noFill/>
-          <a:ln>
-            <a:noFill/>
-          </a:ln>
         </p:spPr>
-        <p:txBody>
-          <a:bodyPr spcFirstLastPara="1" wrap="square" lIns="91425" tIns="45700" rIns="91425" bIns="45700" anchor="t" anchorCtr="0">
-            <a:normAutofit/>
-          </a:bodyPr>
-          <a:lstStyle>
-            <a:defPPr marR="0" lvl="0" algn="l" rtl="0">
-              <a:lnSpc>
-                <a:spcPct val="100000"/>
-              </a:lnSpc>
-              <a:spcBef>
-                <a:spcPts val="0"/>
-              </a:spcBef>
-              <a:spcAft>
-                <a:spcPts val="0"/>
-              </a:spcAft>
-            </a:defPPr>
-            <a:lvl1pPr marR="0" lvl="0" algn="l" rtl="0">
-              <a:lnSpc>
-                <a:spcPct val="100000"/>
-              </a:lnSpc>
-              <a:spcBef>
-                <a:spcPts val="0"/>
-              </a:spcBef>
-              <a:spcAft>
-                <a:spcPts val="0"/>
-              </a:spcAft>
-              <a:buClr>
-                <a:srgbClr val="000000"/>
-              </a:buClr>
-              <a:buFont typeface="Arial"/>
-              <a:defRPr sz="1400" b="0" i="0" u="none" strike="noStrike" cap="none">
-                <a:solidFill>
-                  <a:srgbClr val="000000"/>
-                </a:solidFill>
-                <a:latin typeface="Arial"/>
-                <a:ea typeface="Arial"/>
-                <a:cs typeface="Arial"/>
-                <a:sym typeface="Arial"/>
-              </a:defRPr>
-            </a:lvl1pPr>
-            <a:lvl2pPr marR="0" lvl="1" algn="l" rtl="0">
-              <a:lnSpc>
-                <a:spcPct val="100000"/>
-              </a:lnSpc>
-              <a:spcBef>
-                <a:spcPts val="0"/>
-              </a:spcBef>
-              <a:spcAft>
-                <a:spcPts val="0"/>
-              </a:spcAft>
-              <a:buClr>
-                <a:srgbClr val="000000"/>
-              </a:buClr>
-              <a:buFont typeface="Arial"/>
-              <a:defRPr sz="1400" b="0" i="0" u="none" strike="noStrike" cap="none">
-                <a:solidFill>
-                  <a:srgbClr val="000000"/>
-                </a:solidFill>
-                <a:latin typeface="Arial"/>
-                <a:ea typeface="Arial"/>
-                <a:cs typeface="Arial"/>
-                <a:sym typeface="Arial"/>
-              </a:defRPr>
-            </a:lvl2pPr>
-            <a:lvl3pPr marR="0" lvl="2" algn="l" rtl="0">
-              <a:lnSpc>
-                <a:spcPct val="100000"/>
-              </a:lnSpc>
-              <a:spcBef>
-                <a:spcPts val="0"/>
-              </a:spcBef>
-              <a:spcAft>
-                <a:spcPts val="0"/>
-              </a:spcAft>
-              <a:buClr>
-                <a:srgbClr val="000000"/>
-              </a:buClr>
-              <a:buFont typeface="Arial"/>
-              <a:defRPr sz="1400" b="0" i="0" u="none" strike="noStrike" cap="none">
-                <a:solidFill>
-                  <a:srgbClr val="000000"/>
-                </a:solidFill>
-                <a:latin typeface="Arial"/>
-                <a:ea typeface="Arial"/>
-                <a:cs typeface="Arial"/>
-                <a:sym typeface="Arial"/>
-              </a:defRPr>
-            </a:lvl3pPr>
-            <a:lvl4pPr marR="0" lvl="3" algn="l" rtl="0">
-              <a:lnSpc>
-                <a:spcPct val="100000"/>
-              </a:lnSpc>
-              <a:spcBef>
-                <a:spcPts val="0"/>
-              </a:spcBef>
-              <a:spcAft>
-                <a:spcPts val="0"/>
-              </a:spcAft>
-              <a:buClr>
-                <a:srgbClr val="000000"/>
-              </a:buClr>
-              <a:buFont typeface="Arial"/>
-              <a:defRPr sz="1400" b="0" i="0" u="none" strike="noStrike" cap="none">
-                <a:solidFill>
-                  <a:srgbClr val="000000"/>
-                </a:solidFill>
-                <a:latin typeface="Arial"/>
-                <a:ea typeface="Arial"/>
-                <a:cs typeface="Arial"/>
-                <a:sym typeface="Arial"/>
-              </a:defRPr>
-            </a:lvl4pPr>
-            <a:lvl5pPr marR="0" lvl="4" algn="l" rtl="0">
-              <a:lnSpc>
-                <a:spcPct val="100000"/>
-              </a:lnSpc>
-              <a:spcBef>
-                <a:spcPts val="0"/>
-              </a:spcBef>
-              <a:spcAft>
-                <a:spcPts val="0"/>
-              </a:spcAft>
-              <a:buClr>
-                <a:srgbClr val="000000"/>
-              </a:buClr>
-              <a:buFont typeface="Arial"/>
-              <a:defRPr sz="1400" b="0" i="0" u="none" strike="noStrike" cap="none">
-                <a:solidFill>
-                  <a:srgbClr val="000000"/>
-                </a:solidFill>
-                <a:latin typeface="Arial"/>
-                <a:ea typeface="Arial"/>
-                <a:cs typeface="Arial"/>
-                <a:sym typeface="Arial"/>
-              </a:defRPr>
-            </a:lvl5pPr>
-            <a:lvl6pPr marR="0" lvl="5" algn="l" rtl="0">
-              <a:lnSpc>
-                <a:spcPct val="100000"/>
-              </a:lnSpc>
-              <a:spcBef>
-                <a:spcPts val="0"/>
-              </a:spcBef>
-              <a:spcAft>
-                <a:spcPts val="0"/>
-              </a:spcAft>
-              <a:buClr>
-                <a:srgbClr val="000000"/>
-              </a:buClr>
-              <a:buFont typeface="Arial"/>
-              <a:defRPr sz="1400" b="0" i="0" u="none" strike="noStrike" cap="none">
-                <a:solidFill>
-                  <a:srgbClr val="000000"/>
-                </a:solidFill>
-                <a:latin typeface="Arial"/>
-                <a:ea typeface="Arial"/>
-                <a:cs typeface="Arial"/>
-                <a:sym typeface="Arial"/>
-              </a:defRPr>
-            </a:lvl6pPr>
-            <a:lvl7pPr marR="0" lvl="6" algn="l" rtl="0">
-              <a:lnSpc>
-                <a:spcPct val="100000"/>
-              </a:lnSpc>
-              <a:spcBef>
-                <a:spcPts val="0"/>
-              </a:spcBef>
-              <a:spcAft>
-                <a:spcPts val="0"/>
-              </a:spcAft>
-              <a:buClr>
-                <a:srgbClr val="000000"/>
-              </a:buClr>
-              <a:buFont typeface="Arial"/>
-              <a:defRPr sz="1400" b="0" i="0" u="none" strike="noStrike" cap="none">
-                <a:solidFill>
-                  <a:srgbClr val="000000"/>
-                </a:solidFill>
-                <a:latin typeface="Arial"/>
-                <a:ea typeface="Arial"/>
-                <a:cs typeface="Arial"/>
-                <a:sym typeface="Arial"/>
-              </a:defRPr>
-            </a:lvl7pPr>
-            <a:lvl8pPr marR="0" lvl="7" algn="l" rtl="0">
-              <a:lnSpc>
-                <a:spcPct val="100000"/>
-              </a:lnSpc>
-              <a:spcBef>
-                <a:spcPts val="0"/>
-              </a:spcBef>
-              <a:spcAft>
-                <a:spcPts val="0"/>
-              </a:spcAft>
-              <a:buClr>
-                <a:srgbClr val="000000"/>
-              </a:buClr>
-              <a:buFont typeface="Arial"/>
-              <a:defRPr sz="1400" b="0" i="0" u="none" strike="noStrike" cap="none">
-                <a:solidFill>
-                  <a:srgbClr val="000000"/>
-                </a:solidFill>
-                <a:latin typeface="Arial"/>
-                <a:ea typeface="Arial"/>
-                <a:cs typeface="Arial"/>
-                <a:sym typeface="Arial"/>
-              </a:defRPr>
-            </a:lvl8pPr>
-            <a:lvl9pPr marR="0" lvl="8" algn="l" rtl="0">
-              <a:lnSpc>
-                <a:spcPct val="100000"/>
-              </a:lnSpc>
-              <a:spcBef>
-                <a:spcPts val="0"/>
-              </a:spcBef>
-              <a:spcAft>
-                <a:spcPts val="0"/>
-              </a:spcAft>
-              <a:buClr>
-                <a:srgbClr val="000000"/>
-              </a:buClr>
-              <a:buFont typeface="Arial"/>
-              <a:defRPr sz="1400" b="0" i="0" u="none" strike="noStrike" cap="none">
-                <a:solidFill>
-                  <a:srgbClr val="000000"/>
-                </a:solidFill>
-                <a:latin typeface="Arial"/>
-                <a:ea typeface="Arial"/>
-                <a:cs typeface="Arial"/>
-                <a:sym typeface="Arial"/>
-              </a:defRPr>
-            </a:lvl9pPr>
-          </a:lstStyle>
-          <a:p>
-            <a:pPr marL="285750" indent="-285750">
-              <a:lnSpc>
-                <a:spcPct val="110000"/>
-              </a:lnSpc>
-              <a:buSzPts val="3360"/>
-              <a:buFont typeface="Arial"/>
-              <a:buChar char="•"/>
-            </a:pPr>
-            <a:r>
-              <a:rPr lang="en-US" sz="2400" dirty="0">
-                <a:solidFill>
-                  <a:srgbClr val="212121"/>
-                </a:solidFill>
-                <a:highlight>
-                  <a:srgbClr val="FFFFFF"/>
-                </a:highlight>
-                <a:latin typeface="+mn-lt"/>
-                <a:ea typeface="Roboto"/>
-                <a:cs typeface="Roboto"/>
-                <a:sym typeface="Roboto"/>
-              </a:rPr>
-              <a:t>Model-free, online, on-policy, policy gradient reinforcement learning algorithm</a:t>
-            </a:r>
-          </a:p>
-          <a:p>
-            <a:pPr marL="285750" indent="-285750">
-              <a:lnSpc>
-                <a:spcPct val="110000"/>
-              </a:lnSpc>
-              <a:spcBef>
-                <a:spcPts val="1000"/>
-              </a:spcBef>
-              <a:buSzPts val="3360"/>
-              <a:buFont typeface="Arial"/>
-              <a:buChar char="•"/>
-            </a:pPr>
-            <a:r>
-              <a:rPr lang="en-US" sz="2400" dirty="0">
-                <a:solidFill>
-                  <a:srgbClr val="212121"/>
-                </a:solidFill>
-                <a:highlight>
-                  <a:srgbClr val="FFFFFF"/>
-                </a:highlight>
-                <a:latin typeface="+mn-lt"/>
-                <a:ea typeface="Roboto"/>
-                <a:cs typeface="Roboto"/>
-                <a:sym typeface="Roboto"/>
-              </a:rPr>
-              <a:t>Working process is</a:t>
-            </a:r>
-            <a:endParaRPr lang="en-US" sz="2400" dirty="0">
-              <a:latin typeface="+mn-lt"/>
-            </a:endParaRPr>
-          </a:p>
-          <a:p>
-            <a:pPr marL="742950" lvl="1" indent="-285750" algn="just">
-              <a:lnSpc>
-                <a:spcPct val="110000"/>
-              </a:lnSpc>
-              <a:spcBef>
-                <a:spcPts val="600"/>
-              </a:spcBef>
-              <a:buSzPts val="2880"/>
-              <a:buFont typeface="Noto Sans Symbols"/>
-              <a:buChar char="⮚"/>
-            </a:pPr>
-            <a:r>
-              <a:rPr lang="en-US" sz="2400" dirty="0">
-                <a:solidFill>
-                  <a:srgbClr val="212121"/>
-                </a:solidFill>
-                <a:highlight>
-                  <a:srgbClr val="FFFFFF"/>
-                </a:highlight>
-                <a:latin typeface="+mn-lt"/>
-                <a:ea typeface="Roboto"/>
-                <a:cs typeface="Roboto"/>
-                <a:sym typeface="Roboto"/>
-              </a:rPr>
-              <a:t>Decide step size </a:t>
-            </a:r>
-            <a:r>
-              <a:rPr lang="en-US" sz="2400" i="1" dirty="0">
-                <a:solidFill>
-                  <a:srgbClr val="242424"/>
-                </a:solidFill>
-                <a:highlight>
-                  <a:srgbClr val="FFFFFF"/>
-                </a:highlight>
-                <a:latin typeface="+mn-lt"/>
-              </a:rPr>
-              <a:t>α</a:t>
-            </a:r>
-            <a:endParaRPr lang="en-US" sz="2400" i="1" dirty="0">
-              <a:solidFill>
-                <a:srgbClr val="212121"/>
-              </a:solidFill>
-              <a:highlight>
-                <a:srgbClr val="FFFFFF"/>
-              </a:highlight>
-              <a:latin typeface="+mn-lt"/>
-              <a:ea typeface="Roboto"/>
-              <a:cs typeface="Roboto"/>
-              <a:sym typeface="Roboto"/>
-            </a:endParaRPr>
-          </a:p>
-          <a:p>
-            <a:pPr marL="742950" lvl="1" indent="-285750" algn="just">
-              <a:lnSpc>
-                <a:spcPct val="110000"/>
-              </a:lnSpc>
-              <a:spcBef>
-                <a:spcPts val="600"/>
-              </a:spcBef>
-              <a:buSzPts val="2880"/>
-              <a:buFont typeface="Noto Sans Symbols"/>
-              <a:buChar char="⮚"/>
-            </a:pPr>
-            <a:r>
-              <a:rPr lang="en-US" sz="2400" i="1" dirty="0">
-                <a:solidFill>
-                  <a:srgbClr val="212121"/>
-                </a:solidFill>
-                <a:highlight>
-                  <a:srgbClr val="FFFFFF"/>
-                </a:highlight>
-                <a:latin typeface="+mn-lt"/>
-                <a:ea typeface="Roboto"/>
-                <a:cs typeface="Roboto"/>
-                <a:sym typeface="Roboto"/>
-              </a:rPr>
-              <a:t>Construct a circle with radius </a:t>
-            </a:r>
-            <a:r>
-              <a:rPr lang="en-US" sz="2400" i="1" dirty="0">
-                <a:solidFill>
-                  <a:srgbClr val="242424"/>
-                </a:solidFill>
-                <a:highlight>
-                  <a:srgbClr val="FFFFFF"/>
-                </a:highlight>
-                <a:latin typeface="+mn-lt"/>
-              </a:rPr>
-              <a:t>α (trust region)</a:t>
-            </a:r>
-            <a:endParaRPr lang="en-US" sz="2400" dirty="0">
-              <a:latin typeface="+mn-lt"/>
-            </a:endParaRPr>
-          </a:p>
-          <a:p>
-            <a:pPr marL="742950" lvl="1" indent="-285750" algn="just">
-              <a:lnSpc>
-                <a:spcPct val="110000"/>
-              </a:lnSpc>
-              <a:spcBef>
-                <a:spcPts val="600"/>
-              </a:spcBef>
-              <a:buSzPts val="2880"/>
-              <a:buFont typeface="Noto Sans Symbols"/>
-              <a:buChar char="⮚"/>
-            </a:pPr>
-            <a:r>
-              <a:rPr lang="en-US" sz="2400" i="1" dirty="0">
-                <a:solidFill>
-                  <a:srgbClr val="242424"/>
-                </a:solidFill>
-                <a:highlight>
-                  <a:srgbClr val="FFFFFF"/>
-                </a:highlight>
-                <a:latin typeface="+mn-lt"/>
-              </a:rPr>
-              <a:t>Once having the best point, determine the direction</a:t>
-            </a:r>
-          </a:p>
-          <a:p>
-            <a:pPr marL="742950" lvl="1" indent="-285750" algn="just">
-              <a:lnSpc>
-                <a:spcPct val="110000"/>
-              </a:lnSpc>
-              <a:spcBef>
-                <a:spcPts val="600"/>
-              </a:spcBef>
-              <a:buSzPts val="2880"/>
-              <a:buFont typeface="Noto Sans Symbols"/>
-              <a:buChar char="⮚"/>
-            </a:pPr>
-            <a:r>
-              <a:rPr lang="en-US" sz="2400" i="1" dirty="0">
-                <a:solidFill>
-                  <a:srgbClr val="242424"/>
-                </a:solidFill>
-                <a:highlight>
-                  <a:srgbClr val="FFFFFF"/>
-                </a:highlight>
-                <a:latin typeface="+mn-lt"/>
-              </a:rPr>
-              <a:t>Repeat until the optimal point is reached</a:t>
-            </a:r>
-            <a:endParaRPr lang="en-US" sz="2400" i="1" dirty="0">
-              <a:solidFill>
-                <a:srgbClr val="212121"/>
-              </a:solidFill>
-              <a:highlight>
-                <a:srgbClr val="FFFFFF"/>
-              </a:highlight>
-              <a:latin typeface="+mn-lt"/>
-              <a:ea typeface="Roboto"/>
-              <a:cs typeface="Roboto"/>
-              <a:sym typeface="Roboto"/>
-            </a:endParaRPr>
-          </a:p>
-        </p:txBody>
-      </p:sp>
+      </p:pic>
       <p:pic>
         <p:nvPicPr>
-          <p:cNvPr id="6" name="Google Shape;170;p9">
+          <p:cNvPr id="9" name="Resim 8">
             <a:extLst>
               <a:ext uri="{FF2B5EF4-FFF2-40B4-BE49-F238E27FC236}">
-                <a16:creationId xmlns:a16="http://schemas.microsoft.com/office/drawing/2014/main" id="{43524E10-4A74-0EE5-6052-5A7E14D56C7B}"/>
+                <a16:creationId xmlns:a16="http://schemas.microsoft.com/office/drawing/2014/main" id="{26711DEF-30F5-6473-DF59-79A22D8365A2}"/>
               </a:ext>
             </a:extLst>
           </p:cNvPr>
-          <p:cNvPicPr preferRelativeResize="0"/>
+          <p:cNvPicPr>
+            <a:picLocks noChangeAspect="1"/>
+          </p:cNvPicPr>
           <p:nvPr/>
         </p:nvPicPr>
-        <p:blipFill rotWithShape="1">
-          <a:blip r:embed="rId3">
-            <a:alphaModFix/>
-          </a:blip>
-          <a:srcRect/>
-          <a:stretch/>
+        <p:blipFill>
+          <a:blip r:embed="rId5"/>
+          <a:stretch>
+            <a:fillRect/>
+          </a:stretch>
         </p:blipFill>
         <p:spPr>
           <a:xfrm>
-            <a:off x="7861280" y="1787102"/>
-            <a:ext cx="4016088" cy="3901778"/>
+            <a:off x="6619241" y="3517865"/>
+            <a:ext cx="4860000" cy="2520000"/>
           </a:xfrm>
           <a:prstGeom prst="rect">
             <a:avLst/>
           </a:prstGeom>
-          <a:noFill/>
-          <a:ln>
-            <a:noFill/>
-          </a:ln>
         </p:spPr>
       </p:pic>
     </p:spTree>
     <p:extLst>
       <p:ext uri="{BB962C8B-B14F-4D97-AF65-F5344CB8AC3E}">
-        <p14:creationId xmlns:p14="http://schemas.microsoft.com/office/powerpoint/2010/main" val="224389039"/>
+        <p14:creationId xmlns:p14="http://schemas.microsoft.com/office/powerpoint/2010/main" val="2222978032"/>
       </p:ext>
     </p:extLst>
   </p:cSld>
@@ -23841,11 +25913,7 @@
             </a:pPr>
             <a:r>
               <a:rPr lang="tr-TR" dirty="0"/>
-              <a:t>Literature-1 </a:t>
-            </a:r>
-            <a:r>
-              <a:rPr lang="tr-TR" dirty="0" err="1"/>
-              <a:t>Overview</a:t>
+              <a:t> </a:t>
             </a:r>
             <a:endParaRPr lang="en-US" dirty="0"/>
           </a:p>
@@ -24001,14 +26069,81 @@
       </p:sp>
       <p:sp>
         <p:nvSpPr>
-          <p:cNvPr id="344" name="Google Shape;344;p26"/>
+          <p:cNvPr id="2" name="Metin kutusu 1">
+            <a:extLst>
+              <a:ext uri="{FF2B5EF4-FFF2-40B4-BE49-F238E27FC236}">
+                <a16:creationId xmlns:a16="http://schemas.microsoft.com/office/drawing/2014/main" id="{F650A61C-3B21-2FCB-9C85-76584AD05DD5}"/>
+              </a:ext>
+            </a:extLst>
+          </p:cNvPr>
           <p:cNvSpPr txBox="1"/>
           <p:nvPr/>
         </p:nvSpPr>
         <p:spPr>
           <a:xfrm>
-            <a:off x="1073247" y="1201213"/>
-            <a:ext cx="10045505" cy="5083277"/>
+            <a:off x="-2" y="917246"/>
+            <a:ext cx="6829779" cy="523220"/>
+          </a:xfrm>
+          <a:prstGeom prst="rect">
+            <a:avLst/>
+          </a:prstGeom>
+          <a:noFill/>
+        </p:spPr>
+        <p:txBody>
+          <a:bodyPr wrap="square" rtlCol="0">
+            <a:spAutoFit/>
+          </a:bodyPr>
+          <a:lstStyle/>
+          <a:p>
+            <a:r>
+              <a:rPr lang="tr-TR" sz="2800" dirty="0"/>
+              <a:t>2- </a:t>
+            </a:r>
+            <a:r>
+              <a:rPr lang="tr-TR" sz="2800" dirty="0" err="1"/>
+              <a:t>Proximal</a:t>
+            </a:r>
+            <a:r>
+              <a:rPr lang="tr-TR" sz="2800" dirty="0"/>
+              <a:t> </a:t>
+            </a:r>
+            <a:r>
+              <a:rPr lang="tr-TR" sz="2800" dirty="0" err="1"/>
+              <a:t>Policy</a:t>
+            </a:r>
+            <a:r>
+              <a:rPr lang="tr-TR" sz="2800" dirty="0"/>
+              <a:t> </a:t>
+            </a:r>
+            <a:r>
+              <a:rPr lang="tr-TR" sz="2800" dirty="0" err="1"/>
+              <a:t>Optimization</a:t>
+            </a:r>
+            <a:r>
+              <a:rPr lang="tr-TR" sz="2800" dirty="0"/>
+              <a:t> (PPO)</a:t>
+            </a:r>
+          </a:p>
+        </p:txBody>
+      </p:sp>
+      <p:sp>
+        <p:nvSpPr>
+          <p:cNvPr id="5" name="Google Shape;166;p9">
+            <a:extLst>
+              <a:ext uri="{FF2B5EF4-FFF2-40B4-BE49-F238E27FC236}">
+                <a16:creationId xmlns:a16="http://schemas.microsoft.com/office/drawing/2014/main" id="{11DEF098-ABCE-7E18-A465-F63D8C8DA27F}"/>
+              </a:ext>
+            </a:extLst>
+          </p:cNvPr>
+          <p:cNvSpPr txBox="1">
+            <a:spLocks/>
+          </p:cNvSpPr>
+          <p:nvPr/>
+        </p:nvSpPr>
+        <p:spPr>
+          <a:xfrm>
+            <a:off x="777750" y="1519229"/>
+            <a:ext cx="6815376" cy="4437524"/>
           </a:xfrm>
           <a:prstGeom prst="rect">
             <a:avLst/>
@@ -24022,200 +26157,473 @@
           <a:bodyPr spcFirstLastPara="1" wrap="square" lIns="91425" tIns="45700" rIns="91425" bIns="45700" anchor="t" anchorCtr="0">
             <a:normAutofit/>
           </a:bodyPr>
-          <a:lstStyle/>
-          <a:p>
-            <a:pPr marL="342900" lvl="0" indent="-342900" algn="l" rtl="0">
+          <a:lstStyle>
+            <a:defPPr marR="0" lvl="0" algn="l" rtl="0">
+              <a:lnSpc>
+                <a:spcPct val="100000"/>
+              </a:lnSpc>
+              <a:spcBef>
+                <a:spcPts val="0"/>
+              </a:spcBef>
+              <a:spcAft>
+                <a:spcPts val="0"/>
+              </a:spcAft>
+            </a:defPPr>
+            <a:lvl1pPr marR="0" lvl="0" algn="l" rtl="0">
+              <a:lnSpc>
+                <a:spcPct val="100000"/>
+              </a:lnSpc>
+              <a:spcBef>
+                <a:spcPts val="0"/>
+              </a:spcBef>
+              <a:spcAft>
+                <a:spcPts val="0"/>
+              </a:spcAft>
+              <a:buClr>
+                <a:srgbClr val="000000"/>
+              </a:buClr>
+              <a:buFont typeface="Arial"/>
+              <a:defRPr sz="1400" b="0" i="0" u="none" strike="noStrike" cap="none">
+                <a:solidFill>
+                  <a:srgbClr val="000000"/>
+                </a:solidFill>
+                <a:latin typeface="Arial"/>
+                <a:ea typeface="Arial"/>
+                <a:cs typeface="Arial"/>
+                <a:sym typeface="Arial"/>
+              </a:defRPr>
+            </a:lvl1pPr>
+            <a:lvl2pPr marR="0" lvl="1" algn="l" rtl="0">
+              <a:lnSpc>
+                <a:spcPct val="100000"/>
+              </a:lnSpc>
+              <a:spcBef>
+                <a:spcPts val="0"/>
+              </a:spcBef>
+              <a:spcAft>
+                <a:spcPts val="0"/>
+              </a:spcAft>
+              <a:buClr>
+                <a:srgbClr val="000000"/>
+              </a:buClr>
+              <a:buFont typeface="Arial"/>
+              <a:defRPr sz="1400" b="0" i="0" u="none" strike="noStrike" cap="none">
+                <a:solidFill>
+                  <a:srgbClr val="000000"/>
+                </a:solidFill>
+                <a:latin typeface="Arial"/>
+                <a:ea typeface="Arial"/>
+                <a:cs typeface="Arial"/>
+                <a:sym typeface="Arial"/>
+              </a:defRPr>
+            </a:lvl2pPr>
+            <a:lvl3pPr marR="0" lvl="2" algn="l" rtl="0">
+              <a:lnSpc>
+                <a:spcPct val="100000"/>
+              </a:lnSpc>
+              <a:spcBef>
+                <a:spcPts val="0"/>
+              </a:spcBef>
+              <a:spcAft>
+                <a:spcPts val="0"/>
+              </a:spcAft>
+              <a:buClr>
+                <a:srgbClr val="000000"/>
+              </a:buClr>
+              <a:buFont typeface="Arial"/>
+              <a:defRPr sz="1400" b="0" i="0" u="none" strike="noStrike" cap="none">
+                <a:solidFill>
+                  <a:srgbClr val="000000"/>
+                </a:solidFill>
+                <a:latin typeface="Arial"/>
+                <a:ea typeface="Arial"/>
+                <a:cs typeface="Arial"/>
+                <a:sym typeface="Arial"/>
+              </a:defRPr>
+            </a:lvl3pPr>
+            <a:lvl4pPr marR="0" lvl="3" algn="l" rtl="0">
+              <a:lnSpc>
+                <a:spcPct val="100000"/>
+              </a:lnSpc>
+              <a:spcBef>
+                <a:spcPts val="0"/>
+              </a:spcBef>
+              <a:spcAft>
+                <a:spcPts val="0"/>
+              </a:spcAft>
+              <a:buClr>
+                <a:srgbClr val="000000"/>
+              </a:buClr>
+              <a:buFont typeface="Arial"/>
+              <a:defRPr sz="1400" b="0" i="0" u="none" strike="noStrike" cap="none">
+                <a:solidFill>
+                  <a:srgbClr val="000000"/>
+                </a:solidFill>
+                <a:latin typeface="Arial"/>
+                <a:ea typeface="Arial"/>
+                <a:cs typeface="Arial"/>
+                <a:sym typeface="Arial"/>
+              </a:defRPr>
+            </a:lvl4pPr>
+            <a:lvl5pPr marR="0" lvl="4" algn="l" rtl="0">
+              <a:lnSpc>
+                <a:spcPct val="100000"/>
+              </a:lnSpc>
+              <a:spcBef>
+                <a:spcPts val="0"/>
+              </a:spcBef>
+              <a:spcAft>
+                <a:spcPts val="0"/>
+              </a:spcAft>
+              <a:buClr>
+                <a:srgbClr val="000000"/>
+              </a:buClr>
+              <a:buFont typeface="Arial"/>
+              <a:defRPr sz="1400" b="0" i="0" u="none" strike="noStrike" cap="none">
+                <a:solidFill>
+                  <a:srgbClr val="000000"/>
+                </a:solidFill>
+                <a:latin typeface="Arial"/>
+                <a:ea typeface="Arial"/>
+                <a:cs typeface="Arial"/>
+                <a:sym typeface="Arial"/>
+              </a:defRPr>
+            </a:lvl5pPr>
+            <a:lvl6pPr marR="0" lvl="5" algn="l" rtl="0">
+              <a:lnSpc>
+                <a:spcPct val="100000"/>
+              </a:lnSpc>
+              <a:spcBef>
+                <a:spcPts val="0"/>
+              </a:spcBef>
+              <a:spcAft>
+                <a:spcPts val="0"/>
+              </a:spcAft>
+              <a:buClr>
+                <a:srgbClr val="000000"/>
+              </a:buClr>
+              <a:buFont typeface="Arial"/>
+              <a:defRPr sz="1400" b="0" i="0" u="none" strike="noStrike" cap="none">
+                <a:solidFill>
+                  <a:srgbClr val="000000"/>
+                </a:solidFill>
+                <a:latin typeface="Arial"/>
+                <a:ea typeface="Arial"/>
+                <a:cs typeface="Arial"/>
+                <a:sym typeface="Arial"/>
+              </a:defRPr>
+            </a:lvl6pPr>
+            <a:lvl7pPr marR="0" lvl="6" algn="l" rtl="0">
+              <a:lnSpc>
+                <a:spcPct val="100000"/>
+              </a:lnSpc>
+              <a:spcBef>
+                <a:spcPts val="0"/>
+              </a:spcBef>
+              <a:spcAft>
+                <a:spcPts val="0"/>
+              </a:spcAft>
+              <a:buClr>
+                <a:srgbClr val="000000"/>
+              </a:buClr>
+              <a:buFont typeface="Arial"/>
+              <a:defRPr sz="1400" b="0" i="0" u="none" strike="noStrike" cap="none">
+                <a:solidFill>
+                  <a:srgbClr val="000000"/>
+                </a:solidFill>
+                <a:latin typeface="Arial"/>
+                <a:ea typeface="Arial"/>
+                <a:cs typeface="Arial"/>
+                <a:sym typeface="Arial"/>
+              </a:defRPr>
+            </a:lvl7pPr>
+            <a:lvl8pPr marR="0" lvl="7" algn="l" rtl="0">
+              <a:lnSpc>
+                <a:spcPct val="100000"/>
+              </a:lnSpc>
+              <a:spcBef>
+                <a:spcPts val="0"/>
+              </a:spcBef>
+              <a:spcAft>
+                <a:spcPts val="0"/>
+              </a:spcAft>
+              <a:buClr>
+                <a:srgbClr val="000000"/>
+              </a:buClr>
+              <a:buFont typeface="Arial"/>
+              <a:defRPr sz="1400" b="0" i="0" u="none" strike="noStrike" cap="none">
+                <a:solidFill>
+                  <a:srgbClr val="000000"/>
+                </a:solidFill>
+                <a:latin typeface="Arial"/>
+                <a:ea typeface="Arial"/>
+                <a:cs typeface="Arial"/>
+                <a:sym typeface="Arial"/>
+              </a:defRPr>
+            </a:lvl8pPr>
+            <a:lvl9pPr marR="0" lvl="8" algn="l" rtl="0">
+              <a:lnSpc>
+                <a:spcPct val="100000"/>
+              </a:lnSpc>
+              <a:spcBef>
+                <a:spcPts val="0"/>
+              </a:spcBef>
+              <a:spcAft>
+                <a:spcPts val="0"/>
+              </a:spcAft>
+              <a:buClr>
+                <a:srgbClr val="000000"/>
+              </a:buClr>
+              <a:buFont typeface="Arial"/>
+              <a:defRPr sz="1400" b="0" i="0" u="none" strike="noStrike" cap="none">
+                <a:solidFill>
+                  <a:srgbClr val="000000"/>
+                </a:solidFill>
+                <a:latin typeface="Arial"/>
+                <a:ea typeface="Arial"/>
+                <a:cs typeface="Arial"/>
+                <a:sym typeface="Arial"/>
+              </a:defRPr>
+            </a:lvl9pPr>
+          </a:lstStyle>
+          <a:p>
+            <a:pPr marL="285750" indent="-285750">
               <a:lnSpc>
                 <a:spcPct val="110000"/>
               </a:lnSpc>
-              <a:spcBef>
-                <a:spcPts val="0"/>
-              </a:spcBef>
-              <a:spcAft>
-                <a:spcPts val="0"/>
-              </a:spcAft>
               <a:buSzPts val="3360"/>
-              <a:buFont typeface="Arial" panose="020B0604020202020204" pitchFamily="34" charset="0"/>
+              <a:buFont typeface="Arial"/>
               <a:buChar char="•"/>
             </a:pPr>
             <a:r>
               <a:rPr lang="en-US" sz="2400" dirty="0">
+                <a:solidFill>
+                  <a:srgbClr val="212121"/>
+                </a:solidFill>
+                <a:highlight>
+                  <a:srgbClr val="FFFFFF"/>
+                </a:highlight>
                 <a:latin typeface="+mn-lt"/>
-                <a:ea typeface="Calibri"/>
-                <a:cs typeface="Calibri"/>
-                <a:sym typeface="Calibri"/>
+                <a:ea typeface="Roboto"/>
+                <a:cs typeface="Roboto"/>
+                <a:sym typeface="Roboto"/>
               </a:rPr>
-              <a:t>Specific Focus</a:t>
-            </a:r>
-          </a:p>
-          <a:p>
-            <a:pPr marL="685800" lvl="1" indent="-228600" algn="just" rtl="0">
+              <a:t>Model-free, online, on-policy, policy gradient reinforcement learning algorithm</a:t>
+            </a:r>
+          </a:p>
+          <a:p>
+            <a:pPr marL="285750" indent="-285750">
               <a:lnSpc>
                 <a:spcPct val="110000"/>
               </a:lnSpc>
               <a:spcBef>
-                <a:spcPts val="600"/>
-              </a:spcBef>
-              <a:spcAft>
-                <a:spcPts val="0"/>
-              </a:spcAft>
-              <a:buSzPts val="2880"/>
+                <a:spcPts val="1000"/>
+              </a:spcBef>
+              <a:buSzPts val="3360"/>
+              <a:buFont typeface="Arial"/>
               <a:buChar char="•"/>
             </a:pPr>
             <a:r>
               <a:rPr lang="en-US" sz="2400" dirty="0">
+                <a:solidFill>
+                  <a:srgbClr val="212121"/>
+                </a:solidFill>
+                <a:highlight>
+                  <a:srgbClr val="FFFFFF"/>
+                </a:highlight>
                 <a:latin typeface="+mn-lt"/>
-                <a:ea typeface="Calibri"/>
-                <a:cs typeface="Calibri"/>
-                <a:sym typeface="Calibri"/>
+                <a:ea typeface="Roboto"/>
+                <a:cs typeface="Roboto"/>
+                <a:sym typeface="Roboto"/>
               </a:rPr>
-              <a:t>Deep dive into the accuracy and precision of attitude control using intelligent flight controllers trained with RL.</a:t>
-            </a:r>
-          </a:p>
-          <a:p>
-            <a:pPr marL="228600" lvl="0" indent="-228600" algn="l" rtl="0">
-              <a:lnSpc>
-                <a:spcPct val="110000"/>
-              </a:lnSpc>
-              <a:spcBef>
-                <a:spcPts val="1000"/>
-              </a:spcBef>
-              <a:spcAft>
-                <a:spcPts val="0"/>
-              </a:spcAft>
-              <a:buSzPts val="3360"/>
-              <a:buChar char="•"/>
-            </a:pPr>
-            <a:r>
-              <a:rPr lang="en-US" sz="2400" dirty="0">
-                <a:latin typeface="+mn-lt"/>
-                <a:ea typeface="Calibri"/>
-                <a:cs typeface="Calibri"/>
-                <a:sym typeface="Calibri"/>
-              </a:rPr>
-              <a:t>Training Environment</a:t>
+              <a:t>Working process is</a:t>
             </a:r>
             <a:endParaRPr lang="en-US" sz="2400" dirty="0">
               <a:latin typeface="+mn-lt"/>
             </a:endParaRPr>
           </a:p>
           <a:p>
-            <a:pPr marL="685800" lvl="1" indent="-228600" algn="just" rtl="0">
+            <a:pPr marL="742950" lvl="1" indent="-285750" algn="just">
               <a:lnSpc>
                 <a:spcPct val="110000"/>
               </a:lnSpc>
               <a:spcBef>
                 <a:spcPts val="600"/>
               </a:spcBef>
-              <a:spcAft>
-                <a:spcPts val="0"/>
-              </a:spcAft>
               <a:buSzPts val="2880"/>
-              <a:buChar char="•"/>
+              <a:buFont typeface="Noto Sans Symbols"/>
+              <a:buChar char="⮚"/>
             </a:pPr>
             <a:r>
               <a:rPr lang="en-US" sz="2400" dirty="0">
+                <a:solidFill>
+                  <a:srgbClr val="212121"/>
+                </a:solidFill>
+                <a:highlight>
+                  <a:srgbClr val="FFFFFF"/>
+                </a:highlight>
                 <a:latin typeface="+mn-lt"/>
-                <a:ea typeface="Calibri"/>
-                <a:cs typeface="Calibri"/>
-                <a:sym typeface="Calibri"/>
+                <a:ea typeface="Roboto"/>
+                <a:cs typeface="Roboto"/>
+                <a:sym typeface="Roboto"/>
               </a:rPr>
-              <a:t>Introduction of </a:t>
-            </a:r>
-            <a:r>
-              <a:rPr lang="en-US" sz="2400" dirty="0" err="1">
+              <a:t>Decide step size </a:t>
+            </a:r>
+            <a:r>
+              <a:rPr lang="en-US" sz="2400" i="1" dirty="0">
+                <a:solidFill>
+                  <a:srgbClr val="242424"/>
+                </a:solidFill>
+                <a:highlight>
+                  <a:srgbClr val="FFFFFF"/>
+                </a:highlight>
                 <a:latin typeface="+mn-lt"/>
-                <a:ea typeface="Calibri"/>
-                <a:cs typeface="Calibri"/>
-                <a:sym typeface="Calibri"/>
               </a:rPr>
-              <a:t>GymFC</a:t>
-            </a:r>
-            <a:r>
-              <a:rPr lang="en-US" sz="2400" dirty="0">
+              <a:t>α</a:t>
+            </a:r>
+            <a:endParaRPr lang="en-US" sz="2400" i="1" dirty="0">
+              <a:solidFill>
+                <a:srgbClr val="212121"/>
+              </a:solidFill>
+              <a:highlight>
+                <a:srgbClr val="FFFFFF"/>
+              </a:highlight>
+              <a:latin typeface="+mn-lt"/>
+              <a:ea typeface="Roboto"/>
+              <a:cs typeface="Roboto"/>
+              <a:sym typeface="Roboto"/>
+            </a:endParaRPr>
+          </a:p>
+          <a:p>
+            <a:pPr marL="742950" lvl="1" indent="-285750" algn="just">
+              <a:lnSpc>
+                <a:spcPct val="110000"/>
+              </a:lnSpc>
+              <a:spcBef>
+                <a:spcPts val="600"/>
+              </a:spcBef>
+              <a:buSzPts val="2880"/>
+              <a:buFont typeface="Noto Sans Symbols"/>
+              <a:buChar char="⮚"/>
+            </a:pPr>
+            <a:r>
+              <a:rPr lang="en-US" sz="2400" i="1" dirty="0">
+                <a:solidFill>
+                  <a:srgbClr val="212121"/>
+                </a:solidFill>
+                <a:highlight>
+                  <a:srgbClr val="FFFFFF"/>
+                </a:highlight>
                 <a:latin typeface="+mn-lt"/>
-                <a:ea typeface="Calibri"/>
-                <a:cs typeface="Calibri"/>
-                <a:sym typeface="Calibri"/>
+                <a:ea typeface="Roboto"/>
+                <a:cs typeface="Roboto"/>
+                <a:sym typeface="Roboto"/>
               </a:rPr>
-              <a:t>, an OpenAI Environment, designed for training intelligent flight control systems.</a:t>
+              <a:t>Construct a circle with radius </a:t>
+            </a:r>
+            <a:r>
+              <a:rPr lang="en-US" sz="2400" i="1" dirty="0">
+                <a:solidFill>
+                  <a:srgbClr val="242424"/>
+                </a:solidFill>
+                <a:highlight>
+                  <a:srgbClr val="FFFFFF"/>
+                </a:highlight>
+                <a:latin typeface="+mn-lt"/>
+              </a:rPr>
+              <a:t>α (trust region)</a:t>
             </a:r>
             <a:endParaRPr lang="en-US" sz="2400" dirty="0">
               <a:latin typeface="+mn-lt"/>
             </a:endParaRPr>
           </a:p>
           <a:p>
-            <a:pPr marL="228600" lvl="0" indent="-228600" algn="l" rtl="0">
+            <a:pPr marL="742950" lvl="1" indent="-285750" algn="just">
               <a:lnSpc>
                 <a:spcPct val="110000"/>
               </a:lnSpc>
               <a:spcBef>
-                <a:spcPts val="1000"/>
-              </a:spcBef>
-              <a:spcAft>
-                <a:spcPts val="0"/>
-              </a:spcAft>
-              <a:buSzPts val="3360"/>
-              <a:buChar char="•"/>
+                <a:spcPts val="600"/>
+              </a:spcBef>
+              <a:buSzPts val="2880"/>
+              <a:buFont typeface="Noto Sans Symbols"/>
+              <a:buChar char="⮚"/>
             </a:pPr>
             <a:r>
-              <a:rPr lang="en-US" sz="2400" dirty="0">
+              <a:rPr lang="en-US" sz="2400" i="1" dirty="0">
+                <a:solidFill>
+                  <a:srgbClr val="242424"/>
+                </a:solidFill>
+                <a:highlight>
+                  <a:srgbClr val="FFFFFF"/>
+                </a:highlight>
                 <a:latin typeface="+mn-lt"/>
-                <a:ea typeface="Calibri"/>
-                <a:cs typeface="Calibri"/>
-                <a:sym typeface="Calibri"/>
               </a:rPr>
-              <a:t>RL Application</a:t>
-            </a:r>
-            <a:endParaRPr lang="en-US" sz="2400" dirty="0">
+              <a:t>Once having the best point, determine the direction</a:t>
+            </a:r>
+          </a:p>
+          <a:p>
+            <a:pPr marL="742950" lvl="1" indent="-285750" algn="just">
+              <a:lnSpc>
+                <a:spcPct val="110000"/>
+              </a:lnSpc>
+              <a:spcBef>
+                <a:spcPts val="600"/>
+              </a:spcBef>
+              <a:buSzPts val="2880"/>
+              <a:buFont typeface="Noto Sans Symbols"/>
+              <a:buChar char="⮚"/>
+            </a:pPr>
+            <a:r>
+              <a:rPr lang="en-US" sz="2400" i="1" dirty="0">
+                <a:solidFill>
+                  <a:srgbClr val="242424"/>
+                </a:solidFill>
+                <a:highlight>
+                  <a:srgbClr val="FFFFFF"/>
+                </a:highlight>
+                <a:latin typeface="+mn-lt"/>
+              </a:rPr>
+              <a:t>Repeat until the optimal point is reached</a:t>
+            </a:r>
+            <a:endParaRPr lang="en-US" sz="2400" i="1" dirty="0">
+              <a:solidFill>
+                <a:srgbClr val="212121"/>
+              </a:solidFill>
+              <a:highlight>
+                <a:srgbClr val="FFFFFF"/>
+              </a:highlight>
               <a:latin typeface="+mn-lt"/>
-            </a:endParaRPr>
-          </a:p>
-          <a:p>
-            <a:pPr marL="685800" lvl="1" indent="-228600" algn="just" rtl="0">
-              <a:lnSpc>
-                <a:spcPct val="110000"/>
-              </a:lnSpc>
-              <a:spcBef>
-                <a:spcPts val="600"/>
-              </a:spcBef>
-              <a:spcAft>
-                <a:spcPts val="0"/>
-              </a:spcAft>
-              <a:buSzPts val="2880"/>
-              <a:buChar char="•"/>
-            </a:pPr>
-            <a:r>
-              <a:rPr lang="en-US" sz="2400" dirty="0">
-                <a:latin typeface="+mn-lt"/>
-                <a:ea typeface="Calibri"/>
-                <a:cs typeface="Calibri"/>
-                <a:sym typeface="Calibri"/>
-              </a:rPr>
-              <a:t>Application of RL algorithms for attitude control and their potential transfer to physical hardware.</a:t>
-            </a:r>
-            <a:endParaRPr lang="en-US" sz="2400" dirty="0">
-              <a:latin typeface="+mn-lt"/>
+              <a:ea typeface="Roboto"/>
+              <a:cs typeface="Roboto"/>
+              <a:sym typeface="Roboto"/>
             </a:endParaRPr>
           </a:p>
         </p:txBody>
       </p:sp>
-      <p:sp>
-        <p:nvSpPr>
-          <p:cNvPr id="2" name="Google Shape;220;p14">
+      <p:pic>
+        <p:nvPicPr>
+          <p:cNvPr id="6" name="Google Shape;170;p9">
             <a:extLst>
               <a:ext uri="{FF2B5EF4-FFF2-40B4-BE49-F238E27FC236}">
-                <a16:creationId xmlns:a16="http://schemas.microsoft.com/office/drawing/2014/main" id="{F8381E29-094D-62B2-B55E-8B02366270D5}"/>
+                <a16:creationId xmlns:a16="http://schemas.microsoft.com/office/drawing/2014/main" id="{43524E10-4A74-0EE5-6052-5A7E14D56C7B}"/>
               </a:ext>
             </a:extLst>
           </p:cNvPr>
-          <p:cNvSpPr txBox="1"/>
+          <p:cNvPicPr preferRelativeResize="0"/>
           <p:nvPr/>
-        </p:nvSpPr>
+        </p:nvPicPr>
+        <p:blipFill rotWithShape="1">
+          <a:blip r:embed="rId3">
+            <a:alphaModFix/>
+          </a:blip>
+          <a:srcRect/>
+          <a:stretch/>
+        </p:blipFill>
         <p:spPr>
           <a:xfrm>
-            <a:off x="436921" y="5853797"/>
-            <a:ext cx="11391286" cy="646331"/>
+            <a:off x="7861280" y="1787102"/>
+            <a:ext cx="4016088" cy="3901778"/>
           </a:xfrm>
           <a:prstGeom prst="rect">
             <a:avLst/>
@@ -24225,78 +26633,11 @@
             <a:noFill/>
           </a:ln>
         </p:spPr>
-        <p:txBody>
-          <a:bodyPr spcFirstLastPara="1" wrap="square" lIns="91425" tIns="45700" rIns="91425" bIns="45700" anchor="t" anchorCtr="0">
-            <a:spAutoFit/>
-          </a:bodyPr>
-          <a:lstStyle/>
-          <a:p>
-            <a:pPr marL="0" marR="0" lvl="0" indent="0" algn="l" rtl="0">
-              <a:spcBef>
-                <a:spcPts val="0"/>
-              </a:spcBef>
-              <a:spcAft>
-                <a:spcPts val="0"/>
-              </a:spcAft>
-              <a:buClr>
-                <a:srgbClr val="222222"/>
-              </a:buClr>
-              <a:buSzPts val="1800"/>
-              <a:buFont typeface="Arial"/>
-              <a:buNone/>
-            </a:pPr>
-            <a:r>
-              <a:rPr lang="en-US" sz="1800" b="0" i="0" u="none" strike="noStrike" cap="none" dirty="0">
-                <a:solidFill>
-                  <a:srgbClr val="222222"/>
-                </a:solidFill>
-                <a:latin typeface="Arial"/>
-                <a:ea typeface="Arial"/>
-                <a:cs typeface="Arial"/>
-                <a:sym typeface="Arial"/>
-              </a:rPr>
-              <a:t>Koch, William, et al. "Reinforcement learning for UAV attitude control." </a:t>
-            </a:r>
-            <a:r>
-              <a:rPr lang="en-US" sz="1800" b="0" i="1" u="none" strike="noStrike" cap="none" dirty="0">
-                <a:solidFill>
-                  <a:srgbClr val="222222"/>
-                </a:solidFill>
-                <a:latin typeface="Arial"/>
-                <a:ea typeface="Arial"/>
-                <a:cs typeface="Arial"/>
-                <a:sym typeface="Arial"/>
-              </a:rPr>
-              <a:t>ACM Transactions on Cyber-Physical Systems</a:t>
-            </a:r>
-            <a:r>
-              <a:rPr lang="en-US" sz="1800" b="0" i="0" u="none" strike="noStrike" cap="none" dirty="0">
-                <a:solidFill>
-                  <a:srgbClr val="222222"/>
-                </a:solidFill>
-                <a:latin typeface="Arial"/>
-                <a:ea typeface="Arial"/>
-                <a:cs typeface="Arial"/>
-                <a:sym typeface="Arial"/>
-              </a:rPr>
-              <a:t> 3.2 (2019): 1-21.</a:t>
-            </a:r>
-            <a:endParaRPr sz="1800" b="0" i="0" u="none" strike="noStrike" cap="none" dirty="0">
-              <a:solidFill>
-                <a:srgbClr val="222222"/>
-              </a:solidFill>
-              <a:latin typeface="Arial"/>
-              <a:ea typeface="Arial"/>
-              <a:cs typeface="Arial"/>
-              <a:sym typeface="Arial"/>
-            </a:endParaRPr>
-          </a:p>
-        </p:txBody>
-      </p:sp>
+      </p:pic>
     </p:spTree>
     <p:extLst>
       <p:ext uri="{BB962C8B-B14F-4D97-AF65-F5344CB8AC3E}">
-        <p14:creationId xmlns:p14="http://schemas.microsoft.com/office/powerpoint/2010/main" val="291212169"/>
+        <p14:creationId xmlns:p14="http://schemas.microsoft.com/office/powerpoint/2010/main" val="224389039"/>
       </p:ext>
     </p:extLst>
   </p:cSld>
@@ -24373,11 +26714,7 @@
             </a:pPr>
             <a:r>
               <a:rPr lang="tr-TR" dirty="0"/>
-              <a:t>Literature-1 </a:t>
-            </a:r>
-            <a:r>
-              <a:rPr lang="tr-TR" dirty="0" err="1"/>
-              <a:t>Results</a:t>
+              <a:t> </a:t>
             </a:r>
             <a:endParaRPr lang="en-US" dirty="0"/>
           </a:p>
@@ -24531,147 +26868,100 @@
           </a:p>
         </p:txBody>
       </p:sp>
-      <p:sp>
-        <p:nvSpPr>
-          <p:cNvPr id="344" name="Google Shape;344;p26"/>
-          <p:cNvSpPr txBox="1"/>
+      <p:pic>
+        <p:nvPicPr>
+          <p:cNvPr id="4" name="Resim 3">
+            <a:extLst>
+              <a:ext uri="{FF2B5EF4-FFF2-40B4-BE49-F238E27FC236}">
+                <a16:creationId xmlns:a16="http://schemas.microsoft.com/office/drawing/2014/main" id="{8A6F2B09-2D14-FD69-DCD7-C6AD038A44EC}"/>
+              </a:ext>
+            </a:extLst>
+          </p:cNvPr>
+          <p:cNvPicPr>
+            <a:picLocks noChangeAspect="1"/>
+          </p:cNvPicPr>
           <p:nvPr/>
-        </p:nvSpPr>
+        </p:nvPicPr>
+        <p:blipFill>
+          <a:blip r:embed="rId3"/>
+          <a:stretch>
+            <a:fillRect/>
+          </a:stretch>
+        </p:blipFill>
         <p:spPr>
           <a:xfrm>
-            <a:off x="1073247" y="1201213"/>
-            <a:ext cx="10045505" cy="5083277"/>
+            <a:off x="255225" y="1563442"/>
+            <a:ext cx="6136906" cy="3960000"/>
           </a:xfrm>
           <a:prstGeom prst="rect">
             <a:avLst/>
           </a:prstGeom>
-          <a:noFill/>
-          <a:ln>
-            <a:noFill/>
-          </a:ln>
         </p:spPr>
-        <p:txBody>
-          <a:bodyPr spcFirstLastPara="1" wrap="square" lIns="91425" tIns="45700" rIns="91425" bIns="45700" anchor="t" anchorCtr="0">
-            <a:normAutofit/>
-          </a:bodyPr>
-          <a:lstStyle/>
-          <a:p>
-            <a:pPr marL="941832" marR="0" lvl="1" indent="-342900" algn="just" rtl="0">
-              <a:lnSpc>
-                <a:spcPct val="110000"/>
-              </a:lnSpc>
-              <a:spcBef>
-                <a:spcPts val="600"/>
-              </a:spcBef>
-              <a:spcAft>
-                <a:spcPts val="0"/>
-              </a:spcAft>
-              <a:buClr>
-                <a:schemeClr val="accent1"/>
-              </a:buClr>
-              <a:buSzPct val="119999"/>
-              <a:buFont typeface="Arial" panose="020B0604020202020204" pitchFamily="34" charset="0"/>
-              <a:buChar char="•"/>
-            </a:pPr>
-            <a:endParaRPr lang="tr-TR" sz="2400" dirty="0">
-              <a:solidFill>
-                <a:schemeClr val="dk1"/>
-              </a:solidFill>
-              <a:latin typeface="+mj-lt"/>
-            </a:endParaRPr>
-          </a:p>
-          <a:p>
-            <a:pPr marL="941832" marR="0" lvl="1" indent="-342900" algn="just" rtl="0">
-              <a:lnSpc>
-                <a:spcPct val="110000"/>
-              </a:lnSpc>
-              <a:spcBef>
-                <a:spcPts val="600"/>
-              </a:spcBef>
-              <a:spcAft>
-                <a:spcPts val="0"/>
-              </a:spcAft>
-              <a:buClr>
-                <a:schemeClr val="accent1"/>
-              </a:buClr>
-              <a:buSzPct val="119999"/>
-              <a:buFont typeface="Arial" panose="020B0604020202020204" pitchFamily="34" charset="0"/>
-              <a:buChar char="•"/>
-            </a:pPr>
-            <a:endParaRPr lang="tr-TR" sz="2400" dirty="0">
-              <a:solidFill>
-                <a:schemeClr val="dk1"/>
-              </a:solidFill>
-              <a:latin typeface="+mj-lt"/>
-            </a:endParaRPr>
-          </a:p>
-          <a:p>
-            <a:pPr marL="941832" marR="0" lvl="1" indent="-342900" algn="just" rtl="0">
-              <a:lnSpc>
-                <a:spcPct val="110000"/>
-              </a:lnSpc>
-              <a:spcBef>
-                <a:spcPts val="600"/>
-              </a:spcBef>
-              <a:spcAft>
-                <a:spcPts val="0"/>
-              </a:spcAft>
-              <a:buClr>
-                <a:schemeClr val="accent1"/>
-              </a:buClr>
-              <a:buSzPct val="119999"/>
-              <a:buFont typeface="Arial" panose="020B0604020202020204" pitchFamily="34" charset="0"/>
-              <a:buChar char="•"/>
-            </a:pPr>
-            <a:endParaRPr sz="2400" b="0" i="0" u="none" strike="noStrike" cap="none" dirty="0">
-              <a:solidFill>
-                <a:schemeClr val="dk1"/>
-              </a:solidFill>
-              <a:latin typeface="+mj-lt"/>
-              <a:ea typeface="Arial"/>
-              <a:cs typeface="Arial"/>
-              <a:sym typeface="Arial"/>
-            </a:endParaRPr>
-          </a:p>
-        </p:txBody>
-      </p:sp>
+      </p:pic>
       <p:pic>
         <p:nvPicPr>
-          <p:cNvPr id="2" name="Google Shape;240;p16">
+          <p:cNvPr id="7" name="Resim 6">
             <a:extLst>
               <a:ext uri="{FF2B5EF4-FFF2-40B4-BE49-F238E27FC236}">
-                <a16:creationId xmlns:a16="http://schemas.microsoft.com/office/drawing/2014/main" id="{78C8A8E2-C991-6EFB-E31B-2A29FE52977A}"/>
+                <a16:creationId xmlns:a16="http://schemas.microsoft.com/office/drawing/2014/main" id="{796E657F-7EC7-B3FB-830B-9D1528B51484}"/>
               </a:ext>
             </a:extLst>
           </p:cNvPr>
-          <p:cNvPicPr preferRelativeResize="0"/>
+          <p:cNvPicPr>
+            <a:picLocks noChangeAspect="1"/>
+          </p:cNvPicPr>
           <p:nvPr/>
         </p:nvPicPr>
-        <p:blipFill rotWithShape="1">
-          <a:blip r:embed="rId3">
-            <a:alphaModFix/>
-          </a:blip>
-          <a:srcRect/>
-          <a:stretch/>
+        <p:blipFill>
+          <a:blip r:embed="rId4"/>
+          <a:stretch>
+            <a:fillRect/>
+          </a:stretch>
         </p:blipFill>
         <p:spPr>
           <a:xfrm>
-            <a:off x="1272687" y="1037537"/>
-            <a:ext cx="9646625" cy="5112711"/>
+            <a:off x="6472240" y="1037991"/>
+            <a:ext cx="4728795" cy="2520000"/>
           </a:xfrm>
           <a:prstGeom prst="rect">
             <a:avLst/>
           </a:prstGeom>
-          <a:noFill/>
-          <a:ln>
-            <a:noFill/>
-          </a:ln>
+        </p:spPr>
+      </p:pic>
+      <p:pic>
+        <p:nvPicPr>
+          <p:cNvPr id="9" name="Resim 8">
+            <a:extLst>
+              <a:ext uri="{FF2B5EF4-FFF2-40B4-BE49-F238E27FC236}">
+                <a16:creationId xmlns:a16="http://schemas.microsoft.com/office/drawing/2014/main" id="{BE71A342-E89A-3BFE-DAC6-33E7ACAE9FC7}"/>
+              </a:ext>
+            </a:extLst>
+          </p:cNvPr>
+          <p:cNvPicPr>
+            <a:picLocks noChangeAspect="1"/>
+          </p:cNvPicPr>
+          <p:nvPr/>
+        </p:nvPicPr>
+        <p:blipFill>
+          <a:blip r:embed="rId5"/>
+          <a:stretch>
+            <a:fillRect/>
+          </a:stretch>
+        </p:blipFill>
+        <p:spPr>
+          <a:xfrm>
+            <a:off x="6472240" y="3557991"/>
+            <a:ext cx="4808904" cy="2340000"/>
+          </a:xfrm>
+          <a:prstGeom prst="rect">
+            <a:avLst/>
+          </a:prstGeom>
         </p:spPr>
       </p:pic>
     </p:spTree>
     <p:extLst>
       <p:ext uri="{BB962C8B-B14F-4D97-AF65-F5344CB8AC3E}">
-        <p14:creationId xmlns:p14="http://schemas.microsoft.com/office/powerpoint/2010/main" val="4049533696"/>
+        <p14:creationId xmlns:p14="http://schemas.microsoft.com/office/powerpoint/2010/main" val="1882976052"/>
       </p:ext>
     </p:extLst>
   </p:cSld>
@@ -24748,7 +27038,7 @@
             </a:pPr>
             <a:r>
               <a:rPr lang="tr-TR" dirty="0"/>
-              <a:t>Literature-2 </a:t>
+              <a:t>Literature-1 </a:t>
             </a:r>
             <a:r>
               <a:rPr lang="tr-TR" dirty="0" err="1"/>
@@ -24931,32 +27221,32 @@
           </a:bodyPr>
           <a:lstStyle/>
           <a:p>
-            <a:pPr marL="941832" marR="0" lvl="1" indent="-342900" algn="just" rtl="0">
+            <a:pPr marL="342900" lvl="0" indent="-342900" algn="l" rtl="0">
               <a:lnSpc>
                 <a:spcPct val="110000"/>
               </a:lnSpc>
               <a:spcBef>
-                <a:spcPts val="600"/>
-              </a:spcBef>
-              <a:spcAft>
-                <a:spcPts val="0"/>
-              </a:spcAft>
-              <a:buClr>
-                <a:schemeClr val="accent1"/>
-              </a:buClr>
-              <a:buSzPct val="119999"/>
+                <a:spcPts val="0"/>
+              </a:spcBef>
+              <a:spcAft>
+                <a:spcPts val="0"/>
+              </a:spcAft>
+              <a:buSzPts val="3360"/>
               <a:buFont typeface="Arial" panose="020B0604020202020204" pitchFamily="34" charset="0"/>
               <a:buChar char="•"/>
             </a:pPr>
-            <a:endParaRPr lang="tr-TR" sz="2400" dirty="0">
-              <a:solidFill>
-                <a:schemeClr val="dk1"/>
-              </a:solidFill>
-              <a:latin typeface="+mj-lt"/>
-            </a:endParaRPr>
-          </a:p>
-          <a:p>
-            <a:pPr marL="941832" marR="0" lvl="1" indent="-342900" algn="just" rtl="0">
+            <a:r>
+              <a:rPr lang="en-US" sz="2400" dirty="0">
+                <a:latin typeface="+mn-lt"/>
+                <a:ea typeface="Calibri"/>
+                <a:cs typeface="Calibri"/>
+                <a:sym typeface="Calibri"/>
+              </a:rPr>
+              <a:t>Specific Focus</a:t>
+            </a:r>
+          </a:p>
+          <a:p>
+            <a:pPr marL="685800" lvl="1" indent="-228600" algn="just" rtl="0">
               <a:lnSpc>
                 <a:spcPct val="110000"/>
               </a:lnSpc>
@@ -24966,68 +27256,163 @@
               <a:spcAft>
                 <a:spcPts val="0"/>
               </a:spcAft>
-              <a:buClr>
-                <a:schemeClr val="accent1"/>
-              </a:buClr>
-              <a:buSzPct val="119999"/>
-              <a:buFont typeface="Arial" panose="020B0604020202020204" pitchFamily="34" charset="0"/>
+              <a:buSzPts val="2880"/>
               <a:buChar char="•"/>
             </a:pPr>
-            <a:endParaRPr lang="tr-TR" sz="2400" dirty="0">
-              <a:solidFill>
-                <a:schemeClr val="dk1"/>
-              </a:solidFill>
-              <a:latin typeface="+mj-lt"/>
-            </a:endParaRPr>
-          </a:p>
-          <a:p>
-            <a:pPr marL="941832" marR="0" lvl="1" indent="-342900" algn="just" rtl="0">
+            <a:r>
+              <a:rPr lang="en-US" sz="2400" dirty="0">
+                <a:latin typeface="+mn-lt"/>
+                <a:ea typeface="Calibri"/>
+                <a:cs typeface="Calibri"/>
+                <a:sym typeface="Calibri"/>
+              </a:rPr>
+              <a:t>Deep dive into the accuracy and precision of attitude control using intelligent flight controllers trained with RL.</a:t>
+            </a:r>
+          </a:p>
+          <a:p>
+            <a:pPr marL="228600" lvl="0" indent="-228600" algn="l" rtl="0">
               <a:lnSpc>
                 <a:spcPct val="110000"/>
               </a:lnSpc>
               <a:spcBef>
-                <a:spcPts val="600"/>
-              </a:spcBef>
-              <a:spcAft>
-                <a:spcPts val="0"/>
-              </a:spcAft>
-              <a:buClr>
-                <a:schemeClr val="accent1"/>
-              </a:buClr>
-              <a:buSzPct val="119999"/>
-              <a:buFont typeface="Arial" panose="020B0604020202020204" pitchFamily="34" charset="0"/>
+                <a:spcPts val="1000"/>
+              </a:spcBef>
+              <a:spcAft>
+                <a:spcPts val="0"/>
+              </a:spcAft>
+              <a:buSzPts val="3360"/>
               <a:buChar char="•"/>
             </a:pPr>
-            <a:endParaRPr sz="2400" b="0" i="0" u="none" strike="noStrike" cap="none" dirty="0">
-              <a:solidFill>
-                <a:schemeClr val="dk1"/>
-              </a:solidFill>
-              <a:latin typeface="+mj-lt"/>
-              <a:ea typeface="Arial"/>
-              <a:cs typeface="Arial"/>
-              <a:sym typeface="Arial"/>
+            <a:r>
+              <a:rPr lang="en-US" sz="2400" dirty="0">
+                <a:latin typeface="+mn-lt"/>
+                <a:ea typeface="Calibri"/>
+                <a:cs typeface="Calibri"/>
+                <a:sym typeface="Calibri"/>
+              </a:rPr>
+              <a:t>Training Environment</a:t>
+            </a:r>
+            <a:endParaRPr lang="en-US" sz="2400" dirty="0">
+              <a:latin typeface="+mn-lt"/>
+            </a:endParaRPr>
+          </a:p>
+          <a:p>
+            <a:pPr marL="685800" lvl="1" indent="-228600" algn="just" rtl="0">
+              <a:lnSpc>
+                <a:spcPct val="110000"/>
+              </a:lnSpc>
+              <a:spcBef>
+                <a:spcPts val="600"/>
+              </a:spcBef>
+              <a:spcAft>
+                <a:spcPts val="0"/>
+              </a:spcAft>
+              <a:buSzPts val="2880"/>
+              <a:buChar char="•"/>
+            </a:pPr>
+            <a:r>
+              <a:rPr lang="en-US" sz="2400" dirty="0">
+                <a:latin typeface="+mn-lt"/>
+                <a:ea typeface="Calibri"/>
+                <a:cs typeface="Calibri"/>
+                <a:sym typeface="Calibri"/>
+              </a:rPr>
+              <a:t>Introduction of </a:t>
+            </a:r>
+            <a:r>
+              <a:rPr lang="en-US" sz="2400" dirty="0" err="1">
+                <a:latin typeface="+mn-lt"/>
+                <a:ea typeface="Calibri"/>
+                <a:cs typeface="Calibri"/>
+                <a:sym typeface="Calibri"/>
+              </a:rPr>
+              <a:t>GymFC</a:t>
+            </a:r>
+            <a:r>
+              <a:rPr lang="en-US" sz="2400" dirty="0">
+                <a:latin typeface="+mn-lt"/>
+                <a:ea typeface="Calibri"/>
+                <a:cs typeface="Calibri"/>
+                <a:sym typeface="Calibri"/>
+              </a:rPr>
+              <a:t>, an OpenAI Environment, designed for training intelligent flight control systems.</a:t>
+            </a:r>
+            <a:endParaRPr lang="en-US" sz="2400" dirty="0">
+              <a:latin typeface="+mn-lt"/>
+            </a:endParaRPr>
+          </a:p>
+          <a:p>
+            <a:pPr marL="228600" lvl="0" indent="-228600" algn="l" rtl="0">
+              <a:lnSpc>
+                <a:spcPct val="110000"/>
+              </a:lnSpc>
+              <a:spcBef>
+                <a:spcPts val="1000"/>
+              </a:spcBef>
+              <a:spcAft>
+                <a:spcPts val="0"/>
+              </a:spcAft>
+              <a:buSzPts val="3360"/>
+              <a:buChar char="•"/>
+            </a:pPr>
+            <a:r>
+              <a:rPr lang="en-US" sz="2400" dirty="0">
+                <a:latin typeface="+mn-lt"/>
+                <a:ea typeface="Calibri"/>
+                <a:cs typeface="Calibri"/>
+                <a:sym typeface="Calibri"/>
+              </a:rPr>
+              <a:t>RL Application</a:t>
+            </a:r>
+            <a:endParaRPr lang="en-US" sz="2400" dirty="0">
+              <a:latin typeface="+mn-lt"/>
+            </a:endParaRPr>
+          </a:p>
+          <a:p>
+            <a:pPr marL="685800" lvl="1" indent="-228600" algn="just" rtl="0">
+              <a:lnSpc>
+                <a:spcPct val="110000"/>
+              </a:lnSpc>
+              <a:spcBef>
+                <a:spcPts val="600"/>
+              </a:spcBef>
+              <a:spcAft>
+                <a:spcPts val="0"/>
+              </a:spcAft>
+              <a:buSzPts val="2880"/>
+              <a:buChar char="•"/>
+            </a:pPr>
+            <a:r>
+              <a:rPr lang="en-US" sz="2400" dirty="0">
+                <a:latin typeface="+mn-lt"/>
+                <a:ea typeface="Calibri"/>
+                <a:cs typeface="Calibri"/>
+                <a:sym typeface="Calibri"/>
+              </a:rPr>
+              <a:t>Application of RL algorithms for attitude control and their potential transfer to physical hardware.</a:t>
+            </a:r>
+            <a:endParaRPr lang="en-US" sz="2400" dirty="0">
+              <a:latin typeface="+mn-lt"/>
             </a:endParaRPr>
           </a:p>
         </p:txBody>
       </p:sp>
       <p:sp>
         <p:nvSpPr>
-          <p:cNvPr id="2" name="Google Shape;247;p17">
+          <p:cNvPr id="2" name="Google Shape;220;p14">
             <a:extLst>
               <a:ext uri="{FF2B5EF4-FFF2-40B4-BE49-F238E27FC236}">
-                <a16:creationId xmlns:a16="http://schemas.microsoft.com/office/drawing/2014/main" id="{FC7680D6-0DB2-1B25-79B6-EA4AD305D008}"/>
+                <a16:creationId xmlns:a16="http://schemas.microsoft.com/office/drawing/2014/main" id="{F8381E29-094D-62B2-B55E-8B02366270D5}"/>
               </a:ext>
             </a:extLst>
           </p:cNvPr>
-          <p:cNvSpPr txBox="1">
-            <a:spLocks/>
-          </p:cNvSpPr>
+          <p:cNvSpPr txBox="1"/>
           <p:nvPr/>
         </p:nvSpPr>
         <p:spPr>
           <a:xfrm>
-            <a:off x="730044" y="1127535"/>
-            <a:ext cx="11176820" cy="4208554"/>
+            <a:off x="436921" y="5853797"/>
+            <a:ext cx="11391286" cy="646331"/>
           </a:xfrm>
           <a:prstGeom prst="rect">
             <a:avLst/>
@@ -25039,24 +27424,11 @@
         </p:spPr>
         <p:txBody>
           <a:bodyPr spcFirstLastPara="1" wrap="square" lIns="91425" tIns="45700" rIns="91425" bIns="45700" anchor="t" anchorCtr="0">
-            <a:normAutofit/>
+            <a:spAutoFit/>
           </a:bodyPr>
-          <a:lstStyle>
-            <a:defPPr marR="0" lvl="0" algn="l" rtl="0">
-              <a:lnSpc>
-                <a:spcPct val="100000"/>
-              </a:lnSpc>
-              <a:spcBef>
-                <a:spcPts val="0"/>
-              </a:spcBef>
-              <a:spcAft>
-                <a:spcPts val="0"/>
-              </a:spcAft>
-            </a:defPPr>
-            <a:lvl1pPr marR="0" lvl="0" algn="l" rtl="0">
-              <a:lnSpc>
-                <a:spcPct val="100000"/>
-              </a:lnSpc>
+          <a:lstStyle/>
+          <a:p>
+            <a:pPr marL="0" marR="0" lvl="0" indent="0" algn="l" rtl="0">
               <a:spcBef>
                 <a:spcPts val="0"/>
               </a:spcBef>
@@ -25064,385 +27436,64 @@
                 <a:spcPts val="0"/>
               </a:spcAft>
               <a:buClr>
-                <a:srgbClr val="000000"/>
+                <a:srgbClr val="222222"/>
               </a:buClr>
+              <a:buSzPts val="1800"/>
               <a:buFont typeface="Arial"/>
-              <a:defRPr sz="1400" b="0" i="0" u="none" strike="noStrike" cap="none">
+              <a:buNone/>
+            </a:pPr>
+            <a:r>
+              <a:rPr lang="en-US" sz="1800" b="0" i="0" u="none" strike="noStrike" cap="none" dirty="0">
                 <a:solidFill>
-                  <a:srgbClr val="000000"/>
+                  <a:srgbClr val="222222"/>
                 </a:solidFill>
                 <a:latin typeface="Arial"/>
                 <a:ea typeface="Arial"/>
                 <a:cs typeface="Arial"/>
                 <a:sym typeface="Arial"/>
-              </a:defRPr>
-            </a:lvl1pPr>
-            <a:lvl2pPr marR="0" lvl="1" algn="l" rtl="0">
-              <a:lnSpc>
-                <a:spcPct val="100000"/>
-              </a:lnSpc>
-              <a:spcBef>
-                <a:spcPts val="0"/>
-              </a:spcBef>
-              <a:spcAft>
-                <a:spcPts val="0"/>
-              </a:spcAft>
-              <a:buClr>
-                <a:srgbClr val="000000"/>
-              </a:buClr>
-              <a:buFont typeface="Arial"/>
-              <a:defRPr sz="1400" b="0" i="0" u="none" strike="noStrike" cap="none">
+              </a:rPr>
+              <a:t>Koch, William, et al. "Reinforcement learning for UAV attitude control." </a:t>
+            </a:r>
+            <a:r>
+              <a:rPr lang="en-US" sz="1800" b="0" i="1" u="none" strike="noStrike" cap="none" dirty="0">
                 <a:solidFill>
-                  <a:srgbClr val="000000"/>
+                  <a:srgbClr val="222222"/>
                 </a:solidFill>
                 <a:latin typeface="Arial"/>
                 <a:ea typeface="Arial"/>
                 <a:cs typeface="Arial"/>
                 <a:sym typeface="Arial"/>
-              </a:defRPr>
-            </a:lvl2pPr>
-            <a:lvl3pPr marR="0" lvl="2" algn="l" rtl="0">
-              <a:lnSpc>
-                <a:spcPct val="100000"/>
-              </a:lnSpc>
-              <a:spcBef>
-                <a:spcPts val="0"/>
-              </a:spcBef>
-              <a:spcAft>
-                <a:spcPts val="0"/>
-              </a:spcAft>
-              <a:buClr>
-                <a:srgbClr val="000000"/>
-              </a:buClr>
-              <a:buFont typeface="Arial"/>
-              <a:defRPr sz="1400" b="0" i="0" u="none" strike="noStrike" cap="none">
+              </a:rPr>
+              <a:t>ACM Transactions on Cyber-Physical Systems</a:t>
+            </a:r>
+            <a:r>
+              <a:rPr lang="en-US" sz="1800" b="0" i="0" u="none" strike="noStrike" cap="none" dirty="0">
                 <a:solidFill>
-                  <a:srgbClr val="000000"/>
+                  <a:srgbClr val="222222"/>
                 </a:solidFill>
                 <a:latin typeface="Arial"/>
                 <a:ea typeface="Arial"/>
                 <a:cs typeface="Arial"/>
                 <a:sym typeface="Arial"/>
-              </a:defRPr>
-            </a:lvl3pPr>
-            <a:lvl4pPr marR="0" lvl="3" algn="l" rtl="0">
-              <a:lnSpc>
-                <a:spcPct val="100000"/>
-              </a:lnSpc>
-              <a:spcBef>
-                <a:spcPts val="0"/>
-              </a:spcBef>
-              <a:spcAft>
-                <a:spcPts val="0"/>
-              </a:spcAft>
-              <a:buClr>
-                <a:srgbClr val="000000"/>
-              </a:buClr>
-              <a:buFont typeface="Arial"/>
-              <a:defRPr sz="1400" b="0" i="0" u="none" strike="noStrike" cap="none">
-                <a:solidFill>
-                  <a:srgbClr val="000000"/>
-                </a:solidFill>
-                <a:latin typeface="Arial"/>
-                <a:ea typeface="Arial"/>
-                <a:cs typeface="Arial"/>
-                <a:sym typeface="Arial"/>
-              </a:defRPr>
-            </a:lvl4pPr>
-            <a:lvl5pPr marR="0" lvl="4" algn="l" rtl="0">
-              <a:lnSpc>
-                <a:spcPct val="100000"/>
-              </a:lnSpc>
-              <a:spcBef>
-                <a:spcPts val="0"/>
-              </a:spcBef>
-              <a:spcAft>
-                <a:spcPts val="0"/>
-              </a:spcAft>
-              <a:buClr>
-                <a:srgbClr val="000000"/>
-              </a:buClr>
-              <a:buFont typeface="Arial"/>
-              <a:defRPr sz="1400" b="0" i="0" u="none" strike="noStrike" cap="none">
-                <a:solidFill>
-                  <a:srgbClr val="000000"/>
-                </a:solidFill>
-                <a:latin typeface="Arial"/>
-                <a:ea typeface="Arial"/>
-                <a:cs typeface="Arial"/>
-                <a:sym typeface="Arial"/>
-              </a:defRPr>
-            </a:lvl5pPr>
-            <a:lvl6pPr marR="0" lvl="5" algn="l" rtl="0">
-              <a:lnSpc>
-                <a:spcPct val="100000"/>
-              </a:lnSpc>
-              <a:spcBef>
-                <a:spcPts val="0"/>
-              </a:spcBef>
-              <a:spcAft>
-                <a:spcPts val="0"/>
-              </a:spcAft>
-              <a:buClr>
-                <a:srgbClr val="000000"/>
-              </a:buClr>
-              <a:buFont typeface="Arial"/>
-              <a:defRPr sz="1400" b="0" i="0" u="none" strike="noStrike" cap="none">
-                <a:solidFill>
-                  <a:srgbClr val="000000"/>
-                </a:solidFill>
-                <a:latin typeface="Arial"/>
-                <a:ea typeface="Arial"/>
-                <a:cs typeface="Arial"/>
-                <a:sym typeface="Arial"/>
-              </a:defRPr>
-            </a:lvl6pPr>
-            <a:lvl7pPr marR="0" lvl="6" algn="l" rtl="0">
-              <a:lnSpc>
-                <a:spcPct val="100000"/>
-              </a:lnSpc>
-              <a:spcBef>
-                <a:spcPts val="0"/>
-              </a:spcBef>
-              <a:spcAft>
-                <a:spcPts val="0"/>
-              </a:spcAft>
-              <a:buClr>
-                <a:srgbClr val="000000"/>
-              </a:buClr>
-              <a:buFont typeface="Arial"/>
-              <a:defRPr sz="1400" b="0" i="0" u="none" strike="noStrike" cap="none">
-                <a:solidFill>
-                  <a:srgbClr val="000000"/>
-                </a:solidFill>
-                <a:latin typeface="Arial"/>
-                <a:ea typeface="Arial"/>
-                <a:cs typeface="Arial"/>
-                <a:sym typeface="Arial"/>
-              </a:defRPr>
-            </a:lvl7pPr>
-            <a:lvl8pPr marR="0" lvl="7" algn="l" rtl="0">
-              <a:lnSpc>
-                <a:spcPct val="100000"/>
-              </a:lnSpc>
-              <a:spcBef>
-                <a:spcPts val="0"/>
-              </a:spcBef>
-              <a:spcAft>
-                <a:spcPts val="0"/>
-              </a:spcAft>
-              <a:buClr>
-                <a:srgbClr val="000000"/>
-              </a:buClr>
-              <a:buFont typeface="Arial"/>
-              <a:defRPr sz="1400" b="0" i="0" u="none" strike="noStrike" cap="none">
-                <a:solidFill>
-                  <a:srgbClr val="000000"/>
-                </a:solidFill>
-                <a:latin typeface="Arial"/>
-                <a:ea typeface="Arial"/>
-                <a:cs typeface="Arial"/>
-                <a:sym typeface="Arial"/>
-              </a:defRPr>
-            </a:lvl8pPr>
-            <a:lvl9pPr marR="0" lvl="8" algn="l" rtl="0">
-              <a:lnSpc>
-                <a:spcPct val="100000"/>
-              </a:lnSpc>
-              <a:spcBef>
-                <a:spcPts val="0"/>
-              </a:spcBef>
-              <a:spcAft>
-                <a:spcPts val="0"/>
-              </a:spcAft>
-              <a:buClr>
-                <a:srgbClr val="000000"/>
-              </a:buClr>
-              <a:buFont typeface="Arial"/>
-              <a:defRPr sz="1400" b="0" i="0" u="none" strike="noStrike" cap="none">
-                <a:solidFill>
-                  <a:srgbClr val="000000"/>
-                </a:solidFill>
-                <a:latin typeface="Arial"/>
-                <a:ea typeface="Arial"/>
-                <a:cs typeface="Arial"/>
-                <a:sym typeface="Arial"/>
-              </a:defRPr>
-            </a:lvl9pPr>
-          </a:lstStyle>
-          <a:p>
-            <a:pPr marL="228600" indent="-228600">
-              <a:lnSpc>
-                <a:spcPct val="110000"/>
-              </a:lnSpc>
-              <a:buSzPts val="3360"/>
-              <a:buFont typeface="Arial"/>
-              <a:buChar char="•"/>
-            </a:pPr>
-            <a:r>
-              <a:rPr lang="en-US" sz="2400" dirty="0">
-                <a:latin typeface="+mn-lt"/>
-                <a:ea typeface="Calibri"/>
-                <a:cs typeface="Calibri"/>
-                <a:sym typeface="Calibri"/>
               </a:rPr>
-              <a:t>Specific Focus</a:t>
-            </a:r>
-          </a:p>
-          <a:p>
-            <a:pPr marL="685800" lvl="1" indent="-228600" algn="just">
-              <a:lnSpc>
-                <a:spcPct val="110000"/>
-              </a:lnSpc>
-              <a:spcBef>
-                <a:spcPts val="600"/>
-              </a:spcBef>
-              <a:buSzPts val="2880"/>
-              <a:buFont typeface="Arial"/>
-              <a:buChar char="•"/>
-            </a:pPr>
-            <a:r>
-              <a:rPr lang="en-US" sz="2400" dirty="0">
-                <a:latin typeface="+mn-lt"/>
-              </a:rPr>
-              <a:t>Controlling the quadcopter by using DDPG &amp; D4PG RL algorithms.</a:t>
-            </a:r>
-          </a:p>
-          <a:p>
-            <a:pPr marL="228600" indent="-228600">
-              <a:lnSpc>
-                <a:spcPct val="110000"/>
-              </a:lnSpc>
-              <a:spcBef>
-                <a:spcPts val="1000"/>
-              </a:spcBef>
-              <a:buSzPts val="3360"/>
-              <a:buFont typeface="Arial"/>
-              <a:buChar char="•"/>
-            </a:pPr>
-            <a:r>
-              <a:rPr lang="en-US" sz="2400" dirty="0">
-                <a:latin typeface="+mn-lt"/>
-                <a:ea typeface="Calibri"/>
-                <a:cs typeface="Calibri"/>
-                <a:sym typeface="Calibri"/>
-              </a:rPr>
-              <a:t>Training Environment</a:t>
-            </a:r>
-            <a:endParaRPr lang="en-US" sz="2400" dirty="0">
-              <a:latin typeface="+mn-lt"/>
+              <a:t> 3.2 (2019): 1-21.</a:t>
+            </a:r>
+            <a:endParaRPr sz="1800" b="0" i="0" u="none" strike="noStrike" cap="none" dirty="0">
+              <a:solidFill>
+                <a:srgbClr val="222222"/>
+              </a:solidFill>
+              <a:latin typeface="Arial"/>
+              <a:ea typeface="Arial"/>
+              <a:cs typeface="Arial"/>
+              <a:sym typeface="Arial"/>
             </a:endParaRPr>
-          </a:p>
-          <a:p>
-            <a:pPr marL="685800" lvl="1" indent="-228600" algn="just">
-              <a:lnSpc>
-                <a:spcPct val="110000"/>
-              </a:lnSpc>
-              <a:spcBef>
-                <a:spcPts val="600"/>
-              </a:spcBef>
-              <a:buSzPts val="2880"/>
-              <a:buFont typeface="Arial"/>
-              <a:buChar char="•"/>
-            </a:pPr>
-            <a:r>
-              <a:rPr lang="en-US" sz="2400" dirty="0" err="1">
-                <a:latin typeface="+mn-lt"/>
-                <a:ea typeface="Calibri"/>
-                <a:cs typeface="Calibri"/>
-                <a:sym typeface="Calibri"/>
-              </a:rPr>
-              <a:t>GymFC</a:t>
-            </a:r>
-            <a:r>
-              <a:rPr lang="en-US" sz="2400" dirty="0">
-                <a:latin typeface="+mn-lt"/>
-                <a:ea typeface="Calibri"/>
-                <a:cs typeface="Calibri"/>
-                <a:sym typeface="Calibri"/>
-              </a:rPr>
-              <a:t> for training intelligent flight control of quadcopter.</a:t>
-            </a:r>
-          </a:p>
-          <a:p>
-            <a:pPr marL="228600" indent="-228600">
-              <a:lnSpc>
-                <a:spcPct val="110000"/>
-              </a:lnSpc>
-              <a:spcBef>
-                <a:spcPts val="1000"/>
-              </a:spcBef>
-              <a:buSzPts val="3360"/>
-              <a:buFont typeface="Arial"/>
-              <a:buChar char="•"/>
-            </a:pPr>
-            <a:r>
-              <a:rPr lang="en-US" sz="2400" dirty="0">
-                <a:latin typeface="+mn-lt"/>
-                <a:ea typeface="Calibri"/>
-                <a:cs typeface="Calibri"/>
-                <a:sym typeface="Calibri"/>
-              </a:rPr>
-              <a:t>RL Application</a:t>
-            </a:r>
-            <a:endParaRPr lang="en-US" sz="2400" dirty="0">
-              <a:latin typeface="+mn-lt"/>
-            </a:endParaRPr>
-          </a:p>
-          <a:p>
-            <a:pPr marL="685800" lvl="1" indent="-228600" algn="just">
-              <a:lnSpc>
-                <a:spcPct val="110000"/>
-              </a:lnSpc>
-              <a:spcBef>
-                <a:spcPts val="600"/>
-              </a:spcBef>
-              <a:buSzPts val="2880"/>
-              <a:buFont typeface="Arial"/>
-              <a:buChar char="•"/>
-            </a:pPr>
-            <a:r>
-              <a:rPr lang="en-US" sz="2400" dirty="0">
-                <a:latin typeface="+mn-lt"/>
-                <a:ea typeface="Calibri"/>
-                <a:cs typeface="Calibri"/>
-                <a:sym typeface="Calibri"/>
-              </a:rPr>
-              <a:t>Comparative analysis of the performance of DDPG &amp;D4PG </a:t>
-            </a:r>
-            <a:endParaRPr lang="tr-TR" sz="2400" dirty="0">
-              <a:latin typeface="+mn-lt"/>
-              <a:ea typeface="Calibri"/>
-              <a:cs typeface="Calibri"/>
-              <a:sym typeface="Calibri"/>
-            </a:endParaRPr>
-          </a:p>
-          <a:p>
-            <a:pPr marL="457200" lvl="1" algn="just">
-              <a:lnSpc>
-                <a:spcPct val="110000"/>
-              </a:lnSpc>
-              <a:spcBef>
-                <a:spcPts val="600"/>
-              </a:spcBef>
-              <a:buSzPts val="2880"/>
-            </a:pPr>
-            <a:r>
-              <a:rPr lang="en-US" sz="2400" dirty="0">
-                <a:latin typeface="+mn-lt"/>
-                <a:ea typeface="Calibri"/>
-                <a:cs typeface="Calibri"/>
-                <a:sym typeface="Calibri"/>
-              </a:rPr>
-              <a:t>algorithms in terms of reward generation, actor loss, and critic performance.</a:t>
-            </a:r>
           </a:p>
         </p:txBody>
       </p:sp>
     </p:spTree>
     <p:extLst>
       <p:ext uri="{BB962C8B-B14F-4D97-AF65-F5344CB8AC3E}">
-        <p14:creationId xmlns:p14="http://schemas.microsoft.com/office/powerpoint/2010/main" val="1469934724"/>
+        <p14:creationId xmlns:p14="http://schemas.microsoft.com/office/powerpoint/2010/main" val="291212169"/>
       </p:ext>
     </p:extLst>
   </p:cSld>

--- a/Presentations/Project_Final.pptx
+++ b/Presentations/Project_Final.pptx
@@ -332,7 +332,7 @@
       <p15:sldGuideLst xmlns:p15="http://schemas.microsoft.com/office/powerpoint/2012/main"/>
     </p:ext>
     <p:ext uri="GoogleSlidesCustomDataVersion2">
-      <go:slidesCustomData xmlns:go="http://customooxmlschemas.google.com/" xmlns:ahyp="http://schemas.microsoft.com/office/drawing/2018/hyperlinkcolor" xmlns:p15="http://schemas.microsoft.com/office/powerpoint/2012/main" xmlns:p14="http://schemas.microsoft.com/office/powerpoint/2010/main" xmlns:com="http://schemas.openxmlformats.org/drawingml/2006/compatibility" xmlns:pvml="urn:schemas-microsoft-com:office:powerpoint" xmlns:v="urn:schemas-microsoft-com:vml" xmlns:o="urn:schemas-microsoft-com:office:office" xmlns:dgm="http://schemas.openxmlformats.org/drawingml/2006/diagram" xmlns:c="http://schemas.openxmlformats.org/drawingml/2006/chart" xmlns:mv="urn:schemas-microsoft-com:mac:vml" xmlns:mc="http://schemas.openxmlformats.org/markup-compatibility/2006" xmlns="" r:id="rId44" roundtripDataSignature="AMtx7mg5uORYicMT0MeaOpO/20tnanoKVQ=="/>
+      <go:slidesCustomData xmlns="" xmlns:mc="http://schemas.openxmlformats.org/markup-compatibility/2006" xmlns:mv="urn:schemas-microsoft-com:mac:vml" xmlns:c="http://schemas.openxmlformats.org/drawingml/2006/chart" xmlns:dgm="http://schemas.openxmlformats.org/drawingml/2006/diagram" xmlns:o="urn:schemas-microsoft-com:office:office" xmlns:v="urn:schemas-microsoft-com:vml" xmlns:pvml="urn:schemas-microsoft-com:office:powerpoint" xmlns:com="http://schemas.openxmlformats.org/drawingml/2006/compatibility" xmlns:p14="http://schemas.microsoft.com/office/powerpoint/2010/main" xmlns:p15="http://schemas.microsoft.com/office/powerpoint/2012/main" xmlns:ahyp="http://schemas.microsoft.com/office/drawing/2018/hyperlinkcolor" xmlns:go="http://customooxmlschemas.google.com/" r:id="rId44" roundtripDataSignature="AMtx7mg5uORYicMT0MeaOpO/20tnanoKVQ=="/>
     </p:ext>
   </p:extLst>
 </p:presentation>
@@ -2248,6 +2248,343 @@
               </a:spcAft>
               <a:buNone/>
             </a:pPr>
+            <a:r>
+              <a:rPr lang="en-US" noProof="0" dirty="0"/>
+              <a:t>This is the our Project environment at Simulink platform. Each block responsible for different tasks. </a:t>
+            </a:r>
+          </a:p>
+          <a:p>
+            <a:pPr marL="0" lvl="0" indent="0" algn="l" rtl="0">
+              <a:spcBef>
+                <a:spcPts val="0"/>
+              </a:spcBef>
+              <a:spcAft>
+                <a:spcPts val="0"/>
+              </a:spcAft>
+              <a:buNone/>
+            </a:pPr>
+            <a:r>
+              <a:rPr lang="tr-TR" dirty="0" err="1"/>
+              <a:t>Signal</a:t>
+            </a:r>
+            <a:r>
+              <a:rPr lang="tr-TR" dirty="0"/>
+              <a:t> Editor               : </a:t>
+            </a:r>
+            <a:r>
+              <a:rPr lang="tr-TR" b="0" i="0" dirty="0" err="1">
+                <a:solidFill>
+                  <a:schemeClr val="tx1"/>
+                </a:solidFill>
+                <a:latin typeface="+mj-lt"/>
+                <a:cs typeface="Arial"/>
+                <a:sym typeface="Arial"/>
+              </a:rPr>
+              <a:t>It</a:t>
+            </a:r>
+            <a:r>
+              <a:rPr lang="tr-TR" b="0" i="0" dirty="0">
+                <a:solidFill>
+                  <a:schemeClr val="tx1"/>
+                </a:solidFill>
+                <a:latin typeface="+mj-lt"/>
+                <a:cs typeface="Arial"/>
+                <a:sym typeface="Arial"/>
+              </a:rPr>
+              <a:t> g</a:t>
+            </a:r>
+            <a:r>
+              <a:rPr lang="en-US" b="0" i="0" dirty="0" err="1">
+                <a:solidFill>
+                  <a:schemeClr val="tx1"/>
+                </a:solidFill>
+                <a:latin typeface="+mj-lt"/>
+                <a:ea typeface="Arial"/>
+                <a:cs typeface="Arial"/>
+                <a:sym typeface="Arial"/>
+              </a:rPr>
+              <a:t>enerates</a:t>
+            </a:r>
+            <a:r>
+              <a:rPr lang="en-US" b="0" i="0" dirty="0">
+                <a:solidFill>
+                  <a:schemeClr val="tx1"/>
+                </a:solidFill>
+                <a:latin typeface="+mj-lt"/>
+                <a:ea typeface="Arial"/>
+                <a:cs typeface="Arial"/>
+                <a:sym typeface="Arial"/>
+              </a:rPr>
+              <a:t> position and attitude commands</a:t>
+            </a:r>
+            <a:endParaRPr lang="tr-TR" b="0" i="0" dirty="0">
+              <a:solidFill>
+                <a:schemeClr val="tx1"/>
+              </a:solidFill>
+              <a:latin typeface="+mj-lt"/>
+              <a:ea typeface="Arial"/>
+              <a:cs typeface="Arial"/>
+              <a:sym typeface="Arial"/>
+            </a:endParaRPr>
+          </a:p>
+          <a:p>
+            <a:pPr marL="0" lvl="0" indent="0" algn="l" rtl="0">
+              <a:spcBef>
+                <a:spcPts val="0"/>
+              </a:spcBef>
+              <a:spcAft>
+                <a:spcPts val="0"/>
+              </a:spcAft>
+              <a:buNone/>
+            </a:pPr>
+            <a:r>
+              <a:rPr lang="tr-TR" dirty="0" err="1"/>
+              <a:t>Sensors</a:t>
+            </a:r>
+            <a:r>
+              <a:rPr lang="tr-TR" dirty="0"/>
+              <a:t>                       : </a:t>
+            </a:r>
+            <a:r>
+              <a:rPr lang="tr-TR" dirty="0" err="1"/>
+              <a:t>It</a:t>
+            </a:r>
+            <a:r>
+              <a:rPr lang="tr-TR" dirty="0"/>
+              <a:t> </a:t>
+            </a:r>
+            <a:r>
+              <a:rPr lang="en-US" b="0" i="0" dirty="0">
+                <a:solidFill>
+                  <a:schemeClr val="tx1"/>
+                </a:solidFill>
+                <a:latin typeface="+mj-lt"/>
+                <a:ea typeface="Arial"/>
+                <a:cs typeface="Arial"/>
+                <a:sym typeface="Arial"/>
+              </a:rPr>
+              <a:t>includes the model of sensors such as IMU on the quadcopter</a:t>
+            </a:r>
+            <a:endParaRPr lang="tr-TR" dirty="0"/>
+          </a:p>
+          <a:p>
+            <a:pPr marL="0" lvl="0" indent="0" algn="l" rtl="0">
+              <a:spcBef>
+                <a:spcPts val="0"/>
+              </a:spcBef>
+              <a:spcAft>
+                <a:spcPts val="0"/>
+              </a:spcAft>
+              <a:buNone/>
+            </a:pPr>
+            <a:r>
+              <a:rPr lang="tr-TR" dirty="0"/>
+              <a:t>Flight Control </a:t>
+            </a:r>
+            <a:r>
+              <a:rPr lang="tr-TR" dirty="0" err="1"/>
+              <a:t>System</a:t>
+            </a:r>
+            <a:r>
+              <a:rPr lang="tr-TR" dirty="0"/>
+              <a:t> : </a:t>
+            </a:r>
+            <a:r>
+              <a:rPr lang="tr-TR" dirty="0" err="1"/>
+              <a:t>It</a:t>
+            </a:r>
+            <a:r>
+              <a:rPr lang="tr-TR" dirty="0"/>
+              <a:t> </a:t>
+            </a:r>
+            <a:r>
+              <a:rPr lang="en-US" b="0" i="0" dirty="0">
+                <a:solidFill>
+                  <a:schemeClr val="tx1"/>
+                </a:solidFill>
+                <a:latin typeface="+mj-lt"/>
+                <a:ea typeface="Arial"/>
+                <a:cs typeface="Arial"/>
+                <a:sym typeface="Arial"/>
+              </a:rPr>
+              <a:t>is responsible for position and attitude control. Here, we will perform attitude control using RL (Reinforcement Learning)</a:t>
+            </a:r>
+            <a:endParaRPr lang="tr-TR" b="0" i="0" dirty="0">
+              <a:solidFill>
+                <a:schemeClr val="tx1"/>
+              </a:solidFill>
+              <a:latin typeface="+mj-lt"/>
+              <a:ea typeface="Arial"/>
+              <a:cs typeface="Arial"/>
+              <a:sym typeface="Arial"/>
+            </a:endParaRPr>
+          </a:p>
+          <a:p>
+            <a:pPr marL="0" lvl="0" indent="0" algn="l" rtl="0">
+              <a:spcBef>
+                <a:spcPts val="0"/>
+              </a:spcBef>
+              <a:spcAft>
+                <a:spcPts val="0"/>
+              </a:spcAft>
+              <a:buNone/>
+            </a:pPr>
+            <a:r>
+              <a:rPr lang="tr-TR" dirty="0"/>
+              <a:t>Environment               : </a:t>
+            </a:r>
+            <a:r>
+              <a:rPr lang="tr-TR" dirty="0" err="1"/>
+              <a:t>It</a:t>
+            </a:r>
+            <a:r>
+              <a:rPr lang="tr-TR" dirty="0"/>
+              <a:t> </a:t>
+            </a:r>
+            <a:r>
+              <a:rPr lang="en-US" b="0" i="0" dirty="0">
+                <a:solidFill>
+                  <a:schemeClr val="tx1"/>
+                </a:solidFill>
+                <a:latin typeface="+mj-lt"/>
+                <a:ea typeface="Arial"/>
+                <a:cs typeface="Arial"/>
+                <a:sym typeface="Arial"/>
+              </a:rPr>
+              <a:t>includes gravity, air temperature, speed of sound, pressure, air density, and magnetic field</a:t>
+            </a:r>
+            <a:endParaRPr lang="tr-TR" dirty="0"/>
+          </a:p>
+          <a:p>
+            <a:pPr marL="0" lvl="0" indent="0" algn="l" rtl="0">
+              <a:spcBef>
+                <a:spcPts val="0"/>
+              </a:spcBef>
+              <a:spcAft>
+                <a:spcPts val="0"/>
+              </a:spcAft>
+              <a:buNone/>
+            </a:pPr>
+            <a:r>
+              <a:rPr lang="en-US" noProof="0" dirty="0"/>
+              <a:t>Airframe</a:t>
+            </a:r>
+            <a:r>
+              <a:rPr lang="tr-TR" dirty="0"/>
+              <a:t>                     : </a:t>
+            </a:r>
+            <a:r>
+              <a:rPr lang="tr-TR" dirty="0" err="1"/>
+              <a:t>It</a:t>
+            </a:r>
+            <a:r>
+              <a:rPr lang="tr-TR" dirty="0"/>
+              <a:t> </a:t>
+            </a:r>
+            <a:r>
+              <a:rPr lang="en-US" b="0" i="0" dirty="0">
+                <a:solidFill>
+                  <a:schemeClr val="tx1"/>
+                </a:solidFill>
+                <a:latin typeface="+mj-lt"/>
+                <a:ea typeface="Arial"/>
+                <a:cs typeface="Arial"/>
+                <a:sym typeface="Arial"/>
+              </a:rPr>
+              <a:t>contains the nonlinear model of the quadcopter</a:t>
+            </a:r>
+            <a:endParaRPr lang="tr-TR" b="0" i="0" dirty="0">
+              <a:solidFill>
+                <a:schemeClr val="tx1"/>
+              </a:solidFill>
+              <a:latin typeface="+mj-lt"/>
+              <a:ea typeface="Arial"/>
+              <a:cs typeface="Arial"/>
+              <a:sym typeface="Arial"/>
+            </a:endParaRPr>
+          </a:p>
+          <a:p>
+            <a:pPr marL="0" lvl="0" indent="0" algn="l" rtl="0">
+              <a:spcBef>
+                <a:spcPts val="0"/>
+              </a:spcBef>
+              <a:spcAft>
+                <a:spcPts val="0"/>
+              </a:spcAft>
+              <a:buNone/>
+            </a:pPr>
+            <a:r>
+              <a:rPr lang="en-US" b="0" i="0" dirty="0">
+                <a:solidFill>
+                  <a:schemeClr val="tx1"/>
+                </a:solidFill>
+                <a:latin typeface="+mj-lt"/>
+                <a:ea typeface="Arial"/>
+                <a:cs typeface="Arial"/>
+                <a:sym typeface="Arial"/>
+              </a:rPr>
+              <a:t>Visualization</a:t>
+            </a:r>
+            <a:r>
+              <a:rPr lang="tr-TR" b="0" i="0" dirty="0">
+                <a:solidFill>
+                  <a:schemeClr val="tx1"/>
+                </a:solidFill>
+                <a:latin typeface="+mj-lt"/>
+                <a:ea typeface="Arial"/>
+                <a:cs typeface="Arial"/>
+                <a:sym typeface="Arial"/>
+              </a:rPr>
+              <a:t>:              : </a:t>
+            </a:r>
+            <a:r>
+              <a:rPr lang="tr-TR" b="0" i="0" dirty="0" err="1">
+                <a:solidFill>
+                  <a:schemeClr val="tx1"/>
+                </a:solidFill>
+                <a:latin typeface="+mj-lt"/>
+                <a:ea typeface="Arial"/>
+                <a:cs typeface="Arial"/>
+                <a:sym typeface="Arial"/>
+              </a:rPr>
+              <a:t>It</a:t>
+            </a:r>
+            <a:r>
+              <a:rPr lang="tr-TR" b="0" i="0" dirty="0">
+                <a:solidFill>
+                  <a:schemeClr val="tx1"/>
+                </a:solidFill>
+                <a:latin typeface="+mj-lt"/>
+                <a:ea typeface="Arial"/>
+                <a:cs typeface="Arial"/>
+                <a:sym typeface="Arial"/>
+              </a:rPr>
+              <a:t> </a:t>
+            </a:r>
+            <a:r>
+              <a:rPr lang="en-US" b="0" i="0" dirty="0">
+                <a:solidFill>
+                  <a:schemeClr val="tx1"/>
+                </a:solidFill>
+                <a:latin typeface="+mj-lt"/>
+                <a:ea typeface="Arial"/>
+                <a:cs typeface="Arial"/>
+                <a:sym typeface="Arial"/>
+              </a:rPr>
+              <a:t>facilitates logging and scoping of commands, control signals, and states, it contains also workspace and Simulink 3D animation. </a:t>
+            </a:r>
+            <a:endParaRPr lang="tr-TR" dirty="0"/>
+          </a:p>
+          <a:p>
+            <a:pPr marL="0" lvl="0" indent="0" algn="l" rtl="0">
+              <a:spcBef>
+                <a:spcPts val="0"/>
+              </a:spcBef>
+              <a:spcAft>
+                <a:spcPts val="0"/>
+              </a:spcAft>
+              <a:buNone/>
+            </a:pPr>
             <a:endParaRPr lang="en-US" noProof="0" dirty="0"/>
           </a:p>
         </p:txBody>
@@ -2417,6 +2754,67 @@
               </a:spcAft>
               <a:buNone/>
             </a:pPr>
+            <a:r>
+              <a:rPr lang="en-US" noProof="0" dirty="0"/>
+              <a:t>This is the flight control system block that we focused one. </a:t>
+            </a:r>
+          </a:p>
+          <a:p>
+            <a:pPr marL="0" lvl="0" indent="0" algn="l" rtl="0">
+              <a:spcBef>
+                <a:spcPts val="0"/>
+              </a:spcBef>
+              <a:spcAft>
+                <a:spcPts val="0"/>
+              </a:spcAft>
+              <a:buNone/>
+            </a:pPr>
+            <a:r>
+              <a:rPr lang="en-US" noProof="0" dirty="0"/>
+              <a:t>The orange blocks are normally controlled with PID controller. However, we added inside these blocks RL agents. </a:t>
+            </a:r>
+          </a:p>
+          <a:p>
+            <a:pPr marL="0" lvl="0" indent="0" algn="l" rtl="0">
+              <a:spcBef>
+                <a:spcPts val="0"/>
+              </a:spcBef>
+              <a:spcAft>
+                <a:spcPts val="0"/>
+              </a:spcAft>
+              <a:buNone/>
+            </a:pPr>
+            <a:r>
+              <a:rPr lang="en-US" noProof="0" dirty="0"/>
+              <a:t>Our plan was firstly run the environment with PID controlling blocks. And this worked fine</a:t>
+            </a:r>
+          </a:p>
+          <a:p>
+            <a:pPr marL="0" lvl="0" indent="0" algn="l" rtl="0">
+              <a:spcBef>
+                <a:spcPts val="0"/>
+              </a:spcBef>
+              <a:spcAft>
+                <a:spcPts val="0"/>
+              </a:spcAft>
+              <a:buNone/>
+            </a:pPr>
+            <a:r>
+              <a:rPr lang="en-US" noProof="0" dirty="0"/>
+              <a:t>After then changed one of the blocks with RL agent and trained.  We did not change both of these blocks simultaneously. If it is done simultaneously agent training itself wrongly due to the two unknown dynamic struct</a:t>
+            </a:r>
+            <a:endParaRPr lang="tr-TR" noProof="0" dirty="0"/>
+          </a:p>
+          <a:p>
+            <a:pPr marL="0" lvl="0" indent="0" algn="l" rtl="0">
+              <a:spcBef>
+                <a:spcPts val="0"/>
+              </a:spcBef>
+              <a:spcAft>
+                <a:spcPts val="0"/>
+              </a:spcAft>
+              <a:buNone/>
+            </a:pPr>
             <a:endParaRPr lang="en-US" noProof="0" dirty="0"/>
           </a:p>
         </p:txBody>
@@ -2587,37 +2985,6 @@
               <a:buNone/>
             </a:pPr>
             <a:r>
-              <a:rPr lang="tr-TR" noProof="0" dirty="0" err="1"/>
-              <a:t>Reward</a:t>
-            </a:r>
-            <a:r>
-              <a:rPr lang="tr-TR" noProof="0" dirty="0"/>
-              <a:t> fonksiyonların formülleri düzenlenecek.</a:t>
-            </a:r>
-          </a:p>
-          <a:p>
-            <a:pPr marL="0" lvl="0" indent="0" algn="l" rtl="0">
-              <a:spcBef>
-                <a:spcPts val="0"/>
-              </a:spcBef>
-              <a:spcAft>
-                <a:spcPts val="0"/>
-              </a:spcAft>
-              <a:buNone/>
-            </a:pPr>
-            <a:endParaRPr lang="tr-TR" noProof="0" dirty="0"/>
-          </a:p>
-          <a:p>
-            <a:pPr marL="0" lvl="0" indent="0" algn="l" rtl="0">
-              <a:spcBef>
-                <a:spcPts val="0"/>
-              </a:spcBef>
-              <a:spcAft>
-                <a:spcPts val="0"/>
-              </a:spcAft>
-              <a:buNone/>
-            </a:pPr>
-            <a:r>
               <a:rPr lang="en-US" noProof="0" dirty="0"/>
               <a:t>This is the agent and its environment block</a:t>
             </a:r>
@@ -4030,13 +4397,94 @@
               <a:defRPr/>
             </a:pPr>
             <a:r>
+              <a:rPr lang="tr-TR" sz="1200" dirty="0" err="1">
+                <a:latin typeface="+mj-lt"/>
+                <a:ea typeface="Calibri"/>
+                <a:cs typeface="Calibri"/>
+                <a:sym typeface="Calibri"/>
+              </a:rPr>
+              <a:t>We</a:t>
+            </a:r>
+            <a:r>
               <a:rPr lang="tr-TR" sz="1200" dirty="0">
                 <a:latin typeface="+mj-lt"/>
                 <a:ea typeface="Calibri"/>
                 <a:cs typeface="Calibri"/>
                 <a:sym typeface="Calibri"/>
               </a:rPr>
-              <a:t>Flight </a:t>
+              <a:t> </a:t>
+            </a:r>
+            <a:r>
+              <a:rPr lang="tr-TR" sz="1200" dirty="0" err="1">
+                <a:latin typeface="+mj-lt"/>
+                <a:ea typeface="Calibri"/>
+                <a:cs typeface="Calibri"/>
+                <a:sym typeface="Calibri"/>
+              </a:rPr>
+              <a:t>worked</a:t>
+            </a:r>
+            <a:r>
+              <a:rPr lang="tr-TR" sz="1200" dirty="0">
+                <a:latin typeface="+mj-lt"/>
+                <a:ea typeface="Calibri"/>
+                <a:cs typeface="Calibri"/>
+                <a:sym typeface="Calibri"/>
+              </a:rPr>
+              <a:t> </a:t>
+            </a:r>
+            <a:r>
+              <a:rPr lang="tr-TR" sz="1200" dirty="0" err="1">
+                <a:latin typeface="+mj-lt"/>
+                <a:ea typeface="Calibri"/>
+                <a:cs typeface="Calibri"/>
+                <a:sym typeface="Calibri"/>
+              </a:rPr>
+              <a:t>with</a:t>
+            </a:r>
+            <a:r>
+              <a:rPr lang="tr-TR" sz="1200" dirty="0">
+                <a:latin typeface="+mj-lt"/>
+                <a:ea typeface="Calibri"/>
+                <a:cs typeface="Calibri"/>
+                <a:sym typeface="Calibri"/>
+              </a:rPr>
+              <a:t> </a:t>
+            </a:r>
+            <a:r>
+              <a:rPr lang="tr-TR" sz="1200" dirty="0" err="1">
+                <a:latin typeface="+mj-lt"/>
+                <a:ea typeface="Calibri"/>
+                <a:cs typeface="Calibri"/>
+                <a:sym typeface="Calibri"/>
+              </a:rPr>
+              <a:t>the</a:t>
+            </a:r>
+            <a:r>
+              <a:rPr lang="tr-TR" sz="1200" dirty="0">
+                <a:latin typeface="+mj-lt"/>
+                <a:ea typeface="Calibri"/>
+                <a:cs typeface="Calibri"/>
+                <a:sym typeface="Calibri"/>
+              </a:rPr>
+              <a:t> </a:t>
+            </a:r>
+            <a:r>
+              <a:rPr lang="tr-TR" sz="1200" dirty="0" err="1">
+                <a:latin typeface="+mj-lt"/>
+                <a:ea typeface="Calibri"/>
+                <a:cs typeface="Calibri"/>
+                <a:sym typeface="Calibri"/>
+              </a:rPr>
+              <a:t>drone</a:t>
+            </a:r>
+            <a:r>
+              <a:rPr lang="tr-TR" sz="1200" dirty="0">
+                <a:latin typeface="+mj-lt"/>
+                <a:ea typeface="Calibri"/>
+                <a:cs typeface="Calibri"/>
+                <a:sym typeface="Calibri"/>
+              </a:rPr>
+              <a:t> </a:t>
             </a:r>
             <a:r>
               <a:rPr lang="tr-TR" sz="1200" dirty="0" err="1">
@@ -4072,7 +4520,7 @@
                 <a:cs typeface="Calibri"/>
                 <a:sym typeface="Calibri"/>
               </a:rPr>
-              <a:t> </a:t>
+              <a:t>. </a:t>
             </a:r>
             <a:r>
               <a:rPr lang="tr-TR" sz="1200" dirty="0" err="1">
@@ -4081,7 +4529,7 @@
                 <a:cs typeface="Calibri"/>
                 <a:sym typeface="Calibri"/>
               </a:rPr>
-              <a:t>are</a:t>
+              <a:t>These</a:t>
             </a:r>
             <a:r>
               <a:rPr lang="tr-TR" sz="1200" dirty="0">
@@ -4092,6 +4540,222 @@
               </a:rPr>
               <a:t> </a:t>
             </a:r>
+            <a:r>
+              <a:rPr lang="tr-TR" sz="1200" dirty="0" err="1">
+                <a:latin typeface="+mj-lt"/>
+                <a:ea typeface="Calibri"/>
+                <a:cs typeface="Calibri"/>
+                <a:sym typeface="Calibri"/>
+              </a:rPr>
+              <a:t>systems</a:t>
+            </a:r>
+            <a:r>
+              <a:rPr lang="tr-TR" sz="1200" dirty="0">
+                <a:latin typeface="+mj-lt"/>
+                <a:ea typeface="Calibri"/>
+                <a:cs typeface="Calibri"/>
+                <a:sym typeface="Calibri"/>
+              </a:rPr>
+              <a:t> </a:t>
+            </a:r>
+            <a:r>
+              <a:rPr lang="tr-TR" sz="1200" dirty="0" err="1">
+                <a:latin typeface="+mj-lt"/>
+                <a:ea typeface="Calibri"/>
+                <a:cs typeface="Calibri"/>
+                <a:sym typeface="Calibri"/>
+              </a:rPr>
+              <a:t>composed</a:t>
+            </a:r>
+            <a:r>
+              <a:rPr lang="tr-TR" sz="1200" dirty="0">
+                <a:latin typeface="+mj-lt"/>
+                <a:ea typeface="Calibri"/>
+                <a:cs typeface="Calibri"/>
+                <a:sym typeface="Calibri"/>
+              </a:rPr>
+              <a:t> of </a:t>
+            </a:r>
+            <a:r>
+              <a:rPr lang="tr-TR" sz="1200" dirty="0" err="1">
+                <a:latin typeface="+mj-lt"/>
+                <a:ea typeface="Calibri"/>
+                <a:cs typeface="Calibri"/>
+                <a:sym typeface="Calibri"/>
+              </a:rPr>
+              <a:t>different</a:t>
+            </a:r>
+            <a:r>
+              <a:rPr lang="tr-TR" sz="1200" dirty="0">
+                <a:latin typeface="+mj-lt"/>
+                <a:ea typeface="Calibri"/>
+                <a:cs typeface="Calibri"/>
+                <a:sym typeface="Calibri"/>
+              </a:rPr>
+              <a:t> </a:t>
+            </a:r>
+            <a:r>
+              <a:rPr lang="tr-TR" sz="1200" dirty="0" err="1">
+                <a:latin typeface="+mj-lt"/>
+                <a:ea typeface="Calibri"/>
+                <a:cs typeface="Calibri"/>
+                <a:sym typeface="Calibri"/>
+              </a:rPr>
+              <a:t>control</a:t>
+            </a:r>
+            <a:r>
+              <a:rPr lang="tr-TR" sz="1200" dirty="0">
+                <a:latin typeface="+mj-lt"/>
+                <a:ea typeface="Calibri"/>
+                <a:cs typeface="Calibri"/>
+                <a:sym typeface="Calibri"/>
+              </a:rPr>
+              <a:t> </a:t>
+            </a:r>
+            <a:r>
+              <a:rPr lang="tr-TR" sz="1200" dirty="0" err="1">
+                <a:latin typeface="+mj-lt"/>
+                <a:ea typeface="Calibri"/>
+                <a:cs typeface="Calibri"/>
+                <a:sym typeface="Calibri"/>
+              </a:rPr>
+              <a:t>algorithms</a:t>
+            </a:r>
+            <a:r>
+              <a:rPr lang="tr-TR" sz="1200" dirty="0">
+                <a:latin typeface="+mj-lt"/>
+                <a:ea typeface="Calibri"/>
+                <a:cs typeface="Calibri"/>
+                <a:sym typeface="Calibri"/>
+              </a:rPr>
+              <a:t>. </a:t>
+            </a:r>
+            <a:r>
+              <a:rPr lang="tr-TR" sz="1200" dirty="0" err="1">
+                <a:latin typeface="+mj-lt"/>
+                <a:ea typeface="Calibri"/>
+                <a:cs typeface="Calibri"/>
+                <a:sym typeface="Calibri"/>
+              </a:rPr>
+              <a:t>We</a:t>
+            </a:r>
+            <a:r>
+              <a:rPr lang="tr-TR" sz="1200" dirty="0">
+                <a:latin typeface="+mj-lt"/>
+                <a:ea typeface="Calibri"/>
+                <a:cs typeface="Calibri"/>
+                <a:sym typeface="Calibri"/>
+              </a:rPr>
+              <a:t> </a:t>
+            </a:r>
+            <a:r>
+              <a:rPr lang="tr-TR" sz="1200" dirty="0" err="1">
+                <a:latin typeface="+mj-lt"/>
+                <a:ea typeface="Calibri"/>
+                <a:cs typeface="Calibri"/>
+                <a:sym typeface="Calibri"/>
+              </a:rPr>
+              <a:t>aimed</a:t>
+            </a:r>
+            <a:r>
+              <a:rPr lang="tr-TR" sz="1200" dirty="0">
+                <a:latin typeface="+mj-lt"/>
+                <a:ea typeface="Calibri"/>
+                <a:cs typeface="Calibri"/>
+                <a:sym typeface="Calibri"/>
+              </a:rPr>
+              <a:t> </a:t>
+            </a:r>
+            <a:r>
+              <a:rPr lang="tr-TR" sz="1200" dirty="0" err="1">
+                <a:latin typeface="+mj-lt"/>
+                <a:ea typeface="Calibri"/>
+                <a:cs typeface="Calibri"/>
+                <a:sym typeface="Calibri"/>
+              </a:rPr>
+              <a:t>to</a:t>
+            </a:r>
+            <a:r>
+              <a:rPr lang="tr-TR" sz="1200" dirty="0">
+                <a:latin typeface="+mj-lt"/>
+                <a:ea typeface="Calibri"/>
+                <a:cs typeface="Calibri"/>
+                <a:sym typeface="Calibri"/>
+              </a:rPr>
+              <a:t> </a:t>
+            </a:r>
+            <a:r>
+              <a:rPr lang="tr-TR" sz="1200" dirty="0" err="1">
+                <a:latin typeface="+mj-lt"/>
+                <a:ea typeface="Calibri"/>
+                <a:cs typeface="Calibri"/>
+                <a:sym typeface="Calibri"/>
+              </a:rPr>
+              <a:t>control</a:t>
+            </a:r>
+            <a:r>
+              <a:rPr lang="tr-TR" sz="1200" dirty="0">
+                <a:latin typeface="+mj-lt"/>
+                <a:ea typeface="Calibri"/>
+                <a:cs typeface="Calibri"/>
+                <a:sym typeface="Calibri"/>
+              </a:rPr>
+              <a:t> </a:t>
+            </a:r>
+            <a:r>
+              <a:rPr lang="tr-TR" sz="1200" dirty="0" err="1">
+                <a:latin typeface="+mj-lt"/>
+                <a:ea typeface="Calibri"/>
+                <a:cs typeface="Calibri"/>
+                <a:sym typeface="Calibri"/>
+              </a:rPr>
+              <a:t>the</a:t>
+            </a:r>
+            <a:r>
+              <a:rPr lang="tr-TR" sz="1200" dirty="0">
+                <a:latin typeface="+mj-lt"/>
+                <a:ea typeface="Calibri"/>
+                <a:cs typeface="Calibri"/>
+                <a:sym typeface="Calibri"/>
+              </a:rPr>
+              <a:t> </a:t>
+            </a:r>
+            <a:r>
+              <a:rPr lang="tr-TR" sz="1200" dirty="0" err="1">
+                <a:latin typeface="+mj-lt"/>
+                <a:ea typeface="Calibri"/>
+                <a:cs typeface="Calibri"/>
+                <a:sym typeface="Calibri"/>
+              </a:rPr>
+              <a:t>attitude</a:t>
+            </a:r>
+            <a:r>
+              <a:rPr lang="tr-TR" sz="1200" dirty="0">
+                <a:latin typeface="+mj-lt"/>
+                <a:ea typeface="Calibri"/>
+                <a:cs typeface="Calibri"/>
+                <a:sym typeface="Calibri"/>
+              </a:rPr>
+              <a:t> </a:t>
+            </a:r>
+            <a:r>
+              <a:rPr lang="tr-TR" sz="1200" dirty="0" err="1">
+                <a:latin typeface="+mj-lt"/>
+                <a:ea typeface="Calibri"/>
+                <a:cs typeface="Calibri"/>
+                <a:sym typeface="Calibri"/>
+              </a:rPr>
+              <a:t>controller</a:t>
+            </a:r>
+            <a:r>
+              <a:rPr lang="tr-TR" sz="1200" dirty="0">
+                <a:latin typeface="+mj-lt"/>
+                <a:ea typeface="Calibri"/>
+                <a:cs typeface="Calibri"/>
+                <a:sym typeface="Calibri"/>
+              </a:rPr>
+              <a:t>.</a:t>
+            </a:r>
           </a:p>
           <a:p>
             <a:pPr marL="0" marR="0" lvl="0" indent="0" algn="l" defTabSz="914400" rtl="0" eaLnBrk="1" fontAlgn="auto" latinLnBrk="0" hangingPunct="1">
@@ -4113,81 +4777,222 @@
               <a:tabLst/>
               <a:defRPr/>
             </a:pPr>
-            <a:endParaRPr lang="tr-TR" sz="1200" dirty="0">
-              <a:latin typeface="+mj-lt"/>
-              <a:ea typeface="Calibri"/>
-              <a:cs typeface="Calibri"/>
-              <a:sym typeface="Calibri"/>
-            </a:endParaRPr>
-          </a:p>
-          <a:p>
-            <a:pPr marL="0" marR="0" lvl="0" indent="0" algn="l" defTabSz="914400" rtl="0" eaLnBrk="1" fontAlgn="auto" latinLnBrk="0" hangingPunct="1">
-              <a:lnSpc>
-                <a:spcPct val="100000"/>
-              </a:lnSpc>
-              <a:spcBef>
-                <a:spcPts val="0"/>
-              </a:spcBef>
-              <a:spcAft>
-                <a:spcPts val="0"/>
-              </a:spcAft>
-              <a:buClr>
-                <a:srgbClr val="000000"/>
-              </a:buClr>
-              <a:buSzPts val="1400"/>
-              <a:buFont typeface="Arial"/>
-              <a:buNone/>
-              <a:tabLst/>
-              <a:defRPr/>
-            </a:pPr>
-            <a:endParaRPr lang="tr-TR" sz="1200" dirty="0">
-              <a:latin typeface="+mj-lt"/>
-              <a:ea typeface="Calibri"/>
-              <a:cs typeface="Calibri"/>
-              <a:sym typeface="Calibri"/>
-            </a:endParaRPr>
-          </a:p>
-          <a:p>
-            <a:pPr marL="0" marR="0" lvl="0" indent="0" algn="l" defTabSz="914400" rtl="0" eaLnBrk="1" fontAlgn="auto" latinLnBrk="0" hangingPunct="1">
-              <a:lnSpc>
-                <a:spcPct val="100000"/>
-              </a:lnSpc>
-              <a:spcBef>
-                <a:spcPts val="0"/>
-              </a:spcBef>
-              <a:spcAft>
-                <a:spcPts val="0"/>
-              </a:spcAft>
-              <a:buClr>
-                <a:srgbClr val="000000"/>
-              </a:buClr>
-              <a:buSzPts val="1400"/>
-              <a:buFont typeface="Arial"/>
-              <a:buNone/>
-              <a:tabLst/>
-              <a:defRPr/>
-            </a:pPr>
-            <a:r>
-              <a:rPr lang="en-US" sz="1200" dirty="0">
+            <a:r>
+              <a:rPr lang="tr-TR" sz="1200" dirty="0" err="1">
                 <a:latin typeface="+mj-lt"/>
                 <a:ea typeface="Calibri"/>
                 <a:cs typeface="Calibri"/>
                 <a:sym typeface="Calibri"/>
               </a:rPr>
-              <a:t>In this project we focused on attitude control which controls the orientation with roll, pitch, yaw angles.</a:t>
-            </a:r>
-          </a:p>
-          <a:p>
-            <a:pPr marL="0" lvl="0" indent="0" algn="l" rtl="0">
-              <a:spcBef>
-                <a:spcPts val="0"/>
-              </a:spcBef>
-              <a:spcAft>
-                <a:spcPts val="0"/>
-              </a:spcAft>
-              <a:buNone/>
-            </a:pPr>
-            <a:endParaRPr dirty="0"/>
+              <a:t>This</a:t>
+            </a:r>
+            <a:r>
+              <a:rPr lang="tr-TR" sz="1200" dirty="0">
+                <a:latin typeface="+mj-lt"/>
+                <a:ea typeface="Calibri"/>
+                <a:cs typeface="Calibri"/>
+                <a:sym typeface="Calibri"/>
+              </a:rPr>
+              <a:t> </a:t>
+            </a:r>
+            <a:r>
+              <a:rPr lang="tr-TR" sz="1200" dirty="0" err="1">
+                <a:latin typeface="+mj-lt"/>
+                <a:ea typeface="Calibri"/>
+                <a:cs typeface="Calibri"/>
+                <a:sym typeface="Calibri"/>
+              </a:rPr>
+              <a:t>controller</a:t>
+            </a:r>
+            <a:r>
+              <a:rPr lang="tr-TR" sz="1200" dirty="0">
+                <a:latin typeface="+mj-lt"/>
+                <a:ea typeface="Calibri"/>
+                <a:cs typeface="Calibri"/>
+                <a:sym typeface="Calibri"/>
+              </a:rPr>
+              <a:t> is </a:t>
+            </a:r>
+            <a:r>
+              <a:rPr lang="tr-TR" sz="1200" dirty="0" err="1">
+                <a:latin typeface="+mj-lt"/>
+                <a:ea typeface="Calibri"/>
+                <a:cs typeface="Calibri"/>
+                <a:sym typeface="Calibri"/>
+              </a:rPr>
+              <a:t>made</a:t>
+            </a:r>
+            <a:r>
+              <a:rPr lang="tr-TR" sz="1200" dirty="0">
+                <a:latin typeface="+mj-lt"/>
+                <a:ea typeface="Calibri"/>
+                <a:cs typeface="Calibri"/>
+                <a:sym typeface="Calibri"/>
+              </a:rPr>
+              <a:t> </a:t>
+            </a:r>
+            <a:r>
+              <a:rPr lang="tr-TR" sz="1200" dirty="0" err="1">
+                <a:latin typeface="+mj-lt"/>
+                <a:ea typeface="Calibri"/>
+                <a:cs typeface="Calibri"/>
+                <a:sym typeface="Calibri"/>
+              </a:rPr>
+              <a:t>by</a:t>
+            </a:r>
+            <a:r>
+              <a:rPr lang="tr-TR" sz="1200" dirty="0">
+                <a:latin typeface="+mj-lt"/>
+                <a:ea typeface="Calibri"/>
+                <a:cs typeface="Calibri"/>
+                <a:sym typeface="Calibri"/>
+              </a:rPr>
+              <a:t> </a:t>
+            </a:r>
+            <a:r>
+              <a:rPr lang="tr-TR" sz="1200" dirty="0" err="1">
+                <a:latin typeface="+mj-lt"/>
+                <a:ea typeface="Calibri"/>
+                <a:cs typeface="Calibri"/>
+                <a:sym typeface="Calibri"/>
+              </a:rPr>
+              <a:t>using</a:t>
+            </a:r>
+            <a:r>
+              <a:rPr lang="tr-TR" sz="1200" dirty="0">
+                <a:latin typeface="+mj-lt"/>
+                <a:ea typeface="Calibri"/>
+                <a:cs typeface="Calibri"/>
+                <a:sym typeface="Calibri"/>
+              </a:rPr>
+              <a:t> </a:t>
+            </a:r>
+            <a:r>
+              <a:rPr lang="tr-TR" sz="1200" dirty="0" err="1">
+                <a:latin typeface="+mj-lt"/>
+                <a:ea typeface="Calibri"/>
+                <a:cs typeface="Calibri"/>
+                <a:sym typeface="Calibri"/>
+              </a:rPr>
+              <a:t>the</a:t>
+            </a:r>
+            <a:r>
+              <a:rPr lang="tr-TR" sz="1200" dirty="0">
+                <a:latin typeface="+mj-lt"/>
+                <a:ea typeface="Calibri"/>
+                <a:cs typeface="Calibri"/>
+                <a:sym typeface="Calibri"/>
+              </a:rPr>
+              <a:t> PID </a:t>
+            </a:r>
+            <a:r>
+              <a:rPr lang="tr-TR" sz="1200" dirty="0" err="1">
+                <a:latin typeface="+mj-lt"/>
+                <a:ea typeface="Calibri"/>
+                <a:cs typeface="Calibri"/>
+                <a:sym typeface="Calibri"/>
+              </a:rPr>
+              <a:t>controller</a:t>
+            </a:r>
+            <a:r>
+              <a:rPr lang="tr-TR" sz="1200" dirty="0">
+                <a:latin typeface="+mj-lt"/>
+                <a:ea typeface="Calibri"/>
+                <a:cs typeface="Calibri"/>
+                <a:sym typeface="Calibri"/>
+              </a:rPr>
+              <a:t> . </a:t>
+            </a:r>
+            <a:r>
+              <a:rPr lang="tr-TR" sz="1200" dirty="0" err="1">
+                <a:latin typeface="+mj-lt"/>
+                <a:ea typeface="Calibri"/>
+                <a:cs typeface="Calibri"/>
+                <a:sym typeface="Calibri"/>
+              </a:rPr>
+              <a:t>However</a:t>
+            </a:r>
+            <a:r>
+              <a:rPr lang="tr-TR" sz="1200" dirty="0">
+                <a:latin typeface="+mj-lt"/>
+                <a:ea typeface="Calibri"/>
+                <a:cs typeface="Calibri"/>
+                <a:sym typeface="Calibri"/>
+              </a:rPr>
+              <a:t>, PID </a:t>
+            </a:r>
+            <a:r>
+              <a:rPr lang="tr-TR" sz="1200" dirty="0" err="1">
+                <a:latin typeface="+mj-lt"/>
+                <a:ea typeface="Calibri"/>
+                <a:cs typeface="Calibri"/>
+                <a:sym typeface="Calibri"/>
+              </a:rPr>
+              <a:t>controllers</a:t>
+            </a:r>
+            <a:r>
+              <a:rPr lang="tr-TR" sz="1200" dirty="0">
+                <a:latin typeface="+mj-lt"/>
+                <a:ea typeface="Calibri"/>
+                <a:cs typeface="Calibri"/>
+                <a:sym typeface="Calibri"/>
+              </a:rPr>
+              <a:t> </a:t>
+            </a:r>
+            <a:r>
+              <a:rPr lang="tr-TR" sz="1200" dirty="0" err="1">
+                <a:latin typeface="+mj-lt"/>
+                <a:ea typeface="Calibri"/>
+                <a:cs typeface="Calibri"/>
+                <a:sym typeface="Calibri"/>
+              </a:rPr>
+              <a:t>have</a:t>
+            </a:r>
+            <a:r>
+              <a:rPr lang="tr-TR" sz="1200" dirty="0">
+                <a:latin typeface="+mj-lt"/>
+                <a:ea typeface="Calibri"/>
+                <a:cs typeface="Calibri"/>
+                <a:sym typeface="Calibri"/>
+              </a:rPr>
+              <a:t> </a:t>
+            </a:r>
+            <a:r>
+              <a:rPr lang="tr-TR" sz="1200" dirty="0" err="1">
+                <a:latin typeface="+mj-lt"/>
+                <a:ea typeface="Calibri"/>
+                <a:cs typeface="Calibri"/>
+                <a:sym typeface="Calibri"/>
+              </a:rPr>
+              <a:t>some</a:t>
+            </a:r>
+            <a:r>
+              <a:rPr lang="tr-TR" sz="1200" dirty="0">
+                <a:latin typeface="+mj-lt"/>
+                <a:ea typeface="Calibri"/>
+                <a:cs typeface="Calibri"/>
+                <a:sym typeface="Calibri"/>
+              </a:rPr>
+              <a:t> </a:t>
+            </a:r>
+            <a:r>
+              <a:rPr lang="tr-TR" sz="1200" dirty="0" err="1">
+                <a:latin typeface="+mj-lt"/>
+                <a:ea typeface="Calibri"/>
+                <a:cs typeface="Calibri"/>
+                <a:sym typeface="Calibri"/>
+              </a:rPr>
+              <a:t>limitations</a:t>
+            </a:r>
+            <a:r>
+              <a:rPr lang="tr-TR" sz="1200" dirty="0">
+                <a:latin typeface="+mj-lt"/>
+                <a:ea typeface="Calibri"/>
+                <a:cs typeface="Calibri"/>
+                <a:sym typeface="Calibri"/>
+              </a:rPr>
+              <a:t>.</a:t>
+            </a:r>
           </a:p>
         </p:txBody>
       </p:sp>
@@ -5156,6 +5961,154 @@
               </a:spcAft>
               <a:buNone/>
             </a:pPr>
+            <a:r>
+              <a:rPr lang="tr-TR" noProof="0" dirty="0"/>
+              <a:t>PID </a:t>
+            </a:r>
+            <a:r>
+              <a:rPr lang="tr-TR" noProof="0" dirty="0" err="1"/>
+              <a:t>controllers</a:t>
+            </a:r>
+            <a:r>
+              <a:rPr lang="tr-TR" noProof="0" dirty="0"/>
+              <a:t> </a:t>
+            </a:r>
+            <a:r>
+              <a:rPr lang="tr-TR" noProof="0" dirty="0" err="1"/>
+              <a:t>sensitive</a:t>
+            </a:r>
+            <a:r>
+              <a:rPr lang="tr-TR" noProof="0" dirty="0"/>
+              <a:t> </a:t>
+            </a:r>
+            <a:r>
+              <a:rPr lang="tr-TR" noProof="0" dirty="0" err="1"/>
+              <a:t>to</a:t>
+            </a:r>
+            <a:r>
+              <a:rPr lang="tr-TR" noProof="0" dirty="0"/>
+              <a:t> </a:t>
+            </a:r>
+            <a:r>
+              <a:rPr lang="tr-TR" noProof="0" dirty="0" err="1"/>
+              <a:t>varying</a:t>
+            </a:r>
+            <a:r>
+              <a:rPr lang="tr-TR" noProof="0" dirty="0"/>
+              <a:t> </a:t>
+            </a:r>
+            <a:r>
+              <a:rPr lang="tr-TR" noProof="0" dirty="0" err="1"/>
+              <a:t>environment</a:t>
+            </a:r>
+            <a:r>
+              <a:rPr lang="tr-TR" noProof="0" dirty="0"/>
+              <a:t> </a:t>
+            </a:r>
+            <a:r>
+              <a:rPr lang="tr-TR" noProof="0" dirty="0" err="1"/>
+              <a:t>conditions</a:t>
+            </a:r>
+            <a:r>
+              <a:rPr lang="tr-TR" noProof="0" dirty="0"/>
+              <a:t>. </a:t>
+            </a:r>
+            <a:r>
+              <a:rPr lang="tr-TR" noProof="0" dirty="0" err="1"/>
+              <a:t>Therefore</a:t>
+            </a:r>
+            <a:r>
+              <a:rPr lang="tr-TR" noProof="0" dirty="0"/>
+              <a:t>, at </a:t>
+            </a:r>
+            <a:r>
+              <a:rPr lang="tr-TR" noProof="0" dirty="0" err="1"/>
+              <a:t>the</a:t>
+            </a:r>
+            <a:r>
+              <a:rPr lang="tr-TR" noProof="0" dirty="0"/>
+              <a:t> </a:t>
+            </a:r>
+            <a:r>
+              <a:rPr lang="tr-TR" noProof="0" dirty="0" err="1"/>
+              <a:t>different</a:t>
+            </a:r>
+            <a:r>
+              <a:rPr lang="tr-TR" noProof="0" dirty="0"/>
+              <a:t> </a:t>
+            </a:r>
+            <a:r>
+              <a:rPr lang="tr-TR" noProof="0" dirty="0" err="1"/>
+              <a:t>environment</a:t>
+            </a:r>
+            <a:r>
+              <a:rPr lang="tr-TR" noProof="0" dirty="0"/>
+              <a:t>, </a:t>
+            </a:r>
+            <a:r>
+              <a:rPr lang="tr-TR" noProof="0" dirty="0" err="1"/>
+              <a:t>climate</a:t>
+            </a:r>
+            <a:r>
+              <a:rPr lang="tr-TR" noProof="0" dirty="0"/>
+              <a:t> </a:t>
+            </a:r>
+            <a:r>
+              <a:rPr lang="tr-TR" noProof="0" dirty="0" err="1"/>
+              <a:t>or</a:t>
+            </a:r>
+            <a:r>
+              <a:rPr lang="tr-TR" noProof="0" dirty="0"/>
+              <a:t> </a:t>
+            </a:r>
+            <a:r>
+              <a:rPr lang="tr-TR" noProof="0" dirty="0" err="1"/>
+              <a:t>mission</a:t>
+            </a:r>
+            <a:r>
+              <a:rPr lang="tr-TR" noProof="0" dirty="0"/>
+              <a:t> </a:t>
+            </a:r>
+            <a:r>
+              <a:rPr lang="tr-TR" noProof="0" dirty="0" err="1"/>
+              <a:t>conditions</a:t>
+            </a:r>
+            <a:r>
+              <a:rPr lang="tr-TR" noProof="0" dirty="0"/>
+              <a:t> </a:t>
+            </a:r>
+            <a:r>
+              <a:rPr lang="tr-TR" noProof="0" dirty="0" err="1"/>
+              <a:t>flight</a:t>
+            </a:r>
+            <a:r>
+              <a:rPr lang="tr-TR" noProof="0" dirty="0"/>
+              <a:t> </a:t>
+            </a:r>
+            <a:r>
+              <a:rPr lang="tr-TR" noProof="0" dirty="0" err="1"/>
+              <a:t>perfromance</a:t>
+            </a:r>
+            <a:r>
+              <a:rPr lang="tr-TR" noProof="0" dirty="0"/>
+              <a:t> </a:t>
+            </a:r>
+            <a:r>
+              <a:rPr lang="tr-TR" noProof="0" dirty="0" err="1"/>
+              <a:t>fall</a:t>
+            </a:r>
+            <a:r>
+              <a:rPr lang="tr-TR" noProof="0" dirty="0"/>
+              <a:t> </a:t>
+            </a:r>
+            <a:r>
+              <a:rPr lang="tr-TR" noProof="0" dirty="0" err="1"/>
+              <a:t>seriously</a:t>
+            </a:r>
+            <a:r>
+              <a:rPr lang="tr-TR" noProof="0" dirty="0"/>
+              <a:t>. </a:t>
+            </a:r>
             <a:endParaRPr lang="en-US" noProof="0" dirty="0"/>
           </a:p>
         </p:txBody>
@@ -5325,6 +6278,294 @@
               </a:spcAft>
               <a:buNone/>
             </a:pPr>
+            <a:r>
+              <a:rPr lang="tr-TR" noProof="0" dirty="0" err="1"/>
+              <a:t>When</a:t>
+            </a:r>
+            <a:r>
+              <a:rPr lang="tr-TR" noProof="0" dirty="0"/>
+              <a:t> </a:t>
+            </a:r>
+            <a:r>
+              <a:rPr lang="tr-TR" noProof="0" dirty="0" err="1"/>
+              <a:t>we</a:t>
+            </a:r>
+            <a:r>
+              <a:rPr lang="tr-TR" noProof="0" dirty="0"/>
+              <a:t> </a:t>
+            </a:r>
+            <a:r>
+              <a:rPr lang="tr-TR" noProof="0" dirty="0" err="1"/>
+              <a:t>look</a:t>
+            </a:r>
+            <a:r>
+              <a:rPr lang="tr-TR" noProof="0" dirty="0"/>
+              <a:t> at </a:t>
+            </a:r>
+            <a:r>
+              <a:rPr lang="tr-TR" noProof="0" dirty="0" err="1"/>
+              <a:t>why</a:t>
+            </a:r>
+            <a:r>
+              <a:rPr lang="tr-TR" noProof="0" dirty="0"/>
+              <a:t> </a:t>
+            </a:r>
+            <a:r>
+              <a:rPr lang="tr-TR" noProof="0" dirty="0" err="1"/>
+              <a:t>we</a:t>
+            </a:r>
+            <a:r>
+              <a:rPr lang="tr-TR" noProof="0" dirty="0"/>
+              <a:t> </a:t>
+            </a:r>
+            <a:r>
+              <a:rPr lang="tr-TR" noProof="0" dirty="0" err="1"/>
+              <a:t>used</a:t>
+            </a:r>
+            <a:r>
+              <a:rPr lang="tr-TR" noProof="0" dirty="0"/>
+              <a:t> RL </a:t>
+            </a:r>
+            <a:r>
+              <a:rPr lang="tr-TR" noProof="0" dirty="0" err="1"/>
+              <a:t>algorithms</a:t>
+            </a:r>
+            <a:r>
+              <a:rPr lang="tr-TR" noProof="0" dirty="0"/>
+              <a:t>, </a:t>
+            </a:r>
+            <a:r>
+              <a:rPr lang="tr-TR" noProof="0" dirty="0" err="1"/>
+              <a:t>Their</a:t>
+            </a:r>
+            <a:r>
+              <a:rPr lang="tr-TR" noProof="0" dirty="0"/>
+              <a:t> </a:t>
+            </a:r>
+            <a:r>
+              <a:rPr lang="tr-TR" noProof="0" dirty="0" err="1"/>
+              <a:t>advantages</a:t>
+            </a:r>
+            <a:r>
+              <a:rPr lang="tr-TR" noProof="0" dirty="0"/>
+              <a:t> </a:t>
+            </a:r>
+            <a:r>
+              <a:rPr lang="tr-TR" noProof="0" dirty="0" err="1"/>
+              <a:t>are</a:t>
+            </a:r>
+            <a:r>
+              <a:rPr lang="tr-TR" noProof="0" dirty="0"/>
+              <a:t> self </a:t>
+            </a:r>
+            <a:r>
+              <a:rPr lang="tr-TR" noProof="0" dirty="0" err="1"/>
+              <a:t>learning</a:t>
+            </a:r>
+            <a:r>
+              <a:rPr lang="tr-TR" noProof="0" dirty="0"/>
+              <a:t> </a:t>
+            </a:r>
+            <a:r>
+              <a:rPr lang="tr-TR" noProof="0" dirty="0" err="1"/>
+              <a:t>mechanism</a:t>
+            </a:r>
+            <a:r>
+              <a:rPr lang="tr-TR" noProof="0" dirty="0"/>
+              <a:t> </a:t>
+            </a:r>
+            <a:r>
+              <a:rPr lang="tr-TR" noProof="0" dirty="0" err="1"/>
+              <a:t>and</a:t>
+            </a:r>
+            <a:r>
+              <a:rPr lang="tr-TR" noProof="0" dirty="0"/>
+              <a:t> </a:t>
+            </a:r>
+            <a:r>
+              <a:rPr lang="tr-TR" noProof="0" dirty="0" err="1"/>
+              <a:t>adaptability</a:t>
+            </a:r>
+            <a:r>
+              <a:rPr lang="tr-TR" noProof="0" dirty="0"/>
+              <a:t>. </a:t>
+            </a:r>
+            <a:r>
+              <a:rPr lang="tr-TR" noProof="0" dirty="0" err="1"/>
+              <a:t>Reinforcement</a:t>
+            </a:r>
+            <a:r>
+              <a:rPr lang="tr-TR" noProof="0" dirty="0"/>
+              <a:t> </a:t>
+            </a:r>
+            <a:r>
+              <a:rPr lang="tr-TR" noProof="0" dirty="0" err="1"/>
+              <a:t>learning</a:t>
+            </a:r>
+            <a:r>
+              <a:rPr lang="tr-TR" noProof="0" dirty="0"/>
+              <a:t> is an </a:t>
+            </a:r>
+            <a:r>
+              <a:rPr lang="tr-TR" noProof="0" dirty="0" err="1"/>
+              <a:t>machine</a:t>
+            </a:r>
+            <a:r>
+              <a:rPr lang="tr-TR" noProof="0" dirty="0"/>
+              <a:t> </a:t>
+            </a:r>
+            <a:r>
+              <a:rPr lang="tr-TR" noProof="0" dirty="0" err="1"/>
+              <a:t>learning</a:t>
+            </a:r>
+            <a:r>
+              <a:rPr lang="tr-TR" noProof="0" dirty="0"/>
+              <a:t> </a:t>
+            </a:r>
+            <a:r>
+              <a:rPr lang="tr-TR" noProof="0" dirty="0" err="1"/>
+              <a:t>subfield</a:t>
+            </a:r>
+            <a:r>
+              <a:rPr lang="tr-TR" noProof="0" dirty="0"/>
+              <a:t> </a:t>
+            </a:r>
+            <a:r>
+              <a:rPr lang="tr-TR" noProof="0" dirty="0" err="1"/>
+              <a:t>and</a:t>
+            </a:r>
+            <a:r>
+              <a:rPr lang="tr-TR" noProof="0" dirty="0"/>
+              <a:t> </a:t>
+            </a:r>
+            <a:r>
+              <a:rPr lang="tr-TR" noProof="0" dirty="0" err="1"/>
+              <a:t>hence</a:t>
+            </a:r>
+            <a:r>
+              <a:rPr lang="tr-TR" noProof="0" dirty="0"/>
+              <a:t> it has </a:t>
+            </a:r>
+            <a:r>
+              <a:rPr lang="tr-TR" noProof="0" dirty="0" err="1"/>
+              <a:t>capable</a:t>
+            </a:r>
+            <a:r>
+              <a:rPr lang="tr-TR" noProof="0" dirty="0"/>
+              <a:t> </a:t>
+            </a:r>
+            <a:r>
+              <a:rPr lang="tr-TR" noProof="0" dirty="0" err="1"/>
+              <a:t>to</a:t>
+            </a:r>
+            <a:r>
+              <a:rPr lang="tr-TR" noProof="0" dirty="0"/>
+              <a:t> </a:t>
+            </a:r>
+            <a:r>
+              <a:rPr lang="tr-TR" noProof="0" dirty="0" err="1"/>
+              <a:t>learn</a:t>
+            </a:r>
+            <a:r>
+              <a:rPr lang="tr-TR" noProof="0" dirty="0"/>
+              <a:t> </a:t>
+            </a:r>
+            <a:r>
+              <a:rPr lang="tr-TR" noProof="0" dirty="0" err="1"/>
+              <a:t>by</a:t>
+            </a:r>
+            <a:r>
+              <a:rPr lang="tr-TR" noProof="0" dirty="0"/>
+              <a:t> </a:t>
+            </a:r>
+            <a:r>
+              <a:rPr lang="tr-TR" noProof="0" dirty="0" err="1"/>
+              <a:t>training</a:t>
+            </a:r>
+            <a:r>
+              <a:rPr lang="tr-TR" noProof="0" dirty="0"/>
+              <a:t>. </a:t>
+            </a:r>
+            <a:r>
+              <a:rPr lang="tr-TR" noProof="0" dirty="0" err="1"/>
+              <a:t>And</a:t>
+            </a:r>
+            <a:r>
+              <a:rPr lang="tr-TR" noProof="0" dirty="0"/>
+              <a:t> </a:t>
+            </a:r>
+            <a:r>
+              <a:rPr lang="tr-TR" noProof="0" dirty="0" err="1"/>
+              <a:t>this</a:t>
+            </a:r>
+            <a:r>
+              <a:rPr lang="tr-TR" noProof="0" dirty="0"/>
+              <a:t> </a:t>
+            </a:r>
+            <a:r>
+              <a:rPr lang="tr-TR" noProof="0" dirty="0" err="1"/>
+              <a:t>training</a:t>
+            </a:r>
+            <a:r>
+              <a:rPr lang="tr-TR" noProof="0" dirty="0"/>
+              <a:t> </a:t>
+            </a:r>
+            <a:r>
+              <a:rPr lang="tr-TR" noProof="0" dirty="0" err="1"/>
+              <a:t>make</a:t>
+            </a:r>
+            <a:r>
+              <a:rPr lang="tr-TR" noProof="0" dirty="0"/>
+              <a:t> it </a:t>
+            </a:r>
+            <a:r>
+              <a:rPr lang="tr-TR" noProof="0" dirty="0" err="1"/>
+              <a:t>adapts</a:t>
+            </a:r>
+            <a:r>
+              <a:rPr lang="tr-TR" noProof="0" dirty="0"/>
+              <a:t> </a:t>
+            </a:r>
+            <a:r>
+              <a:rPr lang="tr-TR" noProof="0" dirty="0" err="1"/>
+              <a:t>to</a:t>
+            </a:r>
+            <a:r>
+              <a:rPr lang="tr-TR" noProof="0" dirty="0"/>
+              <a:t> </a:t>
+            </a:r>
+            <a:r>
+              <a:rPr lang="tr-TR" noProof="0" dirty="0" err="1"/>
+              <a:t>varying</a:t>
+            </a:r>
+            <a:r>
+              <a:rPr lang="tr-TR" noProof="0" dirty="0"/>
+              <a:t> </a:t>
+            </a:r>
+            <a:r>
+              <a:rPr lang="tr-TR" noProof="0" dirty="0" err="1"/>
+              <a:t>environment</a:t>
+            </a:r>
+            <a:r>
+              <a:rPr lang="tr-TR" noProof="0" dirty="0"/>
+              <a:t> </a:t>
+            </a:r>
+            <a:r>
+              <a:rPr lang="tr-TR" noProof="0" dirty="0" err="1"/>
+              <a:t>conditions</a:t>
+            </a:r>
+            <a:r>
+              <a:rPr lang="tr-TR" noProof="0" dirty="0"/>
+              <a:t> </a:t>
+            </a:r>
+            <a:r>
+              <a:rPr lang="tr-TR" noProof="0" dirty="0" err="1"/>
+              <a:t>easily</a:t>
+            </a:r>
+            <a:r>
+              <a:rPr lang="tr-TR" noProof="0" dirty="0"/>
+              <a:t>.</a:t>
+            </a:r>
             <a:endParaRPr lang="en-US" noProof="0" dirty="0"/>
           </a:p>
         </p:txBody>
@@ -5494,6 +6735,425 @@
               </a:spcAft>
               <a:buNone/>
             </a:pPr>
+            <a:r>
+              <a:rPr lang="tr-TR" noProof="0" dirty="0" err="1"/>
+              <a:t>One</a:t>
+            </a:r>
+            <a:r>
+              <a:rPr lang="tr-TR" noProof="0" dirty="0"/>
+              <a:t> of </a:t>
+            </a:r>
+            <a:r>
+              <a:rPr lang="tr-TR" noProof="0" dirty="0" err="1"/>
+              <a:t>the</a:t>
+            </a:r>
+            <a:r>
+              <a:rPr lang="tr-TR" noProof="0" dirty="0"/>
+              <a:t> </a:t>
+            </a:r>
+            <a:r>
+              <a:rPr lang="tr-TR" noProof="0" dirty="0" err="1"/>
+              <a:t>most</a:t>
+            </a:r>
+            <a:r>
+              <a:rPr lang="tr-TR" noProof="0" dirty="0"/>
+              <a:t> </a:t>
+            </a:r>
+            <a:r>
+              <a:rPr lang="tr-TR" noProof="0" dirty="0" err="1"/>
+              <a:t>common</a:t>
+            </a:r>
+            <a:r>
+              <a:rPr lang="tr-TR" noProof="0" dirty="0"/>
+              <a:t> </a:t>
+            </a:r>
+            <a:r>
+              <a:rPr lang="tr-TR" noProof="0" dirty="0" err="1"/>
+              <a:t>used</a:t>
+            </a:r>
+            <a:r>
+              <a:rPr lang="tr-TR" noProof="0" dirty="0"/>
+              <a:t> </a:t>
+            </a:r>
+            <a:r>
+              <a:rPr lang="tr-TR" noProof="0" dirty="0" err="1"/>
+              <a:t>method</a:t>
+            </a:r>
+            <a:r>
+              <a:rPr lang="tr-TR" noProof="0" dirty="0"/>
+              <a:t> is DDPG </a:t>
+            </a:r>
+            <a:r>
+              <a:rPr lang="tr-TR" noProof="0" dirty="0" err="1"/>
+              <a:t>algorithm</a:t>
+            </a:r>
+            <a:r>
+              <a:rPr lang="tr-TR" noProof="0" dirty="0"/>
+              <a:t>. </a:t>
+            </a:r>
+            <a:r>
+              <a:rPr lang="tr-TR" noProof="0" dirty="0" err="1"/>
+              <a:t>It</a:t>
+            </a:r>
+            <a:r>
+              <a:rPr lang="tr-TR" noProof="0" dirty="0"/>
+              <a:t> is an </a:t>
+            </a:r>
+            <a:r>
+              <a:rPr lang="tr-TR" noProof="0" dirty="0" err="1"/>
+              <a:t>continuous</a:t>
+            </a:r>
+            <a:r>
+              <a:rPr lang="tr-TR" noProof="0" dirty="0"/>
+              <a:t> </a:t>
+            </a:r>
+            <a:r>
+              <a:rPr lang="tr-TR" noProof="0" dirty="0" err="1"/>
+              <a:t>system</a:t>
+            </a:r>
+            <a:r>
+              <a:rPr lang="tr-TR" noProof="0" dirty="0"/>
+              <a:t> </a:t>
+            </a:r>
+            <a:r>
+              <a:rPr lang="tr-TR" noProof="0" dirty="0" err="1"/>
+              <a:t>and</a:t>
+            </a:r>
+            <a:r>
+              <a:rPr lang="tr-TR" noProof="0" dirty="0"/>
+              <a:t> </a:t>
+            </a:r>
+            <a:r>
+              <a:rPr lang="tr-TR" noProof="0" dirty="0" err="1"/>
+              <a:t>therefore</a:t>
+            </a:r>
+            <a:r>
+              <a:rPr lang="tr-TR" noProof="0" dirty="0"/>
+              <a:t> </a:t>
+            </a:r>
+            <a:r>
+              <a:rPr lang="tr-TR" noProof="0" dirty="0" err="1"/>
+              <a:t>usable</a:t>
+            </a:r>
+            <a:r>
+              <a:rPr lang="tr-TR" noProof="0" dirty="0"/>
+              <a:t> in </a:t>
+            </a:r>
+            <a:r>
+              <a:rPr lang="tr-TR" noProof="0" dirty="0" err="1"/>
+              <a:t>the</a:t>
+            </a:r>
+            <a:r>
+              <a:rPr lang="tr-TR" noProof="0" dirty="0"/>
+              <a:t> </a:t>
+            </a:r>
+            <a:r>
+              <a:rPr lang="tr-TR" noProof="0" dirty="0" err="1"/>
+              <a:t>UAV’s</a:t>
+            </a:r>
+            <a:endParaRPr lang="tr-TR" noProof="0" dirty="0"/>
+          </a:p>
+          <a:p>
+            <a:pPr marL="0" lvl="0" indent="0" algn="l" rtl="0">
+              <a:spcBef>
+                <a:spcPts val="0"/>
+              </a:spcBef>
+              <a:spcAft>
+                <a:spcPts val="0"/>
+              </a:spcAft>
+              <a:buNone/>
+            </a:pPr>
+            <a:r>
+              <a:rPr lang="tr-TR" noProof="0" dirty="0" err="1"/>
+              <a:t>It</a:t>
+            </a:r>
+            <a:r>
+              <a:rPr lang="tr-TR" noProof="0" dirty="0"/>
+              <a:t> </a:t>
+            </a:r>
+            <a:r>
+              <a:rPr lang="tr-TR" noProof="0" dirty="0" err="1"/>
+              <a:t>consists</a:t>
+            </a:r>
+            <a:r>
+              <a:rPr lang="tr-TR" noProof="0" dirty="0"/>
+              <a:t> of </a:t>
+            </a:r>
+            <a:r>
+              <a:rPr lang="tr-TR" noProof="0" dirty="0" err="1"/>
+              <a:t>the</a:t>
+            </a:r>
+            <a:r>
+              <a:rPr lang="tr-TR" noProof="0" dirty="0"/>
+              <a:t> </a:t>
+            </a:r>
+            <a:r>
+              <a:rPr lang="tr-TR" noProof="0" dirty="0" err="1"/>
+              <a:t>actor</a:t>
+            </a:r>
+            <a:r>
+              <a:rPr lang="tr-TR" noProof="0" dirty="0"/>
+              <a:t> </a:t>
+            </a:r>
+            <a:r>
+              <a:rPr lang="tr-TR" noProof="0" dirty="0" err="1"/>
+              <a:t>and</a:t>
+            </a:r>
+            <a:r>
+              <a:rPr lang="tr-TR" noProof="0" dirty="0"/>
+              <a:t> </a:t>
+            </a:r>
+            <a:r>
+              <a:rPr lang="tr-TR" noProof="0" dirty="0" err="1"/>
+              <a:t>critic</a:t>
+            </a:r>
+            <a:r>
+              <a:rPr lang="tr-TR" noProof="0" dirty="0"/>
+              <a:t> </a:t>
+            </a:r>
+            <a:r>
+              <a:rPr lang="tr-TR" noProof="0" dirty="0" err="1"/>
+              <a:t>networks</a:t>
+            </a:r>
+            <a:r>
+              <a:rPr lang="tr-TR" noProof="0" dirty="0"/>
+              <a:t>. </a:t>
+            </a:r>
+            <a:r>
+              <a:rPr lang="tr-TR" noProof="0" dirty="0" err="1"/>
+              <a:t>Actor</a:t>
+            </a:r>
+            <a:r>
+              <a:rPr lang="tr-TR" noProof="0" dirty="0"/>
+              <a:t> network </a:t>
+            </a:r>
+            <a:r>
+              <a:rPr lang="tr-TR" noProof="0" dirty="0" err="1"/>
+              <a:t>takes</a:t>
+            </a:r>
+            <a:r>
+              <a:rPr lang="tr-TR" noProof="0" dirty="0"/>
+              <a:t> </a:t>
+            </a:r>
+            <a:r>
+              <a:rPr lang="tr-TR" noProof="0" dirty="0" err="1"/>
+              <a:t>the</a:t>
+            </a:r>
+            <a:r>
+              <a:rPr lang="tr-TR" noProof="0" dirty="0"/>
+              <a:t> </a:t>
+            </a:r>
+            <a:r>
+              <a:rPr lang="tr-TR" noProof="0" dirty="0" err="1"/>
+              <a:t>states</a:t>
+            </a:r>
+            <a:r>
+              <a:rPr lang="tr-TR" noProof="0" dirty="0"/>
+              <a:t> </a:t>
+            </a:r>
+            <a:r>
+              <a:rPr lang="tr-TR" noProof="0" dirty="0" err="1"/>
+              <a:t>and</a:t>
+            </a:r>
+            <a:r>
+              <a:rPr lang="tr-TR" noProof="0" dirty="0"/>
+              <a:t> </a:t>
+            </a:r>
+            <a:r>
+              <a:rPr lang="tr-TR" noProof="0" dirty="0" err="1"/>
+              <a:t>returns</a:t>
+            </a:r>
+            <a:r>
+              <a:rPr lang="tr-TR" noProof="0" dirty="0"/>
+              <a:t> </a:t>
+            </a:r>
+            <a:r>
+              <a:rPr lang="tr-TR" noProof="0" dirty="0" err="1"/>
+              <a:t>actions</a:t>
+            </a:r>
+            <a:r>
+              <a:rPr lang="tr-TR" noProof="0" dirty="0"/>
+              <a:t>.</a:t>
+            </a:r>
+          </a:p>
+          <a:p>
+            <a:pPr marL="0" lvl="0" indent="0" algn="l" rtl="0">
+              <a:spcBef>
+                <a:spcPts val="0"/>
+              </a:spcBef>
+              <a:spcAft>
+                <a:spcPts val="0"/>
+              </a:spcAft>
+              <a:buNone/>
+            </a:pPr>
+            <a:r>
+              <a:rPr lang="tr-TR" noProof="0" dirty="0" err="1"/>
+              <a:t>Critic</a:t>
+            </a:r>
+            <a:r>
+              <a:rPr lang="tr-TR" noProof="0" dirty="0"/>
+              <a:t> network </a:t>
+            </a:r>
+            <a:r>
+              <a:rPr lang="tr-TR" noProof="0" dirty="0" err="1"/>
+              <a:t>gets</a:t>
+            </a:r>
+            <a:r>
+              <a:rPr lang="tr-TR" noProof="0" dirty="0"/>
+              <a:t> </a:t>
+            </a:r>
+            <a:r>
+              <a:rPr lang="tr-TR" noProof="0" dirty="0" err="1"/>
+              <a:t>the</a:t>
+            </a:r>
+            <a:r>
+              <a:rPr lang="tr-TR" noProof="0" dirty="0"/>
+              <a:t> </a:t>
+            </a:r>
+            <a:r>
+              <a:rPr lang="tr-TR" noProof="0" dirty="0" err="1"/>
+              <a:t>state</a:t>
+            </a:r>
+            <a:r>
+              <a:rPr lang="tr-TR" noProof="0" dirty="0"/>
+              <a:t> </a:t>
+            </a:r>
+            <a:r>
+              <a:rPr lang="tr-TR" noProof="0" dirty="0" err="1"/>
+              <a:t>and</a:t>
+            </a:r>
+            <a:r>
+              <a:rPr lang="tr-TR" noProof="0" dirty="0"/>
+              <a:t> </a:t>
+            </a:r>
+            <a:r>
+              <a:rPr lang="tr-TR" noProof="0" dirty="0" err="1"/>
+              <a:t>action</a:t>
+            </a:r>
+            <a:r>
+              <a:rPr lang="tr-TR" noProof="0" dirty="0"/>
+              <a:t> as </a:t>
+            </a:r>
+            <a:r>
+              <a:rPr lang="tr-TR" noProof="0" dirty="0" err="1"/>
+              <a:t>input</a:t>
+            </a:r>
+            <a:r>
+              <a:rPr lang="tr-TR" noProof="0" dirty="0"/>
+              <a:t> </a:t>
+            </a:r>
+            <a:r>
+              <a:rPr lang="tr-TR" noProof="0" dirty="0" err="1"/>
+              <a:t>and</a:t>
+            </a:r>
+            <a:r>
+              <a:rPr lang="tr-TR" noProof="0" dirty="0"/>
+              <a:t> </a:t>
+            </a:r>
+            <a:r>
+              <a:rPr lang="tr-TR" noProof="0" dirty="0" err="1"/>
+              <a:t>returns</a:t>
+            </a:r>
+            <a:r>
+              <a:rPr lang="tr-TR" noProof="0" dirty="0"/>
+              <a:t> </a:t>
+            </a:r>
+            <a:r>
+              <a:rPr lang="tr-TR" noProof="0" dirty="0" err="1"/>
+              <a:t>the</a:t>
+            </a:r>
+            <a:r>
+              <a:rPr lang="tr-TR" noProof="0" dirty="0"/>
+              <a:t> </a:t>
+            </a:r>
+            <a:r>
+              <a:rPr lang="tr-TR" noProof="0" dirty="0" err="1"/>
+              <a:t>best</a:t>
+            </a:r>
+            <a:r>
+              <a:rPr lang="tr-TR" noProof="0" dirty="0"/>
+              <a:t> </a:t>
+            </a:r>
+            <a:r>
+              <a:rPr lang="tr-TR" noProof="0" dirty="0" err="1"/>
+              <a:t>action</a:t>
+            </a:r>
+            <a:r>
+              <a:rPr lang="tr-TR" noProof="0" dirty="0"/>
+              <a:t>. </a:t>
+            </a:r>
+            <a:r>
+              <a:rPr lang="tr-TR" noProof="0" dirty="0" err="1"/>
+              <a:t>This</a:t>
+            </a:r>
+            <a:r>
+              <a:rPr lang="tr-TR" noProof="0" dirty="0"/>
+              <a:t> </a:t>
+            </a:r>
+            <a:r>
+              <a:rPr lang="tr-TR" noProof="0" dirty="0" err="1"/>
+              <a:t>best</a:t>
+            </a:r>
+            <a:r>
+              <a:rPr lang="tr-TR" noProof="0" dirty="0"/>
+              <a:t> </a:t>
+            </a:r>
+            <a:r>
+              <a:rPr lang="tr-TR" noProof="0" dirty="0" err="1"/>
+              <a:t>action</a:t>
+            </a:r>
+            <a:r>
+              <a:rPr lang="tr-TR" noProof="0" dirty="0"/>
+              <a:t> </a:t>
+            </a:r>
+            <a:r>
+              <a:rPr lang="tr-TR" noProof="0" dirty="0" err="1"/>
+              <a:t>evaluated</a:t>
+            </a:r>
+            <a:r>
+              <a:rPr lang="tr-TR" noProof="0" dirty="0"/>
+              <a:t> </a:t>
+            </a:r>
+            <a:r>
+              <a:rPr lang="tr-TR" noProof="0" dirty="0" err="1"/>
+              <a:t>with</a:t>
+            </a:r>
+            <a:r>
+              <a:rPr lang="tr-TR" noProof="0" dirty="0"/>
+              <a:t> </a:t>
+            </a:r>
+            <a:r>
+              <a:rPr lang="tr-TR" noProof="0" dirty="0" err="1"/>
+              <a:t>the</a:t>
+            </a:r>
+            <a:r>
+              <a:rPr lang="tr-TR" noProof="0" dirty="0"/>
+              <a:t> </a:t>
+            </a:r>
+            <a:r>
+              <a:rPr lang="tr-TR" noProof="0" dirty="0" err="1"/>
+              <a:t>long</a:t>
+            </a:r>
+            <a:r>
+              <a:rPr lang="tr-TR" noProof="0" dirty="0"/>
+              <a:t> </a:t>
+            </a:r>
+            <a:r>
+              <a:rPr lang="tr-TR" noProof="0" dirty="0" err="1"/>
+              <a:t>term</a:t>
+            </a:r>
+            <a:r>
+              <a:rPr lang="tr-TR" noProof="0" dirty="0"/>
+              <a:t> </a:t>
+            </a:r>
+            <a:r>
+              <a:rPr lang="tr-TR" noProof="0" dirty="0" err="1"/>
+              <a:t>rewards</a:t>
+            </a:r>
+            <a:r>
+              <a:rPr lang="tr-TR" noProof="0" dirty="0"/>
+              <a:t>.</a:t>
+            </a:r>
             <a:endParaRPr lang="en-US" noProof="0" dirty="0"/>
           </a:p>
         </p:txBody>
@@ -5663,14 +7323,7 @@
               </a:spcAft>
               <a:buNone/>
             </a:pPr>
-            <a:r>
-              <a:rPr lang="tr-TR" noProof="0" dirty="0" err="1"/>
-              <a:t>Reward</a:t>
-            </a:r>
-            <a:r>
-              <a:rPr lang="tr-TR" noProof="0" dirty="0"/>
-              <a:t> fonksiyon düzenlenecek</a:t>
-            </a:r>
+            <a:endParaRPr lang="tr-TR" noProof="0" dirty="0"/>
           </a:p>
           <a:p>
             <a:pPr marL="0" lvl="0" indent="0" algn="l" rtl="0">
@@ -5851,6 +7504,421 @@
               </a:spcAft>
               <a:buNone/>
             </a:pPr>
+            <a:r>
+              <a:rPr lang="tr-TR" noProof="0" dirty="0"/>
+              <a:t>PPO </a:t>
+            </a:r>
+            <a:r>
+              <a:rPr lang="tr-TR" noProof="0" dirty="0" err="1"/>
+              <a:t>algorithm</a:t>
+            </a:r>
+            <a:r>
+              <a:rPr lang="tr-TR" noProof="0" dirty="0"/>
+              <a:t> </a:t>
+            </a:r>
+            <a:r>
+              <a:rPr lang="tr-TR" noProof="0" dirty="0" err="1"/>
+              <a:t>also</a:t>
+            </a:r>
+            <a:r>
+              <a:rPr lang="tr-TR" noProof="0" dirty="0"/>
+              <a:t> </a:t>
+            </a:r>
+            <a:r>
+              <a:rPr lang="tr-TR" noProof="0" dirty="0" err="1"/>
+              <a:t>have</a:t>
+            </a:r>
+            <a:r>
+              <a:rPr lang="tr-TR" noProof="0" dirty="0"/>
+              <a:t> </a:t>
+            </a:r>
+            <a:r>
+              <a:rPr lang="tr-TR" noProof="0" dirty="0" err="1"/>
+              <a:t>actor-critic</a:t>
+            </a:r>
+            <a:r>
+              <a:rPr lang="tr-TR" noProof="0" dirty="0"/>
+              <a:t> </a:t>
+            </a:r>
+            <a:r>
+              <a:rPr lang="tr-TR" noProof="0" dirty="0" err="1"/>
+              <a:t>networks</a:t>
+            </a:r>
+            <a:r>
+              <a:rPr lang="tr-TR" noProof="0" dirty="0"/>
+              <a:t> </a:t>
+            </a:r>
+            <a:r>
+              <a:rPr lang="tr-TR" noProof="0" dirty="0" err="1"/>
+              <a:t>and</a:t>
+            </a:r>
+            <a:r>
+              <a:rPr lang="tr-TR" noProof="0" dirty="0"/>
+              <a:t> it  is </a:t>
+            </a:r>
+            <a:r>
+              <a:rPr lang="tr-TR" noProof="0" dirty="0" err="1"/>
+              <a:t>continuous</a:t>
+            </a:r>
+            <a:r>
+              <a:rPr lang="tr-TR" noProof="0" dirty="0"/>
+              <a:t> </a:t>
+            </a:r>
+            <a:r>
+              <a:rPr lang="tr-TR" noProof="0" dirty="0" err="1"/>
+              <a:t>space</a:t>
+            </a:r>
+            <a:r>
+              <a:rPr lang="tr-TR" noProof="0" dirty="0"/>
+              <a:t> </a:t>
+            </a:r>
+            <a:r>
+              <a:rPr lang="tr-TR" noProof="0" dirty="0" err="1"/>
+              <a:t>agent</a:t>
+            </a:r>
+            <a:r>
+              <a:rPr lang="tr-TR" noProof="0" dirty="0"/>
+              <a:t>.</a:t>
+            </a:r>
+          </a:p>
+          <a:p>
+            <a:pPr marL="0" lvl="0" indent="0" algn="l" rtl="0">
+              <a:spcBef>
+                <a:spcPts val="0"/>
+              </a:spcBef>
+              <a:spcAft>
+                <a:spcPts val="0"/>
+              </a:spcAft>
+              <a:buNone/>
+            </a:pPr>
+            <a:r>
+              <a:rPr lang="tr-TR" noProof="0" dirty="0" err="1"/>
+              <a:t>Its</a:t>
+            </a:r>
+            <a:r>
+              <a:rPr lang="tr-TR" noProof="0" dirty="0"/>
+              <a:t> </a:t>
+            </a:r>
+            <a:r>
+              <a:rPr lang="tr-TR" noProof="0" dirty="0" err="1"/>
+              <a:t>working</a:t>
+            </a:r>
+            <a:r>
+              <a:rPr lang="tr-TR" noProof="0" dirty="0"/>
+              <a:t> </a:t>
+            </a:r>
+            <a:r>
+              <a:rPr lang="tr-TR" noProof="0" dirty="0" err="1"/>
+              <a:t>principle</a:t>
+            </a:r>
+            <a:r>
+              <a:rPr lang="tr-TR" noProof="0" dirty="0"/>
+              <a:t> is </a:t>
+            </a:r>
+            <a:r>
+              <a:rPr lang="tr-TR" noProof="0" dirty="0" err="1"/>
+              <a:t>based</a:t>
+            </a:r>
+            <a:r>
+              <a:rPr lang="tr-TR" noProof="0" dirty="0"/>
+              <a:t> on </a:t>
+            </a:r>
+            <a:r>
+              <a:rPr lang="tr-TR" noProof="0" dirty="0" err="1"/>
+              <a:t>small</a:t>
+            </a:r>
+            <a:r>
+              <a:rPr lang="tr-TR" noProof="0" dirty="0"/>
+              <a:t> </a:t>
+            </a:r>
+            <a:r>
+              <a:rPr lang="tr-TR" noProof="0" dirty="0" err="1"/>
+              <a:t>steps</a:t>
+            </a:r>
+            <a:r>
+              <a:rPr lang="tr-TR" noProof="0" dirty="0"/>
+              <a:t> in </a:t>
+            </a:r>
+            <a:r>
+              <a:rPr lang="tr-TR" noProof="0" dirty="0" err="1"/>
+              <a:t>the</a:t>
+            </a:r>
+            <a:r>
+              <a:rPr lang="tr-TR" noProof="0" dirty="0"/>
+              <a:t> </a:t>
+            </a:r>
+            <a:r>
+              <a:rPr lang="tr-TR" noProof="0" dirty="0" err="1"/>
+              <a:t>trusted</a:t>
+            </a:r>
+            <a:r>
+              <a:rPr lang="tr-TR" noProof="0" dirty="0"/>
+              <a:t> </a:t>
+            </a:r>
+            <a:r>
+              <a:rPr lang="tr-TR" noProof="0" dirty="0" err="1"/>
+              <a:t>region</a:t>
+            </a:r>
+            <a:r>
+              <a:rPr lang="tr-TR" noProof="0" dirty="0"/>
+              <a:t>. </a:t>
+            </a:r>
+            <a:r>
+              <a:rPr lang="tr-TR" noProof="0" dirty="0" err="1"/>
+              <a:t>It’s</a:t>
+            </a:r>
+            <a:r>
+              <a:rPr lang="tr-TR" noProof="0" dirty="0"/>
+              <a:t> </a:t>
+            </a:r>
+            <a:r>
+              <a:rPr lang="tr-TR" noProof="0" dirty="0" err="1"/>
+              <a:t>direction</a:t>
+            </a:r>
+            <a:r>
+              <a:rPr lang="tr-TR" noProof="0" dirty="0"/>
+              <a:t> is </a:t>
+            </a:r>
+            <a:r>
+              <a:rPr lang="tr-TR" noProof="0" dirty="0" err="1"/>
+              <a:t>determined</a:t>
+            </a:r>
+            <a:r>
+              <a:rPr lang="tr-TR" noProof="0" dirty="0"/>
+              <a:t> </a:t>
+            </a:r>
+            <a:r>
+              <a:rPr lang="tr-TR" noProof="0" dirty="0" err="1"/>
+              <a:t>when</a:t>
+            </a:r>
+            <a:r>
+              <a:rPr lang="tr-TR" noProof="0" dirty="0"/>
+              <a:t> </a:t>
+            </a:r>
+            <a:r>
+              <a:rPr lang="tr-TR" noProof="0" dirty="0" err="1"/>
+              <a:t>the</a:t>
+            </a:r>
+            <a:r>
+              <a:rPr lang="tr-TR" noProof="0" dirty="0"/>
+              <a:t> </a:t>
+            </a:r>
+            <a:r>
+              <a:rPr lang="tr-TR" noProof="0" dirty="0" err="1"/>
+              <a:t>best</a:t>
+            </a:r>
+            <a:r>
+              <a:rPr lang="tr-TR" noProof="0" dirty="0"/>
+              <a:t> </a:t>
+            </a:r>
+            <a:r>
+              <a:rPr lang="tr-TR" noProof="0" dirty="0" err="1"/>
+              <a:t>point</a:t>
+            </a:r>
+            <a:r>
+              <a:rPr lang="tr-TR" noProof="0" dirty="0"/>
+              <a:t> is </a:t>
+            </a:r>
+            <a:r>
+              <a:rPr lang="tr-TR" noProof="0" dirty="0" err="1"/>
+              <a:t>found</a:t>
+            </a:r>
+            <a:r>
+              <a:rPr lang="tr-TR" noProof="0" dirty="0"/>
+              <a:t> in </a:t>
+            </a:r>
+            <a:r>
+              <a:rPr lang="tr-TR" noProof="0" dirty="0" err="1"/>
+              <a:t>the</a:t>
+            </a:r>
+            <a:r>
+              <a:rPr lang="tr-TR" noProof="0" dirty="0"/>
+              <a:t> </a:t>
+            </a:r>
+            <a:r>
+              <a:rPr lang="tr-TR" noProof="0" dirty="0" err="1"/>
+              <a:t>circular</a:t>
+            </a:r>
+            <a:r>
+              <a:rPr lang="tr-TR" noProof="0" dirty="0"/>
+              <a:t>. </a:t>
+            </a:r>
+            <a:r>
+              <a:rPr lang="tr-TR" noProof="0" dirty="0" err="1"/>
+              <a:t>Once</a:t>
+            </a:r>
+            <a:r>
+              <a:rPr lang="tr-TR" noProof="0" dirty="0"/>
+              <a:t> </a:t>
+            </a:r>
+            <a:r>
+              <a:rPr lang="tr-TR" noProof="0" dirty="0" err="1"/>
+              <a:t>best</a:t>
+            </a:r>
+            <a:r>
+              <a:rPr lang="tr-TR" noProof="0" dirty="0"/>
+              <a:t> </a:t>
+            </a:r>
+            <a:r>
+              <a:rPr lang="tr-TR" noProof="0" dirty="0" err="1"/>
+              <a:t>point</a:t>
+            </a:r>
+            <a:r>
+              <a:rPr lang="tr-TR" noProof="0" dirty="0"/>
+              <a:t> is </a:t>
+            </a:r>
+            <a:r>
+              <a:rPr lang="tr-TR" noProof="0" dirty="0" err="1"/>
+              <a:t>found</a:t>
+            </a:r>
+            <a:r>
+              <a:rPr lang="tr-TR" noProof="0" dirty="0"/>
+              <a:t> </a:t>
+            </a:r>
+            <a:r>
+              <a:rPr lang="tr-TR" noProof="0" dirty="0" err="1"/>
+              <a:t>new</a:t>
+            </a:r>
+            <a:r>
+              <a:rPr lang="tr-TR" noProof="0" dirty="0"/>
+              <a:t> </a:t>
+            </a:r>
+            <a:r>
+              <a:rPr lang="tr-TR" noProof="0" dirty="0" err="1"/>
+              <a:t>trust</a:t>
+            </a:r>
+            <a:r>
+              <a:rPr lang="tr-TR" noProof="0" dirty="0"/>
+              <a:t> </a:t>
+            </a:r>
+            <a:r>
+              <a:rPr lang="tr-TR" noProof="0" dirty="0" err="1"/>
+              <a:t>region</a:t>
+            </a:r>
+            <a:r>
+              <a:rPr lang="tr-TR" noProof="0" dirty="0"/>
+              <a:t> </a:t>
+            </a:r>
+            <a:r>
+              <a:rPr lang="tr-TR" noProof="0" dirty="0" err="1"/>
+              <a:t>appears</a:t>
+            </a:r>
+            <a:r>
+              <a:rPr lang="tr-TR" noProof="0" dirty="0"/>
+              <a:t> </a:t>
+            </a:r>
+            <a:r>
+              <a:rPr lang="tr-TR" noProof="0" dirty="0" err="1"/>
+              <a:t>and</a:t>
+            </a:r>
+            <a:r>
+              <a:rPr lang="tr-TR" noProof="0" dirty="0"/>
+              <a:t> </a:t>
+            </a:r>
+            <a:r>
+              <a:rPr lang="tr-TR" noProof="0" dirty="0" err="1"/>
+              <a:t>again</a:t>
+            </a:r>
+            <a:r>
+              <a:rPr lang="tr-TR" noProof="0" dirty="0"/>
+              <a:t> </a:t>
+            </a:r>
+            <a:r>
+              <a:rPr lang="tr-TR" noProof="0" dirty="0" err="1"/>
+              <a:t>struggles</a:t>
+            </a:r>
+            <a:r>
+              <a:rPr lang="tr-TR" noProof="0" dirty="0"/>
+              <a:t> </a:t>
+            </a:r>
+            <a:r>
+              <a:rPr lang="tr-TR" noProof="0" dirty="0" err="1"/>
+              <a:t>to</a:t>
+            </a:r>
+            <a:r>
+              <a:rPr lang="tr-TR" noProof="0" dirty="0"/>
+              <a:t> </a:t>
+            </a:r>
+            <a:r>
+              <a:rPr lang="tr-TR" noProof="0" dirty="0" err="1"/>
+              <a:t>find</a:t>
+            </a:r>
+            <a:r>
+              <a:rPr lang="tr-TR" noProof="0" dirty="0"/>
+              <a:t> </a:t>
+            </a:r>
+            <a:r>
+              <a:rPr lang="tr-TR" noProof="0" dirty="0" err="1"/>
+              <a:t>best</a:t>
+            </a:r>
+            <a:r>
+              <a:rPr lang="tr-TR" noProof="0" dirty="0"/>
+              <a:t> </a:t>
+            </a:r>
+            <a:r>
+              <a:rPr lang="tr-TR" noProof="0" dirty="0" err="1"/>
+              <a:t>point</a:t>
+            </a:r>
+            <a:r>
+              <a:rPr lang="tr-TR" noProof="0" dirty="0"/>
+              <a:t>. </a:t>
+            </a:r>
+            <a:r>
+              <a:rPr lang="tr-TR" noProof="0" dirty="0" err="1"/>
+              <a:t>This</a:t>
+            </a:r>
+            <a:r>
+              <a:rPr lang="tr-TR" noProof="0" dirty="0"/>
+              <a:t> </a:t>
+            </a:r>
+            <a:r>
+              <a:rPr lang="tr-TR" noProof="0" dirty="0" err="1"/>
+              <a:t>process</a:t>
+            </a:r>
+            <a:r>
+              <a:rPr lang="tr-TR" noProof="0" dirty="0"/>
+              <a:t> </a:t>
+            </a:r>
+            <a:r>
+              <a:rPr lang="tr-TR" noProof="0" dirty="0" err="1"/>
+              <a:t>continue</a:t>
+            </a:r>
+            <a:r>
+              <a:rPr lang="tr-TR" noProof="0" dirty="0"/>
+              <a:t> </a:t>
+            </a:r>
+            <a:r>
+              <a:rPr lang="tr-TR" noProof="0" dirty="0" err="1"/>
+              <a:t>untill</a:t>
+            </a:r>
+            <a:r>
+              <a:rPr lang="tr-TR" noProof="0" dirty="0"/>
+              <a:t> </a:t>
+            </a:r>
+            <a:r>
+              <a:rPr lang="tr-TR" noProof="0" dirty="0" err="1"/>
+              <a:t>optimal,target</a:t>
+            </a:r>
+            <a:r>
+              <a:rPr lang="tr-TR" noProof="0" dirty="0"/>
+              <a:t>, </a:t>
+            </a:r>
+            <a:r>
+              <a:rPr lang="tr-TR" noProof="0" dirty="0" err="1"/>
+              <a:t>point</a:t>
+            </a:r>
+            <a:r>
+              <a:rPr lang="tr-TR" noProof="0" dirty="0"/>
+              <a:t> is </a:t>
+            </a:r>
+            <a:r>
+              <a:rPr lang="tr-TR" noProof="0" dirty="0" err="1"/>
+              <a:t>found</a:t>
+            </a:r>
+            <a:r>
+              <a:rPr lang="tr-TR" noProof="0" dirty="0"/>
+              <a:t>.</a:t>
+            </a:r>
             <a:endParaRPr lang="en-US" noProof="0" dirty="0"/>
           </a:p>
         </p:txBody>

--- a/Presentations/Project_Final.pptx
+++ b/Presentations/Project_Final.pptx
@@ -355,7 +355,7 @@
       <p15:sldGuideLst xmlns:p15="http://schemas.microsoft.com/office/powerpoint/2012/main"/>
     </p:ext>
     <p:ext uri="GoogleSlidesCustomDataVersion2">
-      <go:slidesCustomData xmlns:go="http://customooxmlschemas.google.com/" xmlns:ahyp="http://schemas.microsoft.com/office/drawing/2018/hyperlinkcolor" xmlns:p15="http://schemas.microsoft.com/office/powerpoint/2012/main" xmlns:p14="http://schemas.microsoft.com/office/powerpoint/2010/main" xmlns:com="http://schemas.openxmlformats.org/drawingml/2006/compatibility" xmlns:pvml="urn:schemas-microsoft-com:office:powerpoint" xmlns:v="urn:schemas-microsoft-com:vml" xmlns:o="urn:schemas-microsoft-com:office:office" xmlns:dgm="http://schemas.openxmlformats.org/drawingml/2006/diagram" xmlns:c="http://schemas.openxmlformats.org/drawingml/2006/chart" xmlns:mv="urn:schemas-microsoft-com:mac:vml" xmlns:mc="http://schemas.openxmlformats.org/markup-compatibility/2006" xmlns="" r:id="rId44" roundtripDataSignature="AMtx7mg5uORYicMT0MeaOpO/20tnanoKVQ=="/>
+      <go:slidesCustomData xmlns="" xmlns:mc="http://schemas.openxmlformats.org/markup-compatibility/2006" xmlns:mv="urn:schemas-microsoft-com:mac:vml" xmlns:c="http://schemas.openxmlformats.org/drawingml/2006/chart" xmlns:dgm="http://schemas.openxmlformats.org/drawingml/2006/diagram" xmlns:o="urn:schemas-microsoft-com:office:office" xmlns:v="urn:schemas-microsoft-com:vml" xmlns:pvml="urn:schemas-microsoft-com:office:powerpoint" xmlns:com="http://schemas.openxmlformats.org/drawingml/2006/compatibility" xmlns:p14="http://schemas.microsoft.com/office/powerpoint/2010/main" xmlns:p15="http://schemas.microsoft.com/office/powerpoint/2012/main" xmlns:ahyp="http://schemas.microsoft.com/office/drawing/2018/hyperlinkcolor" xmlns:go="http://customooxmlschemas.google.com/" r:id="rId44" roundtripDataSignature="AMtx7mg5uORYicMT0MeaOpO/20tnanoKVQ=="/>
     </p:ext>
   </p:extLst>
 </p:presentation>
@@ -4830,314 +4830,21 @@
           </a:bodyPr>
           <a:lstStyle/>
           <a:p>
-            <a:pPr marL="0" lvl="0" indent="0" algn="l" rtl="0">
-              <a:spcBef>
-                <a:spcPts val="0"/>
-              </a:spcBef>
-              <a:spcAft>
-                <a:spcPts val="0"/>
-              </a:spcAft>
-              <a:buNone/>
-            </a:pPr>
-            <a:r>
-              <a:rPr lang="tr-TR" noProof="0" dirty="0"/>
-              <a:t>Normalde </a:t>
-            </a:r>
-            <a:r>
-              <a:rPr lang="tr-TR" noProof="0" dirty="0" err="1"/>
-              <a:t>rewardün</a:t>
-            </a:r>
-            <a:r>
-              <a:rPr lang="tr-TR" noProof="0" dirty="0"/>
-              <a:t> </a:t>
-            </a:r>
-            <a:r>
-              <a:rPr lang="tr-TR" noProof="0" dirty="0" err="1"/>
-              <a:t>maximize</a:t>
-            </a:r>
-            <a:r>
-              <a:rPr lang="tr-TR" noProof="0" dirty="0"/>
-              <a:t> etmesi beklenir. Osilasyon belirli </a:t>
-            </a:r>
-            <a:r>
-              <a:rPr lang="tr-TR" noProof="0" dirty="0" err="1"/>
-              <a:t>steplede</a:t>
-            </a:r>
-            <a:r>
-              <a:rPr lang="tr-TR" noProof="0" dirty="0"/>
-              <a:t> </a:t>
-            </a:r>
-            <a:r>
-              <a:rPr lang="tr-TR" noProof="0" dirty="0" err="1"/>
-              <a:t>reward</a:t>
-            </a:r>
-            <a:r>
-              <a:rPr lang="tr-TR" noProof="0" dirty="0"/>
-              <a:t> </a:t>
-            </a:r>
-          </a:p>
-          <a:p>
-            <a:pPr marL="0" lvl="0" indent="0" algn="l" rtl="0">
-              <a:spcBef>
-                <a:spcPts val="0"/>
-              </a:spcBef>
-              <a:spcAft>
-                <a:spcPts val="0"/>
-              </a:spcAft>
-              <a:buNone/>
-            </a:pPr>
-            <a:r>
-              <a:rPr lang="tr-TR" noProof="0" dirty="0" err="1"/>
-              <a:t>Average</a:t>
-            </a:r>
-            <a:r>
-              <a:rPr lang="tr-TR" noProof="0" dirty="0"/>
-              <a:t> </a:t>
-            </a:r>
-            <a:r>
-              <a:rPr lang="tr-TR" noProof="0" dirty="0" err="1"/>
-              <a:t>reward</a:t>
-            </a:r>
-            <a:r>
-              <a:rPr lang="tr-TR" noProof="0" dirty="0"/>
-              <a:t> 10 tanesinin ortalaması</a:t>
-            </a:r>
-          </a:p>
-          <a:p>
-            <a:pPr marL="0" lvl="0" indent="0" algn="l" rtl="0">
-              <a:spcBef>
-                <a:spcPts val="0"/>
-              </a:spcBef>
-              <a:spcAft>
-                <a:spcPts val="0"/>
-              </a:spcAft>
-              <a:buNone/>
-            </a:pPr>
-            <a:r>
-              <a:rPr lang="tr-TR" noProof="0" dirty="0" err="1"/>
-              <a:t>Reward</a:t>
-            </a:r>
-            <a:r>
-              <a:rPr lang="tr-TR" noProof="0" dirty="0"/>
-              <a:t> </a:t>
-            </a:r>
-            <a:r>
-              <a:rPr lang="tr-TR" noProof="0" dirty="0" err="1"/>
-              <a:t>function</a:t>
-            </a:r>
-            <a:r>
-              <a:rPr lang="tr-TR" noProof="0" dirty="0"/>
-              <a:t> : </a:t>
-            </a:r>
-          </a:p>
-          <a:p>
-            <a:pPr marL="0" lvl="0" indent="0" algn="l" rtl="0">
-              <a:spcBef>
-                <a:spcPts val="0"/>
-              </a:spcBef>
-              <a:spcAft>
-                <a:spcPts val="0"/>
-              </a:spcAft>
-              <a:buNone/>
-            </a:pPr>
-            <a:r>
-              <a:rPr lang="tr-TR" noProof="0" dirty="0"/>
-              <a:t>&lt;</a:t>
-            </a:r>
-            <a:r>
-              <a:rPr lang="tr-TR" noProof="0" dirty="0" err="1"/>
-              <a:t>roll</a:t>
-            </a:r>
-            <a:r>
-              <a:rPr lang="tr-TR" noProof="0" dirty="0"/>
-              <a:t> </a:t>
-            </a:r>
-            <a:r>
-              <a:rPr lang="tr-TR" noProof="0" dirty="0" err="1"/>
-              <a:t>error</a:t>
-            </a:r>
-            <a:r>
-              <a:rPr lang="tr-TR" noProof="0" dirty="0"/>
-              <a:t> ve </a:t>
-            </a:r>
-            <a:r>
-              <a:rPr lang="tr-TR" noProof="0" dirty="0" err="1"/>
-              <a:t>pitch</a:t>
-            </a:r>
-            <a:r>
-              <a:rPr lang="tr-TR" noProof="0" dirty="0"/>
-              <a:t> </a:t>
-            </a:r>
-            <a:r>
-              <a:rPr lang="tr-TR" noProof="0" dirty="0" err="1"/>
-              <a:t>error</a:t>
-            </a:r>
-            <a:r>
-              <a:rPr lang="tr-TR" noProof="0" dirty="0"/>
-              <a:t> 0.5 . Bunların </a:t>
-            </a:r>
-            <a:r>
-              <a:rPr lang="tr-TR" noProof="0" dirty="0" err="1"/>
-              <a:t>weight</a:t>
-            </a:r>
-            <a:r>
-              <a:rPr lang="tr-TR" noProof="0" dirty="0"/>
-              <a:t> değerleri 2side 0.5 </a:t>
-            </a:r>
-            <a:r>
-              <a:rPr lang="tr-TR" noProof="0" dirty="0" err="1"/>
-              <a:t>ikiside</a:t>
-            </a:r>
-            <a:r>
-              <a:rPr lang="tr-TR" noProof="0" dirty="0"/>
-              <a:t> aynı  oranda ödül + ceza. </a:t>
-            </a:r>
-          </a:p>
-          <a:p>
-            <a:pPr marL="0" lvl="0" indent="0" algn="l" rtl="0">
-              <a:spcBef>
-                <a:spcPts val="0"/>
-              </a:spcBef>
-              <a:spcAft>
-                <a:spcPts val="0"/>
-              </a:spcAft>
-              <a:buNone/>
-            </a:pPr>
-            <a:r>
-              <a:rPr lang="tr-TR" noProof="0" dirty="0"/>
-              <a:t>&gt;</a:t>
-            </a:r>
-          </a:p>
-          <a:p>
-            <a:pPr marL="0" lvl="0" indent="0" algn="l" rtl="0">
-              <a:spcBef>
-                <a:spcPts val="0"/>
-              </a:spcBef>
-              <a:spcAft>
-                <a:spcPts val="0"/>
-              </a:spcAft>
-              <a:buNone/>
-            </a:pPr>
-            <a:r>
-              <a:rPr lang="tr-TR" noProof="0" dirty="0"/>
-              <a:t>&lt;1 bölü e üzeri  denklem… Bu hata sıfıra gittikçe </a:t>
-            </a:r>
-            <a:r>
-              <a:rPr lang="tr-TR" noProof="0" dirty="0" err="1"/>
-              <a:t>reward</a:t>
-            </a:r>
-            <a:r>
-              <a:rPr lang="tr-TR" noProof="0" dirty="0"/>
-              <a:t> 1 e yaklaşacak demek. Hata sonsuza  giderse </a:t>
-            </a:r>
-            <a:r>
-              <a:rPr lang="tr-TR" noProof="0" dirty="0" err="1"/>
-              <a:t>reward</a:t>
-            </a:r>
-            <a:r>
-              <a:rPr lang="tr-TR" noProof="0" dirty="0"/>
-              <a:t> 0 olacak . </a:t>
-            </a:r>
-            <a:r>
-              <a:rPr lang="tr-TR" noProof="0" dirty="0" err="1"/>
-              <a:t>Exponential</a:t>
-            </a:r>
-            <a:r>
-              <a:rPr lang="tr-TR" noProof="0" dirty="0"/>
-              <a:t> terim </a:t>
-            </a:r>
-            <a:r>
-              <a:rPr lang="tr-TR" noProof="0" dirty="0" err="1"/>
-              <a:t>klullanrak</a:t>
-            </a:r>
-            <a:r>
-              <a:rPr lang="tr-TR" noProof="0" dirty="0"/>
-              <a:t> hataya 0 ve 1 arasına </a:t>
-            </a:r>
-            <a:r>
-              <a:rPr lang="tr-TR" noProof="0" dirty="0" err="1"/>
-              <a:t>sınırlandırk</a:t>
-            </a:r>
-            <a:r>
-              <a:rPr lang="tr-TR" noProof="0" dirty="0"/>
-              <a:t> [değer]</a:t>
-            </a:r>
-          </a:p>
-          <a:p>
-            <a:pPr marL="0" lvl="0" indent="0" algn="l" rtl="0">
-              <a:spcBef>
-                <a:spcPts val="0"/>
-              </a:spcBef>
-              <a:spcAft>
-                <a:spcPts val="0"/>
-              </a:spcAft>
-              <a:buNone/>
-            </a:pPr>
-            <a:r>
-              <a:rPr lang="tr-TR" noProof="0" dirty="0"/>
-              <a:t>Maksimum step 2000 yapıldı, bu bize ne sağladı&lt;</a:t>
-            </a:r>
-          </a:p>
-          <a:p>
-            <a:pPr marL="0" lvl="0" indent="0" algn="l" rtl="0">
-              <a:spcBef>
-                <a:spcPts val="0"/>
-              </a:spcBef>
-              <a:spcAft>
-                <a:spcPts val="0"/>
-              </a:spcAft>
-              <a:buNone/>
-            </a:pPr>
-            <a:r>
-              <a:rPr lang="tr-TR" noProof="0" dirty="0"/>
-              <a:t>Her bir step maksimum 1 olabilir, bu yüzden her bir </a:t>
-            </a:r>
-            <a:r>
-              <a:rPr lang="tr-TR" noProof="0" dirty="0" err="1"/>
-              <a:t>episode</a:t>
-            </a:r>
-            <a:r>
-              <a:rPr lang="tr-TR" noProof="0" dirty="0"/>
-              <a:t> maksimum 2000 </a:t>
-            </a:r>
-            <a:r>
-              <a:rPr lang="tr-TR" noProof="0" dirty="0" err="1"/>
-              <a:t>değerinni</a:t>
-            </a:r>
-            <a:r>
-              <a:rPr lang="tr-TR" noProof="0" dirty="0"/>
-              <a:t> alır&gt;</a:t>
-            </a:r>
-          </a:p>
-          <a:p>
-            <a:pPr marL="0" lvl="0" indent="0" algn="l" rtl="0">
-              <a:spcBef>
-                <a:spcPts val="0"/>
-              </a:spcBef>
-              <a:spcAft>
-                <a:spcPts val="0"/>
-              </a:spcAft>
-              <a:buNone/>
-            </a:pPr>
-            <a:r>
-              <a:rPr lang="tr-TR" noProof="0" dirty="0"/>
-              <a:t>Training </a:t>
-            </a:r>
-            <a:r>
-              <a:rPr lang="tr-TR" noProof="0" dirty="0" err="1"/>
-              <a:t>stopping</a:t>
-            </a:r>
-            <a:r>
-              <a:rPr lang="tr-TR" noProof="0" dirty="0"/>
-              <a:t> </a:t>
-            </a:r>
-            <a:r>
-              <a:rPr lang="tr-TR" noProof="0" dirty="0" err="1"/>
-              <a:t>criteria</a:t>
-            </a:r>
-            <a:r>
-              <a:rPr lang="tr-TR" noProof="0" dirty="0"/>
-              <a:t> 1500 olarak seçildi. {hiçbir zaman 900 ün üzerine geçemedik ve anlık osilasyonlar oldu }</a:t>
+            <a:r>
+              <a:rPr lang="en-US" dirty="0"/>
+              <a:t>Under normal conditions, the RL reward function is expected to be maximized. We usually observe oscillations in the cumulative reward value. In fact, in some steps, the reward has dropped significantly but then settled back to its previous oscillating value. The average reward is the average of the rewards from 10 episodes.</a:t>
+            </a:r>
+          </a:p>
+          <a:p>
+            <a:r>
+              <a:rPr lang="en-US" dirty="0"/>
+              <a:t>Reward function: We set the weighting value of roll error and pitch error to 0.5. We reward or penalize both errors equally. When it is 1 divided by exp, as the error approaches zero, the reward will approach 1. If the error goes to infinity, the reward will be 0. By using the exponential term, we limited the error to a value between 0 and 1.</a:t>
+            </a:r>
+          </a:p>
+          <a:p>
+            <a:r>
+              <a:rPr lang="en-US" dirty="0"/>
+              <a:t>Maximum step is set to 2000, what does this provide us? Each step can be a maximum of 1, so each episode can have a maximum value of 2000. Training stopping criteria is selected as 1500. {we never exceeded 900 and there were instantaneous oscillations}</a:t>
             </a:r>
           </a:p>
           <a:p>
@@ -5320,109 +5027,8 @@
               <a:buNone/>
             </a:pPr>
             <a:r>
-              <a:rPr lang="tr-TR" noProof="0" dirty="0"/>
-              <a:t>Katsayı ve </a:t>
-            </a:r>
-            <a:r>
-              <a:rPr lang="tr-TR" noProof="0" dirty="0" err="1"/>
-              <a:t>üssel</a:t>
-            </a:r>
-            <a:r>
-              <a:rPr lang="tr-TR" noProof="0" dirty="0"/>
-              <a:t> ifadelerden dolayı değişen hata oranlarında </a:t>
-            </a:r>
-            <a:r>
-              <a:rPr lang="tr-TR" noProof="0" dirty="0" err="1"/>
-              <a:t>episoode</a:t>
-            </a:r>
-            <a:r>
-              <a:rPr lang="tr-TR" noProof="0" dirty="0"/>
-              <a:t> </a:t>
-            </a:r>
-            <a:r>
-              <a:rPr lang="tr-TR" noProof="0" dirty="0" err="1"/>
-              <a:t>reward</a:t>
-            </a:r>
-            <a:r>
-              <a:rPr lang="tr-TR" noProof="0" dirty="0"/>
-              <a:t> değerinde hızlı yükseliş ve alçalışlar oluşmakta.</a:t>
-            </a:r>
-          </a:p>
-          <a:p>
-            <a:pPr marL="0" lvl="0" indent="0" algn="l" rtl="0">
-              <a:spcBef>
-                <a:spcPts val="0"/>
-              </a:spcBef>
-              <a:spcAft>
-                <a:spcPts val="0"/>
-              </a:spcAft>
-              <a:buNone/>
-            </a:pPr>
-            <a:r>
-              <a:rPr lang="tr-TR" noProof="0" dirty="0"/>
-              <a:t>Başlangıçta    &lt;  &gt;</a:t>
-            </a:r>
-          </a:p>
-          <a:p>
-            <a:pPr marL="0" lvl="0" indent="0" algn="l" rtl="0">
-              <a:spcBef>
-                <a:spcPts val="0"/>
-              </a:spcBef>
-              <a:spcAft>
-                <a:spcPts val="0"/>
-              </a:spcAft>
-              <a:buNone/>
-            </a:pPr>
-            <a:r>
-              <a:rPr lang="tr-TR" noProof="0" dirty="0" err="1"/>
-              <a:t>Steady</a:t>
-            </a:r>
-            <a:r>
-              <a:rPr lang="tr-TR" noProof="0" dirty="0"/>
-              <a:t> </a:t>
-            </a:r>
-            <a:r>
-              <a:rPr lang="tr-TR" noProof="0" dirty="0" err="1"/>
-              <a:t>State</a:t>
-            </a:r>
-            <a:r>
-              <a:rPr lang="tr-TR" noProof="0" dirty="0"/>
-              <a:t> Yakınında &lt;&gt;</a:t>
-            </a:r>
-          </a:p>
-          <a:p>
-            <a:pPr marL="0" lvl="0" indent="0" algn="l" rtl="0">
-              <a:spcBef>
-                <a:spcPts val="0"/>
-              </a:spcBef>
-              <a:spcAft>
-                <a:spcPts val="0"/>
-              </a:spcAft>
-              <a:buNone/>
-            </a:pPr>
-            <a:endParaRPr lang="tr-TR" noProof="0" dirty="0"/>
-          </a:p>
-          <a:p>
-            <a:pPr marL="0" lvl="0" indent="0" algn="l" rtl="0">
-              <a:spcBef>
-                <a:spcPts val="0"/>
-              </a:spcBef>
-              <a:spcAft>
-                <a:spcPts val="0"/>
-              </a:spcAft>
-              <a:buNone/>
-            </a:pPr>
-            <a:r>
-              <a:rPr lang="tr-TR" noProof="0" dirty="0"/>
-              <a:t>Sistem kararlı değildi </a:t>
-            </a:r>
-            <a:r>
-              <a:rPr lang="tr-TR" noProof="0" dirty="0" err="1"/>
-              <a:t>roll</a:t>
-            </a:r>
-            <a:r>
-              <a:rPr lang="tr-TR" noProof="0" dirty="0"/>
-              <a:t> ekseni etrafında dönmekte.</a:t>
+              <a:rPr lang="en-US" dirty="0"/>
+              <a:t>Due to the squared error terms in the reward function, we penalize the error parabolically as it increases. Additionally, in this reward function, we included body rate values and control signals in the reward, albeit at a low level. Although it seems to have settled at a certain value as a result of this training, we did not actually obtain an agent that stabilizes the quadcopter. Therefore, the drone crashes.</a:t>
             </a:r>
             <a:endParaRPr lang="en-US" noProof="0" dirty="0"/>
           </a:p>
@@ -5594,24 +5200,12 @@
               <a:buNone/>
             </a:pPr>
             <a:r>
-              <a:rPr lang="tr-TR" noProof="0" dirty="0"/>
-              <a:t>Bu </a:t>
-            </a:r>
-            <a:r>
-              <a:rPr lang="tr-TR" noProof="0" dirty="0" err="1"/>
-              <a:t>rewar</a:t>
-            </a:r>
-            <a:r>
-              <a:rPr lang="tr-TR" noProof="0" dirty="0"/>
-              <a:t> </a:t>
-            </a:r>
-            <a:r>
-              <a:rPr lang="tr-TR" noProof="0" dirty="0" err="1"/>
-              <a:t>function</a:t>
-            </a:r>
-            <a:r>
-              <a:rPr lang="tr-TR" noProof="0" dirty="0"/>
-              <a:t> kullanarak değerlendirmeler </a:t>
+              <a:rPr lang="en-US" dirty="0"/>
+              <a:t>This time, we determined a reward based solely on the error parameter. However, we were unable to obtain a stable agent. In this graph, it settles to a certain value after a certain step, but that value still does not correspond to a stable agent</a:t>
+            </a:r>
+            <a:r>
+              <a:rPr lang="tr-TR" dirty="0"/>
+              <a:t>.</a:t>
             </a:r>
             <a:endParaRPr lang="en-US" noProof="0" dirty="0"/>
           </a:p>
@@ -5782,6 +5376,18 @@
               </a:spcAft>
               <a:buNone/>
             </a:pPr>
+            <a:r>
+              <a:rPr lang="tr-TR" dirty="0"/>
+              <a:t>I</a:t>
+            </a:r>
+            <a:r>
+              <a:rPr lang="en-US" dirty="0" err="1"/>
+              <a:t>nstead</a:t>
+            </a:r>
+            <a:r>
+              <a:rPr lang="en-US" dirty="0"/>
+              <a:t> of the squared error, we determined the reward by multiplying the absolute error by the same coefficient, but we observed an oscillating reward value as a result of the training. The training process was not successful in the 4th test shown in this presentation either. In fact, we also tuned the actor and critic learning rate values, but the results were not significant.</a:t>
+            </a:r>
             <a:endParaRPr lang="en-US" noProof="0" dirty="0"/>
           </a:p>
         </p:txBody>
@@ -24495,8 +24101,8 @@
           </a:fontRef>
         </p:style>
       </p:cxnSp>
-      <mc:AlternateContent xmlns:mc="http://schemas.openxmlformats.org/markup-compatibility/2006">
-        <mc:Choice xmlns:a14="http://schemas.microsoft.com/office/drawing/2010/main" Requires="a14">
+      <mc:AlternateContent xmlns:mc="http://schemas.openxmlformats.org/markup-compatibility/2006" xmlns:a14="http://schemas.microsoft.com/office/drawing/2010/main">
+        <mc:Choice Requires="a14">
           <p:sp>
             <p:nvSpPr>
               <p:cNvPr id="13" name="TextBox 12">
@@ -24678,7 +24284,7 @@
             </p:txBody>
           </p:sp>
         </mc:Choice>
-        <mc:Fallback>
+        <mc:Fallback xmlns="">
           <p:sp>
             <p:nvSpPr>
               <p:cNvPr id="13" name="TextBox 12">
@@ -24723,8 +24329,8 @@
           </p:sp>
         </mc:Fallback>
       </mc:AlternateContent>
-      <mc:AlternateContent xmlns:mc="http://schemas.openxmlformats.org/markup-compatibility/2006">
-        <mc:Choice xmlns:a14="http://schemas.microsoft.com/office/drawing/2010/main" Requires="a14">
+      <mc:AlternateContent xmlns:mc="http://schemas.openxmlformats.org/markup-compatibility/2006" xmlns:a14="http://schemas.microsoft.com/office/drawing/2010/main">
+        <mc:Choice Requires="a14">
           <p:sp>
             <p:nvSpPr>
               <p:cNvPr id="14" name="TextBox 13">
@@ -24894,7 +24500,7 @@
             </p:txBody>
           </p:sp>
         </mc:Choice>
-        <mc:Fallback>
+        <mc:Fallback xmlns="">
           <p:sp>
             <p:nvSpPr>
               <p:cNvPr id="14" name="TextBox 13">
@@ -24939,8 +24545,8 @@
           </p:sp>
         </mc:Fallback>
       </mc:AlternateContent>
-      <mc:AlternateContent xmlns:mc="http://schemas.openxmlformats.org/markup-compatibility/2006">
-        <mc:Choice xmlns:a14="http://schemas.microsoft.com/office/drawing/2010/main" Requires="a14">
+      <mc:AlternateContent xmlns:mc="http://schemas.openxmlformats.org/markup-compatibility/2006" xmlns:a14="http://schemas.microsoft.com/office/drawing/2010/main">
+        <mc:Choice Requires="a14">
           <p:sp>
             <p:nvSpPr>
               <p:cNvPr id="3" name="Metin kutusu 2">
@@ -25207,7 +24813,7 @@
             </p:txBody>
           </p:sp>
         </mc:Choice>
-        <mc:Fallback>
+        <mc:Fallback xmlns="">
           <p:sp>
             <p:nvSpPr>
               <p:cNvPr id="3" name="Metin kutusu 2">
@@ -25252,8 +24858,8 @@
           </p:sp>
         </mc:Fallback>
       </mc:AlternateContent>
-      <mc:AlternateContent xmlns:mc="http://schemas.openxmlformats.org/markup-compatibility/2006">
-        <mc:Choice xmlns:a14="http://schemas.microsoft.com/office/drawing/2010/main" Requires="a14">
+      <mc:AlternateContent xmlns:mc="http://schemas.openxmlformats.org/markup-compatibility/2006" xmlns:a14="http://schemas.microsoft.com/office/drawing/2010/main">
+        <mc:Choice Requires="a14">
           <p:sp>
             <p:nvSpPr>
               <p:cNvPr id="7" name="Metin kutusu 6">
@@ -25822,7 +25428,7 @@
             </p:txBody>
           </p:sp>
         </mc:Choice>
-        <mc:Fallback>
+        <mc:Fallback xmlns="">
           <p:sp>
             <p:nvSpPr>
               <p:cNvPr id="7" name="Metin kutusu 6">
@@ -25867,8 +25473,8 @@
           </p:sp>
         </mc:Fallback>
       </mc:AlternateContent>
-      <mc:AlternateContent xmlns:mc="http://schemas.openxmlformats.org/markup-compatibility/2006">
-        <mc:Choice xmlns:a14="http://schemas.microsoft.com/office/drawing/2010/main" Requires="a14">
+      <mc:AlternateContent xmlns:mc="http://schemas.openxmlformats.org/markup-compatibility/2006" xmlns:a14="http://schemas.microsoft.com/office/drawing/2010/main">
+        <mc:Choice Requires="a14">
           <p:sp>
             <p:nvSpPr>
               <p:cNvPr id="8" name="Metin kutusu 7">
@@ -26195,7 +25801,7 @@
             </p:txBody>
           </p:sp>
         </mc:Choice>
-        <mc:Fallback>
+        <mc:Fallback xmlns="">
           <p:sp>
             <p:nvSpPr>
               <p:cNvPr id="8" name="Metin kutusu 7">
@@ -26240,8 +25846,8 @@
           </p:sp>
         </mc:Fallback>
       </mc:AlternateContent>
-      <mc:AlternateContent xmlns:mc="http://schemas.openxmlformats.org/markup-compatibility/2006">
-        <mc:Choice xmlns:a14="http://schemas.microsoft.com/office/drawing/2010/main" Requires="a14">
+      <mc:AlternateContent xmlns:mc="http://schemas.openxmlformats.org/markup-compatibility/2006" xmlns:a14="http://schemas.microsoft.com/office/drawing/2010/main">
+        <mc:Choice Requires="a14">
           <p:sp>
             <p:nvSpPr>
               <p:cNvPr id="9" name="Metin kutusu 8">
@@ -26534,7 +26140,7 @@
             </p:txBody>
           </p:sp>
         </mc:Choice>
-        <mc:Fallback>
+        <mc:Fallback xmlns="">
           <p:sp>
             <p:nvSpPr>
               <p:cNvPr id="9" name="Metin kutusu 8">
@@ -27654,8 +27260,20 @@
               <a:buNone/>
             </a:pPr>
             <a:r>
+              <a:rPr lang="tr-TR" dirty="0" err="1"/>
+              <a:t>Trainig</a:t>
+            </a:r>
+            <a:r>
               <a:rPr lang="tr-TR" dirty="0"/>
               <a:t> </a:t>
+            </a:r>
+            <a:r>
+              <a:rPr lang="tr-TR" dirty="0" err="1"/>
+              <a:t>Results</a:t>
+            </a:r>
+            <a:r>
+              <a:rPr lang="tr-TR" dirty="0"/>
+              <a:t> 1</a:t>
             </a:r>
             <a:endParaRPr lang="en-US" dirty="0"/>
           </a:p>
@@ -27939,101 +27557,319 @@
           </a:prstGeom>
         </p:spPr>
       </p:pic>
-      <p:sp>
-        <p:nvSpPr>
-          <p:cNvPr id="5" name="Metin kutusu 4">
-            <a:extLst>
-              <a:ext uri="{FF2B5EF4-FFF2-40B4-BE49-F238E27FC236}">
-                <a16:creationId xmlns:a16="http://schemas.microsoft.com/office/drawing/2014/main" id="{C4415C3F-B328-5557-4C79-4DD8E5E9980C}"/>
-              </a:ext>
-            </a:extLst>
-          </p:cNvPr>
-          <p:cNvSpPr txBox="1"/>
-          <p:nvPr/>
-        </p:nvSpPr>
-        <p:spPr>
-          <a:xfrm>
-            <a:off x="1653823" y="5543570"/>
-            <a:ext cx="6107288" cy="523220"/>
-          </a:xfrm>
-          <a:prstGeom prst="rect">
-            <a:avLst/>
-          </a:prstGeom>
-          <a:noFill/>
-        </p:spPr>
-        <p:txBody>
-          <a:bodyPr wrap="square">
-            <a:spAutoFit/>
-          </a:bodyPr>
-          <a:lstStyle/>
-          <a:p>
-            <a:r>
-              <a:rPr lang="tr-TR" b="0" i="0" dirty="0">
-                <a:effectLst/>
-                <a:highlight>
-                  <a:srgbClr val="FFFFFF"/>
-                </a:highlight>
-                <a:latin typeface="Arial" panose="020B0604020202020204" pitchFamily="34" charset="0"/>
-              </a:rPr>
-              <a:t>r1(t) = e−(0.5|</a:t>
-            </a:r>
-            <a:r>
-              <a:rPr lang="el-GR" b="0" i="0" dirty="0">
-                <a:effectLst/>
-                <a:highlight>
-                  <a:srgbClr val="FFFFFF"/>
-                </a:highlight>
-                <a:latin typeface="Arial" panose="020B0604020202020204" pitchFamily="34" charset="0"/>
-              </a:rPr>
-              <a:t>θ</a:t>
-            </a:r>
-            <a:r>
-              <a:rPr lang="tr-TR" b="0" i="0" dirty="0">
-                <a:effectLst/>
-                <a:highlight>
-                  <a:srgbClr val="FFFFFF"/>
-                </a:highlight>
-                <a:latin typeface="Arial" panose="020B0604020202020204" pitchFamily="34" charset="0"/>
-              </a:rPr>
-              <a:t>r −</a:t>
-            </a:r>
-            <a:r>
-              <a:rPr lang="el-GR" b="0" i="0" dirty="0">
-                <a:effectLst/>
-                <a:highlight>
-                  <a:srgbClr val="FFFFFF"/>
-                </a:highlight>
-                <a:latin typeface="Arial" panose="020B0604020202020204" pitchFamily="34" charset="0"/>
-              </a:rPr>
-              <a:t>θ|+0.5|φ</a:t>
-            </a:r>
-            <a:r>
-              <a:rPr lang="tr-TR" b="0" i="0" dirty="0">
-                <a:effectLst/>
-                <a:highlight>
-                  <a:srgbClr val="FFFFFF"/>
-                </a:highlight>
-                <a:latin typeface="Arial" panose="020B0604020202020204" pitchFamily="34" charset="0"/>
-              </a:rPr>
-              <a:t>r −</a:t>
-            </a:r>
-            <a:r>
-              <a:rPr lang="el-GR" b="0" i="0" dirty="0">
-                <a:effectLst/>
-                <a:highlight>
-                  <a:srgbClr val="FFFFFF"/>
-                </a:highlight>
-                <a:latin typeface="Arial" panose="020B0604020202020204" pitchFamily="34" charset="0"/>
-              </a:rPr>
-              <a:t>φ|)</a:t>
-            </a:r>
-            <a:br>
-              <a:rPr lang="el-GR" dirty="0"/>
-            </a:br>
-            <a:endParaRPr lang="tr-TR" dirty="0"/>
-          </a:p>
-        </p:txBody>
-      </p:sp>
+      <mc:AlternateContent xmlns:mc="http://schemas.openxmlformats.org/markup-compatibility/2006">
+        <mc:Choice xmlns:a14="http://schemas.microsoft.com/office/drawing/2010/main" Requires="a14">
+          <p:sp>
+            <p:nvSpPr>
+              <p:cNvPr id="5" name="Metin kutusu 4">
+                <a:extLst>
+                  <a:ext uri="{FF2B5EF4-FFF2-40B4-BE49-F238E27FC236}">
+                    <a16:creationId xmlns:a16="http://schemas.microsoft.com/office/drawing/2014/main" id="{C4415C3F-B328-5557-4C79-4DD8E5E9980C}"/>
+                  </a:ext>
+                </a:extLst>
+              </p:cNvPr>
+              <p:cNvSpPr txBox="1"/>
+              <p:nvPr/>
+            </p:nvSpPr>
+            <p:spPr>
+              <a:xfrm>
+                <a:off x="1653823" y="5543570"/>
+                <a:ext cx="6107288" cy="350930"/>
+              </a:xfrm>
+              <a:prstGeom prst="rect">
+                <a:avLst/>
+              </a:prstGeom>
+              <a:noFill/>
+            </p:spPr>
+            <p:txBody>
+              <a:bodyPr wrap="square">
+                <a:spAutoFit/>
+              </a:bodyPr>
+              <a:lstStyle/>
+              <a:p>
+                <a:pPr/>
+                <a14:m>
+                  <m:oMathPara xmlns:m="http://schemas.openxmlformats.org/officeDocument/2006/math">
+                    <m:oMathParaPr>
+                      <m:jc m:val="left"/>
+                    </m:oMathParaPr>
+                    <m:oMath xmlns:m="http://schemas.openxmlformats.org/officeDocument/2006/math">
+                      <m:sSub>
+                        <m:sSubPr>
+                          <m:ctrlPr>
+                            <a:rPr lang="tr-TR" i="1" smtClean="0">
+                              <a:highlight>
+                                <a:srgbClr val="FFFFFF"/>
+                              </a:highlight>
+                              <a:latin typeface="Cambria Math" panose="02040503050406030204" pitchFamily="18" charset="0"/>
+                            </a:rPr>
+                          </m:ctrlPr>
+                        </m:sSubPr>
+                        <m:e>
+                          <m:r>
+                            <a:rPr lang="tr-TR" i="1">
+                              <a:highlight>
+                                <a:srgbClr val="FFFFFF"/>
+                              </a:highlight>
+                              <a:latin typeface="Cambria Math" panose="02040503050406030204" pitchFamily="18" charset="0"/>
+                            </a:rPr>
+                            <m:t>𝑟</m:t>
+                          </m:r>
+                        </m:e>
+                        <m:sub>
+                          <m:r>
+                            <a:rPr lang="tr-TR" i="1">
+                              <a:highlight>
+                                <a:srgbClr val="FFFFFF"/>
+                              </a:highlight>
+                              <a:latin typeface="Cambria Math" panose="02040503050406030204" pitchFamily="18" charset="0"/>
+                            </a:rPr>
+                            <m:t>1</m:t>
+                          </m:r>
+                        </m:sub>
+                      </m:sSub>
+                      <m:d>
+                        <m:dPr>
+                          <m:ctrlPr>
+                            <a:rPr lang="tr-TR" i="1">
+                              <a:highlight>
+                                <a:srgbClr val="FFFFFF"/>
+                              </a:highlight>
+                              <a:latin typeface="Cambria Math" panose="02040503050406030204" pitchFamily="18" charset="0"/>
+                            </a:rPr>
+                          </m:ctrlPr>
+                        </m:dPr>
+                        <m:e>
+                          <m:r>
+                            <a:rPr lang="tr-TR" i="1">
+                              <a:highlight>
+                                <a:srgbClr val="FFFFFF"/>
+                              </a:highlight>
+                              <a:latin typeface="Cambria Math" panose="02040503050406030204" pitchFamily="18" charset="0"/>
+                            </a:rPr>
+                            <m:t>𝑡</m:t>
+                          </m:r>
+                        </m:e>
+                      </m:d>
+                      <m:r>
+                        <a:rPr lang="tr-TR" i="1">
+                          <a:highlight>
+                            <a:srgbClr val="FFFFFF"/>
+                          </a:highlight>
+                          <a:latin typeface="Cambria Math" panose="02040503050406030204" pitchFamily="18" charset="0"/>
+                        </a:rPr>
+                        <m:t>=</m:t>
+                      </m:r>
+                      <m:sSup>
+                        <m:sSupPr>
+                          <m:ctrlPr>
+                            <a:rPr lang="tr-TR" i="1">
+                              <a:highlight>
+                                <a:srgbClr val="FFFFFF"/>
+                              </a:highlight>
+                              <a:latin typeface="Cambria Math" panose="02040503050406030204" pitchFamily="18" charset="0"/>
+                            </a:rPr>
+                          </m:ctrlPr>
+                        </m:sSupPr>
+                        <m:e>
+                          <m:r>
+                            <a:rPr lang="tr-TR" i="1">
+                              <a:highlight>
+                                <a:srgbClr val="FFFFFF"/>
+                              </a:highlight>
+                              <a:latin typeface="Cambria Math" panose="02040503050406030204" pitchFamily="18" charset="0"/>
+                            </a:rPr>
+                            <m:t>𝑒</m:t>
+                          </m:r>
+                        </m:e>
+                        <m:sup>
+                          <m:r>
+                            <m:rPr>
+                              <m:nor/>
+                            </m:rPr>
+                            <a:rPr lang="tr-TR" i="1" dirty="0">
+                              <a:highlight>
+                                <a:srgbClr val="FFFFFF"/>
+                              </a:highlight>
+                              <a:latin typeface="Cambria Math" panose="02040503050406030204" pitchFamily="18" charset="0"/>
+                            </a:rPr>
+                            <m:t>−(0.5|</m:t>
+                          </m:r>
+                          <m:r>
+                            <m:rPr>
+                              <m:nor/>
+                            </m:rPr>
+                            <a:rPr lang="el-GR" i="1" dirty="0">
+                              <a:highlight>
+                                <a:srgbClr val="FFFFFF"/>
+                              </a:highlight>
+                              <a:latin typeface="Cambria Math" panose="02040503050406030204" pitchFamily="18" charset="0"/>
+                            </a:rPr>
+                            <m:t>θ</m:t>
+                          </m:r>
+                          <m:r>
+                            <m:rPr>
+                              <m:nor/>
+                            </m:rPr>
+                            <a:rPr lang="tr-TR" i="1" dirty="0">
+                              <a:highlight>
+                                <a:srgbClr val="FFFFFF"/>
+                              </a:highlight>
+                              <a:latin typeface="Cambria Math" panose="02040503050406030204" pitchFamily="18" charset="0"/>
+                            </a:rPr>
+                            <m:t>r</m:t>
+                          </m:r>
+                          <m:r>
+                            <m:rPr>
+                              <m:nor/>
+                            </m:rPr>
+                            <a:rPr lang="tr-TR" i="1" dirty="0">
+                              <a:highlight>
+                                <a:srgbClr val="FFFFFF"/>
+                              </a:highlight>
+                              <a:latin typeface="Cambria Math" panose="02040503050406030204" pitchFamily="18" charset="0"/>
+                            </a:rPr>
+                            <m:t> −</m:t>
+                          </m:r>
+                          <m:r>
+                            <m:rPr>
+                              <m:nor/>
+                            </m:rPr>
+                            <a:rPr lang="el-GR" i="1" dirty="0">
+                              <a:highlight>
+                                <a:srgbClr val="FFFFFF"/>
+                              </a:highlight>
+                              <a:latin typeface="Cambria Math" panose="02040503050406030204" pitchFamily="18" charset="0"/>
+                            </a:rPr>
+                            <m:t>θ</m:t>
+                          </m:r>
+                          <m:r>
+                            <m:rPr>
+                              <m:nor/>
+                            </m:rPr>
+                            <a:rPr lang="el-GR" i="1" dirty="0">
+                              <a:highlight>
+                                <a:srgbClr val="FFFFFF"/>
+                              </a:highlight>
+                              <a:latin typeface="Cambria Math" panose="02040503050406030204" pitchFamily="18" charset="0"/>
+                            </a:rPr>
+                            <m:t>|+0.5|</m:t>
+                          </m:r>
+                          <m:r>
+                            <m:rPr>
+                              <m:nor/>
+                            </m:rPr>
+                            <a:rPr lang="el-GR" i="1" dirty="0">
+                              <a:highlight>
+                                <a:srgbClr val="FFFFFF"/>
+                              </a:highlight>
+                              <a:latin typeface="Cambria Math" panose="02040503050406030204" pitchFamily="18" charset="0"/>
+                            </a:rPr>
+                            <m:t>φ</m:t>
+                          </m:r>
+                          <m:r>
+                            <m:rPr>
+                              <m:nor/>
+                            </m:rPr>
+                            <a:rPr lang="tr-TR" i="1" dirty="0">
+                              <a:highlight>
+                                <a:srgbClr val="FFFFFF"/>
+                              </a:highlight>
+                              <a:latin typeface="Cambria Math" panose="02040503050406030204" pitchFamily="18" charset="0"/>
+                            </a:rPr>
+                            <m:t>r</m:t>
+                          </m:r>
+                          <m:r>
+                            <m:rPr>
+                              <m:nor/>
+                            </m:rPr>
+                            <a:rPr lang="tr-TR" i="1" dirty="0">
+                              <a:highlight>
+                                <a:srgbClr val="FFFFFF"/>
+                              </a:highlight>
+                              <a:latin typeface="Cambria Math" panose="02040503050406030204" pitchFamily="18" charset="0"/>
+                            </a:rPr>
+                            <m:t> −</m:t>
+                          </m:r>
+                          <m:r>
+                            <m:rPr>
+                              <m:nor/>
+                            </m:rPr>
+                            <a:rPr lang="el-GR" i="1" dirty="0">
+                              <a:highlight>
+                                <a:srgbClr val="FFFFFF"/>
+                              </a:highlight>
+                              <a:latin typeface="Cambria Math" panose="02040503050406030204" pitchFamily="18" charset="0"/>
+                            </a:rPr>
+                            <m:t>φ</m:t>
+                          </m:r>
+                          <m:r>
+                            <m:rPr>
+                              <m:nor/>
+                            </m:rPr>
+                            <a:rPr lang="el-GR" i="1" dirty="0">
+                              <a:highlight>
+                                <a:srgbClr val="FFFFFF"/>
+                              </a:highlight>
+                              <a:latin typeface="Cambria Math" panose="02040503050406030204" pitchFamily="18" charset="0"/>
+                            </a:rPr>
+                            <m:t>|)</m:t>
+                          </m:r>
+                        </m:sup>
+                      </m:sSup>
+                    </m:oMath>
+                  </m:oMathPara>
+                </a14:m>
+                <a:endParaRPr lang="tr-TR" i="1" dirty="0"/>
+              </a:p>
+            </p:txBody>
+          </p:sp>
+        </mc:Choice>
+        <mc:Fallback>
+          <p:sp>
+            <p:nvSpPr>
+              <p:cNvPr id="5" name="Metin kutusu 4">
+                <a:extLst>
+                  <a:ext uri="{FF2B5EF4-FFF2-40B4-BE49-F238E27FC236}">
+                    <a16:creationId xmlns:a16="http://schemas.microsoft.com/office/drawing/2014/main" id="{C4415C3F-B328-5557-4C79-4DD8E5E9980C}"/>
+                  </a:ext>
+                </a:extLst>
+              </p:cNvPr>
+              <p:cNvSpPr txBox="1">
+                <a:spLocks noRot="1" noChangeAspect="1" noMove="1" noResize="1" noEditPoints="1" noAdjustHandles="1" noChangeArrowheads="1" noChangeShapeType="1" noTextEdit="1"/>
+              </p:cNvSpPr>
+              <p:nvPr/>
+            </p:nvSpPr>
+            <p:spPr>
+              <a:xfrm>
+                <a:off x="1653823" y="5543570"/>
+                <a:ext cx="6107288" cy="350930"/>
+              </a:xfrm>
+              <a:prstGeom prst="rect">
+                <a:avLst/>
+              </a:prstGeom>
+              <a:blipFill>
+                <a:blip r:embed="rId4"/>
+                <a:stretch>
+                  <a:fillRect t="-8621"/>
+                </a:stretch>
+              </a:blipFill>
+            </p:spPr>
+            <p:txBody>
+              <a:bodyPr/>
+              <a:lstStyle/>
+              <a:p>
+                <a:r>
+                  <a:rPr lang="en-US">
+                    <a:noFill/>
+                  </a:rPr>
+                  <a:t> </a:t>
+                </a:r>
+              </a:p>
+            </p:txBody>
+          </p:sp>
+        </mc:Fallback>
+      </mc:AlternateContent>
     </p:spTree>
     <p:extLst>
       <p:ext uri="{BB962C8B-B14F-4D97-AF65-F5344CB8AC3E}">
@@ -28113,8 +27949,20 @@
               <a:buNone/>
             </a:pPr>
             <a:r>
+              <a:rPr lang="tr-TR" dirty="0" err="1"/>
+              <a:t>Trainig</a:t>
+            </a:r>
+            <a:r>
               <a:rPr lang="tr-TR" dirty="0"/>
               <a:t> </a:t>
+            </a:r>
+            <a:r>
+              <a:rPr lang="tr-TR" dirty="0" err="1"/>
+              <a:t>Results</a:t>
+            </a:r>
+            <a:r>
+              <a:rPr lang="tr-TR" dirty="0"/>
+              <a:t> 2</a:t>
             </a:r>
             <a:endParaRPr lang="en-US" dirty="0"/>
           </a:p>
@@ -28398,138 +28246,621 @@
           </a:prstGeom>
         </p:spPr>
       </p:pic>
-      <p:sp>
-        <p:nvSpPr>
-          <p:cNvPr id="5" name="Metin kutusu 4">
-            <a:extLst>
-              <a:ext uri="{FF2B5EF4-FFF2-40B4-BE49-F238E27FC236}">
-                <a16:creationId xmlns:a16="http://schemas.microsoft.com/office/drawing/2014/main" id="{6028255E-F5ED-AE21-95B5-0E6AE0F2D42F}"/>
-              </a:ext>
-            </a:extLst>
-          </p:cNvPr>
-          <p:cNvSpPr txBox="1"/>
-          <p:nvPr/>
-        </p:nvSpPr>
-        <p:spPr>
-          <a:xfrm>
-            <a:off x="1710268" y="5511492"/>
-            <a:ext cx="6107288" cy="307777"/>
-          </a:xfrm>
-          <a:prstGeom prst="rect">
-            <a:avLst/>
-          </a:prstGeom>
-          <a:noFill/>
-        </p:spPr>
-        <p:txBody>
-          <a:bodyPr wrap="square">
-            <a:spAutoFit/>
-          </a:bodyPr>
-          <a:lstStyle/>
-          <a:p>
-            <a:r>
-              <a:rPr lang="tr-TR" b="0" i="0" dirty="0">
-                <a:effectLst/>
-                <a:highlight>
-                  <a:srgbClr val="FFFFFF"/>
-                </a:highlight>
-                <a:latin typeface="Arial" panose="020B0604020202020204" pitchFamily="34" charset="0"/>
-              </a:rPr>
-              <a:t>r2(t) = −(0.3(</a:t>
-            </a:r>
-            <a:r>
-              <a:rPr lang="el-GR" b="0" i="0" dirty="0">
-                <a:effectLst/>
-                <a:highlight>
-                  <a:srgbClr val="FFFFFF"/>
-                </a:highlight>
-                <a:latin typeface="Arial" panose="020B0604020202020204" pitchFamily="34" charset="0"/>
-              </a:rPr>
-              <a:t>θ</a:t>
-            </a:r>
-            <a:r>
-              <a:rPr lang="tr-TR" b="0" i="0" dirty="0">
-                <a:effectLst/>
-                <a:highlight>
-                  <a:srgbClr val="FFFFFF"/>
-                </a:highlight>
-                <a:latin typeface="Arial" panose="020B0604020202020204" pitchFamily="34" charset="0"/>
-              </a:rPr>
-              <a:t>r − </a:t>
-            </a:r>
-            <a:r>
-              <a:rPr lang="el-GR" b="0" i="0" dirty="0">
-                <a:effectLst/>
-                <a:highlight>
-                  <a:srgbClr val="FFFFFF"/>
-                </a:highlight>
-                <a:latin typeface="Arial" panose="020B0604020202020204" pitchFamily="34" charset="0"/>
-              </a:rPr>
-              <a:t>θ)2 + 0.3(φ</a:t>
-            </a:r>
-            <a:r>
-              <a:rPr lang="tr-TR" b="0" i="0" dirty="0">
-                <a:effectLst/>
-                <a:highlight>
-                  <a:srgbClr val="FFFFFF"/>
-                </a:highlight>
-                <a:latin typeface="Arial" panose="020B0604020202020204" pitchFamily="34" charset="0"/>
-              </a:rPr>
-              <a:t>r − </a:t>
-            </a:r>
-            <a:r>
-              <a:rPr lang="el-GR" b="0" i="0" dirty="0">
-                <a:effectLst/>
-                <a:highlight>
-                  <a:srgbClr val="FFFFFF"/>
-                </a:highlight>
-                <a:latin typeface="Arial" panose="020B0604020202020204" pitchFamily="34" charset="0"/>
-              </a:rPr>
-              <a:t>φ)2</a:t>
-            </a:r>
-            <a:r>
-              <a:rPr lang="tr-TR" b="0" i="0" dirty="0">
-                <a:effectLst/>
-                <a:highlight>
-                  <a:srgbClr val="FFFFFF"/>
-                </a:highlight>
-                <a:latin typeface="Arial" panose="020B0604020202020204" pitchFamily="34" charset="0"/>
-              </a:rPr>
-              <a:t> </a:t>
-            </a:r>
-            <a:r>
-              <a:rPr lang="el-GR" b="0" i="0" dirty="0">
-                <a:effectLst/>
-                <a:highlight>
-                  <a:srgbClr val="FFFFFF"/>
-                </a:highlight>
-                <a:latin typeface="Arial" panose="020B0604020202020204" pitchFamily="34" charset="0"/>
-              </a:rPr>
-              <a:t>+ 0.15(|</a:t>
-            </a:r>
-            <a:r>
-              <a:rPr lang="tr-TR" b="0" i="0" dirty="0">
-                <a:effectLst/>
-                <a:highlight>
-                  <a:srgbClr val="FFFFFF"/>
-                </a:highlight>
-                <a:latin typeface="Arial" panose="020B0604020202020204" pitchFamily="34" charset="0"/>
-              </a:rPr>
-              <a:t>p|+|q|) + 0.1(</a:t>
-            </a:r>
-            <a:r>
-              <a:rPr lang="el-GR" b="0" i="0" dirty="0">
-                <a:effectLst/>
-                <a:highlight>
-                  <a:srgbClr val="FFFFFF"/>
-                </a:highlight>
-                <a:latin typeface="Arial" panose="020B0604020202020204" pitchFamily="34" charset="0"/>
-              </a:rPr>
-              <a:t>τθ 2 + τφ2))</a:t>
-            </a:r>
-            <a:endParaRPr lang="tr-TR" dirty="0"/>
-          </a:p>
-        </p:txBody>
-      </p:sp>
+      <mc:AlternateContent xmlns:mc="http://schemas.openxmlformats.org/markup-compatibility/2006">
+        <mc:Choice xmlns:a14="http://schemas.microsoft.com/office/drawing/2010/main" Requires="a14">
+          <p:sp>
+            <p:nvSpPr>
+              <p:cNvPr id="5" name="Metin kutusu 4">
+                <a:extLst>
+                  <a:ext uri="{FF2B5EF4-FFF2-40B4-BE49-F238E27FC236}">
+                    <a16:creationId xmlns:a16="http://schemas.microsoft.com/office/drawing/2014/main" id="{6028255E-F5ED-AE21-95B5-0E6AE0F2D42F}"/>
+                  </a:ext>
+                </a:extLst>
+              </p:cNvPr>
+              <p:cNvSpPr txBox="1"/>
+              <p:nvPr/>
+            </p:nvSpPr>
+            <p:spPr>
+              <a:xfrm>
+                <a:off x="1710268" y="5511492"/>
+                <a:ext cx="6107288" cy="331181"/>
+              </a:xfrm>
+              <a:prstGeom prst="rect">
+                <a:avLst/>
+              </a:prstGeom>
+              <a:noFill/>
+            </p:spPr>
+            <p:txBody>
+              <a:bodyPr wrap="square">
+                <a:spAutoFit/>
+              </a:bodyPr>
+              <a:lstStyle/>
+              <a:p>
+                <a:pPr/>
+                <a14:m>
+                  <m:oMathPara xmlns:m="http://schemas.openxmlformats.org/officeDocument/2006/math">
+                    <m:oMathParaPr>
+                      <m:jc m:val="left"/>
+                    </m:oMathParaPr>
+                    <m:oMath xmlns:m="http://schemas.openxmlformats.org/officeDocument/2006/math">
+                      <m:sSub>
+                        <m:sSubPr>
+                          <m:ctrlPr>
+                            <a:rPr lang="tr-TR" i="1" smtClean="0">
+                              <a:highlight>
+                                <a:srgbClr val="FFFFFF"/>
+                              </a:highlight>
+                              <a:latin typeface="Cambria Math" panose="02040503050406030204" pitchFamily="18" charset="0"/>
+                            </a:rPr>
+                          </m:ctrlPr>
+                        </m:sSubPr>
+                        <m:e>
+                          <m:r>
+                            <a:rPr lang="tr-TR" i="1">
+                              <a:highlight>
+                                <a:srgbClr val="FFFFFF"/>
+                              </a:highlight>
+                              <a:latin typeface="Cambria Math" panose="02040503050406030204" pitchFamily="18" charset="0"/>
+                            </a:rPr>
+                            <m:t>𝑟</m:t>
+                          </m:r>
+                        </m:e>
+                        <m:sub>
+                          <m:r>
+                            <a:rPr lang="tr-TR" i="1">
+                              <a:highlight>
+                                <a:srgbClr val="FFFFFF"/>
+                              </a:highlight>
+                              <a:latin typeface="Cambria Math" panose="02040503050406030204" pitchFamily="18" charset="0"/>
+                            </a:rPr>
+                            <m:t>2</m:t>
+                          </m:r>
+                        </m:sub>
+                      </m:sSub>
+                      <m:d>
+                        <m:dPr>
+                          <m:ctrlPr>
+                            <a:rPr lang="tr-TR" i="1">
+                              <a:highlight>
+                                <a:srgbClr val="FFFFFF"/>
+                              </a:highlight>
+                              <a:latin typeface="Cambria Math" panose="02040503050406030204" pitchFamily="18" charset="0"/>
+                            </a:rPr>
+                          </m:ctrlPr>
+                        </m:dPr>
+                        <m:e>
+                          <m:r>
+                            <a:rPr lang="tr-TR" i="1">
+                              <a:highlight>
+                                <a:srgbClr val="FFFFFF"/>
+                              </a:highlight>
+                              <a:latin typeface="Cambria Math" panose="02040503050406030204" pitchFamily="18" charset="0"/>
+                            </a:rPr>
+                            <m:t>𝑡</m:t>
+                          </m:r>
+                        </m:e>
+                      </m:d>
+                      <m:r>
+                        <a:rPr lang="tr-TR" i="1">
+                          <a:highlight>
+                            <a:srgbClr val="FFFFFF"/>
+                          </a:highlight>
+                          <a:latin typeface="Cambria Math" panose="02040503050406030204" pitchFamily="18" charset="0"/>
+                        </a:rPr>
+                        <m:t>=−(</m:t>
+                      </m:r>
+                      <m:sSup>
+                        <m:sSupPr>
+                          <m:ctrlPr>
+                            <a:rPr lang="tr-TR" i="1">
+                              <a:highlight>
+                                <a:srgbClr val="FFFFFF"/>
+                              </a:highlight>
+                              <a:latin typeface="Cambria Math" panose="02040503050406030204" pitchFamily="18" charset="0"/>
+                            </a:rPr>
+                          </m:ctrlPr>
+                        </m:sSupPr>
+                        <m:e>
+                          <m:r>
+                            <m:rPr>
+                              <m:nor/>
+                            </m:rPr>
+                            <a:rPr lang="tr-TR" i="1">
+                              <a:highlight>
+                                <a:srgbClr val="FFFFFF"/>
+                              </a:highlight>
+                              <a:latin typeface="Cambria Math" panose="02040503050406030204" pitchFamily="18" charset="0"/>
+                            </a:rPr>
+                            <m:t>0.3</m:t>
+                          </m:r>
+                          <m:r>
+                            <m:rPr>
+                              <m:nor/>
+                            </m:rPr>
+                            <a:rPr lang="tr-TR" i="1" dirty="0">
+                              <a:highlight>
+                                <a:srgbClr val="FFFFFF"/>
+                              </a:highlight>
+                              <a:latin typeface="Cambria Math" panose="02040503050406030204" pitchFamily="18" charset="0"/>
+                            </a:rPr>
+                            <m:t>(</m:t>
+                          </m:r>
+                          <m:r>
+                            <m:rPr>
+                              <m:nor/>
+                            </m:rPr>
+                            <a:rPr lang="el-GR" i="1" dirty="0">
+                              <a:highlight>
+                                <a:srgbClr val="FFFFFF"/>
+                              </a:highlight>
+                              <a:latin typeface="Cambria Math" panose="02040503050406030204" pitchFamily="18" charset="0"/>
+                            </a:rPr>
+                            <m:t>θ</m:t>
+                          </m:r>
+                          <m:r>
+                            <m:rPr>
+                              <m:nor/>
+                            </m:rPr>
+                            <a:rPr lang="tr-TR" i="1" dirty="0">
+                              <a:highlight>
+                                <a:srgbClr val="FFFFFF"/>
+                              </a:highlight>
+                              <a:latin typeface="Cambria Math" panose="02040503050406030204" pitchFamily="18" charset="0"/>
+                            </a:rPr>
+                            <m:t>r</m:t>
+                          </m:r>
+                          <m:r>
+                            <m:rPr>
+                              <m:nor/>
+                            </m:rPr>
+                            <a:rPr lang="tr-TR" i="1" dirty="0">
+                              <a:highlight>
+                                <a:srgbClr val="FFFFFF"/>
+                              </a:highlight>
+                              <a:latin typeface="Cambria Math" panose="02040503050406030204" pitchFamily="18" charset="0"/>
+                            </a:rPr>
+                            <m:t> − </m:t>
+                          </m:r>
+                          <m:r>
+                            <m:rPr>
+                              <m:nor/>
+                            </m:rPr>
+                            <a:rPr lang="el-GR" i="1" dirty="0">
+                              <a:highlight>
+                                <a:srgbClr val="FFFFFF"/>
+                              </a:highlight>
+                              <a:latin typeface="Cambria Math" panose="02040503050406030204" pitchFamily="18" charset="0"/>
+                            </a:rPr>
+                            <m:t>θ</m:t>
+                          </m:r>
+                          <m:r>
+                            <m:rPr>
+                              <m:nor/>
+                            </m:rPr>
+                            <a:rPr lang="el-GR" i="1" dirty="0">
+                              <a:highlight>
+                                <a:srgbClr val="FFFFFF"/>
+                              </a:highlight>
+                              <a:latin typeface="Cambria Math" panose="02040503050406030204" pitchFamily="18" charset="0"/>
+                            </a:rPr>
+                            <m:t>)</m:t>
+                          </m:r>
+                        </m:e>
+                        <m:sup>
+                          <m:r>
+                            <a:rPr lang="tr-TR" i="1">
+                              <a:highlight>
+                                <a:srgbClr val="FFFFFF"/>
+                              </a:highlight>
+                              <a:latin typeface="Cambria Math" panose="02040503050406030204" pitchFamily="18" charset="0"/>
+                            </a:rPr>
+                            <m:t>2</m:t>
+                          </m:r>
+                        </m:sup>
+                      </m:sSup>
+                      <m:r>
+                        <a:rPr lang="tr-TR" i="1">
+                          <a:highlight>
+                            <a:srgbClr val="FFFFFF"/>
+                          </a:highlight>
+                          <a:latin typeface="Cambria Math" panose="02040503050406030204" pitchFamily="18" charset="0"/>
+                        </a:rPr>
+                        <m:t>+</m:t>
+                      </m:r>
+                      <m:sSup>
+                        <m:sSupPr>
+                          <m:ctrlPr>
+                            <a:rPr lang="tr-TR" i="1">
+                              <a:highlight>
+                                <a:srgbClr val="FFFFFF"/>
+                              </a:highlight>
+                              <a:latin typeface="Cambria Math" panose="02040503050406030204" pitchFamily="18" charset="0"/>
+                            </a:rPr>
+                          </m:ctrlPr>
+                        </m:sSupPr>
+                        <m:e>
+                          <m:r>
+                            <a:rPr lang="tr-TR" i="1">
+                              <a:highlight>
+                                <a:srgbClr val="FFFFFF"/>
+                              </a:highlight>
+                              <a:latin typeface="Cambria Math" panose="02040503050406030204" pitchFamily="18" charset="0"/>
+                            </a:rPr>
+                            <m:t>0.3</m:t>
+                          </m:r>
+                          <m:r>
+                            <m:rPr>
+                              <m:nor/>
+                            </m:rPr>
+                            <a:rPr lang="el-GR" i="1" dirty="0">
+                              <a:highlight>
+                                <a:srgbClr val="FFFFFF"/>
+                              </a:highlight>
+                              <a:latin typeface="Cambria Math" panose="02040503050406030204" pitchFamily="18" charset="0"/>
+                            </a:rPr>
+                            <m:t>(</m:t>
+                          </m:r>
+                          <m:r>
+                            <m:rPr>
+                              <m:nor/>
+                            </m:rPr>
+                            <a:rPr lang="el-GR" i="1" dirty="0">
+                              <a:highlight>
+                                <a:srgbClr val="FFFFFF"/>
+                              </a:highlight>
+                              <a:latin typeface="Cambria Math" panose="02040503050406030204" pitchFamily="18" charset="0"/>
+                            </a:rPr>
+                            <m:t>φ</m:t>
+                          </m:r>
+                          <m:r>
+                            <m:rPr>
+                              <m:nor/>
+                            </m:rPr>
+                            <a:rPr lang="tr-TR" i="1" dirty="0">
+                              <a:highlight>
+                                <a:srgbClr val="FFFFFF"/>
+                              </a:highlight>
+                              <a:latin typeface="Cambria Math" panose="02040503050406030204" pitchFamily="18" charset="0"/>
+                            </a:rPr>
+                            <m:t>r</m:t>
+                          </m:r>
+                          <m:r>
+                            <m:rPr>
+                              <m:nor/>
+                            </m:rPr>
+                            <a:rPr lang="tr-TR" i="1" dirty="0">
+                              <a:highlight>
+                                <a:srgbClr val="FFFFFF"/>
+                              </a:highlight>
+                              <a:latin typeface="Cambria Math" panose="02040503050406030204" pitchFamily="18" charset="0"/>
+                            </a:rPr>
+                            <m:t> − </m:t>
+                          </m:r>
+                          <m:r>
+                            <m:rPr>
+                              <m:nor/>
+                            </m:rPr>
+                            <a:rPr lang="el-GR" i="1" dirty="0">
+                              <a:highlight>
+                                <a:srgbClr val="FFFFFF"/>
+                              </a:highlight>
+                              <a:latin typeface="Cambria Math" panose="02040503050406030204" pitchFamily="18" charset="0"/>
+                            </a:rPr>
+                            <m:t>φ</m:t>
+                          </m:r>
+                          <m:r>
+                            <m:rPr>
+                              <m:nor/>
+                            </m:rPr>
+                            <a:rPr lang="el-GR" i="1" dirty="0">
+                              <a:highlight>
+                                <a:srgbClr val="FFFFFF"/>
+                              </a:highlight>
+                              <a:latin typeface="Cambria Math" panose="02040503050406030204" pitchFamily="18" charset="0"/>
+                            </a:rPr>
+                            <m:t>)</m:t>
+                          </m:r>
+                        </m:e>
+                        <m:sup>
+                          <m:r>
+                            <a:rPr lang="tr-TR" i="1">
+                              <a:highlight>
+                                <a:srgbClr val="FFFFFF"/>
+                              </a:highlight>
+                              <a:latin typeface="Cambria Math" panose="02040503050406030204" pitchFamily="18" charset="0"/>
+                            </a:rPr>
+                            <m:t>2</m:t>
+                          </m:r>
+                        </m:sup>
+                      </m:sSup>
+                      <m:r>
+                        <a:rPr lang="tr-TR" i="1">
+                          <a:highlight>
+                            <a:srgbClr val="FFFFFF"/>
+                          </a:highlight>
+                          <a:latin typeface="Cambria Math" panose="02040503050406030204" pitchFamily="18" charset="0"/>
+                        </a:rPr>
+                        <m:t>+0.15</m:t>
+                      </m:r>
+                      <m:d>
+                        <m:dPr>
+                          <m:ctrlPr>
+                            <a:rPr lang="tr-TR" i="1">
+                              <a:highlight>
+                                <a:srgbClr val="FFFFFF"/>
+                              </a:highlight>
+                              <a:latin typeface="Cambria Math" panose="02040503050406030204" pitchFamily="18" charset="0"/>
+                            </a:rPr>
+                          </m:ctrlPr>
+                        </m:dPr>
+                        <m:e>
+                          <m:d>
+                            <m:dPr>
+                              <m:begChr m:val="|"/>
+                              <m:endChr m:val="|"/>
+                              <m:ctrlPr>
+                                <a:rPr lang="tr-TR" i="1">
+                                  <a:highlight>
+                                    <a:srgbClr val="FFFFFF"/>
+                                  </a:highlight>
+                                  <a:latin typeface="Cambria Math" panose="02040503050406030204" pitchFamily="18" charset="0"/>
+                                </a:rPr>
+                              </m:ctrlPr>
+                            </m:dPr>
+                            <m:e>
+                              <m:r>
+                                <a:rPr lang="tr-TR" i="1">
+                                  <a:highlight>
+                                    <a:srgbClr val="FFFFFF"/>
+                                  </a:highlight>
+                                  <a:latin typeface="Cambria Math" panose="02040503050406030204" pitchFamily="18" charset="0"/>
+                                </a:rPr>
+                                <m:t>𝑝</m:t>
+                              </m:r>
+                            </m:e>
+                          </m:d>
+                          <m:r>
+                            <a:rPr lang="tr-TR" i="1">
+                              <a:highlight>
+                                <a:srgbClr val="FFFFFF"/>
+                              </a:highlight>
+                              <a:latin typeface="Cambria Math" panose="02040503050406030204" pitchFamily="18" charset="0"/>
+                            </a:rPr>
+                            <m:t>+</m:t>
+                          </m:r>
+                          <m:d>
+                            <m:dPr>
+                              <m:begChr m:val="|"/>
+                              <m:endChr m:val="|"/>
+                              <m:ctrlPr>
+                                <a:rPr lang="tr-TR" i="1">
+                                  <a:highlight>
+                                    <a:srgbClr val="FFFFFF"/>
+                                  </a:highlight>
+                                  <a:latin typeface="Cambria Math" panose="02040503050406030204" pitchFamily="18" charset="0"/>
+                                </a:rPr>
+                              </m:ctrlPr>
+                            </m:dPr>
+                            <m:e>
+                              <m:r>
+                                <a:rPr lang="tr-TR" i="1">
+                                  <a:highlight>
+                                    <a:srgbClr val="FFFFFF"/>
+                                  </a:highlight>
+                                  <a:latin typeface="Cambria Math" panose="02040503050406030204" pitchFamily="18" charset="0"/>
+                                </a:rPr>
+                                <m:t>𝑞</m:t>
+                              </m:r>
+                            </m:e>
+                          </m:d>
+                        </m:e>
+                      </m:d>
+                      <m:r>
+                        <a:rPr lang="tr-TR" i="1">
+                          <a:highlight>
+                            <a:srgbClr val="FFFFFF"/>
+                          </a:highlight>
+                          <a:latin typeface="Cambria Math" panose="02040503050406030204" pitchFamily="18" charset="0"/>
+                        </a:rPr>
+                        <m:t>+0.1(</m:t>
+                      </m:r>
+                      <m:sSup>
+                        <m:sSupPr>
+                          <m:ctrlPr>
+                            <a:rPr lang="tr-TR" i="1">
+                              <a:highlight>
+                                <a:srgbClr val="FFFFFF"/>
+                              </a:highlight>
+                              <a:latin typeface="Cambria Math" panose="02040503050406030204" pitchFamily="18" charset="0"/>
+                            </a:rPr>
+                          </m:ctrlPr>
+                        </m:sSupPr>
+                        <m:e>
+                          <m:sSub>
+                            <m:sSubPr>
+                              <m:ctrlPr>
+                                <a:rPr lang="en-US" i="1">
+                                  <a:highlight>
+                                    <a:srgbClr val="FFFFFF"/>
+                                  </a:highlight>
+                                  <a:latin typeface="Cambria Math" panose="02040503050406030204" pitchFamily="18" charset="0"/>
+                                </a:rPr>
+                              </m:ctrlPr>
+                            </m:sSubPr>
+                            <m:e>
+                              <m:r>
+                                <a:rPr lang="en-US" i="1">
+                                  <a:highlight>
+                                    <a:srgbClr val="FFFFFF"/>
+                                  </a:highlight>
+                                  <a:latin typeface="Cambria Math" panose="02040503050406030204" pitchFamily="18" charset="0"/>
+                                </a:rPr>
+                                <m:t>𝜏</m:t>
+                              </m:r>
+                            </m:e>
+                            <m:sub>
+                              <m:r>
+                                <m:rPr>
+                                  <m:nor/>
+                                </m:rPr>
+                                <a:rPr lang="el-GR" i="1" dirty="0">
+                                  <a:highlight>
+                                    <a:srgbClr val="FFFFFF"/>
+                                  </a:highlight>
+                                  <a:latin typeface="Cambria Math" panose="02040503050406030204" pitchFamily="18" charset="0"/>
+                                </a:rPr>
+                                <m:t>θ</m:t>
+                              </m:r>
+                            </m:sub>
+                          </m:sSub>
+                        </m:e>
+                        <m:sup>
+                          <m:r>
+                            <a:rPr lang="tr-TR" i="1">
+                              <a:highlight>
+                                <a:srgbClr val="FFFFFF"/>
+                              </a:highlight>
+                              <a:latin typeface="Cambria Math" panose="02040503050406030204" pitchFamily="18" charset="0"/>
+                            </a:rPr>
+                            <m:t>2</m:t>
+                          </m:r>
+                        </m:sup>
+                      </m:sSup>
+                      <m:r>
+                        <a:rPr lang="tr-TR" i="1">
+                          <a:highlight>
+                            <a:srgbClr val="FFFFFF"/>
+                          </a:highlight>
+                          <a:latin typeface="Cambria Math" panose="02040503050406030204" pitchFamily="18" charset="0"/>
+                        </a:rPr>
+                        <m:t>+</m:t>
+                      </m:r>
+                      <m:sSup>
+                        <m:sSupPr>
+                          <m:ctrlPr>
+                            <a:rPr lang="tr-TR" i="1">
+                              <a:highlight>
+                                <a:srgbClr val="FFFFFF"/>
+                              </a:highlight>
+                              <a:latin typeface="Cambria Math" panose="02040503050406030204" pitchFamily="18" charset="0"/>
+                            </a:rPr>
+                          </m:ctrlPr>
+                        </m:sSupPr>
+                        <m:e>
+                          <m:sSub>
+                            <m:sSubPr>
+                              <m:ctrlPr>
+                                <a:rPr lang="en-US" i="1">
+                                  <a:highlight>
+                                    <a:srgbClr val="FFFFFF"/>
+                                  </a:highlight>
+                                  <a:latin typeface="Cambria Math" panose="02040503050406030204" pitchFamily="18" charset="0"/>
+                                </a:rPr>
+                              </m:ctrlPr>
+                            </m:sSubPr>
+                            <m:e>
+                              <m:r>
+                                <a:rPr lang="en-US" i="1">
+                                  <a:highlight>
+                                    <a:srgbClr val="FFFFFF"/>
+                                  </a:highlight>
+                                  <a:latin typeface="Cambria Math" panose="02040503050406030204" pitchFamily="18" charset="0"/>
+                                </a:rPr>
+                                <m:t>𝜏</m:t>
+                              </m:r>
+                            </m:e>
+                            <m:sub>
+                              <m:r>
+                                <a:rPr lang="en-US" i="1">
+                                  <a:highlight>
+                                    <a:srgbClr val="FFFFFF"/>
+                                  </a:highlight>
+                                  <a:latin typeface="Cambria Math" panose="02040503050406030204" pitchFamily="18" charset="0"/>
+                                </a:rPr>
+                                <m:t>𝜑</m:t>
+                              </m:r>
+                            </m:sub>
+                          </m:sSub>
+                        </m:e>
+                        <m:sup>
+                          <m:r>
+                            <a:rPr lang="tr-TR" i="1">
+                              <a:highlight>
+                                <a:srgbClr val="FFFFFF"/>
+                              </a:highlight>
+                              <a:latin typeface="Cambria Math" panose="02040503050406030204" pitchFamily="18" charset="0"/>
+                            </a:rPr>
+                            <m:t>2</m:t>
+                          </m:r>
+                        </m:sup>
+                      </m:sSup>
+                      <m:r>
+                        <a:rPr lang="tr-TR" i="1">
+                          <a:highlight>
+                            <a:srgbClr val="FFFFFF"/>
+                          </a:highlight>
+                          <a:latin typeface="Cambria Math" panose="02040503050406030204" pitchFamily="18" charset="0"/>
+                        </a:rPr>
+                        <m:t>))</m:t>
+                      </m:r>
+                    </m:oMath>
+                  </m:oMathPara>
+                </a14:m>
+                <a:endParaRPr lang="tr-TR" i="1" dirty="0">
+                  <a:highlight>
+                    <a:srgbClr val="FFFFFF"/>
+                  </a:highlight>
+                  <a:latin typeface="Cambria Math" panose="02040503050406030204" pitchFamily="18" charset="0"/>
+                </a:endParaRPr>
+              </a:p>
+            </p:txBody>
+          </p:sp>
+        </mc:Choice>
+        <mc:Fallback>
+          <p:sp>
+            <p:nvSpPr>
+              <p:cNvPr id="5" name="Metin kutusu 4">
+                <a:extLst>
+                  <a:ext uri="{FF2B5EF4-FFF2-40B4-BE49-F238E27FC236}">
+                    <a16:creationId xmlns:a16="http://schemas.microsoft.com/office/drawing/2014/main" id="{6028255E-F5ED-AE21-95B5-0E6AE0F2D42F}"/>
+                  </a:ext>
+                </a:extLst>
+              </p:cNvPr>
+              <p:cNvSpPr txBox="1">
+                <a:spLocks noRot="1" noChangeAspect="1" noMove="1" noResize="1" noEditPoints="1" noAdjustHandles="1" noChangeArrowheads="1" noChangeShapeType="1" noTextEdit="1"/>
+              </p:cNvSpPr>
+              <p:nvPr/>
+            </p:nvSpPr>
+            <p:spPr>
+              <a:xfrm>
+                <a:off x="1710268" y="5511492"/>
+                <a:ext cx="6107288" cy="331181"/>
+              </a:xfrm>
+              <a:prstGeom prst="rect">
+                <a:avLst/>
+              </a:prstGeom>
+              <a:blipFill>
+                <a:blip r:embed="rId4"/>
+                <a:stretch>
+                  <a:fillRect b="-1852"/>
+                </a:stretch>
+              </a:blipFill>
+            </p:spPr>
+            <p:txBody>
+              <a:bodyPr/>
+              <a:lstStyle/>
+              <a:p>
+                <a:r>
+                  <a:rPr lang="en-US">
+                    <a:noFill/>
+                  </a:rPr>
+                  <a:t> </a:t>
+                </a:r>
+              </a:p>
+            </p:txBody>
+          </p:sp>
+        </mc:Fallback>
+      </mc:AlternateContent>
     </p:spTree>
     <p:extLst>
       <p:ext uri="{BB962C8B-B14F-4D97-AF65-F5344CB8AC3E}">
@@ -28620,6 +28951,10 @@
               <a:rPr lang="tr-TR" dirty="0" err="1"/>
               <a:t>Results</a:t>
             </a:r>
+            <a:r>
+              <a:rPr lang="tr-TR" dirty="0"/>
+              <a:t> 3</a:t>
+            </a:r>
             <a:endParaRPr lang="en-US" dirty="0"/>
           </a:p>
         </p:txBody>
@@ -28898,98 +29233,379 @@
           </a:prstGeom>
         </p:spPr>
       </p:pic>
-      <p:sp>
-        <p:nvSpPr>
-          <p:cNvPr id="7" name="Metin kutusu 6">
-            <a:extLst>
-              <a:ext uri="{FF2B5EF4-FFF2-40B4-BE49-F238E27FC236}">
-                <a16:creationId xmlns:a16="http://schemas.microsoft.com/office/drawing/2014/main" id="{52AEA9C8-F598-37B5-43F3-9A88203C9132}"/>
-              </a:ext>
-            </a:extLst>
-          </p:cNvPr>
-          <p:cNvSpPr txBox="1"/>
-          <p:nvPr/>
-        </p:nvSpPr>
-        <p:spPr>
-          <a:xfrm>
-            <a:off x="1436511" y="5578309"/>
-            <a:ext cx="6214532" cy="307777"/>
-          </a:xfrm>
-          <a:prstGeom prst="rect">
-            <a:avLst/>
-          </a:prstGeom>
-          <a:noFill/>
-        </p:spPr>
-        <p:txBody>
-          <a:bodyPr wrap="square">
-            <a:spAutoFit/>
-          </a:bodyPr>
-          <a:lstStyle/>
-          <a:p>
-            <a:r>
-              <a:rPr lang="tr-TR" b="0" i="0" dirty="0">
-                <a:effectLst/>
-                <a:highlight>
-                  <a:srgbClr val="FFFFFF"/>
-                </a:highlight>
-                <a:latin typeface="Arial" panose="020B0604020202020204" pitchFamily="34" charset="0"/>
-              </a:rPr>
-              <a:t>r3(t) = −((</a:t>
-            </a:r>
-            <a:r>
-              <a:rPr lang="el-GR" b="0" i="0" dirty="0">
-                <a:effectLst/>
-                <a:highlight>
-                  <a:srgbClr val="FFFFFF"/>
-                </a:highlight>
-                <a:latin typeface="Arial" panose="020B0604020202020204" pitchFamily="34" charset="0"/>
-              </a:rPr>
-              <a:t>θ</a:t>
-            </a:r>
-            <a:r>
-              <a:rPr lang="tr-TR" b="0" i="0" dirty="0">
-                <a:effectLst/>
-                <a:highlight>
-                  <a:srgbClr val="FFFFFF"/>
-                </a:highlight>
-                <a:latin typeface="Arial" panose="020B0604020202020204" pitchFamily="34" charset="0"/>
-              </a:rPr>
-              <a:t>r − </a:t>
-            </a:r>
-            <a:r>
-              <a:rPr lang="el-GR" b="0" i="0" dirty="0">
-                <a:effectLst/>
-                <a:highlight>
-                  <a:srgbClr val="FFFFFF"/>
-                </a:highlight>
-                <a:latin typeface="Arial" panose="020B0604020202020204" pitchFamily="34" charset="0"/>
-              </a:rPr>
-              <a:t>θ)2 + (φ</a:t>
-            </a:r>
-            <a:r>
-              <a:rPr lang="tr-TR" b="0" i="0" dirty="0">
-                <a:effectLst/>
-                <a:highlight>
-                  <a:srgbClr val="FFFFFF"/>
-                </a:highlight>
-                <a:latin typeface="Arial" panose="020B0604020202020204" pitchFamily="34" charset="0"/>
-              </a:rPr>
-              <a:t>r − </a:t>
-            </a:r>
-            <a:r>
-              <a:rPr lang="el-GR" b="0" i="0" dirty="0">
-                <a:effectLst/>
-                <a:highlight>
-                  <a:srgbClr val="FFFFFF"/>
-                </a:highlight>
-                <a:latin typeface="Arial" panose="020B0604020202020204" pitchFamily="34" charset="0"/>
-              </a:rPr>
-              <a:t>φ)2)</a:t>
-            </a:r>
-            <a:endParaRPr lang="tr-TR" dirty="0"/>
-          </a:p>
-        </p:txBody>
-      </p:sp>
+      <mc:AlternateContent xmlns:mc="http://schemas.openxmlformats.org/markup-compatibility/2006">
+        <mc:Choice xmlns:a14="http://schemas.microsoft.com/office/drawing/2010/main" Requires="a14">
+          <p:sp>
+            <p:nvSpPr>
+              <p:cNvPr id="7" name="Metin kutusu 6">
+                <a:extLst>
+                  <a:ext uri="{FF2B5EF4-FFF2-40B4-BE49-F238E27FC236}">
+                    <a16:creationId xmlns:a16="http://schemas.microsoft.com/office/drawing/2014/main" id="{52AEA9C8-F598-37B5-43F3-9A88203C9132}"/>
+                  </a:ext>
+                </a:extLst>
+              </p:cNvPr>
+              <p:cNvSpPr txBox="1"/>
+              <p:nvPr/>
+            </p:nvSpPr>
+            <p:spPr>
+              <a:xfrm>
+                <a:off x="1436511" y="5578309"/>
+                <a:ext cx="6214532" cy="307777"/>
+              </a:xfrm>
+              <a:prstGeom prst="rect">
+                <a:avLst/>
+              </a:prstGeom>
+              <a:noFill/>
+            </p:spPr>
+            <p:txBody>
+              <a:bodyPr wrap="square">
+                <a:spAutoFit/>
+              </a:bodyPr>
+              <a:lstStyle/>
+              <a:p>
+                <a:pPr/>
+                <a14:m>
+                  <m:oMathPara xmlns:m="http://schemas.openxmlformats.org/officeDocument/2006/math">
+                    <m:oMathParaPr>
+                      <m:jc m:val="left"/>
+                    </m:oMathParaPr>
+                    <m:oMath xmlns:m="http://schemas.openxmlformats.org/officeDocument/2006/math">
+                      <m:sSub>
+                        <m:sSubPr>
+                          <m:ctrlPr>
+                            <a:rPr lang="tr-TR" i="1" smtClean="0">
+                              <a:highlight>
+                                <a:srgbClr val="FFFFFF"/>
+                              </a:highlight>
+                              <a:latin typeface="Cambria Math" panose="02040503050406030204" pitchFamily="18" charset="0"/>
+                            </a:rPr>
+                          </m:ctrlPr>
+                        </m:sSubPr>
+                        <m:e>
+                          <m:r>
+                            <a:rPr lang="tr-TR" i="1">
+                              <a:highlight>
+                                <a:srgbClr val="FFFFFF"/>
+                              </a:highlight>
+                              <a:latin typeface="Cambria Math" panose="02040503050406030204" pitchFamily="18" charset="0"/>
+                            </a:rPr>
+                            <m:t>𝑟</m:t>
+                          </m:r>
+                        </m:e>
+                        <m:sub>
+                          <m:r>
+                            <a:rPr lang="tr-TR" b="0" i="1" smtClean="0">
+                              <a:highlight>
+                                <a:srgbClr val="FFFFFF"/>
+                              </a:highlight>
+                              <a:latin typeface="Cambria Math" panose="02040503050406030204" pitchFamily="18" charset="0"/>
+                            </a:rPr>
+                            <m:t>3</m:t>
+                          </m:r>
+                        </m:sub>
+                      </m:sSub>
+                      <m:d>
+                        <m:dPr>
+                          <m:ctrlPr>
+                            <a:rPr lang="tr-TR" i="1">
+                              <a:highlight>
+                                <a:srgbClr val="FFFFFF"/>
+                              </a:highlight>
+                              <a:latin typeface="Cambria Math" panose="02040503050406030204" pitchFamily="18" charset="0"/>
+                            </a:rPr>
+                          </m:ctrlPr>
+                        </m:dPr>
+                        <m:e>
+                          <m:r>
+                            <a:rPr lang="tr-TR" i="1">
+                              <a:highlight>
+                                <a:srgbClr val="FFFFFF"/>
+                              </a:highlight>
+                              <a:latin typeface="Cambria Math" panose="02040503050406030204" pitchFamily="18" charset="0"/>
+                            </a:rPr>
+                            <m:t>𝑡</m:t>
+                          </m:r>
+                        </m:e>
+                      </m:d>
+                      <m:r>
+                        <a:rPr lang="tr-TR" i="1">
+                          <a:highlight>
+                            <a:srgbClr val="FFFFFF"/>
+                          </a:highlight>
+                          <a:latin typeface="Cambria Math" panose="02040503050406030204" pitchFamily="18" charset="0"/>
+                        </a:rPr>
+                        <m:t>=−(</m:t>
+                      </m:r>
+                      <m:sSup>
+                        <m:sSupPr>
+                          <m:ctrlPr>
+                            <a:rPr lang="tr-TR" i="1">
+                              <a:highlight>
+                                <a:srgbClr val="FFFFFF"/>
+                              </a:highlight>
+                              <a:latin typeface="Cambria Math" panose="02040503050406030204" pitchFamily="18" charset="0"/>
+                            </a:rPr>
+                          </m:ctrlPr>
+                        </m:sSupPr>
+                        <m:e>
+                          <m:r>
+                            <m:rPr>
+                              <m:nor/>
+                            </m:rPr>
+                            <a:rPr lang="tr-TR" i="1" dirty="0">
+                              <a:highlight>
+                                <a:srgbClr val="FFFFFF"/>
+                              </a:highlight>
+                              <a:latin typeface="Cambria Math" panose="02040503050406030204" pitchFamily="18" charset="0"/>
+                            </a:rPr>
+                            <m:t>(</m:t>
+                          </m:r>
+                          <m:r>
+                            <m:rPr>
+                              <m:nor/>
+                            </m:rPr>
+                            <a:rPr lang="el-GR" i="1" dirty="0">
+                              <a:highlight>
+                                <a:srgbClr val="FFFFFF"/>
+                              </a:highlight>
+                              <a:latin typeface="Cambria Math" panose="02040503050406030204" pitchFamily="18" charset="0"/>
+                            </a:rPr>
+                            <m:t>θ</m:t>
+                          </m:r>
+                          <m:r>
+                            <m:rPr>
+                              <m:nor/>
+                            </m:rPr>
+                            <a:rPr lang="tr-TR" i="1" dirty="0">
+                              <a:highlight>
+                                <a:srgbClr val="FFFFFF"/>
+                              </a:highlight>
+                              <a:latin typeface="Cambria Math" panose="02040503050406030204" pitchFamily="18" charset="0"/>
+                            </a:rPr>
+                            <m:t>r</m:t>
+                          </m:r>
+                          <m:r>
+                            <m:rPr>
+                              <m:nor/>
+                            </m:rPr>
+                            <a:rPr lang="tr-TR" i="1" dirty="0">
+                              <a:highlight>
+                                <a:srgbClr val="FFFFFF"/>
+                              </a:highlight>
+                              <a:latin typeface="Cambria Math" panose="02040503050406030204" pitchFamily="18" charset="0"/>
+                            </a:rPr>
+                            <m:t> − </m:t>
+                          </m:r>
+                          <m:r>
+                            <m:rPr>
+                              <m:nor/>
+                            </m:rPr>
+                            <a:rPr lang="el-GR" i="1" dirty="0">
+                              <a:highlight>
+                                <a:srgbClr val="FFFFFF"/>
+                              </a:highlight>
+                              <a:latin typeface="Cambria Math" panose="02040503050406030204" pitchFamily="18" charset="0"/>
+                            </a:rPr>
+                            <m:t>θ</m:t>
+                          </m:r>
+                          <m:r>
+                            <m:rPr>
+                              <m:nor/>
+                            </m:rPr>
+                            <a:rPr lang="el-GR" i="1" dirty="0">
+                              <a:highlight>
+                                <a:srgbClr val="FFFFFF"/>
+                              </a:highlight>
+                              <a:latin typeface="Cambria Math" panose="02040503050406030204" pitchFamily="18" charset="0"/>
+                            </a:rPr>
+                            <m:t>)</m:t>
+                          </m:r>
+                        </m:e>
+                        <m:sup>
+                          <m:r>
+                            <a:rPr lang="tr-TR" i="1">
+                              <a:highlight>
+                                <a:srgbClr val="FFFFFF"/>
+                              </a:highlight>
+                              <a:latin typeface="Cambria Math" panose="02040503050406030204" pitchFamily="18" charset="0"/>
+                            </a:rPr>
+                            <m:t>2</m:t>
+                          </m:r>
+                        </m:sup>
+                      </m:sSup>
+                      <m:r>
+                        <a:rPr lang="tr-TR" i="1">
+                          <a:highlight>
+                            <a:srgbClr val="FFFFFF"/>
+                          </a:highlight>
+                          <a:latin typeface="Cambria Math" panose="02040503050406030204" pitchFamily="18" charset="0"/>
+                        </a:rPr>
+                        <m:t>+</m:t>
+                      </m:r>
+                      <m:sSup>
+                        <m:sSupPr>
+                          <m:ctrlPr>
+                            <a:rPr lang="tr-TR" i="1">
+                              <a:highlight>
+                                <a:srgbClr val="FFFFFF"/>
+                              </a:highlight>
+                              <a:latin typeface="Cambria Math" panose="02040503050406030204" pitchFamily="18" charset="0"/>
+                            </a:rPr>
+                          </m:ctrlPr>
+                        </m:sSupPr>
+                        <m:e>
+                          <m:r>
+                            <m:rPr>
+                              <m:nor/>
+                            </m:rPr>
+                            <a:rPr lang="el-GR" i="1" dirty="0">
+                              <a:highlight>
+                                <a:srgbClr val="FFFFFF"/>
+                              </a:highlight>
+                              <a:latin typeface="Cambria Math" panose="02040503050406030204" pitchFamily="18" charset="0"/>
+                            </a:rPr>
+                            <m:t>(</m:t>
+                          </m:r>
+                          <m:r>
+                            <m:rPr>
+                              <m:nor/>
+                            </m:rPr>
+                            <a:rPr lang="el-GR" i="1" dirty="0">
+                              <a:highlight>
+                                <a:srgbClr val="FFFFFF"/>
+                              </a:highlight>
+                              <a:latin typeface="Cambria Math" panose="02040503050406030204" pitchFamily="18" charset="0"/>
+                            </a:rPr>
+                            <m:t>φ</m:t>
+                          </m:r>
+                          <m:r>
+                            <m:rPr>
+                              <m:nor/>
+                            </m:rPr>
+                            <a:rPr lang="tr-TR" i="1" dirty="0">
+                              <a:highlight>
+                                <a:srgbClr val="FFFFFF"/>
+                              </a:highlight>
+                              <a:latin typeface="Cambria Math" panose="02040503050406030204" pitchFamily="18" charset="0"/>
+                            </a:rPr>
+                            <m:t>r</m:t>
+                          </m:r>
+                          <m:r>
+                            <m:rPr>
+                              <m:nor/>
+                            </m:rPr>
+                            <a:rPr lang="tr-TR" i="1" dirty="0">
+                              <a:highlight>
+                                <a:srgbClr val="FFFFFF"/>
+                              </a:highlight>
+                              <a:latin typeface="Cambria Math" panose="02040503050406030204" pitchFamily="18" charset="0"/>
+                            </a:rPr>
+                            <m:t> − </m:t>
+                          </m:r>
+                          <m:r>
+                            <m:rPr>
+                              <m:nor/>
+                            </m:rPr>
+                            <a:rPr lang="el-GR" i="1" dirty="0">
+                              <a:highlight>
+                                <a:srgbClr val="FFFFFF"/>
+                              </a:highlight>
+                              <a:latin typeface="Cambria Math" panose="02040503050406030204" pitchFamily="18" charset="0"/>
+                            </a:rPr>
+                            <m:t>φ</m:t>
+                          </m:r>
+                          <m:r>
+                            <m:rPr>
+                              <m:nor/>
+                            </m:rPr>
+                            <a:rPr lang="el-GR" i="1" dirty="0">
+                              <a:highlight>
+                                <a:srgbClr val="FFFFFF"/>
+                              </a:highlight>
+                              <a:latin typeface="Cambria Math" panose="02040503050406030204" pitchFamily="18" charset="0"/>
+                            </a:rPr>
+                            <m:t>)</m:t>
+                          </m:r>
+                        </m:e>
+                        <m:sup>
+                          <m:r>
+                            <a:rPr lang="tr-TR" i="1">
+                              <a:highlight>
+                                <a:srgbClr val="FFFFFF"/>
+                              </a:highlight>
+                              <a:latin typeface="Cambria Math" panose="02040503050406030204" pitchFamily="18" charset="0"/>
+                            </a:rPr>
+                            <m:t>2</m:t>
+                          </m:r>
+                        </m:sup>
+                      </m:sSup>
+                      <m:r>
+                        <a:rPr lang="tr-TR" i="1">
+                          <a:highlight>
+                            <a:srgbClr val="FFFFFF"/>
+                          </a:highlight>
+                          <a:latin typeface="Cambria Math" panose="02040503050406030204" pitchFamily="18" charset="0"/>
+                        </a:rPr>
+                        <m:t>)</m:t>
+                      </m:r>
+                    </m:oMath>
+                  </m:oMathPara>
+                </a14:m>
+                <a:endParaRPr lang="tr-TR" i="1" dirty="0">
+                  <a:highlight>
+                    <a:srgbClr val="FFFFFF"/>
+                  </a:highlight>
+                  <a:latin typeface="Cambria Math" panose="02040503050406030204" pitchFamily="18" charset="0"/>
+                </a:endParaRPr>
+              </a:p>
+            </p:txBody>
+          </p:sp>
+        </mc:Choice>
+        <mc:Fallback>
+          <p:sp>
+            <p:nvSpPr>
+              <p:cNvPr id="7" name="Metin kutusu 6">
+                <a:extLst>
+                  <a:ext uri="{FF2B5EF4-FFF2-40B4-BE49-F238E27FC236}">
+                    <a16:creationId xmlns:a16="http://schemas.microsoft.com/office/drawing/2014/main" id="{52AEA9C8-F598-37B5-43F3-9A88203C9132}"/>
+                  </a:ext>
+                </a:extLst>
+              </p:cNvPr>
+              <p:cNvSpPr txBox="1">
+                <a:spLocks noRot="1" noChangeAspect="1" noMove="1" noResize="1" noEditPoints="1" noAdjustHandles="1" noChangeArrowheads="1" noChangeShapeType="1" noTextEdit="1"/>
+              </p:cNvSpPr>
+              <p:nvPr/>
+            </p:nvSpPr>
+            <p:spPr>
+              <a:xfrm>
+                <a:off x="1436511" y="5578309"/>
+                <a:ext cx="6214532" cy="307777"/>
+              </a:xfrm>
+              <a:prstGeom prst="rect">
+                <a:avLst/>
+              </a:prstGeom>
+              <a:blipFill>
+                <a:blip r:embed="rId4"/>
+                <a:stretch>
+                  <a:fillRect b="-7843"/>
+                </a:stretch>
+              </a:blipFill>
+            </p:spPr>
+            <p:txBody>
+              <a:bodyPr/>
+              <a:lstStyle/>
+              <a:p>
+                <a:r>
+                  <a:rPr lang="en-US">
+                    <a:noFill/>
+                  </a:rPr>
+                  <a:t> </a:t>
+                </a:r>
+              </a:p>
+            </p:txBody>
+          </p:sp>
+        </mc:Fallback>
+      </mc:AlternateContent>
     </p:spTree>
     <p:extLst>
       <p:ext uri="{BB962C8B-B14F-4D97-AF65-F5344CB8AC3E}">
@@ -29069,8 +29685,20 @@
               <a:buNone/>
             </a:pPr>
             <a:r>
+              <a:rPr lang="tr-TR" dirty="0" err="1"/>
+              <a:t>Trainig</a:t>
+            </a:r>
+            <a:r>
               <a:rPr lang="tr-TR" dirty="0"/>
               <a:t> </a:t>
+            </a:r>
+            <a:r>
+              <a:rPr lang="tr-TR" dirty="0" err="1"/>
+              <a:t>Results</a:t>
+            </a:r>
+            <a:r>
+              <a:rPr lang="tr-TR" dirty="0"/>
+              <a:t> 4</a:t>
             </a:r>
             <a:endParaRPr lang="en-US" dirty="0"/>
           </a:p>
@@ -29354,101 +29982,345 @@
           </a:prstGeom>
         </p:spPr>
       </p:pic>
-      <p:sp>
-        <p:nvSpPr>
-          <p:cNvPr id="5" name="Metin kutusu 4">
-            <a:extLst>
-              <a:ext uri="{FF2B5EF4-FFF2-40B4-BE49-F238E27FC236}">
-                <a16:creationId xmlns:a16="http://schemas.microsoft.com/office/drawing/2014/main" id="{D77E5A44-21AF-C861-5E00-39F72FEF9D5D}"/>
-              </a:ext>
-            </a:extLst>
-          </p:cNvPr>
-          <p:cNvSpPr txBox="1"/>
-          <p:nvPr/>
-        </p:nvSpPr>
-        <p:spPr>
-          <a:xfrm>
-            <a:off x="1658664" y="5666508"/>
-            <a:ext cx="6107288" cy="523220"/>
-          </a:xfrm>
-          <a:prstGeom prst="rect">
-            <a:avLst/>
-          </a:prstGeom>
-          <a:noFill/>
-        </p:spPr>
-        <p:txBody>
-          <a:bodyPr wrap="square">
-            <a:spAutoFit/>
-          </a:bodyPr>
-          <a:lstStyle/>
-          <a:p>
-            <a:r>
-              <a:rPr lang="tr-TR" b="0" i="0" dirty="0">
-                <a:effectLst/>
-                <a:highlight>
-                  <a:srgbClr val="FFFFFF"/>
-                </a:highlight>
-                <a:latin typeface="Arial" panose="020B0604020202020204" pitchFamily="34" charset="0"/>
-              </a:rPr>
-              <a:t>r4(t) = −(0.5(</a:t>
-            </a:r>
-            <a:r>
-              <a:rPr lang="el-GR" b="0" i="0" dirty="0">
-                <a:effectLst/>
-                <a:highlight>
-                  <a:srgbClr val="FFFFFF"/>
-                </a:highlight>
-                <a:latin typeface="Arial" panose="020B0604020202020204" pitchFamily="34" charset="0"/>
-              </a:rPr>
-              <a:t>θ</a:t>
-            </a:r>
-            <a:r>
-              <a:rPr lang="tr-TR" b="0" i="0" dirty="0">
-                <a:effectLst/>
-                <a:highlight>
-                  <a:srgbClr val="FFFFFF"/>
-                </a:highlight>
-                <a:latin typeface="Arial" panose="020B0604020202020204" pitchFamily="34" charset="0"/>
-              </a:rPr>
-              <a:t>r − </a:t>
-            </a:r>
-            <a:r>
-              <a:rPr lang="el-GR" b="0" i="0" dirty="0">
-                <a:effectLst/>
-                <a:highlight>
-                  <a:srgbClr val="FFFFFF"/>
-                </a:highlight>
-                <a:latin typeface="Arial" panose="020B0604020202020204" pitchFamily="34" charset="0"/>
-              </a:rPr>
-              <a:t>θ) + 0.5(φ</a:t>
-            </a:r>
-            <a:r>
-              <a:rPr lang="tr-TR" b="0" i="0" dirty="0">
-                <a:effectLst/>
-                <a:highlight>
-                  <a:srgbClr val="FFFFFF"/>
-                </a:highlight>
-                <a:latin typeface="Arial" panose="020B0604020202020204" pitchFamily="34" charset="0"/>
-              </a:rPr>
-              <a:t>r − </a:t>
-            </a:r>
-            <a:r>
-              <a:rPr lang="el-GR" b="0" i="0" dirty="0">
-                <a:effectLst/>
-                <a:highlight>
-                  <a:srgbClr val="FFFFFF"/>
-                </a:highlight>
-                <a:latin typeface="Arial" panose="020B0604020202020204" pitchFamily="34" charset="0"/>
-              </a:rPr>
-              <a:t>φ))</a:t>
-            </a:r>
-            <a:br>
-              <a:rPr lang="el-GR" dirty="0"/>
-            </a:br>
-            <a:endParaRPr lang="tr-TR" dirty="0"/>
-          </a:p>
-        </p:txBody>
-      </p:sp>
+      <mc:AlternateContent xmlns:mc="http://schemas.openxmlformats.org/markup-compatibility/2006">
+        <mc:Choice xmlns:a14="http://schemas.microsoft.com/office/drawing/2010/main" Requires="a14">
+          <p:sp>
+            <p:nvSpPr>
+              <p:cNvPr id="5" name="Metin kutusu 4">
+                <a:extLst>
+                  <a:ext uri="{FF2B5EF4-FFF2-40B4-BE49-F238E27FC236}">
+                    <a16:creationId xmlns:a16="http://schemas.microsoft.com/office/drawing/2014/main" id="{D77E5A44-21AF-C861-5E00-39F72FEF9D5D}"/>
+                  </a:ext>
+                </a:extLst>
+              </p:cNvPr>
+              <p:cNvSpPr txBox="1"/>
+              <p:nvPr/>
+            </p:nvSpPr>
+            <p:spPr>
+              <a:xfrm>
+                <a:off x="1658664" y="5666508"/>
+                <a:ext cx="6107288" cy="307841"/>
+              </a:xfrm>
+              <a:prstGeom prst="rect">
+                <a:avLst/>
+              </a:prstGeom>
+              <a:noFill/>
+            </p:spPr>
+            <p:txBody>
+              <a:bodyPr wrap="square">
+                <a:spAutoFit/>
+              </a:bodyPr>
+              <a:lstStyle/>
+              <a:p>
+                <a:pPr/>
+                <a14:m>
+                  <m:oMathPara xmlns:m="http://schemas.openxmlformats.org/officeDocument/2006/math">
+                    <m:oMathParaPr>
+                      <m:jc m:val="left"/>
+                    </m:oMathParaPr>
+                    <m:oMath xmlns:m="http://schemas.openxmlformats.org/officeDocument/2006/math">
+                      <m:sSub>
+                        <m:sSubPr>
+                          <m:ctrlPr>
+                            <a:rPr lang="tr-TR" i="1" smtClean="0">
+                              <a:highlight>
+                                <a:srgbClr val="FFFFFF"/>
+                              </a:highlight>
+                              <a:latin typeface="Cambria Math" panose="02040503050406030204" pitchFamily="18" charset="0"/>
+                            </a:rPr>
+                          </m:ctrlPr>
+                        </m:sSubPr>
+                        <m:e>
+                          <m:r>
+                            <a:rPr lang="tr-TR" i="1">
+                              <a:highlight>
+                                <a:srgbClr val="FFFFFF"/>
+                              </a:highlight>
+                              <a:latin typeface="Cambria Math" panose="02040503050406030204" pitchFamily="18" charset="0"/>
+                            </a:rPr>
+                            <m:t>𝑟</m:t>
+                          </m:r>
+                        </m:e>
+                        <m:sub>
+                          <m:r>
+                            <a:rPr lang="tr-TR" b="0" i="1" smtClean="0">
+                              <a:highlight>
+                                <a:srgbClr val="FFFFFF"/>
+                              </a:highlight>
+                              <a:latin typeface="Cambria Math" panose="02040503050406030204" pitchFamily="18" charset="0"/>
+                            </a:rPr>
+                            <m:t>4</m:t>
+                          </m:r>
+                        </m:sub>
+                      </m:sSub>
+                      <m:d>
+                        <m:dPr>
+                          <m:ctrlPr>
+                            <a:rPr lang="tr-TR" i="1">
+                              <a:highlight>
+                                <a:srgbClr val="FFFFFF"/>
+                              </a:highlight>
+                              <a:latin typeface="Cambria Math" panose="02040503050406030204" pitchFamily="18" charset="0"/>
+                            </a:rPr>
+                          </m:ctrlPr>
+                        </m:dPr>
+                        <m:e>
+                          <m:r>
+                            <a:rPr lang="tr-TR" i="1">
+                              <a:highlight>
+                                <a:srgbClr val="FFFFFF"/>
+                              </a:highlight>
+                              <a:latin typeface="Cambria Math" panose="02040503050406030204" pitchFamily="18" charset="0"/>
+                            </a:rPr>
+                            <m:t>𝑡</m:t>
+                          </m:r>
+                        </m:e>
+                      </m:d>
+                      <m:r>
+                        <a:rPr lang="tr-TR" i="1">
+                          <a:highlight>
+                            <a:srgbClr val="FFFFFF"/>
+                          </a:highlight>
+                          <a:latin typeface="Cambria Math" panose="02040503050406030204" pitchFamily="18" charset="0"/>
+                        </a:rPr>
+                        <m:t>=−(</m:t>
+                      </m:r>
+                      <m:r>
+                        <a:rPr lang="tr-TR" b="0" i="1" smtClean="0">
+                          <a:highlight>
+                            <a:srgbClr val="FFFFFF"/>
+                          </a:highlight>
+                          <a:latin typeface="Cambria Math" panose="02040503050406030204" pitchFamily="18" charset="0"/>
+                        </a:rPr>
+                        <m:t>0.5</m:t>
+                      </m:r>
+                      <m:r>
+                        <m:rPr>
+                          <m:nor/>
+                        </m:rPr>
+                        <a:rPr lang="tr-TR" i="1" dirty="0">
+                          <a:highlight>
+                            <a:srgbClr val="FFFFFF"/>
+                          </a:highlight>
+                          <a:latin typeface="Cambria Math" panose="02040503050406030204" pitchFamily="18" charset="0"/>
+                        </a:rPr>
+                        <m:t>(</m:t>
+                      </m:r>
+                      <m:r>
+                        <m:rPr>
+                          <m:nor/>
+                        </m:rPr>
+                        <a:rPr lang="el-GR" i="1" dirty="0">
+                          <a:highlight>
+                            <a:srgbClr val="FFFFFF"/>
+                          </a:highlight>
+                          <a:latin typeface="Cambria Math" panose="02040503050406030204" pitchFamily="18" charset="0"/>
+                        </a:rPr>
+                        <m:t>θ</m:t>
+                      </m:r>
+                      <m:r>
+                        <m:rPr>
+                          <m:nor/>
+                        </m:rPr>
+                        <a:rPr lang="tr-TR" i="1" dirty="0">
+                          <a:highlight>
+                            <a:srgbClr val="FFFFFF"/>
+                          </a:highlight>
+                          <a:latin typeface="Cambria Math" panose="02040503050406030204" pitchFamily="18" charset="0"/>
+                        </a:rPr>
+                        <m:t>r</m:t>
+                      </m:r>
+                      <m:r>
+                        <m:rPr>
+                          <m:nor/>
+                        </m:rPr>
+                        <a:rPr lang="tr-TR" i="1" dirty="0">
+                          <a:highlight>
+                            <a:srgbClr val="FFFFFF"/>
+                          </a:highlight>
+                          <a:latin typeface="Cambria Math" panose="02040503050406030204" pitchFamily="18" charset="0"/>
+                        </a:rPr>
+                        <m:t> − </m:t>
+                      </m:r>
+                      <m:r>
+                        <m:rPr>
+                          <m:nor/>
+                        </m:rPr>
+                        <a:rPr lang="el-GR" i="1" dirty="0">
+                          <a:highlight>
+                            <a:srgbClr val="FFFFFF"/>
+                          </a:highlight>
+                          <a:latin typeface="Cambria Math" panose="02040503050406030204" pitchFamily="18" charset="0"/>
+                        </a:rPr>
+                        <m:t>θ</m:t>
+                      </m:r>
+                      <m:r>
+                        <m:rPr>
+                          <m:nor/>
+                        </m:rPr>
+                        <a:rPr lang="el-GR" i="1" dirty="0">
+                          <a:highlight>
+                            <a:srgbClr val="FFFFFF"/>
+                          </a:highlight>
+                          <a:latin typeface="Cambria Math" panose="02040503050406030204" pitchFamily="18" charset="0"/>
+                        </a:rPr>
+                        <m:t>)</m:t>
+                      </m:r>
+                      <m:r>
+                        <a:rPr lang="tr-TR" i="1">
+                          <a:highlight>
+                            <a:srgbClr val="FFFFFF"/>
+                          </a:highlight>
+                          <a:latin typeface="Cambria Math" panose="02040503050406030204" pitchFamily="18" charset="0"/>
+                        </a:rPr>
+                        <m:t>+</m:t>
+                      </m:r>
+                      <m:r>
+                        <a:rPr lang="tr-TR" b="0" i="1" smtClean="0">
+                          <a:highlight>
+                            <a:srgbClr val="FFFFFF"/>
+                          </a:highlight>
+                          <a:latin typeface="Cambria Math" panose="02040503050406030204" pitchFamily="18" charset="0"/>
+                        </a:rPr>
+                        <m:t>0.5</m:t>
+                      </m:r>
+                      <m:r>
+                        <m:rPr>
+                          <m:nor/>
+                        </m:rPr>
+                        <a:rPr lang="el-GR" i="1" dirty="0">
+                          <a:highlight>
+                            <a:srgbClr val="FFFFFF"/>
+                          </a:highlight>
+                          <a:latin typeface="Cambria Math" panose="02040503050406030204" pitchFamily="18" charset="0"/>
+                        </a:rPr>
+                        <m:t>(</m:t>
+                      </m:r>
+                      <m:r>
+                        <m:rPr>
+                          <m:nor/>
+                        </m:rPr>
+                        <a:rPr lang="el-GR" i="1" dirty="0">
+                          <a:highlight>
+                            <a:srgbClr val="FFFFFF"/>
+                          </a:highlight>
+                          <a:latin typeface="Cambria Math" panose="02040503050406030204" pitchFamily="18" charset="0"/>
+                        </a:rPr>
+                        <m:t>φ</m:t>
+                      </m:r>
+                      <m:r>
+                        <m:rPr>
+                          <m:nor/>
+                        </m:rPr>
+                        <a:rPr lang="tr-TR" i="1" dirty="0">
+                          <a:highlight>
+                            <a:srgbClr val="FFFFFF"/>
+                          </a:highlight>
+                          <a:latin typeface="Cambria Math" panose="02040503050406030204" pitchFamily="18" charset="0"/>
+                        </a:rPr>
+                        <m:t>r</m:t>
+                      </m:r>
+                      <m:r>
+                        <m:rPr>
+                          <m:nor/>
+                        </m:rPr>
+                        <a:rPr lang="tr-TR" i="1" dirty="0">
+                          <a:highlight>
+                            <a:srgbClr val="FFFFFF"/>
+                          </a:highlight>
+                          <a:latin typeface="Cambria Math" panose="02040503050406030204" pitchFamily="18" charset="0"/>
+                        </a:rPr>
+                        <m:t> − </m:t>
+                      </m:r>
+                      <m:r>
+                        <m:rPr>
+                          <m:nor/>
+                        </m:rPr>
+                        <a:rPr lang="el-GR" i="1" dirty="0">
+                          <a:highlight>
+                            <a:srgbClr val="FFFFFF"/>
+                          </a:highlight>
+                          <a:latin typeface="Cambria Math" panose="02040503050406030204" pitchFamily="18" charset="0"/>
+                        </a:rPr>
+                        <m:t>φ</m:t>
+                      </m:r>
+                      <m:r>
+                        <m:rPr>
+                          <m:nor/>
+                        </m:rPr>
+                        <a:rPr lang="el-GR" i="1" dirty="0">
+                          <a:highlight>
+                            <a:srgbClr val="FFFFFF"/>
+                          </a:highlight>
+                          <a:latin typeface="Cambria Math" panose="02040503050406030204" pitchFamily="18" charset="0"/>
+                        </a:rPr>
+                        <m:t>)</m:t>
+                      </m:r>
+                      <m:r>
+                        <a:rPr lang="tr-TR" i="1">
+                          <a:highlight>
+                            <a:srgbClr val="FFFFFF"/>
+                          </a:highlight>
+                          <a:latin typeface="Cambria Math" panose="02040503050406030204" pitchFamily="18" charset="0"/>
+                        </a:rPr>
+                        <m:t>)</m:t>
+                      </m:r>
+                    </m:oMath>
+                  </m:oMathPara>
+                </a14:m>
+                <a:br>
+                  <a:rPr lang="el-GR" dirty="0"/>
+                </a:br>
+                <a:endParaRPr lang="tr-TR" dirty="0"/>
+              </a:p>
+            </p:txBody>
+          </p:sp>
+        </mc:Choice>
+        <mc:Fallback>
+          <p:sp>
+            <p:nvSpPr>
+              <p:cNvPr id="5" name="Metin kutusu 4">
+                <a:extLst>
+                  <a:ext uri="{FF2B5EF4-FFF2-40B4-BE49-F238E27FC236}">
+                    <a16:creationId xmlns:a16="http://schemas.microsoft.com/office/drawing/2014/main" id="{D77E5A44-21AF-C861-5E00-39F72FEF9D5D}"/>
+                  </a:ext>
+                </a:extLst>
+              </p:cNvPr>
+              <p:cNvSpPr txBox="1">
+                <a:spLocks noRot="1" noChangeAspect="1" noMove="1" noResize="1" noEditPoints="1" noAdjustHandles="1" noChangeArrowheads="1" noChangeShapeType="1" noTextEdit="1"/>
+              </p:cNvSpPr>
+              <p:nvPr/>
+            </p:nvSpPr>
+            <p:spPr>
+              <a:xfrm>
+                <a:off x="1658664" y="5666508"/>
+                <a:ext cx="6107288" cy="307841"/>
+              </a:xfrm>
+              <a:prstGeom prst="rect">
+                <a:avLst/>
+              </a:prstGeom>
+              <a:blipFill>
+                <a:blip r:embed="rId4"/>
+                <a:stretch>
+                  <a:fillRect b="-10000"/>
+                </a:stretch>
+              </a:blipFill>
+            </p:spPr>
+            <p:txBody>
+              <a:bodyPr/>
+              <a:lstStyle/>
+              <a:p>
+                <a:r>
+                  <a:rPr lang="en-US">
+                    <a:noFill/>
+                  </a:rPr>
+                  <a:t> </a:t>
+                </a:r>
+              </a:p>
+            </p:txBody>
+          </p:sp>
+        </mc:Fallback>
+      </mc:AlternateContent>
     </p:spTree>
     <p:extLst>
       <p:ext uri="{BB962C8B-B14F-4D97-AF65-F5344CB8AC3E}">
